--- a/EclipseConFrance2018_CodeMining.pptx
+++ b/EclipseConFrance2018_CodeMining.pptx
@@ -10,8 +10,8 @@
     <p:sldId id="272" r:id="rId4"/>
     <p:sldId id="258" r:id="rId5"/>
     <p:sldId id="276" r:id="rId6"/>
-    <p:sldId id="259" r:id="rId7"/>
-    <p:sldId id="270" r:id="rId8"/>
+    <p:sldId id="277" r:id="rId7"/>
+    <p:sldId id="259" r:id="rId8"/>
     <p:sldId id="260" r:id="rId9"/>
     <p:sldId id="273" r:id="rId10"/>
     <p:sldId id="274" r:id="rId11"/>
@@ -325,7 +325,7 @@
           <a:p>
             <a:fld id="{8FF464A0-C30A-4EA4-AFB5-7042FE1A38C1}" type="datetimeFigureOut">
               <a:rPr lang="fr-FR" smtClean="0"/>
-              <a:t>19/05/2018</a:t>
+              <a:t>25/05/2018</a:t>
             </a:fld>
             <a:endParaRPr lang="fr-FR"/>
           </a:p>
@@ -1669,7 +1669,7 @@
           <a:p>
             <a:fld id="{8FF464A0-C30A-4EA4-AFB5-7042FE1A38C1}" type="datetimeFigureOut">
               <a:rPr lang="fr-FR" smtClean="0"/>
-              <a:t>19/05/2018</a:t>
+              <a:t>25/05/2018</a:t>
             </a:fld>
             <a:endParaRPr lang="fr-FR"/>
           </a:p>
@@ -2984,7 +2984,7 @@
           <a:p>
             <a:fld id="{8FF464A0-C30A-4EA4-AFB5-7042FE1A38C1}" type="datetimeFigureOut">
               <a:rPr lang="fr-FR" smtClean="0"/>
-              <a:t>19/05/2018</a:t>
+              <a:t>25/05/2018</a:t>
             </a:fld>
             <a:endParaRPr lang="fr-FR"/>
           </a:p>
@@ -3496,7 +3496,7 @@
           <a:p>
             <a:fld id="{8FF464A0-C30A-4EA4-AFB5-7042FE1A38C1}" type="datetimeFigureOut">
               <a:rPr lang="fr-FR" smtClean="0"/>
-              <a:t>19/05/2018</a:t>
+              <a:t>25/05/2018</a:t>
             </a:fld>
             <a:endParaRPr lang="fr-FR"/>
           </a:p>
@@ -3922,7 +3922,7 @@
           <a:p>
             <a:fld id="{8FF464A0-C30A-4EA4-AFB5-7042FE1A38C1}" type="datetimeFigureOut">
               <a:rPr lang="fr-FR" smtClean="0"/>
-              <a:t>19/05/2018</a:t>
+              <a:t>25/05/2018</a:t>
             </a:fld>
             <a:endParaRPr lang="fr-FR"/>
           </a:p>
@@ -4290,7 +4290,7 @@
           <a:p>
             <a:fld id="{8FF464A0-C30A-4EA4-AFB5-7042FE1A38C1}" type="datetimeFigureOut">
               <a:rPr lang="fr-FR" smtClean="0"/>
-              <a:t>19/05/2018</a:t>
+              <a:t>25/05/2018</a:t>
             </a:fld>
             <a:endParaRPr lang="fr-FR"/>
           </a:p>
@@ -5964,7 +5964,7 @@
           <a:p>
             <a:fld id="{8FF464A0-C30A-4EA4-AFB5-7042FE1A38C1}" type="datetimeFigureOut">
               <a:rPr lang="fr-FR" smtClean="0"/>
-              <a:t>19/05/2018</a:t>
+              <a:t>25/05/2018</a:t>
             </a:fld>
             <a:endParaRPr lang="fr-FR"/>
           </a:p>
@@ -7445,7 +7445,7 @@
           <a:p>
             <a:fld id="{8FF464A0-C30A-4EA4-AFB5-7042FE1A38C1}" type="datetimeFigureOut">
               <a:rPr lang="fr-FR" smtClean="0"/>
-              <a:t>19/05/2018</a:t>
+              <a:t>25/05/2018</a:t>
             </a:fld>
             <a:endParaRPr lang="fr-FR"/>
           </a:p>
@@ -9358,7 +9358,7 @@
           <a:p>
             <a:fld id="{8FF464A0-C30A-4EA4-AFB5-7042FE1A38C1}" type="datetimeFigureOut">
               <a:rPr lang="fr-FR" smtClean="0"/>
-              <a:t>19/05/2018</a:t>
+              <a:t>25/05/2018</a:t>
             </a:fld>
             <a:endParaRPr lang="fr-FR"/>
           </a:p>
@@ -9543,7 +9543,7 @@
           <a:p>
             <a:fld id="{8FF464A0-C30A-4EA4-AFB5-7042FE1A38C1}" type="datetimeFigureOut">
               <a:rPr lang="fr-FR" smtClean="0"/>
-              <a:t>19/05/2018</a:t>
+              <a:t>25/05/2018</a:t>
             </a:fld>
             <a:endParaRPr lang="fr-FR"/>
           </a:p>
@@ -9676,7 +9676,7 @@
           <a:p>
             <a:fld id="{8FF464A0-C30A-4EA4-AFB5-7042FE1A38C1}" type="datetimeFigureOut">
               <a:rPr lang="fr-FR" smtClean="0"/>
-              <a:t>19/05/2018</a:t>
+              <a:t>25/05/2018</a:t>
             </a:fld>
             <a:endParaRPr lang="fr-FR"/>
           </a:p>
@@ -9958,7 +9958,7 @@
           <a:p>
             <a:fld id="{8FF464A0-C30A-4EA4-AFB5-7042FE1A38C1}" type="datetimeFigureOut">
               <a:rPr lang="fr-FR" smtClean="0"/>
-              <a:t>19/05/2018</a:t>
+              <a:t>25/05/2018</a:t>
             </a:fld>
             <a:endParaRPr lang="fr-FR"/>
           </a:p>
@@ -10323,7 +10323,7 @@
           <a:p>
             <a:fld id="{8FF464A0-C30A-4EA4-AFB5-7042FE1A38C1}" type="datetimeFigureOut">
               <a:rPr lang="fr-FR" smtClean="0"/>
-              <a:t>19/05/2018</a:t>
+              <a:t>25/05/2018</a:t>
             </a:fld>
             <a:endParaRPr lang="fr-FR"/>
           </a:p>
@@ -11618,7 +11618,7 @@
           <a:p>
             <a:fld id="{8FF464A0-C30A-4EA4-AFB5-7042FE1A38C1}" type="datetimeFigureOut">
               <a:rPr lang="fr-FR" smtClean="0"/>
-              <a:t>19/05/2018</a:t>
+              <a:t>25/05/2018</a:t>
             </a:fld>
             <a:endParaRPr lang="fr-FR"/>
           </a:p>
@@ -12151,7 +12151,7 @@
           <a:p>
             <a:fld id="{8FF464A0-C30A-4EA4-AFB5-7042FE1A38C1}" type="datetimeFigureOut">
               <a:rPr lang="fr-FR" smtClean="0"/>
-              <a:t>19/05/2018</a:t>
+              <a:t>25/05/2018</a:t>
             </a:fld>
             <a:endParaRPr lang="fr-FR"/>
           </a:p>
@@ -12660,7 +12660,7 @@
           <a:p>
             <a:fld id="{8FF464A0-C30A-4EA4-AFB5-7042FE1A38C1}" type="datetimeFigureOut">
               <a:rPr lang="fr-FR" smtClean="0"/>
-              <a:t>19/05/2018</a:t>
+              <a:t>25/05/2018</a:t>
             </a:fld>
             <a:endParaRPr lang="fr-FR"/>
           </a:p>
@@ -13320,11 +13320,7 @@
           <a:p>
             <a:r>
               <a:rPr lang="fr-FR" dirty="0" smtClean="0"/>
-              <a:t>Eclipse </a:t>
-            </a:r>
-            <a:r>
-              <a:rPr lang="fr-FR" dirty="0" smtClean="0"/>
-              <a:t>Code Mining</a:t>
+              <a:t>Eclipse Code Mining</a:t>
             </a:r>
             <a:endParaRPr lang="fr-FR" dirty="0"/>
           </a:p>
@@ -13347,11 +13343,7 @@
           <a:p>
             <a:r>
               <a:rPr lang="fr-FR" dirty="0" smtClean="0"/>
-              <a:t>One of a new Eclipse </a:t>
-            </a:r>
-            <a:r>
-              <a:rPr lang="fr-FR" dirty="0" smtClean="0"/>
-              <a:t>Photon feature</a:t>
+              <a:t>One of a new Eclipse Photon feature</a:t>
             </a:r>
             <a:endParaRPr lang="fr-FR" dirty="0"/>
           </a:p>
@@ -13431,7 +13423,6 @@
               <a:rPr lang="fr-FR" dirty="0"/>
               <a:t>/ 2</a:t>
             </a:r>
-            <a:endParaRPr lang="fr-FR" dirty="0"/>
           </a:p>
         </p:txBody>
       </p:sp>
@@ -13975,11 +13966,7 @@
             </a:r>
             <a:r>
               <a:rPr lang="fr-FR" dirty="0" smtClean="0"/>
-              <a:t> </a:t>
-            </a:r>
-            <a:r>
-              <a:rPr lang="fr-FR" dirty="0" err="1" smtClean="0"/>
-              <a:t>Recipe</a:t>
+              <a:t> - API</a:t>
             </a:r>
             <a:endParaRPr lang="fr-FR" dirty="0"/>
           </a:p>
@@ -14160,11 +14147,7 @@
             </a:r>
             <a:r>
               <a:rPr lang="fr-FR" dirty="0" smtClean="0"/>
-              <a:t> </a:t>
-            </a:r>
-            <a:r>
-              <a:rPr lang="fr-FR" dirty="0" err="1" smtClean="0"/>
-              <a:t>Recipe</a:t>
+              <a:t> - API</a:t>
             </a:r>
             <a:endParaRPr lang="fr-FR" dirty="0"/>
           </a:p>
@@ -14219,12 +14202,8 @@
           <a:p>
             <a:pPr lvl="1"/>
             <a:r>
-              <a:rPr lang="fr-FR" dirty="0" err="1" smtClean="0"/>
-              <a:t>With</a:t>
-            </a:r>
-            <a:r>
-              <a:rPr lang="fr-FR" dirty="0" smtClean="0"/>
-              <a:t> a thread a </a:t>
+              <a:rPr lang="fr-FR" dirty="0" smtClean="0"/>
+              <a:t>With a thread a </a:t>
             </a:r>
             <a:r>
               <a:rPr lang="fr-FR" dirty="0" err="1" smtClean="0"/>
@@ -14345,15 +14324,7 @@
             </a:r>
             <a:r>
               <a:rPr lang="fr-FR" dirty="0" smtClean="0"/>
-              <a:t> </a:t>
-            </a:r>
-            <a:r>
-              <a:rPr lang="fr-FR" dirty="0" err="1" smtClean="0"/>
-              <a:t>with</a:t>
-            </a:r>
-            <a:r>
-              <a:rPr lang="fr-FR" dirty="0" smtClean="0"/>
-              <a:t> </a:t>
+              <a:t> with </a:t>
             </a:r>
             <a:r>
               <a:rPr lang="fr-FR" dirty="0" err="1" smtClean="0"/>
@@ -14437,15 +14408,7 @@
             </a:r>
             <a:r>
               <a:rPr lang="fr-FR" dirty="0" smtClean="0"/>
-              <a:t> </a:t>
-            </a:r>
-            <a:r>
-              <a:rPr lang="fr-FR" dirty="0" err="1" smtClean="0"/>
-              <a:t>with</a:t>
-            </a:r>
-            <a:r>
-              <a:rPr lang="fr-FR" dirty="0" smtClean="0"/>
-              <a:t> </a:t>
+              <a:t> with </a:t>
             </a:r>
             <a:r>
               <a:rPr lang="fr-FR" dirty="0" err="1" smtClean="0"/>
@@ -14538,15 +14501,7 @@
             </a:r>
             <a:r>
               <a:rPr lang="fr-FR" dirty="0" smtClean="0"/>
-              <a:t> </a:t>
-            </a:r>
-            <a:r>
-              <a:rPr lang="fr-FR" dirty="0" err="1" smtClean="0"/>
-              <a:t>with</a:t>
-            </a:r>
-            <a:r>
-              <a:rPr lang="fr-FR" dirty="0" smtClean="0"/>
-              <a:t> JDT CodeMining</a:t>
+              <a:t> with JDT CodeMining</a:t>
             </a:r>
             <a:endParaRPr lang="fr-FR" dirty="0"/>
           </a:p>
@@ -14847,15 +14802,7 @@
             </a:r>
             <a:r>
               <a:rPr lang="fr-FR" dirty="0" smtClean="0"/>
-              <a:t> bug </a:t>
-            </a:r>
-            <a:r>
-              <a:rPr lang="fr-FR" dirty="0" err="1" smtClean="0"/>
-              <a:t>with</a:t>
-            </a:r>
-            <a:r>
-              <a:rPr lang="fr-FR" dirty="0" smtClean="0"/>
-              <a:t> </a:t>
+              <a:t> bug with </a:t>
             </a:r>
             <a:r>
               <a:rPr lang="fr-FR" dirty="0" err="1" smtClean="0"/>
@@ -14871,15 +14818,7 @@
             </a:r>
             <a:r>
               <a:rPr lang="fr-FR" dirty="0" smtClean="0"/>
-              <a:t> performance </a:t>
-            </a:r>
-            <a:r>
-              <a:rPr lang="fr-FR" dirty="0" err="1" smtClean="0"/>
-              <a:t>with</a:t>
-            </a:r>
-            <a:r>
-              <a:rPr lang="fr-FR" dirty="0" smtClean="0"/>
-              <a:t> variable line </a:t>
+              <a:t> performance with variable line </a:t>
             </a:r>
             <a:r>
               <a:rPr lang="fr-FR" dirty="0" err="1" smtClean="0"/>
@@ -15007,14 +14946,10 @@
             </a:r>
             <a:r>
               <a:rPr lang="fr-FR" dirty="0" smtClean="0"/>
-              <a:t> </a:t>
-            </a:r>
-            <a:r>
-              <a:rPr lang="fr-FR" dirty="0" smtClean="0"/>
-              <a:t>at </a:t>
-            </a:r>
-            <a:r>
-              <a:rPr lang="fr-FR" dirty="0" err="1" smtClean="0"/>
+              <a:t> at </a:t>
+            </a:r>
+            <a:r>
+              <a:rPr lang="fr-FR" b="1" dirty="0" err="1" smtClean="0"/>
               <a:t>Sodifrance</a:t>
             </a:r>
             <a:r>
@@ -15029,14 +14964,14 @@
           </a:p>
           <a:p>
             <a:r>
-              <a:rPr lang="fr-FR" dirty="0" smtClean="0"/>
+              <a:rPr lang="fr-FR" b="1" dirty="0" smtClean="0"/>
               <a:t>Java EE </a:t>
             </a:r>
             <a:r>
-              <a:rPr lang="fr-FR" dirty="0" err="1" smtClean="0"/>
+              <a:rPr lang="fr-FR" b="1" dirty="0" err="1" smtClean="0"/>
               <a:t>developer</a:t>
             </a:r>
-            <a:endParaRPr lang="fr-FR" dirty="0" smtClean="0"/>
+            <a:endParaRPr lang="fr-FR" b="1" dirty="0" smtClean="0"/>
           </a:p>
           <a:p>
             <a:r>
@@ -15044,8 +14979,12 @@
               <a:t>Eclipse </a:t>
             </a:r>
             <a:r>
-              <a:rPr lang="fr-FR" dirty="0" smtClean="0"/>
-              <a:t>contribution, </a:t>
+              <a:rPr lang="fr-FR" b="1" dirty="0" smtClean="0"/>
+              <a:t>contribution</a:t>
+            </a:r>
+            <a:r>
+              <a:rPr lang="fr-FR" dirty="0" smtClean="0"/>
+              <a:t>, </a:t>
             </a:r>
             <a:r>
               <a:rPr lang="fr-FR" dirty="0" err="1" smtClean="0"/>
@@ -15055,17 +14994,12 @@
               <a:rPr lang="fr-FR" dirty="0" smtClean="0"/>
               <a:t> of:</a:t>
             </a:r>
-            <a:endParaRPr lang="fr-FR" dirty="0" smtClean="0"/>
           </a:p>
           <a:p>
             <a:pPr lvl="1"/>
             <a:r>
               <a:rPr lang="fr-FR" dirty="0" smtClean="0"/>
-              <a:t>E4 </a:t>
-            </a:r>
-            <a:r>
-              <a:rPr lang="fr-FR" dirty="0" smtClean="0"/>
-              <a:t>CSS </a:t>
+              <a:t>E4 CSS </a:t>
             </a:r>
             <a:r>
               <a:rPr lang="fr-FR" dirty="0" err="1" smtClean="0"/>
@@ -15107,15 +15041,7 @@
             </a:r>
             <a:r>
               <a:rPr lang="fr-FR" dirty="0" smtClean="0"/>
-              <a:t> </a:t>
-            </a:r>
-            <a:r>
-              <a:rPr lang="fr-FR" dirty="0" err="1" smtClean="0"/>
-              <a:t>with</a:t>
-            </a:r>
-            <a:r>
-              <a:rPr lang="fr-FR" dirty="0" smtClean="0"/>
-              <a:t> </a:t>
+              <a:t> with </a:t>
             </a:r>
             <a:r>
               <a:rPr lang="fr-FR" dirty="0" err="1" smtClean="0"/>
@@ -15133,7 +15059,6 @@
               <a:rPr lang="fr-FR" dirty="0" smtClean="0"/>
               <a:t>)</a:t>
             </a:r>
-            <a:endParaRPr lang="fr-FR" dirty="0" smtClean="0"/>
           </a:p>
           <a:p>
             <a:r>
@@ -15142,11 +15067,15 @@
             </a:r>
             <a:r>
               <a:rPr lang="fr-FR" dirty="0" smtClean="0"/>
-              <a:t> Eclipse </a:t>
-            </a:r>
-            <a:r>
-              <a:rPr lang="fr-FR" dirty="0"/>
-              <a:t>plugin , </a:t>
+              <a:t> </a:t>
+            </a:r>
+            <a:r>
+              <a:rPr lang="fr-FR" b="1" dirty="0" smtClean="0"/>
+              <a:t>Eclipse plugins</a:t>
+            </a:r>
+            <a:r>
+              <a:rPr lang="fr-FR" dirty="0" smtClean="0"/>
+              <a:t>, </a:t>
             </a:r>
             <a:r>
               <a:rPr lang="fr-FR" dirty="0" err="1"/>
@@ -15499,12 +15428,137 @@
           <a:lstStyle/>
           <a:p>
             <a:r>
-              <a:rPr lang="fr-FR" dirty="0" smtClean="0"/>
+              <a:rPr lang="fr-FR" b="1" dirty="0" smtClean="0"/>
               <a:t>Mickael </a:t>
             </a:r>
             <a:r>
+              <a:rPr lang="fr-FR" b="1" dirty="0" err="1" smtClean="0"/>
+              <a:t>Istria</a:t>
+            </a:r>
+            <a:r>
+              <a:rPr lang="fr-FR" dirty="0" smtClean="0"/>
+              <a:t> for </a:t>
+            </a:r>
+            <a:r>
               <a:rPr lang="fr-FR" dirty="0" err="1" smtClean="0"/>
-              <a:t>Istria</a:t>
+              <a:t>her</a:t>
+            </a:r>
+            <a:r>
+              <a:rPr lang="fr-FR" dirty="0"/>
+              <a:t> </a:t>
+            </a:r>
+            <a:r>
+              <a:rPr lang="fr-FR" dirty="0" err="1" smtClean="0"/>
+              <a:t>review</a:t>
+            </a:r>
+            <a:r>
+              <a:rPr lang="fr-FR" dirty="0" smtClean="0"/>
+              <a:t> code</a:t>
+            </a:r>
+          </a:p>
+          <a:p>
+            <a:r>
+              <a:rPr lang="fr-FR" b="1" dirty="0" smtClean="0"/>
+              <a:t>Dani </a:t>
+            </a:r>
+            <a:r>
+              <a:rPr lang="fr-FR" b="1" dirty="0" err="1" smtClean="0"/>
+              <a:t>Megert</a:t>
+            </a:r>
+            <a:r>
+              <a:rPr lang="fr-FR" b="1" dirty="0" smtClean="0"/>
+              <a:t> </a:t>
+            </a:r>
+            <a:r>
+              <a:rPr lang="fr-FR" dirty="0" smtClean="0"/>
+              <a:t>and JDT Team</a:t>
+            </a:r>
+          </a:p>
+          <a:p>
+            <a:r>
+              <a:rPr lang="fr-FR" b="1" dirty="0" smtClean="0"/>
+              <a:t>Lars Vogel</a:t>
+            </a:r>
+            <a:r>
+              <a:rPr lang="fr-FR" dirty="0" smtClean="0"/>
+              <a:t> for JDT Code Mining feedbacks</a:t>
+            </a:r>
+          </a:p>
+          <a:p>
+            <a:r>
+              <a:rPr lang="fr-FR" b="1" dirty="0" smtClean="0"/>
+              <a:t>Karsten </a:t>
+            </a:r>
+            <a:r>
+              <a:rPr lang="fr-FR" b="1" dirty="0" err="1" smtClean="0"/>
+              <a:t>Thoms</a:t>
+            </a:r>
+            <a:r>
+              <a:rPr lang="fr-FR" dirty="0" smtClean="0"/>
+              <a:t> </a:t>
+            </a:r>
+            <a:r>
+              <a:rPr lang="fr-FR" dirty="0"/>
+              <a:t>for </a:t>
+            </a:r>
+            <a:r>
+              <a:rPr lang="fr-FR" dirty="0" err="1"/>
+              <a:t>CodeMining</a:t>
+            </a:r>
+            <a:r>
+              <a:rPr lang="fr-FR" dirty="0"/>
+              <a:t> </a:t>
+            </a:r>
+            <a:r>
+              <a:rPr lang="fr-FR" dirty="0" err="1"/>
+              <a:t>integration</a:t>
+            </a:r>
+            <a:r>
+              <a:rPr lang="fr-FR" dirty="0"/>
+              <a:t> in </a:t>
+            </a:r>
+            <a:r>
+              <a:rPr lang="fr-FR" dirty="0" err="1" smtClean="0"/>
+              <a:t>XText</a:t>
+            </a:r>
+            <a:endParaRPr lang="fr-FR" dirty="0" smtClean="0"/>
+          </a:p>
+          <a:p>
+            <a:r>
+              <a:rPr lang="fr-FR" b="1" dirty="0" smtClean="0"/>
+              <a:t>Martin </a:t>
+            </a:r>
+            <a:r>
+              <a:rPr lang="fr-FR" b="1" dirty="0" err="1" smtClean="0"/>
+              <a:t>Lippert</a:t>
+            </a:r>
+            <a:r>
+              <a:rPr lang="fr-FR" dirty="0" smtClean="0"/>
+              <a:t> for </a:t>
+            </a:r>
+            <a:r>
+              <a:rPr lang="fr-FR" dirty="0" err="1" smtClean="0"/>
+              <a:t>CodeMining</a:t>
+            </a:r>
+            <a:r>
+              <a:rPr lang="fr-FR" dirty="0" smtClean="0"/>
+              <a:t> </a:t>
+            </a:r>
+            <a:r>
+              <a:rPr lang="fr-FR" dirty="0" err="1" smtClean="0"/>
+              <a:t>integration</a:t>
+            </a:r>
+            <a:r>
+              <a:rPr lang="fr-FR" dirty="0" smtClean="0"/>
+              <a:t> in </a:t>
+            </a:r>
+            <a:r>
+              <a:rPr lang="fr-FR" dirty="0" err="1" smtClean="0"/>
+              <a:t>Spring</a:t>
+            </a:r>
+            <a:r>
+              <a:rPr lang="fr-FR" dirty="0" smtClean="0"/>
+              <a:t> Tools 4</a:t>
             </a:r>
             <a:endParaRPr lang="fr-FR" dirty="0"/>
           </a:p>
@@ -15604,12 +15658,16 @@
               <a:t> </a:t>
             </a:r>
             <a:r>
+              <a:rPr lang="fr-FR" dirty="0" err="1"/>
+              <a:t>i</a:t>
+            </a:r>
+            <a:r>
               <a:rPr lang="fr-FR" dirty="0" err="1" smtClean="0"/>
-              <a:t>Inlined</a:t>
-            </a:r>
-            <a:r>
-              <a:rPr lang="fr-FR" dirty="0" smtClean="0"/>
-              <a:t> annotation?</a:t>
+              <a:t>nlined</a:t>
+            </a:r>
+            <a:r>
+              <a:rPr lang="fr-FR" dirty="0" smtClean="0"/>
+              <a:t> annotations?</a:t>
             </a:r>
           </a:p>
           <a:p>
@@ -15627,7 +15685,7 @@
             </a:r>
             <a:r>
               <a:rPr lang="fr-FR" dirty="0" smtClean="0"/>
-              <a:t> Code Mining</a:t>
+              <a:t> Code Mining?</a:t>
             </a:r>
           </a:p>
           <a:p>
@@ -15637,15 +15695,7 @@
             </a:r>
             <a:r>
               <a:rPr lang="fr-FR" dirty="0" smtClean="0"/>
-              <a:t> </a:t>
-            </a:r>
-            <a:r>
-              <a:rPr lang="fr-FR" dirty="0" err="1" smtClean="0"/>
-              <a:t>with</a:t>
-            </a:r>
-            <a:r>
-              <a:rPr lang="fr-FR" dirty="0" smtClean="0"/>
-              <a:t> JDT CodeMining</a:t>
+              <a:t> with JDT CodeMining</a:t>
             </a:r>
           </a:p>
           <a:p>
@@ -15667,7 +15717,7 @@
             </a:r>
             <a:r>
               <a:rPr lang="fr-FR" dirty="0" err="1" smtClean="0"/>
-              <a:t>Glyphmetrics</a:t>
+              <a:t>GlyphMetrics</a:t>
             </a:r>
             <a:r>
               <a:rPr lang="fr-FR" dirty="0" smtClean="0"/>
@@ -15677,15 +15727,7 @@
           <a:p>
             <a:r>
               <a:rPr lang="fr-FR" dirty="0" smtClean="0"/>
-              <a:t>Issues </a:t>
-            </a:r>
-            <a:r>
-              <a:rPr lang="fr-FR" dirty="0" err="1" smtClean="0"/>
-              <a:t>with</a:t>
-            </a:r>
-            <a:r>
-              <a:rPr lang="fr-FR" dirty="0" smtClean="0"/>
-              <a:t> Code Mining</a:t>
+              <a:t>Issues with Code Mining</a:t>
             </a:r>
             <a:endParaRPr lang="fr-FR" dirty="0"/>
           </a:p>
@@ -15762,12 +15804,16 @@
               <a:t> </a:t>
             </a:r>
             <a:r>
+              <a:rPr lang="fr-FR" dirty="0" err="1"/>
+              <a:t>i</a:t>
+            </a:r>
+            <a:r>
               <a:rPr lang="fr-FR" dirty="0" err="1" smtClean="0"/>
-              <a:t>Inlined</a:t>
-            </a:r>
-            <a:r>
-              <a:rPr lang="fr-FR" dirty="0" smtClean="0"/>
-              <a:t> Annotation?</a:t>
+              <a:t>nlined</a:t>
+            </a:r>
+            <a:r>
+              <a:rPr lang="fr-FR" dirty="0" smtClean="0"/>
+              <a:t> annotation?</a:t>
             </a:r>
             <a:endParaRPr lang="fr-FR" dirty="0"/>
           </a:p>
@@ -15786,7 +15832,7 @@
         <p:spPr/>
         <p:txBody>
           <a:bodyPr>
-            <a:normAutofit lnSpcReduction="10000"/>
+            <a:normAutofit fontScale="92500" lnSpcReduction="10000"/>
           </a:bodyPr>
           <a:lstStyle/>
           <a:p>
@@ -15796,15 +15842,7 @@
             </a:r>
             <a:r>
               <a:rPr lang="fr-FR" dirty="0" smtClean="0"/>
-              <a:t>: Annotation </a:t>
-            </a:r>
-            <a:r>
-              <a:rPr lang="fr-FR" dirty="0" err="1" smtClean="0"/>
-              <a:t>which</a:t>
-            </a:r>
-            <a:r>
-              <a:rPr lang="fr-FR" dirty="0" smtClean="0"/>
-              <a:t> </a:t>
+              <a:t>: annotation which </a:t>
             </a:r>
             <a:r>
               <a:rPr lang="en-US" dirty="0"/>
@@ -15824,15 +15862,7 @@
             </a:r>
             <a:r>
               <a:rPr lang="en-US" dirty="0"/>
-              <a:t>, in the </a:t>
-            </a:r>
-            <a:r>
-              <a:rPr lang="en-US" dirty="0" err="1"/>
-              <a:t>StyledText</a:t>
-            </a:r>
-            <a:r>
-              <a:rPr lang="en-US" dirty="0"/>
-              <a:t> </a:t>
+              <a:t>, in the StyledText </a:t>
             </a:r>
             <a:r>
               <a:rPr lang="en-US" dirty="0" smtClean="0"/>
@@ -15858,15 +15888,7 @@
           <a:p>
             <a:r>
               <a:rPr lang="fr-FR" dirty="0" smtClean="0"/>
-              <a:t>2 </a:t>
-            </a:r>
-            <a:r>
-              <a:rPr lang="fr-FR" dirty="0" err="1" smtClean="0"/>
-              <a:t>kinds</a:t>
-            </a:r>
-            <a:r>
-              <a:rPr lang="fr-FR" dirty="0" smtClean="0"/>
-              <a:t>:</a:t>
+              <a:t>2 kinds:</a:t>
             </a:r>
           </a:p>
           <a:p>
@@ -15900,60 +15922,88 @@
             </a:r>
           </a:p>
           <a:p>
+            <a:r>
+              <a:rPr lang="fr-FR" dirty="0" err="1" smtClean="0"/>
+              <a:t>Draw</a:t>
+            </a:r>
+            <a:r>
+              <a:rPr lang="fr-FR" dirty="0" smtClean="0"/>
+              <a:t> </a:t>
+            </a:r>
+            <a:r>
+              <a:rPr lang="fr-FR" dirty="0" err="1" smtClean="0"/>
+              <a:t>anything</a:t>
+            </a:r>
+            <a:r>
+              <a:rPr lang="fr-FR" dirty="0" smtClean="0"/>
+              <a:t> (</a:t>
+            </a:r>
+            <a:r>
+              <a:rPr lang="fr-FR" dirty="0" err="1" smtClean="0"/>
+              <a:t>text</a:t>
+            </a:r>
+            <a:r>
+              <a:rPr lang="fr-FR" dirty="0" smtClean="0"/>
+              <a:t>, image)</a:t>
+            </a:r>
+          </a:p>
+          <a:p>
+            <a:r>
+              <a:rPr lang="fr-FR" dirty="0" err="1" smtClean="0"/>
+              <a:t>Clickable</a:t>
+            </a:r>
+            <a:r>
+              <a:rPr lang="fr-FR" dirty="0" smtClean="0"/>
+              <a:t> to </a:t>
+            </a:r>
+            <a:r>
+              <a:rPr lang="fr-FR" dirty="0" err="1" smtClean="0"/>
+              <a:t>bind</a:t>
+            </a:r>
+            <a:r>
+              <a:rPr lang="fr-FR" dirty="0" smtClean="0"/>
+              <a:t> </a:t>
+            </a:r>
+            <a:r>
+              <a:rPr lang="fr-FR" dirty="0" err="1" smtClean="0"/>
+              <a:t>some</a:t>
+            </a:r>
+            <a:r>
+              <a:rPr lang="fr-FR" dirty="0" smtClean="0"/>
+              <a:t> action</a:t>
+            </a:r>
+          </a:p>
+          <a:p>
+            <a:r>
+              <a:rPr lang="fr-FR" dirty="0" smtClean="0"/>
+              <a:t>Managed with </a:t>
+            </a:r>
+            <a:r>
+              <a:rPr lang="fr-FR" b="1" dirty="0" smtClean="0"/>
+              <a:t>InlinedAnnotationSupport </a:t>
+            </a:r>
+            <a:r>
+              <a:rPr lang="fr-FR" dirty="0" smtClean="0"/>
+              <a:t>class:</a:t>
+            </a:r>
+          </a:p>
+          <a:p>
             <a:pPr lvl="1"/>
-            <a:endParaRPr lang="fr-FR" dirty="0" smtClean="0"/>
-          </a:p>
-          <a:p>
-            <a:r>
-              <a:rPr lang="fr-FR" dirty="0" err="1" smtClean="0"/>
-              <a:t>Managed</a:t>
-            </a:r>
-            <a:r>
-              <a:rPr lang="fr-FR" dirty="0" smtClean="0"/>
-              <a:t> </a:t>
-            </a:r>
-            <a:r>
-              <a:rPr lang="fr-FR" dirty="0" err="1" smtClean="0"/>
-              <a:t>with</a:t>
-            </a:r>
-            <a:r>
-              <a:rPr lang="fr-FR" dirty="0" smtClean="0"/>
-              <a:t> </a:t>
-            </a:r>
             <a:r>
               <a:rPr lang="fr-FR" b="1" dirty="0" err="1" smtClean="0"/>
-              <a:t>InlinedAnnotationSupport</a:t>
+              <a:t>doesn’t</a:t>
             </a:r>
             <a:r>
               <a:rPr lang="fr-FR" b="1" dirty="0" smtClean="0"/>
               <a:t> </a:t>
             </a:r>
             <a:r>
-              <a:rPr lang="fr-FR" dirty="0" smtClean="0"/>
-              <a:t>class:</a:t>
-            </a:r>
-          </a:p>
-          <a:p>
-            <a:pPr lvl="1"/>
-            <a:r>
-              <a:rPr lang="fr-FR" b="1" dirty="0" err="1" smtClean="0"/>
-              <a:t>doesn’t</a:t>
-            </a:r>
-            <a:r>
-              <a:rPr lang="fr-FR" b="1" dirty="0" smtClean="0"/>
-              <a:t> </a:t>
-            </a:r>
-            <a:r>
               <a:rPr lang="fr-FR" b="1" dirty="0" err="1" smtClean="0"/>
               <a:t>take</a:t>
             </a:r>
             <a:r>
               <a:rPr lang="fr-FR" b="1" dirty="0" smtClean="0"/>
-              <a:t> care of </a:t>
-            </a:r>
-            <a:r>
-              <a:rPr lang="fr-FR" b="1" dirty="0" smtClean="0"/>
-              <a:t>performance</a:t>
+              <a:t> care of performance</a:t>
             </a:r>
             <a:r>
               <a:rPr lang="fr-FR" dirty="0" smtClean="0"/>
@@ -15975,7 +16025,6 @@
               <a:rPr lang="fr-FR" dirty="0" smtClean="0"/>
               <a:t>)</a:t>
             </a:r>
-            <a:endParaRPr lang="fr-FR" dirty="0" smtClean="0"/>
           </a:p>
           <a:p>
             <a:pPr marL="0" indent="0">
@@ -16069,11 +16118,7 @@
             </a:r>
             <a:r>
               <a:rPr lang="fr-FR" dirty="0" smtClean="0"/>
-              <a:t> </a:t>
-            </a:r>
-            <a:r>
-              <a:rPr lang="fr-FR" dirty="0" smtClean="0"/>
-              <a:t>Annotation - API</a:t>
+              <a:t> Annotation - API</a:t>
             </a:r>
             <a:endParaRPr lang="fr-FR" dirty="0"/>
           </a:p>
@@ -16092,21 +16137,130 @@
         <p:spPr/>
         <p:txBody>
           <a:bodyPr>
-            <a:normAutofit/>
+            <a:normAutofit fontScale="77500" lnSpcReduction="20000"/>
           </a:bodyPr>
           <a:lstStyle/>
           <a:p>
             <a:r>
-              <a:rPr lang="fr-FR" b="1" dirty="0" err="1" smtClean="0"/>
+              <a:rPr lang="en-US" b="1" dirty="0" err="1" smtClean="0"/>
+              <a:t>AbstractInlinedAnnotation</a:t>
+            </a:r>
+            <a:r>
+              <a:rPr lang="en-US" b="1" dirty="0" smtClean="0"/>
+              <a:t>  </a:t>
+            </a:r>
+            <a:r>
+              <a:rPr lang="en-US" dirty="0" smtClean="0"/>
+              <a:t>is base class:</a:t>
+            </a:r>
+          </a:p>
+          <a:p>
+            <a:pPr lvl="1"/>
+            <a:r>
+              <a:rPr lang="en-US" dirty="0" smtClean="0"/>
+              <a:t>Several methods like </a:t>
+            </a:r>
+          </a:p>
+          <a:p>
+            <a:pPr lvl="2"/>
+            <a:r>
+              <a:rPr lang="en-US" b="1" dirty="0" err="1" smtClean="0"/>
+              <a:t>setText</a:t>
+            </a:r>
+            <a:r>
+              <a:rPr lang="en-US" dirty="0" smtClean="0"/>
+              <a:t> : set the text content of the annotation</a:t>
+            </a:r>
+          </a:p>
+          <a:p>
+            <a:pPr lvl="2"/>
+            <a:r>
+              <a:rPr lang="en-US" b="1" dirty="0" smtClean="0"/>
+              <a:t>draw</a:t>
+            </a:r>
+            <a:r>
+              <a:rPr lang="en-US" dirty="0" smtClean="0"/>
+              <a:t> : by default draw the set text, can be </a:t>
+            </a:r>
+            <a:r>
+              <a:rPr lang="en-US" dirty="0" err="1" smtClean="0"/>
+              <a:t>overrided</a:t>
+            </a:r>
+            <a:r>
+              <a:rPr lang="en-US" dirty="0" smtClean="0"/>
+              <a:t> to draw anything</a:t>
+            </a:r>
+          </a:p>
+          <a:p>
+            <a:pPr lvl="2"/>
+            <a:r>
+              <a:rPr lang="en-US" b="1" dirty="0" err="1" smtClean="0"/>
+              <a:t>getAction</a:t>
+            </a:r>
+            <a:r>
+              <a:rPr lang="en-US" dirty="0" smtClean="0"/>
+              <a:t>: implement it to bind an action on click of the annotation</a:t>
+            </a:r>
+          </a:p>
+          <a:p>
+            <a:pPr lvl="1"/>
+            <a:r>
+              <a:rPr lang="en-US" dirty="0" smtClean="0"/>
+              <a:t>2 </a:t>
+            </a:r>
+            <a:r>
+              <a:rPr lang="en-US" dirty="0" err="1" smtClean="0"/>
+              <a:t>inlined</a:t>
+            </a:r>
+            <a:r>
+              <a:rPr lang="en-US" dirty="0" smtClean="0"/>
+              <a:t> annotation kinds which extends </a:t>
+            </a:r>
+            <a:r>
+              <a:rPr lang="en-US" b="1" dirty="0" err="1" smtClean="0"/>
+              <a:t>AbstractInlinedAnnotation</a:t>
+            </a:r>
+            <a:r>
+              <a:rPr lang="en-US" dirty="0" smtClean="0"/>
+              <a:t>:</a:t>
+            </a:r>
+          </a:p>
+          <a:p>
+            <a:pPr lvl="2"/>
+            <a:r>
+              <a:rPr lang="en-US" b="1" dirty="0" err="1"/>
+              <a:t>LineHeaderAnnotation</a:t>
+            </a:r>
+            <a:endParaRPr lang="en-US" b="1" dirty="0"/>
+          </a:p>
+          <a:p>
+            <a:pPr lvl="2"/>
+            <a:r>
+              <a:rPr lang="en-US" b="1" dirty="0" err="1" smtClean="0"/>
+              <a:t>LineContentAnnotation</a:t>
+            </a:r>
+            <a:endParaRPr lang="en-US" b="1" dirty="0" smtClean="0"/>
+          </a:p>
+          <a:p>
+            <a:r>
+              <a:rPr lang="fr-FR" dirty="0" smtClean="0"/>
+              <a:t>Managed with </a:t>
+            </a:r>
+            <a:r>
+              <a:rPr lang="fr-FR" b="1" dirty="0" smtClean="0"/>
               <a:t>InlinedAnnotationSupport</a:t>
             </a:r>
             <a:r>
+              <a:rPr lang="fr-FR" dirty="0" smtClean="0"/>
+              <a:t> </a:t>
+            </a:r>
+            <a:r>
               <a:rPr lang="fr-FR" dirty="0"/>
-              <a:t> </a:t>
-            </a:r>
-            <a:r>
-              <a:rPr lang="fr-FR" dirty="0" smtClean="0"/>
               <a:t>class </a:t>
+            </a:r>
+            <a:r>
+              <a:rPr lang="fr-FR" dirty="0" smtClean="0"/>
+              <a:t>which </a:t>
             </a:r>
             <a:r>
               <a:rPr lang="fr-FR" dirty="0" err="1" smtClean="0"/>
@@ -16114,42 +16268,37 @@
             </a:r>
             <a:r>
               <a:rPr lang="fr-FR" dirty="0" smtClean="0"/>
-              <a:t> </a:t>
-            </a:r>
-            <a:r>
-              <a:rPr lang="fr-FR" dirty="0" err="1" smtClean="0"/>
-              <a:t>with</a:t>
-            </a:r>
-            <a:r>
-              <a:rPr lang="fr-FR" dirty="0" smtClean="0"/>
+              <a:t> with</a:t>
+            </a:r>
+            <a:r>
+              <a:rPr lang="fr-FR" dirty="0"/>
               <a:t>:</a:t>
             </a:r>
-            <a:endParaRPr lang="fr-FR" dirty="0" smtClean="0"/>
           </a:p>
           <a:p>
             <a:pPr lvl="1"/>
             <a:r>
-              <a:rPr lang="en-US" dirty="0" smtClean="0"/>
+              <a:rPr lang="en-US" dirty="0"/>
               <a:t>An </a:t>
             </a:r>
             <a:r>
-              <a:rPr lang="en-US" b="1" dirty="0" err="1" smtClean="0"/>
+              <a:rPr lang="en-US" b="1" dirty="0" err="1"/>
               <a:t>ISourceViewer</a:t>
             </a:r>
-            <a:endParaRPr lang="en-US" b="1" dirty="0" smtClean="0"/>
+            <a:endParaRPr lang="en-US" b="1" dirty="0"/>
           </a:p>
           <a:p>
             <a:pPr lvl="1"/>
             <a:r>
-              <a:rPr lang="en-US" dirty="0" smtClean="0"/>
+              <a:rPr lang="en-US" dirty="0"/>
               <a:t>Source viewer </a:t>
             </a:r>
             <a:r>
-              <a:rPr lang="en-US" dirty="0" err="1" smtClean="0"/>
+              <a:rPr lang="en-US" dirty="0" err="1"/>
               <a:t>configurated</a:t>
             </a:r>
             <a:r>
-              <a:rPr lang="en-US" dirty="0" smtClean="0"/>
+              <a:rPr lang="en-US" dirty="0"/>
               <a:t> with </a:t>
             </a:r>
             <a:r>
@@ -16160,50 +16309,8 @@
           </a:p>
           <a:p>
             <a:r>
-              <a:rPr lang="en-US" dirty="0" smtClean="0"/>
-              <a:t>2 </a:t>
-            </a:r>
-            <a:r>
-              <a:rPr lang="en-US" dirty="0" err="1" smtClean="0"/>
-              <a:t>inlined</a:t>
-            </a:r>
-            <a:r>
-              <a:rPr lang="en-US" dirty="0" smtClean="0"/>
-              <a:t> annotation </a:t>
-            </a:r>
-            <a:r>
-              <a:rPr lang="en-US" b="1" dirty="0" err="1" smtClean="0"/>
-              <a:t>AbstractInlinedAnnotation</a:t>
-            </a:r>
-            <a:r>
-              <a:rPr lang="en-US" dirty="0" smtClean="0"/>
-              <a:t> classes:</a:t>
-            </a:r>
-          </a:p>
-          <a:p>
-            <a:pPr lvl="1"/>
-            <a:r>
-              <a:rPr lang="en-US" b="1" dirty="0" err="1"/>
-              <a:t>LineHeaderAnnotation</a:t>
-            </a:r>
-            <a:endParaRPr lang="en-US" b="1" dirty="0"/>
-          </a:p>
-          <a:p>
-            <a:pPr lvl="1"/>
-            <a:r>
-              <a:rPr lang="en-US" b="1" dirty="0" err="1" smtClean="0"/>
-              <a:t>LineContentAnnotation</a:t>
-            </a:r>
-            <a:endParaRPr lang="en-US" b="1" dirty="0" smtClean="0"/>
-          </a:p>
-          <a:p>
-            <a:r>
-              <a:rPr lang="fr-FR" dirty="0" err="1" smtClean="0"/>
-              <a:t>InlinedAnnotationSupport</a:t>
-            </a:r>
-            <a:r>
-              <a:rPr lang="fr-FR" dirty="0" smtClean="0"/>
-              <a:t> </a:t>
+              <a:rPr lang="fr-FR" dirty="0" smtClean="0"/>
+              <a:t>InlinedAnnotationSupport </a:t>
             </a:r>
             <a:r>
               <a:rPr lang="fr-FR" dirty="0" err="1" smtClean="0"/>
@@ -16329,11 +16436,7 @@
             </a:r>
             <a:r>
               <a:rPr lang="fr-FR" dirty="0" smtClean="0"/>
-              <a:t> Annotation - </a:t>
-            </a:r>
-            <a:r>
-              <a:rPr lang="fr-FR" dirty="0" err="1" smtClean="0"/>
-              <a:t>Demo</a:t>
+              <a:t> Annotation - API</a:t>
             </a:r>
             <a:endParaRPr lang="fr-FR" dirty="0"/>
           </a:p>
@@ -16351,94 +16454,69 @@
         </p:nvSpPr>
         <p:spPr/>
         <p:txBody>
-          <a:bodyPr/>
+          <a:bodyPr>
+            <a:normAutofit/>
+          </a:bodyPr>
           <a:lstStyle/>
           <a:p>
             <a:r>
-              <a:rPr lang="en-US" dirty="0"/>
-              <a:t>The example </a:t>
-            </a:r>
-            <a:r>
-              <a:rPr lang="en-US" dirty="0">
-                <a:hlinkClick r:id="rId2"/>
-              </a:rPr>
-              <a:t>InlinedAnnotationDemo</a:t>
-            </a:r>
-            <a:r>
-              <a:rPr lang="en-US" dirty="0"/>
-              <a:t> draws:</a:t>
-            </a:r>
-          </a:p>
-          <a:p>
-            <a:pPr lvl="1"/>
-            <a:r>
-              <a:rPr lang="en-US" dirty="0"/>
-              <a:t>the </a:t>
-            </a:r>
-            <a:r>
-              <a:rPr lang="en-US" b="1" dirty="0"/>
-              <a:t>colorized square</a:t>
-            </a:r>
-            <a:r>
-              <a:rPr lang="en-US" dirty="0"/>
-              <a:t> of the rgb color declaration in the </a:t>
-            </a:r>
-            <a:r>
-              <a:rPr lang="en-US" b="1" dirty="0"/>
-              <a:t>line content</a:t>
-            </a:r>
-            <a:r>
-              <a:rPr lang="en-US" dirty="0"/>
-              <a:t> (use of LineContentAnnotation)</a:t>
-            </a:r>
-          </a:p>
-          <a:p>
-            <a:pPr lvl="1"/>
-            <a:r>
-              <a:rPr lang="en-US" dirty="0"/>
-              <a:t>the result </a:t>
-            </a:r>
-            <a:r>
-              <a:rPr lang="en-US" b="1" dirty="0"/>
-              <a:t>status (OK! / ERROR!)</a:t>
-            </a:r>
-            <a:r>
-              <a:rPr lang="en-US" dirty="0"/>
-              <a:t> of parse of rgb color declaration in the </a:t>
-            </a:r>
-            <a:r>
-              <a:rPr lang="en-US" b="1" dirty="0"/>
-              <a:t>line header</a:t>
-            </a:r>
-            <a:r>
-              <a:rPr lang="en-US" dirty="0"/>
-              <a:t> (use of </a:t>
-            </a:r>
-            <a:r>
-              <a:rPr lang="en-US" dirty="0" err="1"/>
-              <a:t>LineHeaderAnnotation</a:t>
-            </a:r>
-            <a:r>
-              <a:rPr lang="en-US" dirty="0" smtClean="0"/>
-              <a:t>)</a:t>
-            </a:r>
-          </a:p>
-          <a:p>
-            <a:pPr lvl="1"/>
-            <a:endParaRPr lang="en-US" dirty="0"/>
-          </a:p>
-          <a:p>
-            <a:pPr lvl="1"/>
-            <a:endParaRPr lang="en-US" dirty="0"/>
-          </a:p>
-          <a:p>
-            <a:endParaRPr lang="fr-FR" dirty="0" smtClean="0"/>
+              <a:rPr lang="fr-FR" dirty="0" err="1" smtClean="0"/>
+              <a:t>Study</a:t>
+            </a:r>
+            <a:r>
+              <a:rPr lang="fr-FR" dirty="0" smtClean="0"/>
+              <a:t> API with </a:t>
+            </a:r>
+            <a:r>
+              <a:rPr lang="fr-FR" b="1" dirty="0" err="1" smtClean="0"/>
+              <a:t>CalculatorInlinedAnnotationDemo</a:t>
+            </a:r>
+            <a:endParaRPr lang="fr-FR" b="1" dirty="0" smtClean="0"/>
+          </a:p>
+          <a:p>
+            <a:endParaRPr lang="fr-FR" b="1" dirty="0"/>
+          </a:p>
+          <a:p>
+            <a:endParaRPr lang="fr-FR" b="1" dirty="0" smtClean="0"/>
+          </a:p>
+          <a:p>
+            <a:endParaRPr lang="en-US" b="1" dirty="0" smtClean="0"/>
+          </a:p>
+          <a:p>
+            <a:pPr marL="0" indent="0">
+              <a:buNone/>
+            </a:pPr>
+            <a:endParaRPr lang="fr-FR" dirty="0"/>
           </a:p>
         </p:txBody>
       </p:sp>
       <p:pic>
         <p:nvPicPr>
           <p:cNvPr id="4" name="Image 3"/>
+          <p:cNvPicPr>
+            <a:picLocks noChangeAspect="1"/>
+          </p:cNvPicPr>
+          <p:nvPr/>
+        </p:nvPicPr>
+        <p:blipFill>
+          <a:blip r:embed="rId2"/>
+          <a:stretch>
+            <a:fillRect/>
+          </a:stretch>
+        </p:blipFill>
+        <p:spPr>
+          <a:xfrm>
+            <a:off x="611560" y="1347614"/>
+            <a:ext cx="3543300" cy="600075"/>
+          </a:xfrm>
+          <a:prstGeom prst="rect">
+            <a:avLst/>
+          </a:prstGeom>
+        </p:spPr>
+      </p:pic>
+      <p:pic>
+        <p:nvPicPr>
+          <p:cNvPr id="5" name="Image 4"/>
           <p:cNvPicPr>
             <a:picLocks noChangeAspect="1"/>
           </p:cNvPicPr>
@@ -16452,8 +16530,56 @@
         </p:blipFill>
         <p:spPr>
           <a:xfrm>
-            <a:off x="2536020" y="2643757"/>
-            <a:ext cx="3476139" cy="1950467"/>
+            <a:off x="4514901" y="1335604"/>
+            <a:ext cx="2609850" cy="828675"/>
+          </a:xfrm>
+          <a:prstGeom prst="rect">
+            <a:avLst/>
+          </a:prstGeom>
+        </p:spPr>
+      </p:pic>
+      <p:pic>
+        <p:nvPicPr>
+          <p:cNvPr id="6" name="Image 5"/>
+          <p:cNvPicPr>
+            <a:picLocks noChangeAspect="1"/>
+          </p:cNvPicPr>
+          <p:nvPr/>
+        </p:nvPicPr>
+        <p:blipFill>
+          <a:blip r:embed="rId4"/>
+          <a:stretch>
+            <a:fillRect/>
+          </a:stretch>
+        </p:blipFill>
+        <p:spPr>
+          <a:xfrm>
+            <a:off x="5220072" y="2254921"/>
+            <a:ext cx="4154308" cy="1080120"/>
+          </a:xfrm>
+          <a:prstGeom prst="rect">
+            <a:avLst/>
+          </a:prstGeom>
+        </p:spPr>
+      </p:pic>
+      <p:pic>
+        <p:nvPicPr>
+          <p:cNvPr id="7" name="Image 6"/>
+          <p:cNvPicPr>
+            <a:picLocks noChangeAspect="1"/>
+          </p:cNvPicPr>
+          <p:nvPr/>
+        </p:nvPicPr>
+        <p:blipFill>
+          <a:blip r:embed="rId5"/>
+          <a:stretch>
+            <a:fillRect/>
+          </a:stretch>
+        </p:blipFill>
+        <p:spPr>
+          <a:xfrm>
+            <a:off x="101009" y="2182913"/>
+            <a:ext cx="5119063" cy="1109727"/>
           </a:xfrm>
           <a:prstGeom prst="rect">
             <a:avLst/>
@@ -16463,7 +16589,7 @@
     </p:spTree>
     <p:extLst>
       <p:ext uri="{BB962C8B-B14F-4D97-AF65-F5344CB8AC3E}">
-        <p14:creationId xmlns:p14="http://schemas.microsoft.com/office/powerpoint/2010/main" val="2337138820"/>
+        <p14:creationId xmlns:p14="http://schemas.microsoft.com/office/powerpoint/2010/main" val="2205369963"/>
       </p:ext>
     </p:extLst>
   </p:cSld>
@@ -16515,16 +16641,24 @@
           <a:lstStyle/>
           <a:p>
             <a:r>
+              <a:rPr lang="fr-FR" dirty="0" smtClean="0"/>
+              <a:t>Advanced </a:t>
+            </a:r>
+            <a:r>
               <a:rPr lang="fr-FR" dirty="0" err="1" smtClean="0"/>
               <a:t>Inlined</a:t>
             </a:r>
             <a:r>
               <a:rPr lang="fr-FR" dirty="0" smtClean="0"/>
-              <a:t> Annotation - </a:t>
+              <a:t> </a:t>
+            </a:r>
+            <a:r>
+              <a:rPr lang="fr-FR" dirty="0" smtClean="0"/>
+              <a:t>Annotation - </a:t>
             </a:r>
             <a:r>
               <a:rPr lang="fr-FR" dirty="0" err="1" smtClean="0"/>
-              <a:t>Recipe</a:t>
+              <a:t>Demo</a:t>
             </a:r>
             <a:endParaRPr lang="fr-FR" dirty="0"/>
           </a:p>
@@ -16545,14 +16679,175 @@
           <a:bodyPr/>
           <a:lstStyle/>
           <a:p>
-            <a:endParaRPr lang="fr-FR" dirty="0"/>
-          </a:p>
-        </p:txBody>
-      </p:sp>
+            <a:r>
+              <a:rPr lang="en-US" dirty="0"/>
+              <a:t>The example </a:t>
+            </a:r>
+            <a:r>
+              <a:rPr lang="en-US" dirty="0">
+                <a:hlinkClick r:id="rId2"/>
+              </a:rPr>
+              <a:t>InlinedAnnotationDemo</a:t>
+            </a:r>
+            <a:r>
+              <a:rPr lang="en-US" dirty="0"/>
+              <a:t> </a:t>
+            </a:r>
+            <a:r>
+              <a:rPr lang="en-US" dirty="0" smtClean="0"/>
+              <a:t>shows in action:</a:t>
+            </a:r>
+          </a:p>
+          <a:p>
+            <a:pPr lvl="1"/>
+            <a:r>
+              <a:rPr lang="en-US" b="1" dirty="0" err="1"/>
+              <a:t>LineHeaderAnnotation</a:t>
+            </a:r>
+            <a:r>
+              <a:rPr lang="en-US" b="1" dirty="0"/>
+              <a:t> </a:t>
+            </a:r>
+            <a:r>
+              <a:rPr lang="en-US" dirty="0" smtClean="0"/>
+              <a:t>: the </a:t>
+            </a:r>
+            <a:r>
+              <a:rPr lang="en-US" dirty="0"/>
+              <a:t>result </a:t>
+            </a:r>
+            <a:r>
+              <a:rPr lang="en-US" b="1" dirty="0"/>
+              <a:t>status (OK! / ERROR!)</a:t>
+            </a:r>
+            <a:r>
+              <a:rPr lang="en-US" dirty="0"/>
+              <a:t> of parse of </a:t>
+            </a:r>
+            <a:r>
+              <a:rPr lang="en-US" dirty="0" err="1"/>
+              <a:t>rgb</a:t>
+            </a:r>
+            <a:r>
+              <a:rPr lang="en-US" dirty="0"/>
+              <a:t> color declaration in the </a:t>
+            </a:r>
+            <a:r>
+              <a:rPr lang="en-US" b="1" dirty="0"/>
+              <a:t>line </a:t>
+            </a:r>
+            <a:r>
+              <a:rPr lang="en-US" b="1" dirty="0" smtClean="0"/>
+              <a:t>header</a:t>
+            </a:r>
+          </a:p>
+          <a:p>
+            <a:pPr lvl="1"/>
+            <a:r>
+              <a:rPr lang="en-US" b="1" dirty="0" err="1" smtClean="0"/>
+              <a:t>LineContentAnnotation</a:t>
+            </a:r>
+            <a:r>
+              <a:rPr lang="en-US" b="1" dirty="0" smtClean="0"/>
+              <a:t>:</a:t>
+            </a:r>
+            <a:r>
+              <a:rPr lang="en-US" dirty="0" smtClean="0"/>
+              <a:t> </a:t>
+            </a:r>
+            <a:r>
+              <a:rPr lang="en-US" dirty="0"/>
+              <a:t>the</a:t>
+            </a:r>
+            <a:r>
+              <a:rPr lang="en-US" dirty="0"/>
+              <a:t> </a:t>
+            </a:r>
+            <a:r>
+              <a:rPr lang="en-US" b="1" dirty="0"/>
+              <a:t>colorized square</a:t>
+            </a:r>
+            <a:r>
+              <a:rPr lang="en-US" dirty="0"/>
+              <a:t> of the rgb color </a:t>
+            </a:r>
+            <a:r>
+              <a:rPr lang="en-US" dirty="0" smtClean="0"/>
+              <a:t>declaration in </a:t>
+            </a:r>
+            <a:r>
+              <a:rPr lang="en-US" dirty="0"/>
+              <a:t>the </a:t>
+            </a:r>
+            <a:r>
+              <a:rPr lang="en-US" b="1" dirty="0"/>
+              <a:t>line </a:t>
+            </a:r>
+            <a:r>
+              <a:rPr lang="en-US" b="1" dirty="0" smtClean="0"/>
+              <a:t>content</a:t>
+            </a:r>
+            <a:r>
+              <a:rPr lang="en-US" dirty="0" smtClean="0"/>
+              <a:t>:</a:t>
+            </a:r>
+          </a:p>
+          <a:p>
+            <a:pPr lvl="2"/>
+            <a:r>
+              <a:rPr lang="en-US" dirty="0" smtClean="0"/>
+              <a:t>Custom draw</a:t>
+            </a:r>
+          </a:p>
+          <a:p>
+            <a:pPr lvl="2"/>
+            <a:r>
+              <a:rPr lang="en-US" dirty="0" smtClean="0"/>
+              <a:t>Clickable top open a color picker</a:t>
+            </a:r>
+            <a:endParaRPr lang="en-US" dirty="0"/>
+          </a:p>
+          <a:p>
+            <a:pPr lvl="1"/>
+            <a:endParaRPr lang="en-US" dirty="0"/>
+          </a:p>
+          <a:p>
+            <a:pPr lvl="1"/>
+            <a:endParaRPr lang="en-US" dirty="0"/>
+          </a:p>
+          <a:p>
+            <a:endParaRPr lang="fr-FR" dirty="0" smtClean="0"/>
+          </a:p>
+        </p:txBody>
+      </p:sp>
+      <p:pic>
+        <p:nvPicPr>
+          <p:cNvPr id="4" name="Image 3"/>
+          <p:cNvPicPr>
+            <a:picLocks noChangeAspect="1"/>
+          </p:cNvPicPr>
+          <p:nvPr/>
+        </p:nvPicPr>
+        <p:blipFill>
+          <a:blip r:embed="rId3"/>
+          <a:stretch>
+            <a:fillRect/>
+          </a:stretch>
+        </p:blipFill>
+        <p:spPr>
+          <a:xfrm>
+            <a:off x="4574665" y="2427734"/>
+            <a:ext cx="3476139" cy="1950467"/>
+          </a:xfrm>
+          <a:prstGeom prst="rect">
+            <a:avLst/>
+          </a:prstGeom>
+        </p:spPr>
+      </p:pic>
     </p:spTree>
     <p:extLst>
       <p:ext uri="{BB962C8B-B14F-4D97-AF65-F5344CB8AC3E}">
-        <p14:creationId xmlns:p14="http://schemas.microsoft.com/office/powerpoint/2010/main" val="3422599161"/>
+        <p14:creationId xmlns:p14="http://schemas.microsoft.com/office/powerpoint/2010/main" val="2337138820"/>
       </p:ext>
     </p:extLst>
   </p:cSld>
@@ -16777,7 +17072,6 @@
               <a:rPr lang="fr-FR" dirty="0" smtClean="0"/>
               <a:t>)</a:t>
             </a:r>
-            <a:endParaRPr lang="fr-FR" dirty="0" smtClean="0"/>
           </a:p>
           <a:p>
             <a:r>
@@ -16794,11 +17088,7 @@
             </a:r>
             <a:r>
               <a:rPr lang="fr-FR" dirty="0" smtClean="0"/>
-              <a:t> annotation </a:t>
-            </a:r>
-            <a:r>
-              <a:rPr lang="fr-FR" dirty="0" smtClean="0"/>
-              <a:t>support</a:t>
+              <a:t> annotation support</a:t>
             </a:r>
           </a:p>
           <a:p>
@@ -16822,7 +17112,6 @@
               <a:rPr lang="fr-FR" dirty="0" smtClean="0"/>
               <a:t> the UI</a:t>
             </a:r>
-            <a:endParaRPr lang="fr-FR" dirty="0" smtClean="0"/>
           </a:p>
         </p:txBody>
       </p:sp>
@@ -16882,15 +17171,7 @@
           <a:p>
             <a:r>
               <a:rPr lang="fr-FR" dirty="0" smtClean="0"/>
-              <a:t>Code Mining – </a:t>
-            </a:r>
-            <a:r>
-              <a:rPr lang="fr-FR" dirty="0" smtClean="0"/>
-              <a:t>r</a:t>
-            </a:r>
-            <a:r>
-              <a:rPr lang="fr-FR" dirty="0" smtClean="0"/>
-              <a:t>eal use case 1 / 2</a:t>
+              <a:t>Code Mining – real use case 1 / 2</a:t>
             </a:r>
             <a:endParaRPr lang="fr-FR" dirty="0"/>
           </a:p>
@@ -16931,7 +17212,6 @@
               <a:rPr lang="fr-FR" dirty="0" smtClean="0"/>
               <a:t>:</a:t>
             </a:r>
-            <a:endParaRPr lang="fr-FR" dirty="0" smtClean="0"/>
           </a:p>
           <a:p>
             <a:pPr lvl="1"/>

--- a/EclipseConFrance2018_CodeMining.pptx
+++ b/EclipseConFrance2018_CodeMining.pptx
@@ -13,19 +13,22 @@
     <p:sldId id="277" r:id="rId7"/>
     <p:sldId id="259" r:id="rId8"/>
     <p:sldId id="260" r:id="rId9"/>
-    <p:sldId id="273" r:id="rId10"/>
-    <p:sldId id="274" r:id="rId11"/>
+    <p:sldId id="280" r:id="rId10"/>
+    <p:sldId id="281" r:id="rId11"/>
     <p:sldId id="261" r:id="rId12"/>
-    <p:sldId id="262" r:id="rId13"/>
-    <p:sldId id="263" r:id="rId14"/>
-    <p:sldId id="264" r:id="rId15"/>
-    <p:sldId id="265" r:id="rId16"/>
-    <p:sldId id="266" r:id="rId17"/>
-    <p:sldId id="267" r:id="rId18"/>
-    <p:sldId id="271" r:id="rId19"/>
-    <p:sldId id="268" r:id="rId20"/>
-    <p:sldId id="275" r:id="rId21"/>
-    <p:sldId id="269" r:id="rId22"/>
+    <p:sldId id="278" r:id="rId13"/>
+    <p:sldId id="273" r:id="rId14"/>
+    <p:sldId id="274" r:id="rId15"/>
+    <p:sldId id="262" r:id="rId16"/>
+    <p:sldId id="263" r:id="rId17"/>
+    <p:sldId id="264" r:id="rId18"/>
+    <p:sldId id="265" r:id="rId19"/>
+    <p:sldId id="266" r:id="rId20"/>
+    <p:sldId id="267" r:id="rId21"/>
+    <p:sldId id="271" r:id="rId22"/>
+    <p:sldId id="268" r:id="rId23"/>
+    <p:sldId id="275" r:id="rId24"/>
+    <p:sldId id="269" r:id="rId25"/>
   </p:sldIdLst>
   <p:sldSz cx="9144000" cy="5143500" type="screen16x9"/>
   <p:notesSz cx="6858000" cy="9144000"/>
@@ -325,7 +328,7 @@
           <a:p>
             <a:fld id="{8FF464A0-C30A-4EA4-AFB5-7042FE1A38C1}" type="datetimeFigureOut">
               <a:rPr lang="fr-FR" smtClean="0"/>
-              <a:t>25/05/2018</a:t>
+              <a:t>26/05/2018</a:t>
             </a:fld>
             <a:endParaRPr lang="fr-FR"/>
           </a:p>
@@ -1669,7 +1672,7 @@
           <a:p>
             <a:fld id="{8FF464A0-C30A-4EA4-AFB5-7042FE1A38C1}" type="datetimeFigureOut">
               <a:rPr lang="fr-FR" smtClean="0"/>
-              <a:t>25/05/2018</a:t>
+              <a:t>26/05/2018</a:t>
             </a:fld>
             <a:endParaRPr lang="fr-FR"/>
           </a:p>
@@ -2984,7 +2987,7 @@
           <a:p>
             <a:fld id="{8FF464A0-C30A-4EA4-AFB5-7042FE1A38C1}" type="datetimeFigureOut">
               <a:rPr lang="fr-FR" smtClean="0"/>
-              <a:t>25/05/2018</a:t>
+              <a:t>26/05/2018</a:t>
             </a:fld>
             <a:endParaRPr lang="fr-FR"/>
           </a:p>
@@ -3496,7 +3499,7 @@
           <a:p>
             <a:fld id="{8FF464A0-C30A-4EA4-AFB5-7042FE1A38C1}" type="datetimeFigureOut">
               <a:rPr lang="fr-FR" smtClean="0"/>
-              <a:t>25/05/2018</a:t>
+              <a:t>26/05/2018</a:t>
             </a:fld>
             <a:endParaRPr lang="fr-FR"/>
           </a:p>
@@ -3922,7 +3925,7 @@
           <a:p>
             <a:fld id="{8FF464A0-C30A-4EA4-AFB5-7042FE1A38C1}" type="datetimeFigureOut">
               <a:rPr lang="fr-FR" smtClean="0"/>
-              <a:t>25/05/2018</a:t>
+              <a:t>26/05/2018</a:t>
             </a:fld>
             <a:endParaRPr lang="fr-FR"/>
           </a:p>
@@ -4290,7 +4293,7 @@
           <a:p>
             <a:fld id="{8FF464A0-C30A-4EA4-AFB5-7042FE1A38C1}" type="datetimeFigureOut">
               <a:rPr lang="fr-FR" smtClean="0"/>
-              <a:t>25/05/2018</a:t>
+              <a:t>26/05/2018</a:t>
             </a:fld>
             <a:endParaRPr lang="fr-FR"/>
           </a:p>
@@ -5964,7 +5967,7 @@
           <a:p>
             <a:fld id="{8FF464A0-C30A-4EA4-AFB5-7042FE1A38C1}" type="datetimeFigureOut">
               <a:rPr lang="fr-FR" smtClean="0"/>
-              <a:t>25/05/2018</a:t>
+              <a:t>26/05/2018</a:t>
             </a:fld>
             <a:endParaRPr lang="fr-FR"/>
           </a:p>
@@ -7445,7 +7448,7 @@
           <a:p>
             <a:fld id="{8FF464A0-C30A-4EA4-AFB5-7042FE1A38C1}" type="datetimeFigureOut">
               <a:rPr lang="fr-FR" smtClean="0"/>
-              <a:t>25/05/2018</a:t>
+              <a:t>26/05/2018</a:t>
             </a:fld>
             <a:endParaRPr lang="fr-FR"/>
           </a:p>
@@ -9358,7 +9361,7 @@
           <a:p>
             <a:fld id="{8FF464A0-C30A-4EA4-AFB5-7042FE1A38C1}" type="datetimeFigureOut">
               <a:rPr lang="fr-FR" smtClean="0"/>
-              <a:t>25/05/2018</a:t>
+              <a:t>26/05/2018</a:t>
             </a:fld>
             <a:endParaRPr lang="fr-FR"/>
           </a:p>
@@ -9543,7 +9546,7 @@
           <a:p>
             <a:fld id="{8FF464A0-C30A-4EA4-AFB5-7042FE1A38C1}" type="datetimeFigureOut">
               <a:rPr lang="fr-FR" smtClean="0"/>
-              <a:t>25/05/2018</a:t>
+              <a:t>26/05/2018</a:t>
             </a:fld>
             <a:endParaRPr lang="fr-FR"/>
           </a:p>
@@ -9676,7 +9679,7 @@
           <a:p>
             <a:fld id="{8FF464A0-C30A-4EA4-AFB5-7042FE1A38C1}" type="datetimeFigureOut">
               <a:rPr lang="fr-FR" smtClean="0"/>
-              <a:t>25/05/2018</a:t>
+              <a:t>26/05/2018</a:t>
             </a:fld>
             <a:endParaRPr lang="fr-FR"/>
           </a:p>
@@ -9958,7 +9961,7 @@
           <a:p>
             <a:fld id="{8FF464A0-C30A-4EA4-AFB5-7042FE1A38C1}" type="datetimeFigureOut">
               <a:rPr lang="fr-FR" smtClean="0"/>
-              <a:t>25/05/2018</a:t>
+              <a:t>26/05/2018</a:t>
             </a:fld>
             <a:endParaRPr lang="fr-FR"/>
           </a:p>
@@ -10323,7 +10326,7 @@
           <a:p>
             <a:fld id="{8FF464A0-C30A-4EA4-AFB5-7042FE1A38C1}" type="datetimeFigureOut">
               <a:rPr lang="fr-FR" smtClean="0"/>
-              <a:t>25/05/2018</a:t>
+              <a:t>26/05/2018</a:t>
             </a:fld>
             <a:endParaRPr lang="fr-FR"/>
           </a:p>
@@ -11618,7 +11621,7 @@
           <a:p>
             <a:fld id="{8FF464A0-C30A-4EA4-AFB5-7042FE1A38C1}" type="datetimeFigureOut">
               <a:rPr lang="fr-FR" smtClean="0"/>
-              <a:t>25/05/2018</a:t>
+              <a:t>26/05/2018</a:t>
             </a:fld>
             <a:endParaRPr lang="fr-FR"/>
           </a:p>
@@ -12151,7 +12154,7 @@
           <a:p>
             <a:fld id="{8FF464A0-C30A-4EA4-AFB5-7042FE1A38C1}" type="datetimeFigureOut">
               <a:rPr lang="fr-FR" smtClean="0"/>
-              <a:t>25/05/2018</a:t>
+              <a:t>26/05/2018</a:t>
             </a:fld>
             <a:endParaRPr lang="fr-FR"/>
           </a:p>
@@ -12660,7 +12663,7 @@
           <a:p>
             <a:fld id="{8FF464A0-C30A-4EA4-AFB5-7042FE1A38C1}" type="datetimeFigureOut">
               <a:rPr lang="fr-FR" smtClean="0"/>
-              <a:t>25/05/2018</a:t>
+              <a:t>26/05/2018</a:t>
             </a:fld>
             <a:endParaRPr lang="fr-FR"/>
           </a:p>
@@ -13404,25 +13407,764 @@
           <a:lstStyle/>
           <a:p>
             <a:r>
+              <a:rPr lang="fr-FR" dirty="0" err="1" smtClean="0"/>
+              <a:t>What</a:t>
+            </a:r>
+            <a:r>
+              <a:rPr lang="fr-FR" dirty="0" smtClean="0"/>
+              <a:t> </a:t>
+            </a:r>
+            <a:r>
+              <a:rPr lang="fr-FR" dirty="0" err="1" smtClean="0"/>
+              <a:t>is</a:t>
+            </a:r>
+            <a:r>
+              <a:rPr lang="fr-FR" dirty="0" smtClean="0"/>
+              <a:t> </a:t>
+            </a:r>
+            <a:r>
+              <a:rPr lang="fr-FR" dirty="0" smtClean="0"/>
+              <a:t>Code Mining?</a:t>
+            </a:r>
+            <a:endParaRPr lang="fr-FR" dirty="0"/>
+          </a:p>
+        </p:txBody>
+      </p:sp>
+      <p:sp>
+        <p:nvSpPr>
+          <p:cNvPr id="3" name="Espace réservé du contenu 2"/>
+          <p:cNvSpPr>
+            <a:spLocks noGrp="1"/>
+          </p:cNvSpPr>
+          <p:nvPr>
+            <p:ph idx="1"/>
+          </p:nvPr>
+        </p:nvSpPr>
+        <p:spPr/>
+        <p:txBody>
+          <a:bodyPr>
+            <a:normAutofit/>
+          </a:bodyPr>
+          <a:lstStyle/>
+          <a:p>
+            <a:endParaRPr lang="fr-FR" dirty="0"/>
+          </a:p>
+          <a:p>
+            <a:pPr lvl="2"/>
+            <a:endParaRPr lang="fr-FR" dirty="0" smtClean="0"/>
+          </a:p>
+          <a:p>
+            <a:pPr lvl="2"/>
+            <a:endParaRPr lang="fr-FR" dirty="0" smtClean="0"/>
+          </a:p>
+        </p:txBody>
+      </p:sp>
+      <p:pic>
+        <p:nvPicPr>
+          <p:cNvPr id="5" name="Image 4"/>
+          <p:cNvPicPr>
+            <a:picLocks noChangeAspect="1"/>
+          </p:cNvPicPr>
+          <p:nvPr/>
+        </p:nvPicPr>
+        <p:blipFill>
+          <a:blip r:embed="rId2"/>
+          <a:stretch>
+            <a:fillRect/>
+          </a:stretch>
+        </p:blipFill>
+        <p:spPr>
+          <a:xfrm>
+            <a:off x="323528" y="987574"/>
+            <a:ext cx="8372475" cy="3009900"/>
+          </a:xfrm>
+          <a:prstGeom prst="rect">
+            <a:avLst/>
+          </a:prstGeom>
+        </p:spPr>
+      </p:pic>
+    </p:spTree>
+    <p:extLst>
+      <p:ext uri="{BB962C8B-B14F-4D97-AF65-F5344CB8AC3E}">
+        <p14:creationId xmlns:p14="http://schemas.microsoft.com/office/powerpoint/2010/main" val="4266680899"/>
+      </p:ext>
+    </p:extLst>
+  </p:cSld>
+  <p:clrMapOvr>
+    <a:masterClrMapping/>
+  </p:clrMapOvr>
+  <p:timing>
+    <p:tnLst>
+      <p:par>
+        <p:cTn id="1" dur="indefinite" restart="never" nodeType="tmRoot"/>
+      </p:par>
+    </p:tnLst>
+  </p:timing>
+</p:sld>
+</file>
+
+<file path=ppt/slides/slide11.xml><?xml version="1.0" encoding="utf-8"?>
+<p:sld xmlns:a="http://schemas.openxmlformats.org/drawingml/2006/main" xmlns:r="http://schemas.openxmlformats.org/officeDocument/2006/relationships" xmlns:p="http://schemas.openxmlformats.org/presentationml/2006/main">
+  <p:cSld>
+    <p:spTree>
+      <p:nvGrpSpPr>
+        <p:cNvPr id="1" name=""/>
+        <p:cNvGrpSpPr/>
+        <p:nvPr/>
+      </p:nvGrpSpPr>
+      <p:grpSpPr>
+        <a:xfrm>
+          <a:off x="0" y="0"/>
+          <a:ext cx="0" cy="0"/>
+          <a:chOff x="0" y="0"/>
+          <a:chExt cx="0" cy="0"/>
+        </a:xfrm>
+      </p:grpSpPr>
+      <p:sp>
+        <p:nvSpPr>
+          <p:cNvPr id="2" name="Titre 1"/>
+          <p:cNvSpPr>
+            <a:spLocks noGrp="1"/>
+          </p:cNvSpPr>
+          <p:nvPr>
+            <p:ph type="title"/>
+          </p:nvPr>
+        </p:nvSpPr>
+        <p:spPr/>
+        <p:txBody>
+          <a:bodyPr>
+            <a:normAutofit fontScale="90000"/>
+          </a:bodyPr>
+          <a:lstStyle/>
+          <a:p>
+            <a:r>
+              <a:rPr lang="fr-FR" dirty="0" smtClean="0"/>
+              <a:t>Code Mining - </a:t>
+            </a:r>
+            <a:r>
+              <a:rPr lang="fr-FR" dirty="0" err="1" smtClean="0"/>
+              <a:t>Process</a:t>
+            </a:r>
+            <a:endParaRPr lang="fr-FR" dirty="0"/>
+          </a:p>
+        </p:txBody>
+      </p:sp>
+      <p:sp>
+        <p:nvSpPr>
+          <p:cNvPr id="3" name="Espace réservé du contenu 2"/>
+          <p:cNvSpPr>
+            <a:spLocks noGrp="1"/>
+          </p:cNvSpPr>
+          <p:nvPr>
+            <p:ph idx="1"/>
+          </p:nvPr>
+        </p:nvSpPr>
+        <p:spPr/>
+        <p:txBody>
+          <a:bodyPr>
+            <a:normAutofit fontScale="85000" lnSpcReduction="20000"/>
+          </a:bodyPr>
+          <a:lstStyle/>
+          <a:p>
+            <a:r>
+              <a:rPr lang="fr-FR" b="1" dirty="0" err="1" smtClean="0"/>
+              <a:t>Compute</a:t>
+            </a:r>
+            <a:r>
+              <a:rPr lang="fr-FR" b="1" dirty="0" smtClean="0"/>
+              <a:t> </a:t>
+            </a:r>
+            <a:r>
+              <a:rPr lang="fr-FR" b="1" dirty="0" err="1" smtClean="0"/>
+              <a:t>list</a:t>
+            </a:r>
+            <a:r>
+              <a:rPr lang="fr-FR" b="1" dirty="0" smtClean="0"/>
+              <a:t> of code </a:t>
+            </a:r>
+            <a:r>
+              <a:rPr lang="fr-FR" b="1" dirty="0" err="1" smtClean="0"/>
+              <a:t>mining</a:t>
+            </a:r>
+            <a:r>
+              <a:rPr lang="fr-FR" dirty="0" smtClean="0"/>
+              <a:t> for the </a:t>
+            </a:r>
+            <a:r>
+              <a:rPr lang="fr-FR" dirty="0" err="1" smtClean="0"/>
+              <a:t>whole</a:t>
+            </a:r>
+            <a:r>
+              <a:rPr lang="fr-FR" dirty="0" smtClean="0"/>
+              <a:t> document</a:t>
+            </a:r>
+            <a:endParaRPr lang="fr-FR" b="1" dirty="0" smtClean="0"/>
+          </a:p>
+          <a:p>
+            <a:pPr lvl="2"/>
+            <a:r>
+              <a:rPr lang="fr-FR" dirty="0" err="1" smtClean="0"/>
+              <a:t>with</a:t>
+            </a:r>
+            <a:r>
+              <a:rPr lang="fr-FR" dirty="0" smtClean="0"/>
+              <a:t> a </a:t>
+            </a:r>
+            <a:r>
+              <a:rPr lang="fr-FR" b="1" dirty="0" smtClean="0"/>
+              <a:t>position</a:t>
+            </a:r>
+          </a:p>
+          <a:p>
+            <a:pPr lvl="2"/>
+            <a:r>
+              <a:rPr lang="fr-FR" dirty="0" err="1" smtClean="0"/>
+              <a:t>with</a:t>
+            </a:r>
+            <a:r>
+              <a:rPr lang="fr-FR" dirty="0" smtClean="0"/>
+              <a:t> a </a:t>
+            </a:r>
+            <a:r>
+              <a:rPr lang="fr-FR" b="1" dirty="0" smtClean="0"/>
+              <a:t>label</a:t>
+            </a:r>
+            <a:r>
+              <a:rPr lang="fr-FR" dirty="0" smtClean="0"/>
+              <a:t> if the </a:t>
+            </a:r>
+            <a:r>
+              <a:rPr lang="fr-FR" dirty="0" err="1" smtClean="0"/>
+              <a:t>compute</a:t>
+            </a:r>
+            <a:r>
+              <a:rPr lang="fr-FR" dirty="0" smtClean="0"/>
+              <a:t> of </a:t>
+            </a:r>
+            <a:r>
+              <a:rPr lang="fr-FR" dirty="0" err="1" smtClean="0"/>
+              <a:t>this</a:t>
+            </a:r>
+            <a:r>
+              <a:rPr lang="fr-FR" dirty="0" smtClean="0"/>
+              <a:t> label </a:t>
+            </a:r>
+            <a:r>
+              <a:rPr lang="fr-FR" dirty="0" err="1" smtClean="0"/>
+              <a:t>is</a:t>
+            </a:r>
+            <a:r>
+              <a:rPr lang="fr-FR" dirty="0" smtClean="0"/>
+              <a:t> </a:t>
+            </a:r>
+            <a:r>
+              <a:rPr lang="fr-FR" dirty="0" err="1" smtClean="0"/>
+              <a:t>fast</a:t>
+            </a:r>
+            <a:r>
+              <a:rPr lang="fr-FR" dirty="0" smtClean="0"/>
+              <a:t> and </a:t>
+            </a:r>
+            <a:r>
+              <a:rPr lang="fr-FR" dirty="0" err="1" smtClean="0"/>
+              <a:t>null</a:t>
+            </a:r>
+            <a:r>
+              <a:rPr lang="fr-FR" dirty="0" smtClean="0"/>
+              <a:t> </a:t>
+            </a:r>
+            <a:r>
+              <a:rPr lang="fr-FR" dirty="0" err="1" smtClean="0"/>
+              <a:t>otherwise</a:t>
+            </a:r>
+            <a:endParaRPr lang="fr-FR" dirty="0" smtClean="0"/>
+          </a:p>
+          <a:p>
+            <a:r>
+              <a:rPr lang="fr-FR" b="1" dirty="0" err="1" smtClean="0">
+                <a:solidFill>
+                  <a:srgbClr val="FF0000"/>
+                </a:solidFill>
+              </a:rPr>
+              <a:t>then</a:t>
+            </a:r>
+            <a:r>
+              <a:rPr lang="fr-FR" b="1" dirty="0" smtClean="0"/>
+              <a:t> </a:t>
+            </a:r>
+            <a:r>
+              <a:rPr lang="fr-FR" b="1" dirty="0" err="1" smtClean="0"/>
+              <a:t>render</a:t>
+            </a:r>
+            <a:r>
+              <a:rPr lang="fr-FR" b="1" dirty="0" smtClean="0"/>
+              <a:t> the </a:t>
+            </a:r>
+            <a:r>
+              <a:rPr lang="fr-FR" b="1" dirty="0" err="1" smtClean="0"/>
+              <a:t>computed</a:t>
+            </a:r>
+            <a:r>
+              <a:rPr lang="fr-FR" b="1" dirty="0" smtClean="0"/>
+              <a:t> </a:t>
+            </a:r>
+            <a:r>
+              <a:rPr lang="fr-FR" b="1" dirty="0" err="1" smtClean="0"/>
+              <a:t>list</a:t>
+            </a:r>
+            <a:endParaRPr lang="fr-FR" b="1" dirty="0" smtClean="0"/>
+          </a:p>
+          <a:p>
+            <a:pPr lvl="2"/>
+            <a:r>
+              <a:rPr lang="fr-FR" dirty="0" smtClean="0"/>
+              <a:t>group by </a:t>
+            </a:r>
+            <a:r>
+              <a:rPr lang="fr-FR" dirty="0" err="1" smtClean="0"/>
+              <a:t>mining</a:t>
+            </a:r>
+            <a:r>
+              <a:rPr lang="fr-FR" dirty="0" smtClean="0"/>
+              <a:t> </a:t>
+            </a:r>
+            <a:r>
+              <a:rPr lang="fr-FR" dirty="0" err="1" smtClean="0"/>
+              <a:t>with</a:t>
+            </a:r>
+            <a:r>
+              <a:rPr lang="fr-FR" dirty="0" smtClean="0"/>
+              <a:t> position and </a:t>
+            </a:r>
+            <a:r>
+              <a:rPr lang="fr-FR" dirty="0" err="1" smtClean="0"/>
+              <a:t>link</a:t>
+            </a:r>
+            <a:r>
+              <a:rPr lang="fr-FR" dirty="0" smtClean="0"/>
+              <a:t> </a:t>
+            </a:r>
+            <a:r>
+              <a:rPr lang="fr-FR" dirty="0" err="1" smtClean="0"/>
+              <a:t>it</a:t>
+            </a:r>
+            <a:r>
+              <a:rPr lang="fr-FR" dirty="0" smtClean="0"/>
+              <a:t> to a </a:t>
+            </a:r>
+            <a:r>
+              <a:rPr lang="fr-FR" b="1" dirty="0" err="1" smtClean="0"/>
+              <a:t>CodeMining</a:t>
+            </a:r>
+            <a:r>
+              <a:rPr lang="fr-FR" b="1" dirty="0" err="1" smtClean="0"/>
+              <a:t>Line</a:t>
+            </a:r>
+            <a:r>
+              <a:rPr lang="fr-FR" b="1" dirty="0" smtClean="0"/>
+              <a:t>*Annotation</a:t>
+            </a:r>
+          </a:p>
+          <a:p>
+            <a:pPr lvl="2"/>
+            <a:r>
+              <a:rPr lang="fr-FR" dirty="0" smtClean="0"/>
+              <a:t>update annotation support </a:t>
+            </a:r>
+            <a:r>
+              <a:rPr lang="fr-FR" dirty="0" err="1" smtClean="0"/>
+              <a:t>with</a:t>
+            </a:r>
+            <a:r>
+              <a:rPr lang="fr-FR" dirty="0" smtClean="0"/>
+              <a:t> the new </a:t>
+            </a:r>
+            <a:r>
+              <a:rPr lang="fr-FR" b="1" dirty="0" err="1" smtClean="0"/>
+              <a:t>CodeMiningLine</a:t>
+            </a:r>
+            <a:r>
+              <a:rPr lang="fr-FR" b="1" dirty="0" smtClean="0"/>
+              <a:t>*Annotation </a:t>
+            </a:r>
+            <a:r>
+              <a:rPr lang="fr-FR" dirty="0" err="1" smtClean="0"/>
+              <a:t>list</a:t>
+            </a:r>
+            <a:endParaRPr lang="fr-FR" dirty="0" smtClean="0"/>
+          </a:p>
+          <a:p>
+            <a:r>
+              <a:rPr lang="fr-FR" dirty="0" smtClean="0"/>
+              <a:t>The update of annotations call the </a:t>
+            </a:r>
+            <a:r>
+              <a:rPr lang="fr-FR" dirty="0" err="1" smtClean="0"/>
+              <a:t>AnnotationPainter</a:t>
+            </a:r>
+            <a:r>
+              <a:rPr lang="fr-FR" dirty="0" smtClean="0"/>
+              <a:t> </a:t>
+            </a:r>
+            <a:r>
+              <a:rPr lang="fr-FR" dirty="0" err="1" smtClean="0"/>
+              <a:t>which</a:t>
+            </a:r>
+            <a:r>
+              <a:rPr lang="fr-FR" dirty="0" smtClean="0"/>
+              <a:t> </a:t>
+            </a:r>
+            <a:r>
+              <a:rPr lang="fr-FR" dirty="0" err="1" smtClean="0"/>
+              <a:t>draws</a:t>
+            </a:r>
+            <a:r>
+              <a:rPr lang="fr-FR" dirty="0" smtClean="0"/>
+              <a:t> </a:t>
+            </a:r>
+            <a:r>
+              <a:rPr lang="fr-FR" dirty="0" err="1" smtClean="0"/>
+              <a:t>each</a:t>
+            </a:r>
+            <a:r>
+              <a:rPr lang="fr-FR" dirty="0" smtClean="0"/>
+              <a:t> annotations:</a:t>
+            </a:r>
+          </a:p>
+          <a:p>
+            <a:pPr lvl="1"/>
+            <a:r>
+              <a:rPr lang="fr-FR" dirty="0" smtClean="0"/>
+              <a:t>A </a:t>
+            </a:r>
+            <a:r>
+              <a:rPr lang="fr-FR" dirty="0" err="1" smtClean="0"/>
+              <a:t>given</a:t>
+            </a:r>
+            <a:r>
+              <a:rPr lang="fr-FR" dirty="0" smtClean="0"/>
+              <a:t> </a:t>
+            </a:r>
+            <a:r>
+              <a:rPr lang="fr-FR" b="1" dirty="0" err="1" smtClean="0"/>
+              <a:t>CodeMiningLine</a:t>
+            </a:r>
+            <a:r>
+              <a:rPr lang="fr-FR" b="1" dirty="0" smtClean="0"/>
+              <a:t>*Annotation</a:t>
+            </a:r>
+            <a:r>
+              <a:rPr lang="fr-FR" dirty="0" smtClean="0"/>
+              <a:t> </a:t>
+            </a:r>
+            <a:r>
+              <a:rPr lang="fr-FR" dirty="0" err="1" smtClean="0"/>
+              <a:t>is</a:t>
+            </a:r>
+            <a:r>
+              <a:rPr lang="fr-FR" dirty="0" smtClean="0"/>
+              <a:t> </a:t>
+            </a:r>
+            <a:r>
+              <a:rPr lang="fr-FR" dirty="0" err="1" smtClean="0"/>
+              <a:t>drawn</a:t>
+            </a:r>
+            <a:r>
+              <a:rPr lang="fr-FR" dirty="0" smtClean="0"/>
+              <a:t> </a:t>
+            </a:r>
+            <a:r>
+              <a:rPr lang="fr-FR" dirty="0" err="1" smtClean="0"/>
+              <a:t>only</a:t>
+            </a:r>
+            <a:r>
+              <a:rPr lang="fr-FR" dirty="0" smtClean="0"/>
+              <a:t> if </a:t>
+            </a:r>
+            <a:r>
+              <a:rPr lang="fr-FR" dirty="0" err="1" smtClean="0"/>
+              <a:t>it</a:t>
+            </a:r>
+            <a:r>
+              <a:rPr lang="fr-FR" dirty="0" smtClean="0"/>
+              <a:t> </a:t>
+            </a:r>
+            <a:r>
+              <a:rPr lang="fr-FR" dirty="0" err="1" smtClean="0"/>
+              <a:t>is</a:t>
+            </a:r>
+            <a:r>
+              <a:rPr lang="fr-FR" dirty="0" smtClean="0"/>
+              <a:t> in visible </a:t>
+            </a:r>
+            <a:r>
+              <a:rPr lang="fr-FR" dirty="0" err="1" smtClean="0"/>
+              <a:t>lines</a:t>
+            </a:r>
+            <a:endParaRPr lang="fr-FR" dirty="0" smtClean="0"/>
+          </a:p>
+          <a:p>
+            <a:pPr lvl="1"/>
+            <a:r>
+              <a:rPr lang="fr-FR" b="1" dirty="0" err="1" smtClean="0"/>
+              <a:t>CodeMiningLine</a:t>
+            </a:r>
+            <a:r>
+              <a:rPr lang="fr-FR" b="1" dirty="0" smtClean="0"/>
+              <a:t>*Annotation</a:t>
+            </a:r>
+            <a:r>
+              <a:rPr lang="fr-FR" dirty="0" smtClean="0"/>
+              <a:t> </a:t>
+            </a:r>
+            <a:r>
+              <a:rPr lang="fr-FR" dirty="0" err="1" smtClean="0"/>
+              <a:t>draws</a:t>
+            </a:r>
+            <a:r>
+              <a:rPr lang="fr-FR" dirty="0" smtClean="0"/>
+              <a:t> </a:t>
+            </a:r>
+            <a:r>
+              <a:rPr lang="fr-FR" dirty="0" err="1" smtClean="0"/>
+              <a:t>only</a:t>
+            </a:r>
+            <a:r>
+              <a:rPr lang="fr-FR" dirty="0" smtClean="0"/>
+              <a:t> </a:t>
+            </a:r>
+            <a:r>
+              <a:rPr lang="fr-FR" dirty="0" err="1" smtClean="0"/>
+              <a:t>minings</a:t>
+            </a:r>
+            <a:r>
+              <a:rPr lang="fr-FR" dirty="0" smtClean="0"/>
+              <a:t> </a:t>
+            </a:r>
+            <a:r>
+              <a:rPr lang="fr-FR" dirty="0" err="1" smtClean="0"/>
+              <a:t>which</a:t>
+            </a:r>
+            <a:r>
+              <a:rPr lang="fr-FR" dirty="0" smtClean="0"/>
+              <a:t> are </a:t>
+            </a:r>
+            <a:r>
+              <a:rPr lang="fr-FR" dirty="0" err="1" smtClean="0"/>
+              <a:t>ready</a:t>
+            </a:r>
+            <a:r>
+              <a:rPr lang="fr-FR" dirty="0" smtClean="0"/>
+              <a:t>.</a:t>
+            </a:r>
+          </a:p>
+          <a:p>
+            <a:pPr lvl="1"/>
+            <a:r>
+              <a:rPr lang="fr-FR" dirty="0" smtClean="0"/>
+              <a:t>If </a:t>
+            </a:r>
+            <a:r>
+              <a:rPr lang="fr-FR" dirty="0" err="1" smtClean="0"/>
+              <a:t>mining</a:t>
+            </a:r>
+            <a:r>
+              <a:rPr lang="fr-FR" dirty="0" smtClean="0"/>
+              <a:t> </a:t>
+            </a:r>
+            <a:r>
+              <a:rPr lang="fr-FR" dirty="0" err="1" smtClean="0"/>
+              <a:t>is</a:t>
+            </a:r>
+            <a:r>
+              <a:rPr lang="fr-FR" dirty="0" smtClean="0"/>
+              <a:t> not </a:t>
+            </a:r>
+            <a:r>
+              <a:rPr lang="fr-FR" dirty="0" err="1" smtClean="0"/>
+              <a:t>ready</a:t>
+            </a:r>
+            <a:r>
               <a:rPr lang="fr-FR" dirty="0"/>
-              <a:t>Code Mining – </a:t>
-            </a:r>
-            <a:r>
-              <a:rPr lang="fr-FR" dirty="0" smtClean="0"/>
-              <a:t>real use </a:t>
-            </a:r>
-            <a:r>
-              <a:rPr lang="fr-FR" dirty="0"/>
-              <a:t>case </a:t>
-            </a:r>
-            <a:r>
-              <a:rPr lang="fr-FR" dirty="0" smtClean="0"/>
-              <a:t>2 </a:t>
-            </a:r>
-            <a:r>
-              <a:rPr lang="fr-FR" dirty="0"/>
-              <a:t>/ 2</a:t>
-            </a:r>
+              <a:t> </a:t>
+            </a:r>
+            <a:r>
+              <a:rPr lang="fr-FR" dirty="0" smtClean="0"/>
+              <a:t>(not </a:t>
+            </a:r>
+            <a:r>
+              <a:rPr lang="fr-FR" dirty="0" err="1" smtClean="0"/>
+              <a:t>resolved</a:t>
+            </a:r>
+            <a:r>
+              <a:rPr lang="fr-FR" dirty="0" smtClean="0"/>
+              <a:t>), </a:t>
+            </a:r>
+            <a:r>
+              <a:rPr lang="fr-FR" dirty="0" err="1" smtClean="0"/>
+              <a:t>compute</a:t>
+            </a:r>
+            <a:r>
+              <a:rPr lang="fr-FR" dirty="0" smtClean="0"/>
+              <a:t> </a:t>
+            </a:r>
+            <a:r>
+              <a:rPr lang="fr-FR" dirty="0" err="1" smtClean="0"/>
+              <a:t>it</a:t>
+            </a:r>
+            <a:r>
+              <a:rPr lang="fr-FR" dirty="0" smtClean="0"/>
+              <a:t> in background, </a:t>
+            </a:r>
+            <a:r>
+              <a:rPr lang="fr-FR" b="1" dirty="0" err="1" smtClean="0">
+                <a:solidFill>
+                  <a:srgbClr val="FF0000"/>
+                </a:solidFill>
+              </a:rPr>
+              <a:t>then</a:t>
+            </a:r>
+            <a:r>
+              <a:rPr lang="fr-FR" dirty="0" smtClean="0"/>
+              <a:t> </a:t>
+            </a:r>
+            <a:r>
+              <a:rPr lang="fr-FR" dirty="0" err="1" smtClean="0"/>
+              <a:t>redraw</a:t>
+            </a:r>
+            <a:r>
+              <a:rPr lang="fr-FR" dirty="0" smtClean="0"/>
+              <a:t> the parent </a:t>
+            </a:r>
+            <a:r>
+              <a:rPr lang="fr-FR" b="1" dirty="0" err="1" smtClean="0"/>
+              <a:t>CodeMiningLine</a:t>
+            </a:r>
+            <a:r>
+              <a:rPr lang="fr-FR" b="1" dirty="0" smtClean="0"/>
+              <a:t>*Annotation</a:t>
+            </a:r>
+          </a:p>
+          <a:p>
+            <a:r>
+              <a:rPr lang="fr-FR" b="1" dirty="0" smtClean="0">
+                <a:solidFill>
+                  <a:srgbClr val="FF0000"/>
+                </a:solidFill>
+              </a:rPr>
+              <a:t>2 « </a:t>
+            </a:r>
+            <a:r>
+              <a:rPr lang="fr-FR" b="1" dirty="0" err="1" smtClean="0">
+                <a:solidFill>
+                  <a:srgbClr val="FF0000"/>
+                </a:solidFill>
+              </a:rPr>
+              <a:t>then</a:t>
+            </a:r>
+            <a:r>
+              <a:rPr lang="fr-FR" b="1" dirty="0" smtClean="0">
+                <a:solidFill>
+                  <a:srgbClr val="FF0000"/>
+                </a:solidFill>
+              </a:rPr>
+              <a:t> »</a:t>
+            </a:r>
+            <a:r>
+              <a:rPr lang="fr-FR" dirty="0" smtClean="0">
+                <a:solidFill>
+                  <a:srgbClr val="FF0000"/>
+                </a:solidFill>
+              </a:rPr>
+              <a:t>: </a:t>
+            </a:r>
+            <a:r>
+              <a:rPr lang="fr-FR" dirty="0" smtClean="0"/>
+              <a:t>use of </a:t>
+            </a:r>
+            <a:r>
+              <a:rPr lang="fr-FR" b="1" dirty="0" err="1" smtClean="0"/>
+              <a:t>CompletableFuture</a:t>
+            </a:r>
+            <a:r>
+              <a:rPr lang="fr-FR" dirty="0" smtClean="0"/>
+              <a:t> (</a:t>
+            </a:r>
+            <a:r>
+              <a:rPr lang="fr-FR" dirty="0" err="1" smtClean="0"/>
+              <a:t>thenApply</a:t>
+            </a:r>
+            <a:r>
+              <a:rPr lang="fr-FR" smtClean="0"/>
+              <a:t>).</a:t>
+            </a:r>
+            <a:endParaRPr lang="fr-FR" dirty="0" smtClean="0">
+              <a:solidFill>
+                <a:srgbClr val="FF0000"/>
+              </a:solidFill>
+            </a:endParaRPr>
+          </a:p>
+        </p:txBody>
+      </p:sp>
+    </p:spTree>
+    <p:extLst>
+      <p:ext uri="{BB962C8B-B14F-4D97-AF65-F5344CB8AC3E}">
+        <p14:creationId xmlns:p14="http://schemas.microsoft.com/office/powerpoint/2010/main" val="3916104051"/>
+      </p:ext>
+    </p:extLst>
+  </p:cSld>
+  <p:clrMapOvr>
+    <a:masterClrMapping/>
+  </p:clrMapOvr>
+  <p:timing>
+    <p:tnLst>
+      <p:par>
+        <p:cTn id="1" dur="indefinite" restart="never" nodeType="tmRoot"/>
+      </p:par>
+    </p:tnLst>
+  </p:timing>
+</p:sld>
+</file>
+
+<file path=ppt/slides/slide12.xml><?xml version="1.0" encoding="utf-8"?>
+<p:sld xmlns:a="http://schemas.openxmlformats.org/drawingml/2006/main" xmlns:r="http://schemas.openxmlformats.org/officeDocument/2006/relationships" xmlns:p="http://schemas.openxmlformats.org/presentationml/2006/main">
+  <p:cSld>
+    <p:spTree>
+      <p:nvGrpSpPr>
+        <p:cNvPr id="1" name=""/>
+        <p:cNvGrpSpPr/>
+        <p:nvPr/>
+      </p:nvGrpSpPr>
+      <p:grpSpPr>
+        <a:xfrm>
+          <a:off x="0" y="0"/>
+          <a:ext cx="0" cy="0"/>
+          <a:chOff x="0" y="0"/>
+          <a:chExt cx="0" cy="0"/>
+        </a:xfrm>
+      </p:grpSpPr>
+      <p:sp>
+        <p:nvSpPr>
+          <p:cNvPr id="2" name="Titre 1"/>
+          <p:cNvSpPr>
+            <a:spLocks noGrp="1"/>
+          </p:cNvSpPr>
+          <p:nvPr>
+            <p:ph type="title"/>
+          </p:nvPr>
+        </p:nvSpPr>
+        <p:spPr/>
+        <p:txBody>
+          <a:bodyPr>
+            <a:normAutofit fontScale="90000"/>
+          </a:bodyPr>
+          <a:lstStyle/>
+          <a:p>
+            <a:r>
+              <a:rPr lang="fr-FR" dirty="0" smtClean="0"/>
+              <a:t>Code Mining - API</a:t>
+            </a:r>
+            <a:endParaRPr lang="fr-FR" dirty="0"/>
           </a:p>
         </p:txBody>
       </p:sp>
@@ -13443,11 +14185,276 @@
           <a:p>
             <a:r>
               <a:rPr lang="fr-FR" dirty="0" err="1" smtClean="0"/>
-              <a:t>Xtext</a:t>
-            </a:r>
+              <a:t>Draw</a:t>
+            </a:r>
+            <a:r>
+              <a:rPr lang="fr-FR" dirty="0" smtClean="0"/>
+              <a:t> </a:t>
+            </a:r>
+            <a:r>
+              <a:rPr lang="fr-FR" dirty="0" err="1" smtClean="0"/>
+              <a:t>inlined</a:t>
+            </a:r>
+            <a:r>
+              <a:rPr lang="fr-FR" dirty="0" smtClean="0"/>
+              <a:t> annotation:</a:t>
+            </a:r>
+          </a:p>
+          <a:p>
+            <a:pPr lvl="1"/>
+            <a:r>
+              <a:rPr lang="fr-FR" dirty="0" smtClean="0"/>
+              <a:t>Line header</a:t>
+            </a:r>
+          </a:p>
+          <a:p>
+            <a:pPr lvl="1"/>
+            <a:r>
+              <a:rPr lang="fr-FR" dirty="0" smtClean="0"/>
+              <a:t>Line content</a:t>
+            </a:r>
+          </a:p>
+          <a:p>
+            <a:r>
+              <a:rPr lang="fr-FR" dirty="0" err="1" smtClean="0"/>
+              <a:t>Takes</a:t>
+            </a:r>
+            <a:r>
+              <a:rPr lang="fr-FR" dirty="0" smtClean="0"/>
+              <a:t> care of performance by </a:t>
+            </a:r>
+            <a:r>
+              <a:rPr lang="fr-FR" dirty="0" err="1" smtClean="0"/>
+              <a:t>using</a:t>
+            </a:r>
+            <a:r>
+              <a:rPr lang="fr-FR" dirty="0" smtClean="0"/>
+              <a:t> </a:t>
+            </a:r>
+            <a:r>
+              <a:rPr lang="fr-FR" dirty="0" err="1" smtClean="0"/>
+              <a:t>CompletableFuture</a:t>
+            </a:r>
+            <a:r>
+              <a:rPr lang="fr-FR" dirty="0" smtClean="0"/>
+              <a:t>:</a:t>
+            </a:r>
+          </a:p>
+          <a:p>
+            <a:pPr lvl="1"/>
+            <a:r>
+              <a:rPr lang="fr-FR" dirty="0" err="1" smtClean="0"/>
+              <a:t>Provide</a:t>
+            </a:r>
+            <a:r>
+              <a:rPr lang="fr-FR" dirty="0" smtClean="0"/>
+              <a:t> </a:t>
+            </a:r>
+            <a:r>
+              <a:rPr lang="fr-FR" dirty="0" err="1" smtClean="0"/>
+              <a:t>list</a:t>
+            </a:r>
+            <a:r>
+              <a:rPr lang="fr-FR" dirty="0" smtClean="0"/>
+              <a:t> of all </a:t>
+            </a:r>
+            <a:r>
+              <a:rPr lang="fr-FR" dirty="0" err="1" smtClean="0"/>
+              <a:t>minings</a:t>
+            </a:r>
+            <a:r>
+              <a:rPr lang="fr-FR" dirty="0" smtClean="0"/>
+              <a:t> of the document:</a:t>
+            </a:r>
+          </a:p>
+          <a:p>
+            <a:pPr lvl="2"/>
+            <a:r>
+              <a:rPr lang="fr-FR" dirty="0" err="1" smtClean="0"/>
+              <a:t>Compute</a:t>
+            </a:r>
+            <a:r>
+              <a:rPr lang="fr-FR" dirty="0" smtClean="0"/>
+              <a:t> position </a:t>
+            </a:r>
+            <a:r>
+              <a:rPr lang="fr-FR" dirty="0" err="1" smtClean="0"/>
+              <a:t>where</a:t>
+            </a:r>
+            <a:r>
+              <a:rPr lang="fr-FR" dirty="0" smtClean="0"/>
+              <a:t> </a:t>
+            </a:r>
+            <a:r>
+              <a:rPr lang="fr-FR" dirty="0" err="1" smtClean="0"/>
+              <a:t>mining</a:t>
+            </a:r>
+            <a:r>
+              <a:rPr lang="fr-FR" dirty="0" smtClean="0"/>
+              <a:t> must </a:t>
+            </a:r>
+            <a:r>
+              <a:rPr lang="fr-FR" dirty="0" err="1" smtClean="0"/>
+              <a:t>be</a:t>
+            </a:r>
+            <a:r>
+              <a:rPr lang="fr-FR" dirty="0" smtClean="0"/>
+              <a:t> </a:t>
+            </a:r>
+            <a:r>
+              <a:rPr lang="fr-FR" dirty="0" err="1" smtClean="0"/>
+              <a:t>drawn</a:t>
+            </a:r>
+            <a:r>
+              <a:rPr lang="fr-FR" dirty="0" smtClean="0"/>
+              <a:t> (provider)</a:t>
+            </a:r>
+          </a:p>
+          <a:p>
+            <a:pPr lvl="1"/>
+            <a:r>
+              <a:rPr lang="fr-FR" dirty="0" err="1" smtClean="0"/>
+              <a:t>Resolve</a:t>
+            </a:r>
+            <a:r>
+              <a:rPr lang="fr-FR" dirty="0" smtClean="0"/>
+              <a:t> </a:t>
+            </a:r>
+            <a:r>
+              <a:rPr lang="fr-FR" dirty="0" err="1" smtClean="0"/>
+              <a:t>only</a:t>
+            </a:r>
+            <a:r>
+              <a:rPr lang="fr-FR" dirty="0" smtClean="0"/>
+              <a:t> visible </a:t>
+            </a:r>
+            <a:r>
+              <a:rPr lang="fr-FR" dirty="0" err="1" smtClean="0"/>
+              <a:t>mining</a:t>
+            </a:r>
+            <a:r>
+              <a:rPr lang="fr-FR" dirty="0" smtClean="0"/>
+              <a:t>:</a:t>
+            </a:r>
+          </a:p>
+          <a:p>
+            <a:pPr lvl="2"/>
+            <a:r>
+              <a:rPr lang="fr-FR" dirty="0" err="1"/>
+              <a:t>t</a:t>
+            </a:r>
+            <a:r>
+              <a:rPr lang="fr-FR" dirty="0" err="1" smtClean="0"/>
+              <a:t>hen</a:t>
+            </a:r>
+            <a:r>
+              <a:rPr lang="fr-FR" dirty="0" smtClean="0"/>
+              <a:t> </a:t>
+            </a:r>
+            <a:r>
+              <a:rPr lang="fr-FR" dirty="0" err="1" smtClean="0"/>
+              <a:t>draw</a:t>
+            </a:r>
+            <a:r>
+              <a:rPr lang="fr-FR" dirty="0" smtClean="0"/>
+              <a:t> </a:t>
+            </a:r>
+            <a:r>
+              <a:rPr lang="fr-FR" dirty="0" err="1" smtClean="0"/>
+              <a:t>only</a:t>
+            </a:r>
+            <a:r>
+              <a:rPr lang="fr-FR" dirty="0" smtClean="0"/>
+              <a:t> the visible </a:t>
+            </a:r>
+            <a:r>
+              <a:rPr lang="fr-FR" dirty="0" err="1" smtClean="0"/>
+              <a:t>lines</a:t>
+            </a:r>
+            <a:endParaRPr lang="fr-FR" dirty="0"/>
+          </a:p>
+        </p:txBody>
+      </p:sp>
+    </p:spTree>
+    <p:extLst>
+      <p:ext uri="{BB962C8B-B14F-4D97-AF65-F5344CB8AC3E}">
+        <p14:creationId xmlns:p14="http://schemas.microsoft.com/office/powerpoint/2010/main" val="2642438695"/>
+      </p:ext>
+    </p:extLst>
+  </p:cSld>
+  <p:clrMapOvr>
+    <a:masterClrMapping/>
+  </p:clrMapOvr>
+  <p:timing>
+    <p:tnLst>
+      <p:par>
+        <p:cTn id="1" dur="indefinite" restart="never" nodeType="tmRoot"/>
+      </p:par>
+    </p:tnLst>
+  </p:timing>
+</p:sld>
+</file>
+
+<file path=ppt/slides/slide13.xml><?xml version="1.0" encoding="utf-8"?>
+<p:sld xmlns:a="http://schemas.openxmlformats.org/drawingml/2006/main" xmlns:r="http://schemas.openxmlformats.org/officeDocument/2006/relationships" xmlns:p="http://schemas.openxmlformats.org/presentationml/2006/main">
+  <p:cSld>
+    <p:spTree>
+      <p:nvGrpSpPr>
+        <p:cNvPr id="1" name=""/>
+        <p:cNvGrpSpPr/>
+        <p:nvPr/>
+      </p:nvGrpSpPr>
+      <p:grpSpPr>
+        <a:xfrm>
+          <a:off x="0" y="0"/>
+          <a:ext cx="0" cy="0"/>
+          <a:chOff x="0" y="0"/>
+          <a:chExt cx="0" cy="0"/>
+        </a:xfrm>
+      </p:grpSpPr>
+      <p:sp>
+        <p:nvSpPr>
+          <p:cNvPr id="2" name="Titre 1"/>
+          <p:cNvSpPr>
+            <a:spLocks noGrp="1"/>
+          </p:cNvSpPr>
+          <p:nvPr>
+            <p:ph type="title"/>
+          </p:nvPr>
+        </p:nvSpPr>
+        <p:spPr/>
+        <p:txBody>
+          <a:bodyPr>
+            <a:normAutofit fontScale="90000"/>
+          </a:bodyPr>
+          <a:lstStyle/>
+          <a:p>
+            <a:r>
+              <a:rPr lang="fr-FR" dirty="0" smtClean="0"/>
+              <a:t>Code Mining – real use case 1 / 2</a:t>
+            </a:r>
+            <a:endParaRPr lang="fr-FR" dirty="0"/>
+          </a:p>
+        </p:txBody>
+      </p:sp>
+      <p:sp>
+        <p:nvSpPr>
+          <p:cNvPr id="3" name="Espace réservé du contenu 2"/>
+          <p:cNvSpPr>
+            <a:spLocks noGrp="1"/>
+          </p:cNvSpPr>
+          <p:nvPr>
+            <p:ph idx="1"/>
+          </p:nvPr>
+        </p:nvSpPr>
+        <p:spPr/>
+        <p:txBody>
+          <a:bodyPr/>
+          <a:lstStyle/>
+          <a:p>
             <a:r>
               <a:rPr lang="fr-FR" dirty="0"/>
-              <a:t> </a:t>
+              <a:t>LSP4e </a:t>
             </a:r>
             <a:r>
               <a:rPr lang="fr-FR" dirty="0">
@@ -13459,27 +14466,273 @@
               <a:rPr lang="fr-FR" dirty="0" smtClean="0">
                 <a:hlinkClick r:id="rId2"/>
               </a:rPr>
-              <a:t>blogs.itemis.com/en/code-mining-support-in-xtext</a:t>
-            </a:r>
+              <a:t>projects.eclipse.org/projects/technology.lsp4e</a:t>
+            </a:r>
+            <a:r>
+              <a:rPr lang="fr-FR" dirty="0" smtClean="0"/>
+              <a:t>:</a:t>
+            </a:r>
+          </a:p>
+          <a:p>
+            <a:pPr lvl="1"/>
+            <a:r>
+              <a:rPr lang="fr-FR" b="1" dirty="0" smtClean="0"/>
+              <a:t>Code Lens</a:t>
+            </a:r>
+            <a:r>
+              <a:rPr lang="fr-FR" dirty="0" smtClean="0"/>
+              <a:t> </a:t>
+            </a:r>
+            <a:r>
+              <a:rPr lang="fr-FR" b="1" dirty="0" smtClean="0"/>
+              <a:t>support</a:t>
+            </a:r>
+            <a:r>
+              <a:rPr lang="fr-FR" dirty="0" smtClean="0"/>
+              <a:t>:</a:t>
+            </a:r>
+          </a:p>
+          <a:p>
+            <a:pPr lvl="2"/>
+            <a:r>
+              <a:rPr lang="fr-FR" dirty="0" err="1" smtClean="0"/>
+              <a:t>Spring</a:t>
+            </a:r>
+            <a:r>
+              <a:rPr lang="fr-FR" dirty="0" smtClean="0"/>
+              <a:t> Tools 4</a:t>
+            </a:r>
+          </a:p>
+          <a:p>
+            <a:pPr lvl="2"/>
             <a:endParaRPr lang="fr-FR" dirty="0" smtClean="0"/>
           </a:p>
           <a:p>
+            <a:pPr lvl="2"/>
+            <a:endParaRPr lang="fr-FR" dirty="0"/>
+          </a:p>
+          <a:p>
+            <a:pPr lvl="1"/>
+            <a:r>
+              <a:rPr lang="fr-FR" b="1" dirty="0" err="1" smtClean="0"/>
+              <a:t>Color</a:t>
+            </a:r>
+            <a:r>
+              <a:rPr lang="fr-FR" b="1" dirty="0" smtClean="0"/>
+              <a:t> support </a:t>
+            </a:r>
+            <a:r>
+              <a:rPr lang="fr-FR" dirty="0" smtClean="0"/>
+              <a:t>(</a:t>
+            </a:r>
+            <a:r>
+              <a:rPr lang="fr-FR" dirty="0" err="1" smtClean="0"/>
+              <a:t>experimental</a:t>
+            </a:r>
+            <a:r>
+              <a:rPr lang="fr-FR" dirty="0" smtClean="0"/>
+              <a:t>)</a:t>
+            </a:r>
+          </a:p>
+          <a:p>
+            <a:pPr lvl="2"/>
+            <a:r>
+              <a:rPr lang="fr-FR" dirty="0" smtClean="0"/>
+              <a:t>CSS </a:t>
+            </a:r>
+            <a:r>
+              <a:rPr lang="fr-FR" dirty="0" err="1" smtClean="0"/>
+              <a:t>Language</a:t>
+            </a:r>
+            <a:r>
+              <a:rPr lang="fr-FR" dirty="0" smtClean="0"/>
+              <a:t> Server</a:t>
+            </a:r>
+          </a:p>
+          <a:p>
+            <a:pPr lvl="2"/>
             <a:endParaRPr lang="fr-FR" dirty="0" smtClean="0"/>
           </a:p>
           <a:p>
-            <a:endParaRPr lang="fr-FR" dirty="0"/>
-          </a:p>
-          <a:p>
             <a:endParaRPr lang="fr-FR" dirty="0" smtClean="0"/>
           </a:p>
-          <a:p>
-            <a:r>
-              <a:rPr lang="fr-FR" dirty="0" smtClean="0"/>
-              <a:t>JDT CodeMining</a:t>
+        </p:txBody>
+      </p:sp>
+      <p:pic>
+        <p:nvPicPr>
+          <p:cNvPr id="11" name="Image 10"/>
+          <p:cNvPicPr>
+            <a:picLocks noChangeAspect="1"/>
+          </p:cNvPicPr>
+          <p:nvPr/>
+        </p:nvPicPr>
+        <p:blipFill>
+          <a:blip r:embed="rId3"/>
+          <a:stretch>
+            <a:fillRect/>
+          </a:stretch>
+        </p:blipFill>
+        <p:spPr>
+          <a:xfrm>
+            <a:off x="2699792" y="3363838"/>
+            <a:ext cx="3933825" cy="1085850"/>
+          </a:xfrm>
+          <a:prstGeom prst="rect">
+            <a:avLst/>
+          </a:prstGeom>
+        </p:spPr>
+      </p:pic>
+      <p:pic>
+        <p:nvPicPr>
+          <p:cNvPr id="12" name="Image 11"/>
+          <p:cNvPicPr>
+            <a:picLocks noChangeAspect="1"/>
+          </p:cNvPicPr>
+          <p:nvPr/>
+        </p:nvPicPr>
+        <p:blipFill>
+          <a:blip r:embed="rId4"/>
+          <a:stretch>
+            <a:fillRect/>
+          </a:stretch>
+        </p:blipFill>
+        <p:spPr>
+          <a:xfrm>
+            <a:off x="2726001" y="1696393"/>
+            <a:ext cx="5715000" cy="819150"/>
+          </a:xfrm>
+          <a:prstGeom prst="rect">
+            <a:avLst/>
+          </a:prstGeom>
+        </p:spPr>
+      </p:pic>
+    </p:spTree>
+    <p:extLst>
+      <p:ext uri="{BB962C8B-B14F-4D97-AF65-F5344CB8AC3E}">
+        <p14:creationId xmlns:p14="http://schemas.microsoft.com/office/powerpoint/2010/main" val="3210144764"/>
+      </p:ext>
+    </p:extLst>
+  </p:cSld>
+  <p:clrMapOvr>
+    <a:masterClrMapping/>
+  </p:clrMapOvr>
+  <p:timing>
+    <p:tnLst>
+      <p:par>
+        <p:cTn id="1" dur="indefinite" restart="never" nodeType="tmRoot"/>
+      </p:par>
+    </p:tnLst>
+  </p:timing>
+</p:sld>
+</file>
+
+<file path=ppt/slides/slide14.xml><?xml version="1.0" encoding="utf-8"?>
+<p:sld xmlns:a="http://schemas.openxmlformats.org/drawingml/2006/main" xmlns:r="http://schemas.openxmlformats.org/officeDocument/2006/relationships" xmlns:p="http://schemas.openxmlformats.org/presentationml/2006/main">
+  <p:cSld>
+    <p:spTree>
+      <p:nvGrpSpPr>
+        <p:cNvPr id="1" name=""/>
+        <p:cNvGrpSpPr/>
+        <p:nvPr/>
+      </p:nvGrpSpPr>
+      <p:grpSpPr>
+        <a:xfrm>
+          <a:off x="0" y="0"/>
+          <a:ext cx="0" cy="0"/>
+          <a:chOff x="0" y="0"/>
+          <a:chExt cx="0" cy="0"/>
+        </a:xfrm>
+      </p:grpSpPr>
+      <p:sp>
+        <p:nvSpPr>
+          <p:cNvPr id="2" name="Titre 1"/>
+          <p:cNvSpPr>
+            <a:spLocks noGrp="1"/>
+          </p:cNvSpPr>
+          <p:nvPr>
+            <p:ph type="title"/>
+          </p:nvPr>
+        </p:nvSpPr>
+        <p:spPr/>
+        <p:txBody>
+          <a:bodyPr>
+            <a:normAutofit fontScale="90000"/>
+          </a:bodyPr>
+          <a:lstStyle/>
+          <a:p>
+            <a:r>
+              <a:rPr lang="fr-FR" dirty="0"/>
+              <a:t>Code Mining – </a:t>
+            </a:r>
+            <a:r>
+              <a:rPr lang="fr-FR" dirty="0" smtClean="0"/>
+              <a:t>real use </a:t>
+            </a:r>
+            <a:r>
+              <a:rPr lang="fr-FR" dirty="0"/>
+              <a:t>case </a:t>
+            </a:r>
+            <a:r>
+              <a:rPr lang="fr-FR" dirty="0" smtClean="0"/>
+              <a:t>2 </a:t>
+            </a:r>
+            <a:r>
+              <a:rPr lang="fr-FR" dirty="0"/>
+              <a:t>/ 2</a:t>
+            </a:r>
+          </a:p>
+        </p:txBody>
+      </p:sp>
+      <p:sp>
+        <p:nvSpPr>
+          <p:cNvPr id="3" name="Espace réservé du contenu 2"/>
+          <p:cNvSpPr>
+            <a:spLocks noGrp="1"/>
+          </p:cNvSpPr>
+          <p:nvPr>
+            <p:ph idx="1"/>
+          </p:nvPr>
+        </p:nvSpPr>
+        <p:spPr/>
+        <p:txBody>
+          <a:bodyPr/>
+          <a:lstStyle/>
+          <a:p>
+            <a:r>
+              <a:rPr lang="fr-FR" dirty="0" err="1" smtClean="0"/>
+              <a:t>Xtext</a:t>
             </a:r>
             <a:r>
               <a:rPr lang="fr-FR" dirty="0"/>
               <a:t> </a:t>
+            </a:r>
+            <a:r>
+              <a:rPr lang="fr-FR" dirty="0">
+                <a:hlinkClick r:id="rId2"/>
+              </a:rPr>
+              <a:t>https://</a:t>
+            </a:r>
+            <a:r>
+              <a:rPr lang="fr-FR" dirty="0" smtClean="0">
+                <a:hlinkClick r:id="rId2"/>
+              </a:rPr>
+              <a:t>blogs.itemis.com/en/code-mining-support-in-xtext</a:t>
+            </a:r>
+            <a:endParaRPr lang="fr-FR" dirty="0" smtClean="0"/>
+          </a:p>
+          <a:p>
+            <a:endParaRPr lang="fr-FR" dirty="0" smtClean="0"/>
+          </a:p>
+          <a:p>
+            <a:endParaRPr lang="fr-FR" dirty="0"/>
+          </a:p>
+          <a:p>
+            <a:endParaRPr lang="fr-FR" dirty="0" smtClean="0"/>
+          </a:p>
+          <a:p>
+            <a:r>
+              <a:rPr lang="fr-FR" smtClean="0"/>
+              <a:t>JDT Code Mining </a:t>
             </a:r>
             <a:r>
               <a:rPr lang="fr-FR" dirty="0">
@@ -13568,699 +14821,6 @@
 </p:sld>
 </file>
 
-<file path=ppt/slides/slide11.xml><?xml version="1.0" encoding="utf-8"?>
-<p:sld xmlns:a="http://schemas.openxmlformats.org/drawingml/2006/main" xmlns:r="http://schemas.openxmlformats.org/officeDocument/2006/relationships" xmlns:p="http://schemas.openxmlformats.org/presentationml/2006/main">
-  <p:cSld>
-    <p:spTree>
-      <p:nvGrpSpPr>
-        <p:cNvPr id="1" name=""/>
-        <p:cNvGrpSpPr/>
-        <p:nvPr/>
-      </p:nvGrpSpPr>
-      <p:grpSpPr>
-        <a:xfrm>
-          <a:off x="0" y="0"/>
-          <a:ext cx="0" cy="0"/>
-          <a:chOff x="0" y="0"/>
-          <a:chExt cx="0" cy="0"/>
-        </a:xfrm>
-      </p:grpSpPr>
-      <p:sp>
-        <p:nvSpPr>
-          <p:cNvPr id="2" name="Titre 1"/>
-          <p:cNvSpPr>
-            <a:spLocks noGrp="1"/>
-          </p:cNvSpPr>
-          <p:nvPr>
-            <p:ph type="title"/>
-          </p:nvPr>
-        </p:nvSpPr>
-        <p:spPr/>
-        <p:txBody>
-          <a:bodyPr>
-            <a:normAutofit fontScale="90000"/>
-          </a:bodyPr>
-          <a:lstStyle/>
-          <a:p>
-            <a:r>
-              <a:rPr lang="fr-FR" dirty="0" smtClean="0"/>
-              <a:t>CodeMining support </a:t>
-            </a:r>
-            <a:r>
-              <a:rPr lang="fr-FR" dirty="0" err="1" smtClean="0"/>
-              <a:t>ISourceViewer</a:t>
-            </a:r>
-            <a:endParaRPr lang="fr-FR" dirty="0"/>
-          </a:p>
-        </p:txBody>
-      </p:sp>
-      <p:sp>
-        <p:nvSpPr>
-          <p:cNvPr id="3" name="Espace réservé du contenu 2"/>
-          <p:cNvSpPr>
-            <a:spLocks noGrp="1"/>
-          </p:cNvSpPr>
-          <p:nvPr>
-            <p:ph idx="1"/>
-          </p:nvPr>
-        </p:nvSpPr>
-        <p:spPr/>
-        <p:txBody>
-          <a:bodyPr/>
-          <a:lstStyle/>
-          <a:p>
-            <a:r>
-              <a:rPr lang="fr-FR" dirty="0" err="1" smtClean="0"/>
-              <a:t>Draw</a:t>
-            </a:r>
-            <a:r>
-              <a:rPr lang="fr-FR" dirty="0" smtClean="0"/>
-              <a:t> </a:t>
-            </a:r>
-            <a:r>
-              <a:rPr lang="fr-FR" dirty="0" err="1" smtClean="0"/>
-              <a:t>inlined</a:t>
-            </a:r>
-            <a:r>
-              <a:rPr lang="fr-FR" dirty="0" smtClean="0"/>
-              <a:t> annotation:</a:t>
-            </a:r>
-          </a:p>
-          <a:p>
-            <a:pPr lvl="1"/>
-            <a:r>
-              <a:rPr lang="fr-FR" dirty="0" smtClean="0"/>
-              <a:t>Line header</a:t>
-            </a:r>
-          </a:p>
-          <a:p>
-            <a:pPr lvl="1"/>
-            <a:r>
-              <a:rPr lang="fr-FR" dirty="0" smtClean="0"/>
-              <a:t>Line content</a:t>
-            </a:r>
-          </a:p>
-          <a:p>
-            <a:r>
-              <a:rPr lang="fr-FR" dirty="0" err="1" smtClean="0"/>
-              <a:t>Takes</a:t>
-            </a:r>
-            <a:r>
-              <a:rPr lang="fr-FR" dirty="0" smtClean="0"/>
-              <a:t> care of performance by </a:t>
-            </a:r>
-            <a:r>
-              <a:rPr lang="fr-FR" dirty="0" err="1" smtClean="0"/>
-              <a:t>using</a:t>
-            </a:r>
-            <a:r>
-              <a:rPr lang="fr-FR" dirty="0" smtClean="0"/>
-              <a:t> </a:t>
-            </a:r>
-            <a:r>
-              <a:rPr lang="fr-FR" dirty="0" err="1" smtClean="0"/>
-              <a:t>CompletableFuture</a:t>
-            </a:r>
-            <a:r>
-              <a:rPr lang="fr-FR" dirty="0" smtClean="0"/>
-              <a:t>:</a:t>
-            </a:r>
-          </a:p>
-          <a:p>
-            <a:pPr lvl="1"/>
-            <a:r>
-              <a:rPr lang="fr-FR" dirty="0" err="1" smtClean="0"/>
-              <a:t>Provide</a:t>
-            </a:r>
-            <a:r>
-              <a:rPr lang="fr-FR" dirty="0" smtClean="0"/>
-              <a:t> </a:t>
-            </a:r>
-            <a:r>
-              <a:rPr lang="fr-FR" dirty="0" err="1" smtClean="0"/>
-              <a:t>list</a:t>
-            </a:r>
-            <a:r>
-              <a:rPr lang="fr-FR" dirty="0" smtClean="0"/>
-              <a:t> of all </a:t>
-            </a:r>
-            <a:r>
-              <a:rPr lang="fr-FR" dirty="0" err="1" smtClean="0"/>
-              <a:t>minings</a:t>
-            </a:r>
-            <a:r>
-              <a:rPr lang="fr-FR" dirty="0" smtClean="0"/>
-              <a:t> of the document:</a:t>
-            </a:r>
-          </a:p>
-          <a:p>
-            <a:pPr lvl="2"/>
-            <a:r>
-              <a:rPr lang="fr-FR" dirty="0" err="1" smtClean="0"/>
-              <a:t>Compute</a:t>
-            </a:r>
-            <a:r>
-              <a:rPr lang="fr-FR" dirty="0" smtClean="0"/>
-              <a:t> position </a:t>
-            </a:r>
-            <a:r>
-              <a:rPr lang="fr-FR" dirty="0" err="1" smtClean="0"/>
-              <a:t>where</a:t>
-            </a:r>
-            <a:r>
-              <a:rPr lang="fr-FR" dirty="0" smtClean="0"/>
-              <a:t> </a:t>
-            </a:r>
-            <a:r>
-              <a:rPr lang="fr-FR" dirty="0" err="1" smtClean="0"/>
-              <a:t>mining</a:t>
-            </a:r>
-            <a:r>
-              <a:rPr lang="fr-FR" dirty="0" smtClean="0"/>
-              <a:t> must </a:t>
-            </a:r>
-            <a:r>
-              <a:rPr lang="fr-FR" dirty="0" err="1" smtClean="0"/>
-              <a:t>be</a:t>
-            </a:r>
-            <a:r>
-              <a:rPr lang="fr-FR" dirty="0" smtClean="0"/>
-              <a:t> </a:t>
-            </a:r>
-            <a:r>
-              <a:rPr lang="fr-FR" dirty="0" err="1" smtClean="0"/>
-              <a:t>drawn</a:t>
-            </a:r>
-            <a:r>
-              <a:rPr lang="fr-FR" dirty="0" smtClean="0"/>
-              <a:t> (provider)</a:t>
-            </a:r>
-          </a:p>
-          <a:p>
-            <a:pPr lvl="1"/>
-            <a:r>
-              <a:rPr lang="fr-FR" dirty="0" err="1" smtClean="0"/>
-              <a:t>Resolve</a:t>
-            </a:r>
-            <a:r>
-              <a:rPr lang="fr-FR" dirty="0" smtClean="0"/>
-              <a:t> </a:t>
-            </a:r>
-            <a:r>
-              <a:rPr lang="fr-FR" dirty="0" err="1" smtClean="0"/>
-              <a:t>only</a:t>
-            </a:r>
-            <a:r>
-              <a:rPr lang="fr-FR" dirty="0" smtClean="0"/>
-              <a:t> visible </a:t>
-            </a:r>
-            <a:r>
-              <a:rPr lang="fr-FR" dirty="0" err="1" smtClean="0"/>
-              <a:t>mining</a:t>
-            </a:r>
-            <a:r>
-              <a:rPr lang="fr-FR" dirty="0" smtClean="0"/>
-              <a:t>:</a:t>
-            </a:r>
-          </a:p>
-          <a:p>
-            <a:pPr lvl="2"/>
-            <a:r>
-              <a:rPr lang="fr-FR" dirty="0" err="1"/>
-              <a:t>t</a:t>
-            </a:r>
-            <a:r>
-              <a:rPr lang="fr-FR" dirty="0" err="1" smtClean="0"/>
-              <a:t>hen</a:t>
-            </a:r>
-            <a:r>
-              <a:rPr lang="fr-FR" dirty="0" smtClean="0"/>
-              <a:t> </a:t>
-            </a:r>
-            <a:r>
-              <a:rPr lang="fr-FR" dirty="0" err="1" smtClean="0"/>
-              <a:t>draw</a:t>
-            </a:r>
-            <a:r>
-              <a:rPr lang="fr-FR" dirty="0" smtClean="0"/>
-              <a:t> </a:t>
-            </a:r>
-            <a:r>
-              <a:rPr lang="fr-FR" dirty="0" err="1" smtClean="0"/>
-              <a:t>only</a:t>
-            </a:r>
-            <a:r>
-              <a:rPr lang="fr-FR" dirty="0" smtClean="0"/>
-              <a:t> the visible </a:t>
-            </a:r>
-            <a:r>
-              <a:rPr lang="fr-FR" dirty="0" err="1" smtClean="0"/>
-              <a:t>lines</a:t>
-            </a:r>
-            <a:endParaRPr lang="fr-FR" dirty="0"/>
-          </a:p>
-        </p:txBody>
-      </p:sp>
-    </p:spTree>
-    <p:extLst>
-      <p:ext uri="{BB962C8B-B14F-4D97-AF65-F5344CB8AC3E}">
-        <p14:creationId xmlns:p14="http://schemas.microsoft.com/office/powerpoint/2010/main" val="3916104051"/>
-      </p:ext>
-    </p:extLst>
-  </p:cSld>
-  <p:clrMapOvr>
-    <a:masterClrMapping/>
-  </p:clrMapOvr>
-  <p:timing>
-    <p:tnLst>
-      <p:par>
-        <p:cTn id="1" dur="indefinite" restart="never" nodeType="tmRoot"/>
-      </p:par>
-    </p:tnLst>
-  </p:timing>
-</p:sld>
-</file>
-
-<file path=ppt/slides/slide12.xml><?xml version="1.0" encoding="utf-8"?>
-<p:sld xmlns:a="http://schemas.openxmlformats.org/drawingml/2006/main" xmlns:r="http://schemas.openxmlformats.org/officeDocument/2006/relationships" xmlns:p="http://schemas.openxmlformats.org/presentationml/2006/main">
-  <p:cSld>
-    <p:spTree>
-      <p:nvGrpSpPr>
-        <p:cNvPr id="1" name=""/>
-        <p:cNvGrpSpPr/>
-        <p:nvPr/>
-      </p:nvGrpSpPr>
-      <p:grpSpPr>
-        <a:xfrm>
-          <a:off x="0" y="0"/>
-          <a:ext cx="0" cy="0"/>
-          <a:chOff x="0" y="0"/>
-          <a:chExt cx="0" cy="0"/>
-        </a:xfrm>
-      </p:grpSpPr>
-      <p:sp>
-        <p:nvSpPr>
-          <p:cNvPr id="2" name="Titre 1"/>
-          <p:cNvSpPr>
-            <a:spLocks noGrp="1"/>
-          </p:cNvSpPr>
-          <p:nvPr>
-            <p:ph type="title"/>
-          </p:nvPr>
-        </p:nvSpPr>
-        <p:spPr/>
-        <p:txBody>
-          <a:bodyPr>
-            <a:normAutofit fontScale="90000"/>
-          </a:bodyPr>
-          <a:lstStyle/>
-          <a:p>
-            <a:r>
-              <a:rPr lang="fr-FR" dirty="0" smtClean="0"/>
-              <a:t>CodeMining </a:t>
-            </a:r>
-            <a:r>
-              <a:rPr lang="fr-FR" dirty="0" err="1" smtClean="0"/>
-              <a:t>demo</a:t>
-            </a:r>
-            <a:endParaRPr lang="fr-FR" dirty="0"/>
-          </a:p>
-        </p:txBody>
-      </p:sp>
-      <p:sp>
-        <p:nvSpPr>
-          <p:cNvPr id="3" name="Espace réservé du contenu 2"/>
-          <p:cNvSpPr>
-            <a:spLocks noGrp="1"/>
-          </p:cNvSpPr>
-          <p:nvPr>
-            <p:ph idx="1"/>
-          </p:nvPr>
-        </p:nvSpPr>
-        <p:spPr/>
-        <p:txBody>
-          <a:bodyPr/>
-          <a:lstStyle/>
-          <a:p>
-            <a:endParaRPr lang="fr-FR"/>
-          </a:p>
-        </p:txBody>
-      </p:sp>
-    </p:spTree>
-    <p:extLst>
-      <p:ext uri="{BB962C8B-B14F-4D97-AF65-F5344CB8AC3E}">
-        <p14:creationId xmlns:p14="http://schemas.microsoft.com/office/powerpoint/2010/main" val="702262628"/>
-      </p:ext>
-    </p:extLst>
-  </p:cSld>
-  <p:clrMapOvr>
-    <a:masterClrMapping/>
-  </p:clrMapOvr>
-  <p:timing>
-    <p:tnLst>
-      <p:par>
-        <p:cTn id="1" dur="indefinite" restart="never" nodeType="tmRoot"/>
-      </p:par>
-    </p:tnLst>
-  </p:timing>
-</p:sld>
-</file>
-
-<file path=ppt/slides/slide13.xml><?xml version="1.0" encoding="utf-8"?>
-<p:sld xmlns:a="http://schemas.openxmlformats.org/drawingml/2006/main" xmlns:r="http://schemas.openxmlformats.org/officeDocument/2006/relationships" xmlns:p="http://schemas.openxmlformats.org/presentationml/2006/main">
-  <p:cSld>
-    <p:spTree>
-      <p:nvGrpSpPr>
-        <p:cNvPr id="1" name=""/>
-        <p:cNvGrpSpPr/>
-        <p:nvPr/>
-      </p:nvGrpSpPr>
-      <p:grpSpPr>
-        <a:xfrm>
-          <a:off x="0" y="0"/>
-          <a:ext cx="0" cy="0"/>
-          <a:chOff x="0" y="0"/>
-          <a:chExt cx="0" cy="0"/>
-        </a:xfrm>
-      </p:grpSpPr>
-      <p:sp>
-        <p:nvSpPr>
-          <p:cNvPr id="2" name="Titre 1"/>
-          <p:cNvSpPr>
-            <a:spLocks noGrp="1"/>
-          </p:cNvSpPr>
-          <p:nvPr>
-            <p:ph type="title"/>
-          </p:nvPr>
-        </p:nvSpPr>
-        <p:spPr/>
-        <p:txBody>
-          <a:bodyPr>
-            <a:normAutofit fontScale="90000"/>
-          </a:bodyPr>
-          <a:lstStyle/>
-          <a:p>
-            <a:r>
-              <a:rPr lang="fr-FR" dirty="0" err="1" smtClean="0"/>
-              <a:t>CodeMinining</a:t>
-            </a:r>
-            <a:r>
-              <a:rPr lang="fr-FR" dirty="0" smtClean="0"/>
-              <a:t> - API</a:t>
-            </a:r>
-            <a:endParaRPr lang="fr-FR" dirty="0"/>
-          </a:p>
-        </p:txBody>
-      </p:sp>
-      <p:sp>
-        <p:nvSpPr>
-          <p:cNvPr id="3" name="Espace réservé du contenu 2"/>
-          <p:cNvSpPr>
-            <a:spLocks noGrp="1"/>
-          </p:cNvSpPr>
-          <p:nvPr>
-            <p:ph idx="1"/>
-          </p:nvPr>
-        </p:nvSpPr>
-        <p:spPr/>
-        <p:txBody>
-          <a:bodyPr/>
-          <a:lstStyle/>
-          <a:p>
-            <a:r>
-              <a:rPr lang="fr-FR" dirty="0" err="1" smtClean="0"/>
-              <a:t>ICodeMiningProvider</a:t>
-            </a:r>
-            <a:r>
-              <a:rPr lang="fr-FR" dirty="0" smtClean="0"/>
-              <a:t>:</a:t>
-            </a:r>
-          </a:p>
-          <a:p>
-            <a:pPr lvl="1"/>
-            <a:r>
-              <a:rPr lang="fr-FR" dirty="0" smtClean="0"/>
-              <a:t>Must </a:t>
-            </a:r>
-            <a:r>
-              <a:rPr lang="fr-FR" dirty="0" err="1" smtClean="0"/>
-              <a:t>be</a:t>
-            </a:r>
-            <a:r>
-              <a:rPr lang="fr-FR" dirty="0" smtClean="0"/>
-              <a:t> </a:t>
-            </a:r>
-            <a:r>
-              <a:rPr lang="fr-FR" dirty="0" err="1" smtClean="0"/>
-              <a:t>fast</a:t>
-            </a:r>
-            <a:r>
-              <a:rPr lang="fr-FR" dirty="0" smtClean="0"/>
-              <a:t> (</a:t>
-            </a:r>
-            <a:r>
-              <a:rPr lang="fr-FR" dirty="0" err="1" smtClean="0"/>
-              <a:t>don’t</a:t>
-            </a:r>
-            <a:r>
-              <a:rPr lang="fr-FR" dirty="0" smtClean="0"/>
-              <a:t> </a:t>
-            </a:r>
-            <a:r>
-              <a:rPr lang="fr-FR" dirty="0" err="1" smtClean="0"/>
-              <a:t>freeze</a:t>
-            </a:r>
-            <a:r>
-              <a:rPr lang="fr-FR" dirty="0" smtClean="0"/>
-              <a:t> the UI)</a:t>
-            </a:r>
-          </a:p>
-          <a:p>
-            <a:r>
-              <a:rPr lang="fr-FR" dirty="0" err="1" smtClean="0"/>
-              <a:t>ICodeMining</a:t>
-            </a:r>
-            <a:endParaRPr lang="fr-FR" dirty="0" smtClean="0"/>
-          </a:p>
-          <a:p>
-            <a:pPr lvl="1"/>
-            <a:r>
-              <a:rPr lang="fr-FR" dirty="0" err="1" smtClean="0"/>
-              <a:t>doResolve</a:t>
-            </a:r>
-            <a:r>
-              <a:rPr lang="fr-FR" dirty="0" smtClean="0"/>
-              <a:t> </a:t>
-            </a:r>
-            <a:r>
-              <a:rPr lang="fr-FR" dirty="0" err="1" smtClean="0"/>
-              <a:t>can</a:t>
-            </a:r>
-            <a:r>
-              <a:rPr lang="fr-FR" dirty="0" smtClean="0"/>
-              <a:t> </a:t>
-            </a:r>
-            <a:r>
-              <a:rPr lang="fr-FR" dirty="0" err="1" smtClean="0"/>
-              <a:t>be</a:t>
-            </a:r>
-            <a:r>
-              <a:rPr lang="fr-FR" dirty="0" smtClean="0"/>
-              <a:t> slow</a:t>
-            </a:r>
-          </a:p>
-          <a:p>
-            <a:pPr lvl="1"/>
-            <a:r>
-              <a:rPr lang="fr-FR" dirty="0" smtClean="0"/>
-              <a:t>Update the label or </a:t>
-            </a:r>
-            <a:r>
-              <a:rPr lang="fr-FR" dirty="0" err="1" smtClean="0"/>
-              <a:t>draw</a:t>
-            </a:r>
-            <a:r>
-              <a:rPr lang="fr-FR" dirty="0" smtClean="0"/>
-              <a:t> custom square image.</a:t>
-            </a:r>
-            <a:endParaRPr lang="fr-FR" dirty="0"/>
-          </a:p>
-        </p:txBody>
-      </p:sp>
-    </p:spTree>
-    <p:extLst>
-      <p:ext uri="{BB962C8B-B14F-4D97-AF65-F5344CB8AC3E}">
-        <p14:creationId xmlns:p14="http://schemas.microsoft.com/office/powerpoint/2010/main" val="881698709"/>
-      </p:ext>
-    </p:extLst>
-  </p:cSld>
-  <p:clrMapOvr>
-    <a:masterClrMapping/>
-  </p:clrMapOvr>
-  <p:timing>
-    <p:tnLst>
-      <p:par>
-        <p:cTn id="1" dur="indefinite" restart="never" nodeType="tmRoot"/>
-      </p:par>
-    </p:tnLst>
-  </p:timing>
-</p:sld>
-</file>
-
-<file path=ppt/slides/slide14.xml><?xml version="1.0" encoding="utf-8"?>
-<p:sld xmlns:a="http://schemas.openxmlformats.org/drawingml/2006/main" xmlns:r="http://schemas.openxmlformats.org/officeDocument/2006/relationships" xmlns:p="http://schemas.openxmlformats.org/presentationml/2006/main">
-  <p:cSld>
-    <p:spTree>
-      <p:nvGrpSpPr>
-        <p:cNvPr id="1" name=""/>
-        <p:cNvGrpSpPr/>
-        <p:nvPr/>
-      </p:nvGrpSpPr>
-      <p:grpSpPr>
-        <a:xfrm>
-          <a:off x="0" y="0"/>
-          <a:ext cx="0" cy="0"/>
-          <a:chOff x="0" y="0"/>
-          <a:chExt cx="0" cy="0"/>
-        </a:xfrm>
-      </p:grpSpPr>
-      <p:sp>
-        <p:nvSpPr>
-          <p:cNvPr id="2" name="Titre 1"/>
-          <p:cNvSpPr>
-            <a:spLocks noGrp="1"/>
-          </p:cNvSpPr>
-          <p:nvPr>
-            <p:ph type="title"/>
-          </p:nvPr>
-        </p:nvSpPr>
-        <p:spPr/>
-        <p:txBody>
-          <a:bodyPr>
-            <a:normAutofit fontScale="90000"/>
-          </a:bodyPr>
-          <a:lstStyle/>
-          <a:p>
-            <a:r>
-              <a:rPr lang="fr-FR" dirty="0" err="1" smtClean="0"/>
-              <a:t>CodeMinining</a:t>
-            </a:r>
-            <a:r>
-              <a:rPr lang="fr-FR" dirty="0" smtClean="0"/>
-              <a:t> - API</a:t>
-            </a:r>
-            <a:endParaRPr lang="fr-FR" dirty="0"/>
-          </a:p>
-        </p:txBody>
-      </p:sp>
-      <p:sp>
-        <p:nvSpPr>
-          <p:cNvPr id="3" name="Espace réservé du contenu 2"/>
-          <p:cNvSpPr>
-            <a:spLocks noGrp="1"/>
-          </p:cNvSpPr>
-          <p:nvPr>
-            <p:ph idx="1"/>
-          </p:nvPr>
-        </p:nvSpPr>
-        <p:spPr/>
-        <p:txBody>
-          <a:bodyPr/>
-          <a:lstStyle/>
-          <a:p>
-            <a:r>
-              <a:rPr lang="fr-FR" dirty="0" err="1" smtClean="0"/>
-              <a:t>Register</a:t>
-            </a:r>
-            <a:r>
-              <a:rPr lang="fr-FR" dirty="0" smtClean="0"/>
-              <a:t> </a:t>
-            </a:r>
-            <a:r>
-              <a:rPr lang="fr-FR" dirty="0" err="1" smtClean="0"/>
-              <a:t>mining</a:t>
-            </a:r>
-            <a:r>
-              <a:rPr lang="fr-FR" dirty="0" smtClean="0"/>
-              <a:t> provider</a:t>
-            </a:r>
-          </a:p>
-          <a:p>
-            <a:r>
-              <a:rPr lang="fr-FR" dirty="0" smtClean="0"/>
-              <a:t>Update </a:t>
-            </a:r>
-            <a:r>
-              <a:rPr lang="fr-FR" dirty="0" err="1" smtClean="0"/>
-              <a:t>mining</a:t>
-            </a:r>
-            <a:r>
-              <a:rPr lang="fr-FR" dirty="0" smtClean="0"/>
-              <a:t> support </a:t>
-            </a:r>
-          </a:p>
-          <a:p>
-            <a:pPr lvl="1"/>
-            <a:r>
-              <a:rPr lang="fr-FR" dirty="0" smtClean="0"/>
-              <a:t>With a thread a </a:t>
-            </a:r>
-            <a:r>
-              <a:rPr lang="fr-FR" dirty="0" err="1" smtClean="0"/>
-              <a:t>reconciler</a:t>
-            </a:r>
-            <a:r>
-              <a:rPr lang="fr-FR" dirty="0" smtClean="0"/>
-              <a:t>, or </a:t>
-            </a:r>
-            <a:r>
-              <a:rPr lang="fr-FR" dirty="0" err="1" smtClean="0"/>
-              <a:t>other</a:t>
-            </a:r>
-            <a:r>
-              <a:rPr lang="fr-FR" dirty="0" smtClean="0"/>
-              <a:t> (</a:t>
-            </a:r>
-            <a:r>
-              <a:rPr lang="fr-FR" dirty="0" err="1" smtClean="0"/>
-              <a:t>don’t</a:t>
-            </a:r>
-            <a:r>
-              <a:rPr lang="fr-FR" dirty="0" smtClean="0"/>
-              <a:t> </a:t>
-            </a:r>
-            <a:r>
-              <a:rPr lang="fr-FR" dirty="0" err="1" smtClean="0"/>
-              <a:t>freeze</a:t>
-            </a:r>
-            <a:r>
-              <a:rPr lang="fr-FR" dirty="0" smtClean="0"/>
-              <a:t> the UI)</a:t>
-            </a:r>
-            <a:endParaRPr lang="fr-FR" dirty="0"/>
-          </a:p>
-        </p:txBody>
-      </p:sp>
-    </p:spTree>
-    <p:extLst>
-      <p:ext uri="{BB962C8B-B14F-4D97-AF65-F5344CB8AC3E}">
-        <p14:creationId xmlns:p14="http://schemas.microsoft.com/office/powerpoint/2010/main" val="3001568462"/>
-      </p:ext>
-    </p:extLst>
-  </p:cSld>
-  <p:clrMapOvr>
-    <a:masterClrMapping/>
-  </p:clrMapOvr>
-  <p:timing>
-    <p:tnLst>
-      <p:par>
-        <p:cTn id="1" dur="indefinite" restart="never" nodeType="tmRoot"/>
-      </p:par>
-    </p:tnLst>
-  </p:timing>
-</p:sld>
-</file>
-
 <file path=ppt/slides/slide15.xml><?xml version="1.0" encoding="utf-8"?>
 <p:sld xmlns:a="http://schemas.openxmlformats.org/drawingml/2006/main" xmlns:r="http://schemas.openxmlformats.org/officeDocument/2006/relationships" xmlns:p="http://schemas.openxmlformats.org/presentationml/2006/main">
   <p:cSld>
@@ -14297,7 +14857,11 @@
           <a:p>
             <a:r>
               <a:rPr lang="fr-FR" dirty="0" smtClean="0"/>
-              <a:t>CodeMining – Extension Point</a:t>
+              <a:t>CodeMining </a:t>
+            </a:r>
+            <a:r>
+              <a:rPr lang="fr-FR" dirty="0" err="1" smtClean="0"/>
+              <a:t>demo</a:t>
             </a:r>
             <a:endParaRPr lang="fr-FR" dirty="0"/>
           </a:p>
@@ -14318,40 +14882,14 @@
           <a:bodyPr/>
           <a:lstStyle/>
           <a:p>
-            <a:r>
-              <a:rPr lang="fr-FR" dirty="0" err="1" smtClean="0"/>
-              <a:t>Work</a:t>
-            </a:r>
-            <a:r>
-              <a:rPr lang="fr-FR" dirty="0" smtClean="0"/>
-              <a:t> with </a:t>
-            </a:r>
-            <a:r>
-              <a:rPr lang="fr-FR" dirty="0" err="1" smtClean="0"/>
-              <a:t>any</a:t>
-            </a:r>
-            <a:r>
-              <a:rPr lang="fr-FR" dirty="0" smtClean="0"/>
-              <a:t> editor</a:t>
-            </a:r>
-          </a:p>
-          <a:p>
-            <a:r>
-              <a:rPr lang="fr-FR" dirty="0" err="1" smtClean="0"/>
-              <a:t>codeminingProvider</a:t>
-            </a:r>
-            <a:r>
-              <a:rPr lang="fr-FR" dirty="0" smtClean="0"/>
-              <a:t> extension point</a:t>
-            </a:r>
-            <a:endParaRPr lang="fr-FR" dirty="0"/>
+            <a:endParaRPr lang="fr-FR"/>
           </a:p>
         </p:txBody>
       </p:sp>
     </p:spTree>
     <p:extLst>
       <p:ext uri="{BB962C8B-B14F-4D97-AF65-F5344CB8AC3E}">
-        <p14:creationId xmlns:p14="http://schemas.microsoft.com/office/powerpoint/2010/main" val="954158862"/>
+        <p14:creationId xmlns:p14="http://schemas.microsoft.com/office/powerpoint/2010/main" val="702262628"/>
       </p:ext>
     </p:extLst>
   </p:cSld>
@@ -14404,19 +14942,11 @@
           <a:p>
             <a:r>
               <a:rPr lang="fr-FR" dirty="0" err="1" smtClean="0"/>
-              <a:t>Demo</a:t>
-            </a:r>
-            <a:r>
-              <a:rPr lang="fr-FR" dirty="0" smtClean="0"/>
-              <a:t> with </a:t>
-            </a:r>
-            <a:r>
-              <a:rPr lang="fr-FR" dirty="0" err="1" smtClean="0"/>
-              <a:t>generic</a:t>
-            </a:r>
-            <a:r>
-              <a:rPr lang="fr-FR" dirty="0" smtClean="0"/>
-              <a:t> editor</a:t>
+              <a:t>CodeMinining</a:t>
+            </a:r>
+            <a:r>
+              <a:rPr lang="fr-FR" dirty="0" smtClean="0"/>
+              <a:t> - API</a:t>
             </a:r>
             <a:endParaRPr lang="fr-FR" dirty="0"/>
           </a:p>
@@ -14437,6 +14967,102 @@
           <a:bodyPr/>
           <a:lstStyle/>
           <a:p>
+            <a:r>
+              <a:rPr lang="fr-FR" dirty="0" err="1" smtClean="0"/>
+              <a:t>ICodeMiningProvider</a:t>
+            </a:r>
+            <a:r>
+              <a:rPr lang="fr-FR" dirty="0" smtClean="0"/>
+              <a:t>:</a:t>
+            </a:r>
+          </a:p>
+          <a:p>
+            <a:pPr lvl="1"/>
+            <a:r>
+              <a:rPr lang="fr-FR" dirty="0" smtClean="0"/>
+              <a:t>Must </a:t>
+            </a:r>
+            <a:r>
+              <a:rPr lang="fr-FR" dirty="0" err="1" smtClean="0"/>
+              <a:t>be</a:t>
+            </a:r>
+            <a:r>
+              <a:rPr lang="fr-FR" dirty="0" smtClean="0"/>
+              <a:t> </a:t>
+            </a:r>
+            <a:r>
+              <a:rPr lang="fr-FR" dirty="0" err="1" smtClean="0"/>
+              <a:t>fast</a:t>
+            </a:r>
+            <a:r>
+              <a:rPr lang="fr-FR" dirty="0" smtClean="0"/>
+              <a:t> (</a:t>
+            </a:r>
+            <a:r>
+              <a:rPr lang="fr-FR" dirty="0" err="1" smtClean="0"/>
+              <a:t>don’t</a:t>
+            </a:r>
+            <a:r>
+              <a:rPr lang="fr-FR" dirty="0" smtClean="0"/>
+              <a:t> </a:t>
+            </a:r>
+            <a:r>
+              <a:rPr lang="fr-FR" dirty="0" err="1" smtClean="0"/>
+              <a:t>freeze</a:t>
+            </a:r>
+            <a:r>
+              <a:rPr lang="fr-FR" dirty="0" smtClean="0"/>
+              <a:t> the UI)</a:t>
+            </a:r>
+          </a:p>
+          <a:p>
+            <a:r>
+              <a:rPr lang="fr-FR" dirty="0" err="1" smtClean="0"/>
+              <a:t>ICodeMining</a:t>
+            </a:r>
+            <a:endParaRPr lang="fr-FR" dirty="0" smtClean="0"/>
+          </a:p>
+          <a:p>
+            <a:pPr lvl="1"/>
+            <a:r>
+              <a:rPr lang="fr-FR" dirty="0" err="1" smtClean="0"/>
+              <a:t>doResolve</a:t>
+            </a:r>
+            <a:r>
+              <a:rPr lang="fr-FR" dirty="0" smtClean="0"/>
+              <a:t> </a:t>
+            </a:r>
+            <a:r>
+              <a:rPr lang="fr-FR" dirty="0" err="1" smtClean="0"/>
+              <a:t>can</a:t>
+            </a:r>
+            <a:r>
+              <a:rPr lang="fr-FR" dirty="0" smtClean="0"/>
+              <a:t> </a:t>
+            </a:r>
+            <a:r>
+              <a:rPr lang="fr-FR" dirty="0" err="1" smtClean="0"/>
+              <a:t>be</a:t>
+            </a:r>
+            <a:r>
+              <a:rPr lang="fr-FR" dirty="0" smtClean="0"/>
+              <a:t> slow</a:t>
+            </a:r>
+          </a:p>
+          <a:p>
+            <a:pPr lvl="1"/>
+            <a:r>
+              <a:rPr lang="fr-FR" dirty="0" smtClean="0"/>
+              <a:t>Update the label or </a:t>
+            </a:r>
+            <a:r>
+              <a:rPr lang="fr-FR" dirty="0" err="1" smtClean="0"/>
+              <a:t>draw</a:t>
+            </a:r>
+            <a:r>
+              <a:rPr lang="fr-FR" dirty="0" smtClean="0"/>
+              <a:t> custom square image.</a:t>
+            </a:r>
             <a:endParaRPr lang="fr-FR" dirty="0"/>
           </a:p>
         </p:txBody>
@@ -14444,7 +15070,7 @@
     </p:spTree>
     <p:extLst>
       <p:ext uri="{BB962C8B-B14F-4D97-AF65-F5344CB8AC3E}">
-        <p14:creationId xmlns:p14="http://schemas.microsoft.com/office/powerpoint/2010/main" val="1444185114"/>
+        <p14:creationId xmlns:p14="http://schemas.microsoft.com/office/powerpoint/2010/main" val="881698709"/>
       </p:ext>
     </p:extLst>
   </p:cSld>
@@ -14497,11 +15123,11 @@
           <a:p>
             <a:r>
               <a:rPr lang="fr-FR" dirty="0" err="1" smtClean="0"/>
-              <a:t>Demo</a:t>
-            </a:r>
-            <a:r>
-              <a:rPr lang="fr-FR" dirty="0" smtClean="0"/>
-              <a:t> with JDT CodeMining</a:t>
+              <a:t>CodeMinining</a:t>
+            </a:r>
+            <a:r>
+              <a:rPr lang="fr-FR" dirty="0" smtClean="0"/>
+              <a:t> - API</a:t>
             </a:r>
             <a:endParaRPr lang="fr-FR" dirty="0"/>
           </a:p>
@@ -14522,6 +15148,75 @@
           <a:bodyPr/>
           <a:lstStyle/>
           <a:p>
+            <a:r>
+              <a:rPr lang="fr-FR" dirty="0" err="1" smtClean="0"/>
+              <a:t>Register</a:t>
+            </a:r>
+            <a:r>
+              <a:rPr lang="fr-FR" dirty="0" smtClean="0"/>
+              <a:t> </a:t>
+            </a:r>
+            <a:r>
+              <a:rPr lang="fr-FR" dirty="0" err="1" smtClean="0"/>
+              <a:t>mining</a:t>
+            </a:r>
+            <a:r>
+              <a:rPr lang="fr-FR" dirty="0" smtClean="0"/>
+              <a:t> provider</a:t>
+            </a:r>
+          </a:p>
+          <a:p>
+            <a:r>
+              <a:rPr lang="fr-FR" dirty="0" smtClean="0"/>
+              <a:t>Update </a:t>
+            </a:r>
+            <a:r>
+              <a:rPr lang="fr-FR" dirty="0" err="1" smtClean="0"/>
+              <a:t>mining</a:t>
+            </a:r>
+            <a:r>
+              <a:rPr lang="fr-FR" dirty="0" smtClean="0"/>
+              <a:t> support </a:t>
+            </a:r>
+          </a:p>
+          <a:p>
+            <a:pPr lvl="1"/>
+            <a:r>
+              <a:rPr lang="fr-FR" dirty="0" smtClean="0"/>
+              <a:t>With a thread a </a:t>
+            </a:r>
+            <a:r>
+              <a:rPr lang="fr-FR" dirty="0" err="1" smtClean="0"/>
+              <a:t>reconciler</a:t>
+            </a:r>
+            <a:r>
+              <a:rPr lang="fr-FR" dirty="0" smtClean="0"/>
+              <a:t>, or </a:t>
+            </a:r>
+            <a:r>
+              <a:rPr lang="fr-FR" dirty="0" err="1" smtClean="0"/>
+              <a:t>other</a:t>
+            </a:r>
+            <a:r>
+              <a:rPr lang="fr-FR" dirty="0" smtClean="0"/>
+              <a:t> (</a:t>
+            </a:r>
+            <a:r>
+              <a:rPr lang="fr-FR" dirty="0" err="1" smtClean="0"/>
+              <a:t>don’t</a:t>
+            </a:r>
+            <a:r>
+              <a:rPr lang="fr-FR" dirty="0" smtClean="0"/>
+              <a:t> </a:t>
+            </a:r>
+            <a:r>
+              <a:rPr lang="fr-FR" dirty="0" err="1" smtClean="0"/>
+              <a:t>freeze</a:t>
+            </a:r>
+            <a:r>
+              <a:rPr lang="fr-FR" dirty="0" smtClean="0"/>
+              <a:t> the UI)</a:t>
+            </a:r>
             <a:endParaRPr lang="fr-FR" dirty="0"/>
           </a:p>
         </p:txBody>
@@ -14529,7 +15224,7 @@
     </p:spTree>
     <p:extLst>
       <p:ext uri="{BB962C8B-B14F-4D97-AF65-F5344CB8AC3E}">
-        <p14:creationId xmlns:p14="http://schemas.microsoft.com/office/powerpoint/2010/main" val="4230608180"/>
+        <p14:creationId xmlns:p14="http://schemas.microsoft.com/office/powerpoint/2010/main" val="3001568462"/>
       </p:ext>
     </p:extLst>
   </p:cSld>
@@ -14582,7 +15277,7 @@
           <a:p>
             <a:r>
               <a:rPr lang="fr-FR" dirty="0" smtClean="0"/>
-              <a:t>Issues</a:t>
+              <a:t>CodeMining – Extension Point</a:t>
             </a:r>
             <a:endParaRPr lang="fr-FR" dirty="0"/>
           </a:p>
@@ -14604,23 +15299,30 @@
           <a:lstStyle/>
           <a:p>
             <a:r>
-              <a:rPr lang="fr-FR" dirty="0" smtClean="0"/>
-              <a:t>Eclipse </a:t>
-            </a:r>
-            <a:r>
-              <a:rPr lang="fr-FR" dirty="0" err="1" smtClean="0"/>
-              <a:t>bugzilla</a:t>
-            </a:r>
-            <a:endParaRPr lang="fr-FR" dirty="0" smtClean="0"/>
-          </a:p>
-          <a:p>
-            <a:r>
-              <a:rPr lang="fr-FR" dirty="0" smtClean="0"/>
-              <a:t>JDT CodeMining </a:t>
-            </a:r>
-            <a:r>
-              <a:rPr lang="fr-FR" dirty="0" err="1" smtClean="0"/>
-              <a:t>github</a:t>
+              <a:rPr lang="fr-FR" dirty="0" err="1" smtClean="0"/>
+              <a:t>Work</a:t>
+            </a:r>
+            <a:r>
+              <a:rPr lang="fr-FR" dirty="0" smtClean="0"/>
+              <a:t> with </a:t>
+            </a:r>
+            <a:r>
+              <a:rPr lang="fr-FR" dirty="0" err="1" smtClean="0"/>
+              <a:t>any</a:t>
+            </a:r>
+            <a:r>
+              <a:rPr lang="fr-FR" dirty="0" smtClean="0"/>
+              <a:t> editor</a:t>
+            </a:r>
+          </a:p>
+          <a:p>
+            <a:r>
+              <a:rPr lang="fr-FR" dirty="0" err="1" smtClean="0"/>
+              <a:t>codeminingProvider</a:t>
+            </a:r>
+            <a:r>
+              <a:rPr lang="fr-FR" dirty="0" smtClean="0"/>
+              <a:t> extension point</a:t>
             </a:r>
             <a:endParaRPr lang="fr-FR" dirty="0"/>
           </a:p>
@@ -14629,7 +15331,7 @@
     </p:spTree>
     <p:extLst>
       <p:ext uri="{BB962C8B-B14F-4D97-AF65-F5344CB8AC3E}">
-        <p14:creationId xmlns:p14="http://schemas.microsoft.com/office/powerpoint/2010/main" val="3383159057"/>
+        <p14:creationId xmlns:p14="http://schemas.microsoft.com/office/powerpoint/2010/main" val="954158862"/>
       </p:ext>
     </p:extLst>
   </p:cSld>
@@ -14682,11 +15384,19 @@
           <a:p>
             <a:r>
               <a:rPr lang="fr-FR" dirty="0" err="1" smtClean="0"/>
-              <a:t>Technical</a:t>
-            </a:r>
-            <a:r>
-              <a:rPr lang="fr-FR" dirty="0" smtClean="0"/>
-              <a:t> points</a:t>
+              <a:t>Demo</a:t>
+            </a:r>
+            <a:r>
+              <a:rPr lang="fr-FR" dirty="0" smtClean="0"/>
+              <a:t> with </a:t>
+            </a:r>
+            <a:r>
+              <a:rPr lang="fr-FR" dirty="0" err="1" smtClean="0"/>
+              <a:t>generic</a:t>
+            </a:r>
+            <a:r>
+              <a:rPr lang="fr-FR" dirty="0" smtClean="0"/>
+              <a:t> editor</a:t>
             </a:r>
             <a:endParaRPr lang="fr-FR" dirty="0"/>
           </a:p>
@@ -14708,163 +15418,21 @@
           <a:lstStyle/>
           <a:p>
             <a:r>
-              <a:rPr lang="fr-FR" dirty="0" err="1" smtClean="0"/>
-              <a:t>Inlined</a:t>
-            </a:r>
-            <a:r>
-              <a:rPr lang="fr-FR" dirty="0" smtClean="0"/>
-              <a:t> annotation </a:t>
-            </a:r>
-            <a:r>
-              <a:rPr lang="fr-FR" dirty="0" err="1" smtClean="0"/>
-              <a:t>used</a:t>
-            </a:r>
-            <a:r>
-              <a:rPr lang="fr-FR" dirty="0" smtClean="0"/>
-              <a:t> M6 </a:t>
-            </a:r>
-            <a:r>
-              <a:rPr lang="fr-FR" dirty="0" err="1" smtClean="0"/>
-              <a:t>StyledTextLineSpacingProvider</a:t>
-            </a:r>
-            <a:endParaRPr lang="fr-FR" dirty="0" smtClean="0"/>
-          </a:p>
-          <a:p>
-            <a:r>
-              <a:rPr lang="fr-FR" dirty="0" smtClean="0"/>
-              <a:t>In M7, </a:t>
-            </a:r>
-            <a:r>
-              <a:rPr lang="fr-FR" dirty="0" err="1" smtClean="0"/>
-              <a:t>inlined</a:t>
-            </a:r>
-            <a:r>
-              <a:rPr lang="fr-FR" dirty="0" smtClean="0"/>
-              <a:t> annotation use </a:t>
-            </a:r>
-            <a:r>
-              <a:rPr lang="fr-FR" dirty="0" err="1" smtClean="0"/>
-              <a:t>GlyphMetrics</a:t>
-            </a:r>
-            <a:r>
-              <a:rPr lang="fr-FR" dirty="0" smtClean="0"/>
-              <a:t> </a:t>
-            </a:r>
-            <a:r>
-              <a:rPr lang="fr-FR" dirty="0" err="1" smtClean="0"/>
-              <a:t>ascent</a:t>
-            </a:r>
-            <a:endParaRPr lang="fr-FR" dirty="0" smtClean="0"/>
-          </a:p>
-          <a:p>
-            <a:r>
-              <a:rPr lang="fr-FR" dirty="0" err="1" smtClean="0"/>
-              <a:t>Redraw</a:t>
-            </a:r>
-            <a:r>
-              <a:rPr lang="fr-FR" dirty="0" smtClean="0"/>
-              <a:t> the </a:t>
-            </a:r>
-            <a:r>
-              <a:rPr lang="fr-FR" dirty="0" err="1" smtClean="0"/>
-              <a:t>character</a:t>
-            </a:r>
-            <a:endParaRPr lang="fr-FR" dirty="0" smtClean="0"/>
-          </a:p>
-          <a:p>
-            <a:r>
-              <a:rPr lang="fr-FR" dirty="0" err="1" smtClean="0"/>
-              <a:t>StyledText</a:t>
-            </a:r>
-            <a:r>
-              <a:rPr lang="fr-FR" dirty="0" smtClean="0"/>
-              <a:t> </a:t>
-            </a:r>
-            <a:r>
-              <a:rPr lang="fr-FR" dirty="0" err="1" smtClean="0"/>
-              <a:t>was</a:t>
-            </a:r>
-            <a:r>
-              <a:rPr lang="fr-FR" dirty="0" smtClean="0"/>
-              <a:t> </a:t>
-            </a:r>
-            <a:r>
-              <a:rPr lang="fr-FR" dirty="0" err="1" smtClean="0"/>
-              <a:t>improved</a:t>
-            </a:r>
-            <a:endParaRPr lang="fr-FR" dirty="0" smtClean="0"/>
-          </a:p>
-          <a:p>
-            <a:pPr lvl="1"/>
-            <a:r>
-              <a:rPr lang="fr-FR" dirty="0" err="1" smtClean="0"/>
-              <a:t>Fix</a:t>
-            </a:r>
-            <a:r>
-              <a:rPr lang="fr-FR" dirty="0" smtClean="0"/>
-              <a:t> bug with </a:t>
-            </a:r>
-            <a:r>
-              <a:rPr lang="fr-FR" dirty="0" err="1" smtClean="0"/>
-              <a:t>cursor</a:t>
-            </a:r>
-            <a:endParaRPr lang="fr-FR" dirty="0" smtClean="0"/>
-          </a:p>
-          <a:p>
-            <a:pPr lvl="1"/>
-            <a:r>
-              <a:rPr lang="fr-FR" dirty="0" err="1" smtClean="0"/>
-              <a:t>Improve</a:t>
-            </a:r>
-            <a:r>
-              <a:rPr lang="fr-FR" dirty="0" smtClean="0"/>
-              <a:t> performance with variable line </a:t>
-            </a:r>
-            <a:r>
-              <a:rPr lang="fr-FR" dirty="0" err="1" smtClean="0"/>
-              <a:t>height</a:t>
-            </a:r>
-            <a:r>
-              <a:rPr lang="fr-FR" dirty="0" smtClean="0"/>
-              <a:t> (</a:t>
-            </a:r>
-            <a:r>
-              <a:rPr lang="fr-FR" dirty="0" err="1" smtClean="0"/>
-              <a:t>word</a:t>
-            </a:r>
-            <a:r>
-              <a:rPr lang="fr-FR" dirty="0" smtClean="0"/>
-              <a:t> wrap)</a:t>
-            </a:r>
-          </a:p>
-          <a:p>
-            <a:r>
-              <a:rPr lang="fr-FR" dirty="0" smtClean="0"/>
-              <a:t>Line </a:t>
-            </a:r>
-            <a:r>
-              <a:rPr lang="fr-FR" dirty="0" err="1" smtClean="0"/>
-              <a:t>number</a:t>
-            </a:r>
-            <a:r>
-              <a:rPr lang="fr-FR" dirty="0" smtClean="0"/>
-              <a:t> / </a:t>
-            </a:r>
-            <a:r>
-              <a:rPr lang="fr-FR" dirty="0" err="1" smtClean="0"/>
-              <a:t>Fold</a:t>
-            </a:r>
-            <a:r>
-              <a:rPr lang="fr-FR" dirty="0" smtClean="0"/>
-              <a:t> font</a:t>
-            </a:r>
+              <a:rPr lang="fr-FR" dirty="0" smtClean="0"/>
+              <a:t>Eclipse </a:t>
+            </a:r>
+            <a:r>
+              <a:rPr lang="fr-FR" dirty="0" err="1" smtClean="0"/>
+              <a:t>BlueSky</a:t>
+            </a:r>
+            <a:endParaRPr lang="fr-FR" dirty="0"/>
           </a:p>
         </p:txBody>
       </p:sp>
     </p:spTree>
     <p:extLst>
       <p:ext uri="{BB962C8B-B14F-4D97-AF65-F5344CB8AC3E}">
-        <p14:creationId xmlns:p14="http://schemas.microsoft.com/office/powerpoint/2010/main" val="257407320"/>
+        <p14:creationId xmlns:p14="http://schemas.microsoft.com/office/powerpoint/2010/main" val="1444185114"/>
       </p:ext>
     </p:extLst>
   </p:cSld>
@@ -14965,7 +15533,7 @@
           <a:p>
             <a:r>
               <a:rPr lang="fr-FR" b="1" dirty="0" smtClean="0"/>
-              <a:t>Java EE </a:t>
+              <a:t>Java EE / RCP </a:t>
             </a:r>
             <a:r>
               <a:rPr lang="fr-FR" b="1" dirty="0" err="1" smtClean="0"/>
@@ -15187,6 +15755,426 @@
           <a:p>
             <a:r>
               <a:rPr lang="fr-FR" dirty="0" err="1" smtClean="0"/>
+              <a:t>Demo</a:t>
+            </a:r>
+            <a:r>
+              <a:rPr lang="fr-FR" dirty="0" smtClean="0"/>
+              <a:t> with JDT CodeMining</a:t>
+            </a:r>
+            <a:endParaRPr lang="fr-FR" dirty="0"/>
+          </a:p>
+        </p:txBody>
+      </p:sp>
+      <p:sp>
+        <p:nvSpPr>
+          <p:cNvPr id="3" name="Espace réservé du contenu 2"/>
+          <p:cNvSpPr>
+            <a:spLocks noGrp="1"/>
+          </p:cNvSpPr>
+          <p:nvPr>
+            <p:ph idx="1"/>
+          </p:nvPr>
+        </p:nvSpPr>
+        <p:spPr/>
+        <p:txBody>
+          <a:bodyPr/>
+          <a:lstStyle/>
+          <a:p>
+            <a:endParaRPr lang="fr-FR" dirty="0"/>
+          </a:p>
+        </p:txBody>
+      </p:sp>
+    </p:spTree>
+    <p:extLst>
+      <p:ext uri="{BB962C8B-B14F-4D97-AF65-F5344CB8AC3E}">
+        <p14:creationId xmlns:p14="http://schemas.microsoft.com/office/powerpoint/2010/main" val="4230608180"/>
+      </p:ext>
+    </p:extLst>
+  </p:cSld>
+  <p:clrMapOvr>
+    <a:masterClrMapping/>
+  </p:clrMapOvr>
+  <p:timing>
+    <p:tnLst>
+      <p:par>
+        <p:cTn id="1" dur="indefinite" restart="never" nodeType="tmRoot"/>
+      </p:par>
+    </p:tnLst>
+  </p:timing>
+</p:sld>
+</file>
+
+<file path=ppt/slides/slide21.xml><?xml version="1.0" encoding="utf-8"?>
+<p:sld xmlns:a="http://schemas.openxmlformats.org/drawingml/2006/main" xmlns:r="http://schemas.openxmlformats.org/officeDocument/2006/relationships" xmlns:p="http://schemas.openxmlformats.org/presentationml/2006/main">
+  <p:cSld>
+    <p:spTree>
+      <p:nvGrpSpPr>
+        <p:cNvPr id="1" name=""/>
+        <p:cNvGrpSpPr/>
+        <p:nvPr/>
+      </p:nvGrpSpPr>
+      <p:grpSpPr>
+        <a:xfrm>
+          <a:off x="0" y="0"/>
+          <a:ext cx="0" cy="0"/>
+          <a:chOff x="0" y="0"/>
+          <a:chExt cx="0" cy="0"/>
+        </a:xfrm>
+      </p:grpSpPr>
+      <p:sp>
+        <p:nvSpPr>
+          <p:cNvPr id="2" name="Titre 1"/>
+          <p:cNvSpPr>
+            <a:spLocks noGrp="1"/>
+          </p:cNvSpPr>
+          <p:nvPr>
+            <p:ph type="title"/>
+          </p:nvPr>
+        </p:nvSpPr>
+        <p:spPr/>
+        <p:txBody>
+          <a:bodyPr>
+            <a:normAutofit fontScale="90000"/>
+          </a:bodyPr>
+          <a:lstStyle/>
+          <a:p>
+            <a:r>
+              <a:rPr lang="fr-FR" dirty="0" smtClean="0"/>
+              <a:t>Issues</a:t>
+            </a:r>
+            <a:endParaRPr lang="fr-FR" dirty="0"/>
+          </a:p>
+        </p:txBody>
+      </p:sp>
+      <p:sp>
+        <p:nvSpPr>
+          <p:cNvPr id="3" name="Espace réservé du contenu 2"/>
+          <p:cNvSpPr>
+            <a:spLocks noGrp="1"/>
+          </p:cNvSpPr>
+          <p:nvPr>
+            <p:ph idx="1"/>
+          </p:nvPr>
+        </p:nvSpPr>
+        <p:spPr/>
+        <p:txBody>
+          <a:bodyPr/>
+          <a:lstStyle/>
+          <a:p>
+            <a:r>
+              <a:rPr lang="fr-FR" dirty="0" smtClean="0"/>
+              <a:t>Eclipse </a:t>
+            </a:r>
+            <a:r>
+              <a:rPr lang="fr-FR" dirty="0" err="1" smtClean="0"/>
+              <a:t>bugzilla</a:t>
+            </a:r>
+            <a:endParaRPr lang="fr-FR" dirty="0" smtClean="0"/>
+          </a:p>
+          <a:p>
+            <a:r>
+              <a:rPr lang="fr-FR" dirty="0" smtClean="0"/>
+              <a:t>JDT CodeMining </a:t>
+            </a:r>
+            <a:r>
+              <a:rPr lang="fr-FR" dirty="0" err="1" smtClean="0"/>
+              <a:t>github</a:t>
+            </a:r>
+            <a:endParaRPr lang="fr-FR" dirty="0"/>
+          </a:p>
+        </p:txBody>
+      </p:sp>
+    </p:spTree>
+    <p:extLst>
+      <p:ext uri="{BB962C8B-B14F-4D97-AF65-F5344CB8AC3E}">
+        <p14:creationId xmlns:p14="http://schemas.microsoft.com/office/powerpoint/2010/main" val="3383159057"/>
+      </p:ext>
+    </p:extLst>
+  </p:cSld>
+  <p:clrMapOvr>
+    <a:masterClrMapping/>
+  </p:clrMapOvr>
+  <p:timing>
+    <p:tnLst>
+      <p:par>
+        <p:cTn id="1" dur="indefinite" restart="never" nodeType="tmRoot"/>
+      </p:par>
+    </p:tnLst>
+  </p:timing>
+</p:sld>
+</file>
+
+<file path=ppt/slides/slide22.xml><?xml version="1.0" encoding="utf-8"?>
+<p:sld xmlns:a="http://schemas.openxmlformats.org/drawingml/2006/main" xmlns:r="http://schemas.openxmlformats.org/officeDocument/2006/relationships" xmlns:p="http://schemas.openxmlformats.org/presentationml/2006/main">
+  <p:cSld>
+    <p:spTree>
+      <p:nvGrpSpPr>
+        <p:cNvPr id="1" name=""/>
+        <p:cNvGrpSpPr/>
+        <p:nvPr/>
+      </p:nvGrpSpPr>
+      <p:grpSpPr>
+        <a:xfrm>
+          <a:off x="0" y="0"/>
+          <a:ext cx="0" cy="0"/>
+          <a:chOff x="0" y="0"/>
+          <a:chExt cx="0" cy="0"/>
+        </a:xfrm>
+      </p:grpSpPr>
+      <p:sp>
+        <p:nvSpPr>
+          <p:cNvPr id="2" name="Titre 1"/>
+          <p:cNvSpPr>
+            <a:spLocks noGrp="1"/>
+          </p:cNvSpPr>
+          <p:nvPr>
+            <p:ph type="title"/>
+          </p:nvPr>
+        </p:nvSpPr>
+        <p:spPr/>
+        <p:txBody>
+          <a:bodyPr>
+            <a:normAutofit fontScale="90000"/>
+          </a:bodyPr>
+          <a:lstStyle/>
+          <a:p>
+            <a:r>
+              <a:rPr lang="fr-FR" dirty="0" err="1" smtClean="0"/>
+              <a:t>Technical</a:t>
+            </a:r>
+            <a:r>
+              <a:rPr lang="fr-FR" dirty="0" smtClean="0"/>
+              <a:t> points</a:t>
+            </a:r>
+            <a:endParaRPr lang="fr-FR" dirty="0"/>
+          </a:p>
+        </p:txBody>
+      </p:sp>
+      <p:sp>
+        <p:nvSpPr>
+          <p:cNvPr id="3" name="Espace réservé du contenu 2"/>
+          <p:cNvSpPr>
+            <a:spLocks noGrp="1"/>
+          </p:cNvSpPr>
+          <p:nvPr>
+            <p:ph idx="1"/>
+          </p:nvPr>
+        </p:nvSpPr>
+        <p:spPr/>
+        <p:txBody>
+          <a:bodyPr/>
+          <a:lstStyle/>
+          <a:p>
+            <a:r>
+              <a:rPr lang="fr-FR" dirty="0" err="1" smtClean="0"/>
+              <a:t>Inlined</a:t>
+            </a:r>
+            <a:r>
+              <a:rPr lang="fr-FR" dirty="0" smtClean="0"/>
+              <a:t> annotation </a:t>
+            </a:r>
+            <a:r>
+              <a:rPr lang="fr-FR" dirty="0" err="1" smtClean="0"/>
+              <a:t>used</a:t>
+            </a:r>
+            <a:r>
+              <a:rPr lang="fr-FR" dirty="0" smtClean="0"/>
+              <a:t> M6 </a:t>
+            </a:r>
+            <a:r>
+              <a:rPr lang="fr-FR" dirty="0" err="1" smtClean="0"/>
+              <a:t>StyledTextLineSpacingProvider</a:t>
+            </a:r>
+            <a:endParaRPr lang="fr-FR" dirty="0" smtClean="0"/>
+          </a:p>
+          <a:p>
+            <a:r>
+              <a:rPr lang="fr-FR" dirty="0" smtClean="0"/>
+              <a:t>In M7, </a:t>
+            </a:r>
+            <a:r>
+              <a:rPr lang="fr-FR" dirty="0" err="1" smtClean="0"/>
+              <a:t>inlined</a:t>
+            </a:r>
+            <a:r>
+              <a:rPr lang="fr-FR" dirty="0" smtClean="0"/>
+              <a:t> annotation use </a:t>
+            </a:r>
+            <a:r>
+              <a:rPr lang="fr-FR" dirty="0" err="1" smtClean="0"/>
+              <a:t>GlyphMetrics</a:t>
+            </a:r>
+            <a:r>
+              <a:rPr lang="fr-FR" dirty="0" smtClean="0"/>
+              <a:t> </a:t>
+            </a:r>
+            <a:r>
+              <a:rPr lang="fr-FR" dirty="0" err="1" smtClean="0"/>
+              <a:t>ascent</a:t>
+            </a:r>
+            <a:endParaRPr lang="fr-FR" dirty="0" smtClean="0"/>
+          </a:p>
+          <a:p>
+            <a:r>
+              <a:rPr lang="fr-FR" dirty="0" err="1" smtClean="0"/>
+              <a:t>Redraw</a:t>
+            </a:r>
+            <a:r>
+              <a:rPr lang="fr-FR" dirty="0" smtClean="0"/>
+              <a:t> the </a:t>
+            </a:r>
+            <a:r>
+              <a:rPr lang="fr-FR" dirty="0" err="1" smtClean="0"/>
+              <a:t>character</a:t>
+            </a:r>
+            <a:endParaRPr lang="fr-FR" dirty="0" smtClean="0"/>
+          </a:p>
+          <a:p>
+            <a:r>
+              <a:rPr lang="fr-FR" dirty="0" err="1" smtClean="0"/>
+              <a:t>StyledText</a:t>
+            </a:r>
+            <a:r>
+              <a:rPr lang="fr-FR" dirty="0" smtClean="0"/>
+              <a:t> </a:t>
+            </a:r>
+            <a:r>
+              <a:rPr lang="fr-FR" dirty="0" err="1" smtClean="0"/>
+              <a:t>was</a:t>
+            </a:r>
+            <a:r>
+              <a:rPr lang="fr-FR" dirty="0" smtClean="0"/>
+              <a:t> </a:t>
+            </a:r>
+            <a:r>
+              <a:rPr lang="fr-FR" dirty="0" err="1" smtClean="0"/>
+              <a:t>improved</a:t>
+            </a:r>
+            <a:endParaRPr lang="fr-FR" dirty="0" smtClean="0"/>
+          </a:p>
+          <a:p>
+            <a:pPr lvl="1"/>
+            <a:r>
+              <a:rPr lang="fr-FR" dirty="0" err="1" smtClean="0"/>
+              <a:t>Fix</a:t>
+            </a:r>
+            <a:r>
+              <a:rPr lang="fr-FR" dirty="0" smtClean="0"/>
+              <a:t> bug with </a:t>
+            </a:r>
+            <a:r>
+              <a:rPr lang="fr-FR" dirty="0" err="1" smtClean="0"/>
+              <a:t>cursor</a:t>
+            </a:r>
+            <a:endParaRPr lang="fr-FR" dirty="0" smtClean="0"/>
+          </a:p>
+          <a:p>
+            <a:pPr lvl="1"/>
+            <a:r>
+              <a:rPr lang="fr-FR" dirty="0" err="1" smtClean="0"/>
+              <a:t>Improve</a:t>
+            </a:r>
+            <a:r>
+              <a:rPr lang="fr-FR" dirty="0" smtClean="0"/>
+              <a:t> performance with variable line </a:t>
+            </a:r>
+            <a:r>
+              <a:rPr lang="fr-FR" dirty="0" err="1" smtClean="0"/>
+              <a:t>height</a:t>
+            </a:r>
+            <a:r>
+              <a:rPr lang="fr-FR" dirty="0" smtClean="0"/>
+              <a:t> (</a:t>
+            </a:r>
+            <a:r>
+              <a:rPr lang="fr-FR" dirty="0" err="1" smtClean="0"/>
+              <a:t>word</a:t>
+            </a:r>
+            <a:r>
+              <a:rPr lang="fr-FR" dirty="0" smtClean="0"/>
+              <a:t> wrap)</a:t>
+            </a:r>
+          </a:p>
+          <a:p>
+            <a:r>
+              <a:rPr lang="fr-FR" dirty="0" smtClean="0"/>
+              <a:t>Line </a:t>
+            </a:r>
+            <a:r>
+              <a:rPr lang="fr-FR" dirty="0" err="1" smtClean="0"/>
+              <a:t>number</a:t>
+            </a:r>
+            <a:r>
+              <a:rPr lang="fr-FR" dirty="0" smtClean="0"/>
+              <a:t> / </a:t>
+            </a:r>
+            <a:r>
+              <a:rPr lang="fr-FR" dirty="0" err="1" smtClean="0"/>
+              <a:t>Fold</a:t>
+            </a:r>
+            <a:r>
+              <a:rPr lang="fr-FR" dirty="0" smtClean="0"/>
+              <a:t> font</a:t>
+            </a:r>
+          </a:p>
+        </p:txBody>
+      </p:sp>
+    </p:spTree>
+    <p:extLst>
+      <p:ext uri="{BB962C8B-B14F-4D97-AF65-F5344CB8AC3E}">
+        <p14:creationId xmlns:p14="http://schemas.microsoft.com/office/powerpoint/2010/main" val="257407320"/>
+      </p:ext>
+    </p:extLst>
+  </p:cSld>
+  <p:clrMapOvr>
+    <a:masterClrMapping/>
+  </p:clrMapOvr>
+  <p:timing>
+    <p:tnLst>
+      <p:par>
+        <p:cTn id="1" dur="indefinite" restart="never" nodeType="tmRoot"/>
+      </p:par>
+    </p:tnLst>
+  </p:timing>
+</p:sld>
+</file>
+
+<file path=ppt/slides/slide23.xml><?xml version="1.0" encoding="utf-8"?>
+<p:sld xmlns:a="http://schemas.openxmlformats.org/drawingml/2006/main" xmlns:r="http://schemas.openxmlformats.org/officeDocument/2006/relationships" xmlns:p="http://schemas.openxmlformats.org/presentationml/2006/main">
+  <p:cSld>
+    <p:spTree>
+      <p:nvGrpSpPr>
+        <p:cNvPr id="1" name=""/>
+        <p:cNvGrpSpPr/>
+        <p:nvPr/>
+      </p:nvGrpSpPr>
+      <p:grpSpPr>
+        <a:xfrm>
+          <a:off x="0" y="0"/>
+          <a:ext cx="0" cy="0"/>
+          <a:chOff x="0" y="0"/>
+          <a:chExt cx="0" cy="0"/>
+        </a:xfrm>
+      </p:grpSpPr>
+      <p:sp>
+        <p:nvSpPr>
+          <p:cNvPr id="2" name="Titre 1"/>
+          <p:cNvSpPr>
+            <a:spLocks noGrp="1"/>
+          </p:cNvSpPr>
+          <p:nvPr>
+            <p:ph type="title"/>
+          </p:nvPr>
+        </p:nvSpPr>
+        <p:spPr/>
+        <p:txBody>
+          <a:bodyPr>
+            <a:normAutofit fontScale="90000"/>
+          </a:bodyPr>
+          <a:lstStyle/>
+          <a:p>
+            <a:r>
+              <a:rPr lang="fr-FR" dirty="0" err="1" smtClean="0"/>
               <a:t>What’s</a:t>
             </a:r>
             <a:r>
@@ -15366,7 +16354,7 @@
 </p:sld>
 </file>
 
-<file path=ppt/slides/slide21.xml><?xml version="1.0" encoding="utf-8"?>
+<file path=ppt/slides/slide24.xml><?xml version="1.0" encoding="utf-8"?>
 <p:sld xmlns:a="http://schemas.openxmlformats.org/drawingml/2006/main" xmlns:r="http://schemas.openxmlformats.org/officeDocument/2006/relationships" xmlns:p="http://schemas.openxmlformats.org/presentationml/2006/main">
   <p:cSld>
     <p:spTree>
@@ -15832,7 +16820,7 @@
         <p:spPr/>
         <p:txBody>
           <a:bodyPr>
-            <a:normAutofit fontScale="92500" lnSpcReduction="10000"/>
+            <a:normAutofit/>
           </a:bodyPr>
           <a:lstStyle/>
           <a:p>
@@ -15970,67 +16958,13 @@
             </a:r>
             <a:r>
               <a:rPr lang="fr-FR" dirty="0" smtClean="0"/>
-              <a:t> action</a:t>
-            </a:r>
-          </a:p>
-          <a:p>
-            <a:r>
-              <a:rPr lang="fr-FR" dirty="0" smtClean="0"/>
-              <a:t>Managed with </a:t>
-            </a:r>
-            <a:r>
-              <a:rPr lang="fr-FR" b="1" dirty="0" smtClean="0"/>
-              <a:t>InlinedAnnotationSupport </a:t>
-            </a:r>
-            <a:r>
-              <a:rPr lang="fr-FR" dirty="0" smtClean="0"/>
-              <a:t>class:</a:t>
-            </a:r>
-          </a:p>
-          <a:p>
-            <a:pPr lvl="1"/>
-            <a:r>
-              <a:rPr lang="fr-FR" b="1" dirty="0" err="1" smtClean="0"/>
-              <a:t>doesn’t</a:t>
-            </a:r>
-            <a:r>
-              <a:rPr lang="fr-FR" b="1" dirty="0" smtClean="0"/>
               <a:t> </a:t>
             </a:r>
             <a:r>
-              <a:rPr lang="fr-FR" b="1" dirty="0" err="1" smtClean="0"/>
-              <a:t>take</a:t>
-            </a:r>
-            <a:r>
-              <a:rPr lang="fr-FR" b="1" dirty="0" smtClean="0"/>
-              <a:t> care of performance</a:t>
-            </a:r>
-            <a:r>
-              <a:rPr lang="fr-FR" dirty="0" smtClean="0"/>
-              <a:t> to </a:t>
-            </a:r>
-            <a:r>
-              <a:rPr lang="fr-FR" dirty="0" err="1" smtClean="0"/>
-              <a:t>compute</a:t>
-            </a:r>
-            <a:r>
-              <a:rPr lang="fr-FR" dirty="0" smtClean="0"/>
-              <a:t> content of annotation(UI </a:t>
-            </a:r>
-            <a:r>
-              <a:rPr lang="fr-FR" dirty="0" err="1" smtClean="0"/>
-              <a:t>freeze</a:t>
-            </a:r>
-            <a:r>
-              <a:rPr lang="fr-FR" dirty="0" smtClean="0"/>
-              <a:t>)</a:t>
-            </a:r>
-          </a:p>
-          <a:p>
-            <a:pPr marL="0" indent="0">
-              <a:buNone/>
-            </a:pPr>
-            <a:endParaRPr lang="fr-FR" dirty="0"/>
+              <a:rPr lang="fr-FR" dirty="0" smtClean="0"/>
+              <a:t>action.</a:t>
+            </a:r>
+            <a:endParaRPr lang="fr-FR" dirty="0" smtClean="0"/>
           </a:p>
         </p:txBody>
       </p:sp>
@@ -16050,7 +16984,7 @@
         </p:blipFill>
         <p:spPr>
           <a:xfrm>
-            <a:off x="3923928" y="1635646"/>
+            <a:off x="4602854" y="1789604"/>
             <a:ext cx="3312367" cy="1858574"/>
           </a:xfrm>
           <a:prstGeom prst="rect">
@@ -16294,16 +17228,56 @@
               <a:t>Source viewer </a:t>
             </a:r>
             <a:r>
-              <a:rPr lang="en-US" dirty="0" err="1"/>
-              <a:t>configurated</a:t>
+              <a:rPr lang="en-US" dirty="0" smtClean="0"/>
+              <a:t>configured </a:t>
             </a:r>
             <a:r>
               <a:rPr lang="en-US" dirty="0"/>
-              <a:t> with </a:t>
+              <a:t>with </a:t>
             </a:r>
             <a:r>
               <a:rPr lang="en-US" b="1" dirty="0" err="1" smtClean="0"/>
               <a:t>AnnotationPainter</a:t>
+            </a:r>
+            <a:endParaRPr lang="en-US" b="1" dirty="0" smtClean="0"/>
+          </a:p>
+          <a:p>
+            <a:pPr lvl="1"/>
+            <a:r>
+              <a:rPr lang="fr-FR" b="1" dirty="0" err="1"/>
+              <a:t>doesn’t</a:t>
+            </a:r>
+            <a:r>
+              <a:rPr lang="fr-FR" b="1" dirty="0"/>
+              <a:t> </a:t>
+            </a:r>
+            <a:r>
+              <a:rPr lang="fr-FR" b="1" dirty="0" err="1"/>
+              <a:t>take</a:t>
+            </a:r>
+            <a:r>
+              <a:rPr lang="fr-FR" b="1" dirty="0"/>
+              <a:t> care of performance</a:t>
+            </a:r>
+            <a:r>
+              <a:rPr lang="fr-FR" dirty="0"/>
+              <a:t> to </a:t>
+            </a:r>
+            <a:r>
+              <a:rPr lang="fr-FR" dirty="0" err="1"/>
+              <a:t>compute</a:t>
+            </a:r>
+            <a:r>
+              <a:rPr lang="fr-FR" dirty="0"/>
+              <a:t> content of annotation(UI </a:t>
+            </a:r>
+            <a:r>
+              <a:rPr lang="fr-FR" dirty="0" err="1"/>
+              <a:t>freeze</a:t>
+            </a:r>
+            <a:r>
+              <a:rPr lang="fr-FR" dirty="0" smtClean="0"/>
+              <a:t>)</a:t>
             </a:r>
             <a:endParaRPr lang="en-US" b="1" dirty="0" smtClean="0"/>
           </a:p>
@@ -16650,11 +17624,7 @@
             </a:r>
             <a:r>
               <a:rPr lang="fr-FR" dirty="0" smtClean="0"/>
-              <a:t> </a:t>
-            </a:r>
-            <a:r>
-              <a:rPr lang="fr-FR" dirty="0" smtClean="0"/>
-              <a:t>Annotation - </a:t>
+              <a:t> Annotation - </a:t>
             </a:r>
             <a:r>
               <a:rPr lang="fr-FR" dirty="0" err="1" smtClean="0"/>
@@ -16757,11 +17727,7 @@
             </a:r>
             <a:r>
               <a:rPr lang="en-US" dirty="0"/>
-              <a:t>the</a:t>
-            </a:r>
-            <a:r>
-              <a:rPr lang="en-US" dirty="0"/>
-              <a:t> </a:t>
+              <a:t>the </a:t>
             </a:r>
             <a:r>
               <a:rPr lang="en-US" b="1" dirty="0"/>
@@ -16803,7 +17769,15 @@
             <a:pPr lvl="2"/>
             <a:r>
               <a:rPr lang="en-US" dirty="0" smtClean="0"/>
-              <a:t>Clickable top open a color picker</a:t>
+              <a:t>Clickable </a:t>
+            </a:r>
+            <a:r>
+              <a:rPr lang="en-US" dirty="0" smtClean="0"/>
+              <a:t>to </a:t>
+            </a:r>
+            <a:r>
+              <a:rPr lang="en-US" dirty="0" smtClean="0"/>
+              <a:t>open a color picker</a:t>
             </a:r>
             <a:endParaRPr lang="en-US" dirty="0"/>
           </a:p>
@@ -16899,8 +17873,24 @@
           <a:lstStyle/>
           <a:p>
             <a:r>
-              <a:rPr lang="fr-FR" dirty="0" smtClean="0"/>
-              <a:t>Eclipse Code Mining</a:t>
+              <a:rPr lang="fr-FR" dirty="0" err="1" smtClean="0"/>
+              <a:t>What</a:t>
+            </a:r>
+            <a:r>
+              <a:rPr lang="fr-FR" dirty="0" smtClean="0"/>
+              <a:t> </a:t>
+            </a:r>
+            <a:r>
+              <a:rPr lang="fr-FR" dirty="0" err="1" smtClean="0"/>
+              <a:t>is</a:t>
+            </a:r>
+            <a:r>
+              <a:rPr lang="fr-FR" dirty="0" smtClean="0"/>
+              <a:t> </a:t>
+            </a:r>
+            <a:r>
+              <a:rPr lang="fr-FR" dirty="0" smtClean="0"/>
+              <a:t>Code Mining?</a:t>
             </a:r>
             <a:endParaRPr lang="fr-FR" dirty="0"/>
           </a:p>
@@ -16918,7 +17908,9 @@
         </p:nvSpPr>
         <p:spPr/>
         <p:txBody>
-          <a:bodyPr/>
+          <a:bodyPr>
+            <a:normAutofit/>
+          </a:bodyPr>
           <a:lstStyle/>
           <a:p>
             <a:r>
@@ -16956,165 +17948,183 @@
           </a:p>
           <a:p>
             <a:r>
-              <a:rPr lang="fr-FR" dirty="0" err="1" smtClean="0"/>
+              <a:rPr lang="fr-FR" dirty="0" err="1"/>
               <a:t>Draw</a:t>
             </a:r>
             <a:r>
-              <a:rPr lang="fr-FR" dirty="0" smtClean="0"/>
-              <a:t> none </a:t>
-            </a:r>
-            <a:r>
-              <a:rPr lang="fr-FR" dirty="0" err="1" smtClean="0"/>
+              <a:rPr lang="fr-FR" dirty="0"/>
+              <a:t> </a:t>
+            </a:r>
+            <a:r>
+              <a:rPr lang="fr-FR" b="1" dirty="0"/>
+              <a:t>none </a:t>
+            </a:r>
+            <a:r>
+              <a:rPr lang="fr-FR" b="1" dirty="0" err="1"/>
               <a:t>editable</a:t>
             </a:r>
             <a:r>
-              <a:rPr lang="fr-FR" dirty="0" smtClean="0"/>
-              <a:t> information in the editor to help </a:t>
-            </a:r>
-            <a:r>
-              <a:rPr lang="fr-FR" dirty="0" err="1" smtClean="0"/>
+              <a:rPr lang="fr-FR" b="1" dirty="0"/>
+              <a:t> information in the editor</a:t>
+            </a:r>
+            <a:r>
+              <a:rPr lang="fr-FR" dirty="0"/>
+              <a:t> to help </a:t>
+            </a:r>
+            <a:r>
+              <a:rPr lang="fr-FR" dirty="0" err="1"/>
               <a:t>developer</a:t>
             </a:r>
             <a:r>
-              <a:rPr lang="fr-FR" dirty="0" smtClean="0"/>
+              <a:rPr lang="fr-FR" dirty="0"/>
               <a:t>:</a:t>
             </a:r>
           </a:p>
           <a:p>
             <a:pPr lvl="1"/>
             <a:r>
-              <a:rPr lang="fr-FR" dirty="0" err="1" smtClean="0"/>
+              <a:rPr lang="fr-FR" dirty="0" err="1"/>
               <a:t>Overview</a:t>
             </a:r>
             <a:r>
-              <a:rPr lang="fr-FR" dirty="0" smtClean="0"/>
+              <a:rPr lang="fr-FR" dirty="0"/>
               <a:t> of code (show </a:t>
             </a:r>
             <a:r>
-              <a:rPr lang="fr-FR" dirty="0" err="1" smtClean="0"/>
+              <a:rPr lang="fr-FR" dirty="0" err="1"/>
               <a:t>references</a:t>
             </a:r>
             <a:r>
-              <a:rPr lang="fr-FR" dirty="0" smtClean="0"/>
+              <a:rPr lang="fr-FR" dirty="0"/>
               <a:t>, </a:t>
             </a:r>
             <a:r>
-              <a:rPr lang="fr-FR" dirty="0" err="1" smtClean="0"/>
+              <a:rPr lang="fr-FR" dirty="0" err="1"/>
               <a:t>implementations</a:t>
             </a:r>
             <a:r>
-              <a:rPr lang="fr-FR" dirty="0" smtClean="0"/>
+              <a:rPr lang="fr-FR" dirty="0"/>
               <a:t> class)</a:t>
             </a:r>
           </a:p>
           <a:p>
             <a:pPr lvl="1"/>
             <a:r>
-              <a:rPr lang="fr-FR" dirty="0" err="1" smtClean="0"/>
+              <a:rPr lang="fr-FR" dirty="0" err="1"/>
               <a:t>Provide</a:t>
             </a:r>
             <a:r>
-              <a:rPr lang="fr-FR" dirty="0" smtClean="0"/>
+              <a:rPr lang="fr-FR" dirty="0"/>
               <a:t> actions (</a:t>
             </a:r>
             <a:r>
-              <a:rPr lang="fr-FR" dirty="0" err="1" smtClean="0"/>
+              <a:rPr lang="fr-FR" dirty="0" err="1"/>
               <a:t>run</a:t>
             </a:r>
             <a:r>
-              <a:rPr lang="fr-FR" dirty="0" smtClean="0"/>
+              <a:rPr lang="fr-FR" dirty="0"/>
               <a:t>, </a:t>
             </a:r>
             <a:r>
-              <a:rPr lang="fr-FR" dirty="0" err="1" smtClean="0"/>
+              <a:rPr lang="fr-FR" dirty="0" err="1"/>
               <a:t>debug</a:t>
             </a:r>
             <a:r>
-              <a:rPr lang="fr-FR" dirty="0" smtClean="0"/>
+              <a:rPr lang="fr-FR" dirty="0"/>
               <a:t>)</a:t>
             </a:r>
           </a:p>
           <a:p>
             <a:pPr lvl="1"/>
             <a:r>
-              <a:rPr lang="fr-FR" dirty="0" smtClean="0"/>
+              <a:rPr lang="fr-FR" dirty="0"/>
               <a:t>Show </a:t>
             </a:r>
             <a:r>
-              <a:rPr lang="fr-FR" dirty="0" err="1" smtClean="0"/>
+              <a:rPr lang="fr-FR" dirty="0" err="1"/>
               <a:t>status</a:t>
             </a:r>
             <a:r>
-              <a:rPr lang="fr-FR" dirty="0" smtClean="0"/>
+              <a:rPr lang="fr-FR" dirty="0"/>
               <a:t> (ex: </a:t>
             </a:r>
             <a:r>
-              <a:rPr lang="fr-FR" dirty="0" err="1" smtClean="0"/>
-              <a:t>Junit</a:t>
-            </a:r>
-            <a:r>
-              <a:rPr lang="fr-FR" dirty="0" smtClean="0"/>
+              <a:rPr lang="fr-FR" dirty="0" err="1"/>
+              <a:t>JUnit</a:t>
+            </a:r>
+            <a:r>
+              <a:rPr lang="fr-FR" dirty="0"/>
               <a:t> </a:t>
             </a:r>
             <a:r>
-              <a:rPr lang="fr-FR" dirty="0" err="1" smtClean="0"/>
+              <a:rPr lang="fr-FR" dirty="0" err="1"/>
               <a:t>status</a:t>
             </a:r>
             <a:r>
-              <a:rPr lang="fr-FR" dirty="0" smtClean="0"/>
+              <a:rPr lang="fr-FR" dirty="0"/>
               <a:t> of test </a:t>
             </a:r>
             <a:r>
-              <a:rPr lang="fr-FR" dirty="0" err="1" smtClean="0"/>
+              <a:rPr lang="fr-FR" dirty="0" err="1"/>
               <a:t>method</a:t>
             </a:r>
             <a:r>
-              <a:rPr lang="fr-FR" dirty="0" smtClean="0"/>
+              <a:rPr lang="fr-FR" dirty="0"/>
               <a:t>)</a:t>
             </a:r>
           </a:p>
           <a:p>
             <a:r>
-              <a:rPr lang="fr-FR" dirty="0" err="1" smtClean="0"/>
-              <a:t>Based</a:t>
-            </a:r>
-            <a:r>
-              <a:rPr lang="fr-FR" dirty="0" smtClean="0"/>
-              <a:t> on </a:t>
-            </a:r>
-            <a:r>
-              <a:rPr lang="fr-FR" dirty="0" err="1" smtClean="0"/>
-              <a:t>inlined</a:t>
-            </a:r>
-            <a:r>
-              <a:rPr lang="fr-FR" dirty="0" smtClean="0"/>
-              <a:t> annotation support</a:t>
-            </a:r>
-          </a:p>
-          <a:p>
-            <a:r>
-              <a:rPr lang="fr-FR" dirty="0" smtClean="0"/>
+              <a:rPr lang="fr-FR" b="1" dirty="0"/>
               <a:t>Challenge: </a:t>
             </a:r>
             <a:r>
-              <a:rPr lang="fr-FR" dirty="0" err="1" smtClean="0"/>
+              <a:rPr lang="fr-FR" b="1" dirty="0" err="1"/>
               <a:t>don’t</a:t>
             </a:r>
             <a:r>
-              <a:rPr lang="fr-FR" dirty="0" smtClean="0"/>
+              <a:rPr lang="fr-FR" b="1" dirty="0"/>
               <a:t> </a:t>
             </a:r>
             <a:r>
-              <a:rPr lang="fr-FR" dirty="0" err="1" smtClean="0"/>
+              <a:rPr lang="fr-FR" b="1" dirty="0" err="1"/>
               <a:t>freeze</a:t>
             </a:r>
             <a:r>
-              <a:rPr lang="fr-FR" dirty="0" smtClean="0"/>
+              <a:rPr lang="fr-FR" b="1" dirty="0"/>
               <a:t> the UI</a:t>
             </a:r>
+          </a:p>
+          <a:p>
+            <a:pPr lvl="2"/>
+            <a:endParaRPr lang="fr-FR" dirty="0" smtClean="0"/>
           </a:p>
         </p:txBody>
       </p:sp>
+      <p:pic>
+        <p:nvPicPr>
+          <p:cNvPr id="5" name="Image 4"/>
+          <p:cNvPicPr>
+            <a:picLocks noChangeAspect="1"/>
+          </p:cNvPicPr>
+          <p:nvPr/>
+        </p:nvPicPr>
+        <p:blipFill>
+          <a:blip r:embed="rId2"/>
+          <a:stretch>
+            <a:fillRect/>
+          </a:stretch>
+        </p:blipFill>
+        <p:spPr>
+          <a:xfrm>
+            <a:off x="827584" y="3363838"/>
+            <a:ext cx="6912768" cy="1101149"/>
+          </a:xfrm>
+          <a:prstGeom prst="rect">
+            <a:avLst/>
+          </a:prstGeom>
+        </p:spPr>
+      </p:pic>
     </p:spTree>
     <p:extLst>
       <p:ext uri="{BB962C8B-B14F-4D97-AF65-F5344CB8AC3E}">
@@ -17170,8 +18180,24 @@
           <a:lstStyle/>
           <a:p>
             <a:r>
-              <a:rPr lang="fr-FR" dirty="0" smtClean="0"/>
-              <a:t>Code Mining – real use case 1 / 2</a:t>
+              <a:rPr lang="fr-FR" dirty="0" err="1" smtClean="0"/>
+              <a:t>What</a:t>
+            </a:r>
+            <a:r>
+              <a:rPr lang="fr-FR" dirty="0" smtClean="0"/>
+              <a:t> </a:t>
+            </a:r>
+            <a:r>
+              <a:rPr lang="fr-FR" dirty="0" err="1" smtClean="0"/>
+              <a:t>is</a:t>
+            </a:r>
+            <a:r>
+              <a:rPr lang="fr-FR" dirty="0" smtClean="0"/>
+              <a:t> </a:t>
+            </a:r>
+            <a:r>
+              <a:rPr lang="fr-FR" dirty="0" smtClean="0"/>
+              <a:t>Code Mining?</a:t>
             </a:r>
             <a:endParaRPr lang="fr-FR" dirty="0"/>
           </a:p>
@@ -17189,59 +18215,379 @@
         </p:nvSpPr>
         <p:spPr/>
         <p:txBody>
-          <a:bodyPr/>
+          <a:bodyPr>
+            <a:normAutofit fontScale="92500" lnSpcReduction="10000"/>
+          </a:bodyPr>
           <a:lstStyle/>
           <a:p>
             <a:r>
+              <a:rPr lang="fr-FR" dirty="0" err="1" smtClean="0"/>
+              <a:t>Managed</a:t>
+            </a:r>
+            <a:r>
+              <a:rPr lang="fr-FR" dirty="0" smtClean="0"/>
+              <a:t> </a:t>
+            </a:r>
+            <a:r>
+              <a:rPr lang="fr-FR" dirty="0" err="1" smtClean="0"/>
+              <a:t>with</a:t>
+            </a:r>
+            <a:r>
+              <a:rPr lang="fr-FR" dirty="0" smtClean="0"/>
+              <a:t> </a:t>
+            </a:r>
+            <a:r>
+              <a:rPr lang="fr-FR" b="1" dirty="0" err="1" smtClean="0"/>
+              <a:t>CodeMiningManager</a:t>
+            </a:r>
+            <a:endParaRPr lang="fr-FR" b="1" dirty="0" smtClean="0"/>
+          </a:p>
+          <a:p>
+            <a:pPr lvl="1"/>
+            <a:r>
+              <a:rPr lang="fr-FR" dirty="0" smtClean="0"/>
+              <a:t>Works </a:t>
+            </a:r>
+            <a:r>
+              <a:rPr lang="fr-FR" dirty="0" err="1" smtClean="0"/>
+              <a:t>with</a:t>
+            </a:r>
+            <a:r>
+              <a:rPr lang="fr-FR" dirty="0" smtClean="0"/>
+              <a:t> </a:t>
+            </a:r>
+            <a:r>
+              <a:rPr lang="fr-FR" b="1" dirty="0" err="1" smtClean="0"/>
+              <a:t>ICodeMining</a:t>
+            </a:r>
+            <a:r>
+              <a:rPr lang="fr-FR" dirty="0" smtClean="0"/>
+              <a:t> instances</a:t>
+            </a:r>
+            <a:endParaRPr lang="fr-FR" b="1" dirty="0" smtClean="0"/>
+          </a:p>
+          <a:p>
+            <a:pPr lvl="2"/>
+            <a:r>
+              <a:rPr lang="fr-FR" b="1" dirty="0" err="1" smtClean="0"/>
+              <a:t>LineHeaderCodeMining</a:t>
+            </a:r>
+            <a:endParaRPr lang="fr-FR" b="1" dirty="0" smtClean="0"/>
+          </a:p>
+          <a:p>
+            <a:pPr lvl="2"/>
+            <a:r>
+              <a:rPr lang="fr-FR" b="1" dirty="0" err="1" smtClean="0"/>
+              <a:t>LineContentCodeMining</a:t>
+            </a:r>
+            <a:endParaRPr lang="fr-FR" b="1" dirty="0" smtClean="0"/>
+          </a:p>
+          <a:p>
+            <a:pPr marL="914400" lvl="2" indent="0">
+              <a:buNone/>
+            </a:pPr>
+            <a:endParaRPr lang="fr-FR" b="1" dirty="0" smtClean="0"/>
+          </a:p>
+          <a:p>
+            <a:pPr lvl="1"/>
+            <a:r>
               <a:rPr lang="fr-FR" dirty="0"/>
-              <a:t>LSP4e </a:t>
-            </a:r>
-            <a:r>
-              <a:rPr lang="fr-FR" dirty="0">
-                <a:hlinkClick r:id="rId2"/>
-              </a:rPr>
-              <a:t>https://</a:t>
-            </a:r>
-            <a:r>
-              <a:rPr lang="fr-FR" dirty="0" smtClean="0">
-                <a:hlinkClick r:id="rId2"/>
-              </a:rPr>
-              <a:t>projects.eclipse.org/projects/technology.lsp4e</a:t>
-            </a:r>
-            <a:r>
-              <a:rPr lang="fr-FR" dirty="0" smtClean="0"/>
+              <a:t>Use </a:t>
+            </a:r>
+            <a:r>
+              <a:rPr lang="fr-FR" dirty="0" err="1"/>
+              <a:t>InlinedAnnotationSupport</a:t>
+            </a:r>
+            <a:r>
+              <a:rPr lang="fr-FR" dirty="0"/>
+              <a:t> </a:t>
+            </a:r>
+            <a:r>
+              <a:rPr lang="fr-FR" dirty="0" smtClean="0"/>
+              <a:t>to </a:t>
+            </a:r>
+            <a:r>
+              <a:rPr lang="fr-FR" dirty="0" err="1" smtClean="0"/>
+              <a:t>draw</a:t>
+            </a:r>
+            <a:r>
+              <a:rPr lang="fr-FR" dirty="0" smtClean="0"/>
+              <a:t> </a:t>
+            </a:r>
+            <a:r>
+              <a:rPr lang="fr-FR" dirty="0" err="1" smtClean="0"/>
+              <a:t>ICodeMining</a:t>
+            </a:r>
+            <a:r>
+              <a:rPr lang="fr-FR" dirty="0" smtClean="0"/>
+              <a:t> </a:t>
+            </a:r>
+            <a:r>
+              <a:rPr lang="fr-FR" dirty="0" err="1" smtClean="0"/>
+              <a:t>with</a:t>
+            </a:r>
+            <a:r>
+              <a:rPr lang="fr-FR" dirty="0" smtClean="0"/>
+              <a:t> </a:t>
+            </a:r>
+            <a:r>
+              <a:rPr lang="fr-FR" dirty="0" err="1" smtClean="0"/>
+              <a:t>internal</a:t>
+            </a:r>
+            <a:r>
+              <a:rPr lang="fr-FR" dirty="0" smtClean="0"/>
+              <a:t> class: </a:t>
+            </a:r>
+            <a:endParaRPr lang="fr-FR" dirty="0"/>
+          </a:p>
+          <a:p>
+            <a:pPr lvl="2"/>
+            <a:r>
+              <a:rPr lang="fr-FR" b="1" dirty="0" err="1"/>
+              <a:t>CodeMiningLineHeaderAnnotation</a:t>
+            </a:r>
+            <a:r>
+              <a:rPr lang="fr-FR" b="1" dirty="0"/>
+              <a:t> : </a:t>
+            </a:r>
+            <a:r>
+              <a:rPr lang="fr-FR" dirty="0" err="1"/>
+              <a:t>draw</a:t>
+            </a:r>
+            <a:r>
+              <a:rPr lang="fr-FR" dirty="0"/>
+              <a:t> </a:t>
+            </a:r>
+            <a:r>
+              <a:rPr lang="fr-FR" dirty="0" err="1"/>
+              <a:t>list</a:t>
+            </a:r>
+            <a:r>
+              <a:rPr lang="fr-FR" dirty="0"/>
+              <a:t> of line header </a:t>
+            </a:r>
+            <a:r>
+              <a:rPr lang="fr-FR" dirty="0" err="1"/>
+              <a:t>minings</a:t>
+            </a:r>
+            <a:r>
+              <a:rPr lang="fr-FR" dirty="0"/>
+              <a:t> for a </a:t>
+            </a:r>
+            <a:r>
+              <a:rPr lang="fr-FR" dirty="0" err="1"/>
+              <a:t>given</a:t>
+            </a:r>
+            <a:r>
+              <a:rPr lang="fr-FR" dirty="0"/>
+              <a:t> offset</a:t>
+            </a:r>
+          </a:p>
+          <a:p>
+            <a:pPr lvl="2"/>
+            <a:r>
+              <a:rPr lang="fr-FR" b="1" dirty="0" err="1"/>
+              <a:t>CodeMiningLineContentAnnotation</a:t>
+            </a:r>
+            <a:r>
+              <a:rPr lang="fr-FR" b="1" dirty="0"/>
+              <a:t> : </a:t>
+            </a:r>
+            <a:r>
+              <a:rPr lang="fr-FR" dirty="0" err="1"/>
+              <a:t>draw</a:t>
+            </a:r>
+            <a:r>
+              <a:rPr lang="fr-FR" dirty="0"/>
+              <a:t> </a:t>
+            </a:r>
+            <a:r>
+              <a:rPr lang="fr-FR" dirty="0" err="1"/>
+              <a:t>list</a:t>
+            </a:r>
+            <a:r>
+              <a:rPr lang="fr-FR" dirty="0"/>
+              <a:t> of line content </a:t>
+            </a:r>
+            <a:r>
+              <a:rPr lang="fr-FR" dirty="0" err="1"/>
+              <a:t>minings</a:t>
+            </a:r>
+            <a:r>
+              <a:rPr lang="fr-FR" dirty="0"/>
+              <a:t> for a </a:t>
+            </a:r>
+            <a:r>
+              <a:rPr lang="fr-FR" dirty="0" err="1"/>
+              <a:t>given</a:t>
+            </a:r>
+            <a:r>
+              <a:rPr lang="fr-FR" dirty="0"/>
+              <a:t> </a:t>
+            </a:r>
+            <a:r>
+              <a:rPr lang="fr-FR" dirty="0" smtClean="0"/>
+              <a:t>offset</a:t>
+            </a:r>
+          </a:p>
+          <a:p>
+            <a:r>
+              <a:rPr lang="fr-FR" dirty="0" err="1"/>
+              <a:t>What</a:t>
+            </a:r>
+            <a:r>
+              <a:rPr lang="fr-FR" dirty="0"/>
+              <a:t> </a:t>
+            </a:r>
+            <a:r>
+              <a:rPr lang="fr-FR" dirty="0" err="1"/>
+              <a:t>is</a:t>
+            </a:r>
+            <a:r>
+              <a:rPr lang="fr-FR" dirty="0"/>
+              <a:t> </a:t>
+            </a:r>
+            <a:r>
+              <a:rPr lang="fr-FR" dirty="0" err="1"/>
+              <a:t>difference</a:t>
+            </a:r>
+            <a:r>
+              <a:rPr lang="fr-FR" dirty="0"/>
+              <a:t> </a:t>
+            </a:r>
+            <a:r>
+              <a:rPr lang="fr-FR" dirty="0" err="1"/>
+              <a:t>with</a:t>
+            </a:r>
+            <a:r>
+              <a:rPr lang="fr-FR" dirty="0"/>
+              <a:t> </a:t>
+            </a:r>
+            <a:r>
+              <a:rPr lang="fr-FR" b="1" dirty="0" err="1" smtClean="0"/>
+              <a:t>InlinedAnnotationSupport</a:t>
+            </a:r>
+            <a:r>
+              <a:rPr lang="fr-FR" dirty="0" smtClean="0"/>
+              <a:t>?</a:t>
+            </a:r>
+          </a:p>
+          <a:p>
+            <a:pPr lvl="1"/>
+            <a:r>
+              <a:rPr lang="fr-FR" b="1" dirty="0" err="1"/>
+              <a:t>don’t</a:t>
+            </a:r>
+            <a:r>
+              <a:rPr lang="fr-FR" b="1" dirty="0"/>
+              <a:t> </a:t>
+            </a:r>
+            <a:r>
+              <a:rPr lang="fr-FR" b="1" dirty="0" err="1"/>
+              <a:t>freeze</a:t>
+            </a:r>
+            <a:r>
+              <a:rPr lang="fr-FR" b="1" dirty="0"/>
+              <a:t> the UI </a:t>
+            </a:r>
+            <a:r>
+              <a:rPr lang="fr-FR" b="1" dirty="0" smtClean="0"/>
               <a:t>:</a:t>
             </a:r>
           </a:p>
           <a:p>
-            <a:pPr lvl="1"/>
-            <a:r>
-              <a:rPr lang="fr-FR" b="1" dirty="0" smtClean="0"/>
-              <a:t>Code Lens</a:t>
+            <a:pPr lvl="2"/>
+            <a:r>
+              <a:rPr lang="fr-FR" dirty="0" smtClean="0"/>
+              <a:t>Code </a:t>
+            </a:r>
+            <a:r>
+              <a:rPr lang="fr-FR" dirty="0" err="1" smtClean="0"/>
+              <a:t>mining</a:t>
+            </a:r>
+            <a:r>
+              <a:rPr lang="fr-FR" dirty="0" smtClean="0"/>
+              <a:t> instances are </a:t>
+            </a:r>
+            <a:r>
+              <a:rPr lang="fr-FR" dirty="0" err="1" smtClean="0"/>
+              <a:t>created</a:t>
+            </a:r>
+            <a:r>
+              <a:rPr lang="fr-FR" dirty="0" smtClean="0"/>
+              <a:t> in background</a:t>
+            </a:r>
+          </a:p>
+          <a:p>
+            <a:pPr lvl="2"/>
+            <a:r>
+              <a:rPr lang="fr-FR" dirty="0" err="1" smtClean="0"/>
+              <a:t>Draw</a:t>
+            </a:r>
+            <a:r>
+              <a:rPr lang="fr-FR" dirty="0" smtClean="0"/>
+              <a:t> of code </a:t>
+            </a:r>
+            <a:r>
+              <a:rPr lang="fr-FR" dirty="0" err="1" smtClean="0"/>
+              <a:t>mining</a:t>
             </a:r>
             <a:r>
               <a:rPr lang="fr-FR" dirty="0" smtClean="0"/>
               <a:t> </a:t>
             </a:r>
             <a:r>
-              <a:rPr lang="fr-FR" b="1" dirty="0" smtClean="0"/>
-              <a:t>support</a:t>
-            </a:r>
-            <a:r>
-              <a:rPr lang="fr-FR" dirty="0" smtClean="0"/>
-              <a:t>:</a:t>
-            </a:r>
-          </a:p>
-          <a:p>
-            <a:pPr lvl="2"/>
-            <a:r>
-              <a:rPr lang="fr-FR" dirty="0" err="1" smtClean="0"/>
-              <a:t>Spring</a:t>
-            </a:r>
-            <a:r>
-              <a:rPr lang="fr-FR" dirty="0" smtClean="0"/>
-              <a:t> Tools 4</a:t>
-            </a:r>
+              <a:rPr lang="fr-FR" dirty="0" err="1" smtClean="0"/>
+              <a:t>is</a:t>
+            </a:r>
+            <a:r>
+              <a:rPr lang="fr-FR" dirty="0" smtClean="0"/>
+              <a:t> </a:t>
+            </a:r>
+            <a:r>
+              <a:rPr lang="fr-FR" dirty="0" err="1" smtClean="0"/>
+              <a:t>done</a:t>
+            </a:r>
+            <a:r>
+              <a:rPr lang="fr-FR" dirty="0" smtClean="0"/>
+              <a:t> </a:t>
+            </a:r>
+            <a:r>
+              <a:rPr lang="fr-FR" dirty="0" err="1" smtClean="0"/>
+              <a:t>only</a:t>
+            </a:r>
+            <a:r>
+              <a:rPr lang="fr-FR" dirty="0" smtClean="0"/>
+              <a:t> </a:t>
+            </a:r>
+            <a:r>
+              <a:rPr lang="fr-FR" dirty="0" err="1" smtClean="0"/>
+              <a:t>when</a:t>
+            </a:r>
+            <a:r>
+              <a:rPr lang="fr-FR" dirty="0" smtClean="0"/>
+              <a:t> content </a:t>
+            </a:r>
+            <a:r>
+              <a:rPr lang="fr-FR" dirty="0" err="1" smtClean="0"/>
+              <a:t>is</a:t>
+            </a:r>
+            <a:r>
+              <a:rPr lang="fr-FR" dirty="0" smtClean="0"/>
+              <a:t> </a:t>
+            </a:r>
+            <a:r>
+              <a:rPr lang="fr-FR" dirty="0" err="1" smtClean="0"/>
+              <a:t>ready</a:t>
+            </a:r>
+            <a:r>
+              <a:rPr lang="fr-FR" dirty="0" smtClean="0"/>
+              <a:t>.</a:t>
+            </a:r>
+            <a:endParaRPr lang="fr-FR" dirty="0"/>
+          </a:p>
+          <a:p>
+            <a:endParaRPr lang="fr-FR" dirty="0"/>
           </a:p>
           <a:p>
             <a:pPr lvl="2"/>
@@ -17249,97 +18595,28 @@
           </a:p>
           <a:p>
             <a:pPr lvl="2"/>
-            <a:endParaRPr lang="fr-FR" dirty="0"/>
-          </a:p>
-          <a:p>
-            <a:pPr lvl="1"/>
-            <a:r>
-              <a:rPr lang="fr-FR" b="1" dirty="0" err="1" smtClean="0"/>
-              <a:t>Color</a:t>
-            </a:r>
-            <a:r>
-              <a:rPr lang="fr-FR" b="1" dirty="0" smtClean="0"/>
-              <a:t> support </a:t>
-            </a:r>
-            <a:r>
-              <a:rPr lang="fr-FR" dirty="0" smtClean="0"/>
-              <a:t>(</a:t>
-            </a:r>
-            <a:r>
-              <a:rPr lang="fr-FR" dirty="0" err="1" smtClean="0"/>
-              <a:t>experimental</a:t>
-            </a:r>
-            <a:r>
-              <a:rPr lang="fr-FR" dirty="0" smtClean="0"/>
-              <a:t>)</a:t>
-            </a:r>
-          </a:p>
-          <a:p>
-            <a:pPr lvl="2"/>
-            <a:r>
-              <a:rPr lang="fr-FR" dirty="0" smtClean="0"/>
-              <a:t>CSS </a:t>
-            </a:r>
-            <a:r>
-              <a:rPr lang="fr-FR" dirty="0" err="1" smtClean="0"/>
-              <a:t>Language</a:t>
-            </a:r>
-            <a:r>
-              <a:rPr lang="fr-FR" dirty="0" smtClean="0"/>
-              <a:t> Server</a:t>
-            </a:r>
-          </a:p>
-          <a:p>
-            <a:pPr lvl="2"/>
-            <a:endParaRPr lang="fr-FR" dirty="0" smtClean="0"/>
-          </a:p>
-          <a:p>
             <a:endParaRPr lang="fr-FR" dirty="0" smtClean="0"/>
           </a:p>
         </p:txBody>
       </p:sp>
       <p:pic>
         <p:nvPicPr>
-          <p:cNvPr id="11" name="Image 10"/>
+          <p:cNvPr id="4" name="Image 3"/>
           <p:cNvPicPr>
             <a:picLocks noChangeAspect="1"/>
           </p:cNvPicPr>
           <p:nvPr/>
         </p:nvPicPr>
         <p:blipFill>
-          <a:blip r:embed="rId3"/>
+          <a:blip r:embed="rId2"/>
           <a:stretch>
             <a:fillRect/>
           </a:stretch>
         </p:blipFill>
         <p:spPr>
           <a:xfrm>
-            <a:off x="2699792" y="3363838"/>
-            <a:ext cx="3933825" cy="1085850"/>
-          </a:xfrm>
-          <a:prstGeom prst="rect">
-            <a:avLst/>
-          </a:prstGeom>
-        </p:spPr>
-      </p:pic>
-      <p:pic>
-        <p:nvPicPr>
-          <p:cNvPr id="12" name="Image 11"/>
-          <p:cNvPicPr>
-            <a:picLocks noChangeAspect="1"/>
-          </p:cNvPicPr>
-          <p:nvPr/>
-        </p:nvPicPr>
-        <p:blipFill>
-          <a:blip r:embed="rId4"/>
-          <a:stretch>
-            <a:fillRect/>
-          </a:stretch>
-        </p:blipFill>
-        <p:spPr>
-          <a:xfrm>
-            <a:off x="2726001" y="1696393"/>
-            <a:ext cx="5715000" cy="819150"/>
+            <a:off x="5148064" y="843558"/>
+            <a:ext cx="2880320" cy="1632443"/>
           </a:xfrm>
           <a:prstGeom prst="rect">
             <a:avLst/>
@@ -17349,7 +18626,7 @@
     </p:spTree>
     <p:extLst>
       <p:ext uri="{BB962C8B-B14F-4D97-AF65-F5344CB8AC3E}">
-        <p14:creationId xmlns:p14="http://schemas.microsoft.com/office/powerpoint/2010/main" val="3210144764"/>
+        <p14:creationId xmlns:p14="http://schemas.microsoft.com/office/powerpoint/2010/main" val="302506574"/>
       </p:ext>
     </p:extLst>
   </p:cSld>

--- a/EclipseConFrance2018_CodeMining.pptx
+++ b/EclipseConFrance2018_CodeMining.pptx
@@ -16,19 +16,23 @@
     <p:sldId id="280" r:id="rId10"/>
     <p:sldId id="281" r:id="rId11"/>
     <p:sldId id="261" r:id="rId12"/>
-    <p:sldId id="278" r:id="rId13"/>
-    <p:sldId id="273" r:id="rId14"/>
-    <p:sldId id="274" r:id="rId15"/>
-    <p:sldId id="262" r:id="rId16"/>
-    <p:sldId id="263" r:id="rId17"/>
-    <p:sldId id="264" r:id="rId18"/>
-    <p:sldId id="265" r:id="rId19"/>
-    <p:sldId id="266" r:id="rId20"/>
-    <p:sldId id="267" r:id="rId21"/>
-    <p:sldId id="271" r:id="rId22"/>
-    <p:sldId id="268" r:id="rId23"/>
-    <p:sldId id="275" r:id="rId24"/>
-    <p:sldId id="269" r:id="rId25"/>
+    <p:sldId id="283" r:id="rId13"/>
+    <p:sldId id="287" r:id="rId14"/>
+    <p:sldId id="284" r:id="rId15"/>
+    <p:sldId id="285" r:id="rId16"/>
+    <p:sldId id="282" r:id="rId17"/>
+    <p:sldId id="286" r:id="rId18"/>
+    <p:sldId id="278" r:id="rId19"/>
+    <p:sldId id="288" r:id="rId20"/>
+    <p:sldId id="289" r:id="rId21"/>
+    <p:sldId id="273" r:id="rId22"/>
+    <p:sldId id="274" r:id="rId23"/>
+    <p:sldId id="266" r:id="rId24"/>
+    <p:sldId id="267" r:id="rId25"/>
+    <p:sldId id="268" r:id="rId26"/>
+    <p:sldId id="271" r:id="rId27"/>
+    <p:sldId id="275" r:id="rId28"/>
+    <p:sldId id="269" r:id="rId29"/>
   </p:sldIdLst>
   <p:sldSz cx="9144000" cy="5143500" type="screen16x9"/>
   <p:notesSz cx="6858000" cy="9144000"/>
@@ -328,7 +332,7 @@
           <a:p>
             <a:fld id="{8FF464A0-C30A-4EA4-AFB5-7042FE1A38C1}" type="datetimeFigureOut">
               <a:rPr lang="fr-FR" smtClean="0"/>
-              <a:t>26/05/2018</a:t>
+              <a:t>28/05/2018</a:t>
             </a:fld>
             <a:endParaRPr lang="fr-FR"/>
           </a:p>
@@ -1672,7 +1676,7 @@
           <a:p>
             <a:fld id="{8FF464A0-C30A-4EA4-AFB5-7042FE1A38C1}" type="datetimeFigureOut">
               <a:rPr lang="fr-FR" smtClean="0"/>
-              <a:t>26/05/2018</a:t>
+              <a:t>28/05/2018</a:t>
             </a:fld>
             <a:endParaRPr lang="fr-FR"/>
           </a:p>
@@ -2987,7 +2991,7 @@
           <a:p>
             <a:fld id="{8FF464A0-C30A-4EA4-AFB5-7042FE1A38C1}" type="datetimeFigureOut">
               <a:rPr lang="fr-FR" smtClean="0"/>
-              <a:t>26/05/2018</a:t>
+              <a:t>28/05/2018</a:t>
             </a:fld>
             <a:endParaRPr lang="fr-FR"/>
           </a:p>
@@ -3499,7 +3503,7 @@
           <a:p>
             <a:fld id="{8FF464A0-C30A-4EA4-AFB5-7042FE1A38C1}" type="datetimeFigureOut">
               <a:rPr lang="fr-FR" smtClean="0"/>
-              <a:t>26/05/2018</a:t>
+              <a:t>28/05/2018</a:t>
             </a:fld>
             <a:endParaRPr lang="fr-FR"/>
           </a:p>
@@ -3925,7 +3929,7 @@
           <a:p>
             <a:fld id="{8FF464A0-C30A-4EA4-AFB5-7042FE1A38C1}" type="datetimeFigureOut">
               <a:rPr lang="fr-FR" smtClean="0"/>
-              <a:t>26/05/2018</a:t>
+              <a:t>28/05/2018</a:t>
             </a:fld>
             <a:endParaRPr lang="fr-FR"/>
           </a:p>
@@ -4293,7 +4297,7 @@
           <a:p>
             <a:fld id="{8FF464A0-C30A-4EA4-AFB5-7042FE1A38C1}" type="datetimeFigureOut">
               <a:rPr lang="fr-FR" smtClean="0"/>
-              <a:t>26/05/2018</a:t>
+              <a:t>28/05/2018</a:t>
             </a:fld>
             <a:endParaRPr lang="fr-FR"/>
           </a:p>
@@ -5967,7 +5971,7 @@
           <a:p>
             <a:fld id="{8FF464A0-C30A-4EA4-AFB5-7042FE1A38C1}" type="datetimeFigureOut">
               <a:rPr lang="fr-FR" smtClean="0"/>
-              <a:t>26/05/2018</a:t>
+              <a:t>28/05/2018</a:t>
             </a:fld>
             <a:endParaRPr lang="fr-FR"/>
           </a:p>
@@ -7448,7 +7452,7 @@
           <a:p>
             <a:fld id="{8FF464A0-C30A-4EA4-AFB5-7042FE1A38C1}" type="datetimeFigureOut">
               <a:rPr lang="fr-FR" smtClean="0"/>
-              <a:t>26/05/2018</a:t>
+              <a:t>28/05/2018</a:t>
             </a:fld>
             <a:endParaRPr lang="fr-FR"/>
           </a:p>
@@ -9361,7 +9365,7 @@
           <a:p>
             <a:fld id="{8FF464A0-C30A-4EA4-AFB5-7042FE1A38C1}" type="datetimeFigureOut">
               <a:rPr lang="fr-FR" smtClean="0"/>
-              <a:t>26/05/2018</a:t>
+              <a:t>28/05/2018</a:t>
             </a:fld>
             <a:endParaRPr lang="fr-FR"/>
           </a:p>
@@ -9546,7 +9550,7 @@
           <a:p>
             <a:fld id="{8FF464A0-C30A-4EA4-AFB5-7042FE1A38C1}" type="datetimeFigureOut">
               <a:rPr lang="fr-FR" smtClean="0"/>
-              <a:t>26/05/2018</a:t>
+              <a:t>28/05/2018</a:t>
             </a:fld>
             <a:endParaRPr lang="fr-FR"/>
           </a:p>
@@ -9679,7 +9683,7 @@
           <a:p>
             <a:fld id="{8FF464A0-C30A-4EA4-AFB5-7042FE1A38C1}" type="datetimeFigureOut">
               <a:rPr lang="fr-FR" smtClean="0"/>
-              <a:t>26/05/2018</a:t>
+              <a:t>28/05/2018</a:t>
             </a:fld>
             <a:endParaRPr lang="fr-FR"/>
           </a:p>
@@ -9961,7 +9965,7 @@
           <a:p>
             <a:fld id="{8FF464A0-C30A-4EA4-AFB5-7042FE1A38C1}" type="datetimeFigureOut">
               <a:rPr lang="fr-FR" smtClean="0"/>
-              <a:t>26/05/2018</a:t>
+              <a:t>28/05/2018</a:t>
             </a:fld>
             <a:endParaRPr lang="fr-FR"/>
           </a:p>
@@ -10326,7 +10330,7 @@
           <a:p>
             <a:fld id="{8FF464A0-C30A-4EA4-AFB5-7042FE1A38C1}" type="datetimeFigureOut">
               <a:rPr lang="fr-FR" smtClean="0"/>
-              <a:t>26/05/2018</a:t>
+              <a:t>28/05/2018</a:t>
             </a:fld>
             <a:endParaRPr lang="fr-FR"/>
           </a:p>
@@ -11621,7 +11625,7 @@
           <a:p>
             <a:fld id="{8FF464A0-C30A-4EA4-AFB5-7042FE1A38C1}" type="datetimeFigureOut">
               <a:rPr lang="fr-FR" smtClean="0"/>
-              <a:t>26/05/2018</a:t>
+              <a:t>28/05/2018</a:t>
             </a:fld>
             <a:endParaRPr lang="fr-FR"/>
           </a:p>
@@ -12154,7 +12158,7 @@
           <a:p>
             <a:fld id="{8FF464A0-C30A-4EA4-AFB5-7042FE1A38C1}" type="datetimeFigureOut">
               <a:rPr lang="fr-FR" smtClean="0"/>
-              <a:t>26/05/2018</a:t>
+              <a:t>28/05/2018</a:t>
             </a:fld>
             <a:endParaRPr lang="fr-FR"/>
           </a:p>
@@ -12663,7 +12667,7 @@
           <a:p>
             <a:fld id="{8FF464A0-C30A-4EA4-AFB5-7042FE1A38C1}" type="datetimeFigureOut">
               <a:rPr lang="fr-FR" smtClean="0"/>
-              <a:t>26/05/2018</a:t>
+              <a:t>28/05/2018</a:t>
             </a:fld>
             <a:endParaRPr lang="fr-FR"/>
           </a:p>
@@ -13362,6 +13366,14 @@
   <p:clrMapOvr>
     <a:masterClrMapping/>
   </p:clrMapOvr>
+  <mc:AlternateContent xmlns:mc="http://schemas.openxmlformats.org/markup-compatibility/2006" xmlns:p14="http://schemas.microsoft.com/office/powerpoint/2010/main">
+    <mc:Choice Requires="p14">
+      <p:transition spd="slow" p14:dur="2000"/>
+    </mc:Choice>
+    <mc:Fallback xmlns="">
+      <p:transition spd="slow"/>
+    </mc:Fallback>
+  </mc:AlternateContent>
   <p:timing>
     <p:tnLst>
       <p:par>
@@ -13420,11 +13432,7 @@
             </a:r>
             <a:r>
               <a:rPr lang="fr-FR" dirty="0" smtClean="0"/>
-              <a:t> </a:t>
-            </a:r>
-            <a:r>
-              <a:rPr lang="fr-FR" dirty="0" smtClean="0"/>
-              <a:t>Code Mining?</a:t>
+              <a:t> Code Mining?</a:t>
             </a:r>
             <a:endParaRPr lang="fr-FR" dirty="0"/>
           </a:p>
@@ -13562,7 +13570,7 @@
         <p:spPr/>
         <p:txBody>
           <a:bodyPr>
-            <a:normAutofit fontScale="85000" lnSpcReduction="20000"/>
+            <a:normAutofit fontScale="77500" lnSpcReduction="20000"/>
           </a:bodyPr>
           <a:lstStyle/>
           <a:p>
@@ -13584,7 +13592,7 @@
             </a:r>
             <a:r>
               <a:rPr lang="fr-FR" b="1" dirty="0" err="1" smtClean="0"/>
-              <a:t>mining</a:t>
+              <a:t>minings</a:t>
             </a:r>
             <a:r>
               <a:rPr lang="fr-FR" dirty="0" smtClean="0"/>
@@ -13596,7 +13604,15 @@
             </a:r>
             <a:r>
               <a:rPr lang="fr-FR" dirty="0" smtClean="0"/>
-              <a:t> document</a:t>
+              <a:t> </a:t>
+            </a:r>
+            <a:r>
+              <a:rPr lang="fr-FR" dirty="0" err="1" smtClean="0"/>
+              <a:t>text</a:t>
+            </a:r>
+            <a:r>
+              <a:rPr lang="fr-FR" dirty="0" smtClean="0"/>
+              <a:t> editor content</a:t>
             </a:r>
             <a:endParaRPr lang="fr-FR" b="1" dirty="0" smtClean="0"/>
           </a:p>
@@ -13754,11 +13770,7 @@
             </a:r>
             <a:r>
               <a:rPr lang="fr-FR" b="1" dirty="0" err="1" smtClean="0"/>
-              <a:t>CodeMining</a:t>
-            </a:r>
-            <a:r>
-              <a:rPr lang="fr-FR" b="1" dirty="0" err="1" smtClean="0"/>
-              <a:t>Line</a:t>
+              <a:t>CodeMiningLine</a:t>
             </a:r>
             <a:r>
               <a:rPr lang="fr-FR" b="1" dirty="0" smtClean="0"/>
@@ -14095,8 +14107,70 @@
               <a:t>thenApply</a:t>
             </a:r>
             <a:r>
-              <a:rPr lang="fr-FR" smtClean="0"/>
+              <a:rPr lang="fr-FR" dirty="0" smtClean="0"/>
+              <a:t>/</a:t>
+            </a:r>
+            <a:r>
+              <a:rPr lang="fr-FR" dirty="0" err="1" smtClean="0"/>
+              <a:t>thenRun</a:t>
+            </a:r>
+            <a:r>
+              <a:rPr lang="fr-FR" dirty="0" smtClean="0"/>
               <a:t>).</a:t>
+            </a:r>
+          </a:p>
+          <a:p>
+            <a:r>
+              <a:rPr lang="fr-FR" dirty="0" smtClean="0"/>
+              <a:t>This </a:t>
+            </a:r>
+            <a:r>
+              <a:rPr lang="fr-FR" dirty="0" err="1" smtClean="0"/>
+              <a:t>process</a:t>
+            </a:r>
+            <a:r>
+              <a:rPr lang="fr-FR" dirty="0" smtClean="0"/>
+              <a:t> </a:t>
+            </a:r>
+            <a:r>
+              <a:rPr lang="fr-FR" dirty="0" err="1" smtClean="0"/>
+              <a:t>is</a:t>
+            </a:r>
+            <a:r>
+              <a:rPr lang="fr-FR" dirty="0" smtClean="0"/>
+              <a:t> </a:t>
+            </a:r>
+            <a:r>
+              <a:rPr lang="fr-FR" dirty="0" err="1" smtClean="0"/>
+              <a:t>done</a:t>
+            </a:r>
+            <a:r>
+              <a:rPr lang="fr-FR" dirty="0" smtClean="0"/>
+              <a:t> </a:t>
+            </a:r>
+            <a:r>
+              <a:rPr lang="fr-FR" dirty="0" err="1" smtClean="0"/>
+              <a:t>when</a:t>
+            </a:r>
+            <a:r>
+              <a:rPr lang="fr-FR" dirty="0" smtClean="0"/>
+              <a:t> editor </a:t>
+            </a:r>
+            <a:r>
+              <a:rPr lang="fr-FR" dirty="0" err="1" smtClean="0"/>
+              <a:t>is</a:t>
+            </a:r>
+            <a:r>
+              <a:rPr lang="fr-FR" dirty="0" smtClean="0"/>
+              <a:t> </a:t>
+            </a:r>
+            <a:r>
+              <a:rPr lang="fr-FR" dirty="0" err="1" smtClean="0"/>
+              <a:t>opened</a:t>
+            </a:r>
+            <a:r>
+              <a:rPr lang="fr-FR" dirty="0" smtClean="0"/>
+              <a:t> and content changes.</a:t>
             </a:r>
             <a:endParaRPr lang="fr-FR" dirty="0" smtClean="0">
               <a:solidFill>
@@ -14162,7 +14236,1456 @@
           <a:p>
             <a:r>
               <a:rPr lang="fr-FR" dirty="0" smtClean="0"/>
+              <a:t>Code Mining – API - </a:t>
+            </a:r>
+            <a:r>
+              <a:rPr lang="fr-FR" dirty="0" err="1" smtClean="0"/>
+              <a:t>Overview</a:t>
+            </a:r>
+            <a:endParaRPr lang="fr-FR" dirty="0"/>
+          </a:p>
+        </p:txBody>
+      </p:sp>
+      <p:sp>
+        <p:nvSpPr>
+          <p:cNvPr id="3" name="Espace réservé du contenu 2"/>
+          <p:cNvSpPr>
+            <a:spLocks noGrp="1"/>
+          </p:cNvSpPr>
+          <p:nvPr>
+            <p:ph idx="1"/>
+          </p:nvPr>
+        </p:nvSpPr>
+        <p:spPr/>
+        <p:txBody>
+          <a:bodyPr>
+            <a:normAutofit/>
+          </a:bodyPr>
+          <a:lstStyle/>
+          <a:p>
+            <a:r>
+              <a:rPr lang="en-US" b="1" dirty="0" err="1" smtClean="0"/>
+              <a:t>ICodeMining</a:t>
+            </a:r>
+            <a:endParaRPr lang="en-US" b="1" dirty="0" smtClean="0"/>
+          </a:p>
+          <a:p>
+            <a:r>
+              <a:rPr lang="en-US" b="1" dirty="0" err="1" smtClean="0"/>
+              <a:t>ICodeMiningProvider</a:t>
+            </a:r>
+            <a:endParaRPr lang="en-US" b="1" dirty="0" smtClean="0"/>
+          </a:p>
+          <a:p>
+            <a:r>
+              <a:rPr lang="en-US" b="1" dirty="0" smtClean="0"/>
+              <a:t>ISourceViewerExtension5</a:t>
+            </a:r>
+          </a:p>
+          <a:p>
+            <a:r>
+              <a:rPr lang="en-US" dirty="0" smtClean="0"/>
+              <a:t>Use of </a:t>
+            </a:r>
+            <a:r>
+              <a:rPr lang="en-US" b="1" dirty="0" err="1" smtClean="0"/>
+              <a:t>CompletableFuture</a:t>
+            </a:r>
+            <a:r>
+              <a:rPr lang="en-US" b="1" dirty="0" smtClean="0"/>
+              <a:t>:</a:t>
+            </a:r>
+          </a:p>
+          <a:p>
+            <a:pPr lvl="1"/>
+            <a:r>
+              <a:rPr lang="en-US" b="1" dirty="0" err="1" smtClean="0"/>
+              <a:t>ICodeMiningProvider#provideCodeMinings</a:t>
+            </a:r>
+            <a:r>
+              <a:rPr lang="en-US" b="1" dirty="0" smtClean="0"/>
+              <a:t> </a:t>
+            </a:r>
+            <a:r>
+              <a:rPr lang="en-US" dirty="0" smtClean="0"/>
+              <a:t>to create code </a:t>
+            </a:r>
+            <a:r>
+              <a:rPr lang="en-US" dirty="0" err="1" smtClean="0"/>
+              <a:t>minings</a:t>
+            </a:r>
+            <a:r>
+              <a:rPr lang="en-US" dirty="0" smtClean="0"/>
+              <a:t> instances with position</a:t>
+            </a:r>
+          </a:p>
+          <a:p>
+            <a:pPr lvl="2"/>
+            <a:r>
+              <a:rPr lang="en-US" dirty="0" smtClean="0"/>
+              <a:t>must be fast: to avoid not creating other mining of other code mining provider.</a:t>
+            </a:r>
+          </a:p>
+          <a:p>
+            <a:pPr lvl="1"/>
+            <a:r>
+              <a:rPr lang="en-US" b="1" dirty="0" err="1" smtClean="0"/>
+              <a:t>ICodeMining#resolve</a:t>
+            </a:r>
+            <a:r>
+              <a:rPr lang="en-US" b="1" dirty="0" smtClean="0"/>
+              <a:t>: </a:t>
+            </a:r>
+            <a:r>
+              <a:rPr lang="en-US" dirty="0" smtClean="0"/>
+              <a:t>to resolve content of mining if it takes time</a:t>
+            </a:r>
+          </a:p>
+          <a:p>
+            <a:pPr lvl="2"/>
+            <a:r>
+              <a:rPr lang="en-US" dirty="0" smtClean="0"/>
+              <a:t>can be slow</a:t>
+            </a:r>
+          </a:p>
+          <a:p>
+            <a:endParaRPr lang="en-US" b="1" dirty="0" smtClean="0"/>
+          </a:p>
+          <a:p>
+            <a:pPr marL="0" indent="0">
+              <a:buNone/>
+            </a:pPr>
+            <a:endParaRPr lang="fr-FR" dirty="0"/>
+          </a:p>
+        </p:txBody>
+      </p:sp>
+    </p:spTree>
+    <p:extLst>
+      <p:ext uri="{BB962C8B-B14F-4D97-AF65-F5344CB8AC3E}">
+        <p14:creationId xmlns:p14="http://schemas.microsoft.com/office/powerpoint/2010/main" val="4230650484"/>
+      </p:ext>
+    </p:extLst>
+  </p:cSld>
+  <p:clrMapOvr>
+    <a:masterClrMapping/>
+  </p:clrMapOvr>
+  <p:timing>
+    <p:tnLst>
+      <p:par>
+        <p:cTn id="1" dur="indefinite" restart="never" nodeType="tmRoot"/>
+      </p:par>
+    </p:tnLst>
+  </p:timing>
+</p:sld>
+</file>
+
+<file path=ppt/slides/slide13.xml><?xml version="1.0" encoding="utf-8"?>
+<p:sld xmlns:a="http://schemas.openxmlformats.org/drawingml/2006/main" xmlns:r="http://schemas.openxmlformats.org/officeDocument/2006/relationships" xmlns:p="http://schemas.openxmlformats.org/presentationml/2006/main">
+  <p:cSld>
+    <p:spTree>
+      <p:nvGrpSpPr>
+        <p:cNvPr id="1" name=""/>
+        <p:cNvGrpSpPr/>
+        <p:nvPr/>
+      </p:nvGrpSpPr>
+      <p:grpSpPr>
+        <a:xfrm>
+          <a:off x="0" y="0"/>
+          <a:ext cx="0" cy="0"/>
+          <a:chOff x="0" y="0"/>
+          <a:chExt cx="0" cy="0"/>
+        </a:xfrm>
+      </p:grpSpPr>
+      <p:sp>
+        <p:nvSpPr>
+          <p:cNvPr id="2" name="Titre 1"/>
+          <p:cNvSpPr>
+            <a:spLocks noGrp="1"/>
+          </p:cNvSpPr>
+          <p:nvPr>
+            <p:ph type="title"/>
+          </p:nvPr>
+        </p:nvSpPr>
+        <p:spPr/>
+        <p:txBody>
+          <a:bodyPr>
+            <a:normAutofit fontScale="90000"/>
+          </a:bodyPr>
+          <a:lstStyle/>
+          <a:p>
+            <a:r>
+              <a:rPr lang="fr-FR" dirty="0" smtClean="0"/>
+              <a:t>Code Mining – API - </a:t>
+            </a:r>
+            <a:r>
+              <a:rPr lang="fr-FR" dirty="0" err="1" smtClean="0"/>
+              <a:t>ICodeMining</a:t>
+            </a:r>
+            <a:endParaRPr lang="fr-FR" dirty="0"/>
+          </a:p>
+        </p:txBody>
+      </p:sp>
+      <p:sp>
+        <p:nvSpPr>
+          <p:cNvPr id="3" name="Espace réservé du contenu 2"/>
+          <p:cNvSpPr>
+            <a:spLocks noGrp="1"/>
+          </p:cNvSpPr>
+          <p:nvPr>
+            <p:ph idx="1"/>
+          </p:nvPr>
+        </p:nvSpPr>
+        <p:spPr/>
+        <p:txBody>
+          <a:bodyPr>
+            <a:normAutofit/>
+          </a:bodyPr>
+          <a:lstStyle/>
+          <a:p>
+            <a:r>
+              <a:rPr lang="en-US" b="1" dirty="0" err="1" smtClean="0"/>
+              <a:t>AbstractCodeMining</a:t>
+            </a:r>
+            <a:r>
+              <a:rPr lang="en-US" b="1" dirty="0" smtClean="0"/>
+              <a:t>  </a:t>
+            </a:r>
+            <a:r>
+              <a:rPr lang="en-US" dirty="0" smtClean="0"/>
+              <a:t>is base class:</a:t>
+            </a:r>
+          </a:p>
+          <a:p>
+            <a:pPr lvl="1"/>
+            <a:r>
+              <a:rPr lang="en-US" dirty="0" smtClean="0"/>
+              <a:t>Several methods like </a:t>
+            </a:r>
+          </a:p>
+          <a:p>
+            <a:pPr lvl="2"/>
+            <a:r>
+              <a:rPr lang="en-US" b="1" dirty="0" err="1" smtClean="0"/>
+              <a:t>setLabel</a:t>
+            </a:r>
+            <a:r>
+              <a:rPr lang="en-US" dirty="0" smtClean="0"/>
+              <a:t> : set the text content of the annotation</a:t>
+            </a:r>
+          </a:p>
+          <a:p>
+            <a:pPr lvl="2"/>
+            <a:r>
+              <a:rPr lang="en-US" b="1" dirty="0" smtClean="0"/>
+              <a:t>draw</a:t>
+            </a:r>
+            <a:r>
+              <a:rPr lang="en-US" dirty="0" smtClean="0"/>
+              <a:t> : by default draw the set text, can be </a:t>
+            </a:r>
+            <a:r>
+              <a:rPr lang="en-US" dirty="0" err="1" smtClean="0"/>
+              <a:t>overrided</a:t>
+            </a:r>
+            <a:r>
+              <a:rPr lang="en-US" dirty="0" smtClean="0"/>
+              <a:t> to draw anything</a:t>
+            </a:r>
+          </a:p>
+          <a:p>
+            <a:pPr lvl="2"/>
+            <a:r>
+              <a:rPr lang="en-US" b="1" dirty="0" err="1" smtClean="0"/>
+              <a:t>getAction</a:t>
+            </a:r>
+            <a:r>
+              <a:rPr lang="en-US" dirty="0" smtClean="0"/>
+              <a:t>: implement it to bind an action on click of the mining</a:t>
+            </a:r>
+          </a:p>
+          <a:p>
+            <a:pPr lvl="1"/>
+            <a:r>
+              <a:rPr lang="en-US" dirty="0" smtClean="0"/>
+              <a:t>2 code mining kinds which extends </a:t>
+            </a:r>
+            <a:r>
+              <a:rPr lang="en-US" b="1" dirty="0" err="1"/>
+              <a:t>AbstractCodeMining</a:t>
+            </a:r>
+            <a:r>
+              <a:rPr lang="en-US" b="1" dirty="0"/>
+              <a:t> </a:t>
+            </a:r>
+            <a:r>
+              <a:rPr lang="en-US" dirty="0" smtClean="0"/>
+              <a:t>:</a:t>
+            </a:r>
+          </a:p>
+          <a:p>
+            <a:pPr lvl="2"/>
+            <a:r>
+              <a:rPr lang="en-US" b="1" dirty="0" err="1" smtClean="0"/>
+              <a:t>LineHeaderCodeMining</a:t>
+            </a:r>
+            <a:endParaRPr lang="en-US" b="1" dirty="0"/>
+          </a:p>
+          <a:p>
+            <a:pPr lvl="2"/>
+            <a:r>
+              <a:rPr lang="en-US" b="1" dirty="0" err="1" smtClean="0"/>
+              <a:t>LineContentCodeMining</a:t>
+            </a:r>
+            <a:endParaRPr lang="en-US" b="1" dirty="0" smtClean="0"/>
+          </a:p>
+          <a:p>
+            <a:pPr marL="0" indent="0">
+              <a:buNone/>
+            </a:pPr>
+            <a:endParaRPr lang="fr-FR" dirty="0"/>
+          </a:p>
+        </p:txBody>
+      </p:sp>
+    </p:spTree>
+    <p:extLst>
+      <p:ext uri="{BB962C8B-B14F-4D97-AF65-F5344CB8AC3E}">
+        <p14:creationId xmlns:p14="http://schemas.microsoft.com/office/powerpoint/2010/main" val="899491159"/>
+      </p:ext>
+    </p:extLst>
+  </p:cSld>
+  <p:clrMapOvr>
+    <a:masterClrMapping/>
+  </p:clrMapOvr>
+  <p:timing>
+    <p:tnLst>
+      <p:par>
+        <p:cTn id="1" dur="indefinite" restart="never" nodeType="tmRoot"/>
+      </p:par>
+    </p:tnLst>
+  </p:timing>
+</p:sld>
+</file>
+
+<file path=ppt/slides/slide14.xml><?xml version="1.0" encoding="utf-8"?>
+<p:sld xmlns:a="http://schemas.openxmlformats.org/drawingml/2006/main" xmlns:r="http://schemas.openxmlformats.org/officeDocument/2006/relationships" xmlns:p="http://schemas.openxmlformats.org/presentationml/2006/main">
+  <p:cSld>
+    <p:spTree>
+      <p:nvGrpSpPr>
+        <p:cNvPr id="1" name=""/>
+        <p:cNvGrpSpPr/>
+        <p:nvPr/>
+      </p:nvGrpSpPr>
+      <p:grpSpPr>
+        <a:xfrm>
+          <a:off x="0" y="0"/>
+          <a:ext cx="0" cy="0"/>
+          <a:chOff x="0" y="0"/>
+          <a:chExt cx="0" cy="0"/>
+        </a:xfrm>
+      </p:grpSpPr>
+      <p:sp>
+        <p:nvSpPr>
+          <p:cNvPr id="2" name="Titre 1"/>
+          <p:cNvSpPr>
+            <a:spLocks noGrp="1"/>
+          </p:cNvSpPr>
+          <p:nvPr>
+            <p:ph type="title"/>
+          </p:nvPr>
+        </p:nvSpPr>
+        <p:spPr/>
+        <p:txBody>
+          <a:bodyPr>
+            <a:normAutofit fontScale="90000"/>
+          </a:bodyPr>
+          <a:lstStyle/>
+          <a:p>
+            <a:r>
+              <a:rPr lang="fr-FR" dirty="0" smtClean="0"/>
+              <a:t>Code Mining – API- </a:t>
+            </a:r>
+            <a:r>
+              <a:rPr lang="en-US" dirty="0" err="1"/>
+              <a:t>ICodeMiningProvider</a:t>
+            </a:r>
+            <a:endParaRPr lang="fr-FR" dirty="0"/>
+          </a:p>
+        </p:txBody>
+      </p:sp>
+      <p:sp>
+        <p:nvSpPr>
+          <p:cNvPr id="5" name="Espace réservé du contenu 4"/>
+          <p:cNvSpPr>
+            <a:spLocks noGrp="1"/>
+          </p:cNvSpPr>
+          <p:nvPr>
+            <p:ph idx="1"/>
+          </p:nvPr>
+        </p:nvSpPr>
+        <p:spPr/>
+        <p:txBody>
+          <a:bodyPr/>
+          <a:lstStyle/>
+          <a:p>
+            <a:r>
+              <a:rPr lang="fr-FR" dirty="0" err="1" smtClean="0"/>
+              <a:t>Factory</a:t>
+            </a:r>
+            <a:r>
+              <a:rPr lang="fr-FR" dirty="0" smtClean="0"/>
+              <a:t> to </a:t>
+            </a:r>
+            <a:r>
+              <a:rPr lang="fr-FR" dirty="0" err="1" smtClean="0"/>
+              <a:t>create</a:t>
+            </a:r>
+            <a:r>
+              <a:rPr lang="fr-FR" dirty="0" smtClean="0"/>
+              <a:t> </a:t>
+            </a:r>
+            <a:r>
+              <a:rPr lang="fr-FR" dirty="0" err="1" smtClean="0"/>
+              <a:t>minings</a:t>
+            </a:r>
+            <a:r>
+              <a:rPr lang="fr-FR" dirty="0" smtClean="0"/>
+              <a:t> (</a:t>
+            </a:r>
+            <a:r>
+              <a:rPr lang="fr-FR" dirty="0" err="1" smtClean="0"/>
+              <a:t>resolved</a:t>
+            </a:r>
+            <a:r>
+              <a:rPr lang="fr-FR" dirty="0" smtClean="0"/>
+              <a:t> or not)</a:t>
+            </a:r>
+            <a:endParaRPr lang="fr-FR" dirty="0"/>
+          </a:p>
+        </p:txBody>
+      </p:sp>
+      <p:pic>
+        <p:nvPicPr>
+          <p:cNvPr id="6" name="Espace réservé du contenu 3"/>
+          <p:cNvPicPr>
+            <a:picLocks noChangeAspect="1"/>
+          </p:cNvPicPr>
+          <p:nvPr/>
+        </p:nvPicPr>
+        <p:blipFill>
+          <a:blip r:embed="rId2"/>
+          <a:stretch>
+            <a:fillRect/>
+          </a:stretch>
+        </p:blipFill>
+        <p:spPr>
+          <a:xfrm>
+            <a:off x="1043608" y="1347614"/>
+            <a:ext cx="6291718" cy="3131006"/>
+          </a:xfrm>
+          <a:prstGeom prst="rect">
+            <a:avLst/>
+          </a:prstGeom>
+        </p:spPr>
+      </p:pic>
+    </p:spTree>
+    <p:extLst>
+      <p:ext uri="{BB962C8B-B14F-4D97-AF65-F5344CB8AC3E}">
+        <p14:creationId xmlns:p14="http://schemas.microsoft.com/office/powerpoint/2010/main" val="1308937201"/>
+      </p:ext>
+    </p:extLst>
+  </p:cSld>
+  <p:clrMapOvr>
+    <a:masterClrMapping/>
+  </p:clrMapOvr>
+  <p:timing>
+    <p:tnLst>
+      <p:par>
+        <p:cTn id="1" dur="indefinite" restart="never" nodeType="tmRoot"/>
+      </p:par>
+    </p:tnLst>
+  </p:timing>
+</p:sld>
+</file>
+
+<file path=ppt/slides/slide15.xml><?xml version="1.0" encoding="utf-8"?>
+<p:sld xmlns:a="http://schemas.openxmlformats.org/drawingml/2006/main" xmlns:r="http://schemas.openxmlformats.org/officeDocument/2006/relationships" xmlns:p="http://schemas.openxmlformats.org/presentationml/2006/main">
+  <p:cSld>
+    <p:spTree>
+      <p:nvGrpSpPr>
+        <p:cNvPr id="1" name=""/>
+        <p:cNvGrpSpPr/>
+        <p:nvPr/>
+      </p:nvGrpSpPr>
+      <p:grpSpPr>
+        <a:xfrm>
+          <a:off x="0" y="0"/>
+          <a:ext cx="0" cy="0"/>
+          <a:chOff x="0" y="0"/>
+          <a:chExt cx="0" cy="0"/>
+        </a:xfrm>
+      </p:grpSpPr>
+      <p:sp>
+        <p:nvSpPr>
+          <p:cNvPr id="2" name="Titre 1"/>
+          <p:cNvSpPr>
+            <a:spLocks noGrp="1"/>
+          </p:cNvSpPr>
+          <p:nvPr>
+            <p:ph type="title"/>
+          </p:nvPr>
+        </p:nvSpPr>
+        <p:spPr/>
+        <p:txBody>
+          <a:bodyPr>
+            <a:normAutofit fontScale="90000"/>
+          </a:bodyPr>
+          <a:lstStyle/>
+          <a:p>
+            <a:r>
+              <a:rPr lang="fr-FR" dirty="0" smtClean="0"/>
+              <a:t>Code Mining – API - </a:t>
+            </a:r>
+            <a:r>
+              <a:rPr lang="fr-FR" dirty="0"/>
+              <a:t>ISourceViewerExtension5</a:t>
+            </a:r>
+          </a:p>
+        </p:txBody>
+      </p:sp>
+      <p:sp>
+        <p:nvSpPr>
+          <p:cNvPr id="6" name="Espace réservé du contenu 5"/>
+          <p:cNvSpPr>
+            <a:spLocks noGrp="1"/>
+          </p:cNvSpPr>
+          <p:nvPr>
+            <p:ph idx="1"/>
+          </p:nvPr>
+        </p:nvSpPr>
+        <p:spPr/>
+        <p:txBody>
+          <a:bodyPr/>
+          <a:lstStyle/>
+          <a:p>
+            <a:r>
+              <a:rPr lang="fr-FR" dirty="0" err="1" smtClean="0"/>
+              <a:t>Used</a:t>
+            </a:r>
+            <a:r>
+              <a:rPr lang="fr-FR" dirty="0" smtClean="0"/>
+              <a:t> to manage </a:t>
+            </a:r>
+            <a:r>
+              <a:rPr lang="fr-FR" dirty="0" err="1" smtClean="0"/>
+              <a:t>minings</a:t>
+            </a:r>
+            <a:endParaRPr lang="fr-FR" dirty="0" smtClean="0"/>
+          </a:p>
+          <a:p>
+            <a:r>
+              <a:rPr lang="fr-FR" dirty="0" err="1" smtClean="0"/>
+              <a:t>Register</a:t>
+            </a:r>
+            <a:r>
+              <a:rPr lang="fr-FR" dirty="0" smtClean="0"/>
+              <a:t> code </a:t>
+            </a:r>
+            <a:r>
+              <a:rPr lang="fr-FR" dirty="0" err="1" smtClean="0"/>
+              <a:t>mining</a:t>
+            </a:r>
+            <a:r>
+              <a:rPr lang="fr-FR" dirty="0" smtClean="0"/>
+              <a:t> providers</a:t>
+            </a:r>
+          </a:p>
+          <a:p>
+            <a:r>
+              <a:rPr lang="fr-FR" dirty="0" smtClean="0"/>
+              <a:t>Update code </a:t>
+            </a:r>
+            <a:r>
+              <a:rPr lang="fr-FR" dirty="0" err="1" smtClean="0"/>
+              <a:t>minings</a:t>
+            </a:r>
+            <a:endParaRPr lang="fr-FR" dirty="0"/>
+          </a:p>
+        </p:txBody>
+      </p:sp>
+      <p:pic>
+        <p:nvPicPr>
+          <p:cNvPr id="7" name="Espace réservé du contenu 4"/>
+          <p:cNvPicPr>
+            <a:picLocks noChangeAspect="1"/>
+          </p:cNvPicPr>
+          <p:nvPr/>
+        </p:nvPicPr>
+        <p:blipFill>
+          <a:blip r:embed="rId2"/>
+          <a:stretch>
+            <a:fillRect/>
+          </a:stretch>
+        </p:blipFill>
+        <p:spPr>
+          <a:xfrm>
+            <a:off x="4499992" y="987574"/>
+            <a:ext cx="4134669" cy="3213358"/>
+          </a:xfrm>
+          <a:prstGeom prst="rect">
+            <a:avLst/>
+          </a:prstGeom>
+        </p:spPr>
+      </p:pic>
+    </p:spTree>
+    <p:extLst>
+      <p:ext uri="{BB962C8B-B14F-4D97-AF65-F5344CB8AC3E}">
+        <p14:creationId xmlns:p14="http://schemas.microsoft.com/office/powerpoint/2010/main" val="1920999867"/>
+      </p:ext>
+    </p:extLst>
+  </p:cSld>
+  <p:clrMapOvr>
+    <a:masterClrMapping/>
+  </p:clrMapOvr>
+  <p:timing>
+    <p:tnLst>
+      <p:par>
+        <p:cTn id="1" dur="indefinite" restart="never" nodeType="tmRoot"/>
+      </p:par>
+    </p:tnLst>
+  </p:timing>
+</p:sld>
+</file>
+
+<file path=ppt/slides/slide16.xml><?xml version="1.0" encoding="utf-8"?>
+<p:sld xmlns:a="http://schemas.openxmlformats.org/drawingml/2006/main" xmlns:r="http://schemas.openxmlformats.org/officeDocument/2006/relationships" xmlns:p="http://schemas.openxmlformats.org/presentationml/2006/main">
+  <p:cSld>
+    <p:spTree>
+      <p:nvGrpSpPr>
+        <p:cNvPr id="1" name=""/>
+        <p:cNvGrpSpPr/>
+        <p:nvPr/>
+      </p:nvGrpSpPr>
+      <p:grpSpPr>
+        <a:xfrm>
+          <a:off x="0" y="0"/>
+          <a:ext cx="0" cy="0"/>
+          <a:chOff x="0" y="0"/>
+          <a:chExt cx="0" cy="0"/>
+        </a:xfrm>
+      </p:grpSpPr>
+      <p:sp>
+        <p:nvSpPr>
+          <p:cNvPr id="2" name="Titre 1"/>
+          <p:cNvSpPr>
+            <a:spLocks noGrp="1"/>
+          </p:cNvSpPr>
+          <p:nvPr>
+            <p:ph type="title"/>
+          </p:nvPr>
+        </p:nvSpPr>
+        <p:spPr/>
+        <p:txBody>
+          <a:bodyPr>
+            <a:normAutofit fontScale="90000"/>
+          </a:bodyPr>
+          <a:lstStyle/>
+          <a:p>
+            <a:r>
+              <a:rPr lang="fr-FR" dirty="0" smtClean="0"/>
               <a:t>Code Mining - API</a:t>
+            </a:r>
+            <a:endParaRPr lang="fr-FR" dirty="0"/>
+          </a:p>
+        </p:txBody>
+      </p:sp>
+      <p:sp>
+        <p:nvSpPr>
+          <p:cNvPr id="3" name="Espace réservé du contenu 2"/>
+          <p:cNvSpPr>
+            <a:spLocks noGrp="1"/>
+          </p:cNvSpPr>
+          <p:nvPr>
+            <p:ph idx="1"/>
+          </p:nvPr>
+        </p:nvSpPr>
+        <p:spPr/>
+        <p:txBody>
+          <a:bodyPr>
+            <a:normAutofit/>
+          </a:bodyPr>
+          <a:lstStyle/>
+          <a:p>
+            <a:r>
+              <a:rPr lang="fr-FR" dirty="0" err="1" smtClean="0"/>
+              <a:t>Study</a:t>
+            </a:r>
+            <a:r>
+              <a:rPr lang="fr-FR" dirty="0" smtClean="0"/>
+              <a:t> API </a:t>
+            </a:r>
+            <a:r>
+              <a:rPr lang="fr-FR" dirty="0" err="1" smtClean="0"/>
+              <a:t>with</a:t>
+            </a:r>
+            <a:r>
+              <a:rPr lang="fr-FR" dirty="0" smtClean="0"/>
+              <a:t> </a:t>
+            </a:r>
+            <a:r>
+              <a:rPr lang="fr-FR" b="1" dirty="0" err="1" smtClean="0"/>
+              <a:t>CalculatorWithCodeMining</a:t>
+            </a:r>
+            <a:endParaRPr lang="fr-FR" b="1" dirty="0" smtClean="0"/>
+          </a:p>
+          <a:p>
+            <a:endParaRPr lang="fr-FR" b="1" dirty="0"/>
+          </a:p>
+          <a:p>
+            <a:endParaRPr lang="fr-FR" b="1" dirty="0" smtClean="0"/>
+          </a:p>
+          <a:p>
+            <a:endParaRPr lang="fr-FR" b="1" dirty="0" smtClean="0"/>
+          </a:p>
+          <a:p>
+            <a:endParaRPr lang="fr-FR" b="1" dirty="0"/>
+          </a:p>
+          <a:p>
+            <a:endParaRPr lang="fr-FR" b="1" dirty="0" smtClean="0"/>
+          </a:p>
+          <a:p>
+            <a:endParaRPr lang="en-US" b="1" dirty="0" smtClean="0"/>
+          </a:p>
+          <a:p>
+            <a:pPr marL="0" indent="0">
+              <a:buNone/>
+            </a:pPr>
+            <a:endParaRPr lang="fr-FR" dirty="0"/>
+          </a:p>
+        </p:txBody>
+      </p:sp>
+      <p:pic>
+        <p:nvPicPr>
+          <p:cNvPr id="4" name="Image 3"/>
+          <p:cNvPicPr>
+            <a:picLocks noChangeAspect="1"/>
+          </p:cNvPicPr>
+          <p:nvPr/>
+        </p:nvPicPr>
+        <p:blipFill>
+          <a:blip r:embed="rId2"/>
+          <a:stretch>
+            <a:fillRect/>
+          </a:stretch>
+        </p:blipFill>
+        <p:spPr>
+          <a:xfrm>
+            <a:off x="611560" y="1347614"/>
+            <a:ext cx="3543300" cy="600075"/>
+          </a:xfrm>
+          <a:prstGeom prst="rect">
+            <a:avLst/>
+          </a:prstGeom>
+        </p:spPr>
+      </p:pic>
+      <p:pic>
+        <p:nvPicPr>
+          <p:cNvPr id="5" name="Image 4"/>
+          <p:cNvPicPr>
+            <a:picLocks noChangeAspect="1"/>
+          </p:cNvPicPr>
+          <p:nvPr/>
+        </p:nvPicPr>
+        <p:blipFill>
+          <a:blip r:embed="rId3"/>
+          <a:stretch>
+            <a:fillRect/>
+          </a:stretch>
+        </p:blipFill>
+        <p:spPr>
+          <a:xfrm>
+            <a:off x="4514901" y="1335604"/>
+            <a:ext cx="2609850" cy="828675"/>
+          </a:xfrm>
+          <a:prstGeom prst="rect">
+            <a:avLst/>
+          </a:prstGeom>
+        </p:spPr>
+      </p:pic>
+      <p:pic>
+        <p:nvPicPr>
+          <p:cNvPr id="9" name="Image 8"/>
+          <p:cNvPicPr>
+            <a:picLocks noChangeAspect="1"/>
+          </p:cNvPicPr>
+          <p:nvPr/>
+        </p:nvPicPr>
+        <p:blipFill>
+          <a:blip r:embed="rId4"/>
+          <a:stretch>
+            <a:fillRect/>
+          </a:stretch>
+        </p:blipFill>
+        <p:spPr>
+          <a:xfrm>
+            <a:off x="395536" y="3503634"/>
+            <a:ext cx="7960641" cy="1013791"/>
+          </a:xfrm>
+          <a:prstGeom prst="rect">
+            <a:avLst/>
+          </a:prstGeom>
+        </p:spPr>
+      </p:pic>
+      <p:pic>
+        <p:nvPicPr>
+          <p:cNvPr id="11" name="Image 10"/>
+          <p:cNvPicPr>
+            <a:picLocks noChangeAspect="1"/>
+          </p:cNvPicPr>
+          <p:nvPr/>
+        </p:nvPicPr>
+        <p:blipFill>
+          <a:blip r:embed="rId5"/>
+          <a:stretch>
+            <a:fillRect/>
+          </a:stretch>
+        </p:blipFill>
+        <p:spPr>
+          <a:xfrm>
+            <a:off x="5149620" y="2206238"/>
+            <a:ext cx="4638880" cy="1025305"/>
+          </a:xfrm>
+          <a:prstGeom prst="rect">
+            <a:avLst/>
+          </a:prstGeom>
+        </p:spPr>
+      </p:pic>
+      <p:pic>
+        <p:nvPicPr>
+          <p:cNvPr id="12" name="Image 11"/>
+          <p:cNvPicPr>
+            <a:picLocks noChangeAspect="1"/>
+          </p:cNvPicPr>
+          <p:nvPr/>
+        </p:nvPicPr>
+        <p:blipFill>
+          <a:blip r:embed="rId6"/>
+          <a:stretch>
+            <a:fillRect/>
+          </a:stretch>
+        </p:blipFill>
+        <p:spPr>
+          <a:xfrm>
+            <a:off x="217284" y="2327495"/>
+            <a:ext cx="4926262" cy="720080"/>
+          </a:xfrm>
+          <a:prstGeom prst="rect">
+            <a:avLst/>
+          </a:prstGeom>
+        </p:spPr>
+      </p:pic>
+    </p:spTree>
+    <p:extLst>
+      <p:ext uri="{BB962C8B-B14F-4D97-AF65-F5344CB8AC3E}">
+        <p14:creationId xmlns:p14="http://schemas.microsoft.com/office/powerpoint/2010/main" val="1308991731"/>
+      </p:ext>
+    </p:extLst>
+  </p:cSld>
+  <p:clrMapOvr>
+    <a:masterClrMapping/>
+  </p:clrMapOvr>
+  <p:timing>
+    <p:tnLst>
+      <p:par>
+        <p:cTn id="1" dur="indefinite" restart="never" nodeType="tmRoot"/>
+      </p:par>
+    </p:tnLst>
+  </p:timing>
+</p:sld>
+</file>
+
+<file path=ppt/slides/slide17.xml><?xml version="1.0" encoding="utf-8"?>
+<p:sld xmlns:a="http://schemas.openxmlformats.org/drawingml/2006/main" xmlns:r="http://schemas.openxmlformats.org/officeDocument/2006/relationships" xmlns:p="http://schemas.openxmlformats.org/presentationml/2006/main">
+  <p:cSld>
+    <p:spTree>
+      <p:nvGrpSpPr>
+        <p:cNvPr id="1" name=""/>
+        <p:cNvGrpSpPr/>
+        <p:nvPr/>
+      </p:nvGrpSpPr>
+      <p:grpSpPr>
+        <a:xfrm>
+          <a:off x="0" y="0"/>
+          <a:ext cx="0" cy="0"/>
+          <a:chOff x="0" y="0"/>
+          <a:chExt cx="0" cy="0"/>
+        </a:xfrm>
+      </p:grpSpPr>
+      <p:sp>
+        <p:nvSpPr>
+          <p:cNvPr id="2" name="Titre 1"/>
+          <p:cNvSpPr>
+            <a:spLocks noGrp="1"/>
+          </p:cNvSpPr>
+          <p:nvPr>
+            <p:ph type="title"/>
+          </p:nvPr>
+        </p:nvSpPr>
+        <p:spPr/>
+        <p:txBody>
+          <a:bodyPr>
+            <a:normAutofit fontScale="90000"/>
+          </a:bodyPr>
+          <a:lstStyle/>
+          <a:p>
+            <a:r>
+              <a:rPr lang="fr-FR" dirty="0" smtClean="0"/>
+              <a:t>Code Mining and </a:t>
+            </a:r>
+            <a:r>
+              <a:rPr lang="fr-FR" dirty="0" err="1" smtClean="0"/>
+              <a:t>resolved</a:t>
+            </a:r>
+            <a:endParaRPr lang="fr-FR" dirty="0"/>
+          </a:p>
+        </p:txBody>
+      </p:sp>
+      <p:sp>
+        <p:nvSpPr>
+          <p:cNvPr id="7" name="Espace réservé du contenu 6"/>
+          <p:cNvSpPr>
+            <a:spLocks noGrp="1"/>
+          </p:cNvSpPr>
+          <p:nvPr>
+            <p:ph idx="1"/>
+          </p:nvPr>
+        </p:nvSpPr>
+        <p:spPr/>
+        <p:txBody>
+          <a:bodyPr>
+            <a:normAutofit fontScale="92500" lnSpcReduction="10000"/>
+          </a:bodyPr>
+          <a:lstStyle/>
+          <a:p>
+            <a:r>
+              <a:rPr lang="fr-FR" b="1" dirty="0" err="1" smtClean="0"/>
+              <a:t>ICodeMining#isResolved</a:t>
+            </a:r>
+            <a:r>
+              <a:rPr lang="fr-FR" b="1" dirty="0" smtClean="0"/>
+              <a:t>()</a:t>
+            </a:r>
+          </a:p>
+          <a:p>
+            <a:r>
+              <a:rPr lang="fr-FR" dirty="0" smtClean="0"/>
+              <a:t>A code </a:t>
+            </a:r>
+            <a:r>
+              <a:rPr lang="fr-FR" dirty="0" err="1" smtClean="0"/>
+              <a:t>mining</a:t>
+            </a:r>
+            <a:r>
+              <a:rPr lang="fr-FR" dirty="0" smtClean="0"/>
+              <a:t> </a:t>
+            </a:r>
+            <a:r>
+              <a:rPr lang="fr-FR" dirty="0" err="1" smtClean="0"/>
+              <a:t>is</a:t>
+            </a:r>
+            <a:r>
+              <a:rPr lang="fr-FR" dirty="0" smtClean="0"/>
+              <a:t> </a:t>
+            </a:r>
+            <a:r>
+              <a:rPr lang="fr-FR" b="1" dirty="0" err="1" smtClean="0"/>
+              <a:t>resolved</a:t>
+            </a:r>
+            <a:r>
+              <a:rPr lang="fr-FR" dirty="0" smtClean="0"/>
+              <a:t> </a:t>
+            </a:r>
+            <a:r>
+              <a:rPr lang="fr-FR" dirty="0" err="1" smtClean="0"/>
+              <a:t>when</a:t>
+            </a:r>
+            <a:r>
+              <a:rPr lang="fr-FR" dirty="0" smtClean="0"/>
+              <a:t> </a:t>
+            </a:r>
+            <a:r>
+              <a:rPr lang="fr-FR" dirty="0" err="1" smtClean="0"/>
+              <a:t>her</a:t>
+            </a:r>
+            <a:r>
+              <a:rPr lang="fr-FR" dirty="0" smtClean="0"/>
+              <a:t> </a:t>
+            </a:r>
+            <a:r>
+              <a:rPr lang="fr-FR" b="1" dirty="0" smtClean="0"/>
+              <a:t>content </a:t>
+            </a:r>
+            <a:r>
+              <a:rPr lang="fr-FR" b="1" dirty="0" err="1" smtClean="0"/>
+              <a:t>is</a:t>
+            </a:r>
+            <a:r>
+              <a:rPr lang="fr-FR" b="1" dirty="0" smtClean="0"/>
+              <a:t> </a:t>
+            </a:r>
+            <a:r>
+              <a:rPr lang="fr-FR" b="1" dirty="0" err="1" smtClean="0"/>
+              <a:t>ready</a:t>
+            </a:r>
+            <a:r>
+              <a:rPr lang="fr-FR" dirty="0" smtClean="0"/>
+              <a:t>.</a:t>
+            </a:r>
+          </a:p>
+          <a:p>
+            <a:r>
+              <a:rPr lang="fr-FR" dirty="0" smtClean="0"/>
+              <a:t>A code </a:t>
+            </a:r>
+            <a:r>
+              <a:rPr lang="fr-FR" dirty="0" err="1" smtClean="0"/>
+              <a:t>mining</a:t>
+            </a:r>
+            <a:r>
+              <a:rPr lang="fr-FR" dirty="0" smtClean="0"/>
+              <a:t> </a:t>
+            </a:r>
+            <a:r>
+              <a:rPr lang="fr-FR" dirty="0" err="1" smtClean="0"/>
+              <a:t>is</a:t>
+            </a:r>
+            <a:r>
+              <a:rPr lang="fr-FR" dirty="0" smtClean="0"/>
+              <a:t> </a:t>
+            </a:r>
+            <a:r>
+              <a:rPr lang="fr-FR" b="1" dirty="0" err="1" smtClean="0"/>
+              <a:t>drawn</a:t>
+            </a:r>
+            <a:r>
+              <a:rPr lang="fr-FR" dirty="0" smtClean="0"/>
+              <a:t> </a:t>
+            </a:r>
+            <a:r>
+              <a:rPr lang="fr-FR" dirty="0" err="1" smtClean="0"/>
+              <a:t>when</a:t>
+            </a:r>
+            <a:r>
+              <a:rPr lang="fr-FR" dirty="0" smtClean="0"/>
+              <a:t> </a:t>
+            </a:r>
+            <a:r>
+              <a:rPr lang="fr-FR" dirty="0" err="1" smtClean="0"/>
+              <a:t>it</a:t>
+            </a:r>
+            <a:r>
+              <a:rPr lang="fr-FR" dirty="0" smtClean="0"/>
+              <a:t> </a:t>
+            </a:r>
+            <a:r>
+              <a:rPr lang="fr-FR" dirty="0" err="1" smtClean="0"/>
+              <a:t>is</a:t>
+            </a:r>
+            <a:r>
+              <a:rPr lang="fr-FR" dirty="0" smtClean="0"/>
+              <a:t> </a:t>
+            </a:r>
+            <a:r>
+              <a:rPr lang="fr-FR" b="1" dirty="0" err="1" smtClean="0"/>
+              <a:t>resolved</a:t>
+            </a:r>
+            <a:endParaRPr lang="fr-FR" b="1" dirty="0" smtClean="0"/>
+          </a:p>
+          <a:p>
+            <a:r>
+              <a:rPr lang="fr-FR" b="1" dirty="0" smtClean="0"/>
+              <a:t>Label</a:t>
+            </a:r>
+            <a:r>
+              <a:rPr lang="fr-FR" dirty="0" smtClean="0"/>
+              <a:t> of code </a:t>
+            </a:r>
+            <a:r>
+              <a:rPr lang="fr-FR" dirty="0" err="1" smtClean="0"/>
+              <a:t>mining</a:t>
+            </a:r>
+            <a:r>
+              <a:rPr lang="fr-FR" dirty="0" smtClean="0"/>
+              <a:t> </a:t>
+            </a:r>
+            <a:r>
+              <a:rPr lang="fr-FR" dirty="0" err="1" smtClean="0"/>
+              <a:t>is</a:t>
+            </a:r>
+            <a:r>
+              <a:rPr lang="fr-FR" dirty="0" smtClean="0"/>
+              <a:t> important (</a:t>
+            </a:r>
+            <a:r>
+              <a:rPr lang="fr-FR" dirty="0" err="1" smtClean="0"/>
+              <a:t>even</a:t>
+            </a:r>
+            <a:r>
+              <a:rPr lang="fr-FR" dirty="0" smtClean="0"/>
+              <a:t> if </a:t>
+            </a:r>
+            <a:r>
+              <a:rPr lang="fr-FR" dirty="0" err="1" smtClean="0"/>
+              <a:t>it</a:t>
+            </a:r>
+            <a:r>
+              <a:rPr lang="fr-FR" dirty="0" smtClean="0"/>
+              <a:t> </a:t>
+            </a:r>
+            <a:r>
+              <a:rPr lang="fr-FR" dirty="0" err="1" smtClean="0"/>
+              <a:t>is</a:t>
+            </a:r>
+            <a:r>
+              <a:rPr lang="fr-FR" dirty="0" smtClean="0"/>
+              <a:t> not </a:t>
+            </a:r>
+            <a:r>
+              <a:rPr lang="fr-FR" dirty="0" err="1" smtClean="0"/>
+              <a:t>drawn</a:t>
+            </a:r>
+            <a:r>
+              <a:rPr lang="fr-FR" dirty="0" smtClean="0"/>
+              <a:t>):</a:t>
+            </a:r>
+          </a:p>
+          <a:p>
+            <a:pPr lvl="1"/>
+            <a:r>
+              <a:rPr lang="fr-FR" b="1" dirty="0" err="1" smtClean="0"/>
+              <a:t>null</a:t>
+            </a:r>
+            <a:r>
+              <a:rPr lang="fr-FR" dirty="0" smtClean="0"/>
+              <a:t>: </a:t>
+            </a:r>
+            <a:r>
+              <a:rPr lang="fr-FR" dirty="0" err="1" smtClean="0"/>
+              <a:t>means</a:t>
+            </a:r>
+            <a:r>
+              <a:rPr lang="fr-FR" dirty="0" smtClean="0"/>
+              <a:t> </a:t>
+            </a:r>
+            <a:r>
+              <a:rPr lang="fr-FR" dirty="0" err="1" smtClean="0"/>
+              <a:t>that</a:t>
+            </a:r>
+            <a:r>
+              <a:rPr lang="fr-FR" dirty="0" smtClean="0"/>
+              <a:t> </a:t>
+            </a:r>
+            <a:r>
+              <a:rPr lang="fr-FR" dirty="0" err="1" smtClean="0"/>
+              <a:t>mining</a:t>
+            </a:r>
+            <a:r>
+              <a:rPr lang="fr-FR" dirty="0" smtClean="0"/>
+              <a:t> </a:t>
+            </a:r>
+            <a:r>
+              <a:rPr lang="fr-FR" dirty="0" err="1" smtClean="0"/>
+              <a:t>is</a:t>
+            </a:r>
+            <a:r>
+              <a:rPr lang="fr-FR" dirty="0" smtClean="0"/>
+              <a:t> </a:t>
+            </a:r>
+            <a:r>
+              <a:rPr lang="fr-FR" b="1" dirty="0" smtClean="0"/>
+              <a:t>not </a:t>
+            </a:r>
+            <a:r>
+              <a:rPr lang="fr-FR" b="1" dirty="0" err="1" smtClean="0"/>
+              <a:t>resolved</a:t>
+            </a:r>
+            <a:endParaRPr lang="fr-FR" b="1" dirty="0" smtClean="0"/>
+          </a:p>
+          <a:p>
+            <a:pPr lvl="1"/>
+            <a:r>
+              <a:rPr lang="fr-FR" b="1" dirty="0" smtClean="0"/>
+              <a:t>‘’</a:t>
+            </a:r>
+            <a:r>
+              <a:rPr lang="fr-FR" dirty="0" smtClean="0"/>
+              <a:t> (</a:t>
+            </a:r>
+            <a:r>
+              <a:rPr lang="fr-FR" dirty="0" err="1" smtClean="0"/>
+              <a:t>empty</a:t>
+            </a:r>
+            <a:r>
+              <a:rPr lang="fr-FR" dirty="0" smtClean="0"/>
+              <a:t>): </a:t>
+            </a:r>
+            <a:r>
+              <a:rPr lang="fr-FR" dirty="0" err="1" smtClean="0"/>
+              <a:t>means</a:t>
+            </a:r>
+            <a:r>
+              <a:rPr lang="fr-FR" dirty="0" smtClean="0"/>
+              <a:t> </a:t>
+            </a:r>
+            <a:r>
+              <a:rPr lang="fr-FR" dirty="0" err="1" smtClean="0"/>
+              <a:t>that</a:t>
+            </a:r>
+            <a:r>
+              <a:rPr lang="fr-FR" dirty="0" smtClean="0"/>
+              <a:t> </a:t>
+            </a:r>
+            <a:r>
+              <a:rPr lang="fr-FR" dirty="0" err="1" smtClean="0"/>
+              <a:t>mining</a:t>
+            </a:r>
+            <a:r>
+              <a:rPr lang="fr-FR" dirty="0" smtClean="0"/>
+              <a:t> </a:t>
+            </a:r>
+            <a:r>
+              <a:rPr lang="fr-FR" dirty="0" err="1" smtClean="0"/>
+              <a:t>is</a:t>
+            </a:r>
+            <a:r>
+              <a:rPr lang="fr-FR" dirty="0" smtClean="0"/>
+              <a:t> </a:t>
+            </a:r>
+            <a:r>
+              <a:rPr lang="fr-FR" b="1" dirty="0" smtClean="0"/>
+              <a:t>not visible</a:t>
+            </a:r>
+          </a:p>
+          <a:p>
+            <a:pPr lvl="1"/>
+            <a:r>
+              <a:rPr lang="fr-FR" b="1" dirty="0" err="1" smtClean="0"/>
+              <a:t>filled</a:t>
+            </a:r>
+            <a:r>
+              <a:rPr lang="fr-FR" dirty="0" smtClean="0"/>
+              <a:t> : </a:t>
+            </a:r>
+            <a:r>
+              <a:rPr lang="fr-FR" dirty="0" err="1" smtClean="0"/>
+              <a:t>means</a:t>
+            </a:r>
+            <a:r>
+              <a:rPr lang="fr-FR" dirty="0" smtClean="0"/>
+              <a:t> </a:t>
+            </a:r>
+            <a:r>
+              <a:rPr lang="fr-FR" dirty="0" err="1" smtClean="0"/>
+              <a:t>that</a:t>
+            </a:r>
+            <a:r>
+              <a:rPr lang="fr-FR" dirty="0" smtClean="0"/>
+              <a:t> </a:t>
+            </a:r>
+            <a:r>
+              <a:rPr lang="fr-FR" dirty="0" err="1" smtClean="0"/>
+              <a:t>mining</a:t>
+            </a:r>
+            <a:r>
+              <a:rPr lang="fr-FR" dirty="0" smtClean="0"/>
+              <a:t> </a:t>
+            </a:r>
+            <a:r>
+              <a:rPr lang="fr-FR" dirty="0" err="1" smtClean="0"/>
+              <a:t>is</a:t>
+            </a:r>
+            <a:r>
+              <a:rPr lang="fr-FR" dirty="0" smtClean="0"/>
+              <a:t> </a:t>
+            </a:r>
+            <a:r>
+              <a:rPr lang="fr-FR" b="1" dirty="0" err="1" smtClean="0"/>
+              <a:t>resolved</a:t>
+            </a:r>
+            <a:endParaRPr lang="fr-FR" b="1" dirty="0" smtClean="0"/>
+          </a:p>
+          <a:p>
+            <a:r>
+              <a:rPr lang="fr-FR" dirty="0" smtClean="0"/>
+              <a:t>In the </a:t>
+            </a:r>
+            <a:r>
+              <a:rPr lang="fr-FR" dirty="0" err="1" smtClean="0"/>
+              <a:t>codeming</a:t>
+            </a:r>
+            <a:r>
+              <a:rPr lang="fr-FR" dirty="0" smtClean="0"/>
+              <a:t> provider:</a:t>
+            </a:r>
+          </a:p>
+          <a:p>
+            <a:pPr lvl="1"/>
+            <a:r>
+              <a:rPr lang="fr-FR" dirty="0" smtClean="0"/>
+              <a:t>Update the label of </a:t>
+            </a:r>
+            <a:r>
+              <a:rPr lang="fr-FR" dirty="0" err="1" smtClean="0"/>
+              <a:t>mining</a:t>
+            </a:r>
+            <a:r>
+              <a:rPr lang="fr-FR" dirty="0"/>
+              <a:t>,</a:t>
+            </a:r>
+            <a:r>
+              <a:rPr lang="fr-FR" dirty="0" smtClean="0"/>
+              <a:t> </a:t>
+            </a:r>
+            <a:r>
+              <a:rPr lang="fr-FR" dirty="0" smtClean="0"/>
+              <a:t>if </a:t>
+            </a:r>
+            <a:r>
+              <a:rPr lang="fr-FR" dirty="0" err="1" smtClean="0"/>
+              <a:t>it</a:t>
+            </a:r>
+            <a:r>
+              <a:rPr lang="fr-FR" dirty="0" smtClean="0"/>
+              <a:t> </a:t>
+            </a:r>
+            <a:r>
+              <a:rPr lang="fr-FR" dirty="0" err="1" smtClean="0"/>
+              <a:t>fast</a:t>
+            </a:r>
+            <a:r>
+              <a:rPr lang="fr-FR" dirty="0" smtClean="0"/>
+              <a:t> </a:t>
+            </a:r>
+            <a:r>
+              <a:rPr lang="fr-FR" dirty="0" err="1" smtClean="0"/>
+              <a:t>with</a:t>
+            </a:r>
+            <a:r>
+              <a:rPr lang="fr-FR" dirty="0" smtClean="0"/>
+              <a:t> </a:t>
+            </a:r>
+            <a:r>
+              <a:rPr lang="fr-FR" b="1" dirty="0" err="1" smtClean="0"/>
+              <a:t>ICodeMining#setLabel</a:t>
+            </a:r>
+            <a:endParaRPr lang="fr-FR" b="1" dirty="0" smtClean="0"/>
+          </a:p>
+          <a:p>
+            <a:pPr lvl="1"/>
+            <a:r>
+              <a:rPr lang="fr-FR" dirty="0" smtClean="0"/>
+              <a:t>Or </a:t>
+            </a:r>
+            <a:r>
+              <a:rPr lang="fr-FR" dirty="0" err="1" smtClean="0"/>
+              <a:t>implement</a:t>
+            </a:r>
+            <a:r>
+              <a:rPr lang="fr-FR" dirty="0" smtClean="0"/>
+              <a:t> </a:t>
+            </a:r>
+            <a:r>
+              <a:rPr lang="fr-FR" b="1" dirty="0" err="1" smtClean="0"/>
+              <a:t>AbstractCodeMining#doResolve</a:t>
+            </a:r>
+            <a:r>
+              <a:rPr lang="fr-FR" dirty="0" smtClean="0"/>
+              <a:t> if label </a:t>
+            </a:r>
+            <a:r>
+              <a:rPr lang="fr-FR" dirty="0" err="1" smtClean="0"/>
+              <a:t>compute</a:t>
+            </a:r>
+            <a:r>
+              <a:rPr lang="fr-FR" dirty="0" smtClean="0"/>
+              <a:t> </a:t>
+            </a:r>
+            <a:r>
+              <a:rPr lang="fr-FR" dirty="0" err="1" smtClean="0"/>
+              <a:t>takes</a:t>
+            </a:r>
+            <a:r>
+              <a:rPr lang="fr-FR" dirty="0" smtClean="0"/>
+              <a:t> time</a:t>
+            </a:r>
+            <a:endParaRPr lang="fr-FR" dirty="0"/>
+          </a:p>
+        </p:txBody>
+      </p:sp>
+    </p:spTree>
+    <p:extLst>
+      <p:ext uri="{BB962C8B-B14F-4D97-AF65-F5344CB8AC3E}">
+        <p14:creationId xmlns:p14="http://schemas.microsoft.com/office/powerpoint/2010/main" val="1483875494"/>
+      </p:ext>
+    </p:extLst>
+  </p:cSld>
+  <p:clrMapOvr>
+    <a:masterClrMapping/>
+  </p:clrMapOvr>
+  <p:timing>
+    <p:tnLst>
+      <p:par>
+        <p:cTn id="1" dur="indefinite" restart="never" nodeType="tmRoot"/>
+      </p:par>
+    </p:tnLst>
+  </p:timing>
+</p:sld>
+</file>
+
+<file path=ppt/slides/slide18.xml><?xml version="1.0" encoding="utf-8"?>
+<p:sld xmlns:a="http://schemas.openxmlformats.org/drawingml/2006/main" xmlns:r="http://schemas.openxmlformats.org/officeDocument/2006/relationships" xmlns:p="http://schemas.openxmlformats.org/presentationml/2006/main">
+  <p:cSld>
+    <p:spTree>
+      <p:nvGrpSpPr>
+        <p:cNvPr id="1" name=""/>
+        <p:cNvGrpSpPr/>
+        <p:nvPr/>
+      </p:nvGrpSpPr>
+      <p:grpSpPr>
+        <a:xfrm>
+          <a:off x="0" y="0"/>
+          <a:ext cx="0" cy="0"/>
+          <a:chOff x="0" y="0"/>
+          <a:chExt cx="0" cy="0"/>
+        </a:xfrm>
+      </p:grpSpPr>
+      <p:sp>
+        <p:nvSpPr>
+          <p:cNvPr id="2" name="Titre 1"/>
+          <p:cNvSpPr>
+            <a:spLocks noGrp="1"/>
+          </p:cNvSpPr>
+          <p:nvPr>
+            <p:ph type="title"/>
+          </p:nvPr>
+        </p:nvSpPr>
+        <p:spPr/>
+        <p:txBody>
+          <a:bodyPr>
+            <a:normAutofit fontScale="90000"/>
+          </a:bodyPr>
+          <a:lstStyle/>
+          <a:p>
+            <a:r>
+              <a:rPr lang="fr-FR" dirty="0" err="1" smtClean="0"/>
+              <a:t>Adnaced</a:t>
+            </a:r>
+            <a:r>
+              <a:rPr lang="fr-FR" dirty="0" smtClean="0"/>
+              <a:t> Code Mining - </a:t>
+            </a:r>
+            <a:r>
+              <a:rPr lang="fr-FR" dirty="0" err="1" smtClean="0"/>
+              <a:t>Demo</a:t>
             </a:r>
             <a:endParaRPr lang="fr-FR" dirty="0"/>
           </a:p>
@@ -14184,197 +15707,66 @@
           <a:lstStyle/>
           <a:p>
             <a:r>
-              <a:rPr lang="fr-FR" dirty="0" err="1" smtClean="0"/>
-              <a:t>Draw</a:t>
-            </a:r>
-            <a:r>
-              <a:rPr lang="fr-FR" dirty="0" smtClean="0"/>
-              <a:t> </a:t>
-            </a:r>
-            <a:r>
-              <a:rPr lang="fr-FR" dirty="0" err="1" smtClean="0"/>
-              <a:t>inlined</a:t>
-            </a:r>
-            <a:r>
-              <a:rPr lang="fr-FR" dirty="0" smtClean="0"/>
-              <a:t> annotation:</a:t>
+              <a:rPr lang="en-US" dirty="0"/>
+              <a:t>The example </a:t>
+            </a:r>
+            <a:r>
+              <a:rPr lang="en-US" dirty="0" err="1" smtClean="0">
+                <a:hlinkClick r:id="rId2"/>
+              </a:rPr>
+              <a:t>CodeMiningDemo</a:t>
+            </a:r>
+            <a:r>
+              <a:rPr lang="en-US" dirty="0"/>
+              <a:t> shows in action:</a:t>
             </a:r>
           </a:p>
           <a:p>
             <a:pPr lvl="1"/>
             <a:r>
-              <a:rPr lang="fr-FR" dirty="0" smtClean="0"/>
-              <a:t>Line header</a:t>
-            </a:r>
-          </a:p>
-          <a:p>
-            <a:pPr lvl="1"/>
-            <a:r>
-              <a:rPr lang="fr-FR" dirty="0" smtClean="0"/>
-              <a:t>Line content</a:t>
-            </a:r>
-          </a:p>
-          <a:p>
-            <a:r>
-              <a:rPr lang="fr-FR" dirty="0" err="1" smtClean="0"/>
-              <a:t>Takes</a:t>
-            </a:r>
-            <a:r>
-              <a:rPr lang="fr-FR" dirty="0" smtClean="0"/>
-              <a:t> care of performance by </a:t>
-            </a:r>
-            <a:r>
-              <a:rPr lang="fr-FR" dirty="0" err="1" smtClean="0"/>
-              <a:t>using</a:t>
-            </a:r>
-            <a:r>
-              <a:rPr lang="fr-FR" dirty="0" smtClean="0"/>
-              <a:t> </a:t>
-            </a:r>
-            <a:r>
-              <a:rPr lang="fr-FR" dirty="0" err="1" smtClean="0"/>
-              <a:t>CompletableFuture</a:t>
-            </a:r>
-            <a:r>
-              <a:rPr lang="fr-FR" dirty="0" smtClean="0"/>
-              <a:t>:</a:t>
-            </a:r>
-          </a:p>
-          <a:p>
-            <a:pPr lvl="1"/>
-            <a:r>
-              <a:rPr lang="fr-FR" dirty="0" err="1" smtClean="0"/>
-              <a:t>Provide</a:t>
-            </a:r>
-            <a:r>
-              <a:rPr lang="fr-FR" dirty="0" smtClean="0"/>
-              <a:t> </a:t>
-            </a:r>
-            <a:r>
-              <a:rPr lang="fr-FR" dirty="0" err="1" smtClean="0"/>
-              <a:t>list</a:t>
-            </a:r>
-            <a:r>
-              <a:rPr lang="fr-FR" dirty="0" smtClean="0"/>
-              <a:t> of all </a:t>
-            </a:r>
-            <a:r>
-              <a:rPr lang="fr-FR" dirty="0" err="1" smtClean="0"/>
-              <a:t>minings</a:t>
-            </a:r>
-            <a:r>
-              <a:rPr lang="fr-FR" dirty="0" smtClean="0"/>
-              <a:t> of the document:</a:t>
-            </a:r>
-          </a:p>
-          <a:p>
-            <a:pPr lvl="2"/>
-            <a:r>
-              <a:rPr lang="fr-FR" dirty="0" err="1" smtClean="0"/>
-              <a:t>Compute</a:t>
-            </a:r>
-            <a:r>
-              <a:rPr lang="fr-FR" dirty="0" smtClean="0"/>
-              <a:t> position </a:t>
-            </a:r>
-            <a:r>
-              <a:rPr lang="fr-FR" dirty="0" err="1" smtClean="0"/>
-              <a:t>where</a:t>
-            </a:r>
-            <a:r>
-              <a:rPr lang="fr-FR" dirty="0" smtClean="0"/>
-              <a:t> </a:t>
-            </a:r>
-            <a:r>
-              <a:rPr lang="fr-FR" dirty="0" err="1" smtClean="0"/>
-              <a:t>mining</a:t>
-            </a:r>
-            <a:r>
-              <a:rPr lang="fr-FR" dirty="0" smtClean="0"/>
-              <a:t> must </a:t>
-            </a:r>
-            <a:r>
-              <a:rPr lang="fr-FR" dirty="0" err="1" smtClean="0"/>
-              <a:t>be</a:t>
-            </a:r>
-            <a:r>
-              <a:rPr lang="fr-FR" dirty="0" smtClean="0"/>
-              <a:t> </a:t>
-            </a:r>
-            <a:r>
-              <a:rPr lang="fr-FR" dirty="0" err="1" smtClean="0"/>
-              <a:t>drawn</a:t>
-            </a:r>
-            <a:r>
-              <a:rPr lang="fr-FR" dirty="0" smtClean="0"/>
-              <a:t> (provider)</a:t>
-            </a:r>
-          </a:p>
-          <a:p>
-            <a:pPr lvl="1"/>
-            <a:r>
-              <a:rPr lang="fr-FR" dirty="0" err="1" smtClean="0"/>
-              <a:t>Resolve</a:t>
-            </a:r>
-            <a:r>
-              <a:rPr lang="fr-FR" dirty="0" smtClean="0"/>
-              <a:t> </a:t>
-            </a:r>
-            <a:r>
-              <a:rPr lang="fr-FR" dirty="0" err="1" smtClean="0"/>
-              <a:t>only</a:t>
-            </a:r>
-            <a:r>
-              <a:rPr lang="fr-FR" dirty="0" smtClean="0"/>
-              <a:t> visible </a:t>
-            </a:r>
-            <a:r>
-              <a:rPr lang="fr-FR" dirty="0" err="1" smtClean="0"/>
-              <a:t>mining</a:t>
-            </a:r>
-            <a:r>
-              <a:rPr lang="fr-FR" dirty="0" smtClean="0"/>
-              <a:t>:</a:t>
-            </a:r>
-          </a:p>
-          <a:p>
-            <a:pPr lvl="2"/>
-            <a:r>
-              <a:rPr lang="fr-FR" dirty="0" err="1"/>
-              <a:t>t</a:t>
-            </a:r>
-            <a:r>
-              <a:rPr lang="fr-FR" dirty="0" err="1" smtClean="0"/>
-              <a:t>hen</a:t>
-            </a:r>
-            <a:r>
-              <a:rPr lang="fr-FR" dirty="0" smtClean="0"/>
-              <a:t> </a:t>
-            </a:r>
-            <a:r>
-              <a:rPr lang="fr-FR" dirty="0" err="1" smtClean="0"/>
-              <a:t>draw</a:t>
-            </a:r>
-            <a:r>
-              <a:rPr lang="fr-FR" dirty="0" smtClean="0"/>
-              <a:t> </a:t>
-            </a:r>
-            <a:r>
-              <a:rPr lang="fr-FR" dirty="0" err="1" smtClean="0"/>
-              <a:t>only</a:t>
-            </a:r>
-            <a:r>
-              <a:rPr lang="fr-FR" dirty="0" smtClean="0"/>
-              <a:t> the visible </a:t>
-            </a:r>
-            <a:r>
-              <a:rPr lang="fr-FR" dirty="0" err="1" smtClean="0"/>
-              <a:t>lines</a:t>
-            </a:r>
-            <a:endParaRPr lang="fr-FR" dirty="0"/>
+              <a:rPr lang="en-US" b="1" dirty="0" err="1" smtClean="0"/>
+              <a:t>LineHeaderCodeMining</a:t>
+            </a:r>
+            <a:r>
+              <a:rPr lang="en-US" b="1" dirty="0" smtClean="0"/>
+              <a:t>: </a:t>
+            </a:r>
+            <a:r>
+              <a:rPr lang="en-US" dirty="0" smtClean="0"/>
+              <a:t>which can take some time to compute </a:t>
+            </a:r>
+            <a:r>
+              <a:rPr lang="en-US" dirty="0" smtClean="0"/>
+              <a:t>label</a:t>
+            </a:r>
+            <a:endParaRPr lang="en-US" dirty="0"/>
           </a:p>
         </p:txBody>
       </p:sp>
+      <p:pic>
+        <p:nvPicPr>
+          <p:cNvPr id="4" name="Image 3"/>
+          <p:cNvPicPr>
+            <a:picLocks noChangeAspect="1"/>
+          </p:cNvPicPr>
+          <p:nvPr/>
+        </p:nvPicPr>
+        <p:blipFill>
+          <a:blip r:embed="rId3"/>
+          <a:stretch>
+            <a:fillRect/>
+          </a:stretch>
+        </p:blipFill>
+        <p:spPr>
+          <a:xfrm>
+            <a:off x="1187624" y="1694433"/>
+            <a:ext cx="6191250" cy="2971800"/>
+          </a:xfrm>
+          <a:prstGeom prst="rect">
+            <a:avLst/>
+          </a:prstGeom>
+        </p:spPr>
+      </p:pic>
     </p:spTree>
     <p:extLst>
       <p:ext uri="{BB962C8B-B14F-4D97-AF65-F5344CB8AC3E}">
@@ -14395,7 +15787,852 @@
 </p:sld>
 </file>
 
-<file path=ppt/slides/slide13.xml><?xml version="1.0" encoding="utf-8"?>
+<file path=ppt/slides/slide19.xml><?xml version="1.0" encoding="utf-8"?>
+<p:sld xmlns:a="http://schemas.openxmlformats.org/drawingml/2006/main" xmlns:r="http://schemas.openxmlformats.org/officeDocument/2006/relationships" xmlns:p="http://schemas.openxmlformats.org/presentationml/2006/main">
+  <p:cSld>
+    <p:spTree>
+      <p:nvGrpSpPr>
+        <p:cNvPr id="1" name=""/>
+        <p:cNvGrpSpPr/>
+        <p:nvPr/>
+      </p:nvGrpSpPr>
+      <p:grpSpPr>
+        <a:xfrm>
+          <a:off x="0" y="0"/>
+          <a:ext cx="0" cy="0"/>
+          <a:chOff x="0" y="0"/>
+          <a:chExt cx="0" cy="0"/>
+        </a:xfrm>
+      </p:grpSpPr>
+      <p:sp>
+        <p:nvSpPr>
+          <p:cNvPr id="2" name="Titre 1"/>
+          <p:cNvSpPr>
+            <a:spLocks noGrp="1"/>
+          </p:cNvSpPr>
+          <p:nvPr>
+            <p:ph type="title"/>
+          </p:nvPr>
+        </p:nvSpPr>
+        <p:spPr/>
+        <p:txBody>
+          <a:bodyPr>
+            <a:normAutofit fontScale="90000"/>
+          </a:bodyPr>
+          <a:lstStyle/>
+          <a:p>
+            <a:r>
+              <a:rPr lang="fr-FR" dirty="0" smtClean="0"/>
+              <a:t>Code Mining – Extension Point</a:t>
+            </a:r>
+            <a:endParaRPr lang="fr-FR" dirty="0"/>
+          </a:p>
+        </p:txBody>
+      </p:sp>
+      <p:sp>
+        <p:nvSpPr>
+          <p:cNvPr id="3" name="Espace réservé du contenu 2"/>
+          <p:cNvSpPr>
+            <a:spLocks noGrp="1"/>
+          </p:cNvSpPr>
+          <p:nvPr>
+            <p:ph idx="1"/>
+          </p:nvPr>
+        </p:nvSpPr>
+        <p:spPr/>
+        <p:txBody>
+          <a:bodyPr/>
+          <a:lstStyle/>
+          <a:p>
+            <a:r>
+              <a:rPr lang="fr-FR" dirty="0" err="1" smtClean="0"/>
+              <a:t>Work</a:t>
+            </a:r>
+            <a:r>
+              <a:rPr lang="fr-FR" dirty="0" smtClean="0"/>
+              <a:t> with </a:t>
+            </a:r>
+            <a:r>
+              <a:rPr lang="fr-FR" dirty="0" err="1" smtClean="0"/>
+              <a:t>any</a:t>
+            </a:r>
+            <a:r>
+              <a:rPr lang="fr-FR" dirty="0" smtClean="0"/>
+              <a:t> editor</a:t>
+            </a:r>
+          </a:p>
+          <a:p>
+            <a:r>
+              <a:rPr lang="fr-FR" b="1" smtClean="0"/>
+              <a:t>org.eclipse.ui.workbench.texteditor.codeminingProviders</a:t>
+            </a:r>
+            <a:r>
+              <a:rPr lang="fr-FR" dirty="0" smtClean="0"/>
+              <a:t> </a:t>
+            </a:r>
+            <a:r>
+              <a:rPr lang="fr-FR" dirty="0" smtClean="0"/>
+              <a:t>extension point</a:t>
+            </a:r>
+          </a:p>
+          <a:p>
+            <a:r>
+              <a:rPr lang="fr-FR" dirty="0" err="1" smtClean="0"/>
+              <a:t>See</a:t>
+            </a:r>
+            <a:r>
+              <a:rPr lang="fr-FR" dirty="0" smtClean="0"/>
+              <a:t> </a:t>
+            </a:r>
+            <a:r>
+              <a:rPr lang="fr-FR" dirty="0" err="1" smtClean="0"/>
+              <a:t>generic</a:t>
+            </a:r>
+            <a:r>
+              <a:rPr lang="fr-FR" dirty="0" smtClean="0"/>
+              <a:t> </a:t>
+            </a:r>
+            <a:r>
+              <a:rPr lang="fr-FR" dirty="0" smtClean="0"/>
+              <a:t>editor </a:t>
+            </a:r>
+            <a:r>
+              <a:rPr lang="fr-FR" dirty="0" err="1" smtClean="0"/>
+              <a:t>sample</a:t>
+            </a:r>
+            <a:r>
+              <a:rPr lang="fr-FR" dirty="0" smtClean="0"/>
+              <a:t> </a:t>
+            </a:r>
+            <a:r>
+              <a:rPr lang="fr-FR" dirty="0" err="1" smtClean="0"/>
+              <a:t>dotproject</a:t>
+            </a:r>
+            <a:endParaRPr lang="fr-FR" dirty="0" smtClean="0"/>
+          </a:p>
+          <a:p>
+            <a:endParaRPr lang="fr-FR" dirty="0"/>
+          </a:p>
+        </p:txBody>
+      </p:sp>
+      <p:pic>
+        <p:nvPicPr>
+          <p:cNvPr id="4" name="Image 3"/>
+          <p:cNvPicPr>
+            <a:picLocks noChangeAspect="1"/>
+          </p:cNvPicPr>
+          <p:nvPr/>
+        </p:nvPicPr>
+        <p:blipFill>
+          <a:blip r:embed="rId2"/>
+          <a:stretch>
+            <a:fillRect/>
+          </a:stretch>
+        </p:blipFill>
+        <p:spPr>
+          <a:xfrm>
+            <a:off x="452461" y="2283718"/>
+            <a:ext cx="8244408" cy="2157977"/>
+          </a:xfrm>
+          <a:prstGeom prst="rect">
+            <a:avLst/>
+          </a:prstGeom>
+        </p:spPr>
+      </p:pic>
+    </p:spTree>
+    <p:extLst>
+      <p:ext uri="{BB962C8B-B14F-4D97-AF65-F5344CB8AC3E}">
+        <p14:creationId xmlns:p14="http://schemas.microsoft.com/office/powerpoint/2010/main" val="2985741839"/>
+      </p:ext>
+    </p:extLst>
+  </p:cSld>
+  <p:clrMapOvr>
+    <a:masterClrMapping/>
+  </p:clrMapOvr>
+  <p:timing>
+    <p:tnLst>
+      <p:par>
+        <p:cTn id="1" dur="indefinite" restart="never" nodeType="tmRoot"/>
+      </p:par>
+    </p:tnLst>
+  </p:timing>
+</p:sld>
+</file>
+
+<file path=ppt/slides/slide2.xml><?xml version="1.0" encoding="utf-8"?>
+<p:sld xmlns:a="http://schemas.openxmlformats.org/drawingml/2006/main" xmlns:r="http://schemas.openxmlformats.org/officeDocument/2006/relationships" xmlns:p="http://schemas.openxmlformats.org/presentationml/2006/main">
+  <p:cSld>
+    <p:spTree>
+      <p:nvGrpSpPr>
+        <p:cNvPr id="1" name=""/>
+        <p:cNvGrpSpPr/>
+        <p:nvPr/>
+      </p:nvGrpSpPr>
+      <p:grpSpPr>
+        <a:xfrm>
+          <a:off x="0" y="0"/>
+          <a:ext cx="0" cy="0"/>
+          <a:chOff x="0" y="0"/>
+          <a:chExt cx="0" cy="0"/>
+        </a:xfrm>
+      </p:grpSpPr>
+      <p:sp>
+        <p:nvSpPr>
+          <p:cNvPr id="2" name="Titre 1"/>
+          <p:cNvSpPr>
+            <a:spLocks noGrp="1"/>
+          </p:cNvSpPr>
+          <p:nvPr>
+            <p:ph type="title"/>
+          </p:nvPr>
+        </p:nvSpPr>
+        <p:spPr/>
+        <p:txBody>
+          <a:bodyPr>
+            <a:normAutofit fontScale="90000"/>
+          </a:bodyPr>
+          <a:lstStyle/>
+          <a:p>
+            <a:r>
+              <a:rPr lang="fr-FR" dirty="0" smtClean="0"/>
+              <a:t>About me…</a:t>
+            </a:r>
+            <a:endParaRPr lang="fr-FR" dirty="0"/>
+          </a:p>
+        </p:txBody>
+      </p:sp>
+      <p:sp>
+        <p:nvSpPr>
+          <p:cNvPr id="3" name="Espace réservé du contenu 2"/>
+          <p:cNvSpPr>
+            <a:spLocks noGrp="1"/>
+          </p:cNvSpPr>
+          <p:nvPr>
+            <p:ph idx="1"/>
+          </p:nvPr>
+        </p:nvSpPr>
+        <p:spPr/>
+        <p:txBody>
+          <a:bodyPr>
+            <a:normAutofit fontScale="92500" lnSpcReduction="10000"/>
+          </a:bodyPr>
+          <a:lstStyle/>
+          <a:p>
+            <a:r>
+              <a:rPr lang="fr-FR" dirty="0" err="1" smtClean="0"/>
+              <a:t>Working</a:t>
+            </a:r>
+            <a:r>
+              <a:rPr lang="fr-FR" dirty="0" smtClean="0"/>
+              <a:t> at </a:t>
+            </a:r>
+            <a:r>
+              <a:rPr lang="fr-FR" b="1" dirty="0" err="1" smtClean="0"/>
+              <a:t>Sodifrance</a:t>
+            </a:r>
+            <a:r>
+              <a:rPr lang="fr-FR" dirty="0" smtClean="0"/>
+              <a:t> </a:t>
+            </a:r>
+            <a:r>
+              <a:rPr lang="fr-FR" dirty="0" err="1" smtClean="0"/>
+              <a:t>company</a:t>
+            </a:r>
+            <a:endParaRPr lang="fr-FR" dirty="0" smtClean="0"/>
+          </a:p>
+          <a:p>
+            <a:r>
+              <a:rPr lang="fr-FR" b="1" dirty="0" smtClean="0"/>
+              <a:t>Java EE / RCP </a:t>
+            </a:r>
+            <a:r>
+              <a:rPr lang="fr-FR" b="1" dirty="0" err="1" smtClean="0"/>
+              <a:t>developer</a:t>
+            </a:r>
+            <a:endParaRPr lang="fr-FR" b="1" dirty="0" smtClean="0"/>
+          </a:p>
+          <a:p>
+            <a:r>
+              <a:rPr lang="fr-FR" dirty="0" smtClean="0"/>
+              <a:t>Eclipse </a:t>
+            </a:r>
+            <a:r>
+              <a:rPr lang="fr-FR" b="1" dirty="0" smtClean="0"/>
+              <a:t>contribution</a:t>
+            </a:r>
+            <a:r>
+              <a:rPr lang="fr-FR" dirty="0" smtClean="0"/>
+              <a:t>, </a:t>
+            </a:r>
+            <a:r>
+              <a:rPr lang="fr-FR" dirty="0" err="1" smtClean="0"/>
+              <a:t>creator</a:t>
+            </a:r>
+            <a:r>
+              <a:rPr lang="fr-FR" dirty="0" smtClean="0"/>
+              <a:t> of:</a:t>
+            </a:r>
+          </a:p>
+          <a:p>
+            <a:pPr lvl="1"/>
+            <a:r>
+              <a:rPr lang="fr-FR" dirty="0" smtClean="0"/>
+              <a:t>E4 CSS </a:t>
+            </a:r>
+            <a:r>
+              <a:rPr lang="fr-FR" dirty="0" err="1" smtClean="0"/>
+              <a:t>engine</a:t>
+            </a:r>
+            <a:endParaRPr lang="fr-FR" dirty="0" smtClean="0"/>
+          </a:p>
+          <a:p>
+            <a:pPr lvl="1"/>
+            <a:r>
+              <a:rPr lang="fr-FR" dirty="0" smtClean="0">
+                <a:hlinkClick r:id="rId2"/>
+              </a:rPr>
+              <a:t>WTP JSON Editor</a:t>
+            </a:r>
+            <a:endParaRPr lang="fr-FR" dirty="0" smtClean="0"/>
+          </a:p>
+          <a:p>
+            <a:pPr lvl="1"/>
+            <a:r>
+              <a:rPr lang="fr-FR" dirty="0" smtClean="0">
+                <a:hlinkClick r:id="rId3"/>
+              </a:rPr>
+              <a:t>Code Mining</a:t>
+            </a:r>
+            <a:endParaRPr lang="fr-FR" dirty="0" smtClean="0"/>
+          </a:p>
+          <a:p>
+            <a:pPr lvl="1"/>
+            <a:r>
+              <a:rPr lang="fr-FR" dirty="0" smtClean="0">
+                <a:hlinkClick r:id="rId4"/>
+              </a:rPr>
+              <a:t>TM4e</a:t>
+            </a:r>
+            <a:r>
+              <a:rPr lang="fr-FR" dirty="0" smtClean="0"/>
+              <a:t> (</a:t>
+            </a:r>
+            <a:r>
+              <a:rPr lang="fr-FR" dirty="0" err="1" smtClean="0"/>
+              <a:t>Syntax</a:t>
+            </a:r>
+            <a:r>
+              <a:rPr lang="fr-FR" dirty="0" smtClean="0"/>
+              <a:t> </a:t>
+            </a:r>
+            <a:r>
+              <a:rPr lang="fr-FR" dirty="0" err="1" smtClean="0"/>
+              <a:t>color</a:t>
+            </a:r>
+            <a:r>
+              <a:rPr lang="fr-FR" dirty="0" smtClean="0"/>
+              <a:t> with </a:t>
+            </a:r>
+            <a:r>
+              <a:rPr lang="fr-FR" dirty="0" err="1" smtClean="0"/>
+              <a:t>TextMate</a:t>
+            </a:r>
+            <a:r>
+              <a:rPr lang="fr-FR" dirty="0" smtClean="0"/>
+              <a:t> </a:t>
+            </a:r>
+            <a:r>
+              <a:rPr lang="fr-FR" dirty="0" err="1" smtClean="0"/>
+              <a:t>grammar</a:t>
+            </a:r>
+            <a:r>
+              <a:rPr lang="fr-FR" dirty="0" smtClean="0"/>
+              <a:t>)</a:t>
+            </a:r>
+          </a:p>
+          <a:p>
+            <a:r>
+              <a:rPr lang="fr-FR" dirty="0" err="1" smtClean="0"/>
+              <a:t>Other</a:t>
+            </a:r>
+            <a:r>
+              <a:rPr lang="fr-FR" dirty="0" smtClean="0"/>
+              <a:t> </a:t>
+            </a:r>
+            <a:r>
+              <a:rPr lang="fr-FR" b="1" dirty="0" smtClean="0"/>
+              <a:t>Eclipse plugins</a:t>
+            </a:r>
+            <a:r>
+              <a:rPr lang="fr-FR" dirty="0" smtClean="0"/>
+              <a:t>, </a:t>
+            </a:r>
+            <a:r>
+              <a:rPr lang="fr-FR" dirty="0" err="1"/>
+              <a:t>creator</a:t>
+            </a:r>
+            <a:r>
+              <a:rPr lang="fr-FR" dirty="0"/>
+              <a:t> of :</a:t>
+            </a:r>
+            <a:endParaRPr lang="fr-FR" dirty="0" smtClean="0"/>
+          </a:p>
+          <a:p>
+            <a:pPr lvl="1"/>
+            <a:r>
+              <a:rPr lang="fr-FR" dirty="0" err="1" smtClean="0">
+                <a:hlinkClick r:id="rId5"/>
+              </a:rPr>
+              <a:t>AngularJS</a:t>
+            </a:r>
+            <a:r>
+              <a:rPr lang="fr-FR" dirty="0" smtClean="0">
+                <a:hlinkClick r:id="rId5"/>
+              </a:rPr>
+              <a:t> Eclipse</a:t>
+            </a:r>
+            <a:r>
+              <a:rPr lang="fr-FR" dirty="0" smtClean="0"/>
+              <a:t> / </a:t>
+            </a:r>
+            <a:r>
+              <a:rPr lang="fr-FR" dirty="0" err="1" smtClean="0">
+                <a:hlinkClick r:id="rId6"/>
+              </a:rPr>
+              <a:t>Tern</a:t>
+            </a:r>
+            <a:r>
+              <a:rPr lang="fr-FR" dirty="0" smtClean="0">
+                <a:hlinkClick r:id="rId6"/>
+              </a:rPr>
+              <a:t> IDE</a:t>
+            </a:r>
+            <a:endParaRPr lang="fr-FR" dirty="0" smtClean="0"/>
+          </a:p>
+          <a:p>
+            <a:pPr lvl="1"/>
+            <a:r>
+              <a:rPr lang="fr-FR" dirty="0" err="1" smtClean="0">
+                <a:hlinkClick r:id="rId7"/>
+              </a:rPr>
+              <a:t>Angular</a:t>
+            </a:r>
+            <a:r>
+              <a:rPr lang="fr-FR" dirty="0" smtClean="0">
+                <a:hlinkClick r:id="rId7"/>
+              </a:rPr>
+              <a:t> Eclipse</a:t>
+            </a:r>
+            <a:r>
+              <a:rPr lang="fr-FR" dirty="0" smtClean="0"/>
+              <a:t> / </a:t>
+            </a:r>
+            <a:r>
+              <a:rPr lang="fr-FR" dirty="0" err="1" smtClean="0">
+                <a:hlinkClick r:id="rId8"/>
+              </a:rPr>
+              <a:t>TypeScript</a:t>
+            </a:r>
+            <a:r>
+              <a:rPr lang="fr-FR" dirty="0" smtClean="0">
+                <a:hlinkClick r:id="rId8"/>
+              </a:rPr>
+              <a:t> IDE</a:t>
+            </a:r>
+            <a:endParaRPr lang="fr-FR" dirty="0" smtClean="0"/>
+          </a:p>
+          <a:p>
+            <a:pPr lvl="1"/>
+            <a:endParaRPr lang="fr-FR" dirty="0"/>
+          </a:p>
+        </p:txBody>
+      </p:sp>
+    </p:spTree>
+    <p:extLst>
+      <p:ext uri="{BB962C8B-B14F-4D97-AF65-F5344CB8AC3E}">
+        <p14:creationId xmlns:p14="http://schemas.microsoft.com/office/powerpoint/2010/main" val="3432878839"/>
+      </p:ext>
+    </p:extLst>
+  </p:cSld>
+  <p:clrMapOvr>
+    <a:masterClrMapping/>
+  </p:clrMapOvr>
+  <p:timing>
+    <p:tnLst>
+      <p:par>
+        <p:cTn id="1" dur="indefinite" restart="never" nodeType="tmRoot"/>
+      </p:par>
+    </p:tnLst>
+  </p:timing>
+</p:sld>
+</file>
+
+<file path=ppt/slides/slide20.xml><?xml version="1.0" encoding="utf-8"?>
+<p:sld xmlns:a="http://schemas.openxmlformats.org/drawingml/2006/main" xmlns:r="http://schemas.openxmlformats.org/officeDocument/2006/relationships" xmlns:p="http://schemas.openxmlformats.org/presentationml/2006/main">
+  <p:cSld>
+    <p:spTree>
+      <p:nvGrpSpPr>
+        <p:cNvPr id="1" name=""/>
+        <p:cNvGrpSpPr/>
+        <p:nvPr/>
+      </p:nvGrpSpPr>
+      <p:grpSpPr>
+        <a:xfrm>
+          <a:off x="0" y="0"/>
+          <a:ext cx="0" cy="0"/>
+          <a:chOff x="0" y="0"/>
+          <a:chExt cx="0" cy="0"/>
+        </a:xfrm>
+      </p:grpSpPr>
+      <p:sp>
+        <p:nvSpPr>
+          <p:cNvPr id="2" name="Titre 1"/>
+          <p:cNvSpPr>
+            <a:spLocks noGrp="1"/>
+          </p:cNvSpPr>
+          <p:nvPr>
+            <p:ph type="title"/>
+          </p:nvPr>
+        </p:nvSpPr>
+        <p:spPr/>
+        <p:txBody>
+          <a:bodyPr>
+            <a:normAutofit fontScale="90000"/>
+          </a:bodyPr>
+          <a:lstStyle/>
+          <a:p>
+            <a:r>
+              <a:rPr lang="fr-FR" dirty="0" smtClean="0"/>
+              <a:t>Code </a:t>
+            </a:r>
+            <a:r>
+              <a:rPr lang="fr-FR" dirty="0" err="1" smtClean="0"/>
+              <a:t>Minining</a:t>
+            </a:r>
+            <a:r>
+              <a:rPr lang="fr-FR" dirty="0" smtClean="0"/>
+              <a:t> - </a:t>
+            </a:r>
+            <a:r>
+              <a:rPr lang="fr-FR" dirty="0" err="1" smtClean="0"/>
+              <a:t>Recipe</a:t>
+            </a:r>
+            <a:endParaRPr lang="fr-FR" dirty="0"/>
+          </a:p>
+        </p:txBody>
+      </p:sp>
+      <p:sp>
+        <p:nvSpPr>
+          <p:cNvPr id="3" name="Espace réservé du contenu 2"/>
+          <p:cNvSpPr>
+            <a:spLocks noGrp="1"/>
+          </p:cNvSpPr>
+          <p:nvPr>
+            <p:ph idx="1"/>
+          </p:nvPr>
+        </p:nvSpPr>
+        <p:spPr/>
+        <p:txBody>
+          <a:bodyPr>
+            <a:normAutofit fontScale="92500" lnSpcReduction="20000"/>
+          </a:bodyPr>
+          <a:lstStyle/>
+          <a:p>
+            <a:r>
+              <a:rPr lang="fr-FR" dirty="0" err="1" smtClean="0"/>
+              <a:t>Implements</a:t>
+            </a:r>
+            <a:r>
+              <a:rPr lang="fr-FR" dirty="0" smtClean="0"/>
+              <a:t> </a:t>
+            </a:r>
+            <a:r>
+              <a:rPr lang="fr-FR" dirty="0" err="1" smtClean="0"/>
+              <a:t>ICodeMiningProvider</a:t>
+            </a:r>
+            <a:endParaRPr lang="fr-FR" dirty="0" smtClean="0"/>
+          </a:p>
+          <a:p>
+            <a:pPr lvl="1"/>
+            <a:r>
+              <a:rPr lang="fr-FR" dirty="0" err="1" smtClean="0"/>
+              <a:t>create</a:t>
+            </a:r>
+            <a:r>
+              <a:rPr lang="fr-FR" dirty="0" smtClean="0"/>
+              <a:t> </a:t>
+            </a:r>
+            <a:r>
+              <a:rPr lang="fr-FR" dirty="0" err="1" smtClean="0"/>
+              <a:t>minings</a:t>
+            </a:r>
+            <a:r>
+              <a:rPr lang="fr-FR" dirty="0" smtClean="0"/>
+              <a:t> instances </a:t>
+            </a:r>
+            <a:r>
+              <a:rPr lang="fr-FR" dirty="0" err="1" smtClean="0"/>
+              <a:t>with</a:t>
+            </a:r>
+            <a:r>
+              <a:rPr lang="fr-FR" dirty="0" smtClean="0"/>
+              <a:t> a position and label or not</a:t>
+            </a:r>
+          </a:p>
+          <a:p>
+            <a:pPr lvl="1"/>
+            <a:r>
+              <a:rPr lang="fr-FR" dirty="0" smtClean="0"/>
+              <a:t>for </a:t>
+            </a:r>
+            <a:r>
+              <a:rPr lang="fr-FR" dirty="0" err="1" smtClean="0"/>
+              <a:t>minings</a:t>
+            </a:r>
+            <a:r>
+              <a:rPr lang="fr-FR" dirty="0" smtClean="0"/>
+              <a:t> </a:t>
+            </a:r>
+            <a:r>
+              <a:rPr lang="fr-FR" dirty="0" err="1" smtClean="0"/>
+              <a:t>which</a:t>
+            </a:r>
+            <a:r>
+              <a:rPr lang="fr-FR" dirty="0" smtClean="0"/>
+              <a:t> have label </a:t>
+            </a:r>
+            <a:r>
+              <a:rPr lang="fr-FR" dirty="0" err="1" smtClean="0"/>
+              <a:t>which</a:t>
+            </a:r>
+            <a:r>
+              <a:rPr lang="fr-FR" dirty="0" smtClean="0"/>
+              <a:t> </a:t>
+            </a:r>
+            <a:r>
+              <a:rPr lang="fr-FR" dirty="0" err="1" smtClean="0"/>
+              <a:t>takes</a:t>
+            </a:r>
+            <a:r>
+              <a:rPr lang="fr-FR" dirty="0" smtClean="0"/>
+              <a:t> time, </a:t>
+            </a:r>
+            <a:r>
+              <a:rPr lang="fr-FR" dirty="0" err="1" smtClean="0"/>
+              <a:t>implement</a:t>
+            </a:r>
+            <a:r>
+              <a:rPr lang="fr-FR" dirty="0" smtClean="0"/>
+              <a:t> </a:t>
+            </a:r>
+            <a:r>
+              <a:rPr lang="fr-FR" dirty="0" err="1" smtClean="0"/>
+              <a:t>AbstractCodeMining#doResolve</a:t>
+            </a:r>
+            <a:r>
+              <a:rPr lang="fr-FR" dirty="0" smtClean="0"/>
+              <a:t>()</a:t>
+            </a:r>
+          </a:p>
+          <a:p>
+            <a:r>
+              <a:rPr lang="fr-FR" dirty="0" err="1" smtClean="0"/>
+              <a:t>Register</a:t>
+            </a:r>
+            <a:r>
+              <a:rPr lang="fr-FR" dirty="0" smtClean="0"/>
+              <a:t> </a:t>
+            </a:r>
+            <a:r>
+              <a:rPr lang="fr-FR" dirty="0" err="1" smtClean="0"/>
+              <a:t>mining</a:t>
+            </a:r>
+            <a:r>
+              <a:rPr lang="fr-FR" dirty="0" smtClean="0"/>
+              <a:t> provider</a:t>
+            </a:r>
+          </a:p>
+          <a:p>
+            <a:pPr lvl="1"/>
+            <a:r>
+              <a:rPr lang="fr-FR" dirty="0" err="1" smtClean="0"/>
+              <a:t>With</a:t>
+            </a:r>
+            <a:r>
+              <a:rPr lang="fr-FR" dirty="0" smtClean="0"/>
+              <a:t> ISourceViewerExtension5#setCodeMiningProviders</a:t>
+            </a:r>
+          </a:p>
+          <a:p>
+            <a:pPr lvl="1"/>
+            <a:r>
+              <a:rPr lang="fr-FR" dirty="0" smtClean="0"/>
+              <a:t>Or </a:t>
+            </a:r>
+            <a:r>
+              <a:rPr lang="fr-FR" dirty="0" err="1" smtClean="0"/>
+              <a:t>with</a:t>
+            </a:r>
+            <a:r>
+              <a:rPr lang="fr-FR" dirty="0" smtClean="0"/>
+              <a:t> </a:t>
+            </a:r>
+            <a:r>
+              <a:rPr lang="fr-FR" dirty="0" err="1" smtClean="0"/>
+              <a:t>codeMiningProvider</a:t>
+            </a:r>
+            <a:r>
+              <a:rPr lang="fr-FR" dirty="0" smtClean="0"/>
+              <a:t> extension point</a:t>
+            </a:r>
+          </a:p>
+          <a:p>
+            <a:r>
+              <a:rPr lang="fr-FR" dirty="0" smtClean="0"/>
+              <a:t>Update </a:t>
+            </a:r>
+            <a:r>
+              <a:rPr lang="fr-FR" dirty="0" err="1" smtClean="0"/>
+              <a:t>mining</a:t>
+            </a:r>
+            <a:r>
+              <a:rPr lang="fr-FR" dirty="0" smtClean="0"/>
+              <a:t> support </a:t>
+            </a:r>
+          </a:p>
+          <a:p>
+            <a:pPr lvl="1"/>
+            <a:r>
+              <a:rPr lang="fr-FR" dirty="0" smtClean="0"/>
+              <a:t>With a thread a </a:t>
+            </a:r>
+            <a:r>
+              <a:rPr lang="fr-FR" dirty="0" err="1" smtClean="0"/>
+              <a:t>reconciler</a:t>
+            </a:r>
+            <a:r>
+              <a:rPr lang="fr-FR" dirty="0" smtClean="0"/>
+              <a:t>(ex: </a:t>
+            </a:r>
+            <a:r>
+              <a:rPr lang="fr-FR" dirty="0" err="1" smtClean="0"/>
+              <a:t>CodeMiningReconciler</a:t>
+            </a:r>
+            <a:r>
+              <a:rPr lang="fr-FR" dirty="0" smtClean="0"/>
+              <a:t>), or </a:t>
+            </a:r>
+            <a:r>
+              <a:rPr lang="fr-FR" dirty="0" err="1" smtClean="0"/>
+              <a:t>other</a:t>
+            </a:r>
+            <a:r>
+              <a:rPr lang="fr-FR" dirty="0" smtClean="0"/>
+              <a:t> (</a:t>
+            </a:r>
+            <a:r>
+              <a:rPr lang="fr-FR" dirty="0" err="1" smtClean="0"/>
+              <a:t>don’t</a:t>
+            </a:r>
+            <a:r>
+              <a:rPr lang="fr-FR" dirty="0" smtClean="0"/>
+              <a:t> </a:t>
+            </a:r>
+            <a:r>
+              <a:rPr lang="fr-FR" dirty="0" err="1" smtClean="0"/>
+              <a:t>freeze</a:t>
+            </a:r>
+            <a:r>
+              <a:rPr lang="fr-FR" dirty="0" smtClean="0"/>
+              <a:t> the UI)</a:t>
+            </a:r>
+          </a:p>
+          <a:p>
+            <a:pPr lvl="1"/>
+            <a:r>
+              <a:rPr lang="fr-FR" dirty="0" smtClean="0"/>
+              <a:t>JDT </a:t>
+            </a:r>
+            <a:r>
+              <a:rPr lang="fr-FR" dirty="0" err="1" smtClean="0"/>
+              <a:t>already</a:t>
+            </a:r>
+            <a:r>
+              <a:rPr lang="fr-FR" dirty="0" smtClean="0"/>
+              <a:t> </a:t>
+            </a:r>
+            <a:r>
+              <a:rPr lang="fr-FR" dirty="0" err="1" smtClean="0"/>
+              <a:t>provides</a:t>
+            </a:r>
+            <a:r>
+              <a:rPr lang="fr-FR" dirty="0" smtClean="0"/>
+              <a:t> </a:t>
+            </a:r>
+            <a:r>
+              <a:rPr lang="fr-FR" dirty="0" err="1" smtClean="0"/>
+              <a:t>this</a:t>
+            </a:r>
+            <a:r>
+              <a:rPr lang="fr-FR" dirty="0" smtClean="0"/>
+              <a:t> update</a:t>
+            </a:r>
+          </a:p>
+          <a:p>
+            <a:pPr lvl="1"/>
+            <a:r>
+              <a:rPr lang="fr-FR" dirty="0" smtClean="0"/>
+              <a:t>LSP4e </a:t>
+            </a:r>
+            <a:r>
+              <a:rPr lang="fr-FR" dirty="0" err="1" smtClean="0"/>
+              <a:t>already</a:t>
+            </a:r>
+            <a:r>
+              <a:rPr lang="fr-FR" dirty="0" smtClean="0"/>
+              <a:t> </a:t>
+            </a:r>
+            <a:r>
+              <a:rPr lang="fr-FR" dirty="0" err="1" smtClean="0"/>
+              <a:t>provides</a:t>
+            </a:r>
+            <a:r>
+              <a:rPr lang="fr-FR" dirty="0" smtClean="0"/>
+              <a:t> </a:t>
+            </a:r>
+            <a:r>
+              <a:rPr lang="fr-FR" dirty="0" err="1" smtClean="0"/>
+              <a:t>this</a:t>
+            </a:r>
+            <a:r>
+              <a:rPr lang="fr-FR" dirty="0" smtClean="0"/>
+              <a:t> update </a:t>
+            </a:r>
+            <a:endParaRPr lang="fr-FR" dirty="0"/>
+          </a:p>
+        </p:txBody>
+      </p:sp>
+    </p:spTree>
+    <p:extLst>
+      <p:ext uri="{BB962C8B-B14F-4D97-AF65-F5344CB8AC3E}">
+        <p14:creationId xmlns:p14="http://schemas.microsoft.com/office/powerpoint/2010/main" val="845652662"/>
+      </p:ext>
+    </p:extLst>
+  </p:cSld>
+  <p:clrMapOvr>
+    <a:masterClrMapping/>
+  </p:clrMapOvr>
+  <p:timing>
+    <p:tnLst>
+      <p:par>
+        <p:cTn id="1" dur="indefinite" restart="never" nodeType="tmRoot"/>
+      </p:par>
+    </p:tnLst>
+  </p:timing>
+</p:sld>
+</file>
+
+<file path=ppt/slides/slide21.xml><?xml version="1.0" encoding="utf-8"?>
 <p:sld xmlns:a="http://schemas.openxmlformats.org/drawingml/2006/main" xmlns:r="http://schemas.openxmlformats.org/officeDocument/2006/relationships" xmlns:p="http://schemas.openxmlformats.org/presentationml/2006/main">
   <p:cSld>
     <p:spTree>
@@ -14626,7 +16863,7 @@
 </p:sld>
 </file>
 
-<file path=ppt/slides/slide14.xml><?xml version="1.0" encoding="utf-8"?>
+<file path=ppt/slides/slide22.xml><?xml version="1.0" encoding="utf-8"?>
 <p:sld xmlns:a="http://schemas.openxmlformats.org/drawingml/2006/main" xmlns:r="http://schemas.openxmlformats.org/officeDocument/2006/relationships" xmlns:p="http://schemas.openxmlformats.org/presentationml/2006/main">
   <p:cSld>
     <p:spTree>
@@ -14821,1324 +17058,6 @@
 </p:sld>
 </file>
 
-<file path=ppt/slides/slide15.xml><?xml version="1.0" encoding="utf-8"?>
-<p:sld xmlns:a="http://schemas.openxmlformats.org/drawingml/2006/main" xmlns:r="http://schemas.openxmlformats.org/officeDocument/2006/relationships" xmlns:p="http://schemas.openxmlformats.org/presentationml/2006/main">
-  <p:cSld>
-    <p:spTree>
-      <p:nvGrpSpPr>
-        <p:cNvPr id="1" name=""/>
-        <p:cNvGrpSpPr/>
-        <p:nvPr/>
-      </p:nvGrpSpPr>
-      <p:grpSpPr>
-        <a:xfrm>
-          <a:off x="0" y="0"/>
-          <a:ext cx="0" cy="0"/>
-          <a:chOff x="0" y="0"/>
-          <a:chExt cx="0" cy="0"/>
-        </a:xfrm>
-      </p:grpSpPr>
-      <p:sp>
-        <p:nvSpPr>
-          <p:cNvPr id="2" name="Titre 1"/>
-          <p:cNvSpPr>
-            <a:spLocks noGrp="1"/>
-          </p:cNvSpPr>
-          <p:nvPr>
-            <p:ph type="title"/>
-          </p:nvPr>
-        </p:nvSpPr>
-        <p:spPr/>
-        <p:txBody>
-          <a:bodyPr>
-            <a:normAutofit fontScale="90000"/>
-          </a:bodyPr>
-          <a:lstStyle/>
-          <a:p>
-            <a:r>
-              <a:rPr lang="fr-FR" dirty="0" smtClean="0"/>
-              <a:t>CodeMining </a:t>
-            </a:r>
-            <a:r>
-              <a:rPr lang="fr-FR" dirty="0" err="1" smtClean="0"/>
-              <a:t>demo</a:t>
-            </a:r>
-            <a:endParaRPr lang="fr-FR" dirty="0"/>
-          </a:p>
-        </p:txBody>
-      </p:sp>
-      <p:sp>
-        <p:nvSpPr>
-          <p:cNvPr id="3" name="Espace réservé du contenu 2"/>
-          <p:cNvSpPr>
-            <a:spLocks noGrp="1"/>
-          </p:cNvSpPr>
-          <p:nvPr>
-            <p:ph idx="1"/>
-          </p:nvPr>
-        </p:nvSpPr>
-        <p:spPr/>
-        <p:txBody>
-          <a:bodyPr/>
-          <a:lstStyle/>
-          <a:p>
-            <a:endParaRPr lang="fr-FR"/>
-          </a:p>
-        </p:txBody>
-      </p:sp>
-    </p:spTree>
-    <p:extLst>
-      <p:ext uri="{BB962C8B-B14F-4D97-AF65-F5344CB8AC3E}">
-        <p14:creationId xmlns:p14="http://schemas.microsoft.com/office/powerpoint/2010/main" val="702262628"/>
-      </p:ext>
-    </p:extLst>
-  </p:cSld>
-  <p:clrMapOvr>
-    <a:masterClrMapping/>
-  </p:clrMapOvr>
-  <p:timing>
-    <p:tnLst>
-      <p:par>
-        <p:cTn id="1" dur="indefinite" restart="never" nodeType="tmRoot"/>
-      </p:par>
-    </p:tnLst>
-  </p:timing>
-</p:sld>
-</file>
-
-<file path=ppt/slides/slide16.xml><?xml version="1.0" encoding="utf-8"?>
-<p:sld xmlns:a="http://schemas.openxmlformats.org/drawingml/2006/main" xmlns:r="http://schemas.openxmlformats.org/officeDocument/2006/relationships" xmlns:p="http://schemas.openxmlformats.org/presentationml/2006/main">
-  <p:cSld>
-    <p:spTree>
-      <p:nvGrpSpPr>
-        <p:cNvPr id="1" name=""/>
-        <p:cNvGrpSpPr/>
-        <p:nvPr/>
-      </p:nvGrpSpPr>
-      <p:grpSpPr>
-        <a:xfrm>
-          <a:off x="0" y="0"/>
-          <a:ext cx="0" cy="0"/>
-          <a:chOff x="0" y="0"/>
-          <a:chExt cx="0" cy="0"/>
-        </a:xfrm>
-      </p:grpSpPr>
-      <p:sp>
-        <p:nvSpPr>
-          <p:cNvPr id="2" name="Titre 1"/>
-          <p:cNvSpPr>
-            <a:spLocks noGrp="1"/>
-          </p:cNvSpPr>
-          <p:nvPr>
-            <p:ph type="title"/>
-          </p:nvPr>
-        </p:nvSpPr>
-        <p:spPr/>
-        <p:txBody>
-          <a:bodyPr>
-            <a:normAutofit fontScale="90000"/>
-          </a:bodyPr>
-          <a:lstStyle/>
-          <a:p>
-            <a:r>
-              <a:rPr lang="fr-FR" dirty="0" err="1" smtClean="0"/>
-              <a:t>CodeMinining</a:t>
-            </a:r>
-            <a:r>
-              <a:rPr lang="fr-FR" dirty="0" smtClean="0"/>
-              <a:t> - API</a:t>
-            </a:r>
-            <a:endParaRPr lang="fr-FR" dirty="0"/>
-          </a:p>
-        </p:txBody>
-      </p:sp>
-      <p:sp>
-        <p:nvSpPr>
-          <p:cNvPr id="3" name="Espace réservé du contenu 2"/>
-          <p:cNvSpPr>
-            <a:spLocks noGrp="1"/>
-          </p:cNvSpPr>
-          <p:nvPr>
-            <p:ph idx="1"/>
-          </p:nvPr>
-        </p:nvSpPr>
-        <p:spPr/>
-        <p:txBody>
-          <a:bodyPr/>
-          <a:lstStyle/>
-          <a:p>
-            <a:r>
-              <a:rPr lang="fr-FR" dirty="0" err="1" smtClean="0"/>
-              <a:t>ICodeMiningProvider</a:t>
-            </a:r>
-            <a:r>
-              <a:rPr lang="fr-FR" dirty="0" smtClean="0"/>
-              <a:t>:</a:t>
-            </a:r>
-          </a:p>
-          <a:p>
-            <a:pPr lvl="1"/>
-            <a:r>
-              <a:rPr lang="fr-FR" dirty="0" smtClean="0"/>
-              <a:t>Must </a:t>
-            </a:r>
-            <a:r>
-              <a:rPr lang="fr-FR" dirty="0" err="1" smtClean="0"/>
-              <a:t>be</a:t>
-            </a:r>
-            <a:r>
-              <a:rPr lang="fr-FR" dirty="0" smtClean="0"/>
-              <a:t> </a:t>
-            </a:r>
-            <a:r>
-              <a:rPr lang="fr-FR" dirty="0" err="1" smtClean="0"/>
-              <a:t>fast</a:t>
-            </a:r>
-            <a:r>
-              <a:rPr lang="fr-FR" dirty="0" smtClean="0"/>
-              <a:t> (</a:t>
-            </a:r>
-            <a:r>
-              <a:rPr lang="fr-FR" dirty="0" err="1" smtClean="0"/>
-              <a:t>don’t</a:t>
-            </a:r>
-            <a:r>
-              <a:rPr lang="fr-FR" dirty="0" smtClean="0"/>
-              <a:t> </a:t>
-            </a:r>
-            <a:r>
-              <a:rPr lang="fr-FR" dirty="0" err="1" smtClean="0"/>
-              <a:t>freeze</a:t>
-            </a:r>
-            <a:r>
-              <a:rPr lang="fr-FR" dirty="0" smtClean="0"/>
-              <a:t> the UI)</a:t>
-            </a:r>
-          </a:p>
-          <a:p>
-            <a:r>
-              <a:rPr lang="fr-FR" dirty="0" err="1" smtClean="0"/>
-              <a:t>ICodeMining</a:t>
-            </a:r>
-            <a:endParaRPr lang="fr-FR" dirty="0" smtClean="0"/>
-          </a:p>
-          <a:p>
-            <a:pPr lvl="1"/>
-            <a:r>
-              <a:rPr lang="fr-FR" dirty="0" err="1" smtClean="0"/>
-              <a:t>doResolve</a:t>
-            </a:r>
-            <a:r>
-              <a:rPr lang="fr-FR" dirty="0" smtClean="0"/>
-              <a:t> </a:t>
-            </a:r>
-            <a:r>
-              <a:rPr lang="fr-FR" dirty="0" err="1" smtClean="0"/>
-              <a:t>can</a:t>
-            </a:r>
-            <a:r>
-              <a:rPr lang="fr-FR" dirty="0" smtClean="0"/>
-              <a:t> </a:t>
-            </a:r>
-            <a:r>
-              <a:rPr lang="fr-FR" dirty="0" err="1" smtClean="0"/>
-              <a:t>be</a:t>
-            </a:r>
-            <a:r>
-              <a:rPr lang="fr-FR" dirty="0" smtClean="0"/>
-              <a:t> slow</a:t>
-            </a:r>
-          </a:p>
-          <a:p>
-            <a:pPr lvl="1"/>
-            <a:r>
-              <a:rPr lang="fr-FR" dirty="0" smtClean="0"/>
-              <a:t>Update the label or </a:t>
-            </a:r>
-            <a:r>
-              <a:rPr lang="fr-FR" dirty="0" err="1" smtClean="0"/>
-              <a:t>draw</a:t>
-            </a:r>
-            <a:r>
-              <a:rPr lang="fr-FR" dirty="0" smtClean="0"/>
-              <a:t> custom square image.</a:t>
-            </a:r>
-            <a:endParaRPr lang="fr-FR" dirty="0"/>
-          </a:p>
-        </p:txBody>
-      </p:sp>
-    </p:spTree>
-    <p:extLst>
-      <p:ext uri="{BB962C8B-B14F-4D97-AF65-F5344CB8AC3E}">
-        <p14:creationId xmlns:p14="http://schemas.microsoft.com/office/powerpoint/2010/main" val="881698709"/>
-      </p:ext>
-    </p:extLst>
-  </p:cSld>
-  <p:clrMapOvr>
-    <a:masterClrMapping/>
-  </p:clrMapOvr>
-  <p:timing>
-    <p:tnLst>
-      <p:par>
-        <p:cTn id="1" dur="indefinite" restart="never" nodeType="tmRoot"/>
-      </p:par>
-    </p:tnLst>
-  </p:timing>
-</p:sld>
-</file>
-
-<file path=ppt/slides/slide17.xml><?xml version="1.0" encoding="utf-8"?>
-<p:sld xmlns:a="http://schemas.openxmlformats.org/drawingml/2006/main" xmlns:r="http://schemas.openxmlformats.org/officeDocument/2006/relationships" xmlns:p="http://schemas.openxmlformats.org/presentationml/2006/main">
-  <p:cSld>
-    <p:spTree>
-      <p:nvGrpSpPr>
-        <p:cNvPr id="1" name=""/>
-        <p:cNvGrpSpPr/>
-        <p:nvPr/>
-      </p:nvGrpSpPr>
-      <p:grpSpPr>
-        <a:xfrm>
-          <a:off x="0" y="0"/>
-          <a:ext cx="0" cy="0"/>
-          <a:chOff x="0" y="0"/>
-          <a:chExt cx="0" cy="0"/>
-        </a:xfrm>
-      </p:grpSpPr>
-      <p:sp>
-        <p:nvSpPr>
-          <p:cNvPr id="2" name="Titre 1"/>
-          <p:cNvSpPr>
-            <a:spLocks noGrp="1"/>
-          </p:cNvSpPr>
-          <p:nvPr>
-            <p:ph type="title"/>
-          </p:nvPr>
-        </p:nvSpPr>
-        <p:spPr/>
-        <p:txBody>
-          <a:bodyPr>
-            <a:normAutofit fontScale="90000"/>
-          </a:bodyPr>
-          <a:lstStyle/>
-          <a:p>
-            <a:r>
-              <a:rPr lang="fr-FR" dirty="0" err="1" smtClean="0"/>
-              <a:t>CodeMinining</a:t>
-            </a:r>
-            <a:r>
-              <a:rPr lang="fr-FR" dirty="0" smtClean="0"/>
-              <a:t> - API</a:t>
-            </a:r>
-            <a:endParaRPr lang="fr-FR" dirty="0"/>
-          </a:p>
-        </p:txBody>
-      </p:sp>
-      <p:sp>
-        <p:nvSpPr>
-          <p:cNvPr id="3" name="Espace réservé du contenu 2"/>
-          <p:cNvSpPr>
-            <a:spLocks noGrp="1"/>
-          </p:cNvSpPr>
-          <p:nvPr>
-            <p:ph idx="1"/>
-          </p:nvPr>
-        </p:nvSpPr>
-        <p:spPr/>
-        <p:txBody>
-          <a:bodyPr/>
-          <a:lstStyle/>
-          <a:p>
-            <a:r>
-              <a:rPr lang="fr-FR" dirty="0" err="1" smtClean="0"/>
-              <a:t>Register</a:t>
-            </a:r>
-            <a:r>
-              <a:rPr lang="fr-FR" dirty="0" smtClean="0"/>
-              <a:t> </a:t>
-            </a:r>
-            <a:r>
-              <a:rPr lang="fr-FR" dirty="0" err="1" smtClean="0"/>
-              <a:t>mining</a:t>
-            </a:r>
-            <a:r>
-              <a:rPr lang="fr-FR" dirty="0" smtClean="0"/>
-              <a:t> provider</a:t>
-            </a:r>
-          </a:p>
-          <a:p>
-            <a:r>
-              <a:rPr lang="fr-FR" dirty="0" smtClean="0"/>
-              <a:t>Update </a:t>
-            </a:r>
-            <a:r>
-              <a:rPr lang="fr-FR" dirty="0" err="1" smtClean="0"/>
-              <a:t>mining</a:t>
-            </a:r>
-            <a:r>
-              <a:rPr lang="fr-FR" dirty="0" smtClean="0"/>
-              <a:t> support </a:t>
-            </a:r>
-          </a:p>
-          <a:p>
-            <a:pPr lvl="1"/>
-            <a:r>
-              <a:rPr lang="fr-FR" dirty="0" smtClean="0"/>
-              <a:t>With a thread a </a:t>
-            </a:r>
-            <a:r>
-              <a:rPr lang="fr-FR" dirty="0" err="1" smtClean="0"/>
-              <a:t>reconciler</a:t>
-            </a:r>
-            <a:r>
-              <a:rPr lang="fr-FR" dirty="0" smtClean="0"/>
-              <a:t>, or </a:t>
-            </a:r>
-            <a:r>
-              <a:rPr lang="fr-FR" dirty="0" err="1" smtClean="0"/>
-              <a:t>other</a:t>
-            </a:r>
-            <a:r>
-              <a:rPr lang="fr-FR" dirty="0" smtClean="0"/>
-              <a:t> (</a:t>
-            </a:r>
-            <a:r>
-              <a:rPr lang="fr-FR" dirty="0" err="1" smtClean="0"/>
-              <a:t>don’t</a:t>
-            </a:r>
-            <a:r>
-              <a:rPr lang="fr-FR" dirty="0" smtClean="0"/>
-              <a:t> </a:t>
-            </a:r>
-            <a:r>
-              <a:rPr lang="fr-FR" dirty="0" err="1" smtClean="0"/>
-              <a:t>freeze</a:t>
-            </a:r>
-            <a:r>
-              <a:rPr lang="fr-FR" dirty="0" smtClean="0"/>
-              <a:t> the UI)</a:t>
-            </a:r>
-            <a:endParaRPr lang="fr-FR" dirty="0"/>
-          </a:p>
-        </p:txBody>
-      </p:sp>
-    </p:spTree>
-    <p:extLst>
-      <p:ext uri="{BB962C8B-B14F-4D97-AF65-F5344CB8AC3E}">
-        <p14:creationId xmlns:p14="http://schemas.microsoft.com/office/powerpoint/2010/main" val="3001568462"/>
-      </p:ext>
-    </p:extLst>
-  </p:cSld>
-  <p:clrMapOvr>
-    <a:masterClrMapping/>
-  </p:clrMapOvr>
-  <p:timing>
-    <p:tnLst>
-      <p:par>
-        <p:cTn id="1" dur="indefinite" restart="never" nodeType="tmRoot"/>
-      </p:par>
-    </p:tnLst>
-  </p:timing>
-</p:sld>
-</file>
-
-<file path=ppt/slides/slide18.xml><?xml version="1.0" encoding="utf-8"?>
-<p:sld xmlns:a="http://schemas.openxmlformats.org/drawingml/2006/main" xmlns:r="http://schemas.openxmlformats.org/officeDocument/2006/relationships" xmlns:p="http://schemas.openxmlformats.org/presentationml/2006/main">
-  <p:cSld>
-    <p:spTree>
-      <p:nvGrpSpPr>
-        <p:cNvPr id="1" name=""/>
-        <p:cNvGrpSpPr/>
-        <p:nvPr/>
-      </p:nvGrpSpPr>
-      <p:grpSpPr>
-        <a:xfrm>
-          <a:off x="0" y="0"/>
-          <a:ext cx="0" cy="0"/>
-          <a:chOff x="0" y="0"/>
-          <a:chExt cx="0" cy="0"/>
-        </a:xfrm>
-      </p:grpSpPr>
-      <p:sp>
-        <p:nvSpPr>
-          <p:cNvPr id="2" name="Titre 1"/>
-          <p:cNvSpPr>
-            <a:spLocks noGrp="1"/>
-          </p:cNvSpPr>
-          <p:nvPr>
-            <p:ph type="title"/>
-          </p:nvPr>
-        </p:nvSpPr>
-        <p:spPr/>
-        <p:txBody>
-          <a:bodyPr>
-            <a:normAutofit fontScale="90000"/>
-          </a:bodyPr>
-          <a:lstStyle/>
-          <a:p>
-            <a:r>
-              <a:rPr lang="fr-FR" dirty="0" smtClean="0"/>
-              <a:t>CodeMining – Extension Point</a:t>
-            </a:r>
-            <a:endParaRPr lang="fr-FR" dirty="0"/>
-          </a:p>
-        </p:txBody>
-      </p:sp>
-      <p:sp>
-        <p:nvSpPr>
-          <p:cNvPr id="3" name="Espace réservé du contenu 2"/>
-          <p:cNvSpPr>
-            <a:spLocks noGrp="1"/>
-          </p:cNvSpPr>
-          <p:nvPr>
-            <p:ph idx="1"/>
-          </p:nvPr>
-        </p:nvSpPr>
-        <p:spPr/>
-        <p:txBody>
-          <a:bodyPr/>
-          <a:lstStyle/>
-          <a:p>
-            <a:r>
-              <a:rPr lang="fr-FR" dirty="0" err="1" smtClean="0"/>
-              <a:t>Work</a:t>
-            </a:r>
-            <a:r>
-              <a:rPr lang="fr-FR" dirty="0" smtClean="0"/>
-              <a:t> with </a:t>
-            </a:r>
-            <a:r>
-              <a:rPr lang="fr-FR" dirty="0" err="1" smtClean="0"/>
-              <a:t>any</a:t>
-            </a:r>
-            <a:r>
-              <a:rPr lang="fr-FR" dirty="0" smtClean="0"/>
-              <a:t> editor</a:t>
-            </a:r>
-          </a:p>
-          <a:p>
-            <a:r>
-              <a:rPr lang="fr-FR" dirty="0" err="1" smtClean="0"/>
-              <a:t>codeminingProvider</a:t>
-            </a:r>
-            <a:r>
-              <a:rPr lang="fr-FR" dirty="0" smtClean="0"/>
-              <a:t> extension point</a:t>
-            </a:r>
-            <a:endParaRPr lang="fr-FR" dirty="0"/>
-          </a:p>
-        </p:txBody>
-      </p:sp>
-    </p:spTree>
-    <p:extLst>
-      <p:ext uri="{BB962C8B-B14F-4D97-AF65-F5344CB8AC3E}">
-        <p14:creationId xmlns:p14="http://schemas.microsoft.com/office/powerpoint/2010/main" val="954158862"/>
-      </p:ext>
-    </p:extLst>
-  </p:cSld>
-  <p:clrMapOvr>
-    <a:masterClrMapping/>
-  </p:clrMapOvr>
-  <p:timing>
-    <p:tnLst>
-      <p:par>
-        <p:cTn id="1" dur="indefinite" restart="never" nodeType="tmRoot"/>
-      </p:par>
-    </p:tnLst>
-  </p:timing>
-</p:sld>
-</file>
-
-<file path=ppt/slides/slide19.xml><?xml version="1.0" encoding="utf-8"?>
-<p:sld xmlns:a="http://schemas.openxmlformats.org/drawingml/2006/main" xmlns:r="http://schemas.openxmlformats.org/officeDocument/2006/relationships" xmlns:p="http://schemas.openxmlformats.org/presentationml/2006/main">
-  <p:cSld>
-    <p:spTree>
-      <p:nvGrpSpPr>
-        <p:cNvPr id="1" name=""/>
-        <p:cNvGrpSpPr/>
-        <p:nvPr/>
-      </p:nvGrpSpPr>
-      <p:grpSpPr>
-        <a:xfrm>
-          <a:off x="0" y="0"/>
-          <a:ext cx="0" cy="0"/>
-          <a:chOff x="0" y="0"/>
-          <a:chExt cx="0" cy="0"/>
-        </a:xfrm>
-      </p:grpSpPr>
-      <p:sp>
-        <p:nvSpPr>
-          <p:cNvPr id="2" name="Titre 1"/>
-          <p:cNvSpPr>
-            <a:spLocks noGrp="1"/>
-          </p:cNvSpPr>
-          <p:nvPr>
-            <p:ph type="title"/>
-          </p:nvPr>
-        </p:nvSpPr>
-        <p:spPr/>
-        <p:txBody>
-          <a:bodyPr>
-            <a:normAutofit fontScale="90000"/>
-          </a:bodyPr>
-          <a:lstStyle/>
-          <a:p>
-            <a:r>
-              <a:rPr lang="fr-FR" dirty="0" err="1" smtClean="0"/>
-              <a:t>Demo</a:t>
-            </a:r>
-            <a:r>
-              <a:rPr lang="fr-FR" dirty="0" smtClean="0"/>
-              <a:t> with </a:t>
-            </a:r>
-            <a:r>
-              <a:rPr lang="fr-FR" dirty="0" err="1" smtClean="0"/>
-              <a:t>generic</a:t>
-            </a:r>
-            <a:r>
-              <a:rPr lang="fr-FR" dirty="0" smtClean="0"/>
-              <a:t> editor</a:t>
-            </a:r>
-            <a:endParaRPr lang="fr-FR" dirty="0"/>
-          </a:p>
-        </p:txBody>
-      </p:sp>
-      <p:sp>
-        <p:nvSpPr>
-          <p:cNvPr id="3" name="Espace réservé du contenu 2"/>
-          <p:cNvSpPr>
-            <a:spLocks noGrp="1"/>
-          </p:cNvSpPr>
-          <p:nvPr>
-            <p:ph idx="1"/>
-          </p:nvPr>
-        </p:nvSpPr>
-        <p:spPr/>
-        <p:txBody>
-          <a:bodyPr/>
-          <a:lstStyle/>
-          <a:p>
-            <a:r>
-              <a:rPr lang="fr-FR" dirty="0" smtClean="0"/>
-              <a:t>Eclipse </a:t>
-            </a:r>
-            <a:r>
-              <a:rPr lang="fr-FR" dirty="0" err="1" smtClean="0"/>
-              <a:t>BlueSky</a:t>
-            </a:r>
-            <a:endParaRPr lang="fr-FR" dirty="0"/>
-          </a:p>
-        </p:txBody>
-      </p:sp>
-    </p:spTree>
-    <p:extLst>
-      <p:ext uri="{BB962C8B-B14F-4D97-AF65-F5344CB8AC3E}">
-        <p14:creationId xmlns:p14="http://schemas.microsoft.com/office/powerpoint/2010/main" val="1444185114"/>
-      </p:ext>
-    </p:extLst>
-  </p:cSld>
-  <p:clrMapOvr>
-    <a:masterClrMapping/>
-  </p:clrMapOvr>
-  <p:timing>
-    <p:tnLst>
-      <p:par>
-        <p:cTn id="1" dur="indefinite" restart="never" nodeType="tmRoot"/>
-      </p:par>
-    </p:tnLst>
-  </p:timing>
-</p:sld>
-</file>
-
-<file path=ppt/slides/slide2.xml><?xml version="1.0" encoding="utf-8"?>
-<p:sld xmlns:a="http://schemas.openxmlformats.org/drawingml/2006/main" xmlns:r="http://schemas.openxmlformats.org/officeDocument/2006/relationships" xmlns:p="http://schemas.openxmlformats.org/presentationml/2006/main">
-  <p:cSld>
-    <p:spTree>
-      <p:nvGrpSpPr>
-        <p:cNvPr id="1" name=""/>
-        <p:cNvGrpSpPr/>
-        <p:nvPr/>
-      </p:nvGrpSpPr>
-      <p:grpSpPr>
-        <a:xfrm>
-          <a:off x="0" y="0"/>
-          <a:ext cx="0" cy="0"/>
-          <a:chOff x="0" y="0"/>
-          <a:chExt cx="0" cy="0"/>
-        </a:xfrm>
-      </p:grpSpPr>
-      <p:sp>
-        <p:nvSpPr>
-          <p:cNvPr id="2" name="Titre 1"/>
-          <p:cNvSpPr>
-            <a:spLocks noGrp="1"/>
-          </p:cNvSpPr>
-          <p:nvPr>
-            <p:ph type="title"/>
-          </p:nvPr>
-        </p:nvSpPr>
-        <p:spPr/>
-        <p:txBody>
-          <a:bodyPr>
-            <a:normAutofit fontScale="90000"/>
-          </a:bodyPr>
-          <a:lstStyle/>
-          <a:p>
-            <a:r>
-              <a:rPr lang="fr-FR" dirty="0" smtClean="0"/>
-              <a:t>About me…</a:t>
-            </a:r>
-            <a:endParaRPr lang="fr-FR" dirty="0"/>
-          </a:p>
-        </p:txBody>
-      </p:sp>
-      <p:sp>
-        <p:nvSpPr>
-          <p:cNvPr id="3" name="Espace réservé du contenu 2"/>
-          <p:cNvSpPr>
-            <a:spLocks noGrp="1"/>
-          </p:cNvSpPr>
-          <p:nvPr>
-            <p:ph idx="1"/>
-          </p:nvPr>
-        </p:nvSpPr>
-        <p:spPr/>
-        <p:txBody>
-          <a:bodyPr>
-            <a:normAutofit fontScale="92500" lnSpcReduction="10000"/>
-          </a:bodyPr>
-          <a:lstStyle/>
-          <a:p>
-            <a:r>
-              <a:rPr lang="fr-FR" dirty="0" err="1" smtClean="0"/>
-              <a:t>Working</a:t>
-            </a:r>
-            <a:r>
-              <a:rPr lang="fr-FR" dirty="0" smtClean="0"/>
-              <a:t> at </a:t>
-            </a:r>
-            <a:r>
-              <a:rPr lang="fr-FR" b="1" dirty="0" err="1" smtClean="0"/>
-              <a:t>Sodifrance</a:t>
-            </a:r>
-            <a:r>
-              <a:rPr lang="fr-FR" dirty="0" smtClean="0"/>
-              <a:t> </a:t>
-            </a:r>
-            <a:r>
-              <a:rPr lang="fr-FR" dirty="0" err="1" smtClean="0"/>
-              <a:t>company</a:t>
-            </a:r>
-            <a:endParaRPr lang="fr-FR" dirty="0" smtClean="0"/>
-          </a:p>
-          <a:p>
-            <a:r>
-              <a:rPr lang="fr-FR" b="1" dirty="0" smtClean="0"/>
-              <a:t>Java EE / RCP </a:t>
-            </a:r>
-            <a:r>
-              <a:rPr lang="fr-FR" b="1" dirty="0" err="1" smtClean="0"/>
-              <a:t>developer</a:t>
-            </a:r>
-            <a:endParaRPr lang="fr-FR" b="1" dirty="0" smtClean="0"/>
-          </a:p>
-          <a:p>
-            <a:r>
-              <a:rPr lang="fr-FR" dirty="0" smtClean="0"/>
-              <a:t>Eclipse </a:t>
-            </a:r>
-            <a:r>
-              <a:rPr lang="fr-FR" b="1" dirty="0" smtClean="0"/>
-              <a:t>contribution</a:t>
-            </a:r>
-            <a:r>
-              <a:rPr lang="fr-FR" dirty="0" smtClean="0"/>
-              <a:t>, </a:t>
-            </a:r>
-            <a:r>
-              <a:rPr lang="fr-FR" dirty="0" err="1" smtClean="0"/>
-              <a:t>creator</a:t>
-            </a:r>
-            <a:r>
-              <a:rPr lang="fr-FR" dirty="0" smtClean="0"/>
-              <a:t> of:</a:t>
-            </a:r>
-          </a:p>
-          <a:p>
-            <a:pPr lvl="1"/>
-            <a:r>
-              <a:rPr lang="fr-FR" dirty="0" smtClean="0"/>
-              <a:t>E4 CSS </a:t>
-            </a:r>
-            <a:r>
-              <a:rPr lang="fr-FR" dirty="0" err="1" smtClean="0"/>
-              <a:t>engine</a:t>
-            </a:r>
-            <a:endParaRPr lang="fr-FR" dirty="0" smtClean="0"/>
-          </a:p>
-          <a:p>
-            <a:pPr lvl="1"/>
-            <a:r>
-              <a:rPr lang="fr-FR" dirty="0" smtClean="0"/>
-              <a:t>WTP JSON Editor</a:t>
-            </a:r>
-          </a:p>
-          <a:p>
-            <a:pPr lvl="1"/>
-            <a:r>
-              <a:rPr lang="fr-FR" dirty="0" smtClean="0"/>
-              <a:t>CodeMining</a:t>
-            </a:r>
-          </a:p>
-          <a:p>
-            <a:pPr lvl="1"/>
-            <a:r>
-              <a:rPr lang="fr-FR" dirty="0" smtClean="0"/>
-              <a:t>TM4e (</a:t>
-            </a:r>
-            <a:r>
-              <a:rPr lang="fr-FR" dirty="0" err="1" smtClean="0"/>
-              <a:t>Syntax</a:t>
-            </a:r>
-            <a:r>
-              <a:rPr lang="fr-FR" dirty="0" smtClean="0"/>
-              <a:t> </a:t>
-            </a:r>
-            <a:r>
-              <a:rPr lang="fr-FR" dirty="0" err="1" smtClean="0"/>
-              <a:t>color</a:t>
-            </a:r>
-            <a:r>
-              <a:rPr lang="fr-FR" dirty="0" smtClean="0"/>
-              <a:t> with </a:t>
-            </a:r>
-            <a:r>
-              <a:rPr lang="fr-FR" dirty="0" err="1" smtClean="0"/>
-              <a:t>TextMate</a:t>
-            </a:r>
-            <a:r>
-              <a:rPr lang="fr-FR" dirty="0" smtClean="0"/>
-              <a:t> </a:t>
-            </a:r>
-            <a:r>
-              <a:rPr lang="fr-FR" dirty="0" err="1" smtClean="0"/>
-              <a:t>grammar</a:t>
-            </a:r>
-            <a:r>
-              <a:rPr lang="fr-FR" dirty="0" smtClean="0"/>
-              <a:t>)</a:t>
-            </a:r>
-          </a:p>
-          <a:p>
-            <a:r>
-              <a:rPr lang="fr-FR" dirty="0" err="1" smtClean="0"/>
-              <a:t>Other</a:t>
-            </a:r>
-            <a:r>
-              <a:rPr lang="fr-FR" dirty="0" smtClean="0"/>
-              <a:t> </a:t>
-            </a:r>
-            <a:r>
-              <a:rPr lang="fr-FR" b="1" dirty="0" smtClean="0"/>
-              <a:t>Eclipse plugins</a:t>
-            </a:r>
-            <a:r>
-              <a:rPr lang="fr-FR" dirty="0" smtClean="0"/>
-              <a:t>, </a:t>
-            </a:r>
-            <a:r>
-              <a:rPr lang="fr-FR" dirty="0" err="1"/>
-              <a:t>creator</a:t>
-            </a:r>
-            <a:r>
-              <a:rPr lang="fr-FR" dirty="0"/>
-              <a:t> of :</a:t>
-            </a:r>
-            <a:endParaRPr lang="fr-FR" dirty="0" smtClean="0"/>
-          </a:p>
-          <a:p>
-            <a:pPr lvl="1"/>
-            <a:r>
-              <a:rPr lang="fr-FR" dirty="0" err="1" smtClean="0"/>
-              <a:t>AngularJS</a:t>
-            </a:r>
-            <a:r>
-              <a:rPr lang="fr-FR" dirty="0" smtClean="0"/>
-              <a:t> Eclipse / </a:t>
-            </a:r>
-            <a:r>
-              <a:rPr lang="fr-FR" dirty="0" err="1" smtClean="0"/>
-              <a:t>Tern</a:t>
-            </a:r>
-            <a:r>
-              <a:rPr lang="fr-FR" dirty="0" smtClean="0"/>
-              <a:t> IDE</a:t>
-            </a:r>
-          </a:p>
-          <a:p>
-            <a:pPr lvl="1"/>
-            <a:r>
-              <a:rPr lang="fr-FR" dirty="0" err="1" smtClean="0"/>
-              <a:t>Angular</a:t>
-            </a:r>
-            <a:r>
-              <a:rPr lang="fr-FR" dirty="0" smtClean="0"/>
-              <a:t> Eclipse / </a:t>
-            </a:r>
-            <a:r>
-              <a:rPr lang="fr-FR" dirty="0" err="1" smtClean="0"/>
-              <a:t>TypeScript</a:t>
-            </a:r>
-            <a:r>
-              <a:rPr lang="fr-FR" dirty="0" smtClean="0"/>
-              <a:t> IDE</a:t>
-            </a:r>
-          </a:p>
-          <a:p>
-            <a:pPr lvl="1"/>
-            <a:endParaRPr lang="fr-FR" dirty="0"/>
-          </a:p>
-        </p:txBody>
-      </p:sp>
-    </p:spTree>
-    <p:extLst>
-      <p:ext uri="{BB962C8B-B14F-4D97-AF65-F5344CB8AC3E}">
-        <p14:creationId xmlns:p14="http://schemas.microsoft.com/office/powerpoint/2010/main" val="3432878839"/>
-      </p:ext>
-    </p:extLst>
-  </p:cSld>
-  <p:clrMapOvr>
-    <a:masterClrMapping/>
-  </p:clrMapOvr>
-  <p:timing>
-    <p:tnLst>
-      <p:par>
-        <p:cTn id="1" dur="indefinite" restart="never" nodeType="tmRoot"/>
-      </p:par>
-    </p:tnLst>
-  </p:timing>
-</p:sld>
-</file>
-
-<file path=ppt/slides/slide20.xml><?xml version="1.0" encoding="utf-8"?>
-<p:sld xmlns:a="http://schemas.openxmlformats.org/drawingml/2006/main" xmlns:r="http://schemas.openxmlformats.org/officeDocument/2006/relationships" xmlns:p="http://schemas.openxmlformats.org/presentationml/2006/main">
-  <p:cSld>
-    <p:spTree>
-      <p:nvGrpSpPr>
-        <p:cNvPr id="1" name=""/>
-        <p:cNvGrpSpPr/>
-        <p:nvPr/>
-      </p:nvGrpSpPr>
-      <p:grpSpPr>
-        <a:xfrm>
-          <a:off x="0" y="0"/>
-          <a:ext cx="0" cy="0"/>
-          <a:chOff x="0" y="0"/>
-          <a:chExt cx="0" cy="0"/>
-        </a:xfrm>
-      </p:grpSpPr>
-      <p:sp>
-        <p:nvSpPr>
-          <p:cNvPr id="2" name="Titre 1"/>
-          <p:cNvSpPr>
-            <a:spLocks noGrp="1"/>
-          </p:cNvSpPr>
-          <p:nvPr>
-            <p:ph type="title"/>
-          </p:nvPr>
-        </p:nvSpPr>
-        <p:spPr/>
-        <p:txBody>
-          <a:bodyPr>
-            <a:normAutofit fontScale="90000"/>
-          </a:bodyPr>
-          <a:lstStyle/>
-          <a:p>
-            <a:r>
-              <a:rPr lang="fr-FR" dirty="0" err="1" smtClean="0"/>
-              <a:t>Demo</a:t>
-            </a:r>
-            <a:r>
-              <a:rPr lang="fr-FR" dirty="0" smtClean="0"/>
-              <a:t> with JDT CodeMining</a:t>
-            </a:r>
-            <a:endParaRPr lang="fr-FR" dirty="0"/>
-          </a:p>
-        </p:txBody>
-      </p:sp>
-      <p:sp>
-        <p:nvSpPr>
-          <p:cNvPr id="3" name="Espace réservé du contenu 2"/>
-          <p:cNvSpPr>
-            <a:spLocks noGrp="1"/>
-          </p:cNvSpPr>
-          <p:nvPr>
-            <p:ph idx="1"/>
-          </p:nvPr>
-        </p:nvSpPr>
-        <p:spPr/>
-        <p:txBody>
-          <a:bodyPr/>
-          <a:lstStyle/>
-          <a:p>
-            <a:endParaRPr lang="fr-FR" dirty="0"/>
-          </a:p>
-        </p:txBody>
-      </p:sp>
-    </p:spTree>
-    <p:extLst>
-      <p:ext uri="{BB962C8B-B14F-4D97-AF65-F5344CB8AC3E}">
-        <p14:creationId xmlns:p14="http://schemas.microsoft.com/office/powerpoint/2010/main" val="4230608180"/>
-      </p:ext>
-    </p:extLst>
-  </p:cSld>
-  <p:clrMapOvr>
-    <a:masterClrMapping/>
-  </p:clrMapOvr>
-  <p:timing>
-    <p:tnLst>
-      <p:par>
-        <p:cTn id="1" dur="indefinite" restart="never" nodeType="tmRoot"/>
-      </p:par>
-    </p:tnLst>
-  </p:timing>
-</p:sld>
-</file>
-
-<file path=ppt/slides/slide21.xml><?xml version="1.0" encoding="utf-8"?>
-<p:sld xmlns:a="http://schemas.openxmlformats.org/drawingml/2006/main" xmlns:r="http://schemas.openxmlformats.org/officeDocument/2006/relationships" xmlns:p="http://schemas.openxmlformats.org/presentationml/2006/main">
-  <p:cSld>
-    <p:spTree>
-      <p:nvGrpSpPr>
-        <p:cNvPr id="1" name=""/>
-        <p:cNvGrpSpPr/>
-        <p:nvPr/>
-      </p:nvGrpSpPr>
-      <p:grpSpPr>
-        <a:xfrm>
-          <a:off x="0" y="0"/>
-          <a:ext cx="0" cy="0"/>
-          <a:chOff x="0" y="0"/>
-          <a:chExt cx="0" cy="0"/>
-        </a:xfrm>
-      </p:grpSpPr>
-      <p:sp>
-        <p:nvSpPr>
-          <p:cNvPr id="2" name="Titre 1"/>
-          <p:cNvSpPr>
-            <a:spLocks noGrp="1"/>
-          </p:cNvSpPr>
-          <p:nvPr>
-            <p:ph type="title"/>
-          </p:nvPr>
-        </p:nvSpPr>
-        <p:spPr/>
-        <p:txBody>
-          <a:bodyPr>
-            <a:normAutofit fontScale="90000"/>
-          </a:bodyPr>
-          <a:lstStyle/>
-          <a:p>
-            <a:r>
-              <a:rPr lang="fr-FR" dirty="0" smtClean="0"/>
-              <a:t>Issues</a:t>
-            </a:r>
-            <a:endParaRPr lang="fr-FR" dirty="0"/>
-          </a:p>
-        </p:txBody>
-      </p:sp>
-      <p:sp>
-        <p:nvSpPr>
-          <p:cNvPr id="3" name="Espace réservé du contenu 2"/>
-          <p:cNvSpPr>
-            <a:spLocks noGrp="1"/>
-          </p:cNvSpPr>
-          <p:nvPr>
-            <p:ph idx="1"/>
-          </p:nvPr>
-        </p:nvSpPr>
-        <p:spPr/>
-        <p:txBody>
-          <a:bodyPr/>
-          <a:lstStyle/>
-          <a:p>
-            <a:r>
-              <a:rPr lang="fr-FR" dirty="0" smtClean="0"/>
-              <a:t>Eclipse </a:t>
-            </a:r>
-            <a:r>
-              <a:rPr lang="fr-FR" dirty="0" err="1" smtClean="0"/>
-              <a:t>bugzilla</a:t>
-            </a:r>
-            <a:endParaRPr lang="fr-FR" dirty="0" smtClean="0"/>
-          </a:p>
-          <a:p>
-            <a:r>
-              <a:rPr lang="fr-FR" dirty="0" smtClean="0"/>
-              <a:t>JDT CodeMining </a:t>
-            </a:r>
-            <a:r>
-              <a:rPr lang="fr-FR" dirty="0" err="1" smtClean="0"/>
-              <a:t>github</a:t>
-            </a:r>
-            <a:endParaRPr lang="fr-FR" dirty="0"/>
-          </a:p>
-        </p:txBody>
-      </p:sp>
-    </p:spTree>
-    <p:extLst>
-      <p:ext uri="{BB962C8B-B14F-4D97-AF65-F5344CB8AC3E}">
-        <p14:creationId xmlns:p14="http://schemas.microsoft.com/office/powerpoint/2010/main" val="3383159057"/>
-      </p:ext>
-    </p:extLst>
-  </p:cSld>
-  <p:clrMapOvr>
-    <a:masterClrMapping/>
-  </p:clrMapOvr>
-  <p:timing>
-    <p:tnLst>
-      <p:par>
-        <p:cTn id="1" dur="indefinite" restart="never" nodeType="tmRoot"/>
-      </p:par>
-    </p:tnLst>
-  </p:timing>
-</p:sld>
-</file>
-
-<file path=ppt/slides/slide22.xml><?xml version="1.0" encoding="utf-8"?>
-<p:sld xmlns:a="http://schemas.openxmlformats.org/drawingml/2006/main" xmlns:r="http://schemas.openxmlformats.org/officeDocument/2006/relationships" xmlns:p="http://schemas.openxmlformats.org/presentationml/2006/main">
-  <p:cSld>
-    <p:spTree>
-      <p:nvGrpSpPr>
-        <p:cNvPr id="1" name=""/>
-        <p:cNvGrpSpPr/>
-        <p:nvPr/>
-      </p:nvGrpSpPr>
-      <p:grpSpPr>
-        <a:xfrm>
-          <a:off x="0" y="0"/>
-          <a:ext cx="0" cy="0"/>
-          <a:chOff x="0" y="0"/>
-          <a:chExt cx="0" cy="0"/>
-        </a:xfrm>
-      </p:grpSpPr>
-      <p:sp>
-        <p:nvSpPr>
-          <p:cNvPr id="2" name="Titre 1"/>
-          <p:cNvSpPr>
-            <a:spLocks noGrp="1"/>
-          </p:cNvSpPr>
-          <p:nvPr>
-            <p:ph type="title"/>
-          </p:nvPr>
-        </p:nvSpPr>
-        <p:spPr/>
-        <p:txBody>
-          <a:bodyPr>
-            <a:normAutofit fontScale="90000"/>
-          </a:bodyPr>
-          <a:lstStyle/>
-          <a:p>
-            <a:r>
-              <a:rPr lang="fr-FR" dirty="0" err="1" smtClean="0"/>
-              <a:t>Technical</a:t>
-            </a:r>
-            <a:r>
-              <a:rPr lang="fr-FR" dirty="0" smtClean="0"/>
-              <a:t> points</a:t>
-            </a:r>
-            <a:endParaRPr lang="fr-FR" dirty="0"/>
-          </a:p>
-        </p:txBody>
-      </p:sp>
-      <p:sp>
-        <p:nvSpPr>
-          <p:cNvPr id="3" name="Espace réservé du contenu 2"/>
-          <p:cNvSpPr>
-            <a:spLocks noGrp="1"/>
-          </p:cNvSpPr>
-          <p:nvPr>
-            <p:ph idx="1"/>
-          </p:nvPr>
-        </p:nvSpPr>
-        <p:spPr/>
-        <p:txBody>
-          <a:bodyPr/>
-          <a:lstStyle/>
-          <a:p>
-            <a:r>
-              <a:rPr lang="fr-FR" dirty="0" err="1" smtClean="0"/>
-              <a:t>Inlined</a:t>
-            </a:r>
-            <a:r>
-              <a:rPr lang="fr-FR" dirty="0" smtClean="0"/>
-              <a:t> annotation </a:t>
-            </a:r>
-            <a:r>
-              <a:rPr lang="fr-FR" dirty="0" err="1" smtClean="0"/>
-              <a:t>used</a:t>
-            </a:r>
-            <a:r>
-              <a:rPr lang="fr-FR" dirty="0" smtClean="0"/>
-              <a:t> M6 </a:t>
-            </a:r>
-            <a:r>
-              <a:rPr lang="fr-FR" dirty="0" err="1" smtClean="0"/>
-              <a:t>StyledTextLineSpacingProvider</a:t>
-            </a:r>
-            <a:endParaRPr lang="fr-FR" dirty="0" smtClean="0"/>
-          </a:p>
-          <a:p>
-            <a:r>
-              <a:rPr lang="fr-FR" dirty="0" smtClean="0"/>
-              <a:t>In M7, </a:t>
-            </a:r>
-            <a:r>
-              <a:rPr lang="fr-FR" dirty="0" err="1" smtClean="0"/>
-              <a:t>inlined</a:t>
-            </a:r>
-            <a:r>
-              <a:rPr lang="fr-FR" dirty="0" smtClean="0"/>
-              <a:t> annotation use </a:t>
-            </a:r>
-            <a:r>
-              <a:rPr lang="fr-FR" dirty="0" err="1" smtClean="0"/>
-              <a:t>GlyphMetrics</a:t>
-            </a:r>
-            <a:r>
-              <a:rPr lang="fr-FR" dirty="0" smtClean="0"/>
-              <a:t> </a:t>
-            </a:r>
-            <a:r>
-              <a:rPr lang="fr-FR" dirty="0" err="1" smtClean="0"/>
-              <a:t>ascent</a:t>
-            </a:r>
-            <a:endParaRPr lang="fr-FR" dirty="0" smtClean="0"/>
-          </a:p>
-          <a:p>
-            <a:r>
-              <a:rPr lang="fr-FR" dirty="0" err="1" smtClean="0"/>
-              <a:t>Redraw</a:t>
-            </a:r>
-            <a:r>
-              <a:rPr lang="fr-FR" dirty="0" smtClean="0"/>
-              <a:t> the </a:t>
-            </a:r>
-            <a:r>
-              <a:rPr lang="fr-FR" dirty="0" err="1" smtClean="0"/>
-              <a:t>character</a:t>
-            </a:r>
-            <a:endParaRPr lang="fr-FR" dirty="0" smtClean="0"/>
-          </a:p>
-          <a:p>
-            <a:r>
-              <a:rPr lang="fr-FR" dirty="0" err="1" smtClean="0"/>
-              <a:t>StyledText</a:t>
-            </a:r>
-            <a:r>
-              <a:rPr lang="fr-FR" dirty="0" smtClean="0"/>
-              <a:t> </a:t>
-            </a:r>
-            <a:r>
-              <a:rPr lang="fr-FR" dirty="0" err="1" smtClean="0"/>
-              <a:t>was</a:t>
-            </a:r>
-            <a:r>
-              <a:rPr lang="fr-FR" dirty="0" smtClean="0"/>
-              <a:t> </a:t>
-            </a:r>
-            <a:r>
-              <a:rPr lang="fr-FR" dirty="0" err="1" smtClean="0"/>
-              <a:t>improved</a:t>
-            </a:r>
-            <a:endParaRPr lang="fr-FR" dirty="0" smtClean="0"/>
-          </a:p>
-          <a:p>
-            <a:pPr lvl="1"/>
-            <a:r>
-              <a:rPr lang="fr-FR" dirty="0" err="1" smtClean="0"/>
-              <a:t>Fix</a:t>
-            </a:r>
-            <a:r>
-              <a:rPr lang="fr-FR" dirty="0" smtClean="0"/>
-              <a:t> bug with </a:t>
-            </a:r>
-            <a:r>
-              <a:rPr lang="fr-FR" dirty="0" err="1" smtClean="0"/>
-              <a:t>cursor</a:t>
-            </a:r>
-            <a:endParaRPr lang="fr-FR" dirty="0" smtClean="0"/>
-          </a:p>
-          <a:p>
-            <a:pPr lvl="1"/>
-            <a:r>
-              <a:rPr lang="fr-FR" dirty="0" err="1" smtClean="0"/>
-              <a:t>Improve</a:t>
-            </a:r>
-            <a:r>
-              <a:rPr lang="fr-FR" dirty="0" smtClean="0"/>
-              <a:t> performance with variable line </a:t>
-            </a:r>
-            <a:r>
-              <a:rPr lang="fr-FR" dirty="0" err="1" smtClean="0"/>
-              <a:t>height</a:t>
-            </a:r>
-            <a:r>
-              <a:rPr lang="fr-FR" dirty="0" smtClean="0"/>
-              <a:t> (</a:t>
-            </a:r>
-            <a:r>
-              <a:rPr lang="fr-FR" dirty="0" err="1" smtClean="0"/>
-              <a:t>word</a:t>
-            </a:r>
-            <a:r>
-              <a:rPr lang="fr-FR" dirty="0" smtClean="0"/>
-              <a:t> wrap)</a:t>
-            </a:r>
-          </a:p>
-          <a:p>
-            <a:r>
-              <a:rPr lang="fr-FR" dirty="0" smtClean="0"/>
-              <a:t>Line </a:t>
-            </a:r>
-            <a:r>
-              <a:rPr lang="fr-FR" dirty="0" err="1" smtClean="0"/>
-              <a:t>number</a:t>
-            </a:r>
-            <a:r>
-              <a:rPr lang="fr-FR" dirty="0" smtClean="0"/>
-              <a:t> / </a:t>
-            </a:r>
-            <a:r>
-              <a:rPr lang="fr-FR" dirty="0" err="1" smtClean="0"/>
-              <a:t>Fold</a:t>
-            </a:r>
-            <a:r>
-              <a:rPr lang="fr-FR" dirty="0" smtClean="0"/>
-              <a:t> font</a:t>
-            </a:r>
-          </a:p>
-        </p:txBody>
-      </p:sp>
-    </p:spTree>
-    <p:extLst>
-      <p:ext uri="{BB962C8B-B14F-4D97-AF65-F5344CB8AC3E}">
-        <p14:creationId xmlns:p14="http://schemas.microsoft.com/office/powerpoint/2010/main" val="257407320"/>
-      </p:ext>
-    </p:extLst>
-  </p:cSld>
-  <p:clrMapOvr>
-    <a:masterClrMapping/>
-  </p:clrMapOvr>
-  <p:timing>
-    <p:tnLst>
-      <p:par>
-        <p:cTn id="1" dur="indefinite" restart="never" nodeType="tmRoot"/>
-      </p:par>
-    </p:tnLst>
-  </p:timing>
-</p:sld>
-</file>
-
 <file path=ppt/slides/slide23.xml><?xml version="1.0" encoding="utf-8"?>
 <p:sld xmlns:a="http://schemas.openxmlformats.org/drawingml/2006/main" xmlns:r="http://schemas.openxmlformats.org/officeDocument/2006/relationships" xmlns:p="http://schemas.openxmlformats.org/presentationml/2006/main">
   <p:cSld>
@@ -16175,19 +17094,19 @@
           <a:p>
             <a:r>
               <a:rPr lang="fr-FR" dirty="0" err="1" smtClean="0"/>
-              <a:t>What’s</a:t>
-            </a:r>
-            <a:r>
-              <a:rPr lang="fr-FR" dirty="0" smtClean="0"/>
-              <a:t> </a:t>
-            </a:r>
-            <a:r>
-              <a:rPr lang="fr-FR" dirty="0" err="1" smtClean="0"/>
-              <a:t>next</a:t>
-            </a:r>
-            <a:r>
-              <a:rPr lang="fr-FR" dirty="0" smtClean="0"/>
-              <a:t>?</a:t>
+              <a:t>Demo</a:t>
+            </a:r>
+            <a:r>
+              <a:rPr lang="fr-FR" dirty="0" smtClean="0"/>
+              <a:t> with </a:t>
+            </a:r>
+            <a:r>
+              <a:rPr lang="fr-FR" dirty="0" err="1" smtClean="0"/>
+              <a:t>generic</a:t>
+            </a:r>
+            <a:r>
+              <a:rPr lang="fr-FR" dirty="0" smtClean="0"/>
+              <a:t> editor</a:t>
             </a:r>
             <a:endParaRPr lang="fr-FR" dirty="0"/>
           </a:p>
@@ -16209,40 +17128,355 @@
           <a:lstStyle/>
           <a:p>
             <a:r>
-              <a:rPr lang="fr-FR" dirty="0" err="1" smtClean="0"/>
-              <a:t>Improvements</a:t>
+              <a:rPr lang="fr-FR" dirty="0" smtClean="0"/>
+              <a:t>Eclipse </a:t>
+            </a:r>
+            <a:r>
+              <a:rPr lang="fr-FR" dirty="0" err="1" smtClean="0"/>
+              <a:t>BlueSky</a:t>
+            </a:r>
+            <a:r>
+              <a:rPr lang="fr-FR" dirty="0" smtClean="0"/>
+              <a:t> and CSS </a:t>
+            </a:r>
+            <a:r>
+              <a:rPr lang="fr-FR" dirty="0" err="1" smtClean="0"/>
+              <a:t>Language</a:t>
+            </a:r>
+            <a:r>
+              <a:rPr lang="fr-FR" dirty="0" smtClean="0"/>
+              <a:t> Server</a:t>
+            </a:r>
+            <a:endParaRPr lang="fr-FR" dirty="0"/>
+          </a:p>
+        </p:txBody>
+      </p:sp>
+      <p:pic>
+        <p:nvPicPr>
+          <p:cNvPr id="4" name="Image 3"/>
+          <p:cNvPicPr>
+            <a:picLocks noChangeAspect="1"/>
+          </p:cNvPicPr>
+          <p:nvPr/>
+        </p:nvPicPr>
+        <p:blipFill>
+          <a:blip r:embed="rId2"/>
+          <a:stretch>
+            <a:fillRect/>
+          </a:stretch>
+        </p:blipFill>
+        <p:spPr>
+          <a:xfrm>
+            <a:off x="1547664" y="1491630"/>
+            <a:ext cx="3933825" cy="1085850"/>
+          </a:xfrm>
+          <a:prstGeom prst="rect">
+            <a:avLst/>
+          </a:prstGeom>
+        </p:spPr>
+      </p:pic>
+    </p:spTree>
+    <p:extLst>
+      <p:ext uri="{BB962C8B-B14F-4D97-AF65-F5344CB8AC3E}">
+        <p14:creationId xmlns:p14="http://schemas.microsoft.com/office/powerpoint/2010/main" val="1444185114"/>
+      </p:ext>
+    </p:extLst>
+  </p:cSld>
+  <p:clrMapOvr>
+    <a:masterClrMapping/>
+  </p:clrMapOvr>
+  <p:timing>
+    <p:tnLst>
+      <p:par>
+        <p:cTn id="1" dur="indefinite" restart="never" nodeType="tmRoot"/>
+      </p:par>
+    </p:tnLst>
+  </p:timing>
+</p:sld>
+</file>
+
+<file path=ppt/slides/slide24.xml><?xml version="1.0" encoding="utf-8"?>
+<p:sld xmlns:a="http://schemas.openxmlformats.org/drawingml/2006/main" xmlns:r="http://schemas.openxmlformats.org/officeDocument/2006/relationships" xmlns:p="http://schemas.openxmlformats.org/presentationml/2006/main">
+  <p:cSld>
+    <p:spTree>
+      <p:nvGrpSpPr>
+        <p:cNvPr id="1" name=""/>
+        <p:cNvGrpSpPr/>
+        <p:nvPr/>
+      </p:nvGrpSpPr>
+      <p:grpSpPr>
+        <a:xfrm>
+          <a:off x="0" y="0"/>
+          <a:ext cx="0" cy="0"/>
+          <a:chOff x="0" y="0"/>
+          <a:chExt cx="0" cy="0"/>
+        </a:xfrm>
+      </p:grpSpPr>
+      <p:sp>
+        <p:nvSpPr>
+          <p:cNvPr id="2" name="Titre 1"/>
+          <p:cNvSpPr>
+            <a:spLocks noGrp="1"/>
+          </p:cNvSpPr>
+          <p:nvPr>
+            <p:ph type="title"/>
+          </p:nvPr>
+        </p:nvSpPr>
+        <p:spPr/>
+        <p:txBody>
+          <a:bodyPr>
+            <a:normAutofit fontScale="90000"/>
+          </a:bodyPr>
+          <a:lstStyle/>
+          <a:p>
+            <a:r>
+              <a:rPr lang="fr-FR" dirty="0" err="1" smtClean="0"/>
+              <a:t>Demo</a:t>
+            </a:r>
+            <a:r>
+              <a:rPr lang="fr-FR" dirty="0" smtClean="0"/>
+              <a:t> with JDT CodeMining</a:t>
+            </a:r>
+            <a:endParaRPr lang="fr-FR" dirty="0"/>
+          </a:p>
+        </p:txBody>
+      </p:sp>
+      <p:sp>
+        <p:nvSpPr>
+          <p:cNvPr id="3" name="Espace réservé du contenu 2"/>
+          <p:cNvSpPr>
+            <a:spLocks noGrp="1"/>
+          </p:cNvSpPr>
+          <p:nvPr>
+            <p:ph idx="1"/>
+          </p:nvPr>
+        </p:nvSpPr>
+        <p:spPr/>
+        <p:txBody>
+          <a:bodyPr/>
+          <a:lstStyle/>
+          <a:p>
+            <a:r>
+              <a:rPr lang="fr-FR" dirty="0" smtClean="0"/>
+              <a:t>TODO</a:t>
+            </a:r>
+            <a:endParaRPr lang="fr-FR" dirty="0"/>
+          </a:p>
+        </p:txBody>
+      </p:sp>
+    </p:spTree>
+    <p:extLst>
+      <p:ext uri="{BB962C8B-B14F-4D97-AF65-F5344CB8AC3E}">
+        <p14:creationId xmlns:p14="http://schemas.microsoft.com/office/powerpoint/2010/main" val="4230608180"/>
+      </p:ext>
+    </p:extLst>
+  </p:cSld>
+  <p:clrMapOvr>
+    <a:masterClrMapping/>
+  </p:clrMapOvr>
+  <p:timing>
+    <p:tnLst>
+      <p:par>
+        <p:cTn id="1" dur="indefinite" restart="never" nodeType="tmRoot"/>
+      </p:par>
+    </p:tnLst>
+  </p:timing>
+</p:sld>
+</file>
+
+<file path=ppt/slides/slide25.xml><?xml version="1.0" encoding="utf-8"?>
+<p:sld xmlns:a="http://schemas.openxmlformats.org/drawingml/2006/main" xmlns:r="http://schemas.openxmlformats.org/officeDocument/2006/relationships" xmlns:p="http://schemas.openxmlformats.org/presentationml/2006/main">
+  <p:cSld>
+    <p:spTree>
+      <p:nvGrpSpPr>
+        <p:cNvPr id="1" name=""/>
+        <p:cNvGrpSpPr/>
+        <p:nvPr/>
+      </p:nvGrpSpPr>
+      <p:grpSpPr>
+        <a:xfrm>
+          <a:off x="0" y="0"/>
+          <a:ext cx="0" cy="0"/>
+          <a:chOff x="0" y="0"/>
+          <a:chExt cx="0" cy="0"/>
+        </a:xfrm>
+      </p:grpSpPr>
+      <p:sp>
+        <p:nvSpPr>
+          <p:cNvPr id="2" name="Titre 1"/>
+          <p:cNvSpPr>
+            <a:spLocks noGrp="1"/>
+          </p:cNvSpPr>
+          <p:nvPr>
+            <p:ph type="title"/>
+          </p:nvPr>
+        </p:nvSpPr>
+        <p:spPr/>
+        <p:txBody>
+          <a:bodyPr>
+            <a:normAutofit fontScale="90000"/>
+          </a:bodyPr>
+          <a:lstStyle/>
+          <a:p>
+            <a:r>
+              <a:rPr lang="fr-FR" dirty="0" err="1" smtClean="0"/>
+              <a:t>Technical</a:t>
+            </a:r>
+            <a:r>
+              <a:rPr lang="fr-FR" dirty="0" smtClean="0"/>
+              <a:t> points</a:t>
+            </a:r>
+            <a:endParaRPr lang="fr-FR" dirty="0"/>
+          </a:p>
+        </p:txBody>
+      </p:sp>
+      <p:sp>
+        <p:nvSpPr>
+          <p:cNvPr id="3" name="Espace réservé du contenu 2"/>
+          <p:cNvSpPr>
+            <a:spLocks noGrp="1"/>
+          </p:cNvSpPr>
+          <p:nvPr>
+            <p:ph idx="1"/>
+          </p:nvPr>
+        </p:nvSpPr>
+        <p:spPr/>
+        <p:txBody>
+          <a:bodyPr>
+            <a:normAutofit fontScale="92500" lnSpcReduction="10000"/>
+          </a:bodyPr>
+          <a:lstStyle/>
+          <a:p>
+            <a:r>
+              <a:rPr lang="fr-FR" dirty="0" err="1" smtClean="0"/>
+              <a:t>Inlined</a:t>
+            </a:r>
+            <a:r>
+              <a:rPr lang="fr-FR" dirty="0" smtClean="0"/>
+              <a:t> annotation </a:t>
+            </a:r>
+            <a:r>
+              <a:rPr lang="fr-FR" dirty="0" err="1" smtClean="0"/>
+              <a:t>takes</a:t>
+            </a:r>
+            <a:r>
+              <a:rPr lang="fr-FR" dirty="0" smtClean="0"/>
+              <a:t> place by </a:t>
+            </a:r>
+            <a:r>
+              <a:rPr lang="fr-FR" dirty="0" err="1" smtClean="0"/>
+              <a:t>updating</a:t>
+            </a:r>
+            <a:r>
+              <a:rPr lang="fr-FR" dirty="0" smtClean="0"/>
+              <a:t> </a:t>
+            </a:r>
+            <a:r>
+              <a:rPr lang="fr-FR" b="1" dirty="0" err="1" smtClean="0"/>
+              <a:t>StyledText#setStyleRange</a:t>
+            </a:r>
+            <a:r>
+              <a:rPr lang="fr-FR" dirty="0" smtClean="0"/>
+              <a:t> / </a:t>
+            </a:r>
+            <a:r>
+              <a:rPr lang="fr-FR" b="1" dirty="0" err="1" smtClean="0"/>
+              <a:t>GlyphMetrics</a:t>
+            </a:r>
+            <a:r>
+              <a:rPr lang="fr-FR" dirty="0" smtClean="0"/>
+              <a:t>:</a:t>
+            </a:r>
+          </a:p>
+          <a:p>
+            <a:pPr lvl="1"/>
+            <a:r>
+              <a:rPr lang="fr-FR" dirty="0" smtClean="0"/>
+              <a:t>Line </a:t>
+            </a:r>
+            <a:r>
+              <a:rPr lang="fr-FR" b="1" dirty="0" smtClean="0"/>
+              <a:t>header</a:t>
+            </a:r>
+            <a:r>
+              <a:rPr lang="fr-FR" dirty="0" smtClean="0"/>
+              <a:t> </a:t>
+            </a:r>
+            <a:r>
+              <a:rPr lang="fr-FR" dirty="0" err="1" smtClean="0"/>
+              <a:t>Inlined</a:t>
+            </a:r>
+            <a:r>
+              <a:rPr lang="fr-FR" dirty="0" smtClean="0"/>
+              <a:t> annotation : </a:t>
+            </a:r>
+            <a:r>
+              <a:rPr lang="fr-FR" b="1" dirty="0" err="1" smtClean="0"/>
+              <a:t>GlyphMetrics</a:t>
+            </a:r>
+            <a:r>
+              <a:rPr lang="fr-FR" b="1" dirty="0" smtClean="0"/>
+              <a:t> </a:t>
+            </a:r>
+            <a:r>
+              <a:rPr lang="fr-FR" b="1" dirty="0" err="1" smtClean="0"/>
+              <a:t>ascent</a:t>
+            </a:r>
+            <a:r>
+              <a:rPr lang="fr-FR" dirty="0" smtClean="0"/>
+              <a:t> </a:t>
+            </a:r>
+            <a:r>
+              <a:rPr lang="fr-FR" dirty="0" err="1" smtClean="0"/>
+              <a:t>is</a:t>
+            </a:r>
+            <a:r>
+              <a:rPr lang="fr-FR" dirty="0" smtClean="0"/>
+              <a:t> </a:t>
+            </a:r>
+            <a:r>
+              <a:rPr lang="fr-FR" dirty="0" err="1" smtClean="0"/>
+              <a:t>updated</a:t>
             </a:r>
             <a:endParaRPr lang="fr-FR" dirty="0" smtClean="0"/>
           </a:p>
           <a:p>
             <a:pPr lvl="1"/>
             <a:r>
-              <a:rPr lang="fr-FR" dirty="0" err="1" smtClean="0"/>
-              <a:t>Don’t</a:t>
-            </a:r>
-            <a:r>
-              <a:rPr lang="fr-FR" dirty="0" smtClean="0"/>
+              <a:rPr lang="fr-FR" dirty="0"/>
+              <a:t>Line </a:t>
+            </a:r>
+            <a:r>
+              <a:rPr lang="fr-FR" b="1" dirty="0" smtClean="0"/>
+              <a:t>content </a:t>
+            </a:r>
+            <a:r>
+              <a:rPr lang="fr-FR" dirty="0" err="1" smtClean="0"/>
+              <a:t>Inlined</a:t>
+            </a:r>
+            <a:r>
+              <a:rPr lang="fr-FR" dirty="0" smtClean="0"/>
+              <a:t> annotation :  </a:t>
+            </a:r>
+            <a:r>
+              <a:rPr lang="fr-FR" b="1" dirty="0" err="1"/>
+              <a:t>GlyphMetrics</a:t>
+            </a:r>
+            <a:r>
+              <a:rPr lang="fr-FR" b="1" dirty="0"/>
               <a:t> </a:t>
             </a:r>
             <a:r>
-              <a:rPr lang="fr-FR" dirty="0" err="1" smtClean="0"/>
-              <a:t>redraw</a:t>
+              <a:rPr lang="fr-FR" b="1" dirty="0" err="1" smtClean="0"/>
+              <a:t>width</a:t>
             </a:r>
             <a:r>
               <a:rPr lang="fr-FR" dirty="0" smtClean="0"/>
               <a:t> </a:t>
             </a:r>
             <a:r>
-              <a:rPr lang="fr-FR" dirty="0" err="1" smtClean="0"/>
-              <a:t>character</a:t>
-            </a:r>
-            <a:endParaRPr lang="fr-FR" dirty="0" smtClean="0"/>
-          </a:p>
-          <a:p>
-            <a:pPr lvl="1"/>
-            <a:r>
-              <a:rPr lang="fr-FR" dirty="0" err="1" smtClean="0"/>
-              <a:t>StyledText</a:t>
+              <a:rPr lang="fr-FR" dirty="0" err="1"/>
+              <a:t>is</a:t>
             </a:r>
             <a:r>
               <a:rPr lang="fr-FR" dirty="0"/>
@@ -16250,6 +17484,459 @@
             </a:r>
             <a:r>
               <a:rPr lang="fr-FR" dirty="0" err="1" smtClean="0"/>
+              <a:t>updated</a:t>
+            </a:r>
+            <a:endParaRPr lang="fr-FR" dirty="0" smtClean="0"/>
+          </a:p>
+          <a:p>
+            <a:r>
+              <a:rPr lang="fr-FR" dirty="0" smtClean="0"/>
+              <a:t>Use of </a:t>
+            </a:r>
+            <a:r>
+              <a:rPr lang="fr-FR" b="1" dirty="0" err="1" smtClean="0"/>
+              <a:t>GlyphMetrics</a:t>
+            </a:r>
+            <a:r>
+              <a:rPr lang="fr-FR" dirty="0" smtClean="0"/>
+              <a:t> for a </a:t>
+            </a:r>
+            <a:r>
+              <a:rPr lang="fr-FR" dirty="0" err="1" smtClean="0"/>
+              <a:t>given</a:t>
+            </a:r>
+            <a:r>
+              <a:rPr lang="fr-FR" dirty="0" smtClean="0"/>
+              <a:t> offset replace </a:t>
+            </a:r>
+            <a:r>
+              <a:rPr lang="fr-FR" dirty="0" err="1" smtClean="0"/>
+              <a:t>text</a:t>
+            </a:r>
+            <a:r>
+              <a:rPr lang="fr-FR" dirty="0" smtClean="0"/>
+              <a:t> content</a:t>
+            </a:r>
+          </a:p>
+          <a:p>
+            <a:pPr lvl="1"/>
+            <a:r>
+              <a:rPr lang="fr-FR" dirty="0" err="1" smtClean="0"/>
+              <a:t>requires</a:t>
+            </a:r>
+            <a:r>
+              <a:rPr lang="fr-FR" dirty="0" smtClean="0"/>
+              <a:t> the </a:t>
+            </a:r>
+            <a:r>
+              <a:rPr lang="fr-FR" dirty="0" err="1" smtClean="0"/>
+              <a:t>redraw</a:t>
+            </a:r>
+            <a:r>
+              <a:rPr lang="fr-FR" dirty="0" smtClean="0"/>
+              <a:t> of the </a:t>
+            </a:r>
+            <a:r>
+              <a:rPr lang="fr-FR" dirty="0" err="1" smtClean="0"/>
+              <a:t>character</a:t>
+            </a:r>
+            <a:endParaRPr lang="fr-FR" dirty="0" smtClean="0"/>
+          </a:p>
+          <a:p>
+            <a:r>
+              <a:rPr lang="fr-FR" b="1" dirty="0" err="1" smtClean="0"/>
+              <a:t>StyledText</a:t>
+            </a:r>
+            <a:r>
+              <a:rPr lang="fr-FR" dirty="0" smtClean="0"/>
+              <a:t> </a:t>
+            </a:r>
+            <a:r>
+              <a:rPr lang="fr-FR" dirty="0" err="1" smtClean="0"/>
+              <a:t>was</a:t>
+            </a:r>
+            <a:r>
+              <a:rPr lang="fr-FR" dirty="0" smtClean="0"/>
+              <a:t> been </a:t>
+            </a:r>
+            <a:r>
+              <a:rPr lang="fr-FR" dirty="0" err="1" smtClean="0"/>
+              <a:t>improved</a:t>
+            </a:r>
+            <a:endParaRPr lang="fr-FR" dirty="0" smtClean="0"/>
+          </a:p>
+          <a:p>
+            <a:pPr lvl="1"/>
+            <a:r>
+              <a:rPr lang="fr-FR" dirty="0" err="1" smtClean="0"/>
+              <a:t>Height</a:t>
+            </a:r>
+            <a:r>
+              <a:rPr lang="fr-FR" dirty="0" smtClean="0"/>
+              <a:t> </a:t>
+            </a:r>
+            <a:r>
+              <a:rPr lang="fr-FR" dirty="0" err="1" smtClean="0"/>
+              <a:t>cursor</a:t>
+            </a:r>
+            <a:r>
+              <a:rPr lang="fr-FR" dirty="0" smtClean="0"/>
+              <a:t>: line header annotation must not have </a:t>
+            </a:r>
+            <a:r>
+              <a:rPr lang="fr-FR" dirty="0" err="1" smtClean="0"/>
+              <a:t>cursor</a:t>
+            </a:r>
+            <a:endParaRPr lang="fr-FR" dirty="0" smtClean="0"/>
+          </a:p>
+          <a:p>
+            <a:pPr lvl="1"/>
+            <a:r>
+              <a:rPr lang="fr-FR" dirty="0" err="1" smtClean="0"/>
+              <a:t>Improve</a:t>
+            </a:r>
+            <a:r>
+              <a:rPr lang="fr-FR" dirty="0" smtClean="0"/>
+              <a:t> performance:  with variable line </a:t>
+            </a:r>
+            <a:r>
+              <a:rPr lang="fr-FR" dirty="0" err="1" smtClean="0"/>
+              <a:t>height</a:t>
+            </a:r>
+            <a:r>
+              <a:rPr lang="fr-FR" dirty="0" smtClean="0"/>
+              <a:t> (</a:t>
+            </a:r>
+            <a:r>
+              <a:rPr lang="fr-FR" dirty="0" err="1" smtClean="0"/>
+              <a:t>word</a:t>
+            </a:r>
+            <a:r>
+              <a:rPr lang="fr-FR" dirty="0" smtClean="0"/>
+              <a:t> wrap)</a:t>
+            </a:r>
+          </a:p>
+          <a:p>
+            <a:r>
+              <a:rPr lang="fr-FR" b="1" dirty="0" smtClean="0"/>
+              <a:t>Line </a:t>
+            </a:r>
+            <a:r>
+              <a:rPr lang="fr-FR" b="1" dirty="0" err="1" smtClean="0"/>
+              <a:t>number</a:t>
+            </a:r>
+            <a:r>
+              <a:rPr lang="fr-FR" b="1" dirty="0" smtClean="0"/>
+              <a:t> / </a:t>
+            </a:r>
+            <a:r>
+              <a:rPr lang="fr-FR" b="1" dirty="0" err="1" smtClean="0"/>
+              <a:t>Fold</a:t>
+            </a:r>
+            <a:r>
+              <a:rPr lang="fr-FR" b="1" dirty="0" smtClean="0"/>
+              <a:t> </a:t>
+            </a:r>
+            <a:r>
+              <a:rPr lang="fr-FR" b="1" dirty="0" err="1" smtClean="0"/>
+              <a:t>icon</a:t>
+            </a:r>
+            <a:r>
+              <a:rPr lang="fr-FR" dirty="0" smtClean="0"/>
+              <a:t> location</a:t>
+            </a:r>
+          </a:p>
+        </p:txBody>
+      </p:sp>
+    </p:spTree>
+    <p:extLst>
+      <p:ext uri="{BB962C8B-B14F-4D97-AF65-F5344CB8AC3E}">
+        <p14:creationId xmlns:p14="http://schemas.microsoft.com/office/powerpoint/2010/main" val="257407320"/>
+      </p:ext>
+    </p:extLst>
+  </p:cSld>
+  <p:clrMapOvr>
+    <a:masterClrMapping/>
+  </p:clrMapOvr>
+  <p:timing>
+    <p:tnLst>
+      <p:par>
+        <p:cTn id="1" dur="indefinite" restart="never" nodeType="tmRoot"/>
+      </p:par>
+    </p:tnLst>
+  </p:timing>
+</p:sld>
+</file>
+
+<file path=ppt/slides/slide26.xml><?xml version="1.0" encoding="utf-8"?>
+<p:sld xmlns:a="http://schemas.openxmlformats.org/drawingml/2006/main" xmlns:r="http://schemas.openxmlformats.org/officeDocument/2006/relationships" xmlns:p="http://schemas.openxmlformats.org/presentationml/2006/main">
+  <p:cSld>
+    <p:spTree>
+      <p:nvGrpSpPr>
+        <p:cNvPr id="1" name=""/>
+        <p:cNvGrpSpPr/>
+        <p:nvPr/>
+      </p:nvGrpSpPr>
+      <p:grpSpPr>
+        <a:xfrm>
+          <a:off x="0" y="0"/>
+          <a:ext cx="0" cy="0"/>
+          <a:chOff x="0" y="0"/>
+          <a:chExt cx="0" cy="0"/>
+        </a:xfrm>
+      </p:grpSpPr>
+      <p:sp>
+        <p:nvSpPr>
+          <p:cNvPr id="2" name="Titre 1"/>
+          <p:cNvSpPr>
+            <a:spLocks noGrp="1"/>
+          </p:cNvSpPr>
+          <p:nvPr>
+            <p:ph type="title"/>
+          </p:nvPr>
+        </p:nvSpPr>
+        <p:spPr/>
+        <p:txBody>
+          <a:bodyPr>
+            <a:normAutofit fontScale="90000"/>
+          </a:bodyPr>
+          <a:lstStyle/>
+          <a:p>
+            <a:r>
+              <a:rPr lang="fr-FR" dirty="0" smtClean="0"/>
+              <a:t>Issues</a:t>
+            </a:r>
+            <a:endParaRPr lang="fr-FR" dirty="0"/>
+          </a:p>
+        </p:txBody>
+      </p:sp>
+      <p:sp>
+        <p:nvSpPr>
+          <p:cNvPr id="3" name="Espace réservé du contenu 2"/>
+          <p:cNvSpPr>
+            <a:spLocks noGrp="1"/>
+          </p:cNvSpPr>
+          <p:nvPr>
+            <p:ph idx="1"/>
+          </p:nvPr>
+        </p:nvSpPr>
+        <p:spPr/>
+        <p:txBody>
+          <a:bodyPr/>
+          <a:lstStyle/>
+          <a:p>
+            <a:r>
+              <a:rPr lang="fr-FR" dirty="0" smtClean="0"/>
+              <a:t>Eclipse </a:t>
+            </a:r>
+            <a:r>
+              <a:rPr lang="fr-FR" dirty="0" err="1" smtClean="0"/>
+              <a:t>Bugzilla</a:t>
+            </a:r>
+            <a:r>
+              <a:rPr lang="fr-FR" dirty="0" smtClean="0"/>
+              <a:t>: tag </a:t>
+            </a:r>
+            <a:r>
+              <a:rPr lang="fr-FR" dirty="0" err="1" smtClean="0"/>
+              <a:t>title</a:t>
+            </a:r>
+            <a:r>
+              <a:rPr lang="fr-FR" dirty="0" smtClean="0"/>
+              <a:t> </a:t>
+            </a:r>
+            <a:r>
+              <a:rPr lang="fr-FR" dirty="0" err="1" smtClean="0"/>
+              <a:t>with</a:t>
+            </a:r>
+            <a:r>
+              <a:rPr lang="fr-FR" dirty="0" smtClean="0"/>
+              <a:t> </a:t>
+            </a:r>
+            <a:r>
+              <a:rPr lang="fr-FR" b="1" dirty="0" smtClean="0"/>
+              <a:t>[code </a:t>
+            </a:r>
+            <a:r>
+              <a:rPr lang="fr-FR" b="1" dirty="0" err="1" smtClean="0"/>
+              <a:t>mining</a:t>
+            </a:r>
+            <a:r>
+              <a:rPr lang="fr-FR" b="1" dirty="0" smtClean="0"/>
+              <a:t>]</a:t>
+            </a:r>
+          </a:p>
+          <a:p>
+            <a:pPr lvl="2"/>
+            <a:r>
+              <a:rPr lang="fr-FR" dirty="0" smtClean="0"/>
+              <a:t>SWT</a:t>
+            </a:r>
+          </a:p>
+          <a:p>
+            <a:pPr lvl="2"/>
+            <a:r>
+              <a:rPr lang="fr-FR" dirty="0" err="1" smtClean="0"/>
+              <a:t>Text</a:t>
+            </a:r>
+            <a:endParaRPr lang="fr-FR" dirty="0" smtClean="0"/>
+          </a:p>
+          <a:p>
+            <a:r>
+              <a:rPr lang="fr-FR" dirty="0" smtClean="0"/>
+              <a:t>JDT </a:t>
+            </a:r>
+            <a:r>
+              <a:rPr lang="fr-FR" dirty="0" err="1" smtClean="0"/>
+              <a:t>CodeMining</a:t>
+            </a:r>
+            <a:r>
+              <a:rPr lang="fr-FR" dirty="0" smtClean="0"/>
+              <a:t> </a:t>
+            </a:r>
+            <a:r>
+              <a:rPr lang="fr-FR" dirty="0" err="1" smtClean="0"/>
+              <a:t>github</a:t>
+            </a:r>
+            <a:endParaRPr lang="fr-FR" dirty="0" smtClean="0"/>
+          </a:p>
+        </p:txBody>
+      </p:sp>
+    </p:spTree>
+    <p:extLst>
+      <p:ext uri="{BB962C8B-B14F-4D97-AF65-F5344CB8AC3E}">
+        <p14:creationId xmlns:p14="http://schemas.microsoft.com/office/powerpoint/2010/main" val="3383159057"/>
+      </p:ext>
+    </p:extLst>
+  </p:cSld>
+  <p:clrMapOvr>
+    <a:masterClrMapping/>
+  </p:clrMapOvr>
+  <p:timing>
+    <p:tnLst>
+      <p:par>
+        <p:cTn id="1" dur="indefinite" restart="never" nodeType="tmRoot"/>
+      </p:par>
+    </p:tnLst>
+  </p:timing>
+</p:sld>
+</file>
+
+<file path=ppt/slides/slide27.xml><?xml version="1.0" encoding="utf-8"?>
+<p:sld xmlns:a="http://schemas.openxmlformats.org/drawingml/2006/main" xmlns:r="http://schemas.openxmlformats.org/officeDocument/2006/relationships" xmlns:p="http://schemas.openxmlformats.org/presentationml/2006/main">
+  <p:cSld>
+    <p:spTree>
+      <p:nvGrpSpPr>
+        <p:cNvPr id="1" name=""/>
+        <p:cNvGrpSpPr/>
+        <p:nvPr/>
+      </p:nvGrpSpPr>
+      <p:grpSpPr>
+        <a:xfrm>
+          <a:off x="0" y="0"/>
+          <a:ext cx="0" cy="0"/>
+          <a:chOff x="0" y="0"/>
+          <a:chExt cx="0" cy="0"/>
+        </a:xfrm>
+      </p:grpSpPr>
+      <p:sp>
+        <p:nvSpPr>
+          <p:cNvPr id="2" name="Titre 1"/>
+          <p:cNvSpPr>
+            <a:spLocks noGrp="1"/>
+          </p:cNvSpPr>
+          <p:nvPr>
+            <p:ph type="title"/>
+          </p:nvPr>
+        </p:nvSpPr>
+        <p:spPr/>
+        <p:txBody>
+          <a:bodyPr>
+            <a:normAutofit fontScale="90000"/>
+          </a:bodyPr>
+          <a:lstStyle/>
+          <a:p>
+            <a:r>
+              <a:rPr lang="fr-FR" dirty="0" err="1" smtClean="0"/>
+              <a:t>What’s</a:t>
+            </a:r>
+            <a:r>
+              <a:rPr lang="fr-FR" dirty="0" smtClean="0"/>
+              <a:t> </a:t>
+            </a:r>
+            <a:r>
+              <a:rPr lang="fr-FR" dirty="0" err="1" smtClean="0"/>
+              <a:t>next</a:t>
+            </a:r>
+            <a:r>
+              <a:rPr lang="fr-FR" dirty="0" smtClean="0"/>
+              <a:t>?</a:t>
+            </a:r>
+            <a:endParaRPr lang="fr-FR" dirty="0"/>
+          </a:p>
+        </p:txBody>
+      </p:sp>
+      <p:sp>
+        <p:nvSpPr>
+          <p:cNvPr id="3" name="Espace réservé du contenu 2"/>
+          <p:cNvSpPr>
+            <a:spLocks noGrp="1"/>
+          </p:cNvSpPr>
+          <p:nvPr>
+            <p:ph idx="1"/>
+          </p:nvPr>
+        </p:nvSpPr>
+        <p:spPr/>
+        <p:txBody>
+          <a:bodyPr/>
+          <a:lstStyle/>
+          <a:p>
+            <a:r>
+              <a:rPr lang="fr-FR" dirty="0" err="1" smtClean="0"/>
+              <a:t>Improvements</a:t>
+            </a:r>
+            <a:endParaRPr lang="fr-FR" dirty="0" smtClean="0"/>
+          </a:p>
+          <a:p>
+            <a:pPr lvl="1"/>
+            <a:r>
+              <a:rPr lang="fr-FR" dirty="0" err="1" smtClean="0"/>
+              <a:t>Don’t</a:t>
+            </a:r>
+            <a:r>
+              <a:rPr lang="fr-FR" dirty="0" smtClean="0"/>
+              <a:t> </a:t>
+            </a:r>
+            <a:r>
+              <a:rPr lang="fr-FR" dirty="0" err="1" smtClean="0"/>
+              <a:t>redraw</a:t>
+            </a:r>
+            <a:r>
+              <a:rPr lang="fr-FR" dirty="0" smtClean="0"/>
+              <a:t> </a:t>
+            </a:r>
+            <a:r>
+              <a:rPr lang="fr-FR" dirty="0" err="1" smtClean="0"/>
+              <a:t>character</a:t>
+            </a:r>
+            <a:r>
+              <a:rPr lang="fr-FR" dirty="0"/>
+              <a:t>: https://bugs.eclipse.org/bugs/show_bug.cgi?id=531769</a:t>
+            </a:r>
+            <a:endParaRPr lang="fr-FR" dirty="0" smtClean="0"/>
+          </a:p>
+          <a:p>
+            <a:pPr lvl="1"/>
+            <a:r>
+              <a:rPr lang="fr-FR" dirty="0" err="1" smtClean="0"/>
+              <a:t>StyledText</a:t>
+            </a:r>
+            <a:r>
+              <a:rPr lang="fr-FR" dirty="0"/>
+              <a:t> </a:t>
+            </a:r>
+            <a:r>
+              <a:rPr lang="fr-FR" dirty="0" err="1" smtClean="0"/>
               <a:t>should</a:t>
             </a:r>
             <a:r>
@@ -16265,7 +17952,7 @@
               <a:t> a </a:t>
             </a:r>
             <a:r>
-              <a:rPr lang="fr-FR" dirty="0" err="1" smtClean="0"/>
+              <a:rPr lang="fr-FR" b="1" dirty="0" err="1" smtClean="0"/>
               <a:t>getLineCodeHeight</a:t>
             </a:r>
             <a:r>
@@ -16292,10 +17979,42 @@
               <a:rPr lang="fr-FR" dirty="0" err="1" smtClean="0"/>
               <a:t>highlight</a:t>
             </a:r>
-            <a:endParaRPr lang="fr-FR" dirty="0" smtClean="0"/>
-          </a:p>
-          <a:p>
-            <a:pPr lvl="1"/>
+            <a:r>
+              <a:rPr lang="fr-FR" dirty="0" smtClean="0"/>
+              <a:t> bug </a:t>
+            </a:r>
+            <a:r>
+              <a:rPr lang="fr-FR" dirty="0" err="1" smtClean="0"/>
+              <a:t>with</a:t>
+            </a:r>
+            <a:r>
+              <a:rPr lang="fr-FR" dirty="0" smtClean="0"/>
+              <a:t> </a:t>
+            </a:r>
+            <a:r>
+              <a:rPr lang="fr-FR" dirty="0" err="1" smtClean="0"/>
+              <a:t>dark</a:t>
+            </a:r>
+            <a:r>
+              <a:rPr lang="fr-FR" dirty="0" smtClean="0"/>
+              <a:t>: TODO </a:t>
+            </a:r>
+            <a:r>
+              <a:rPr lang="fr-FR" dirty="0" err="1" smtClean="0"/>
+              <a:t>describe</a:t>
+            </a:r>
+            <a:r>
+              <a:rPr lang="fr-FR" dirty="0" smtClean="0"/>
+              <a:t> </a:t>
+            </a:r>
+            <a:r>
+              <a:rPr lang="fr-FR" dirty="0" err="1" smtClean="0"/>
+              <a:t>those</a:t>
+            </a:r>
+            <a:r>
+              <a:rPr lang="fr-FR" dirty="0" smtClean="0"/>
+              <a:t> issues</a:t>
+            </a:r>
             <a:endParaRPr lang="fr-FR" dirty="0"/>
           </a:p>
           <a:p>
@@ -16354,9 +18073,17 @@
 </p:sld>
 </file>
 
-<file path=ppt/slides/slide24.xml><?xml version="1.0" encoding="utf-8"?>
+<file path=ppt/slides/slide28.xml><?xml version="1.0" encoding="utf-8"?>
 <p:sld xmlns:a="http://schemas.openxmlformats.org/drawingml/2006/main" xmlns:r="http://schemas.openxmlformats.org/officeDocument/2006/relationships" xmlns:p="http://schemas.openxmlformats.org/presentationml/2006/main">
   <p:cSld>
+    <p:bg>
+      <p:bgPr>
+        <a:solidFill>
+          <a:schemeClr val="bg1"/>
+        </a:solidFill>
+        <a:effectLst/>
+      </p:bgPr>
+    </p:bg>
     <p:spTree>
       <p:nvGrpSpPr>
         <p:cNvPr id="1" name=""/>
@@ -16646,17 +18373,37 @@
               <a:t> </a:t>
             </a:r>
             <a:r>
+              <a:rPr lang="fr-FR" b="1" dirty="0" err="1"/>
+              <a:t>i</a:t>
+            </a:r>
+            <a:r>
+              <a:rPr lang="fr-FR" b="1" dirty="0" err="1" smtClean="0"/>
+              <a:t>nlined</a:t>
+            </a:r>
+            <a:r>
+              <a:rPr lang="fr-FR" b="1" dirty="0" smtClean="0"/>
+              <a:t> annotations</a:t>
+            </a:r>
+            <a:r>
+              <a:rPr lang="fr-FR" dirty="0" smtClean="0"/>
+              <a:t>?</a:t>
+            </a:r>
+          </a:p>
+          <a:p>
+            <a:pPr lvl="1"/>
+            <a:r>
               <a:rPr lang="fr-FR" dirty="0" err="1"/>
-              <a:t>i</a:t>
-            </a:r>
-            <a:r>
-              <a:rPr lang="fr-FR" dirty="0" err="1" smtClean="0"/>
-              <a:t>nlined</a:t>
-            </a:r>
-            <a:r>
-              <a:rPr lang="fr-FR" dirty="0" smtClean="0"/>
-              <a:t> annotations?</a:t>
-            </a:r>
+              <a:t>definition</a:t>
+            </a:r>
+            <a:r>
+              <a:rPr lang="fr-FR" dirty="0"/>
+              <a:t>, API and </a:t>
+            </a:r>
+            <a:r>
+              <a:rPr lang="fr-FR" dirty="0" err="1" smtClean="0"/>
+              <a:t>examples</a:t>
+            </a:r>
+            <a:endParaRPr lang="fr-FR" dirty="0" smtClean="0"/>
           </a:p>
           <a:p>
             <a:r>
@@ -16673,8 +18420,32 @@
             </a:r>
             <a:r>
               <a:rPr lang="fr-FR" dirty="0" smtClean="0"/>
-              <a:t> Code Mining?</a:t>
-            </a:r>
+              <a:t> </a:t>
+            </a:r>
+            <a:r>
+              <a:rPr lang="fr-FR" b="1" dirty="0" smtClean="0"/>
+              <a:t>Code Mining</a:t>
+            </a:r>
+            <a:r>
+              <a:rPr lang="fr-FR" dirty="0" smtClean="0"/>
+              <a:t>?</a:t>
+            </a:r>
+          </a:p>
+          <a:p>
+            <a:pPr lvl="1"/>
+            <a:r>
+              <a:rPr lang="fr-FR" dirty="0" err="1" smtClean="0"/>
+              <a:t>definition</a:t>
+            </a:r>
+            <a:r>
+              <a:rPr lang="fr-FR" dirty="0" smtClean="0"/>
+              <a:t>, API and </a:t>
+            </a:r>
+            <a:r>
+              <a:rPr lang="fr-FR" dirty="0" err="1" smtClean="0"/>
+              <a:t>examples</a:t>
+            </a:r>
+            <a:endParaRPr lang="fr-FR" dirty="0" smtClean="0"/>
           </a:p>
           <a:p>
             <a:r>
@@ -16683,7 +18454,23 @@
             </a:r>
             <a:r>
               <a:rPr lang="fr-FR" dirty="0" smtClean="0"/>
-              <a:t> with JDT CodeMining</a:t>
+              <a:t> </a:t>
+            </a:r>
+            <a:r>
+              <a:rPr lang="fr-FR" dirty="0" err="1" smtClean="0"/>
+              <a:t>with</a:t>
+            </a:r>
+            <a:r>
+              <a:rPr lang="fr-FR" dirty="0" smtClean="0"/>
+              <a:t> </a:t>
+            </a:r>
+            <a:r>
+              <a:rPr lang="fr-FR" b="1" dirty="0" smtClean="0"/>
+              <a:t>JDT </a:t>
+            </a:r>
+            <a:r>
+              <a:rPr lang="fr-FR" b="1" dirty="0" smtClean="0"/>
+              <a:t>CodeMining</a:t>
             </a:r>
           </a:p>
           <a:p>
@@ -16696,7 +18483,7 @@
               <a:t> points (</a:t>
             </a:r>
             <a:r>
-              <a:rPr lang="fr-FR" dirty="0" err="1" smtClean="0"/>
+              <a:rPr lang="fr-FR" b="1" dirty="0" err="1" smtClean="0"/>
               <a:t>StyledText</a:t>
             </a:r>
             <a:r>
@@ -16704,7 +18491,7 @@
               <a:t>, </a:t>
             </a:r>
             <a:r>
-              <a:rPr lang="fr-FR" dirty="0" err="1" smtClean="0"/>
+              <a:rPr lang="fr-FR" b="1" dirty="0" err="1" smtClean="0"/>
               <a:t>GlyphMetrics</a:t>
             </a:r>
             <a:r>
@@ -16714,8 +18501,12 @@
           </a:p>
           <a:p>
             <a:r>
-              <a:rPr lang="fr-FR" dirty="0" smtClean="0"/>
-              <a:t>Issues with Code Mining</a:t>
+              <a:rPr lang="fr-FR" b="1" dirty="0" smtClean="0"/>
+              <a:t>Issues</a:t>
+            </a:r>
+            <a:r>
+              <a:rPr lang="fr-FR" dirty="0" smtClean="0"/>
+              <a:t> with Code Mining</a:t>
             </a:r>
             <a:endParaRPr lang="fr-FR" dirty="0"/>
           </a:p>
@@ -16953,18 +18744,13 @@
               <a:t> </a:t>
             </a:r>
             <a:r>
-              <a:rPr lang="fr-FR" dirty="0" err="1" smtClean="0"/>
-              <a:t>some</a:t>
-            </a:r>
-            <a:r>
-              <a:rPr lang="fr-FR" dirty="0" smtClean="0"/>
-              <a:t> </a:t>
-            </a:r>
-            <a:r>
-              <a:rPr lang="fr-FR" dirty="0" smtClean="0"/>
-              <a:t>action.</a:t>
-            </a:r>
-            <a:endParaRPr lang="fr-FR" dirty="0" smtClean="0"/>
+              <a:rPr lang="fr-FR" dirty="0" smtClean="0"/>
+              <a:t>a custom action</a:t>
+            </a:r>
+            <a:r>
+              <a:rPr lang="fr-FR" dirty="0" smtClean="0"/>
+              <a:t>.</a:t>
+            </a:r>
           </a:p>
         </p:txBody>
       </p:sp>
@@ -17439,11 +19225,19 @@
             </a:r>
             <a:r>
               <a:rPr lang="fr-FR" dirty="0" smtClean="0"/>
-              <a:t> API with </a:t>
+              <a:t> API </a:t>
+            </a:r>
+            <a:r>
+              <a:rPr lang="fr-FR" dirty="0" err="1" smtClean="0"/>
+              <a:t>with</a:t>
+            </a:r>
+            <a:r>
+              <a:rPr lang="fr-FR" dirty="0" smtClean="0"/>
+              <a:t> </a:t>
             </a:r>
             <a:r>
               <a:rPr lang="fr-FR" b="1" dirty="0" err="1" smtClean="0"/>
-              <a:t>CalculatorInlinedAnnotationDemo</a:t>
+              <a:t>CalculatorWithInlinedAnnotation</a:t>
             </a:r>
             <a:endParaRPr lang="fr-FR" b="1" dirty="0" smtClean="0"/>
           </a:p>
@@ -17560,6 +19354,30 @@
           </a:prstGeom>
         </p:spPr>
       </p:pic>
+      <p:pic>
+        <p:nvPicPr>
+          <p:cNvPr id="8" name="Image 7"/>
+          <p:cNvPicPr>
+            <a:picLocks noChangeAspect="1"/>
+          </p:cNvPicPr>
+          <p:nvPr/>
+        </p:nvPicPr>
+        <p:blipFill>
+          <a:blip r:embed="rId6"/>
+          <a:stretch>
+            <a:fillRect/>
+          </a:stretch>
+        </p:blipFill>
+        <p:spPr>
+          <a:xfrm>
+            <a:off x="994322" y="3527864"/>
+            <a:ext cx="6342932" cy="897210"/>
+          </a:xfrm>
+          <a:prstGeom prst="rect">
+            <a:avLst/>
+          </a:prstGeom>
+        </p:spPr>
+      </p:pic>
     </p:spTree>
     <p:extLst>
       <p:ext uri="{BB962C8B-B14F-4D97-AF65-F5344CB8AC3E}">
@@ -17769,15 +19587,7 @@
             <a:pPr lvl="2"/>
             <a:r>
               <a:rPr lang="en-US" dirty="0" smtClean="0"/>
-              <a:t>Clickable </a:t>
-            </a:r>
-            <a:r>
-              <a:rPr lang="en-US" dirty="0" smtClean="0"/>
-              <a:t>to </a:t>
-            </a:r>
-            <a:r>
-              <a:rPr lang="en-US" dirty="0" smtClean="0"/>
-              <a:t>open a color picker</a:t>
+              <a:t>Clickable to open a color picker</a:t>
             </a:r>
             <a:endParaRPr lang="en-US" dirty="0"/>
           </a:p>
@@ -17886,11 +19696,7 @@
             </a:r>
             <a:r>
               <a:rPr lang="fr-FR" dirty="0" smtClean="0"/>
-              <a:t> </a:t>
-            </a:r>
-            <a:r>
-              <a:rPr lang="fr-FR" dirty="0" smtClean="0"/>
-              <a:t>Code Mining?</a:t>
+              <a:t> Code Mining?</a:t>
             </a:r>
             <a:endParaRPr lang="fr-FR" dirty="0"/>
           </a:p>
@@ -18193,11 +19999,15 @@
             </a:r>
             <a:r>
               <a:rPr lang="fr-FR" dirty="0" smtClean="0"/>
-              <a:t> </a:t>
-            </a:r>
-            <a:r>
-              <a:rPr lang="fr-FR" dirty="0" smtClean="0"/>
-              <a:t>Code Mining?</a:t>
+              <a:t> Code Mining? – </a:t>
+            </a:r>
+            <a:r>
+              <a:rPr lang="fr-FR" dirty="0" err="1" smtClean="0"/>
+              <a:t>Internal</a:t>
+            </a:r>
+            <a:r>
+              <a:rPr lang="fr-FR" dirty="0" smtClean="0"/>
+              <a:t> class</a:t>
             </a:r>
             <a:endParaRPr lang="fr-FR" dirty="0"/>
           </a:p>
@@ -18216,7 +20026,7 @@
         <p:spPr/>
         <p:txBody>
           <a:bodyPr>
-            <a:normAutofit fontScale="92500" lnSpcReduction="10000"/>
+            <a:normAutofit fontScale="85000" lnSpcReduction="20000"/>
           </a:bodyPr>
           <a:lstStyle/>
           <a:p>
@@ -18235,6 +20045,27 @@
             <a:r>
               <a:rPr lang="fr-FR" dirty="0" smtClean="0"/>
               <a:t> </a:t>
+            </a:r>
+            <a:r>
+              <a:rPr lang="fr-FR" dirty="0" err="1" smtClean="0"/>
+              <a:t>internal</a:t>
+            </a:r>
+            <a:r>
+              <a:rPr lang="fr-FR" dirty="0" smtClean="0"/>
+              <a:t> class </a:t>
+            </a:r>
+          </a:p>
+          <a:p>
+            <a:pPr marL="0" indent="0">
+              <a:buNone/>
+            </a:pPr>
+            <a:r>
+              <a:rPr lang="fr-FR" b="1" dirty="0"/>
+              <a:t> </a:t>
+            </a:r>
+            <a:r>
+              <a:rPr lang="fr-FR" b="1" dirty="0" smtClean="0"/>
+              <a:t>   </a:t>
             </a:r>
             <a:r>
               <a:rPr lang="fr-FR" b="1" dirty="0" err="1" smtClean="0"/>

--- a/EclipseConFrance2018_CodeMining.pptx
+++ b/EclipseConFrance2018_CodeMining.pptx
@@ -24,15 +24,16 @@
     <p:sldId id="286" r:id="rId18"/>
     <p:sldId id="278" r:id="rId19"/>
     <p:sldId id="288" r:id="rId20"/>
-    <p:sldId id="289" r:id="rId21"/>
-    <p:sldId id="273" r:id="rId22"/>
-    <p:sldId id="274" r:id="rId23"/>
-    <p:sldId id="266" r:id="rId24"/>
-    <p:sldId id="267" r:id="rId25"/>
-    <p:sldId id="268" r:id="rId26"/>
-    <p:sldId id="271" r:id="rId27"/>
-    <p:sldId id="275" r:id="rId28"/>
-    <p:sldId id="269" r:id="rId29"/>
+    <p:sldId id="290" r:id="rId21"/>
+    <p:sldId id="289" r:id="rId22"/>
+    <p:sldId id="273" r:id="rId23"/>
+    <p:sldId id="274" r:id="rId24"/>
+    <p:sldId id="266" r:id="rId25"/>
+    <p:sldId id="267" r:id="rId26"/>
+    <p:sldId id="268" r:id="rId27"/>
+    <p:sldId id="271" r:id="rId28"/>
+    <p:sldId id="275" r:id="rId29"/>
+    <p:sldId id="269" r:id="rId30"/>
   </p:sldIdLst>
   <p:sldSz cx="9144000" cy="5143500" type="screen16x9"/>
   <p:notesSz cx="6858000" cy="9144000"/>
@@ -14933,7 +14934,7 @@
             </a:r>
             <a:r>
               <a:rPr lang="fr-FR" b="1" dirty="0" err="1" smtClean="0"/>
-              <a:t>CalculatorWithCodeMining</a:t>
+              <a:t>EmojiWithCodeMining</a:t>
             </a:r>
             <a:endParaRPr lang="fr-FR" b="1" dirty="0" smtClean="0"/>
           </a:p>
@@ -15823,7 +15824,27 @@
           <a:p>
             <a:r>
               <a:rPr lang="fr-FR" dirty="0" smtClean="0"/>
-              <a:t>Code Mining – Extension Point</a:t>
+              <a:t>How to </a:t>
+            </a:r>
+            <a:r>
+              <a:rPr lang="fr-FR" dirty="0" err="1" smtClean="0"/>
+              <a:t>integrate</a:t>
+            </a:r>
+            <a:r>
+              <a:rPr lang="fr-FR" dirty="0" smtClean="0"/>
+              <a:t> </a:t>
+            </a:r>
+            <a:r>
+              <a:rPr lang="fr-FR" dirty="0" smtClean="0"/>
+              <a:t>Code </a:t>
+            </a:r>
+            <a:r>
+              <a:rPr lang="fr-FR" dirty="0" smtClean="0"/>
+              <a:t>Mining </a:t>
+            </a:r>
+            <a:r>
+              <a:rPr lang="fr-FR" dirty="0" smtClean="0"/>
+              <a:t>in Editor</a:t>
             </a:r>
             <a:endParaRPr lang="fr-FR" dirty="0"/>
           </a:p>
@@ -15846,24 +15867,41 @@
           <a:p>
             <a:r>
               <a:rPr lang="fr-FR" dirty="0" err="1" smtClean="0"/>
-              <a:t>Work</a:t>
-            </a:r>
-            <a:r>
-              <a:rPr lang="fr-FR" dirty="0" smtClean="0"/>
-              <a:t> with </a:t>
-            </a:r>
-            <a:r>
-              <a:rPr lang="fr-FR" dirty="0" err="1" smtClean="0"/>
-              <a:t>any</a:t>
-            </a:r>
-            <a:r>
-              <a:rPr lang="fr-FR" dirty="0" smtClean="0"/>
-              <a:t> editor</a:t>
-            </a:r>
-          </a:p>
-          <a:p>
-            <a:r>
-              <a:rPr lang="fr-FR" b="1" smtClean="0"/>
+              <a:t>Rules</a:t>
+            </a:r>
+            <a:r>
+              <a:rPr lang="fr-FR" dirty="0" smtClean="0"/>
+              <a:t>:</a:t>
+            </a:r>
+          </a:p>
+          <a:p>
+            <a:pPr lvl="1"/>
+            <a:r>
+              <a:rPr lang="fr-FR" dirty="0" err="1" smtClean="0"/>
+              <a:t>register</a:t>
+            </a:r>
+            <a:r>
+              <a:rPr lang="fr-FR" dirty="0" smtClean="0"/>
+              <a:t> code </a:t>
+            </a:r>
+            <a:r>
+              <a:rPr lang="fr-FR" dirty="0" err="1" smtClean="0"/>
+              <a:t>mining</a:t>
+            </a:r>
+            <a:r>
+              <a:rPr lang="fr-FR" dirty="0" smtClean="0"/>
+              <a:t> provider </a:t>
+            </a:r>
+            <a:r>
+              <a:rPr lang="fr-FR" dirty="0" err="1" smtClean="0"/>
+              <a:t>with</a:t>
+            </a:r>
+            <a:r>
+              <a:rPr lang="fr-FR" dirty="0" smtClean="0"/>
+              <a:t> </a:t>
+            </a:r>
+            <a:r>
+              <a:rPr lang="fr-FR" b="1" dirty="0" err="1" smtClean="0"/>
               <a:t>org.eclipse.ui.workbench.texteditor.codeminingProviders</a:t>
             </a:r>
             <a:r>
@@ -15872,42 +15910,122 @@
             </a:r>
             <a:r>
               <a:rPr lang="fr-FR" dirty="0" smtClean="0"/>
+              <a:t>extension </a:t>
+            </a:r>
+            <a:r>
+              <a:rPr lang="fr-FR" dirty="0" smtClean="0"/>
+              <a:t>point</a:t>
+            </a:r>
+          </a:p>
+          <a:p>
+            <a:pPr lvl="1"/>
+            <a:r>
+              <a:rPr lang="fr-FR" dirty="0" smtClean="0"/>
+              <a:t>update code </a:t>
+            </a:r>
+            <a:r>
+              <a:rPr lang="fr-FR" dirty="0" err="1" smtClean="0"/>
+              <a:t>minings</a:t>
+            </a:r>
+            <a:r>
+              <a:rPr lang="fr-FR" dirty="0" smtClean="0"/>
+              <a:t> </a:t>
+            </a:r>
+            <a:r>
+              <a:rPr lang="fr-FR" dirty="0" err="1" smtClean="0"/>
+              <a:t>when</a:t>
+            </a:r>
+            <a:r>
+              <a:rPr lang="fr-FR" dirty="0" smtClean="0"/>
+              <a:t> </a:t>
+            </a:r>
+            <a:r>
+              <a:rPr lang="fr-FR" dirty="0" err="1" smtClean="0"/>
+              <a:t>text</a:t>
+            </a:r>
+            <a:r>
+              <a:rPr lang="fr-FR" dirty="0" smtClean="0"/>
+              <a:t> </a:t>
+            </a:r>
+            <a:r>
+              <a:rPr lang="fr-FR" dirty="0" err="1" smtClean="0"/>
+              <a:t>changed</a:t>
+            </a:r>
+            <a:r>
+              <a:rPr lang="fr-FR" dirty="0" smtClean="0"/>
+              <a:t> </a:t>
+            </a:r>
+            <a:r>
+              <a:rPr lang="fr-FR" dirty="0" err="1" smtClean="0"/>
+              <a:t>with</a:t>
+            </a:r>
+            <a:r>
+              <a:rPr lang="fr-FR" dirty="0" smtClean="0"/>
+              <a:t> thread, </a:t>
+            </a:r>
+            <a:r>
+              <a:rPr lang="fr-FR" dirty="0" err="1" smtClean="0"/>
+              <a:t>reconciler</a:t>
+            </a:r>
+            <a:r>
+              <a:rPr lang="fr-FR" dirty="0" smtClean="0"/>
+              <a:t>, </a:t>
+            </a:r>
+            <a:r>
+              <a:rPr lang="fr-FR" dirty="0" err="1" smtClean="0"/>
+              <a:t>etc</a:t>
+            </a:r>
+            <a:endParaRPr lang="fr-FR" dirty="0" smtClean="0"/>
+          </a:p>
+          <a:p>
+            <a:pPr lvl="2"/>
+            <a:r>
+              <a:rPr lang="fr-FR" dirty="0" err="1" smtClean="0"/>
+              <a:t>With</a:t>
+            </a:r>
+            <a:r>
+              <a:rPr lang="fr-FR" dirty="0" smtClean="0"/>
+              <a:t> custom editor:</a:t>
+            </a:r>
+          </a:p>
+          <a:p>
+            <a:pPr lvl="2"/>
+            <a:r>
+              <a:rPr lang="fr-FR" dirty="0" smtClean="0"/>
+              <a:t>In JDT, </a:t>
+            </a:r>
+            <a:r>
+              <a:rPr lang="fr-FR" dirty="0" err="1" smtClean="0"/>
+              <a:t>IReconcilingListener</a:t>
+            </a:r>
+            <a:endParaRPr lang="fr-FR" dirty="0" smtClean="0"/>
+          </a:p>
+          <a:p>
+            <a:pPr lvl="2"/>
+            <a:r>
+              <a:rPr lang="fr-FR" dirty="0" err="1" smtClean="0"/>
+              <a:t>With</a:t>
+            </a:r>
+            <a:r>
+              <a:rPr lang="fr-FR" dirty="0" smtClean="0"/>
+              <a:t> </a:t>
+            </a:r>
+            <a:r>
+              <a:rPr lang="fr-FR" dirty="0" err="1" smtClean="0"/>
+              <a:t>Genereic</a:t>
+            </a:r>
+            <a:r>
+              <a:rPr lang="fr-FR" dirty="0" smtClean="0"/>
+              <a:t> editor: </a:t>
+            </a:r>
+            <a:r>
+              <a:rPr lang="fr-FR" smtClean="0"/>
               <a:t>extension point</a:t>
             </a:r>
-          </a:p>
-          <a:p>
-            <a:r>
-              <a:rPr lang="fr-FR" dirty="0" err="1" smtClean="0"/>
-              <a:t>See</a:t>
-            </a:r>
-            <a:r>
-              <a:rPr lang="fr-FR" dirty="0" smtClean="0"/>
-              <a:t> </a:t>
-            </a:r>
-            <a:r>
-              <a:rPr lang="fr-FR" dirty="0" err="1" smtClean="0"/>
-              <a:t>generic</a:t>
-            </a:r>
-            <a:r>
-              <a:rPr lang="fr-FR" dirty="0" smtClean="0"/>
-              <a:t> </a:t>
-            </a:r>
-            <a:r>
-              <a:rPr lang="fr-FR" dirty="0" smtClean="0"/>
-              <a:t>editor </a:t>
-            </a:r>
-            <a:r>
-              <a:rPr lang="fr-FR" dirty="0" err="1" smtClean="0"/>
-              <a:t>sample</a:t>
-            </a:r>
-            <a:r>
-              <a:rPr lang="fr-FR" dirty="0" smtClean="0"/>
-              <a:t> </a:t>
-            </a:r>
-            <a:r>
-              <a:rPr lang="fr-FR" dirty="0" err="1" smtClean="0"/>
-              <a:t>dotproject</a:t>
-            </a:r>
+            <a:endParaRPr lang="fr-FR" dirty="0" smtClean="0"/>
+          </a:p>
+          <a:p>
+            <a:pPr lvl="3"/>
             <a:endParaRPr lang="fr-FR" dirty="0" smtClean="0"/>
           </a:p>
           <a:p>
@@ -15915,30 +16033,6 @@
           </a:p>
         </p:txBody>
       </p:sp>
-      <p:pic>
-        <p:nvPicPr>
-          <p:cNvPr id="4" name="Image 3"/>
-          <p:cNvPicPr>
-            <a:picLocks noChangeAspect="1"/>
-          </p:cNvPicPr>
-          <p:nvPr/>
-        </p:nvPicPr>
-        <p:blipFill>
-          <a:blip r:embed="rId2"/>
-          <a:stretch>
-            <a:fillRect/>
-          </a:stretch>
-        </p:blipFill>
-        <p:spPr>
-          <a:xfrm>
-            <a:off x="452461" y="2283718"/>
-            <a:ext cx="8244408" cy="2157977"/>
-          </a:xfrm>
-          <a:prstGeom prst="rect">
-            <a:avLst/>
-          </a:prstGeom>
-        </p:spPr>
-      </p:pic>
     </p:spTree>
     <p:extLst>
       <p:ext uri="{BB962C8B-B14F-4D97-AF65-F5344CB8AC3E}">
@@ -16303,6 +16397,182 @@
           <a:p>
             <a:r>
               <a:rPr lang="fr-FR" dirty="0" smtClean="0"/>
+              <a:t>Code Mining – Extension Point</a:t>
+            </a:r>
+            <a:endParaRPr lang="fr-FR" dirty="0"/>
+          </a:p>
+        </p:txBody>
+      </p:sp>
+      <p:sp>
+        <p:nvSpPr>
+          <p:cNvPr id="3" name="Espace réservé du contenu 2"/>
+          <p:cNvSpPr>
+            <a:spLocks noGrp="1"/>
+          </p:cNvSpPr>
+          <p:nvPr>
+            <p:ph idx="1"/>
+          </p:nvPr>
+        </p:nvSpPr>
+        <p:spPr/>
+        <p:txBody>
+          <a:bodyPr/>
+          <a:lstStyle/>
+          <a:p>
+            <a:r>
+              <a:rPr lang="fr-FR" dirty="0" err="1" smtClean="0"/>
+              <a:t>Work</a:t>
+            </a:r>
+            <a:r>
+              <a:rPr lang="fr-FR" dirty="0" smtClean="0"/>
+              <a:t> with </a:t>
+            </a:r>
+            <a:r>
+              <a:rPr lang="fr-FR" dirty="0" err="1" smtClean="0"/>
+              <a:t>any</a:t>
+            </a:r>
+            <a:r>
+              <a:rPr lang="fr-FR" dirty="0" smtClean="0"/>
+              <a:t> editor</a:t>
+            </a:r>
+          </a:p>
+          <a:p>
+            <a:r>
+              <a:rPr lang="fr-FR" b="1" dirty="0" err="1" smtClean="0"/>
+              <a:t>org.eclipse.ui.workbench.texteditor.codeminingProviders</a:t>
+            </a:r>
+            <a:r>
+              <a:rPr lang="fr-FR" dirty="0" smtClean="0"/>
+              <a:t> </a:t>
+            </a:r>
+            <a:r>
+              <a:rPr lang="fr-FR" dirty="0" smtClean="0"/>
+              <a:t>extension </a:t>
+            </a:r>
+            <a:r>
+              <a:rPr lang="fr-FR" dirty="0" smtClean="0"/>
+              <a:t>point</a:t>
+            </a:r>
+          </a:p>
+          <a:p>
+            <a:r>
+              <a:rPr lang="fr-FR" dirty="0" err="1" smtClean="0"/>
+              <a:t>See</a:t>
+            </a:r>
+            <a:r>
+              <a:rPr lang="fr-FR" dirty="0" smtClean="0"/>
+              <a:t> </a:t>
+            </a:r>
+            <a:r>
+              <a:rPr lang="fr-FR" dirty="0" err="1" smtClean="0"/>
+              <a:t>generic</a:t>
+            </a:r>
+            <a:r>
+              <a:rPr lang="fr-FR" dirty="0" smtClean="0"/>
+              <a:t> </a:t>
+            </a:r>
+            <a:r>
+              <a:rPr lang="fr-FR" dirty="0" smtClean="0"/>
+              <a:t>editor </a:t>
+            </a:r>
+            <a:r>
+              <a:rPr lang="fr-FR" dirty="0" err="1" smtClean="0"/>
+              <a:t>sample</a:t>
+            </a:r>
+            <a:r>
+              <a:rPr lang="fr-FR" dirty="0" smtClean="0"/>
+              <a:t> </a:t>
+            </a:r>
+            <a:r>
+              <a:rPr lang="fr-FR" dirty="0" err="1" smtClean="0"/>
+              <a:t>dotproject</a:t>
+            </a:r>
+            <a:endParaRPr lang="fr-FR" dirty="0" smtClean="0"/>
+          </a:p>
+          <a:p>
+            <a:endParaRPr lang="fr-FR" dirty="0"/>
+          </a:p>
+        </p:txBody>
+      </p:sp>
+      <p:pic>
+        <p:nvPicPr>
+          <p:cNvPr id="4" name="Image 3"/>
+          <p:cNvPicPr>
+            <a:picLocks noChangeAspect="1"/>
+          </p:cNvPicPr>
+          <p:nvPr/>
+        </p:nvPicPr>
+        <p:blipFill>
+          <a:blip r:embed="rId2"/>
+          <a:stretch>
+            <a:fillRect/>
+          </a:stretch>
+        </p:blipFill>
+        <p:spPr>
+          <a:xfrm>
+            <a:off x="971600" y="2643758"/>
+            <a:ext cx="6645149" cy="1739370"/>
+          </a:xfrm>
+          <a:prstGeom prst="rect">
+            <a:avLst/>
+          </a:prstGeom>
+        </p:spPr>
+      </p:pic>
+    </p:spTree>
+    <p:extLst>
+      <p:ext uri="{BB962C8B-B14F-4D97-AF65-F5344CB8AC3E}">
+        <p14:creationId xmlns:p14="http://schemas.microsoft.com/office/powerpoint/2010/main" val="1463909878"/>
+      </p:ext>
+    </p:extLst>
+  </p:cSld>
+  <p:clrMapOvr>
+    <a:masterClrMapping/>
+  </p:clrMapOvr>
+  <p:timing>
+    <p:tnLst>
+      <p:par>
+        <p:cTn id="1" dur="indefinite" restart="never" nodeType="tmRoot"/>
+      </p:par>
+    </p:tnLst>
+  </p:timing>
+</p:sld>
+</file>
+
+<file path=ppt/slides/slide21.xml><?xml version="1.0" encoding="utf-8"?>
+<p:sld xmlns:a="http://schemas.openxmlformats.org/drawingml/2006/main" xmlns:r="http://schemas.openxmlformats.org/officeDocument/2006/relationships" xmlns:p="http://schemas.openxmlformats.org/presentationml/2006/main">
+  <p:cSld>
+    <p:spTree>
+      <p:nvGrpSpPr>
+        <p:cNvPr id="1" name=""/>
+        <p:cNvGrpSpPr/>
+        <p:nvPr/>
+      </p:nvGrpSpPr>
+      <p:grpSpPr>
+        <a:xfrm>
+          <a:off x="0" y="0"/>
+          <a:ext cx="0" cy="0"/>
+          <a:chOff x="0" y="0"/>
+          <a:chExt cx="0" cy="0"/>
+        </a:xfrm>
+      </p:grpSpPr>
+      <p:sp>
+        <p:nvSpPr>
+          <p:cNvPr id="2" name="Titre 1"/>
+          <p:cNvSpPr>
+            <a:spLocks noGrp="1"/>
+          </p:cNvSpPr>
+          <p:nvPr>
+            <p:ph type="title"/>
+          </p:nvPr>
+        </p:nvSpPr>
+        <p:spPr/>
+        <p:txBody>
+          <a:bodyPr>
+            <a:normAutofit fontScale="90000"/>
+          </a:bodyPr>
+          <a:lstStyle/>
+          <a:p>
+            <a:r>
+              <a:rPr lang="fr-FR" dirty="0" smtClean="0"/>
               <a:t>Code </a:t>
             </a:r>
             <a:r>
@@ -16632,7 +16902,7 @@
 </p:sld>
 </file>
 
-<file path=ppt/slides/slide21.xml><?xml version="1.0" encoding="utf-8"?>
+<file path=ppt/slides/slide22.xml><?xml version="1.0" encoding="utf-8"?>
 <p:sld xmlns:a="http://schemas.openxmlformats.org/drawingml/2006/main" xmlns:r="http://schemas.openxmlformats.org/officeDocument/2006/relationships" xmlns:p="http://schemas.openxmlformats.org/presentationml/2006/main">
   <p:cSld>
     <p:spTree>
@@ -16863,7 +17133,7 @@
 </p:sld>
 </file>
 
-<file path=ppt/slides/slide22.xml><?xml version="1.0" encoding="utf-8"?>
+<file path=ppt/slides/slide23.xml><?xml version="1.0" encoding="utf-8"?>
 <p:sld xmlns:a="http://schemas.openxmlformats.org/drawingml/2006/main" xmlns:r="http://schemas.openxmlformats.org/officeDocument/2006/relationships" xmlns:p="http://schemas.openxmlformats.org/presentationml/2006/main">
   <p:cSld>
     <p:spTree>
@@ -17058,143 +17328,6 @@
 </p:sld>
 </file>
 
-<file path=ppt/slides/slide23.xml><?xml version="1.0" encoding="utf-8"?>
-<p:sld xmlns:a="http://schemas.openxmlformats.org/drawingml/2006/main" xmlns:r="http://schemas.openxmlformats.org/officeDocument/2006/relationships" xmlns:p="http://schemas.openxmlformats.org/presentationml/2006/main">
-  <p:cSld>
-    <p:spTree>
-      <p:nvGrpSpPr>
-        <p:cNvPr id="1" name=""/>
-        <p:cNvGrpSpPr/>
-        <p:nvPr/>
-      </p:nvGrpSpPr>
-      <p:grpSpPr>
-        <a:xfrm>
-          <a:off x="0" y="0"/>
-          <a:ext cx="0" cy="0"/>
-          <a:chOff x="0" y="0"/>
-          <a:chExt cx="0" cy="0"/>
-        </a:xfrm>
-      </p:grpSpPr>
-      <p:sp>
-        <p:nvSpPr>
-          <p:cNvPr id="2" name="Titre 1"/>
-          <p:cNvSpPr>
-            <a:spLocks noGrp="1"/>
-          </p:cNvSpPr>
-          <p:nvPr>
-            <p:ph type="title"/>
-          </p:nvPr>
-        </p:nvSpPr>
-        <p:spPr/>
-        <p:txBody>
-          <a:bodyPr>
-            <a:normAutofit fontScale="90000"/>
-          </a:bodyPr>
-          <a:lstStyle/>
-          <a:p>
-            <a:r>
-              <a:rPr lang="fr-FR" dirty="0" err="1" smtClean="0"/>
-              <a:t>Demo</a:t>
-            </a:r>
-            <a:r>
-              <a:rPr lang="fr-FR" dirty="0" smtClean="0"/>
-              <a:t> with </a:t>
-            </a:r>
-            <a:r>
-              <a:rPr lang="fr-FR" dirty="0" err="1" smtClean="0"/>
-              <a:t>generic</a:t>
-            </a:r>
-            <a:r>
-              <a:rPr lang="fr-FR" dirty="0" smtClean="0"/>
-              <a:t> editor</a:t>
-            </a:r>
-            <a:endParaRPr lang="fr-FR" dirty="0"/>
-          </a:p>
-        </p:txBody>
-      </p:sp>
-      <p:sp>
-        <p:nvSpPr>
-          <p:cNvPr id="3" name="Espace réservé du contenu 2"/>
-          <p:cNvSpPr>
-            <a:spLocks noGrp="1"/>
-          </p:cNvSpPr>
-          <p:nvPr>
-            <p:ph idx="1"/>
-          </p:nvPr>
-        </p:nvSpPr>
-        <p:spPr/>
-        <p:txBody>
-          <a:bodyPr/>
-          <a:lstStyle/>
-          <a:p>
-            <a:r>
-              <a:rPr lang="fr-FR" dirty="0" smtClean="0"/>
-              <a:t>Eclipse </a:t>
-            </a:r>
-            <a:r>
-              <a:rPr lang="fr-FR" dirty="0" err="1" smtClean="0"/>
-              <a:t>BlueSky</a:t>
-            </a:r>
-            <a:r>
-              <a:rPr lang="fr-FR" dirty="0" smtClean="0"/>
-              <a:t> and CSS </a:t>
-            </a:r>
-            <a:r>
-              <a:rPr lang="fr-FR" dirty="0" err="1" smtClean="0"/>
-              <a:t>Language</a:t>
-            </a:r>
-            <a:r>
-              <a:rPr lang="fr-FR" dirty="0" smtClean="0"/>
-              <a:t> Server</a:t>
-            </a:r>
-            <a:endParaRPr lang="fr-FR" dirty="0"/>
-          </a:p>
-        </p:txBody>
-      </p:sp>
-      <p:pic>
-        <p:nvPicPr>
-          <p:cNvPr id="4" name="Image 3"/>
-          <p:cNvPicPr>
-            <a:picLocks noChangeAspect="1"/>
-          </p:cNvPicPr>
-          <p:nvPr/>
-        </p:nvPicPr>
-        <p:blipFill>
-          <a:blip r:embed="rId2"/>
-          <a:stretch>
-            <a:fillRect/>
-          </a:stretch>
-        </p:blipFill>
-        <p:spPr>
-          <a:xfrm>
-            <a:off x="1547664" y="1491630"/>
-            <a:ext cx="3933825" cy="1085850"/>
-          </a:xfrm>
-          <a:prstGeom prst="rect">
-            <a:avLst/>
-          </a:prstGeom>
-        </p:spPr>
-      </p:pic>
-    </p:spTree>
-    <p:extLst>
-      <p:ext uri="{BB962C8B-B14F-4D97-AF65-F5344CB8AC3E}">
-        <p14:creationId xmlns:p14="http://schemas.microsoft.com/office/powerpoint/2010/main" val="1444185114"/>
-      </p:ext>
-    </p:extLst>
-  </p:cSld>
-  <p:clrMapOvr>
-    <a:masterClrMapping/>
-  </p:clrMapOvr>
-  <p:timing>
-    <p:tnLst>
-      <p:par>
-        <p:cTn id="1" dur="indefinite" restart="never" nodeType="tmRoot"/>
-      </p:par>
-    </p:tnLst>
-  </p:timing>
-</p:sld>
-</file>
-
 <file path=ppt/slides/slide24.xml><?xml version="1.0" encoding="utf-8"?>
 <p:sld xmlns:a="http://schemas.openxmlformats.org/drawingml/2006/main" xmlns:r="http://schemas.openxmlformats.org/officeDocument/2006/relationships" xmlns:p="http://schemas.openxmlformats.org/presentationml/2006/main">
   <p:cSld>
@@ -17235,7 +17368,15 @@
             </a:r>
             <a:r>
               <a:rPr lang="fr-FR" dirty="0" smtClean="0"/>
-              <a:t> with JDT CodeMining</a:t>
+              <a:t> with </a:t>
+            </a:r>
+            <a:r>
+              <a:rPr lang="fr-FR" dirty="0" err="1" smtClean="0"/>
+              <a:t>generic</a:t>
+            </a:r>
+            <a:r>
+              <a:rPr lang="fr-FR" dirty="0" smtClean="0"/>
+              <a:t> editor</a:t>
             </a:r>
             <a:endParaRPr lang="fr-FR" dirty="0"/>
           </a:p>
@@ -17258,16 +17399,56 @@
           <a:p>
             <a:r>
               <a:rPr lang="fr-FR" dirty="0" smtClean="0"/>
-              <a:t>TODO</a:t>
+              <a:t>Eclipse </a:t>
+            </a:r>
+            <a:r>
+              <a:rPr lang="fr-FR" dirty="0" err="1" smtClean="0"/>
+              <a:t>BlueSky</a:t>
+            </a:r>
+            <a:r>
+              <a:rPr lang="fr-FR" dirty="0" smtClean="0"/>
+              <a:t> and CSS </a:t>
+            </a:r>
+            <a:r>
+              <a:rPr lang="fr-FR" dirty="0" err="1" smtClean="0"/>
+              <a:t>Language</a:t>
+            </a:r>
+            <a:r>
+              <a:rPr lang="fr-FR" dirty="0" smtClean="0"/>
+              <a:t> Server</a:t>
             </a:r>
             <a:endParaRPr lang="fr-FR" dirty="0"/>
           </a:p>
         </p:txBody>
       </p:sp>
+      <p:pic>
+        <p:nvPicPr>
+          <p:cNvPr id="4" name="Image 3"/>
+          <p:cNvPicPr>
+            <a:picLocks noChangeAspect="1"/>
+          </p:cNvPicPr>
+          <p:nvPr/>
+        </p:nvPicPr>
+        <p:blipFill>
+          <a:blip r:embed="rId2"/>
+          <a:stretch>
+            <a:fillRect/>
+          </a:stretch>
+        </p:blipFill>
+        <p:spPr>
+          <a:xfrm>
+            <a:off x="1547664" y="1491630"/>
+            <a:ext cx="3933825" cy="1085850"/>
+          </a:xfrm>
+          <a:prstGeom prst="rect">
+            <a:avLst/>
+          </a:prstGeom>
+        </p:spPr>
+      </p:pic>
     </p:spTree>
     <p:extLst>
       <p:ext uri="{BB962C8B-B14F-4D97-AF65-F5344CB8AC3E}">
-        <p14:creationId xmlns:p14="http://schemas.microsoft.com/office/powerpoint/2010/main" val="4230608180"/>
+        <p14:creationId xmlns:p14="http://schemas.microsoft.com/office/powerpoint/2010/main" val="1444185114"/>
       </p:ext>
     </p:extLst>
   </p:cSld>
@@ -17320,11 +17501,11 @@
           <a:p>
             <a:r>
               <a:rPr lang="fr-FR" dirty="0" err="1" smtClean="0"/>
-              <a:t>Technical</a:t>
-            </a:r>
-            <a:r>
-              <a:rPr lang="fr-FR" dirty="0" smtClean="0"/>
-              <a:t> points</a:t>
+              <a:t>Demo</a:t>
+            </a:r>
+            <a:r>
+              <a:rPr lang="fr-FR" dirty="0" smtClean="0"/>
+              <a:t> with JDT CodeMining</a:t>
             </a:r>
             <a:endParaRPr lang="fr-FR" dirty="0"/>
           </a:p>
@@ -17342,316 +17523,21 @@
         </p:nvSpPr>
         <p:spPr/>
         <p:txBody>
-          <a:bodyPr>
-            <a:normAutofit fontScale="92500" lnSpcReduction="10000"/>
-          </a:bodyPr>
+          <a:bodyPr/>
           <a:lstStyle/>
           <a:p>
             <a:r>
-              <a:rPr lang="fr-FR" dirty="0" err="1" smtClean="0"/>
-              <a:t>Inlined</a:t>
-            </a:r>
-            <a:r>
-              <a:rPr lang="fr-FR" dirty="0" smtClean="0"/>
-              <a:t> annotation </a:t>
-            </a:r>
-            <a:r>
-              <a:rPr lang="fr-FR" dirty="0" err="1" smtClean="0"/>
-              <a:t>takes</a:t>
-            </a:r>
-            <a:r>
-              <a:rPr lang="fr-FR" dirty="0" smtClean="0"/>
-              <a:t> place by </a:t>
-            </a:r>
-            <a:r>
-              <a:rPr lang="fr-FR" dirty="0" err="1" smtClean="0"/>
-              <a:t>updating</a:t>
-            </a:r>
-            <a:r>
-              <a:rPr lang="fr-FR" dirty="0" smtClean="0"/>
-              <a:t> </a:t>
-            </a:r>
-            <a:r>
-              <a:rPr lang="fr-FR" b="1" dirty="0" err="1" smtClean="0"/>
-              <a:t>StyledText#setStyleRange</a:t>
-            </a:r>
-            <a:r>
-              <a:rPr lang="fr-FR" dirty="0" smtClean="0"/>
-              <a:t> / </a:t>
-            </a:r>
-            <a:r>
-              <a:rPr lang="fr-FR" b="1" dirty="0" err="1" smtClean="0"/>
-              <a:t>GlyphMetrics</a:t>
-            </a:r>
-            <a:r>
-              <a:rPr lang="fr-FR" dirty="0" smtClean="0"/>
-              <a:t>:</a:t>
-            </a:r>
-          </a:p>
-          <a:p>
-            <a:pPr lvl="1"/>
-            <a:r>
-              <a:rPr lang="fr-FR" dirty="0" smtClean="0"/>
-              <a:t>Line </a:t>
-            </a:r>
-            <a:r>
-              <a:rPr lang="fr-FR" b="1" dirty="0" smtClean="0"/>
-              <a:t>header</a:t>
-            </a:r>
-            <a:r>
-              <a:rPr lang="fr-FR" dirty="0" smtClean="0"/>
-              <a:t> </a:t>
-            </a:r>
-            <a:r>
-              <a:rPr lang="fr-FR" dirty="0" err="1" smtClean="0"/>
-              <a:t>Inlined</a:t>
-            </a:r>
-            <a:r>
-              <a:rPr lang="fr-FR" dirty="0" smtClean="0"/>
-              <a:t> annotation : </a:t>
-            </a:r>
-            <a:r>
-              <a:rPr lang="fr-FR" b="1" dirty="0" err="1" smtClean="0"/>
-              <a:t>GlyphMetrics</a:t>
-            </a:r>
-            <a:r>
-              <a:rPr lang="fr-FR" b="1" dirty="0" smtClean="0"/>
-              <a:t> </a:t>
-            </a:r>
-            <a:r>
-              <a:rPr lang="fr-FR" b="1" dirty="0" err="1" smtClean="0"/>
-              <a:t>ascent</a:t>
-            </a:r>
-            <a:r>
-              <a:rPr lang="fr-FR" dirty="0" smtClean="0"/>
-              <a:t> </a:t>
-            </a:r>
-            <a:r>
-              <a:rPr lang="fr-FR" dirty="0" err="1" smtClean="0"/>
-              <a:t>is</a:t>
-            </a:r>
-            <a:r>
-              <a:rPr lang="fr-FR" dirty="0" smtClean="0"/>
-              <a:t> </a:t>
-            </a:r>
-            <a:r>
-              <a:rPr lang="fr-FR" dirty="0" err="1" smtClean="0"/>
-              <a:t>updated</a:t>
-            </a:r>
-            <a:endParaRPr lang="fr-FR" dirty="0" smtClean="0"/>
-          </a:p>
-          <a:p>
-            <a:pPr lvl="1"/>
-            <a:r>
-              <a:rPr lang="fr-FR" dirty="0"/>
-              <a:t>Line </a:t>
-            </a:r>
-            <a:r>
-              <a:rPr lang="fr-FR" b="1" dirty="0" smtClean="0"/>
-              <a:t>content </a:t>
-            </a:r>
-            <a:r>
-              <a:rPr lang="fr-FR" dirty="0" err="1" smtClean="0"/>
-              <a:t>Inlined</a:t>
-            </a:r>
-            <a:r>
-              <a:rPr lang="fr-FR" dirty="0" smtClean="0"/>
-              <a:t> annotation :  </a:t>
-            </a:r>
-            <a:r>
-              <a:rPr lang="fr-FR" b="1" dirty="0" err="1"/>
-              <a:t>GlyphMetrics</a:t>
-            </a:r>
-            <a:r>
-              <a:rPr lang="fr-FR" b="1" dirty="0"/>
-              <a:t> </a:t>
-            </a:r>
-            <a:r>
-              <a:rPr lang="fr-FR" b="1" dirty="0" err="1" smtClean="0"/>
-              <a:t>width</a:t>
-            </a:r>
-            <a:r>
-              <a:rPr lang="fr-FR" dirty="0" smtClean="0"/>
-              <a:t> </a:t>
-            </a:r>
-            <a:r>
-              <a:rPr lang="fr-FR" dirty="0" err="1"/>
-              <a:t>is</a:t>
-            </a:r>
-            <a:r>
-              <a:rPr lang="fr-FR" dirty="0"/>
-              <a:t> </a:t>
-            </a:r>
-            <a:r>
-              <a:rPr lang="fr-FR" dirty="0" err="1" smtClean="0"/>
-              <a:t>updated</a:t>
-            </a:r>
-            <a:endParaRPr lang="fr-FR" dirty="0" smtClean="0"/>
-          </a:p>
-          <a:p>
-            <a:r>
-              <a:rPr lang="fr-FR" dirty="0" smtClean="0"/>
-              <a:t>Use of </a:t>
-            </a:r>
-            <a:r>
-              <a:rPr lang="fr-FR" b="1" dirty="0" err="1" smtClean="0"/>
-              <a:t>GlyphMetrics</a:t>
-            </a:r>
-            <a:r>
-              <a:rPr lang="fr-FR" dirty="0" smtClean="0"/>
-              <a:t> for a </a:t>
-            </a:r>
-            <a:r>
-              <a:rPr lang="fr-FR" dirty="0" err="1" smtClean="0"/>
-              <a:t>given</a:t>
-            </a:r>
-            <a:r>
-              <a:rPr lang="fr-FR" dirty="0" smtClean="0"/>
-              <a:t> offset replace </a:t>
-            </a:r>
-            <a:r>
-              <a:rPr lang="fr-FR" dirty="0" err="1" smtClean="0"/>
-              <a:t>text</a:t>
-            </a:r>
-            <a:r>
-              <a:rPr lang="fr-FR" dirty="0" smtClean="0"/>
-              <a:t> content</a:t>
-            </a:r>
-          </a:p>
-          <a:p>
-            <a:pPr lvl="1"/>
-            <a:r>
-              <a:rPr lang="fr-FR" dirty="0" err="1" smtClean="0"/>
-              <a:t>requires</a:t>
-            </a:r>
-            <a:r>
-              <a:rPr lang="fr-FR" dirty="0" smtClean="0"/>
-              <a:t> the </a:t>
-            </a:r>
-            <a:r>
-              <a:rPr lang="fr-FR" dirty="0" err="1" smtClean="0"/>
-              <a:t>redraw</a:t>
-            </a:r>
-            <a:r>
-              <a:rPr lang="fr-FR" dirty="0" smtClean="0"/>
-              <a:t> of the </a:t>
-            </a:r>
-            <a:r>
-              <a:rPr lang="fr-FR" dirty="0" err="1" smtClean="0"/>
-              <a:t>character</a:t>
-            </a:r>
-            <a:endParaRPr lang="fr-FR" dirty="0" smtClean="0"/>
-          </a:p>
-          <a:p>
-            <a:r>
-              <a:rPr lang="fr-FR" b="1" dirty="0" err="1" smtClean="0"/>
-              <a:t>StyledText</a:t>
-            </a:r>
-            <a:r>
-              <a:rPr lang="fr-FR" dirty="0" smtClean="0"/>
-              <a:t> </a:t>
-            </a:r>
-            <a:r>
-              <a:rPr lang="fr-FR" dirty="0" err="1" smtClean="0"/>
-              <a:t>was</a:t>
-            </a:r>
-            <a:r>
-              <a:rPr lang="fr-FR" dirty="0" smtClean="0"/>
-              <a:t> been </a:t>
-            </a:r>
-            <a:r>
-              <a:rPr lang="fr-FR" dirty="0" err="1" smtClean="0"/>
-              <a:t>improved</a:t>
-            </a:r>
-            <a:endParaRPr lang="fr-FR" dirty="0" smtClean="0"/>
-          </a:p>
-          <a:p>
-            <a:pPr lvl="1"/>
-            <a:r>
-              <a:rPr lang="fr-FR" dirty="0" err="1" smtClean="0"/>
-              <a:t>Height</a:t>
-            </a:r>
-            <a:r>
-              <a:rPr lang="fr-FR" dirty="0" smtClean="0"/>
-              <a:t> </a:t>
-            </a:r>
-            <a:r>
-              <a:rPr lang="fr-FR" dirty="0" err="1" smtClean="0"/>
-              <a:t>cursor</a:t>
-            </a:r>
-            <a:r>
-              <a:rPr lang="fr-FR" dirty="0" smtClean="0"/>
-              <a:t>: line header annotation must not have </a:t>
-            </a:r>
-            <a:r>
-              <a:rPr lang="fr-FR" dirty="0" err="1" smtClean="0"/>
-              <a:t>cursor</a:t>
-            </a:r>
-            <a:endParaRPr lang="fr-FR" dirty="0" smtClean="0"/>
-          </a:p>
-          <a:p>
-            <a:pPr lvl="1"/>
-            <a:r>
-              <a:rPr lang="fr-FR" dirty="0" err="1" smtClean="0"/>
-              <a:t>Improve</a:t>
-            </a:r>
-            <a:r>
-              <a:rPr lang="fr-FR" dirty="0" smtClean="0"/>
-              <a:t> performance:  with variable line </a:t>
-            </a:r>
-            <a:r>
-              <a:rPr lang="fr-FR" dirty="0" err="1" smtClean="0"/>
-              <a:t>height</a:t>
-            </a:r>
-            <a:r>
-              <a:rPr lang="fr-FR" dirty="0" smtClean="0"/>
-              <a:t> (</a:t>
-            </a:r>
-            <a:r>
-              <a:rPr lang="fr-FR" dirty="0" err="1" smtClean="0"/>
-              <a:t>word</a:t>
-            </a:r>
-            <a:r>
-              <a:rPr lang="fr-FR" dirty="0" smtClean="0"/>
-              <a:t> wrap)</a:t>
-            </a:r>
-          </a:p>
-          <a:p>
-            <a:r>
-              <a:rPr lang="fr-FR" b="1" dirty="0" smtClean="0"/>
-              <a:t>Line </a:t>
-            </a:r>
-            <a:r>
-              <a:rPr lang="fr-FR" b="1" dirty="0" err="1" smtClean="0"/>
-              <a:t>number</a:t>
-            </a:r>
-            <a:r>
-              <a:rPr lang="fr-FR" b="1" dirty="0" smtClean="0"/>
-              <a:t> / </a:t>
-            </a:r>
-            <a:r>
-              <a:rPr lang="fr-FR" b="1" dirty="0" err="1" smtClean="0"/>
-              <a:t>Fold</a:t>
-            </a:r>
-            <a:r>
-              <a:rPr lang="fr-FR" b="1" dirty="0" smtClean="0"/>
-              <a:t> </a:t>
-            </a:r>
-            <a:r>
-              <a:rPr lang="fr-FR" b="1" dirty="0" err="1" smtClean="0"/>
-              <a:t>icon</a:t>
-            </a:r>
-            <a:r>
-              <a:rPr lang="fr-FR" dirty="0" smtClean="0"/>
-              <a:t> location</a:t>
-            </a:r>
+              <a:rPr lang="fr-FR" dirty="0" smtClean="0"/>
+              <a:t>TODO</a:t>
+            </a:r>
+            <a:endParaRPr lang="fr-FR" dirty="0"/>
           </a:p>
         </p:txBody>
       </p:sp>
     </p:spTree>
     <p:extLst>
       <p:ext uri="{BB962C8B-B14F-4D97-AF65-F5344CB8AC3E}">
-        <p14:creationId xmlns:p14="http://schemas.microsoft.com/office/powerpoint/2010/main" val="257407320"/>
+        <p14:creationId xmlns:p14="http://schemas.microsoft.com/office/powerpoint/2010/main" val="4230608180"/>
       </p:ext>
     </p:extLst>
   </p:cSld>
@@ -17703,8 +17589,12 @@
           <a:lstStyle/>
           <a:p>
             <a:r>
-              <a:rPr lang="fr-FR" dirty="0" smtClean="0"/>
-              <a:t>Issues</a:t>
+              <a:rPr lang="fr-FR" dirty="0" err="1" smtClean="0"/>
+              <a:t>Technical</a:t>
+            </a:r>
+            <a:r>
+              <a:rPr lang="fr-FR" dirty="0" smtClean="0"/>
+              <a:t> points</a:t>
             </a:r>
             <a:endParaRPr lang="fr-FR" dirty="0"/>
           </a:p>
@@ -17722,73 +17612,210 @@
         </p:nvSpPr>
         <p:spPr/>
         <p:txBody>
-          <a:bodyPr/>
+          <a:bodyPr>
+            <a:normAutofit fontScale="92500" lnSpcReduction="10000"/>
+          </a:bodyPr>
           <a:lstStyle/>
           <a:p>
             <a:r>
-              <a:rPr lang="fr-FR" dirty="0" smtClean="0"/>
-              <a:t>Eclipse </a:t>
-            </a:r>
-            <a:r>
-              <a:rPr lang="fr-FR" dirty="0" err="1" smtClean="0"/>
-              <a:t>Bugzilla</a:t>
-            </a:r>
-            <a:r>
-              <a:rPr lang="fr-FR" dirty="0" smtClean="0"/>
-              <a:t>: tag </a:t>
-            </a:r>
-            <a:r>
-              <a:rPr lang="fr-FR" dirty="0" err="1" smtClean="0"/>
-              <a:t>title</a:t>
+              <a:rPr lang="fr-FR" dirty="0" err="1" smtClean="0"/>
+              <a:t>Inlined</a:t>
+            </a:r>
+            <a:r>
+              <a:rPr lang="fr-FR" dirty="0" smtClean="0"/>
+              <a:t> annotation </a:t>
+            </a:r>
+            <a:r>
+              <a:rPr lang="fr-FR" dirty="0" err="1" smtClean="0"/>
+              <a:t>takes</a:t>
+            </a:r>
+            <a:r>
+              <a:rPr lang="fr-FR" dirty="0" smtClean="0"/>
+              <a:t> place by </a:t>
+            </a:r>
+            <a:r>
+              <a:rPr lang="fr-FR" dirty="0" err="1" smtClean="0"/>
+              <a:t>updating</a:t>
             </a:r>
             <a:r>
               <a:rPr lang="fr-FR" dirty="0" smtClean="0"/>
               <a:t> </a:t>
             </a:r>
             <a:r>
-              <a:rPr lang="fr-FR" dirty="0" err="1" smtClean="0"/>
-              <a:t>with</a:t>
+              <a:rPr lang="fr-FR" b="1" dirty="0" err="1" smtClean="0"/>
+              <a:t>StyledText#setStyleRange</a:t>
+            </a:r>
+            <a:r>
+              <a:rPr lang="fr-FR" dirty="0" smtClean="0"/>
+              <a:t> / </a:t>
+            </a:r>
+            <a:r>
+              <a:rPr lang="fr-FR" b="1" dirty="0" err="1" smtClean="0"/>
+              <a:t>GlyphMetrics</a:t>
+            </a:r>
+            <a:r>
+              <a:rPr lang="fr-FR" dirty="0" smtClean="0"/>
+              <a:t>:</a:t>
+            </a:r>
+          </a:p>
+          <a:p>
+            <a:pPr lvl="1"/>
+            <a:r>
+              <a:rPr lang="fr-FR" dirty="0" smtClean="0"/>
+              <a:t>Line </a:t>
+            </a:r>
+            <a:r>
+              <a:rPr lang="fr-FR" b="1" dirty="0" smtClean="0"/>
+              <a:t>header</a:t>
             </a:r>
             <a:r>
               <a:rPr lang="fr-FR" dirty="0" smtClean="0"/>
               <a:t> </a:t>
             </a:r>
             <a:r>
+              <a:rPr lang="fr-FR" dirty="0" err="1" smtClean="0"/>
+              <a:t>Inlined</a:t>
+            </a:r>
+            <a:r>
+              <a:rPr lang="fr-FR" dirty="0" smtClean="0"/>
+              <a:t> annotation : </a:t>
+            </a:r>
+            <a:r>
+              <a:rPr lang="fr-FR" b="1" dirty="0" err="1" smtClean="0"/>
+              <a:t>GlyphMetrics</a:t>
+            </a:r>
+            <a:r>
               <a:rPr lang="fr-FR" b="1" dirty="0" smtClean="0"/>
-              <a:t>[code </a:t>
+              <a:t> </a:t>
             </a:r>
             <a:r>
               <a:rPr lang="fr-FR" b="1" dirty="0" err="1" smtClean="0"/>
-              <a:t>mining</a:t>
+              <a:t>ascent</a:t>
+            </a:r>
+            <a:r>
+              <a:rPr lang="fr-FR" dirty="0" smtClean="0"/>
+              <a:t> </a:t>
+            </a:r>
+            <a:r>
+              <a:rPr lang="fr-FR" dirty="0" err="1" smtClean="0"/>
+              <a:t>is</a:t>
+            </a:r>
+            <a:r>
+              <a:rPr lang="fr-FR" dirty="0" smtClean="0"/>
+              <a:t> </a:t>
+            </a:r>
+            <a:r>
+              <a:rPr lang="fr-FR" dirty="0" err="1" smtClean="0"/>
+              <a:t>updated</a:t>
+            </a:r>
+            <a:endParaRPr lang="fr-FR" dirty="0" smtClean="0"/>
+          </a:p>
+          <a:p>
+            <a:pPr lvl="1"/>
+            <a:r>
+              <a:rPr lang="fr-FR" dirty="0"/>
+              <a:t>Line </a:t>
             </a:r>
             <a:r>
               <a:rPr lang="fr-FR" b="1" dirty="0" smtClean="0"/>
-              <a:t>]</a:t>
-            </a:r>
-          </a:p>
-          <a:p>
-            <a:pPr lvl="2"/>
-            <a:r>
-              <a:rPr lang="fr-FR" dirty="0" smtClean="0"/>
-              <a:t>SWT</a:t>
-            </a:r>
-          </a:p>
-          <a:p>
-            <a:pPr lvl="2"/>
-            <a:r>
-              <a:rPr lang="fr-FR" dirty="0" err="1" smtClean="0"/>
-              <a:t>Text</a:t>
+              <a:t>content </a:t>
+            </a:r>
+            <a:r>
+              <a:rPr lang="fr-FR" dirty="0" err="1" smtClean="0"/>
+              <a:t>Inlined</a:t>
+            </a:r>
+            <a:r>
+              <a:rPr lang="fr-FR" dirty="0" smtClean="0"/>
+              <a:t> annotation :  </a:t>
+            </a:r>
+            <a:r>
+              <a:rPr lang="fr-FR" b="1" dirty="0" err="1"/>
+              <a:t>GlyphMetrics</a:t>
+            </a:r>
+            <a:r>
+              <a:rPr lang="fr-FR" b="1" dirty="0"/>
+              <a:t> </a:t>
+            </a:r>
+            <a:r>
+              <a:rPr lang="fr-FR" b="1" dirty="0" err="1" smtClean="0"/>
+              <a:t>width</a:t>
+            </a:r>
+            <a:r>
+              <a:rPr lang="fr-FR" dirty="0" smtClean="0"/>
+              <a:t> </a:t>
+            </a:r>
+            <a:r>
+              <a:rPr lang="fr-FR" dirty="0" err="1"/>
+              <a:t>is</a:t>
+            </a:r>
+            <a:r>
+              <a:rPr lang="fr-FR" dirty="0"/>
+              <a:t> </a:t>
+            </a:r>
+            <a:r>
+              <a:rPr lang="fr-FR" dirty="0" err="1" smtClean="0"/>
+              <a:t>updated</a:t>
             </a:r>
             <a:endParaRPr lang="fr-FR" dirty="0" smtClean="0"/>
           </a:p>
           <a:p>
             <a:r>
               <a:rPr lang="fr-FR" dirty="0" smtClean="0"/>
-              <a:t>JDT </a:t>
-            </a:r>
-            <a:r>
-              <a:rPr lang="fr-FR" dirty="0" err="1" smtClean="0"/>
-              <a:t>CodeMining</a:t>
+              <a:t>Use of </a:t>
+            </a:r>
+            <a:r>
+              <a:rPr lang="fr-FR" b="1" dirty="0" err="1" smtClean="0"/>
+              <a:t>GlyphMetrics</a:t>
+            </a:r>
+            <a:r>
+              <a:rPr lang="fr-FR" dirty="0" smtClean="0"/>
+              <a:t> for a </a:t>
+            </a:r>
+            <a:r>
+              <a:rPr lang="fr-FR" dirty="0" err="1" smtClean="0"/>
+              <a:t>given</a:t>
+            </a:r>
+            <a:r>
+              <a:rPr lang="fr-FR" dirty="0" smtClean="0"/>
+              <a:t> offset replace </a:t>
+            </a:r>
+            <a:r>
+              <a:rPr lang="fr-FR" dirty="0" err="1" smtClean="0"/>
+              <a:t>text</a:t>
+            </a:r>
+            <a:r>
+              <a:rPr lang="fr-FR" dirty="0" smtClean="0"/>
+              <a:t> content</a:t>
+            </a:r>
+          </a:p>
+          <a:p>
+            <a:pPr lvl="1"/>
+            <a:r>
+              <a:rPr lang="fr-FR" dirty="0" err="1" smtClean="0"/>
+              <a:t>requires</a:t>
+            </a:r>
+            <a:r>
+              <a:rPr lang="fr-FR" dirty="0" smtClean="0"/>
+              <a:t> the </a:t>
+            </a:r>
+            <a:r>
+              <a:rPr lang="fr-FR" dirty="0" err="1" smtClean="0"/>
+              <a:t>redraw</a:t>
+            </a:r>
+            <a:r>
+              <a:rPr lang="fr-FR" dirty="0" smtClean="0"/>
+              <a:t> of the </a:t>
+            </a:r>
+            <a:r>
+              <a:rPr lang="fr-FR" dirty="0" err="1" smtClean="0"/>
+              <a:t>character</a:t>
+            </a:r>
+            <a:endParaRPr lang="fr-FR" dirty="0" smtClean="0"/>
+          </a:p>
+          <a:p>
+            <a:r>
+              <a:rPr lang="fr-FR" b="1" dirty="0" err="1" smtClean="0"/>
+              <a:t>StyledText</a:t>
             </a:r>
             <a:r>
               <a:rPr lang="fr-FR" dirty="0" smtClean="0"/>
@@ -17796,16 +17823,105 @@
             </a:r>
             <a:r>
               <a:rPr lang="fr-FR" dirty="0" err="1" smtClean="0"/>
-              <a:t>github</a:t>
+              <a:t>was</a:t>
+            </a:r>
+            <a:r>
+              <a:rPr lang="fr-FR" dirty="0" smtClean="0"/>
+              <a:t> been </a:t>
+            </a:r>
+            <a:r>
+              <a:rPr lang="fr-FR" dirty="0" err="1" smtClean="0"/>
+              <a:t>improved</a:t>
             </a:r>
             <a:endParaRPr lang="fr-FR" dirty="0" smtClean="0"/>
+          </a:p>
+          <a:p>
+            <a:pPr lvl="1"/>
+            <a:r>
+              <a:rPr lang="fr-FR" dirty="0" err="1" smtClean="0"/>
+              <a:t>Height</a:t>
+            </a:r>
+            <a:r>
+              <a:rPr lang="fr-FR" dirty="0" smtClean="0"/>
+              <a:t> </a:t>
+            </a:r>
+            <a:r>
+              <a:rPr lang="fr-FR" dirty="0" err="1" smtClean="0"/>
+              <a:t>cursor</a:t>
+            </a:r>
+            <a:r>
+              <a:rPr lang="fr-FR" dirty="0" smtClean="0"/>
+              <a:t>: line header annotation must not have </a:t>
+            </a:r>
+            <a:r>
+              <a:rPr lang="fr-FR" dirty="0" err="1" smtClean="0"/>
+              <a:t>cursor</a:t>
+            </a:r>
+            <a:endParaRPr lang="fr-FR" dirty="0" smtClean="0"/>
+          </a:p>
+          <a:p>
+            <a:pPr lvl="1"/>
+            <a:r>
+              <a:rPr lang="fr-FR" dirty="0" err="1" smtClean="0"/>
+              <a:t>Improve</a:t>
+            </a:r>
+            <a:r>
+              <a:rPr lang="fr-FR" dirty="0" smtClean="0"/>
+              <a:t> performance:  with variable line </a:t>
+            </a:r>
+            <a:r>
+              <a:rPr lang="fr-FR" dirty="0" err="1" smtClean="0"/>
+              <a:t>height</a:t>
+            </a:r>
+            <a:r>
+              <a:rPr lang="fr-FR" dirty="0" smtClean="0"/>
+              <a:t> (</a:t>
+            </a:r>
+            <a:r>
+              <a:rPr lang="fr-FR" dirty="0" err="1" smtClean="0"/>
+              <a:t>word</a:t>
+            </a:r>
+            <a:r>
+              <a:rPr lang="fr-FR" dirty="0" smtClean="0"/>
+              <a:t> wrap)</a:t>
+            </a:r>
+          </a:p>
+          <a:p>
+            <a:r>
+              <a:rPr lang="fr-FR" b="1" dirty="0" smtClean="0"/>
+              <a:t>Line </a:t>
+            </a:r>
+            <a:r>
+              <a:rPr lang="fr-FR" b="1" dirty="0" err="1" smtClean="0"/>
+              <a:t>number</a:t>
+            </a:r>
+            <a:r>
+              <a:rPr lang="fr-FR" b="1" dirty="0" smtClean="0"/>
+              <a:t> / </a:t>
+            </a:r>
+            <a:r>
+              <a:rPr lang="fr-FR" b="1" dirty="0" err="1" smtClean="0"/>
+              <a:t>Fold</a:t>
+            </a:r>
+            <a:r>
+              <a:rPr lang="fr-FR" b="1" dirty="0" smtClean="0"/>
+              <a:t> </a:t>
+            </a:r>
+            <a:r>
+              <a:rPr lang="fr-FR" b="1" dirty="0" err="1" smtClean="0"/>
+              <a:t>icon</a:t>
+            </a:r>
+            <a:r>
+              <a:rPr lang="fr-FR" dirty="0" smtClean="0"/>
+              <a:t> location</a:t>
+            </a:r>
           </a:p>
         </p:txBody>
       </p:sp>
     </p:spTree>
     <p:extLst>
       <p:ext uri="{BB962C8B-B14F-4D97-AF65-F5344CB8AC3E}">
-        <p14:creationId xmlns:p14="http://schemas.microsoft.com/office/powerpoint/2010/main" val="3383159057"/>
+        <p14:creationId xmlns:p14="http://schemas.microsoft.com/office/powerpoint/2010/main" val="257407320"/>
       </p:ext>
     </p:extLst>
   </p:cSld>
@@ -17857,6 +17973,160 @@
           <a:lstStyle/>
           <a:p>
             <a:r>
+              <a:rPr lang="fr-FR" dirty="0" smtClean="0"/>
+              <a:t>Issues</a:t>
+            </a:r>
+            <a:endParaRPr lang="fr-FR" dirty="0"/>
+          </a:p>
+        </p:txBody>
+      </p:sp>
+      <p:sp>
+        <p:nvSpPr>
+          <p:cNvPr id="3" name="Espace réservé du contenu 2"/>
+          <p:cNvSpPr>
+            <a:spLocks noGrp="1"/>
+          </p:cNvSpPr>
+          <p:nvPr>
+            <p:ph idx="1"/>
+          </p:nvPr>
+        </p:nvSpPr>
+        <p:spPr/>
+        <p:txBody>
+          <a:bodyPr/>
+          <a:lstStyle/>
+          <a:p>
+            <a:r>
+              <a:rPr lang="fr-FR" dirty="0" smtClean="0"/>
+              <a:t>Eclipse </a:t>
+            </a:r>
+            <a:r>
+              <a:rPr lang="fr-FR" dirty="0" err="1" smtClean="0"/>
+              <a:t>Bugzilla</a:t>
+            </a:r>
+            <a:r>
+              <a:rPr lang="fr-FR" dirty="0" smtClean="0"/>
+              <a:t>: tag </a:t>
+            </a:r>
+            <a:r>
+              <a:rPr lang="fr-FR" dirty="0" err="1" smtClean="0"/>
+              <a:t>title</a:t>
+            </a:r>
+            <a:r>
+              <a:rPr lang="fr-FR" dirty="0" smtClean="0"/>
+              <a:t> </a:t>
+            </a:r>
+            <a:r>
+              <a:rPr lang="fr-FR" dirty="0" err="1" smtClean="0"/>
+              <a:t>with</a:t>
+            </a:r>
+            <a:r>
+              <a:rPr lang="fr-FR" dirty="0" smtClean="0"/>
+              <a:t> </a:t>
+            </a:r>
+            <a:r>
+              <a:rPr lang="fr-FR" b="1" dirty="0" smtClean="0"/>
+              <a:t>[code </a:t>
+            </a:r>
+            <a:r>
+              <a:rPr lang="fr-FR" b="1" dirty="0" err="1" smtClean="0"/>
+              <a:t>mining</a:t>
+            </a:r>
+            <a:r>
+              <a:rPr lang="fr-FR" b="1" dirty="0" smtClean="0"/>
+              <a:t>]</a:t>
+            </a:r>
+          </a:p>
+          <a:p>
+            <a:pPr lvl="2"/>
+            <a:r>
+              <a:rPr lang="fr-FR" dirty="0" smtClean="0"/>
+              <a:t>SWT</a:t>
+            </a:r>
+          </a:p>
+          <a:p>
+            <a:pPr lvl="2"/>
+            <a:r>
+              <a:rPr lang="fr-FR" dirty="0" err="1" smtClean="0"/>
+              <a:t>Text</a:t>
+            </a:r>
+            <a:endParaRPr lang="fr-FR" dirty="0" smtClean="0"/>
+          </a:p>
+          <a:p>
+            <a:r>
+              <a:rPr lang="fr-FR" dirty="0" smtClean="0"/>
+              <a:t>JDT </a:t>
+            </a:r>
+            <a:r>
+              <a:rPr lang="fr-FR" dirty="0" err="1" smtClean="0"/>
+              <a:t>CodeMining</a:t>
+            </a:r>
+            <a:r>
+              <a:rPr lang="fr-FR" dirty="0" smtClean="0"/>
+              <a:t> </a:t>
+            </a:r>
+            <a:r>
+              <a:rPr lang="fr-FR" dirty="0" err="1" smtClean="0"/>
+              <a:t>github</a:t>
+            </a:r>
+            <a:endParaRPr lang="fr-FR" dirty="0" smtClean="0"/>
+          </a:p>
+        </p:txBody>
+      </p:sp>
+    </p:spTree>
+    <p:extLst>
+      <p:ext uri="{BB962C8B-B14F-4D97-AF65-F5344CB8AC3E}">
+        <p14:creationId xmlns:p14="http://schemas.microsoft.com/office/powerpoint/2010/main" val="3383159057"/>
+      </p:ext>
+    </p:extLst>
+  </p:cSld>
+  <p:clrMapOvr>
+    <a:masterClrMapping/>
+  </p:clrMapOvr>
+  <p:timing>
+    <p:tnLst>
+      <p:par>
+        <p:cTn id="1" dur="indefinite" restart="never" nodeType="tmRoot"/>
+      </p:par>
+    </p:tnLst>
+  </p:timing>
+</p:sld>
+</file>
+
+<file path=ppt/slides/slide28.xml><?xml version="1.0" encoding="utf-8"?>
+<p:sld xmlns:a="http://schemas.openxmlformats.org/drawingml/2006/main" xmlns:r="http://schemas.openxmlformats.org/officeDocument/2006/relationships" xmlns:p="http://schemas.openxmlformats.org/presentationml/2006/main">
+  <p:cSld>
+    <p:spTree>
+      <p:nvGrpSpPr>
+        <p:cNvPr id="1" name=""/>
+        <p:cNvGrpSpPr/>
+        <p:nvPr/>
+      </p:nvGrpSpPr>
+      <p:grpSpPr>
+        <a:xfrm>
+          <a:off x="0" y="0"/>
+          <a:ext cx="0" cy="0"/>
+          <a:chOff x="0" y="0"/>
+          <a:chExt cx="0" cy="0"/>
+        </a:xfrm>
+      </p:grpSpPr>
+      <p:sp>
+        <p:nvSpPr>
+          <p:cNvPr id="2" name="Titre 1"/>
+          <p:cNvSpPr>
+            <a:spLocks noGrp="1"/>
+          </p:cNvSpPr>
+          <p:nvPr>
+            <p:ph type="title"/>
+          </p:nvPr>
+        </p:nvSpPr>
+        <p:spPr/>
+        <p:txBody>
+          <a:bodyPr>
+            <a:normAutofit fontScale="90000"/>
+          </a:bodyPr>
+          <a:lstStyle/>
+          <a:p>
+            <a:r>
               <a:rPr lang="fr-FR" dirty="0" err="1" smtClean="0"/>
               <a:t>What’s</a:t>
             </a:r>
@@ -18073,7 +18343,7 @@
 </p:sld>
 </file>
 
-<file path=ppt/slides/slide28.xml><?xml version="1.0" encoding="utf-8"?>
+<file path=ppt/slides/slide29.xml><?xml version="1.0" encoding="utf-8"?>
 <p:sld xmlns:a="http://schemas.openxmlformats.org/drawingml/2006/main" xmlns:r="http://schemas.openxmlformats.org/officeDocument/2006/relationships" xmlns:p="http://schemas.openxmlformats.org/presentationml/2006/main">
   <p:cSld>
     <p:bg>
@@ -19236,8 +19506,8 @@
               <a:t> </a:t>
             </a:r>
             <a:r>
-              <a:rPr lang="fr-FR" b="1" dirty="0" err="1" smtClean="0"/>
-              <a:t>CalculatorWithInlinedAnnotation</a:t>
+              <a:rPr lang="fr-FR" b="1" dirty="0" err="1"/>
+              <a:t>EmojiWithInlinedAnnotation</a:t>
             </a:r>
             <a:endParaRPr lang="fr-FR" b="1" dirty="0" smtClean="0"/>
           </a:p>
@@ -19260,7 +19530,7 @@
       </p:sp>
       <p:pic>
         <p:nvPicPr>
-          <p:cNvPr id="4" name="Image 3"/>
+          <p:cNvPr id="9" name="Image 8"/>
           <p:cNvPicPr>
             <a:picLocks noChangeAspect="1"/>
           </p:cNvPicPr>
@@ -19274,8 +19544,8 @@
         </p:blipFill>
         <p:spPr>
           <a:xfrm>
-            <a:off x="611560" y="1347614"/>
-            <a:ext cx="3543300" cy="600075"/>
+            <a:off x="1835696" y="1347614"/>
+            <a:ext cx="3648075" cy="1000125"/>
           </a:xfrm>
           <a:prstGeom prst="rect">
             <a:avLst/>
@@ -19284,7 +19554,7 @@
       </p:pic>
       <p:pic>
         <p:nvPicPr>
-          <p:cNvPr id="5" name="Image 4"/>
+          <p:cNvPr id="10" name="Image 9"/>
           <p:cNvPicPr>
             <a:picLocks noChangeAspect="1"/>
           </p:cNvPicPr>
@@ -19298,17 +19568,83 @@
         </p:blipFill>
         <p:spPr>
           <a:xfrm>
-            <a:off x="4514901" y="1335604"/>
-            <a:ext cx="2609850" cy="828675"/>
+            <a:off x="4427984" y="2419747"/>
+            <a:ext cx="4084763" cy="1117935"/>
           </a:xfrm>
           <a:prstGeom prst="rect">
             <a:avLst/>
           </a:prstGeom>
         </p:spPr>
       </p:pic>
+      <p:cxnSp>
+        <p:nvCxnSpPr>
+          <p:cNvPr id="12" name="Connecteur droit avec flèche 11"/>
+          <p:cNvCxnSpPr/>
+          <p:nvPr/>
+        </p:nvCxnSpPr>
+        <p:spPr>
+          <a:xfrm flipH="1" flipV="1">
+            <a:off x="4427984" y="2139703"/>
+            <a:ext cx="72008" cy="648071"/>
+          </a:xfrm>
+          <a:prstGeom prst="straightConnector1">
+            <a:avLst/>
+          </a:prstGeom>
+          <a:ln>
+            <a:tailEnd type="triangle"/>
+          </a:ln>
+        </p:spPr>
+        <p:style>
+          <a:lnRef idx="1">
+            <a:schemeClr val="accent1"/>
+          </a:lnRef>
+          <a:fillRef idx="0">
+            <a:schemeClr val="accent1"/>
+          </a:fillRef>
+          <a:effectRef idx="0">
+            <a:schemeClr val="accent1"/>
+          </a:effectRef>
+          <a:fontRef idx="minor">
+            <a:schemeClr val="tx1"/>
+          </a:fontRef>
+        </p:style>
+      </p:cxnSp>
+      <p:cxnSp>
+        <p:nvCxnSpPr>
+          <p:cNvPr id="14" name="Connecteur droit avec flèche 13"/>
+          <p:cNvCxnSpPr/>
+          <p:nvPr/>
+        </p:nvCxnSpPr>
+        <p:spPr>
+          <a:xfrm flipH="1" flipV="1">
+            <a:off x="3563888" y="2139702"/>
+            <a:ext cx="936104" cy="712093"/>
+          </a:xfrm>
+          <a:prstGeom prst="straightConnector1">
+            <a:avLst/>
+          </a:prstGeom>
+          <a:ln>
+            <a:tailEnd type="triangle"/>
+          </a:ln>
+        </p:spPr>
+        <p:style>
+          <a:lnRef idx="1">
+            <a:schemeClr val="accent1"/>
+          </a:lnRef>
+          <a:fillRef idx="0">
+            <a:schemeClr val="accent1"/>
+          </a:fillRef>
+          <a:effectRef idx="0">
+            <a:schemeClr val="accent1"/>
+          </a:effectRef>
+          <a:fontRef idx="minor">
+            <a:schemeClr val="tx1"/>
+          </a:fontRef>
+        </p:style>
+      </p:cxnSp>
       <p:pic>
         <p:nvPicPr>
-          <p:cNvPr id="6" name="Image 5"/>
+          <p:cNvPr id="17" name="Image 16"/>
           <p:cNvPicPr>
             <a:picLocks noChangeAspect="1"/>
           </p:cNvPicPr>
@@ -19322,62 +19658,47 @@
         </p:blipFill>
         <p:spPr>
           <a:xfrm>
-            <a:off x="5220072" y="2254921"/>
-            <a:ext cx="4154308" cy="1080120"/>
+            <a:off x="107504" y="2718891"/>
+            <a:ext cx="4158105" cy="1085909"/>
           </a:xfrm>
           <a:prstGeom prst="rect">
             <a:avLst/>
           </a:prstGeom>
         </p:spPr>
       </p:pic>
-      <p:pic>
-        <p:nvPicPr>
-          <p:cNvPr id="7" name="Image 6"/>
-          <p:cNvPicPr>
-            <a:picLocks noChangeAspect="1"/>
-          </p:cNvPicPr>
+      <p:cxnSp>
+        <p:nvCxnSpPr>
+          <p:cNvPr id="18" name="Connecteur droit avec flèche 17"/>
+          <p:cNvCxnSpPr/>
           <p:nvPr/>
-        </p:nvPicPr>
-        <p:blipFill>
-          <a:blip r:embed="rId5"/>
-          <a:stretch>
-            <a:fillRect/>
-          </a:stretch>
-        </p:blipFill>
+        </p:nvCxnSpPr>
         <p:spPr>
-          <a:xfrm>
-            <a:off x="101009" y="2182913"/>
-            <a:ext cx="5119063" cy="1109727"/>
+          <a:xfrm flipV="1">
+            <a:off x="1115616" y="1847676"/>
+            <a:ext cx="936104" cy="1300139"/>
           </a:xfrm>
-          <a:prstGeom prst="rect">
+          <a:prstGeom prst="straightConnector1">
             <a:avLst/>
           </a:prstGeom>
+          <a:ln>
+            <a:tailEnd type="triangle"/>
+          </a:ln>
         </p:spPr>
-      </p:pic>
-      <p:pic>
-        <p:nvPicPr>
-          <p:cNvPr id="8" name="Image 7"/>
-          <p:cNvPicPr>
-            <a:picLocks noChangeAspect="1"/>
-          </p:cNvPicPr>
-          <p:nvPr/>
-        </p:nvPicPr>
-        <p:blipFill>
-          <a:blip r:embed="rId6"/>
-          <a:stretch>
-            <a:fillRect/>
-          </a:stretch>
-        </p:blipFill>
-        <p:spPr>
-          <a:xfrm>
-            <a:off x="994322" y="3527864"/>
-            <a:ext cx="6342932" cy="897210"/>
-          </a:xfrm>
-          <a:prstGeom prst="rect">
-            <a:avLst/>
-          </a:prstGeom>
-        </p:spPr>
-      </p:pic>
+        <p:style>
+          <a:lnRef idx="1">
+            <a:schemeClr val="accent1"/>
+          </a:lnRef>
+          <a:fillRef idx="0">
+            <a:schemeClr val="accent1"/>
+          </a:fillRef>
+          <a:effectRef idx="0">
+            <a:schemeClr val="accent1"/>
+          </a:effectRef>
+          <a:fontRef idx="minor">
+            <a:schemeClr val="tx1"/>
+          </a:fontRef>
+        </p:style>
+      </p:cxnSp>
     </p:spTree>
     <p:extLst>
       <p:ext uri="{BB962C8B-B14F-4D97-AF65-F5344CB8AC3E}">

--- a/EclipseConFrance2018_CodeMining.pptx
+++ b/EclipseConFrance2018_CodeMining.pptx
@@ -10,30 +10,35 @@
     <p:sldId id="272" r:id="rId4"/>
     <p:sldId id="258" r:id="rId5"/>
     <p:sldId id="276" r:id="rId6"/>
-    <p:sldId id="277" r:id="rId7"/>
-    <p:sldId id="259" r:id="rId8"/>
-    <p:sldId id="260" r:id="rId9"/>
-    <p:sldId id="280" r:id="rId10"/>
+    <p:sldId id="292" r:id="rId7"/>
+    <p:sldId id="277" r:id="rId8"/>
+    <p:sldId id="259" r:id="rId9"/>
+    <p:sldId id="260" r:id="rId10"/>
     <p:sldId id="281" r:id="rId11"/>
-    <p:sldId id="261" r:id="rId12"/>
-    <p:sldId id="283" r:id="rId13"/>
-    <p:sldId id="287" r:id="rId14"/>
-    <p:sldId id="284" r:id="rId15"/>
-    <p:sldId id="285" r:id="rId16"/>
-    <p:sldId id="282" r:id="rId17"/>
-    <p:sldId id="286" r:id="rId18"/>
-    <p:sldId id="278" r:id="rId19"/>
-    <p:sldId id="288" r:id="rId20"/>
-    <p:sldId id="290" r:id="rId21"/>
-    <p:sldId id="289" r:id="rId22"/>
-    <p:sldId id="273" r:id="rId23"/>
-    <p:sldId id="274" r:id="rId24"/>
-    <p:sldId id="266" r:id="rId25"/>
-    <p:sldId id="267" r:id="rId26"/>
-    <p:sldId id="268" r:id="rId27"/>
-    <p:sldId id="271" r:id="rId28"/>
-    <p:sldId id="275" r:id="rId29"/>
-    <p:sldId id="269" r:id="rId30"/>
+    <p:sldId id="280" r:id="rId12"/>
+    <p:sldId id="293" r:id="rId13"/>
+    <p:sldId id="261" r:id="rId14"/>
+    <p:sldId id="283" r:id="rId15"/>
+    <p:sldId id="287" r:id="rId16"/>
+    <p:sldId id="284" r:id="rId17"/>
+    <p:sldId id="285" r:id="rId18"/>
+    <p:sldId id="291" r:id="rId19"/>
+    <p:sldId id="286" r:id="rId20"/>
+    <p:sldId id="278" r:id="rId21"/>
+    <p:sldId id="288" r:id="rId22"/>
+    <p:sldId id="290" r:id="rId23"/>
+    <p:sldId id="294" r:id="rId24"/>
+    <p:sldId id="295" r:id="rId25"/>
+    <p:sldId id="296" r:id="rId26"/>
+    <p:sldId id="289" r:id="rId27"/>
+    <p:sldId id="273" r:id="rId28"/>
+    <p:sldId id="274" r:id="rId29"/>
+    <p:sldId id="266" r:id="rId30"/>
+    <p:sldId id="267" r:id="rId31"/>
+    <p:sldId id="268" r:id="rId32"/>
+    <p:sldId id="271" r:id="rId33"/>
+    <p:sldId id="275" r:id="rId34"/>
+    <p:sldId id="269" r:id="rId35"/>
   </p:sldIdLst>
   <p:sldSz cx="9144000" cy="5143500" type="screen16x9"/>
   <p:notesSz cx="6858000" cy="9144000"/>
@@ -13539,7 +13544,12 @@
             <p:ph type="title"/>
           </p:nvPr>
         </p:nvSpPr>
-        <p:spPr/>
+        <p:spPr>
+          <a:xfrm>
+            <a:off x="35496" y="339502"/>
+            <a:ext cx="9108504" cy="565175"/>
+          </a:xfrm>
+        </p:spPr>
         <p:txBody>
           <a:bodyPr>
             <a:normAutofit fontScale="90000"/>
@@ -13547,12 +13557,51 @@
           <a:lstStyle/>
           <a:p>
             <a:r>
-              <a:rPr lang="fr-FR" dirty="0" smtClean="0"/>
-              <a:t>Code Mining - </a:t>
-            </a:r>
-            <a:r>
-              <a:rPr lang="fr-FR" dirty="0" err="1" smtClean="0"/>
-              <a:t>Process</a:t>
+              <a:rPr lang="fr-FR" dirty="0" err="1"/>
+              <a:t>What</a:t>
+            </a:r>
+            <a:r>
+              <a:rPr lang="fr-FR" dirty="0"/>
+              <a:t> </a:t>
+            </a:r>
+            <a:r>
+              <a:rPr lang="fr-FR" dirty="0" err="1"/>
+              <a:t>is</a:t>
+            </a:r>
+            <a:r>
+              <a:rPr lang="fr-FR" dirty="0"/>
+              <a:t> </a:t>
+            </a:r>
+            <a:r>
+              <a:rPr lang="fr-FR" dirty="0" err="1"/>
+              <a:t>difference</a:t>
+            </a:r>
+            <a:r>
+              <a:rPr lang="fr-FR" dirty="0"/>
+              <a:t> </a:t>
+            </a:r>
+            <a:r>
+              <a:rPr lang="fr-FR" dirty="0" err="1" smtClean="0"/>
+              <a:t>with</a:t>
+            </a:r>
+            <a:r>
+              <a:rPr lang="fr-FR" dirty="0" smtClean="0"/>
+              <a:t> </a:t>
+            </a:r>
+            <a:r>
+              <a:rPr lang="fr-FR" b="1" dirty="0" err="1" smtClean="0"/>
+              <a:t>InlinedAnnotationSupport</a:t>
+            </a:r>
+            <a:r>
+              <a:rPr lang="fr-FR" dirty="0"/>
+              <a:t>?</a:t>
+            </a:r>
+            <a:br>
+              <a:rPr lang="fr-FR" dirty="0"/>
+            </a:br>
+            <a:r>
+              <a:rPr lang="fr-FR" dirty="0"/>
+              <a:t> </a:t>
             </a:r>
             <a:endParaRPr lang="fr-FR" dirty="0"/>
           </a:p>
@@ -13571,139 +13620,55 @@
         <p:spPr/>
         <p:txBody>
           <a:bodyPr>
-            <a:normAutofit fontScale="77500" lnSpcReduction="20000"/>
+            <a:normAutofit lnSpcReduction="10000"/>
           </a:bodyPr>
           <a:lstStyle/>
           <a:p>
             <a:r>
+              <a:rPr lang="fr-FR" dirty="0" smtClean="0"/>
+              <a:t>Manage </a:t>
+            </a:r>
+            <a:r>
               <a:rPr lang="fr-FR" b="1" dirty="0" err="1" smtClean="0"/>
-              <a:t>Compute</a:t>
+              <a:t>mining</a:t>
             </a:r>
             <a:r>
               <a:rPr lang="fr-FR" b="1" dirty="0" smtClean="0"/>
               <a:t> </a:t>
             </a:r>
             <a:r>
+              <a:rPr lang="fr-FR" dirty="0" smtClean="0"/>
+              <a:t>instances </a:t>
+            </a:r>
+            <a:r>
+              <a:rPr lang="fr-FR" dirty="0" err="1" smtClean="0"/>
+              <a:t>instead</a:t>
+            </a:r>
+            <a:r>
+              <a:rPr lang="fr-FR" dirty="0" smtClean="0"/>
+              <a:t> of </a:t>
+            </a:r>
+            <a:r>
+              <a:rPr lang="fr-FR" b="1" dirty="0" smtClean="0"/>
+              <a:t>annotation</a:t>
+            </a:r>
+            <a:r>
+              <a:rPr lang="fr-FR" dirty="0" smtClean="0"/>
+              <a:t> instances.</a:t>
+            </a:r>
+          </a:p>
+          <a:p>
+            <a:r>
+              <a:rPr lang="fr-FR" dirty="0" err="1" smtClean="0"/>
+              <a:t>CodeMining</a:t>
+            </a:r>
+            <a:r>
+              <a:rPr lang="fr-FR" dirty="0" smtClean="0"/>
+              <a:t> use the support to </a:t>
+            </a:r>
+            <a:r>
               <a:rPr lang="fr-FR" b="1" dirty="0" err="1" smtClean="0"/>
-              <a:t>list</a:t>
-            </a:r>
-            <a:r>
-              <a:rPr lang="fr-FR" b="1" dirty="0" smtClean="0"/>
-              <a:t> of code </a:t>
-            </a:r>
-            <a:r>
-              <a:rPr lang="fr-FR" b="1" dirty="0" err="1" smtClean="0"/>
-              <a:t>minings</a:t>
-            </a:r>
-            <a:r>
-              <a:rPr lang="fr-FR" dirty="0" smtClean="0"/>
-              <a:t> for the </a:t>
-            </a:r>
-            <a:r>
-              <a:rPr lang="fr-FR" dirty="0" err="1" smtClean="0"/>
-              <a:t>whole</a:t>
-            </a:r>
-            <a:r>
-              <a:rPr lang="fr-FR" dirty="0" smtClean="0"/>
-              <a:t> </a:t>
-            </a:r>
-            <a:r>
-              <a:rPr lang="fr-FR" dirty="0" err="1" smtClean="0"/>
-              <a:t>text</a:t>
-            </a:r>
-            <a:r>
-              <a:rPr lang="fr-FR" dirty="0" smtClean="0"/>
-              <a:t> editor content</a:t>
-            </a:r>
-            <a:endParaRPr lang="fr-FR" b="1" dirty="0" smtClean="0"/>
-          </a:p>
-          <a:p>
-            <a:pPr lvl="2"/>
-            <a:r>
-              <a:rPr lang="fr-FR" dirty="0" err="1" smtClean="0"/>
-              <a:t>with</a:t>
-            </a:r>
-            <a:r>
-              <a:rPr lang="fr-FR" dirty="0" smtClean="0"/>
-              <a:t> a </a:t>
-            </a:r>
-            <a:r>
-              <a:rPr lang="fr-FR" b="1" dirty="0" smtClean="0"/>
-              <a:t>position</a:t>
-            </a:r>
-          </a:p>
-          <a:p>
-            <a:pPr lvl="2"/>
-            <a:r>
-              <a:rPr lang="fr-FR" dirty="0" err="1" smtClean="0"/>
-              <a:t>with</a:t>
-            </a:r>
-            <a:r>
-              <a:rPr lang="fr-FR" dirty="0" smtClean="0"/>
-              <a:t> a </a:t>
-            </a:r>
-            <a:r>
-              <a:rPr lang="fr-FR" b="1" dirty="0" smtClean="0"/>
-              <a:t>label</a:t>
-            </a:r>
-            <a:r>
-              <a:rPr lang="fr-FR" dirty="0" smtClean="0"/>
-              <a:t> if the </a:t>
-            </a:r>
-            <a:r>
-              <a:rPr lang="fr-FR" dirty="0" err="1" smtClean="0"/>
-              <a:t>compute</a:t>
-            </a:r>
-            <a:r>
-              <a:rPr lang="fr-FR" dirty="0" smtClean="0"/>
-              <a:t> of </a:t>
-            </a:r>
-            <a:r>
-              <a:rPr lang="fr-FR" dirty="0" err="1" smtClean="0"/>
-              <a:t>this</a:t>
-            </a:r>
-            <a:r>
-              <a:rPr lang="fr-FR" dirty="0" smtClean="0"/>
-              <a:t> label </a:t>
-            </a:r>
-            <a:r>
-              <a:rPr lang="fr-FR" dirty="0" err="1" smtClean="0"/>
-              <a:t>is</a:t>
-            </a:r>
-            <a:r>
-              <a:rPr lang="fr-FR" dirty="0" smtClean="0"/>
-              <a:t> </a:t>
-            </a:r>
-            <a:r>
-              <a:rPr lang="fr-FR" dirty="0" err="1" smtClean="0"/>
-              <a:t>fast</a:t>
-            </a:r>
-            <a:r>
-              <a:rPr lang="fr-FR" dirty="0" smtClean="0"/>
-              <a:t> and </a:t>
-            </a:r>
-            <a:r>
-              <a:rPr lang="fr-FR" dirty="0" err="1" smtClean="0"/>
-              <a:t>null</a:t>
-            </a:r>
-            <a:r>
-              <a:rPr lang="fr-FR" dirty="0" smtClean="0"/>
-              <a:t> </a:t>
-            </a:r>
-            <a:r>
-              <a:rPr lang="fr-FR" dirty="0" err="1" smtClean="0"/>
-              <a:t>otherwise</a:t>
-            </a:r>
-            <a:endParaRPr lang="fr-FR" dirty="0" smtClean="0"/>
-          </a:p>
-          <a:p>
-            <a:r>
-              <a:rPr lang="fr-FR" b="1" dirty="0" err="1" smtClean="0">
-                <a:solidFill>
-                  <a:srgbClr val="FF0000"/>
-                </a:solidFill>
-              </a:rPr>
-              <a:t>then</a:t>
+              <a:t>draw</a:t>
             </a:r>
             <a:r>
               <a:rPr lang="fr-FR" b="1" dirty="0" smtClean="0"/>
@@ -13711,15 +13676,26 @@
             </a:r>
             <a:r>
               <a:rPr lang="fr-FR" b="1" dirty="0" err="1" smtClean="0"/>
-              <a:t>render</a:t>
-            </a:r>
-            <a:r>
-              <a:rPr lang="fr-FR" b="1" dirty="0" smtClean="0"/>
-              <a:t> the </a:t>
-            </a:r>
+              <a:t>mining</a:t>
+            </a:r>
+            <a:endParaRPr lang="fr-FR" b="1" dirty="0" smtClean="0"/>
+          </a:p>
+          <a:p>
+            <a:endParaRPr lang="fr-FR" dirty="0" smtClean="0"/>
+          </a:p>
+          <a:p>
+            <a:endParaRPr lang="fr-FR" dirty="0"/>
+          </a:p>
+          <a:p>
+            <a:endParaRPr lang="fr-FR" dirty="0" smtClean="0"/>
+          </a:p>
+          <a:p>
+            <a:endParaRPr lang="fr-FR" b="1" dirty="0" smtClean="0"/>
+          </a:p>
+          <a:p>
             <a:r>
               <a:rPr lang="fr-FR" b="1" dirty="0" err="1" smtClean="0"/>
-              <a:t>computed</a:t>
+              <a:t>don’t</a:t>
             </a:r>
             <a:r>
               <a:rPr lang="fr-FR" b="1" dirty="0" smtClean="0"/>
@@ -13727,464 +13703,145 @@
             </a:r>
             <a:r>
               <a:rPr lang="fr-FR" b="1" dirty="0" err="1" smtClean="0"/>
-              <a:t>list</a:t>
-            </a:r>
-            <a:endParaRPr lang="fr-FR" b="1" dirty="0" smtClean="0"/>
+              <a:t>freeze</a:t>
+            </a:r>
+            <a:r>
+              <a:rPr lang="fr-FR" b="1" dirty="0" smtClean="0"/>
+              <a:t> the UI :</a:t>
+            </a:r>
+          </a:p>
+          <a:p>
+            <a:pPr lvl="1"/>
+            <a:r>
+              <a:rPr lang="fr-FR" dirty="0" smtClean="0"/>
+              <a:t>Code </a:t>
+            </a:r>
+            <a:r>
+              <a:rPr lang="fr-FR" dirty="0" err="1" smtClean="0"/>
+              <a:t>mining</a:t>
+            </a:r>
+            <a:r>
+              <a:rPr lang="fr-FR" dirty="0" smtClean="0"/>
+              <a:t> instances are </a:t>
+            </a:r>
+            <a:r>
+              <a:rPr lang="fr-FR" dirty="0" err="1" smtClean="0"/>
+              <a:t>created</a:t>
+            </a:r>
+            <a:r>
+              <a:rPr lang="fr-FR" dirty="0" smtClean="0"/>
+              <a:t> in background</a:t>
+            </a:r>
+          </a:p>
+          <a:p>
+            <a:pPr lvl="1"/>
+            <a:r>
+              <a:rPr lang="fr-FR" dirty="0" err="1" smtClean="0"/>
+              <a:t>Draw</a:t>
+            </a:r>
+            <a:r>
+              <a:rPr lang="fr-FR" dirty="0" smtClean="0"/>
+              <a:t> of code </a:t>
+            </a:r>
+            <a:r>
+              <a:rPr lang="fr-FR" dirty="0" err="1" smtClean="0"/>
+              <a:t>mining</a:t>
+            </a:r>
+            <a:r>
+              <a:rPr lang="fr-FR" dirty="0" smtClean="0"/>
+              <a:t> </a:t>
+            </a:r>
+            <a:r>
+              <a:rPr lang="fr-FR" dirty="0" err="1" smtClean="0"/>
+              <a:t>is</a:t>
+            </a:r>
+            <a:r>
+              <a:rPr lang="fr-FR" dirty="0" smtClean="0"/>
+              <a:t> </a:t>
+            </a:r>
+            <a:r>
+              <a:rPr lang="fr-FR" dirty="0" err="1" smtClean="0"/>
+              <a:t>done</a:t>
+            </a:r>
+            <a:r>
+              <a:rPr lang="fr-FR" dirty="0" smtClean="0"/>
+              <a:t> </a:t>
+            </a:r>
+            <a:r>
+              <a:rPr lang="fr-FR" dirty="0" err="1" smtClean="0"/>
+              <a:t>only</a:t>
+            </a:r>
+            <a:r>
+              <a:rPr lang="fr-FR" dirty="0" smtClean="0"/>
+              <a:t> </a:t>
+            </a:r>
+            <a:r>
+              <a:rPr lang="fr-FR" dirty="0" err="1" smtClean="0"/>
+              <a:t>when</a:t>
+            </a:r>
+            <a:r>
+              <a:rPr lang="fr-FR" dirty="0" smtClean="0"/>
+              <a:t> content </a:t>
+            </a:r>
+            <a:r>
+              <a:rPr lang="fr-FR" dirty="0" err="1" smtClean="0"/>
+              <a:t>is</a:t>
+            </a:r>
+            <a:r>
+              <a:rPr lang="fr-FR" dirty="0" smtClean="0"/>
+              <a:t> </a:t>
+            </a:r>
+            <a:r>
+              <a:rPr lang="fr-FR" dirty="0" err="1" smtClean="0"/>
+              <a:t>ready</a:t>
+            </a:r>
+            <a:r>
+              <a:rPr lang="fr-FR" dirty="0" smtClean="0"/>
+              <a:t>.</a:t>
+            </a:r>
+            <a:endParaRPr lang="fr-FR" dirty="0"/>
+          </a:p>
+          <a:p>
+            <a:endParaRPr lang="fr-FR" dirty="0"/>
           </a:p>
           <a:p>
             <a:pPr lvl="2"/>
-            <a:r>
-              <a:rPr lang="fr-FR" dirty="0" smtClean="0"/>
-              <a:t>group by </a:t>
-            </a:r>
-            <a:r>
-              <a:rPr lang="fr-FR" dirty="0" err="1" smtClean="0"/>
-              <a:t>mining</a:t>
-            </a:r>
-            <a:r>
-              <a:rPr lang="fr-FR" dirty="0" smtClean="0"/>
-              <a:t> </a:t>
-            </a:r>
-            <a:r>
-              <a:rPr lang="fr-FR" dirty="0" err="1" smtClean="0"/>
-              <a:t>with</a:t>
-            </a:r>
-            <a:r>
-              <a:rPr lang="fr-FR" dirty="0" smtClean="0"/>
-              <a:t> position and </a:t>
-            </a:r>
-            <a:r>
-              <a:rPr lang="fr-FR" dirty="0" err="1" smtClean="0"/>
-              <a:t>link</a:t>
-            </a:r>
-            <a:r>
-              <a:rPr lang="fr-FR" dirty="0" smtClean="0"/>
-              <a:t> </a:t>
-            </a:r>
-            <a:r>
-              <a:rPr lang="fr-FR" dirty="0" err="1" smtClean="0"/>
-              <a:t>it</a:t>
-            </a:r>
-            <a:r>
-              <a:rPr lang="fr-FR" dirty="0" smtClean="0"/>
-              <a:t> to a </a:t>
-            </a:r>
-            <a:r>
-              <a:rPr lang="fr-FR" b="1" dirty="0" err="1" smtClean="0"/>
-              <a:t>CodeMiningLine</a:t>
-            </a:r>
-            <a:r>
-              <a:rPr lang="fr-FR" b="1" dirty="0" smtClean="0"/>
-              <a:t>*Annotation</a:t>
-            </a:r>
+            <a:endParaRPr lang="fr-FR" dirty="0" smtClean="0"/>
           </a:p>
           <a:p>
             <a:pPr lvl="2"/>
-            <a:r>
-              <a:rPr lang="fr-FR" dirty="0" smtClean="0"/>
-              <a:t>update annotation support </a:t>
-            </a:r>
-            <a:r>
-              <a:rPr lang="fr-FR" dirty="0" err="1" smtClean="0"/>
-              <a:t>with</a:t>
-            </a:r>
-            <a:r>
-              <a:rPr lang="fr-FR" dirty="0" smtClean="0"/>
-              <a:t> the new </a:t>
-            </a:r>
-            <a:r>
-              <a:rPr lang="fr-FR" b="1" dirty="0" err="1" smtClean="0"/>
-              <a:t>CodeMiningLine</a:t>
-            </a:r>
-            <a:r>
-              <a:rPr lang="fr-FR" b="1" dirty="0" smtClean="0"/>
-              <a:t>*Annotation </a:t>
-            </a:r>
-            <a:r>
-              <a:rPr lang="fr-FR" dirty="0" err="1" smtClean="0"/>
-              <a:t>list</a:t>
-            </a:r>
             <a:endParaRPr lang="fr-FR" dirty="0" smtClean="0"/>
-          </a:p>
-          <a:p>
-            <a:r>
-              <a:rPr lang="fr-FR" dirty="0" smtClean="0"/>
-              <a:t>The update of annotations call the </a:t>
-            </a:r>
-            <a:r>
-              <a:rPr lang="fr-FR" dirty="0" err="1" smtClean="0"/>
-              <a:t>AnnotationPainter</a:t>
-            </a:r>
-            <a:r>
-              <a:rPr lang="fr-FR" dirty="0" smtClean="0"/>
-              <a:t> </a:t>
-            </a:r>
-            <a:r>
-              <a:rPr lang="fr-FR" dirty="0" err="1" smtClean="0"/>
-              <a:t>which</a:t>
-            </a:r>
-            <a:r>
-              <a:rPr lang="fr-FR" dirty="0" smtClean="0"/>
-              <a:t> </a:t>
-            </a:r>
-            <a:r>
-              <a:rPr lang="fr-FR" dirty="0" err="1" smtClean="0"/>
-              <a:t>draws</a:t>
-            </a:r>
-            <a:r>
-              <a:rPr lang="fr-FR" dirty="0" smtClean="0"/>
-              <a:t> </a:t>
-            </a:r>
-            <a:r>
-              <a:rPr lang="fr-FR" dirty="0" err="1" smtClean="0"/>
-              <a:t>each</a:t>
-            </a:r>
-            <a:r>
-              <a:rPr lang="fr-FR" dirty="0" smtClean="0"/>
-              <a:t> annotations:</a:t>
-            </a:r>
-          </a:p>
-          <a:p>
-            <a:pPr lvl="1"/>
-            <a:r>
-              <a:rPr lang="fr-FR" dirty="0" smtClean="0"/>
-              <a:t>A </a:t>
-            </a:r>
-            <a:r>
-              <a:rPr lang="fr-FR" dirty="0" err="1" smtClean="0"/>
-              <a:t>given</a:t>
-            </a:r>
-            <a:r>
-              <a:rPr lang="fr-FR" dirty="0" smtClean="0"/>
-              <a:t> </a:t>
-            </a:r>
-            <a:r>
-              <a:rPr lang="fr-FR" b="1" dirty="0" err="1" smtClean="0"/>
-              <a:t>CodeMiningLine</a:t>
-            </a:r>
-            <a:r>
-              <a:rPr lang="fr-FR" b="1" dirty="0" smtClean="0"/>
-              <a:t>*Annotation</a:t>
-            </a:r>
-            <a:r>
-              <a:rPr lang="fr-FR" dirty="0" smtClean="0"/>
-              <a:t> </a:t>
-            </a:r>
-            <a:r>
-              <a:rPr lang="fr-FR" dirty="0" err="1" smtClean="0"/>
-              <a:t>is</a:t>
-            </a:r>
-            <a:r>
-              <a:rPr lang="fr-FR" dirty="0" smtClean="0"/>
-              <a:t> </a:t>
-            </a:r>
-            <a:r>
-              <a:rPr lang="fr-FR" dirty="0" err="1" smtClean="0"/>
-              <a:t>drawn</a:t>
-            </a:r>
-            <a:r>
-              <a:rPr lang="fr-FR" dirty="0" smtClean="0"/>
-              <a:t> </a:t>
-            </a:r>
-            <a:r>
-              <a:rPr lang="fr-FR" dirty="0" err="1" smtClean="0"/>
-              <a:t>only</a:t>
-            </a:r>
-            <a:r>
-              <a:rPr lang="fr-FR" dirty="0" smtClean="0"/>
-              <a:t> if </a:t>
-            </a:r>
-            <a:r>
-              <a:rPr lang="fr-FR" dirty="0" err="1" smtClean="0"/>
-              <a:t>it</a:t>
-            </a:r>
-            <a:r>
-              <a:rPr lang="fr-FR" dirty="0" smtClean="0"/>
-              <a:t> </a:t>
-            </a:r>
-            <a:r>
-              <a:rPr lang="fr-FR" dirty="0" err="1" smtClean="0"/>
-              <a:t>is</a:t>
-            </a:r>
-            <a:r>
-              <a:rPr lang="fr-FR" dirty="0" smtClean="0"/>
-              <a:t> in visible </a:t>
-            </a:r>
-            <a:r>
-              <a:rPr lang="fr-FR" dirty="0" err="1" smtClean="0"/>
-              <a:t>lines</a:t>
-            </a:r>
-            <a:endParaRPr lang="fr-FR" dirty="0" smtClean="0"/>
-          </a:p>
-          <a:p>
-            <a:pPr lvl="1"/>
-            <a:r>
-              <a:rPr lang="fr-FR" b="1" dirty="0" err="1" smtClean="0"/>
-              <a:t>CodeMiningLine</a:t>
-            </a:r>
-            <a:r>
-              <a:rPr lang="fr-FR" b="1" dirty="0" smtClean="0"/>
-              <a:t>*Annotation</a:t>
-            </a:r>
-            <a:r>
-              <a:rPr lang="fr-FR" dirty="0" smtClean="0"/>
-              <a:t> </a:t>
-            </a:r>
-            <a:r>
-              <a:rPr lang="fr-FR" dirty="0" err="1" smtClean="0"/>
-              <a:t>draws</a:t>
-            </a:r>
-            <a:r>
-              <a:rPr lang="fr-FR" dirty="0" smtClean="0"/>
-              <a:t> </a:t>
-            </a:r>
-            <a:r>
-              <a:rPr lang="fr-FR" dirty="0" err="1" smtClean="0"/>
-              <a:t>only</a:t>
-            </a:r>
-            <a:r>
-              <a:rPr lang="fr-FR" dirty="0" smtClean="0"/>
-              <a:t> </a:t>
-            </a:r>
-            <a:r>
-              <a:rPr lang="fr-FR" dirty="0" err="1" smtClean="0"/>
-              <a:t>minings</a:t>
-            </a:r>
-            <a:r>
-              <a:rPr lang="fr-FR" dirty="0" smtClean="0"/>
-              <a:t> </a:t>
-            </a:r>
-            <a:r>
-              <a:rPr lang="fr-FR" dirty="0" err="1" smtClean="0"/>
-              <a:t>which</a:t>
-            </a:r>
-            <a:r>
-              <a:rPr lang="fr-FR" dirty="0" smtClean="0"/>
-              <a:t> are </a:t>
-            </a:r>
-            <a:r>
-              <a:rPr lang="fr-FR" dirty="0" err="1" smtClean="0"/>
-              <a:t>ready</a:t>
-            </a:r>
-            <a:r>
-              <a:rPr lang="fr-FR" dirty="0" smtClean="0"/>
-              <a:t>.</a:t>
-            </a:r>
-          </a:p>
-          <a:p>
-            <a:pPr lvl="1"/>
-            <a:r>
-              <a:rPr lang="fr-FR" dirty="0" smtClean="0"/>
-              <a:t>If </a:t>
-            </a:r>
-            <a:r>
-              <a:rPr lang="fr-FR" dirty="0" err="1" smtClean="0"/>
-              <a:t>mining</a:t>
-            </a:r>
-            <a:r>
-              <a:rPr lang="fr-FR" dirty="0" smtClean="0"/>
-              <a:t> </a:t>
-            </a:r>
-            <a:r>
-              <a:rPr lang="fr-FR" dirty="0" err="1" smtClean="0"/>
-              <a:t>is</a:t>
-            </a:r>
-            <a:r>
-              <a:rPr lang="fr-FR" dirty="0" smtClean="0"/>
-              <a:t> not </a:t>
-            </a:r>
-            <a:r>
-              <a:rPr lang="fr-FR" dirty="0" err="1" smtClean="0"/>
-              <a:t>ready</a:t>
-            </a:r>
-            <a:r>
-              <a:rPr lang="fr-FR" dirty="0"/>
-              <a:t> </a:t>
-            </a:r>
-            <a:r>
-              <a:rPr lang="fr-FR" dirty="0" smtClean="0"/>
-              <a:t>(not </a:t>
-            </a:r>
-            <a:r>
-              <a:rPr lang="fr-FR" dirty="0" err="1" smtClean="0"/>
-              <a:t>resolved</a:t>
-            </a:r>
-            <a:r>
-              <a:rPr lang="fr-FR" dirty="0" smtClean="0"/>
-              <a:t>), </a:t>
-            </a:r>
-            <a:r>
-              <a:rPr lang="fr-FR" dirty="0" err="1" smtClean="0"/>
-              <a:t>compute</a:t>
-            </a:r>
-            <a:r>
-              <a:rPr lang="fr-FR" dirty="0" smtClean="0"/>
-              <a:t> </a:t>
-            </a:r>
-            <a:r>
-              <a:rPr lang="fr-FR" dirty="0" err="1" smtClean="0"/>
-              <a:t>it</a:t>
-            </a:r>
-            <a:r>
-              <a:rPr lang="fr-FR" dirty="0" smtClean="0"/>
-              <a:t> in background, </a:t>
-            </a:r>
-            <a:r>
-              <a:rPr lang="fr-FR" b="1" dirty="0" err="1" smtClean="0">
-                <a:solidFill>
-                  <a:srgbClr val="FF0000"/>
-                </a:solidFill>
-              </a:rPr>
-              <a:t>then</a:t>
-            </a:r>
-            <a:r>
-              <a:rPr lang="fr-FR" dirty="0" smtClean="0"/>
-              <a:t> </a:t>
-            </a:r>
-            <a:r>
-              <a:rPr lang="fr-FR" dirty="0" err="1" smtClean="0"/>
-              <a:t>redraw</a:t>
-            </a:r>
-            <a:r>
-              <a:rPr lang="fr-FR" dirty="0" smtClean="0"/>
-              <a:t> the parent </a:t>
-            </a:r>
-            <a:r>
-              <a:rPr lang="fr-FR" b="1" dirty="0" err="1" smtClean="0"/>
-              <a:t>CodeMiningLine</a:t>
-            </a:r>
-            <a:r>
-              <a:rPr lang="fr-FR" b="1" dirty="0" smtClean="0"/>
-              <a:t>*Annotation</a:t>
-            </a:r>
-          </a:p>
-          <a:p>
-            <a:r>
-              <a:rPr lang="fr-FR" b="1" dirty="0" smtClean="0">
-                <a:solidFill>
-                  <a:srgbClr val="FF0000"/>
-                </a:solidFill>
-              </a:rPr>
-              <a:t>2 « </a:t>
-            </a:r>
-            <a:r>
-              <a:rPr lang="fr-FR" b="1" dirty="0" err="1" smtClean="0">
-                <a:solidFill>
-                  <a:srgbClr val="FF0000"/>
-                </a:solidFill>
-              </a:rPr>
-              <a:t>then</a:t>
-            </a:r>
-            <a:r>
-              <a:rPr lang="fr-FR" b="1" dirty="0" smtClean="0">
-                <a:solidFill>
-                  <a:srgbClr val="FF0000"/>
-                </a:solidFill>
-              </a:rPr>
-              <a:t> »</a:t>
-            </a:r>
-            <a:r>
-              <a:rPr lang="fr-FR" dirty="0" smtClean="0">
-                <a:solidFill>
-                  <a:srgbClr val="FF0000"/>
-                </a:solidFill>
-              </a:rPr>
-              <a:t>: </a:t>
-            </a:r>
-            <a:r>
-              <a:rPr lang="fr-FR" dirty="0" smtClean="0"/>
-              <a:t>use of </a:t>
-            </a:r>
-            <a:r>
-              <a:rPr lang="fr-FR" b="1" dirty="0" err="1" smtClean="0"/>
-              <a:t>CompletableFuture</a:t>
-            </a:r>
-            <a:r>
-              <a:rPr lang="fr-FR" dirty="0" smtClean="0"/>
-              <a:t> (</a:t>
-            </a:r>
-            <a:r>
-              <a:rPr lang="fr-FR" dirty="0" err="1" smtClean="0"/>
-              <a:t>thenApply</a:t>
-            </a:r>
-            <a:r>
-              <a:rPr lang="fr-FR" dirty="0" smtClean="0"/>
-              <a:t>/</a:t>
-            </a:r>
-            <a:r>
-              <a:rPr lang="fr-FR" dirty="0" err="1" smtClean="0"/>
-              <a:t>thenRun</a:t>
-            </a:r>
-            <a:r>
-              <a:rPr lang="fr-FR" dirty="0" smtClean="0"/>
-              <a:t>).</a:t>
-            </a:r>
-          </a:p>
-          <a:p>
-            <a:r>
-              <a:rPr lang="fr-FR" dirty="0" smtClean="0"/>
-              <a:t>This </a:t>
-            </a:r>
-            <a:r>
-              <a:rPr lang="fr-FR" dirty="0" err="1" smtClean="0"/>
-              <a:t>process</a:t>
-            </a:r>
-            <a:r>
-              <a:rPr lang="fr-FR" dirty="0" smtClean="0"/>
-              <a:t> </a:t>
-            </a:r>
-            <a:r>
-              <a:rPr lang="fr-FR" dirty="0" err="1" smtClean="0"/>
-              <a:t>is</a:t>
-            </a:r>
-            <a:r>
-              <a:rPr lang="fr-FR" dirty="0" smtClean="0"/>
-              <a:t> </a:t>
-            </a:r>
-            <a:r>
-              <a:rPr lang="fr-FR" dirty="0" err="1" smtClean="0"/>
-              <a:t>done</a:t>
-            </a:r>
-            <a:r>
-              <a:rPr lang="fr-FR" dirty="0" smtClean="0"/>
-              <a:t> </a:t>
-            </a:r>
-            <a:r>
-              <a:rPr lang="fr-FR" dirty="0" err="1" smtClean="0"/>
-              <a:t>when</a:t>
-            </a:r>
-            <a:r>
-              <a:rPr lang="fr-FR" dirty="0" smtClean="0"/>
-              <a:t> editor </a:t>
-            </a:r>
-            <a:r>
-              <a:rPr lang="fr-FR" dirty="0" err="1" smtClean="0"/>
-              <a:t>is</a:t>
-            </a:r>
-            <a:r>
-              <a:rPr lang="fr-FR" dirty="0" smtClean="0"/>
-              <a:t> </a:t>
-            </a:r>
-            <a:r>
-              <a:rPr lang="fr-FR" dirty="0" err="1" smtClean="0"/>
-              <a:t>opened</a:t>
-            </a:r>
-            <a:r>
-              <a:rPr lang="fr-FR" dirty="0" smtClean="0"/>
-              <a:t> and content changes.</a:t>
-            </a:r>
-            <a:endParaRPr lang="fr-FR" dirty="0" smtClean="0">
-              <a:solidFill>
-                <a:srgbClr val="FF0000"/>
-              </a:solidFill>
-            </a:endParaRPr>
           </a:p>
         </p:txBody>
       </p:sp>
+      <p:pic>
+        <p:nvPicPr>
+          <p:cNvPr id="4" name="Image 3"/>
+          <p:cNvPicPr>
+            <a:picLocks noChangeAspect="1"/>
+          </p:cNvPicPr>
+          <p:nvPr/>
+        </p:nvPicPr>
+        <p:blipFill>
+          <a:blip r:embed="rId2"/>
+          <a:stretch>
+            <a:fillRect/>
+          </a:stretch>
+        </p:blipFill>
+        <p:spPr>
+          <a:xfrm>
+            <a:off x="1979712" y="1779662"/>
+            <a:ext cx="2880320" cy="1632443"/>
+          </a:xfrm>
+          <a:prstGeom prst="rect">
+            <a:avLst/>
+          </a:prstGeom>
+        </p:spPr>
+      </p:pic>
     </p:spTree>
     <p:extLst>
       <p:ext uri="{BB962C8B-B14F-4D97-AF65-F5344CB8AC3E}">
-        <p14:creationId xmlns:p14="http://schemas.microsoft.com/office/powerpoint/2010/main" val="3916104051"/>
+        <p14:creationId xmlns:p14="http://schemas.microsoft.com/office/powerpoint/2010/main" val="302506574"/>
       </p:ext>
     </p:extLst>
   </p:cSld>
@@ -14236,12 +13893,32 @@
           <a:lstStyle/>
           <a:p>
             <a:r>
-              <a:rPr lang="fr-FR" dirty="0" smtClean="0"/>
-              <a:t>Code Mining – API - </a:t>
-            </a:r>
-            <a:r>
-              <a:rPr lang="fr-FR" dirty="0" err="1" smtClean="0"/>
-              <a:t>Overview</a:t>
+              <a:rPr lang="fr-FR" dirty="0" err="1" smtClean="0"/>
+              <a:t>What</a:t>
+            </a:r>
+            <a:r>
+              <a:rPr lang="fr-FR" dirty="0" smtClean="0"/>
+              <a:t> </a:t>
+            </a:r>
+            <a:r>
+              <a:rPr lang="fr-FR" dirty="0" err="1" smtClean="0"/>
+              <a:t>is</a:t>
+            </a:r>
+            <a:r>
+              <a:rPr lang="fr-FR" dirty="0" smtClean="0"/>
+              <a:t> Code Mining? – </a:t>
+            </a:r>
+            <a:r>
+              <a:rPr lang="fr-FR" dirty="0" err="1" smtClean="0"/>
+              <a:t>Internal</a:t>
+            </a:r>
+            <a:r>
+              <a:rPr lang="fr-FR" dirty="0" smtClean="0"/>
+              <a:t> </a:t>
+            </a:r>
+            <a:r>
+              <a:rPr lang="fr-FR" dirty="0" smtClean="0"/>
+              <a:t>class (TO REMOVE)</a:t>
             </a:r>
             <a:endParaRPr lang="fr-FR" dirty="0"/>
           </a:p>
@@ -14260,110 +13937,438 @@
         <p:spPr/>
         <p:txBody>
           <a:bodyPr>
-            <a:normAutofit/>
+            <a:normAutofit fontScale="85000" lnSpcReduction="20000"/>
           </a:bodyPr>
           <a:lstStyle/>
           <a:p>
             <a:r>
-              <a:rPr lang="en-US" b="1" dirty="0" err="1" smtClean="0"/>
-              <a:t>ICodeMining</a:t>
-            </a:r>
-            <a:endParaRPr lang="en-US" b="1" dirty="0" smtClean="0"/>
-          </a:p>
-          <a:p>
-            <a:r>
-              <a:rPr lang="en-US" b="1" dirty="0" err="1" smtClean="0"/>
-              <a:t>ICodeMiningProvider</a:t>
-            </a:r>
-            <a:endParaRPr lang="en-US" b="1" dirty="0" smtClean="0"/>
-          </a:p>
-          <a:p>
-            <a:r>
-              <a:rPr lang="en-US" b="1" dirty="0" smtClean="0"/>
-              <a:t>ISourceViewerExtension5</a:t>
-            </a:r>
-          </a:p>
-          <a:p>
-            <a:r>
-              <a:rPr lang="en-US" dirty="0" smtClean="0"/>
-              <a:t>Use of </a:t>
-            </a:r>
-            <a:r>
-              <a:rPr lang="en-US" b="1" dirty="0" err="1" smtClean="0"/>
-              <a:t>CompletableFuture</a:t>
-            </a:r>
-            <a:r>
-              <a:rPr lang="en-US" b="1" dirty="0" smtClean="0"/>
-              <a:t>:</a:t>
-            </a:r>
-          </a:p>
-          <a:p>
-            <a:pPr lvl="1"/>
-            <a:r>
-              <a:rPr lang="en-US" b="1" dirty="0" err="1" smtClean="0"/>
-              <a:t>ICodeMiningProvider#provideCodeMinings</a:t>
-            </a:r>
-            <a:r>
-              <a:rPr lang="en-US" b="1" dirty="0" smtClean="0"/>
+              <a:rPr lang="fr-FR" dirty="0" err="1" smtClean="0"/>
+              <a:t>Managed</a:t>
+            </a:r>
+            <a:r>
+              <a:rPr lang="fr-FR" dirty="0" smtClean="0"/>
               <a:t> </a:t>
             </a:r>
             <a:r>
-              <a:rPr lang="en-US" dirty="0" smtClean="0"/>
-              <a:t>to create code </a:t>
-            </a:r>
-            <a:r>
-              <a:rPr lang="en-US" dirty="0" err="1" smtClean="0"/>
-              <a:t>minings</a:t>
-            </a:r>
-            <a:r>
-              <a:rPr lang="en-US" dirty="0" smtClean="0"/>
-              <a:t> instances with position</a:t>
-            </a:r>
-          </a:p>
-          <a:p>
-            <a:pPr lvl="2"/>
-            <a:r>
-              <a:rPr lang="en-US" dirty="0" smtClean="0"/>
-              <a:t>must be fast: to avoid not creating other mining of other code mining provider.</a:t>
-            </a:r>
-          </a:p>
-          <a:p>
-            <a:pPr lvl="1"/>
-            <a:r>
-              <a:rPr lang="en-US" b="1" dirty="0" err="1" smtClean="0"/>
-              <a:t>ICodeMining#resolve</a:t>
-            </a:r>
-            <a:r>
-              <a:rPr lang="en-US" b="1" dirty="0" smtClean="0"/>
-              <a:t>: </a:t>
-            </a:r>
-            <a:r>
-              <a:rPr lang="en-US" dirty="0" smtClean="0"/>
-              <a:t>to resolve content of mining if it takes time</a:t>
-            </a:r>
-          </a:p>
-          <a:p>
-            <a:pPr lvl="2"/>
-            <a:r>
-              <a:rPr lang="en-US" dirty="0" smtClean="0"/>
-              <a:t>can be slow</a:t>
-            </a:r>
-          </a:p>
-          <a:p>
-            <a:endParaRPr lang="en-US" b="1" dirty="0" smtClean="0"/>
+              <a:rPr lang="fr-FR" dirty="0" err="1" smtClean="0"/>
+              <a:t>with</a:t>
+            </a:r>
+            <a:r>
+              <a:rPr lang="fr-FR" dirty="0" smtClean="0"/>
+              <a:t> </a:t>
+            </a:r>
+            <a:r>
+              <a:rPr lang="fr-FR" dirty="0" err="1" smtClean="0"/>
+              <a:t>internal</a:t>
+            </a:r>
+            <a:r>
+              <a:rPr lang="fr-FR" dirty="0" smtClean="0"/>
+              <a:t> class </a:t>
+            </a:r>
           </a:p>
           <a:p>
             <a:pPr marL="0" indent="0">
               <a:buNone/>
             </a:pPr>
+            <a:r>
+              <a:rPr lang="fr-FR" b="1" dirty="0"/>
+              <a:t> </a:t>
+            </a:r>
+            <a:r>
+              <a:rPr lang="fr-FR" b="1" dirty="0" smtClean="0"/>
+              <a:t>   </a:t>
+            </a:r>
+            <a:r>
+              <a:rPr lang="fr-FR" b="1" dirty="0" err="1" smtClean="0"/>
+              <a:t>CodeMiningManager</a:t>
+            </a:r>
+            <a:endParaRPr lang="fr-FR" b="1" dirty="0" smtClean="0"/>
+          </a:p>
+          <a:p>
+            <a:pPr lvl="1"/>
+            <a:r>
+              <a:rPr lang="fr-FR" dirty="0" smtClean="0"/>
+              <a:t>Works </a:t>
+            </a:r>
+            <a:r>
+              <a:rPr lang="fr-FR" dirty="0" err="1" smtClean="0"/>
+              <a:t>with</a:t>
+            </a:r>
+            <a:r>
+              <a:rPr lang="fr-FR" dirty="0" smtClean="0"/>
+              <a:t> </a:t>
+            </a:r>
+            <a:r>
+              <a:rPr lang="fr-FR" b="1" dirty="0" err="1" smtClean="0"/>
+              <a:t>ICodeMining</a:t>
+            </a:r>
+            <a:r>
+              <a:rPr lang="fr-FR" dirty="0" smtClean="0"/>
+              <a:t> instances</a:t>
+            </a:r>
+            <a:endParaRPr lang="fr-FR" b="1" dirty="0" smtClean="0"/>
+          </a:p>
+          <a:p>
+            <a:pPr lvl="2"/>
+            <a:r>
+              <a:rPr lang="fr-FR" b="1" dirty="0" err="1" smtClean="0"/>
+              <a:t>LineHeaderCodeMining</a:t>
+            </a:r>
+            <a:endParaRPr lang="fr-FR" b="1" dirty="0" smtClean="0"/>
+          </a:p>
+          <a:p>
+            <a:pPr lvl="2"/>
+            <a:r>
+              <a:rPr lang="fr-FR" b="1" dirty="0" err="1" smtClean="0"/>
+              <a:t>LineContentCodeMining</a:t>
+            </a:r>
+            <a:endParaRPr lang="fr-FR" b="1" dirty="0" smtClean="0"/>
+          </a:p>
+          <a:p>
+            <a:pPr marL="914400" lvl="2" indent="0">
+              <a:buNone/>
+            </a:pPr>
+            <a:endParaRPr lang="fr-FR" b="1" dirty="0" smtClean="0"/>
+          </a:p>
+          <a:p>
+            <a:pPr lvl="1"/>
+            <a:r>
+              <a:rPr lang="fr-FR" dirty="0"/>
+              <a:t>Use </a:t>
+            </a:r>
+            <a:r>
+              <a:rPr lang="fr-FR" dirty="0" err="1"/>
+              <a:t>InlinedAnnotationSupport</a:t>
+            </a:r>
+            <a:r>
+              <a:rPr lang="fr-FR" dirty="0"/>
+              <a:t> </a:t>
+            </a:r>
+            <a:r>
+              <a:rPr lang="fr-FR" dirty="0" smtClean="0"/>
+              <a:t>to </a:t>
+            </a:r>
+            <a:r>
+              <a:rPr lang="fr-FR" dirty="0" err="1" smtClean="0"/>
+              <a:t>draw</a:t>
+            </a:r>
+            <a:r>
+              <a:rPr lang="fr-FR" dirty="0" smtClean="0"/>
+              <a:t> </a:t>
+            </a:r>
+            <a:r>
+              <a:rPr lang="fr-FR" dirty="0" err="1" smtClean="0"/>
+              <a:t>ICodeMining</a:t>
+            </a:r>
+            <a:r>
+              <a:rPr lang="fr-FR" dirty="0" smtClean="0"/>
+              <a:t> </a:t>
+            </a:r>
+            <a:r>
+              <a:rPr lang="fr-FR" dirty="0" err="1" smtClean="0"/>
+              <a:t>with</a:t>
+            </a:r>
+            <a:r>
+              <a:rPr lang="fr-FR" dirty="0" smtClean="0"/>
+              <a:t> </a:t>
+            </a:r>
+            <a:r>
+              <a:rPr lang="fr-FR" dirty="0" err="1" smtClean="0"/>
+              <a:t>internal</a:t>
+            </a:r>
+            <a:r>
+              <a:rPr lang="fr-FR" dirty="0" smtClean="0"/>
+              <a:t> class: </a:t>
+            </a:r>
             <a:endParaRPr lang="fr-FR" dirty="0"/>
+          </a:p>
+          <a:p>
+            <a:pPr lvl="2"/>
+            <a:r>
+              <a:rPr lang="fr-FR" b="1" dirty="0" err="1"/>
+              <a:t>CodeMiningLineHeaderAnnotation</a:t>
+            </a:r>
+            <a:r>
+              <a:rPr lang="fr-FR" b="1" dirty="0"/>
+              <a:t> : </a:t>
+            </a:r>
+            <a:r>
+              <a:rPr lang="fr-FR" dirty="0" err="1"/>
+              <a:t>draw</a:t>
+            </a:r>
+            <a:r>
+              <a:rPr lang="fr-FR" dirty="0"/>
+              <a:t> </a:t>
+            </a:r>
+            <a:r>
+              <a:rPr lang="fr-FR" dirty="0" err="1"/>
+              <a:t>list</a:t>
+            </a:r>
+            <a:r>
+              <a:rPr lang="fr-FR" dirty="0"/>
+              <a:t> of line header </a:t>
+            </a:r>
+            <a:r>
+              <a:rPr lang="fr-FR" dirty="0" err="1"/>
+              <a:t>minings</a:t>
+            </a:r>
+            <a:r>
+              <a:rPr lang="fr-FR" dirty="0"/>
+              <a:t> for a </a:t>
+            </a:r>
+            <a:r>
+              <a:rPr lang="fr-FR" dirty="0" err="1"/>
+              <a:t>given</a:t>
+            </a:r>
+            <a:r>
+              <a:rPr lang="fr-FR" dirty="0"/>
+              <a:t> offset</a:t>
+            </a:r>
+          </a:p>
+          <a:p>
+            <a:pPr lvl="2"/>
+            <a:r>
+              <a:rPr lang="fr-FR" b="1" dirty="0" err="1"/>
+              <a:t>CodeMiningLineContentAnnotation</a:t>
+            </a:r>
+            <a:r>
+              <a:rPr lang="fr-FR" b="1" dirty="0"/>
+              <a:t> : </a:t>
+            </a:r>
+            <a:r>
+              <a:rPr lang="fr-FR" dirty="0" err="1"/>
+              <a:t>draw</a:t>
+            </a:r>
+            <a:r>
+              <a:rPr lang="fr-FR" dirty="0"/>
+              <a:t> </a:t>
+            </a:r>
+            <a:r>
+              <a:rPr lang="fr-FR" dirty="0" err="1"/>
+              <a:t>list</a:t>
+            </a:r>
+            <a:r>
+              <a:rPr lang="fr-FR" dirty="0"/>
+              <a:t> of line content </a:t>
+            </a:r>
+            <a:r>
+              <a:rPr lang="fr-FR" dirty="0" err="1"/>
+              <a:t>minings</a:t>
+            </a:r>
+            <a:r>
+              <a:rPr lang="fr-FR" dirty="0"/>
+              <a:t> for a </a:t>
+            </a:r>
+            <a:r>
+              <a:rPr lang="fr-FR" dirty="0" err="1"/>
+              <a:t>given</a:t>
+            </a:r>
+            <a:r>
+              <a:rPr lang="fr-FR" dirty="0"/>
+              <a:t> </a:t>
+            </a:r>
+            <a:r>
+              <a:rPr lang="fr-FR" dirty="0" smtClean="0"/>
+              <a:t>offset</a:t>
+            </a:r>
+          </a:p>
+          <a:p>
+            <a:r>
+              <a:rPr lang="fr-FR" dirty="0" err="1"/>
+              <a:t>What</a:t>
+            </a:r>
+            <a:r>
+              <a:rPr lang="fr-FR" dirty="0"/>
+              <a:t> </a:t>
+            </a:r>
+            <a:r>
+              <a:rPr lang="fr-FR" dirty="0" err="1"/>
+              <a:t>is</a:t>
+            </a:r>
+            <a:r>
+              <a:rPr lang="fr-FR" dirty="0"/>
+              <a:t> </a:t>
+            </a:r>
+            <a:r>
+              <a:rPr lang="fr-FR" dirty="0" err="1"/>
+              <a:t>difference</a:t>
+            </a:r>
+            <a:r>
+              <a:rPr lang="fr-FR" dirty="0"/>
+              <a:t> </a:t>
+            </a:r>
+            <a:r>
+              <a:rPr lang="fr-FR" dirty="0" err="1"/>
+              <a:t>with</a:t>
+            </a:r>
+            <a:r>
+              <a:rPr lang="fr-FR" dirty="0"/>
+              <a:t> </a:t>
+            </a:r>
+            <a:r>
+              <a:rPr lang="fr-FR" b="1" dirty="0" err="1" smtClean="0"/>
+              <a:t>InlinedAnnotationSupport</a:t>
+            </a:r>
+            <a:r>
+              <a:rPr lang="fr-FR" dirty="0" smtClean="0"/>
+              <a:t>?</a:t>
+            </a:r>
+          </a:p>
+          <a:p>
+            <a:pPr lvl="1"/>
+            <a:r>
+              <a:rPr lang="fr-FR" b="1" dirty="0" err="1"/>
+              <a:t>don’t</a:t>
+            </a:r>
+            <a:r>
+              <a:rPr lang="fr-FR" b="1" dirty="0"/>
+              <a:t> </a:t>
+            </a:r>
+            <a:r>
+              <a:rPr lang="fr-FR" b="1" dirty="0" err="1"/>
+              <a:t>freeze</a:t>
+            </a:r>
+            <a:r>
+              <a:rPr lang="fr-FR" b="1" dirty="0"/>
+              <a:t> the UI </a:t>
+            </a:r>
+            <a:r>
+              <a:rPr lang="fr-FR" b="1" dirty="0" smtClean="0"/>
+              <a:t>:</a:t>
+            </a:r>
+          </a:p>
+          <a:p>
+            <a:pPr lvl="2"/>
+            <a:r>
+              <a:rPr lang="fr-FR" dirty="0" smtClean="0"/>
+              <a:t>Code </a:t>
+            </a:r>
+            <a:r>
+              <a:rPr lang="fr-FR" dirty="0" err="1" smtClean="0"/>
+              <a:t>mining</a:t>
+            </a:r>
+            <a:r>
+              <a:rPr lang="fr-FR" dirty="0" smtClean="0"/>
+              <a:t> instances are </a:t>
+            </a:r>
+            <a:r>
+              <a:rPr lang="fr-FR" dirty="0" err="1" smtClean="0"/>
+              <a:t>created</a:t>
+            </a:r>
+            <a:r>
+              <a:rPr lang="fr-FR" dirty="0" smtClean="0"/>
+              <a:t> in background</a:t>
+            </a:r>
+          </a:p>
+          <a:p>
+            <a:pPr lvl="2"/>
+            <a:r>
+              <a:rPr lang="fr-FR" dirty="0" err="1" smtClean="0"/>
+              <a:t>Draw</a:t>
+            </a:r>
+            <a:r>
+              <a:rPr lang="fr-FR" dirty="0" smtClean="0"/>
+              <a:t> of code </a:t>
+            </a:r>
+            <a:r>
+              <a:rPr lang="fr-FR" dirty="0" err="1" smtClean="0"/>
+              <a:t>mining</a:t>
+            </a:r>
+            <a:r>
+              <a:rPr lang="fr-FR" dirty="0" smtClean="0"/>
+              <a:t> </a:t>
+            </a:r>
+            <a:r>
+              <a:rPr lang="fr-FR" dirty="0" err="1" smtClean="0"/>
+              <a:t>is</a:t>
+            </a:r>
+            <a:r>
+              <a:rPr lang="fr-FR" dirty="0" smtClean="0"/>
+              <a:t> </a:t>
+            </a:r>
+            <a:r>
+              <a:rPr lang="fr-FR" dirty="0" err="1" smtClean="0"/>
+              <a:t>done</a:t>
+            </a:r>
+            <a:r>
+              <a:rPr lang="fr-FR" dirty="0" smtClean="0"/>
+              <a:t> </a:t>
+            </a:r>
+            <a:r>
+              <a:rPr lang="fr-FR" dirty="0" err="1" smtClean="0"/>
+              <a:t>only</a:t>
+            </a:r>
+            <a:r>
+              <a:rPr lang="fr-FR" dirty="0" smtClean="0"/>
+              <a:t> </a:t>
+            </a:r>
+            <a:r>
+              <a:rPr lang="fr-FR" dirty="0" err="1" smtClean="0"/>
+              <a:t>when</a:t>
+            </a:r>
+            <a:r>
+              <a:rPr lang="fr-FR" dirty="0" smtClean="0"/>
+              <a:t> content </a:t>
+            </a:r>
+            <a:r>
+              <a:rPr lang="fr-FR" dirty="0" err="1" smtClean="0"/>
+              <a:t>is</a:t>
+            </a:r>
+            <a:r>
+              <a:rPr lang="fr-FR" dirty="0" smtClean="0"/>
+              <a:t> </a:t>
+            </a:r>
+            <a:r>
+              <a:rPr lang="fr-FR" dirty="0" err="1" smtClean="0"/>
+              <a:t>ready</a:t>
+            </a:r>
+            <a:r>
+              <a:rPr lang="fr-FR" dirty="0" smtClean="0"/>
+              <a:t>.</a:t>
+            </a:r>
+            <a:endParaRPr lang="fr-FR" dirty="0"/>
+          </a:p>
+          <a:p>
+            <a:endParaRPr lang="fr-FR" dirty="0"/>
+          </a:p>
+          <a:p>
+            <a:pPr lvl="2"/>
+            <a:endParaRPr lang="fr-FR" dirty="0" smtClean="0"/>
+          </a:p>
+          <a:p>
+            <a:pPr lvl="2"/>
+            <a:endParaRPr lang="fr-FR" dirty="0" smtClean="0"/>
           </a:p>
         </p:txBody>
       </p:sp>
+      <p:pic>
+        <p:nvPicPr>
+          <p:cNvPr id="4" name="Image 3"/>
+          <p:cNvPicPr>
+            <a:picLocks noChangeAspect="1"/>
+          </p:cNvPicPr>
+          <p:nvPr/>
+        </p:nvPicPr>
+        <p:blipFill>
+          <a:blip r:embed="rId2"/>
+          <a:stretch>
+            <a:fillRect/>
+          </a:stretch>
+        </p:blipFill>
+        <p:spPr>
+          <a:xfrm>
+            <a:off x="5148064" y="843558"/>
+            <a:ext cx="2880320" cy="1632443"/>
+          </a:xfrm>
+          <a:prstGeom prst="rect">
+            <a:avLst/>
+          </a:prstGeom>
+        </p:spPr>
+      </p:pic>
     </p:spTree>
     <p:extLst>
       <p:ext uri="{BB962C8B-B14F-4D97-AF65-F5344CB8AC3E}">
-        <p14:creationId xmlns:p14="http://schemas.microsoft.com/office/powerpoint/2010/main" val="4230650484"/>
+        <p14:creationId xmlns:p14="http://schemas.microsoft.com/office/powerpoint/2010/main" val="4155655281"/>
       </p:ext>
     </p:extLst>
   </p:cSld>
@@ -14416,11 +14421,19 @@
           <a:p>
             <a:r>
               <a:rPr lang="fr-FR" dirty="0" smtClean="0"/>
-              <a:t>Code Mining – API - </a:t>
-            </a:r>
-            <a:r>
-              <a:rPr lang="fr-FR" dirty="0" err="1" smtClean="0"/>
-              <a:t>ICodeMining</a:t>
+              <a:t>Code Mining </a:t>
+            </a:r>
+            <a:r>
+              <a:rPr lang="fr-FR" dirty="0" smtClean="0"/>
+              <a:t>– </a:t>
+            </a:r>
+            <a:r>
+              <a:rPr lang="fr-FR" dirty="0" err="1" smtClean="0"/>
+              <a:t>Process</a:t>
+            </a:r>
+            <a:r>
+              <a:rPr lang="fr-FR" dirty="0" smtClean="0"/>
+              <a:t> (TO REMOVE)</a:t>
             </a:r>
             <a:endParaRPr lang="fr-FR" dirty="0"/>
           </a:p>
@@ -14439,118 +14452,620 @@
         <p:spPr/>
         <p:txBody>
           <a:bodyPr>
-            <a:normAutofit/>
+            <a:normAutofit fontScale="77500" lnSpcReduction="20000"/>
           </a:bodyPr>
           <a:lstStyle/>
           <a:p>
             <a:r>
-              <a:rPr lang="en-US" b="1" dirty="0" err="1" smtClean="0"/>
-              <a:t>AbstractCodeMining</a:t>
-            </a:r>
-            <a:r>
-              <a:rPr lang="en-US" b="1" dirty="0" smtClean="0"/>
-              <a:t>  </a:t>
-            </a:r>
-            <a:r>
-              <a:rPr lang="en-US" dirty="0" smtClean="0"/>
-              <a:t>is base class:</a:t>
+              <a:rPr lang="fr-FR" b="1" dirty="0" err="1" smtClean="0"/>
+              <a:t>Compute</a:t>
+            </a:r>
+            <a:r>
+              <a:rPr lang="fr-FR" b="1" dirty="0" smtClean="0"/>
+              <a:t> </a:t>
+            </a:r>
+            <a:r>
+              <a:rPr lang="fr-FR" b="1" dirty="0" err="1" smtClean="0"/>
+              <a:t>list</a:t>
+            </a:r>
+            <a:r>
+              <a:rPr lang="fr-FR" b="1" dirty="0" smtClean="0"/>
+              <a:t> of code </a:t>
+            </a:r>
+            <a:r>
+              <a:rPr lang="fr-FR" b="1" dirty="0" err="1" smtClean="0"/>
+              <a:t>minings</a:t>
+            </a:r>
+            <a:r>
+              <a:rPr lang="fr-FR" dirty="0" smtClean="0"/>
+              <a:t> for the </a:t>
+            </a:r>
+            <a:r>
+              <a:rPr lang="fr-FR" dirty="0" err="1" smtClean="0"/>
+              <a:t>whole</a:t>
+            </a:r>
+            <a:r>
+              <a:rPr lang="fr-FR" dirty="0" smtClean="0"/>
+              <a:t> </a:t>
+            </a:r>
+            <a:r>
+              <a:rPr lang="fr-FR" dirty="0" err="1" smtClean="0"/>
+              <a:t>text</a:t>
+            </a:r>
+            <a:r>
+              <a:rPr lang="fr-FR" dirty="0" smtClean="0"/>
+              <a:t> editor content</a:t>
+            </a:r>
+            <a:endParaRPr lang="fr-FR" b="1" dirty="0" smtClean="0"/>
+          </a:p>
+          <a:p>
+            <a:pPr lvl="2"/>
+            <a:r>
+              <a:rPr lang="fr-FR" dirty="0" err="1" smtClean="0"/>
+              <a:t>with</a:t>
+            </a:r>
+            <a:r>
+              <a:rPr lang="fr-FR" dirty="0" smtClean="0"/>
+              <a:t> a </a:t>
+            </a:r>
+            <a:r>
+              <a:rPr lang="fr-FR" b="1" dirty="0" smtClean="0"/>
+              <a:t>position</a:t>
+            </a:r>
+          </a:p>
+          <a:p>
+            <a:pPr lvl="2"/>
+            <a:r>
+              <a:rPr lang="fr-FR" dirty="0" err="1" smtClean="0"/>
+              <a:t>with</a:t>
+            </a:r>
+            <a:r>
+              <a:rPr lang="fr-FR" dirty="0" smtClean="0"/>
+              <a:t> a </a:t>
+            </a:r>
+            <a:r>
+              <a:rPr lang="fr-FR" b="1" dirty="0" smtClean="0"/>
+              <a:t>label</a:t>
+            </a:r>
+            <a:r>
+              <a:rPr lang="fr-FR" dirty="0" smtClean="0"/>
+              <a:t> if the </a:t>
+            </a:r>
+            <a:r>
+              <a:rPr lang="fr-FR" dirty="0" err="1" smtClean="0"/>
+              <a:t>compute</a:t>
+            </a:r>
+            <a:r>
+              <a:rPr lang="fr-FR" dirty="0" smtClean="0"/>
+              <a:t> of </a:t>
+            </a:r>
+            <a:r>
+              <a:rPr lang="fr-FR" dirty="0" err="1" smtClean="0"/>
+              <a:t>this</a:t>
+            </a:r>
+            <a:r>
+              <a:rPr lang="fr-FR" dirty="0" smtClean="0"/>
+              <a:t> label </a:t>
+            </a:r>
+            <a:r>
+              <a:rPr lang="fr-FR" dirty="0" err="1" smtClean="0"/>
+              <a:t>is</a:t>
+            </a:r>
+            <a:r>
+              <a:rPr lang="fr-FR" dirty="0" smtClean="0"/>
+              <a:t> </a:t>
+            </a:r>
+            <a:r>
+              <a:rPr lang="fr-FR" dirty="0" err="1" smtClean="0"/>
+              <a:t>fast</a:t>
+            </a:r>
+            <a:r>
+              <a:rPr lang="fr-FR" dirty="0" smtClean="0"/>
+              <a:t> and </a:t>
+            </a:r>
+            <a:r>
+              <a:rPr lang="fr-FR" dirty="0" err="1" smtClean="0"/>
+              <a:t>null</a:t>
+            </a:r>
+            <a:r>
+              <a:rPr lang="fr-FR" dirty="0" smtClean="0"/>
+              <a:t> </a:t>
+            </a:r>
+            <a:r>
+              <a:rPr lang="fr-FR" dirty="0" err="1" smtClean="0"/>
+              <a:t>otherwise</a:t>
+            </a:r>
+            <a:endParaRPr lang="fr-FR" dirty="0" smtClean="0"/>
+          </a:p>
+          <a:p>
+            <a:r>
+              <a:rPr lang="fr-FR" b="1" dirty="0" err="1" smtClean="0">
+                <a:solidFill>
+                  <a:srgbClr val="FF0000"/>
+                </a:solidFill>
+              </a:rPr>
+              <a:t>then</a:t>
+            </a:r>
+            <a:r>
+              <a:rPr lang="fr-FR" b="1" dirty="0" smtClean="0"/>
+              <a:t> </a:t>
+            </a:r>
+            <a:r>
+              <a:rPr lang="fr-FR" b="1" dirty="0" err="1" smtClean="0"/>
+              <a:t>render</a:t>
+            </a:r>
+            <a:r>
+              <a:rPr lang="fr-FR" b="1" dirty="0" smtClean="0"/>
+              <a:t> the </a:t>
+            </a:r>
+            <a:r>
+              <a:rPr lang="fr-FR" b="1" dirty="0" err="1" smtClean="0"/>
+              <a:t>computed</a:t>
+            </a:r>
+            <a:r>
+              <a:rPr lang="fr-FR" b="1" dirty="0" smtClean="0"/>
+              <a:t> </a:t>
+            </a:r>
+            <a:r>
+              <a:rPr lang="fr-FR" b="1" dirty="0" err="1" smtClean="0"/>
+              <a:t>list</a:t>
+            </a:r>
+            <a:endParaRPr lang="fr-FR" b="1" dirty="0" smtClean="0"/>
+          </a:p>
+          <a:p>
+            <a:pPr lvl="2"/>
+            <a:r>
+              <a:rPr lang="fr-FR" dirty="0" smtClean="0"/>
+              <a:t>group by </a:t>
+            </a:r>
+            <a:r>
+              <a:rPr lang="fr-FR" dirty="0" err="1" smtClean="0"/>
+              <a:t>mining</a:t>
+            </a:r>
+            <a:r>
+              <a:rPr lang="fr-FR" dirty="0" smtClean="0"/>
+              <a:t> </a:t>
+            </a:r>
+            <a:r>
+              <a:rPr lang="fr-FR" dirty="0" err="1" smtClean="0"/>
+              <a:t>with</a:t>
+            </a:r>
+            <a:r>
+              <a:rPr lang="fr-FR" dirty="0" smtClean="0"/>
+              <a:t> position and </a:t>
+            </a:r>
+            <a:r>
+              <a:rPr lang="fr-FR" dirty="0" err="1" smtClean="0"/>
+              <a:t>link</a:t>
+            </a:r>
+            <a:r>
+              <a:rPr lang="fr-FR" dirty="0" smtClean="0"/>
+              <a:t> </a:t>
+            </a:r>
+            <a:r>
+              <a:rPr lang="fr-FR" dirty="0" err="1" smtClean="0"/>
+              <a:t>it</a:t>
+            </a:r>
+            <a:r>
+              <a:rPr lang="fr-FR" dirty="0" smtClean="0"/>
+              <a:t> to a </a:t>
+            </a:r>
+            <a:r>
+              <a:rPr lang="fr-FR" b="1" dirty="0" err="1" smtClean="0"/>
+              <a:t>CodeMiningLine</a:t>
+            </a:r>
+            <a:r>
+              <a:rPr lang="fr-FR" b="1" dirty="0" smtClean="0"/>
+              <a:t>*Annotation</a:t>
+            </a:r>
+          </a:p>
+          <a:p>
+            <a:pPr lvl="2"/>
+            <a:r>
+              <a:rPr lang="fr-FR" dirty="0" smtClean="0"/>
+              <a:t>update annotation support </a:t>
+            </a:r>
+            <a:r>
+              <a:rPr lang="fr-FR" dirty="0" err="1" smtClean="0"/>
+              <a:t>with</a:t>
+            </a:r>
+            <a:r>
+              <a:rPr lang="fr-FR" dirty="0" smtClean="0"/>
+              <a:t> the new </a:t>
+            </a:r>
+            <a:r>
+              <a:rPr lang="fr-FR" b="1" dirty="0" err="1" smtClean="0"/>
+              <a:t>CodeMiningLine</a:t>
+            </a:r>
+            <a:r>
+              <a:rPr lang="fr-FR" b="1" dirty="0" smtClean="0"/>
+              <a:t>*Annotation </a:t>
+            </a:r>
+            <a:r>
+              <a:rPr lang="fr-FR" dirty="0" err="1" smtClean="0"/>
+              <a:t>list</a:t>
+            </a:r>
+            <a:endParaRPr lang="fr-FR" dirty="0" smtClean="0"/>
+          </a:p>
+          <a:p>
+            <a:r>
+              <a:rPr lang="fr-FR" dirty="0" smtClean="0"/>
+              <a:t>The update of annotations call the </a:t>
+            </a:r>
+            <a:r>
+              <a:rPr lang="fr-FR" dirty="0" err="1" smtClean="0"/>
+              <a:t>AnnotationPainter</a:t>
+            </a:r>
+            <a:r>
+              <a:rPr lang="fr-FR" dirty="0" smtClean="0"/>
+              <a:t> </a:t>
+            </a:r>
+            <a:r>
+              <a:rPr lang="fr-FR" dirty="0" err="1" smtClean="0"/>
+              <a:t>which</a:t>
+            </a:r>
+            <a:r>
+              <a:rPr lang="fr-FR" dirty="0" smtClean="0"/>
+              <a:t> </a:t>
+            </a:r>
+            <a:r>
+              <a:rPr lang="fr-FR" dirty="0" err="1" smtClean="0"/>
+              <a:t>draws</a:t>
+            </a:r>
+            <a:r>
+              <a:rPr lang="fr-FR" dirty="0" smtClean="0"/>
+              <a:t> </a:t>
+            </a:r>
+            <a:r>
+              <a:rPr lang="fr-FR" dirty="0" err="1" smtClean="0"/>
+              <a:t>each</a:t>
+            </a:r>
+            <a:r>
+              <a:rPr lang="fr-FR" dirty="0" smtClean="0"/>
+              <a:t> annotations:</a:t>
             </a:r>
           </a:p>
           <a:p>
             <a:pPr lvl="1"/>
             <a:r>
-              <a:rPr lang="en-US" dirty="0" smtClean="0"/>
-              <a:t>Several methods like </a:t>
-            </a:r>
-          </a:p>
-          <a:p>
-            <a:pPr lvl="2"/>
-            <a:r>
-              <a:rPr lang="en-US" b="1" dirty="0" err="1" smtClean="0"/>
-              <a:t>setLabel</a:t>
-            </a:r>
-            <a:r>
-              <a:rPr lang="en-US" dirty="0" smtClean="0"/>
-              <a:t> : set the text content of the annotation</a:t>
-            </a:r>
-          </a:p>
-          <a:p>
-            <a:pPr lvl="2"/>
-            <a:r>
-              <a:rPr lang="en-US" b="1" dirty="0" smtClean="0"/>
-              <a:t>draw</a:t>
-            </a:r>
-            <a:r>
-              <a:rPr lang="en-US" dirty="0" smtClean="0"/>
-              <a:t> : by default draw the set text, can be </a:t>
-            </a:r>
-            <a:r>
-              <a:rPr lang="en-US" dirty="0" err="1" smtClean="0"/>
-              <a:t>overrided</a:t>
-            </a:r>
-            <a:r>
-              <a:rPr lang="en-US" dirty="0" smtClean="0"/>
-              <a:t> to draw anything</a:t>
-            </a:r>
-          </a:p>
-          <a:p>
-            <a:pPr lvl="2"/>
-            <a:r>
-              <a:rPr lang="en-US" b="1" dirty="0" err="1" smtClean="0"/>
-              <a:t>getAction</a:t>
-            </a:r>
-            <a:r>
-              <a:rPr lang="en-US" dirty="0" smtClean="0"/>
-              <a:t>: implement it to bind an action on click of the mining</a:t>
-            </a:r>
+              <a:rPr lang="fr-FR" dirty="0" smtClean="0"/>
+              <a:t>A </a:t>
+            </a:r>
+            <a:r>
+              <a:rPr lang="fr-FR" dirty="0" err="1" smtClean="0"/>
+              <a:t>given</a:t>
+            </a:r>
+            <a:r>
+              <a:rPr lang="fr-FR" dirty="0" smtClean="0"/>
+              <a:t> </a:t>
+            </a:r>
+            <a:r>
+              <a:rPr lang="fr-FR" b="1" dirty="0" err="1" smtClean="0"/>
+              <a:t>CodeMiningLine</a:t>
+            </a:r>
+            <a:r>
+              <a:rPr lang="fr-FR" b="1" dirty="0" smtClean="0"/>
+              <a:t>*Annotation</a:t>
+            </a:r>
+            <a:r>
+              <a:rPr lang="fr-FR" dirty="0" smtClean="0"/>
+              <a:t> </a:t>
+            </a:r>
+            <a:r>
+              <a:rPr lang="fr-FR" dirty="0" err="1" smtClean="0"/>
+              <a:t>is</a:t>
+            </a:r>
+            <a:r>
+              <a:rPr lang="fr-FR" dirty="0" smtClean="0"/>
+              <a:t> </a:t>
+            </a:r>
+            <a:r>
+              <a:rPr lang="fr-FR" dirty="0" err="1" smtClean="0"/>
+              <a:t>drawn</a:t>
+            </a:r>
+            <a:r>
+              <a:rPr lang="fr-FR" dirty="0" smtClean="0"/>
+              <a:t> </a:t>
+            </a:r>
+            <a:r>
+              <a:rPr lang="fr-FR" dirty="0" err="1" smtClean="0"/>
+              <a:t>only</a:t>
+            </a:r>
+            <a:r>
+              <a:rPr lang="fr-FR" dirty="0" smtClean="0"/>
+              <a:t> if </a:t>
+            </a:r>
+            <a:r>
+              <a:rPr lang="fr-FR" dirty="0" err="1" smtClean="0"/>
+              <a:t>it</a:t>
+            </a:r>
+            <a:r>
+              <a:rPr lang="fr-FR" dirty="0" smtClean="0"/>
+              <a:t> </a:t>
+            </a:r>
+            <a:r>
+              <a:rPr lang="fr-FR" dirty="0" err="1" smtClean="0"/>
+              <a:t>is</a:t>
+            </a:r>
+            <a:r>
+              <a:rPr lang="fr-FR" dirty="0" smtClean="0"/>
+              <a:t> in visible </a:t>
+            </a:r>
+            <a:r>
+              <a:rPr lang="fr-FR" dirty="0" err="1" smtClean="0"/>
+              <a:t>lines</a:t>
+            </a:r>
+            <a:endParaRPr lang="fr-FR" dirty="0" smtClean="0"/>
           </a:p>
           <a:p>
             <a:pPr lvl="1"/>
             <a:r>
-              <a:rPr lang="en-US" dirty="0" smtClean="0"/>
-              <a:t>2 code mining kinds which extends </a:t>
-            </a:r>
-            <a:r>
-              <a:rPr lang="en-US" b="1" dirty="0" err="1"/>
-              <a:t>AbstractCodeMining</a:t>
-            </a:r>
-            <a:r>
-              <a:rPr lang="en-US" b="1" dirty="0"/>
+              <a:rPr lang="fr-FR" b="1" dirty="0" err="1" smtClean="0"/>
+              <a:t>CodeMiningLine</a:t>
+            </a:r>
+            <a:r>
+              <a:rPr lang="fr-FR" b="1" dirty="0" smtClean="0"/>
+              <a:t>*Annotation</a:t>
+            </a:r>
+            <a:r>
+              <a:rPr lang="fr-FR" dirty="0" smtClean="0"/>
               <a:t> </a:t>
             </a:r>
             <a:r>
-              <a:rPr lang="en-US" dirty="0" smtClean="0"/>
-              <a:t>:</a:t>
-            </a:r>
-          </a:p>
-          <a:p>
-            <a:pPr lvl="2"/>
-            <a:r>
-              <a:rPr lang="en-US" b="1" dirty="0" err="1" smtClean="0"/>
-              <a:t>LineHeaderCodeMining</a:t>
-            </a:r>
-            <a:endParaRPr lang="en-US" b="1" dirty="0"/>
-          </a:p>
-          <a:p>
-            <a:pPr lvl="2"/>
-            <a:r>
-              <a:rPr lang="en-US" b="1" dirty="0" err="1" smtClean="0"/>
-              <a:t>LineContentCodeMining</a:t>
-            </a:r>
-            <a:endParaRPr lang="en-US" b="1" dirty="0" smtClean="0"/>
-          </a:p>
-          <a:p>
-            <a:pPr marL="0" indent="0">
-              <a:buNone/>
-            </a:pPr>
-            <a:endParaRPr lang="fr-FR" dirty="0"/>
+              <a:rPr lang="fr-FR" dirty="0" err="1" smtClean="0"/>
+              <a:t>draws</a:t>
+            </a:r>
+            <a:r>
+              <a:rPr lang="fr-FR" dirty="0" smtClean="0"/>
+              <a:t> </a:t>
+            </a:r>
+            <a:r>
+              <a:rPr lang="fr-FR" dirty="0" err="1" smtClean="0"/>
+              <a:t>only</a:t>
+            </a:r>
+            <a:r>
+              <a:rPr lang="fr-FR" dirty="0" smtClean="0"/>
+              <a:t> </a:t>
+            </a:r>
+            <a:r>
+              <a:rPr lang="fr-FR" dirty="0" err="1" smtClean="0"/>
+              <a:t>minings</a:t>
+            </a:r>
+            <a:r>
+              <a:rPr lang="fr-FR" dirty="0" smtClean="0"/>
+              <a:t> </a:t>
+            </a:r>
+            <a:r>
+              <a:rPr lang="fr-FR" dirty="0" err="1" smtClean="0"/>
+              <a:t>which</a:t>
+            </a:r>
+            <a:r>
+              <a:rPr lang="fr-FR" dirty="0" smtClean="0"/>
+              <a:t> are </a:t>
+            </a:r>
+            <a:r>
+              <a:rPr lang="fr-FR" dirty="0" err="1" smtClean="0"/>
+              <a:t>ready</a:t>
+            </a:r>
+            <a:r>
+              <a:rPr lang="fr-FR" dirty="0" smtClean="0"/>
+              <a:t>.</a:t>
+            </a:r>
+          </a:p>
+          <a:p>
+            <a:pPr lvl="1"/>
+            <a:r>
+              <a:rPr lang="fr-FR" dirty="0" smtClean="0"/>
+              <a:t>If </a:t>
+            </a:r>
+            <a:r>
+              <a:rPr lang="fr-FR" dirty="0" err="1" smtClean="0"/>
+              <a:t>mining</a:t>
+            </a:r>
+            <a:r>
+              <a:rPr lang="fr-FR" dirty="0" smtClean="0"/>
+              <a:t> </a:t>
+            </a:r>
+            <a:r>
+              <a:rPr lang="fr-FR" dirty="0" err="1" smtClean="0"/>
+              <a:t>is</a:t>
+            </a:r>
+            <a:r>
+              <a:rPr lang="fr-FR" dirty="0" smtClean="0"/>
+              <a:t> not </a:t>
+            </a:r>
+            <a:r>
+              <a:rPr lang="fr-FR" dirty="0" err="1" smtClean="0"/>
+              <a:t>ready</a:t>
+            </a:r>
+            <a:r>
+              <a:rPr lang="fr-FR" dirty="0"/>
+              <a:t> </a:t>
+            </a:r>
+            <a:r>
+              <a:rPr lang="fr-FR" dirty="0" smtClean="0"/>
+              <a:t>(not </a:t>
+            </a:r>
+            <a:r>
+              <a:rPr lang="fr-FR" dirty="0" err="1" smtClean="0"/>
+              <a:t>resolved</a:t>
+            </a:r>
+            <a:r>
+              <a:rPr lang="fr-FR" dirty="0" smtClean="0"/>
+              <a:t>), </a:t>
+            </a:r>
+            <a:r>
+              <a:rPr lang="fr-FR" dirty="0" err="1" smtClean="0"/>
+              <a:t>compute</a:t>
+            </a:r>
+            <a:r>
+              <a:rPr lang="fr-FR" dirty="0" smtClean="0"/>
+              <a:t> </a:t>
+            </a:r>
+            <a:r>
+              <a:rPr lang="fr-FR" dirty="0" err="1" smtClean="0"/>
+              <a:t>it</a:t>
+            </a:r>
+            <a:r>
+              <a:rPr lang="fr-FR" dirty="0" smtClean="0"/>
+              <a:t> in background, </a:t>
+            </a:r>
+            <a:r>
+              <a:rPr lang="fr-FR" b="1" dirty="0" err="1" smtClean="0">
+                <a:solidFill>
+                  <a:srgbClr val="FF0000"/>
+                </a:solidFill>
+              </a:rPr>
+              <a:t>then</a:t>
+            </a:r>
+            <a:r>
+              <a:rPr lang="fr-FR" dirty="0" smtClean="0"/>
+              <a:t> </a:t>
+            </a:r>
+            <a:r>
+              <a:rPr lang="fr-FR" dirty="0" err="1" smtClean="0"/>
+              <a:t>redraw</a:t>
+            </a:r>
+            <a:r>
+              <a:rPr lang="fr-FR" dirty="0" smtClean="0"/>
+              <a:t> the parent </a:t>
+            </a:r>
+            <a:r>
+              <a:rPr lang="fr-FR" b="1" dirty="0" err="1" smtClean="0"/>
+              <a:t>CodeMiningLine</a:t>
+            </a:r>
+            <a:r>
+              <a:rPr lang="fr-FR" b="1" dirty="0" smtClean="0"/>
+              <a:t>*Annotation</a:t>
+            </a:r>
+          </a:p>
+          <a:p>
+            <a:r>
+              <a:rPr lang="fr-FR" b="1" dirty="0" smtClean="0">
+                <a:solidFill>
+                  <a:srgbClr val="FF0000"/>
+                </a:solidFill>
+              </a:rPr>
+              <a:t>2 « </a:t>
+            </a:r>
+            <a:r>
+              <a:rPr lang="fr-FR" b="1" dirty="0" err="1" smtClean="0">
+                <a:solidFill>
+                  <a:srgbClr val="FF0000"/>
+                </a:solidFill>
+              </a:rPr>
+              <a:t>then</a:t>
+            </a:r>
+            <a:r>
+              <a:rPr lang="fr-FR" b="1" dirty="0" smtClean="0">
+                <a:solidFill>
+                  <a:srgbClr val="FF0000"/>
+                </a:solidFill>
+              </a:rPr>
+              <a:t> »</a:t>
+            </a:r>
+            <a:r>
+              <a:rPr lang="fr-FR" dirty="0" smtClean="0">
+                <a:solidFill>
+                  <a:srgbClr val="FF0000"/>
+                </a:solidFill>
+              </a:rPr>
+              <a:t>: </a:t>
+            </a:r>
+            <a:r>
+              <a:rPr lang="fr-FR" dirty="0" smtClean="0"/>
+              <a:t>use of </a:t>
+            </a:r>
+            <a:r>
+              <a:rPr lang="fr-FR" b="1" dirty="0" err="1" smtClean="0"/>
+              <a:t>CompletableFuture</a:t>
+            </a:r>
+            <a:r>
+              <a:rPr lang="fr-FR" dirty="0" smtClean="0"/>
+              <a:t> (</a:t>
+            </a:r>
+            <a:r>
+              <a:rPr lang="fr-FR" dirty="0" err="1" smtClean="0"/>
+              <a:t>thenApply</a:t>
+            </a:r>
+            <a:r>
+              <a:rPr lang="fr-FR" dirty="0" smtClean="0"/>
+              <a:t>/</a:t>
+            </a:r>
+            <a:r>
+              <a:rPr lang="fr-FR" dirty="0" err="1" smtClean="0"/>
+              <a:t>thenRun</a:t>
+            </a:r>
+            <a:r>
+              <a:rPr lang="fr-FR" dirty="0" smtClean="0"/>
+              <a:t>).</a:t>
+            </a:r>
+          </a:p>
+          <a:p>
+            <a:r>
+              <a:rPr lang="fr-FR" dirty="0" smtClean="0"/>
+              <a:t>This </a:t>
+            </a:r>
+            <a:r>
+              <a:rPr lang="fr-FR" dirty="0" err="1" smtClean="0"/>
+              <a:t>process</a:t>
+            </a:r>
+            <a:r>
+              <a:rPr lang="fr-FR" dirty="0" smtClean="0"/>
+              <a:t> </a:t>
+            </a:r>
+            <a:r>
+              <a:rPr lang="fr-FR" dirty="0" err="1" smtClean="0"/>
+              <a:t>is</a:t>
+            </a:r>
+            <a:r>
+              <a:rPr lang="fr-FR" dirty="0" smtClean="0"/>
+              <a:t> </a:t>
+            </a:r>
+            <a:r>
+              <a:rPr lang="fr-FR" dirty="0" err="1" smtClean="0"/>
+              <a:t>done</a:t>
+            </a:r>
+            <a:r>
+              <a:rPr lang="fr-FR" dirty="0" smtClean="0"/>
+              <a:t> </a:t>
+            </a:r>
+            <a:r>
+              <a:rPr lang="fr-FR" dirty="0" err="1" smtClean="0"/>
+              <a:t>when</a:t>
+            </a:r>
+            <a:r>
+              <a:rPr lang="fr-FR" dirty="0" smtClean="0"/>
+              <a:t> editor </a:t>
+            </a:r>
+            <a:r>
+              <a:rPr lang="fr-FR" dirty="0" err="1" smtClean="0"/>
+              <a:t>is</a:t>
+            </a:r>
+            <a:r>
+              <a:rPr lang="fr-FR" dirty="0" smtClean="0"/>
+              <a:t> </a:t>
+            </a:r>
+            <a:r>
+              <a:rPr lang="fr-FR" dirty="0" err="1" smtClean="0"/>
+              <a:t>opened</a:t>
+            </a:r>
+            <a:r>
+              <a:rPr lang="fr-FR" dirty="0" smtClean="0"/>
+              <a:t> and content changes.</a:t>
+            </a:r>
+            <a:endParaRPr lang="fr-FR" dirty="0" smtClean="0">
+              <a:solidFill>
+                <a:srgbClr val="FF0000"/>
+              </a:solidFill>
+            </a:endParaRPr>
           </a:p>
         </p:txBody>
       </p:sp>
     </p:spTree>
     <p:extLst>
       <p:ext uri="{BB962C8B-B14F-4D97-AF65-F5344CB8AC3E}">
-        <p14:creationId xmlns:p14="http://schemas.microsoft.com/office/powerpoint/2010/main" val="899491159"/>
+        <p14:creationId xmlns:p14="http://schemas.microsoft.com/office/powerpoint/2010/main" val="3916104051"/>
       </p:ext>
     </p:extLst>
   </p:cSld>
@@ -14603,11 +15118,11 @@
           <a:p>
             <a:r>
               <a:rPr lang="fr-FR" dirty="0" smtClean="0"/>
-              <a:t>Code Mining – API- </a:t>
-            </a:r>
-            <a:r>
-              <a:rPr lang="en-US" dirty="0" err="1"/>
-              <a:t>ICodeMiningProvider</a:t>
+              <a:t>Code Mining – API - </a:t>
+            </a:r>
+            <a:r>
+              <a:rPr lang="fr-FR" dirty="0" err="1" smtClean="0"/>
+              <a:t>Overview</a:t>
             </a:r>
             <a:endParaRPr lang="fr-FR" dirty="0"/>
           </a:p>
@@ -14615,7 +15130,7 @@
       </p:sp>
       <p:sp>
         <p:nvSpPr>
-          <p:cNvPr id="5" name="Espace réservé du contenu 4"/>
+          <p:cNvPr id="3" name="Espace réservé du contenu 2"/>
           <p:cNvSpPr>
             <a:spLocks noGrp="1"/>
           </p:cNvSpPr>
@@ -14625,73 +15140,127 @@
         </p:nvSpPr>
         <p:spPr/>
         <p:txBody>
-          <a:bodyPr/>
+          <a:bodyPr>
+            <a:normAutofit fontScale="92500" lnSpcReduction="20000"/>
+          </a:bodyPr>
           <a:lstStyle/>
           <a:p>
             <a:r>
-              <a:rPr lang="fr-FR" dirty="0" err="1" smtClean="0"/>
-              <a:t>Factory</a:t>
-            </a:r>
-            <a:r>
-              <a:rPr lang="fr-FR" dirty="0" smtClean="0"/>
-              <a:t> to </a:t>
-            </a:r>
-            <a:r>
-              <a:rPr lang="fr-FR" dirty="0" err="1" smtClean="0"/>
-              <a:t>create</a:t>
-            </a:r>
-            <a:r>
-              <a:rPr lang="fr-FR" dirty="0" smtClean="0"/>
+              <a:rPr lang="en-US" b="1" dirty="0" err="1" smtClean="0"/>
+              <a:t>ICodeMining</a:t>
+            </a:r>
+            <a:endParaRPr lang="en-US" b="1" dirty="0" smtClean="0"/>
+          </a:p>
+          <a:p>
+            <a:pPr lvl="1"/>
+            <a:r>
+              <a:rPr lang="en-US" dirty="0" err="1" smtClean="0"/>
+              <a:t>LineHeaderCodeMining</a:t>
+            </a:r>
+            <a:endParaRPr lang="en-US" dirty="0" smtClean="0"/>
+          </a:p>
+          <a:p>
+            <a:pPr lvl="1"/>
+            <a:r>
+              <a:rPr lang="en-US" dirty="0" err="1" smtClean="0"/>
+              <a:t>LineContentCodeMining</a:t>
+            </a:r>
+            <a:endParaRPr lang="en-US" dirty="0" smtClean="0"/>
+          </a:p>
+          <a:p>
+            <a:r>
+              <a:rPr lang="en-US" b="1" dirty="0" err="1" smtClean="0"/>
+              <a:t>ICodeMiningProvider</a:t>
+            </a:r>
+            <a:endParaRPr lang="en-US" b="1" dirty="0" smtClean="0"/>
+          </a:p>
+          <a:p>
+            <a:r>
+              <a:rPr lang="en-US" b="1" dirty="0" smtClean="0"/>
+              <a:t>ISourceViewerExtension5</a:t>
+            </a:r>
+          </a:p>
+          <a:p>
+            <a:r>
+              <a:rPr lang="en-US" dirty="0" smtClean="0"/>
+              <a:t>Use of </a:t>
+            </a:r>
+            <a:r>
+              <a:rPr lang="en-US" b="1" dirty="0" err="1" smtClean="0"/>
+              <a:t>CompletableFuture</a:t>
+            </a:r>
+            <a:r>
+              <a:rPr lang="en-US" b="1" dirty="0" smtClean="0"/>
+              <a:t>:</a:t>
+            </a:r>
+          </a:p>
+          <a:p>
+            <a:pPr lvl="1"/>
+            <a:r>
+              <a:rPr lang="en-US" b="1" dirty="0" err="1" smtClean="0"/>
+              <a:t>ICodeMiningProvider#provideCodeMinings</a:t>
+            </a:r>
+            <a:r>
+              <a:rPr lang="en-US" b="1" dirty="0" smtClean="0"/>
               <a:t> </a:t>
             </a:r>
             <a:r>
-              <a:rPr lang="fr-FR" dirty="0" err="1" smtClean="0"/>
+              <a:rPr lang="en-US" dirty="0" smtClean="0"/>
+              <a:t>to create code </a:t>
+            </a:r>
+            <a:r>
+              <a:rPr lang="en-US" dirty="0" err="1" smtClean="0"/>
               <a:t>minings</a:t>
             </a:r>
             <a:r>
-              <a:rPr lang="fr-FR" dirty="0" smtClean="0"/>
-              <a:t> (</a:t>
-            </a:r>
-            <a:r>
-              <a:rPr lang="fr-FR" dirty="0" err="1" smtClean="0"/>
-              <a:t>resolved</a:t>
-            </a:r>
-            <a:r>
-              <a:rPr lang="fr-FR" dirty="0" smtClean="0"/>
-              <a:t> or not)</a:t>
-            </a:r>
+              <a:rPr lang="en-US" dirty="0" smtClean="0"/>
+              <a:t> instances with position</a:t>
+            </a:r>
+          </a:p>
+          <a:p>
+            <a:pPr lvl="2"/>
+            <a:r>
+              <a:rPr lang="en-US" dirty="0" smtClean="0"/>
+              <a:t>must be fast: to avoid not creating other mining of other code mining provider.</a:t>
+            </a:r>
+          </a:p>
+          <a:p>
+            <a:pPr lvl="1"/>
+            <a:r>
+              <a:rPr lang="en-US" b="1" dirty="0" err="1" smtClean="0"/>
+              <a:t>ICodeMining#resolve</a:t>
+            </a:r>
+            <a:r>
+              <a:rPr lang="en-US" b="1" dirty="0" smtClean="0"/>
+              <a:t>: </a:t>
+            </a:r>
+            <a:r>
+              <a:rPr lang="en-US" dirty="0" smtClean="0"/>
+              <a:t>to resolve content of mining if it takes time</a:t>
+            </a:r>
+          </a:p>
+          <a:p>
+            <a:pPr lvl="2"/>
+            <a:r>
+              <a:rPr lang="en-US" dirty="0" smtClean="0"/>
+              <a:t>can be slow</a:t>
+            </a:r>
+          </a:p>
+          <a:p>
+            <a:endParaRPr lang="en-US" b="1" dirty="0" smtClean="0"/>
+          </a:p>
+          <a:p>
+            <a:pPr marL="0" indent="0">
+              <a:buNone/>
+            </a:pPr>
             <a:endParaRPr lang="fr-FR" dirty="0"/>
           </a:p>
         </p:txBody>
       </p:sp>
-      <p:pic>
-        <p:nvPicPr>
-          <p:cNvPr id="6" name="Espace réservé du contenu 3"/>
-          <p:cNvPicPr>
-            <a:picLocks noChangeAspect="1"/>
-          </p:cNvPicPr>
-          <p:nvPr/>
-        </p:nvPicPr>
-        <p:blipFill>
-          <a:blip r:embed="rId2"/>
-          <a:stretch>
-            <a:fillRect/>
-          </a:stretch>
-        </p:blipFill>
-        <p:spPr>
-          <a:xfrm>
-            <a:off x="1043608" y="1347614"/>
-            <a:ext cx="6291718" cy="3131006"/>
-          </a:xfrm>
-          <a:prstGeom prst="rect">
-            <a:avLst/>
-          </a:prstGeom>
-        </p:spPr>
-      </p:pic>
     </p:spTree>
     <p:extLst>
       <p:ext uri="{BB962C8B-B14F-4D97-AF65-F5344CB8AC3E}">
-        <p14:creationId xmlns:p14="http://schemas.microsoft.com/office/powerpoint/2010/main" val="1308937201"/>
+        <p14:creationId xmlns:p14="http://schemas.microsoft.com/office/powerpoint/2010/main" val="4230650484"/>
       </p:ext>
     </p:extLst>
   </p:cSld>
@@ -14747,15 +15316,16 @@
               <a:t>Code Mining – API - </a:t>
             </a:r>
             <a:r>
-              <a:rPr lang="fr-FR" dirty="0"/>
-              <a:t>ISourceViewerExtension5</a:t>
-            </a:r>
+              <a:rPr lang="fr-FR" dirty="0" err="1" smtClean="0"/>
+              <a:t>ICodeMining</a:t>
+            </a:r>
+            <a:endParaRPr lang="fr-FR" dirty="0"/>
           </a:p>
         </p:txBody>
       </p:sp>
       <p:sp>
         <p:nvSpPr>
-          <p:cNvPr id="6" name="Espace réservé du contenu 5"/>
+          <p:cNvPr id="3" name="Espace réservé du contenu 2"/>
           <p:cNvSpPr>
             <a:spLocks noGrp="1"/>
           </p:cNvSpPr>
@@ -14765,82 +15335,119 @@
         </p:nvSpPr>
         <p:spPr/>
         <p:txBody>
-          <a:bodyPr/>
+          <a:bodyPr>
+            <a:normAutofit/>
+          </a:bodyPr>
           <a:lstStyle/>
           <a:p>
             <a:r>
-              <a:rPr lang="fr-FR" dirty="0" err="1" smtClean="0"/>
-              <a:t>Used</a:t>
-            </a:r>
-            <a:r>
-              <a:rPr lang="fr-FR" dirty="0" smtClean="0"/>
-              <a:t> to manage </a:t>
-            </a:r>
-            <a:r>
-              <a:rPr lang="fr-FR" dirty="0" err="1" smtClean="0"/>
-              <a:t>minings</a:t>
-            </a:r>
-            <a:endParaRPr lang="fr-FR" dirty="0" smtClean="0"/>
-          </a:p>
-          <a:p>
-            <a:r>
-              <a:rPr lang="fr-FR" dirty="0" err="1" smtClean="0"/>
-              <a:t>Register</a:t>
-            </a:r>
-            <a:r>
-              <a:rPr lang="fr-FR" dirty="0" smtClean="0"/>
-              <a:t> code </a:t>
-            </a:r>
-            <a:r>
-              <a:rPr lang="fr-FR" dirty="0" err="1" smtClean="0"/>
-              <a:t>mining</a:t>
-            </a:r>
-            <a:r>
-              <a:rPr lang="fr-FR" dirty="0" smtClean="0"/>
-              <a:t> providers</a:t>
-            </a:r>
-          </a:p>
-          <a:p>
-            <a:r>
-              <a:rPr lang="fr-FR" dirty="0" smtClean="0"/>
-              <a:t>Update code </a:t>
-            </a:r>
-            <a:r>
-              <a:rPr lang="fr-FR" dirty="0" err="1" smtClean="0"/>
-              <a:t>minings</a:t>
-            </a:r>
+              <a:rPr lang="en-US" b="1" dirty="0" err="1" smtClean="0"/>
+              <a:t>AbstractCodeMining</a:t>
+            </a:r>
+            <a:r>
+              <a:rPr lang="en-US" b="1" dirty="0" smtClean="0"/>
+              <a:t>  </a:t>
+            </a:r>
+            <a:r>
+              <a:rPr lang="en-US" dirty="0" smtClean="0"/>
+              <a:t>is base class:</a:t>
+            </a:r>
+          </a:p>
+          <a:p>
+            <a:pPr lvl="1"/>
+            <a:r>
+              <a:rPr lang="en-US" dirty="0" smtClean="0"/>
+              <a:t>Several methods like </a:t>
+            </a:r>
+          </a:p>
+          <a:p>
+            <a:pPr lvl="2"/>
+            <a:r>
+              <a:rPr lang="en-US" b="1" dirty="0" err="1" smtClean="0"/>
+              <a:t>setLabel</a:t>
+            </a:r>
+            <a:r>
+              <a:rPr lang="en-US" dirty="0" smtClean="0"/>
+              <a:t> : set the text content of the annotation</a:t>
+            </a:r>
+          </a:p>
+          <a:p>
+            <a:pPr lvl="2"/>
+            <a:r>
+              <a:rPr lang="en-US" b="1" dirty="0" smtClean="0"/>
+              <a:t>draw</a:t>
+            </a:r>
+            <a:r>
+              <a:rPr lang="en-US" dirty="0" smtClean="0"/>
+              <a:t> : by default draw the set text, can be </a:t>
+            </a:r>
+            <a:r>
+              <a:rPr lang="en-US" dirty="0" err="1" smtClean="0"/>
+              <a:t>overrided</a:t>
+            </a:r>
+            <a:r>
+              <a:rPr lang="en-US" dirty="0" smtClean="0"/>
+              <a:t> to draw anything</a:t>
+            </a:r>
+          </a:p>
+          <a:p>
+            <a:pPr lvl="2"/>
+            <a:r>
+              <a:rPr lang="en-US" b="1" dirty="0" err="1" smtClean="0"/>
+              <a:t>getAction</a:t>
+            </a:r>
+            <a:r>
+              <a:rPr lang="en-US" dirty="0" smtClean="0"/>
+              <a:t>: implement it to bind an action on click of the mining</a:t>
+            </a:r>
+          </a:p>
+          <a:p>
+            <a:pPr lvl="1"/>
+            <a:r>
+              <a:rPr lang="en-US" dirty="0" smtClean="0"/>
+              <a:t>2 code mining kinds which extends </a:t>
+            </a:r>
+            <a:r>
+              <a:rPr lang="en-US" b="1" dirty="0" err="1"/>
+              <a:t>AbstractCodeMining</a:t>
+            </a:r>
+            <a:r>
+              <a:rPr lang="en-US" b="1" dirty="0"/>
+              <a:t> </a:t>
+            </a:r>
+            <a:r>
+              <a:rPr lang="en-US" dirty="0" smtClean="0"/>
+              <a:t>:</a:t>
+            </a:r>
+          </a:p>
+          <a:p>
+            <a:pPr lvl="2"/>
+            <a:r>
+              <a:rPr lang="en-US" b="1" dirty="0" err="1" smtClean="0"/>
+              <a:t>LineHeaderCodeMining</a:t>
+            </a:r>
+            <a:endParaRPr lang="en-US" b="1" dirty="0"/>
+          </a:p>
+          <a:p>
+            <a:pPr lvl="2"/>
+            <a:r>
+              <a:rPr lang="en-US" b="1" dirty="0" err="1" smtClean="0"/>
+              <a:t>LineContentCodeMining</a:t>
+            </a:r>
+            <a:endParaRPr lang="en-US" b="1" dirty="0" smtClean="0"/>
+          </a:p>
+          <a:p>
+            <a:pPr marL="0" indent="0">
+              <a:buNone/>
+            </a:pPr>
             <a:endParaRPr lang="fr-FR" dirty="0"/>
           </a:p>
         </p:txBody>
       </p:sp>
-      <p:pic>
-        <p:nvPicPr>
-          <p:cNvPr id="7" name="Espace réservé du contenu 4"/>
-          <p:cNvPicPr>
-            <a:picLocks noChangeAspect="1"/>
-          </p:cNvPicPr>
-          <p:nvPr/>
-        </p:nvPicPr>
-        <p:blipFill>
-          <a:blip r:embed="rId2"/>
-          <a:stretch>
-            <a:fillRect/>
-          </a:stretch>
-        </p:blipFill>
-        <p:spPr>
-          <a:xfrm>
-            <a:off x="4499992" y="987574"/>
-            <a:ext cx="4134669" cy="3213358"/>
-          </a:xfrm>
-          <a:prstGeom prst="rect">
-            <a:avLst/>
-          </a:prstGeom>
-        </p:spPr>
-      </p:pic>
     </p:spTree>
     <p:extLst>
       <p:ext uri="{BB962C8B-B14F-4D97-AF65-F5344CB8AC3E}">
-        <p14:creationId xmlns:p14="http://schemas.microsoft.com/office/powerpoint/2010/main" val="1920999867"/>
+        <p14:creationId xmlns:p14="http://schemas.microsoft.com/office/powerpoint/2010/main" val="899491159"/>
       </p:ext>
     </p:extLst>
   </p:cSld>
@@ -14893,7 +15500,11 @@
           <a:p>
             <a:r>
               <a:rPr lang="fr-FR" dirty="0" smtClean="0"/>
-              <a:t>Code Mining - API</a:t>
+              <a:t>Code Mining – API- </a:t>
+            </a:r>
+            <a:r>
+              <a:rPr lang="en-US" dirty="0" err="1"/>
+              <a:t>ICodeMiningProvider</a:t>
             </a:r>
             <a:endParaRPr lang="fr-FR" dirty="0"/>
           </a:p>
@@ -14901,7 +15512,7 @@
       </p:sp>
       <p:sp>
         <p:nvSpPr>
-          <p:cNvPr id="3" name="Espace réservé du contenu 2"/>
+          <p:cNvPr id="5" name="Espace réservé du contenu 4"/>
           <p:cNvSpPr>
             <a:spLocks noGrp="1"/>
           </p:cNvSpPr>
@@ -14911,62 +15522,48 @@
         </p:nvSpPr>
         <p:spPr/>
         <p:txBody>
-          <a:bodyPr>
-            <a:normAutofit/>
-          </a:bodyPr>
+          <a:bodyPr/>
           <a:lstStyle/>
           <a:p>
             <a:r>
               <a:rPr lang="fr-FR" dirty="0" err="1" smtClean="0"/>
-              <a:t>Study</a:t>
-            </a:r>
-            <a:r>
-              <a:rPr lang="fr-FR" dirty="0" smtClean="0"/>
-              <a:t> API </a:t>
-            </a:r>
-            <a:r>
-              <a:rPr lang="fr-FR" dirty="0" err="1" smtClean="0"/>
-              <a:t>with</a:t>
+              <a:t>Factory</a:t>
+            </a:r>
+            <a:r>
+              <a:rPr lang="fr-FR" dirty="0" smtClean="0"/>
+              <a:t> to </a:t>
+            </a:r>
+            <a:r>
+              <a:rPr lang="fr-FR" dirty="0" err="1" smtClean="0"/>
+              <a:t>create</a:t>
             </a:r>
             <a:r>
               <a:rPr lang="fr-FR" dirty="0" smtClean="0"/>
               <a:t> </a:t>
             </a:r>
             <a:r>
-              <a:rPr lang="fr-FR" b="1" dirty="0" err="1" smtClean="0"/>
-              <a:t>EmojiWithCodeMining</a:t>
-            </a:r>
-            <a:endParaRPr lang="fr-FR" b="1" dirty="0" smtClean="0"/>
-          </a:p>
-          <a:p>
-            <a:endParaRPr lang="fr-FR" b="1" dirty="0"/>
-          </a:p>
-          <a:p>
-            <a:endParaRPr lang="fr-FR" b="1" dirty="0" smtClean="0"/>
-          </a:p>
-          <a:p>
-            <a:endParaRPr lang="fr-FR" b="1" dirty="0" smtClean="0"/>
-          </a:p>
-          <a:p>
-            <a:endParaRPr lang="fr-FR" b="1" dirty="0"/>
-          </a:p>
-          <a:p>
-            <a:endParaRPr lang="fr-FR" b="1" dirty="0" smtClean="0"/>
-          </a:p>
-          <a:p>
-            <a:endParaRPr lang="en-US" b="1" dirty="0" smtClean="0"/>
-          </a:p>
-          <a:p>
-            <a:pPr marL="0" indent="0">
-              <a:buNone/>
-            </a:pPr>
+              <a:rPr lang="fr-FR" dirty="0" err="1" smtClean="0"/>
+              <a:t>minings</a:t>
+            </a:r>
+            <a:r>
+              <a:rPr lang="fr-FR" dirty="0" smtClean="0"/>
+              <a:t> (</a:t>
+            </a:r>
+            <a:r>
+              <a:rPr lang="fr-FR" dirty="0" err="1" smtClean="0"/>
+              <a:t>resolved</a:t>
+            </a:r>
+            <a:r>
+              <a:rPr lang="fr-FR" dirty="0" smtClean="0"/>
+              <a:t> or not)</a:t>
+            </a:r>
             <a:endParaRPr lang="fr-FR" dirty="0"/>
           </a:p>
         </p:txBody>
       </p:sp>
       <p:pic>
         <p:nvPicPr>
-          <p:cNvPr id="4" name="Image 3"/>
+          <p:cNvPr id="6" name="Espace réservé du contenu 3"/>
           <p:cNvPicPr>
             <a:picLocks noChangeAspect="1"/>
           </p:cNvPicPr>
@@ -14980,104 +15577,8 @@
         </p:blipFill>
         <p:spPr>
           <a:xfrm>
-            <a:off x="611560" y="1347614"/>
-            <a:ext cx="3543300" cy="600075"/>
-          </a:xfrm>
-          <a:prstGeom prst="rect">
-            <a:avLst/>
-          </a:prstGeom>
-        </p:spPr>
-      </p:pic>
-      <p:pic>
-        <p:nvPicPr>
-          <p:cNvPr id="5" name="Image 4"/>
-          <p:cNvPicPr>
-            <a:picLocks noChangeAspect="1"/>
-          </p:cNvPicPr>
-          <p:nvPr/>
-        </p:nvPicPr>
-        <p:blipFill>
-          <a:blip r:embed="rId3"/>
-          <a:stretch>
-            <a:fillRect/>
-          </a:stretch>
-        </p:blipFill>
-        <p:spPr>
-          <a:xfrm>
-            <a:off x="4514901" y="1335604"/>
-            <a:ext cx="2609850" cy="828675"/>
-          </a:xfrm>
-          <a:prstGeom prst="rect">
-            <a:avLst/>
-          </a:prstGeom>
-        </p:spPr>
-      </p:pic>
-      <p:pic>
-        <p:nvPicPr>
-          <p:cNvPr id="9" name="Image 8"/>
-          <p:cNvPicPr>
-            <a:picLocks noChangeAspect="1"/>
-          </p:cNvPicPr>
-          <p:nvPr/>
-        </p:nvPicPr>
-        <p:blipFill>
-          <a:blip r:embed="rId4"/>
-          <a:stretch>
-            <a:fillRect/>
-          </a:stretch>
-        </p:blipFill>
-        <p:spPr>
-          <a:xfrm>
-            <a:off x="395536" y="3503634"/>
-            <a:ext cx="7960641" cy="1013791"/>
-          </a:xfrm>
-          <a:prstGeom prst="rect">
-            <a:avLst/>
-          </a:prstGeom>
-        </p:spPr>
-      </p:pic>
-      <p:pic>
-        <p:nvPicPr>
-          <p:cNvPr id="11" name="Image 10"/>
-          <p:cNvPicPr>
-            <a:picLocks noChangeAspect="1"/>
-          </p:cNvPicPr>
-          <p:nvPr/>
-        </p:nvPicPr>
-        <p:blipFill>
-          <a:blip r:embed="rId5"/>
-          <a:stretch>
-            <a:fillRect/>
-          </a:stretch>
-        </p:blipFill>
-        <p:spPr>
-          <a:xfrm>
-            <a:off x="5149620" y="2206238"/>
-            <a:ext cx="4638880" cy="1025305"/>
-          </a:xfrm>
-          <a:prstGeom prst="rect">
-            <a:avLst/>
-          </a:prstGeom>
-        </p:spPr>
-      </p:pic>
-      <p:pic>
-        <p:nvPicPr>
-          <p:cNvPr id="12" name="Image 11"/>
-          <p:cNvPicPr>
-            <a:picLocks noChangeAspect="1"/>
-          </p:cNvPicPr>
-          <p:nvPr/>
-        </p:nvPicPr>
-        <p:blipFill>
-          <a:blip r:embed="rId6"/>
-          <a:stretch>
-            <a:fillRect/>
-          </a:stretch>
-        </p:blipFill>
-        <p:spPr>
-          <a:xfrm>
-            <a:off x="217284" y="2327495"/>
-            <a:ext cx="4926262" cy="720080"/>
+            <a:off x="1043608" y="1347614"/>
+            <a:ext cx="6291718" cy="3131006"/>
           </a:xfrm>
           <a:prstGeom prst="rect">
             <a:avLst/>
@@ -15087,7 +15588,7 @@
     </p:spTree>
     <p:extLst>
       <p:ext uri="{BB962C8B-B14F-4D97-AF65-F5344CB8AC3E}">
-        <p14:creationId xmlns:p14="http://schemas.microsoft.com/office/powerpoint/2010/main" val="1308991731"/>
+        <p14:creationId xmlns:p14="http://schemas.microsoft.com/office/powerpoint/2010/main" val="1308937201"/>
       </p:ext>
     </p:extLst>
   </p:cSld>
@@ -15140,19 +15641,18 @@
           <a:p>
             <a:r>
               <a:rPr lang="fr-FR" dirty="0" smtClean="0"/>
-              <a:t>Code Mining and </a:t>
-            </a:r>
-            <a:r>
-              <a:rPr lang="fr-FR" dirty="0" err="1" smtClean="0"/>
-              <a:t>resolved</a:t>
-            </a:r>
-            <a:endParaRPr lang="fr-FR" dirty="0"/>
+              <a:t>Code Mining – API - </a:t>
+            </a:r>
+            <a:r>
+              <a:rPr lang="fr-FR" dirty="0"/>
+              <a:t>ISourceViewerExtension5</a:t>
+            </a:r>
           </a:p>
         </p:txBody>
       </p:sp>
       <p:sp>
         <p:nvSpPr>
-          <p:cNvPr id="7" name="Espace réservé du contenu 6"/>
+          <p:cNvPr id="6" name="Espace réservé du contenu 5"/>
           <p:cNvSpPr>
             <a:spLocks noGrp="1"/>
           </p:cNvSpPr>
@@ -15162,24 +15662,31 @@
         </p:nvSpPr>
         <p:spPr/>
         <p:txBody>
-          <a:bodyPr>
-            <a:normAutofit fontScale="92500" lnSpcReduction="10000"/>
-          </a:bodyPr>
+          <a:bodyPr/>
           <a:lstStyle/>
           <a:p>
             <a:r>
-              <a:rPr lang="fr-FR" b="1" dirty="0" err="1" smtClean="0"/>
-              <a:t>ICodeMining#isResolved</a:t>
-            </a:r>
-            <a:r>
-              <a:rPr lang="fr-FR" b="1" dirty="0" smtClean="0"/>
-              <a:t>()</a:t>
-            </a:r>
-          </a:p>
-          <a:p>
-            <a:r>
-              <a:rPr lang="fr-FR" dirty="0" smtClean="0"/>
-              <a:t>A code </a:t>
+              <a:rPr lang="fr-FR" dirty="0" err="1" smtClean="0"/>
+              <a:t>Used</a:t>
+            </a:r>
+            <a:r>
+              <a:rPr lang="fr-FR" dirty="0" smtClean="0"/>
+              <a:t> to manage </a:t>
+            </a:r>
+            <a:r>
+              <a:rPr lang="fr-FR" dirty="0" err="1" smtClean="0"/>
+              <a:t>minings</a:t>
+            </a:r>
+            <a:endParaRPr lang="fr-FR" dirty="0" smtClean="0"/>
+          </a:p>
+          <a:p>
+            <a:r>
+              <a:rPr lang="fr-FR" dirty="0" err="1" smtClean="0"/>
+              <a:t>Register</a:t>
+            </a:r>
+            <a:r>
+              <a:rPr lang="fr-FR" dirty="0" smtClean="0"/>
+              <a:t> code </a:t>
             </a:r>
             <a:r>
               <a:rPr lang="fr-FR" dirty="0" err="1" smtClean="0"/>
@@ -15187,445 +15694,50 @@
             </a:r>
             <a:r>
               <a:rPr lang="fr-FR" dirty="0" smtClean="0"/>
-              <a:t> </a:t>
-            </a:r>
-            <a:r>
-              <a:rPr lang="fr-FR" dirty="0" err="1" smtClean="0"/>
-              <a:t>is</a:t>
-            </a:r>
-            <a:r>
-              <a:rPr lang="fr-FR" dirty="0" smtClean="0"/>
-              <a:t> </a:t>
-            </a:r>
-            <a:r>
-              <a:rPr lang="fr-FR" b="1" dirty="0" err="1" smtClean="0"/>
-              <a:t>resolved</a:t>
-            </a:r>
-            <a:r>
-              <a:rPr lang="fr-FR" dirty="0" smtClean="0"/>
-              <a:t> </a:t>
-            </a:r>
-            <a:r>
-              <a:rPr lang="fr-FR" dirty="0" err="1" smtClean="0"/>
-              <a:t>when</a:t>
-            </a:r>
-            <a:r>
-              <a:rPr lang="fr-FR" dirty="0" smtClean="0"/>
-              <a:t> </a:t>
-            </a:r>
-            <a:r>
-              <a:rPr lang="fr-FR" dirty="0" err="1" smtClean="0"/>
-              <a:t>her</a:t>
-            </a:r>
-            <a:r>
-              <a:rPr lang="fr-FR" dirty="0" smtClean="0"/>
-              <a:t> </a:t>
-            </a:r>
-            <a:r>
-              <a:rPr lang="fr-FR" b="1" dirty="0" smtClean="0"/>
-              <a:t>content </a:t>
-            </a:r>
-            <a:r>
-              <a:rPr lang="fr-FR" b="1" dirty="0" err="1" smtClean="0"/>
-              <a:t>is</a:t>
-            </a:r>
-            <a:r>
-              <a:rPr lang="fr-FR" b="1" dirty="0" smtClean="0"/>
-              <a:t> </a:t>
-            </a:r>
-            <a:r>
-              <a:rPr lang="fr-FR" b="1" dirty="0" err="1" smtClean="0"/>
-              <a:t>ready</a:t>
-            </a:r>
-            <a:r>
-              <a:rPr lang="fr-FR" dirty="0" smtClean="0"/>
-              <a:t>.</a:t>
-            </a:r>
-          </a:p>
-          <a:p>
-            <a:r>
-              <a:rPr lang="fr-FR" dirty="0" smtClean="0"/>
-              <a:t>A code </a:t>
-            </a:r>
-            <a:r>
-              <a:rPr lang="fr-FR" dirty="0" err="1" smtClean="0"/>
-              <a:t>mining</a:t>
-            </a:r>
-            <a:r>
-              <a:rPr lang="fr-FR" dirty="0" smtClean="0"/>
-              <a:t> </a:t>
-            </a:r>
-            <a:r>
-              <a:rPr lang="fr-FR" dirty="0" err="1" smtClean="0"/>
-              <a:t>is</a:t>
-            </a:r>
-            <a:r>
-              <a:rPr lang="fr-FR" dirty="0" smtClean="0"/>
-              <a:t> </a:t>
-            </a:r>
-            <a:r>
-              <a:rPr lang="fr-FR" b="1" dirty="0" err="1" smtClean="0"/>
-              <a:t>drawn</a:t>
-            </a:r>
-            <a:r>
-              <a:rPr lang="fr-FR" dirty="0" smtClean="0"/>
-              <a:t> </a:t>
-            </a:r>
-            <a:r>
-              <a:rPr lang="fr-FR" dirty="0" err="1" smtClean="0"/>
-              <a:t>when</a:t>
-            </a:r>
-            <a:r>
-              <a:rPr lang="fr-FR" dirty="0" smtClean="0"/>
-              <a:t> </a:t>
-            </a:r>
-            <a:r>
-              <a:rPr lang="fr-FR" dirty="0" err="1" smtClean="0"/>
-              <a:t>it</a:t>
-            </a:r>
-            <a:r>
-              <a:rPr lang="fr-FR" dirty="0" smtClean="0"/>
-              <a:t> </a:t>
-            </a:r>
-            <a:r>
-              <a:rPr lang="fr-FR" dirty="0" err="1" smtClean="0"/>
-              <a:t>is</a:t>
-            </a:r>
-            <a:r>
-              <a:rPr lang="fr-FR" dirty="0" smtClean="0"/>
-              <a:t> </a:t>
-            </a:r>
-            <a:r>
-              <a:rPr lang="fr-FR" b="1" dirty="0" err="1" smtClean="0"/>
-              <a:t>resolved</a:t>
-            </a:r>
-            <a:endParaRPr lang="fr-FR" b="1" dirty="0" smtClean="0"/>
-          </a:p>
-          <a:p>
-            <a:r>
-              <a:rPr lang="fr-FR" b="1" dirty="0" smtClean="0"/>
-              <a:t>Label</a:t>
-            </a:r>
-            <a:r>
-              <a:rPr lang="fr-FR" dirty="0" smtClean="0"/>
-              <a:t> of code </a:t>
-            </a:r>
-            <a:r>
-              <a:rPr lang="fr-FR" dirty="0" err="1" smtClean="0"/>
-              <a:t>mining</a:t>
-            </a:r>
-            <a:r>
-              <a:rPr lang="fr-FR" dirty="0" smtClean="0"/>
-              <a:t> </a:t>
-            </a:r>
-            <a:r>
-              <a:rPr lang="fr-FR" dirty="0" err="1" smtClean="0"/>
-              <a:t>is</a:t>
-            </a:r>
-            <a:r>
-              <a:rPr lang="fr-FR" dirty="0" smtClean="0"/>
-              <a:t> important (</a:t>
-            </a:r>
-            <a:r>
-              <a:rPr lang="fr-FR" dirty="0" err="1" smtClean="0"/>
-              <a:t>even</a:t>
-            </a:r>
-            <a:r>
-              <a:rPr lang="fr-FR" dirty="0" smtClean="0"/>
-              <a:t> if </a:t>
-            </a:r>
-            <a:r>
-              <a:rPr lang="fr-FR" dirty="0" err="1" smtClean="0"/>
-              <a:t>it</a:t>
-            </a:r>
-            <a:r>
-              <a:rPr lang="fr-FR" dirty="0" smtClean="0"/>
-              <a:t> </a:t>
-            </a:r>
-            <a:r>
-              <a:rPr lang="fr-FR" dirty="0" err="1" smtClean="0"/>
-              <a:t>is</a:t>
-            </a:r>
-            <a:r>
-              <a:rPr lang="fr-FR" dirty="0" smtClean="0"/>
-              <a:t> not </a:t>
-            </a:r>
-            <a:r>
-              <a:rPr lang="fr-FR" dirty="0" err="1" smtClean="0"/>
-              <a:t>drawn</a:t>
-            </a:r>
-            <a:r>
-              <a:rPr lang="fr-FR" dirty="0" smtClean="0"/>
-              <a:t>):</a:t>
-            </a:r>
-          </a:p>
-          <a:p>
-            <a:pPr lvl="1"/>
-            <a:r>
-              <a:rPr lang="fr-FR" b="1" dirty="0" err="1" smtClean="0"/>
-              <a:t>null</a:t>
-            </a:r>
-            <a:r>
-              <a:rPr lang="fr-FR" dirty="0" smtClean="0"/>
-              <a:t>: </a:t>
-            </a:r>
-            <a:r>
-              <a:rPr lang="fr-FR" dirty="0" err="1" smtClean="0"/>
-              <a:t>means</a:t>
-            </a:r>
-            <a:r>
-              <a:rPr lang="fr-FR" dirty="0" smtClean="0"/>
-              <a:t> </a:t>
-            </a:r>
-            <a:r>
-              <a:rPr lang="fr-FR" dirty="0" err="1" smtClean="0"/>
-              <a:t>that</a:t>
-            </a:r>
-            <a:r>
-              <a:rPr lang="fr-FR" dirty="0" smtClean="0"/>
-              <a:t> </a:t>
-            </a:r>
-            <a:r>
-              <a:rPr lang="fr-FR" dirty="0" err="1" smtClean="0"/>
-              <a:t>mining</a:t>
-            </a:r>
-            <a:r>
-              <a:rPr lang="fr-FR" dirty="0" smtClean="0"/>
-              <a:t> </a:t>
-            </a:r>
-            <a:r>
-              <a:rPr lang="fr-FR" dirty="0" err="1" smtClean="0"/>
-              <a:t>is</a:t>
-            </a:r>
-            <a:r>
-              <a:rPr lang="fr-FR" dirty="0" smtClean="0"/>
-              <a:t> </a:t>
-            </a:r>
-            <a:r>
-              <a:rPr lang="fr-FR" b="1" dirty="0" smtClean="0"/>
-              <a:t>not </a:t>
-            </a:r>
-            <a:r>
-              <a:rPr lang="fr-FR" b="1" dirty="0" err="1" smtClean="0"/>
-              <a:t>resolved</a:t>
-            </a:r>
-            <a:endParaRPr lang="fr-FR" b="1" dirty="0" smtClean="0"/>
-          </a:p>
-          <a:p>
-            <a:pPr lvl="1"/>
-            <a:r>
-              <a:rPr lang="fr-FR" b="1" dirty="0" smtClean="0"/>
-              <a:t>‘’</a:t>
-            </a:r>
-            <a:r>
-              <a:rPr lang="fr-FR" dirty="0" smtClean="0"/>
-              <a:t> (</a:t>
-            </a:r>
-            <a:r>
-              <a:rPr lang="fr-FR" dirty="0" err="1" smtClean="0"/>
-              <a:t>empty</a:t>
-            </a:r>
-            <a:r>
-              <a:rPr lang="fr-FR" dirty="0" smtClean="0"/>
-              <a:t>): </a:t>
-            </a:r>
-            <a:r>
-              <a:rPr lang="fr-FR" dirty="0" err="1" smtClean="0"/>
-              <a:t>means</a:t>
-            </a:r>
-            <a:r>
-              <a:rPr lang="fr-FR" dirty="0" smtClean="0"/>
-              <a:t> </a:t>
-            </a:r>
-            <a:r>
-              <a:rPr lang="fr-FR" dirty="0" err="1" smtClean="0"/>
-              <a:t>that</a:t>
-            </a:r>
-            <a:r>
-              <a:rPr lang="fr-FR" dirty="0" smtClean="0"/>
-              <a:t> </a:t>
-            </a:r>
-            <a:r>
-              <a:rPr lang="fr-FR" dirty="0" err="1" smtClean="0"/>
-              <a:t>mining</a:t>
-            </a:r>
-            <a:r>
-              <a:rPr lang="fr-FR" dirty="0" smtClean="0"/>
-              <a:t> </a:t>
-            </a:r>
-            <a:r>
-              <a:rPr lang="fr-FR" dirty="0" err="1" smtClean="0"/>
-              <a:t>is</a:t>
-            </a:r>
-            <a:r>
-              <a:rPr lang="fr-FR" dirty="0" smtClean="0"/>
-              <a:t> </a:t>
-            </a:r>
-            <a:r>
-              <a:rPr lang="fr-FR" b="1" dirty="0" smtClean="0"/>
-              <a:t>not visible</a:t>
-            </a:r>
-          </a:p>
-          <a:p>
-            <a:pPr lvl="1"/>
-            <a:r>
-              <a:rPr lang="fr-FR" b="1" dirty="0" err="1" smtClean="0"/>
-              <a:t>filled</a:t>
-            </a:r>
-            <a:r>
-              <a:rPr lang="fr-FR" dirty="0" smtClean="0"/>
-              <a:t> : </a:t>
-            </a:r>
-            <a:r>
-              <a:rPr lang="fr-FR" dirty="0" err="1" smtClean="0"/>
-              <a:t>means</a:t>
-            </a:r>
-            <a:r>
-              <a:rPr lang="fr-FR" dirty="0" smtClean="0"/>
-              <a:t> </a:t>
-            </a:r>
-            <a:r>
-              <a:rPr lang="fr-FR" dirty="0" err="1" smtClean="0"/>
-              <a:t>that</a:t>
-            </a:r>
-            <a:r>
-              <a:rPr lang="fr-FR" dirty="0" smtClean="0"/>
-              <a:t> </a:t>
-            </a:r>
-            <a:r>
-              <a:rPr lang="fr-FR" dirty="0" err="1" smtClean="0"/>
-              <a:t>mining</a:t>
-            </a:r>
-            <a:r>
-              <a:rPr lang="fr-FR" dirty="0" smtClean="0"/>
-              <a:t> </a:t>
-            </a:r>
-            <a:r>
-              <a:rPr lang="fr-FR" dirty="0" err="1" smtClean="0"/>
-              <a:t>is</a:t>
-            </a:r>
-            <a:r>
-              <a:rPr lang="fr-FR" dirty="0" smtClean="0"/>
-              <a:t> </a:t>
-            </a:r>
-            <a:r>
-              <a:rPr lang="fr-FR" b="1" dirty="0" err="1" smtClean="0"/>
-              <a:t>resolved</a:t>
-            </a:r>
-            <a:endParaRPr lang="fr-FR" b="1" dirty="0" smtClean="0"/>
-          </a:p>
-          <a:p>
-            <a:r>
-              <a:rPr lang="fr-FR" dirty="0" smtClean="0"/>
-              <a:t>In the </a:t>
-            </a:r>
-            <a:r>
-              <a:rPr lang="fr-FR" dirty="0" err="1" smtClean="0"/>
-              <a:t>codeming</a:t>
-            </a:r>
-            <a:r>
-              <a:rPr lang="fr-FR" dirty="0" smtClean="0"/>
-              <a:t> provider:</a:t>
-            </a:r>
-          </a:p>
-          <a:p>
-            <a:pPr lvl="1"/>
-            <a:r>
-              <a:rPr lang="fr-FR" dirty="0" smtClean="0"/>
-              <a:t>Update the label of </a:t>
-            </a:r>
-            <a:r>
-              <a:rPr lang="fr-FR" dirty="0" err="1" smtClean="0"/>
-              <a:t>mining</a:t>
-            </a:r>
-            <a:r>
-              <a:rPr lang="fr-FR" dirty="0"/>
-              <a:t>,</a:t>
-            </a:r>
-            <a:r>
-              <a:rPr lang="fr-FR" dirty="0" smtClean="0"/>
-              <a:t> </a:t>
-            </a:r>
-            <a:r>
-              <a:rPr lang="fr-FR" dirty="0" smtClean="0"/>
-              <a:t>if </a:t>
-            </a:r>
-            <a:r>
-              <a:rPr lang="fr-FR" dirty="0" err="1" smtClean="0"/>
-              <a:t>it</a:t>
-            </a:r>
-            <a:r>
-              <a:rPr lang="fr-FR" dirty="0" smtClean="0"/>
-              <a:t> </a:t>
-            </a:r>
-            <a:r>
-              <a:rPr lang="fr-FR" dirty="0" err="1" smtClean="0"/>
-              <a:t>fast</a:t>
-            </a:r>
-            <a:r>
-              <a:rPr lang="fr-FR" dirty="0" smtClean="0"/>
-              <a:t> </a:t>
-            </a:r>
-            <a:r>
-              <a:rPr lang="fr-FR" dirty="0" err="1" smtClean="0"/>
-              <a:t>with</a:t>
-            </a:r>
-            <a:r>
-              <a:rPr lang="fr-FR" dirty="0" smtClean="0"/>
-              <a:t> </a:t>
-            </a:r>
-            <a:r>
-              <a:rPr lang="fr-FR" b="1" dirty="0" err="1" smtClean="0"/>
-              <a:t>ICodeMining#setLabel</a:t>
-            </a:r>
-            <a:endParaRPr lang="fr-FR" b="1" dirty="0" smtClean="0"/>
-          </a:p>
-          <a:p>
-            <a:pPr lvl="1"/>
-            <a:r>
-              <a:rPr lang="fr-FR" dirty="0" smtClean="0"/>
-              <a:t>Or </a:t>
-            </a:r>
-            <a:r>
-              <a:rPr lang="fr-FR" dirty="0" err="1" smtClean="0"/>
-              <a:t>implement</a:t>
-            </a:r>
-            <a:r>
-              <a:rPr lang="fr-FR" dirty="0" smtClean="0"/>
-              <a:t> </a:t>
-            </a:r>
-            <a:r>
-              <a:rPr lang="fr-FR" b="1" dirty="0" err="1" smtClean="0"/>
-              <a:t>AbstractCodeMining#doResolve</a:t>
-            </a:r>
-            <a:r>
-              <a:rPr lang="fr-FR" dirty="0" smtClean="0"/>
-              <a:t> if label </a:t>
-            </a:r>
-            <a:r>
-              <a:rPr lang="fr-FR" dirty="0" err="1" smtClean="0"/>
-              <a:t>compute</a:t>
-            </a:r>
-            <a:r>
-              <a:rPr lang="fr-FR" dirty="0" smtClean="0"/>
-              <a:t> </a:t>
-            </a:r>
-            <a:r>
-              <a:rPr lang="fr-FR" dirty="0" err="1" smtClean="0"/>
-              <a:t>takes</a:t>
-            </a:r>
-            <a:r>
-              <a:rPr lang="fr-FR" dirty="0" smtClean="0"/>
-              <a:t> time</a:t>
+              <a:t> providers</a:t>
+            </a:r>
+          </a:p>
+          <a:p>
+            <a:r>
+              <a:rPr lang="fr-FR" dirty="0" smtClean="0"/>
+              <a:t>Update code </a:t>
+            </a:r>
+            <a:r>
+              <a:rPr lang="fr-FR" dirty="0" err="1" smtClean="0"/>
+              <a:t>minings</a:t>
             </a:r>
             <a:endParaRPr lang="fr-FR" dirty="0"/>
           </a:p>
         </p:txBody>
       </p:sp>
+      <p:pic>
+        <p:nvPicPr>
+          <p:cNvPr id="7" name="Espace réservé du contenu 4"/>
+          <p:cNvPicPr>
+            <a:picLocks noChangeAspect="1"/>
+          </p:cNvPicPr>
+          <p:nvPr/>
+        </p:nvPicPr>
+        <p:blipFill>
+          <a:blip r:embed="rId2"/>
+          <a:stretch>
+            <a:fillRect/>
+          </a:stretch>
+        </p:blipFill>
+        <p:spPr>
+          <a:xfrm>
+            <a:off x="4499992" y="987574"/>
+            <a:ext cx="4134669" cy="3213358"/>
+          </a:xfrm>
+          <a:prstGeom prst="rect">
+            <a:avLst/>
+          </a:prstGeom>
+        </p:spPr>
+      </p:pic>
     </p:spTree>
     <p:extLst>
       <p:ext uri="{BB962C8B-B14F-4D97-AF65-F5344CB8AC3E}">
-        <p14:creationId xmlns:p14="http://schemas.microsoft.com/office/powerpoint/2010/main" val="1483875494"/>
+        <p14:creationId xmlns:p14="http://schemas.microsoft.com/office/powerpoint/2010/main" val="1920999867"/>
       </p:ext>
     </p:extLst>
   </p:cSld>
@@ -15677,16 +15789,24 @@
           <a:lstStyle/>
           <a:p>
             <a:r>
-              <a:rPr lang="fr-FR" dirty="0" err="1" smtClean="0"/>
-              <a:t>Adnaced</a:t>
-            </a:r>
-            <a:r>
-              <a:rPr lang="fr-FR" dirty="0" smtClean="0"/>
-              <a:t> Code Mining - </a:t>
-            </a:r>
-            <a:r>
-              <a:rPr lang="fr-FR" dirty="0" err="1" smtClean="0"/>
-              <a:t>Demo</a:t>
+              <a:rPr lang="fr-FR" dirty="0" err="1"/>
+              <a:t>Emoji</a:t>
+            </a:r>
+            <a:r>
+              <a:rPr lang="fr-FR" dirty="0"/>
+              <a:t> code </a:t>
+            </a:r>
+            <a:r>
+              <a:rPr lang="fr-FR" dirty="0" err="1"/>
+              <a:t>mining</a:t>
+            </a:r>
+            <a:r>
+              <a:rPr lang="fr-FR" dirty="0"/>
+              <a:t> in a </a:t>
+            </a:r>
+            <a:r>
+              <a:rPr lang="fr-FR" dirty="0" smtClean="0"/>
+              <a:t>simple main</a:t>
             </a:r>
             <a:endParaRPr lang="fr-FR" dirty="0"/>
           </a:p>
@@ -15704,46 +15824,185 @@
         </p:nvSpPr>
         <p:spPr/>
         <p:txBody>
-          <a:bodyPr/>
+          <a:bodyPr>
+            <a:normAutofit/>
+          </a:bodyPr>
           <a:lstStyle/>
           <a:p>
             <a:r>
-              <a:rPr lang="en-US" dirty="0"/>
-              <a:t>The example </a:t>
-            </a:r>
-            <a:r>
-              <a:rPr lang="en-US" dirty="0" err="1" smtClean="0">
-                <a:hlinkClick r:id="rId2"/>
-              </a:rPr>
-              <a:t>CodeMiningDemo</a:t>
-            </a:r>
-            <a:r>
-              <a:rPr lang="en-US" dirty="0"/>
-              <a:t> shows in action:</a:t>
-            </a:r>
-          </a:p>
-          <a:p>
-            <a:pPr lvl="1"/>
-            <a:r>
-              <a:rPr lang="en-US" b="1" dirty="0" err="1" smtClean="0"/>
-              <a:t>LineHeaderCodeMining</a:t>
-            </a:r>
-            <a:r>
-              <a:rPr lang="en-US" b="1" dirty="0" smtClean="0"/>
-              <a:t>: </a:t>
-            </a:r>
-            <a:r>
-              <a:rPr lang="en-US" dirty="0" smtClean="0"/>
-              <a:t>which can take some time to compute </a:t>
-            </a:r>
-            <a:r>
-              <a:rPr lang="en-US" dirty="0" smtClean="0"/>
-              <a:t>label</a:t>
-            </a:r>
-            <a:endParaRPr lang="en-US" dirty="0"/>
+              <a:rPr lang="fr-FR" dirty="0" err="1" smtClean="0"/>
+              <a:t>Study</a:t>
+            </a:r>
+            <a:r>
+              <a:rPr lang="fr-FR" dirty="0" smtClean="0"/>
+              <a:t> </a:t>
+            </a:r>
+            <a:r>
+              <a:rPr lang="fr-FR" dirty="0" smtClean="0"/>
+              <a:t>code </a:t>
+            </a:r>
+            <a:r>
+              <a:rPr lang="fr-FR" dirty="0" err="1" smtClean="0"/>
+              <a:t>mining</a:t>
+            </a:r>
+            <a:r>
+              <a:rPr lang="fr-FR" dirty="0" smtClean="0"/>
+              <a:t> API </a:t>
+            </a:r>
+            <a:r>
+              <a:rPr lang="fr-FR" dirty="0" err="1" smtClean="0"/>
+              <a:t>with</a:t>
+            </a:r>
+            <a:r>
+              <a:rPr lang="fr-FR" dirty="0" smtClean="0"/>
+              <a:t> </a:t>
+            </a:r>
+            <a:r>
+              <a:rPr lang="fr-FR" b="1" dirty="0" err="1" smtClean="0"/>
+              <a:t>EmojiWithCodeMining</a:t>
+            </a:r>
+            <a:endParaRPr lang="fr-FR" b="1" dirty="0" smtClean="0"/>
+          </a:p>
+          <a:p>
+            <a:endParaRPr lang="fr-FR" b="1" dirty="0"/>
+          </a:p>
+          <a:p>
+            <a:endParaRPr lang="fr-FR" b="1" dirty="0" smtClean="0"/>
+          </a:p>
+          <a:p>
+            <a:endParaRPr lang="en-US" b="1" dirty="0" smtClean="0"/>
+          </a:p>
+          <a:p>
+            <a:pPr marL="0" indent="0">
+              <a:buNone/>
+            </a:pPr>
+            <a:endParaRPr lang="fr-FR" dirty="0"/>
           </a:p>
         </p:txBody>
       </p:sp>
+      <p:pic>
+        <p:nvPicPr>
+          <p:cNvPr id="9" name="Image 8"/>
+          <p:cNvPicPr>
+            <a:picLocks noChangeAspect="1"/>
+          </p:cNvPicPr>
+          <p:nvPr/>
+        </p:nvPicPr>
+        <p:blipFill>
+          <a:blip r:embed="rId2"/>
+          <a:stretch>
+            <a:fillRect/>
+          </a:stretch>
+        </p:blipFill>
+        <p:spPr>
+          <a:xfrm>
+            <a:off x="1835696" y="1347614"/>
+            <a:ext cx="3648075" cy="1000125"/>
+          </a:xfrm>
+          <a:prstGeom prst="rect">
+            <a:avLst/>
+          </a:prstGeom>
+        </p:spPr>
+      </p:pic>
+      <p:cxnSp>
+        <p:nvCxnSpPr>
+          <p:cNvPr id="12" name="Connecteur droit avec flèche 11"/>
+          <p:cNvCxnSpPr/>
+          <p:nvPr/>
+        </p:nvCxnSpPr>
+        <p:spPr>
+          <a:xfrm flipH="1" flipV="1">
+            <a:off x="4427984" y="2139703"/>
+            <a:ext cx="72008" cy="648071"/>
+          </a:xfrm>
+          <a:prstGeom prst="straightConnector1">
+            <a:avLst/>
+          </a:prstGeom>
+          <a:ln>
+            <a:tailEnd type="triangle"/>
+          </a:ln>
+        </p:spPr>
+        <p:style>
+          <a:lnRef idx="1">
+            <a:schemeClr val="accent1"/>
+          </a:lnRef>
+          <a:fillRef idx="0">
+            <a:schemeClr val="accent1"/>
+          </a:fillRef>
+          <a:effectRef idx="0">
+            <a:schemeClr val="accent1"/>
+          </a:effectRef>
+          <a:fontRef idx="minor">
+            <a:schemeClr val="tx1"/>
+          </a:fontRef>
+        </p:style>
+      </p:cxnSp>
+      <p:cxnSp>
+        <p:nvCxnSpPr>
+          <p:cNvPr id="14" name="Connecteur droit avec flèche 13"/>
+          <p:cNvCxnSpPr/>
+          <p:nvPr/>
+        </p:nvCxnSpPr>
+        <p:spPr>
+          <a:xfrm flipH="1" flipV="1">
+            <a:off x="3563888" y="2139702"/>
+            <a:ext cx="936104" cy="712093"/>
+          </a:xfrm>
+          <a:prstGeom prst="straightConnector1">
+            <a:avLst/>
+          </a:prstGeom>
+          <a:ln>
+            <a:tailEnd type="triangle"/>
+          </a:ln>
+        </p:spPr>
+        <p:style>
+          <a:lnRef idx="1">
+            <a:schemeClr val="accent1"/>
+          </a:lnRef>
+          <a:fillRef idx="0">
+            <a:schemeClr val="accent1"/>
+          </a:fillRef>
+          <a:effectRef idx="0">
+            <a:schemeClr val="accent1"/>
+          </a:effectRef>
+          <a:fontRef idx="minor">
+            <a:schemeClr val="tx1"/>
+          </a:fontRef>
+        </p:style>
+      </p:cxnSp>
+      <p:cxnSp>
+        <p:nvCxnSpPr>
+          <p:cNvPr id="18" name="Connecteur droit avec flèche 17"/>
+          <p:cNvCxnSpPr/>
+          <p:nvPr/>
+        </p:nvCxnSpPr>
+        <p:spPr>
+          <a:xfrm flipV="1">
+            <a:off x="1115616" y="1847676"/>
+            <a:ext cx="936104" cy="1300139"/>
+          </a:xfrm>
+          <a:prstGeom prst="straightConnector1">
+            <a:avLst/>
+          </a:prstGeom>
+          <a:ln>
+            <a:tailEnd type="triangle"/>
+          </a:ln>
+        </p:spPr>
+        <p:style>
+          <a:lnRef idx="1">
+            <a:schemeClr val="accent1"/>
+          </a:lnRef>
+          <a:fillRef idx="0">
+            <a:schemeClr val="accent1"/>
+          </a:fillRef>
+          <a:effectRef idx="0">
+            <a:schemeClr val="accent1"/>
+          </a:effectRef>
+          <a:fontRef idx="minor">
+            <a:schemeClr val="tx1"/>
+          </a:fontRef>
+        </p:style>
+      </p:cxnSp>
       <p:pic>
         <p:nvPicPr>
           <p:cNvPr id="4" name="Image 3"/>
@@ -15760,8 +16019,32 @@
         </p:blipFill>
         <p:spPr>
           <a:xfrm>
-            <a:off x="1187624" y="1694433"/>
-            <a:ext cx="6191250" cy="2971800"/>
+            <a:off x="4463988" y="2622685"/>
+            <a:ext cx="4768440" cy="628253"/>
+          </a:xfrm>
+          <a:prstGeom prst="rect">
+            <a:avLst/>
+          </a:prstGeom>
+        </p:spPr>
+      </p:pic>
+      <p:pic>
+        <p:nvPicPr>
+          <p:cNvPr id="6" name="Image 5"/>
+          <p:cNvPicPr>
+            <a:picLocks noChangeAspect="1"/>
+          </p:cNvPicPr>
+          <p:nvPr/>
+        </p:nvPicPr>
+        <p:blipFill>
+          <a:blip r:embed="rId4"/>
+          <a:stretch>
+            <a:fillRect/>
+          </a:stretch>
+        </p:blipFill>
+        <p:spPr>
+          <a:xfrm>
+            <a:off x="323528" y="3177355"/>
+            <a:ext cx="4608512" cy="745226"/>
           </a:xfrm>
           <a:prstGeom prst="rect">
             <a:avLst/>
@@ -15771,7 +16054,7 @@
     </p:spTree>
     <p:extLst>
       <p:ext uri="{BB962C8B-B14F-4D97-AF65-F5344CB8AC3E}">
-        <p14:creationId xmlns:p14="http://schemas.microsoft.com/office/powerpoint/2010/main" val="2642438695"/>
+        <p14:creationId xmlns:p14="http://schemas.microsoft.com/office/powerpoint/2010/main" val="3228861453"/>
       </p:ext>
     </p:extLst>
   </p:cSld>
@@ -15824,27 +16107,11 @@
           <a:p>
             <a:r>
               <a:rPr lang="fr-FR" dirty="0" smtClean="0"/>
-              <a:t>How to </a:t>
-            </a:r>
-            <a:r>
-              <a:rPr lang="fr-FR" dirty="0" err="1" smtClean="0"/>
-              <a:t>integrate</a:t>
-            </a:r>
-            <a:r>
-              <a:rPr lang="fr-FR" dirty="0" smtClean="0"/>
-              <a:t> </a:t>
-            </a:r>
-            <a:r>
-              <a:rPr lang="fr-FR" dirty="0" smtClean="0"/>
-              <a:t>Code </a:t>
-            </a:r>
-            <a:r>
-              <a:rPr lang="fr-FR" dirty="0" smtClean="0"/>
-              <a:t>Mining </a:t>
-            </a:r>
-            <a:r>
-              <a:rPr lang="fr-FR" dirty="0" smtClean="0"/>
-              <a:t>in Editor</a:t>
+              <a:t>Code Mining and </a:t>
+            </a:r>
+            <a:r>
+              <a:rPr lang="fr-FR" dirty="0" err="1" smtClean="0"/>
+              <a:t>resolved</a:t>
             </a:r>
             <a:endParaRPr lang="fr-FR" dirty="0"/>
           </a:p>
@@ -15852,7 +16119,7 @@
       </p:sp>
       <p:sp>
         <p:nvSpPr>
-          <p:cNvPr id="3" name="Espace réservé du contenu 2"/>
+          <p:cNvPr id="7" name="Espace réservé du contenu 6"/>
           <p:cNvSpPr>
             <a:spLocks noGrp="1"/>
           </p:cNvSpPr>
@@ -15862,27 +16129,228 @@
         </p:nvSpPr>
         <p:spPr/>
         <p:txBody>
-          <a:bodyPr/>
+          <a:bodyPr>
+            <a:normAutofit fontScale="92500" lnSpcReduction="10000"/>
+          </a:bodyPr>
           <a:lstStyle/>
           <a:p>
             <a:r>
-              <a:rPr lang="fr-FR" dirty="0" err="1" smtClean="0"/>
-              <a:t>Rules</a:t>
-            </a:r>
-            <a:r>
-              <a:rPr lang="fr-FR" dirty="0" smtClean="0"/>
-              <a:t>:</a:t>
+              <a:rPr lang="fr-FR" b="1" dirty="0" err="1" smtClean="0"/>
+              <a:t>ICodeMining#isResolved</a:t>
+            </a:r>
+            <a:r>
+              <a:rPr lang="fr-FR" b="1" dirty="0" smtClean="0"/>
+              <a:t>()</a:t>
+            </a:r>
+          </a:p>
+          <a:p>
+            <a:r>
+              <a:rPr lang="fr-FR" dirty="0" smtClean="0"/>
+              <a:t>A code </a:t>
+            </a:r>
+            <a:r>
+              <a:rPr lang="fr-FR" dirty="0" err="1" smtClean="0"/>
+              <a:t>mining</a:t>
+            </a:r>
+            <a:r>
+              <a:rPr lang="fr-FR" dirty="0" smtClean="0"/>
+              <a:t> </a:t>
+            </a:r>
+            <a:r>
+              <a:rPr lang="fr-FR" dirty="0" err="1" smtClean="0"/>
+              <a:t>is</a:t>
+            </a:r>
+            <a:r>
+              <a:rPr lang="fr-FR" dirty="0" smtClean="0"/>
+              <a:t> </a:t>
+            </a:r>
+            <a:r>
+              <a:rPr lang="fr-FR" b="1" dirty="0" err="1" smtClean="0"/>
+              <a:t>resolved</a:t>
+            </a:r>
+            <a:r>
+              <a:rPr lang="fr-FR" dirty="0" smtClean="0"/>
+              <a:t> </a:t>
+            </a:r>
+            <a:r>
+              <a:rPr lang="fr-FR" dirty="0" err="1" smtClean="0"/>
+              <a:t>when</a:t>
+            </a:r>
+            <a:r>
+              <a:rPr lang="fr-FR" dirty="0" smtClean="0"/>
+              <a:t> </a:t>
+            </a:r>
+            <a:r>
+              <a:rPr lang="fr-FR" dirty="0" err="1" smtClean="0"/>
+              <a:t>her</a:t>
+            </a:r>
+            <a:r>
+              <a:rPr lang="fr-FR" dirty="0" smtClean="0"/>
+              <a:t> </a:t>
+            </a:r>
+            <a:r>
+              <a:rPr lang="fr-FR" b="1" dirty="0" smtClean="0"/>
+              <a:t>content </a:t>
+            </a:r>
+            <a:r>
+              <a:rPr lang="fr-FR" b="1" dirty="0" err="1" smtClean="0"/>
+              <a:t>is</a:t>
+            </a:r>
+            <a:r>
+              <a:rPr lang="fr-FR" b="1" dirty="0" smtClean="0"/>
+              <a:t> </a:t>
+            </a:r>
+            <a:r>
+              <a:rPr lang="fr-FR" b="1" dirty="0" err="1" smtClean="0"/>
+              <a:t>ready</a:t>
+            </a:r>
+            <a:r>
+              <a:rPr lang="fr-FR" dirty="0" smtClean="0"/>
+              <a:t>.</a:t>
+            </a:r>
+          </a:p>
+          <a:p>
+            <a:r>
+              <a:rPr lang="fr-FR" dirty="0" smtClean="0"/>
+              <a:t>A code </a:t>
+            </a:r>
+            <a:r>
+              <a:rPr lang="fr-FR" dirty="0" err="1" smtClean="0"/>
+              <a:t>mining</a:t>
+            </a:r>
+            <a:r>
+              <a:rPr lang="fr-FR" dirty="0" smtClean="0"/>
+              <a:t> </a:t>
+            </a:r>
+            <a:r>
+              <a:rPr lang="fr-FR" dirty="0" err="1" smtClean="0"/>
+              <a:t>is</a:t>
+            </a:r>
+            <a:r>
+              <a:rPr lang="fr-FR" dirty="0" smtClean="0"/>
+              <a:t> </a:t>
+            </a:r>
+            <a:r>
+              <a:rPr lang="fr-FR" b="1" dirty="0" err="1" smtClean="0"/>
+              <a:t>drawn</a:t>
+            </a:r>
+            <a:r>
+              <a:rPr lang="fr-FR" dirty="0" smtClean="0"/>
+              <a:t> </a:t>
+            </a:r>
+            <a:r>
+              <a:rPr lang="fr-FR" dirty="0" err="1" smtClean="0"/>
+              <a:t>when</a:t>
+            </a:r>
+            <a:r>
+              <a:rPr lang="fr-FR" dirty="0" smtClean="0"/>
+              <a:t> </a:t>
+            </a:r>
+            <a:r>
+              <a:rPr lang="fr-FR" dirty="0" err="1" smtClean="0"/>
+              <a:t>it</a:t>
+            </a:r>
+            <a:r>
+              <a:rPr lang="fr-FR" dirty="0" smtClean="0"/>
+              <a:t> </a:t>
+            </a:r>
+            <a:r>
+              <a:rPr lang="fr-FR" dirty="0" err="1" smtClean="0"/>
+              <a:t>is</a:t>
+            </a:r>
+            <a:r>
+              <a:rPr lang="fr-FR" dirty="0" smtClean="0"/>
+              <a:t> </a:t>
+            </a:r>
+            <a:r>
+              <a:rPr lang="fr-FR" b="1" dirty="0" err="1" smtClean="0"/>
+              <a:t>resolved</a:t>
+            </a:r>
+            <a:endParaRPr lang="fr-FR" b="1" dirty="0" smtClean="0"/>
+          </a:p>
+          <a:p>
+            <a:r>
+              <a:rPr lang="fr-FR" b="1" dirty="0" smtClean="0"/>
+              <a:t>Label</a:t>
+            </a:r>
+            <a:r>
+              <a:rPr lang="fr-FR" dirty="0" smtClean="0"/>
+              <a:t> of code </a:t>
+            </a:r>
+            <a:r>
+              <a:rPr lang="fr-FR" dirty="0" err="1" smtClean="0"/>
+              <a:t>mining</a:t>
+            </a:r>
+            <a:r>
+              <a:rPr lang="fr-FR" dirty="0" smtClean="0"/>
+              <a:t> </a:t>
+            </a:r>
+            <a:r>
+              <a:rPr lang="fr-FR" dirty="0" err="1" smtClean="0"/>
+              <a:t>is</a:t>
+            </a:r>
+            <a:r>
+              <a:rPr lang="fr-FR" dirty="0" smtClean="0"/>
+              <a:t> important (</a:t>
+            </a:r>
+            <a:r>
+              <a:rPr lang="fr-FR" dirty="0" err="1" smtClean="0"/>
+              <a:t>even</a:t>
+            </a:r>
+            <a:r>
+              <a:rPr lang="fr-FR" dirty="0" smtClean="0"/>
+              <a:t> if </a:t>
+            </a:r>
+            <a:r>
+              <a:rPr lang="fr-FR" dirty="0" err="1" smtClean="0"/>
+              <a:t>it</a:t>
+            </a:r>
+            <a:r>
+              <a:rPr lang="fr-FR" dirty="0" smtClean="0"/>
+              <a:t> </a:t>
+            </a:r>
+            <a:r>
+              <a:rPr lang="fr-FR" dirty="0" err="1" smtClean="0"/>
+              <a:t>is</a:t>
+            </a:r>
+            <a:r>
+              <a:rPr lang="fr-FR" dirty="0" smtClean="0"/>
+              <a:t> not </a:t>
+            </a:r>
+            <a:r>
+              <a:rPr lang="fr-FR" dirty="0" err="1" smtClean="0"/>
+              <a:t>drawn</a:t>
+            </a:r>
+            <a:r>
+              <a:rPr lang="fr-FR" dirty="0" smtClean="0"/>
+              <a:t>):</a:t>
             </a:r>
           </a:p>
           <a:p>
             <a:pPr lvl="1"/>
             <a:r>
-              <a:rPr lang="fr-FR" dirty="0" err="1" smtClean="0"/>
-              <a:t>register</a:t>
-            </a:r>
-            <a:r>
-              <a:rPr lang="fr-FR" dirty="0" smtClean="0"/>
-              <a:t> code </a:t>
+              <a:rPr lang="fr-FR" b="1" dirty="0" err="1" smtClean="0"/>
+              <a:t>null</a:t>
+            </a:r>
+            <a:r>
+              <a:rPr lang="fr-FR" dirty="0" smtClean="0"/>
+              <a:t>: </a:t>
+            </a:r>
+            <a:r>
+              <a:rPr lang="fr-FR" dirty="0" err="1" smtClean="0"/>
+              <a:t>means</a:t>
+            </a:r>
+            <a:r>
+              <a:rPr lang="fr-FR" dirty="0" smtClean="0"/>
+              <a:t> </a:t>
+            </a:r>
+            <a:r>
+              <a:rPr lang="fr-FR" dirty="0" err="1" smtClean="0"/>
+              <a:t>that</a:t>
+            </a:r>
+            <a:r>
+              <a:rPr lang="fr-FR" dirty="0" smtClean="0"/>
+              <a:t> </a:t>
             </a:r>
             <a:r>
               <a:rPr lang="fr-FR" dirty="0" err="1" smtClean="0"/>
@@ -15890,7 +16358,180 @@
             </a:r>
             <a:r>
               <a:rPr lang="fr-FR" dirty="0" smtClean="0"/>
-              <a:t> provider </a:t>
+              <a:t> </a:t>
+            </a:r>
+            <a:r>
+              <a:rPr lang="fr-FR" dirty="0" err="1" smtClean="0"/>
+              <a:t>is</a:t>
+            </a:r>
+            <a:r>
+              <a:rPr lang="fr-FR" dirty="0" smtClean="0"/>
+              <a:t> </a:t>
+            </a:r>
+            <a:r>
+              <a:rPr lang="fr-FR" b="1" dirty="0" smtClean="0"/>
+              <a:t>not </a:t>
+            </a:r>
+            <a:r>
+              <a:rPr lang="fr-FR" b="1" dirty="0" err="1" smtClean="0"/>
+              <a:t>resolved</a:t>
+            </a:r>
+            <a:endParaRPr lang="fr-FR" b="1" dirty="0" smtClean="0"/>
+          </a:p>
+          <a:p>
+            <a:pPr lvl="1"/>
+            <a:r>
+              <a:rPr lang="fr-FR" b="1" dirty="0" smtClean="0"/>
+              <a:t>‘’</a:t>
+            </a:r>
+            <a:r>
+              <a:rPr lang="fr-FR" dirty="0" smtClean="0"/>
+              <a:t> (</a:t>
+            </a:r>
+            <a:r>
+              <a:rPr lang="fr-FR" dirty="0" err="1" smtClean="0"/>
+              <a:t>empty</a:t>
+            </a:r>
+            <a:r>
+              <a:rPr lang="fr-FR" dirty="0" smtClean="0"/>
+              <a:t>): </a:t>
+            </a:r>
+            <a:r>
+              <a:rPr lang="fr-FR" dirty="0" err="1" smtClean="0"/>
+              <a:t>means</a:t>
+            </a:r>
+            <a:r>
+              <a:rPr lang="fr-FR" dirty="0" smtClean="0"/>
+              <a:t> </a:t>
+            </a:r>
+            <a:r>
+              <a:rPr lang="fr-FR" dirty="0" err="1" smtClean="0"/>
+              <a:t>that</a:t>
+            </a:r>
+            <a:r>
+              <a:rPr lang="fr-FR" dirty="0" smtClean="0"/>
+              <a:t> </a:t>
+            </a:r>
+            <a:r>
+              <a:rPr lang="fr-FR" dirty="0" err="1" smtClean="0"/>
+              <a:t>mining</a:t>
+            </a:r>
+            <a:r>
+              <a:rPr lang="fr-FR" dirty="0" smtClean="0"/>
+              <a:t> </a:t>
+            </a:r>
+            <a:r>
+              <a:rPr lang="fr-FR" dirty="0" err="1" smtClean="0"/>
+              <a:t>is</a:t>
+            </a:r>
+            <a:r>
+              <a:rPr lang="fr-FR" dirty="0" smtClean="0"/>
+              <a:t> </a:t>
+            </a:r>
+            <a:r>
+              <a:rPr lang="fr-FR" b="1" dirty="0" smtClean="0"/>
+              <a:t>not visible</a:t>
+            </a:r>
+          </a:p>
+          <a:p>
+            <a:pPr lvl="1"/>
+            <a:r>
+              <a:rPr lang="fr-FR" b="1" dirty="0" err="1" smtClean="0"/>
+              <a:t>filled</a:t>
+            </a:r>
+            <a:r>
+              <a:rPr lang="fr-FR" dirty="0" smtClean="0"/>
+              <a:t> : </a:t>
+            </a:r>
+            <a:r>
+              <a:rPr lang="fr-FR" dirty="0" err="1" smtClean="0"/>
+              <a:t>means</a:t>
+            </a:r>
+            <a:r>
+              <a:rPr lang="fr-FR" dirty="0" smtClean="0"/>
+              <a:t> </a:t>
+            </a:r>
+            <a:r>
+              <a:rPr lang="fr-FR" dirty="0" err="1" smtClean="0"/>
+              <a:t>that</a:t>
+            </a:r>
+            <a:r>
+              <a:rPr lang="fr-FR" dirty="0" smtClean="0"/>
+              <a:t> </a:t>
+            </a:r>
+            <a:r>
+              <a:rPr lang="fr-FR" dirty="0" err="1" smtClean="0"/>
+              <a:t>mining</a:t>
+            </a:r>
+            <a:r>
+              <a:rPr lang="fr-FR" dirty="0" smtClean="0"/>
+              <a:t> </a:t>
+            </a:r>
+            <a:r>
+              <a:rPr lang="fr-FR" dirty="0" err="1" smtClean="0"/>
+              <a:t>is</a:t>
+            </a:r>
+            <a:r>
+              <a:rPr lang="fr-FR" dirty="0" smtClean="0"/>
+              <a:t> </a:t>
+            </a:r>
+            <a:r>
+              <a:rPr lang="fr-FR" b="1" dirty="0" err="1" smtClean="0"/>
+              <a:t>resolved</a:t>
+            </a:r>
+            <a:endParaRPr lang="fr-FR" b="1" dirty="0" smtClean="0"/>
+          </a:p>
+          <a:p>
+            <a:r>
+              <a:rPr lang="fr-FR" dirty="0" smtClean="0"/>
+              <a:t>In the </a:t>
+            </a:r>
+            <a:r>
+              <a:rPr lang="fr-FR" dirty="0" err="1" smtClean="0"/>
+              <a:t>codeming</a:t>
+            </a:r>
+            <a:r>
+              <a:rPr lang="fr-FR" dirty="0" smtClean="0"/>
+              <a:t> provider:</a:t>
+            </a:r>
+          </a:p>
+          <a:p>
+            <a:pPr lvl="1"/>
+            <a:r>
+              <a:rPr lang="fr-FR" dirty="0" smtClean="0"/>
+              <a:t>Update the label of </a:t>
+            </a:r>
+            <a:r>
+              <a:rPr lang="fr-FR" dirty="0" err="1" smtClean="0"/>
+              <a:t>mining</a:t>
+            </a:r>
+            <a:r>
+              <a:rPr lang="fr-FR" dirty="0"/>
+              <a:t>,</a:t>
+            </a:r>
+            <a:r>
+              <a:rPr lang="fr-FR" dirty="0" smtClean="0"/>
+              <a:t> </a:t>
+            </a:r>
+            <a:r>
+              <a:rPr lang="fr-FR" dirty="0" smtClean="0"/>
+              <a:t>if </a:t>
+            </a:r>
+            <a:r>
+              <a:rPr lang="fr-FR" dirty="0" err="1" smtClean="0"/>
+              <a:t>it</a:t>
+            </a:r>
+            <a:r>
+              <a:rPr lang="fr-FR" dirty="0" smtClean="0"/>
+              <a:t> </a:t>
+            </a:r>
+            <a:r>
+              <a:rPr lang="fr-FR" dirty="0" err="1" smtClean="0"/>
+              <a:t>fast</a:t>
+            </a:r>
+            <a:r>
+              <a:rPr lang="fr-FR" dirty="0" smtClean="0"/>
+              <a:t> </a:t>
             </a:r>
             <a:r>
               <a:rPr lang="fr-FR" dirty="0" err="1" smtClean="0"/>
@@ -15902,30 +16543,35 @@
             </a:r>
             <a:r>
               <a:rPr lang="fr-FR" b="1" dirty="0" err="1" smtClean="0"/>
-              <a:t>org.eclipse.ui.workbench.texteditor.codeminingProviders</a:t>
+              <a:t>ICodeMining#setLabel</a:t>
+            </a:r>
+            <a:endParaRPr lang="fr-FR" b="1" dirty="0" smtClean="0"/>
+          </a:p>
+          <a:p>
+            <a:pPr lvl="1"/>
+            <a:r>
+              <a:rPr lang="fr-FR" dirty="0" smtClean="0"/>
+              <a:t>Or </a:t>
+            </a:r>
+            <a:r>
+              <a:rPr lang="fr-FR" dirty="0" err="1" smtClean="0"/>
+              <a:t>implement</a:t>
             </a:r>
             <a:r>
               <a:rPr lang="fr-FR" dirty="0" smtClean="0"/>
               <a:t> </a:t>
             </a:r>
             <a:r>
-              <a:rPr lang="fr-FR" dirty="0" smtClean="0"/>
-              <a:t>extension </a:t>
-            </a:r>
-            <a:r>
-              <a:rPr lang="fr-FR" dirty="0" smtClean="0"/>
-              <a:t>point</a:t>
-            </a:r>
-          </a:p>
-          <a:p>
-            <a:pPr lvl="1"/>
-            <a:r>
-              <a:rPr lang="fr-FR" dirty="0" smtClean="0"/>
-              <a:t>update code </a:t>
-            </a:r>
-            <a:r>
-              <a:rPr lang="fr-FR" dirty="0" err="1" smtClean="0"/>
-              <a:t>minings</a:t>
+              <a:rPr lang="fr-FR" b="1" dirty="0" err="1" smtClean="0"/>
+              <a:t>AbstractCodeMining#doResolve</a:t>
+            </a:r>
+            <a:r>
+              <a:rPr lang="fr-FR" dirty="0" smtClean="0"/>
+              <a:t> if label </a:t>
+            </a:r>
+            <a:r>
+              <a:rPr lang="fr-FR" dirty="0" err="1" smtClean="0"/>
+              <a:t>compute</a:t>
             </a:r>
             <a:r>
               <a:rPr lang="fr-FR" dirty="0" smtClean="0"/>
@@ -15933,102 +16579,12 @@
             </a:r>
             <a:r>
               <a:rPr lang="fr-FR" dirty="0" err="1" smtClean="0"/>
-              <a:t>when</a:t>
-            </a:r>
-            <a:r>
-              <a:rPr lang="fr-FR" dirty="0" smtClean="0"/>
-              <a:t> </a:t>
-            </a:r>
-            <a:r>
-              <a:rPr lang="fr-FR" dirty="0" err="1" smtClean="0"/>
-              <a:t>text</a:t>
-            </a:r>
-            <a:r>
-              <a:rPr lang="fr-FR" dirty="0" smtClean="0"/>
-              <a:t> </a:t>
-            </a:r>
-            <a:r>
-              <a:rPr lang="fr-FR" dirty="0" err="1" smtClean="0"/>
-              <a:t>changed</a:t>
-            </a:r>
-            <a:r>
-              <a:rPr lang="fr-FR" dirty="0" smtClean="0"/>
-              <a:t> </a:t>
-            </a:r>
-            <a:r>
-              <a:rPr lang="fr-FR" dirty="0" err="1" smtClean="0"/>
-              <a:t>with</a:t>
-            </a:r>
-            <a:r>
-              <a:rPr lang="fr-FR" dirty="0" smtClean="0"/>
-              <a:t> thread, </a:t>
-            </a:r>
-            <a:r>
-              <a:rPr lang="fr-FR" dirty="0" err="1" smtClean="0"/>
-              <a:t>reconciler</a:t>
-            </a:r>
-            <a:r>
-              <a:rPr lang="fr-FR" dirty="0" smtClean="0"/>
-              <a:t>, </a:t>
-            </a:r>
-            <a:r>
-              <a:rPr lang="fr-FR" dirty="0" err="1" smtClean="0"/>
-              <a:t>etc</a:t>
-            </a:r>
-            <a:endParaRPr lang="fr-FR" dirty="0" smtClean="0"/>
-          </a:p>
-          <a:p>
-            <a:pPr lvl="2"/>
-            <a:r>
-              <a:rPr lang="fr-FR" dirty="0" err="1" smtClean="0"/>
-              <a:t>With</a:t>
-            </a:r>
-            <a:r>
-              <a:rPr lang="fr-FR" dirty="0" smtClean="0"/>
-              <a:t> custom editor:</a:t>
-            </a:r>
-          </a:p>
-          <a:p>
-            <a:pPr lvl="2"/>
-            <a:r>
-              <a:rPr lang="fr-FR" dirty="0" smtClean="0"/>
-              <a:t>In JDT, </a:t>
-            </a:r>
-            <a:r>
-              <a:rPr lang="fr-FR" dirty="0" err="1" smtClean="0"/>
-              <a:t>IReconcilingListener</a:t>
-            </a:r>
-            <a:endParaRPr lang="fr-FR" dirty="0" smtClean="0"/>
-          </a:p>
-          <a:p>
-            <a:pPr lvl="2"/>
-            <a:r>
-              <a:rPr lang="fr-FR" dirty="0" err="1" smtClean="0"/>
-              <a:t>With</a:t>
-            </a:r>
-            <a:r>
-              <a:rPr lang="fr-FR" dirty="0" smtClean="0"/>
-              <a:t> </a:t>
-            </a:r>
-            <a:r>
-              <a:rPr lang="fr-FR" dirty="0" err="1" smtClean="0"/>
-              <a:t>Genereic</a:t>
-            </a:r>
-            <a:r>
-              <a:rPr lang="fr-FR" dirty="0" smtClean="0"/>
-              <a:t> editor: </a:t>
-            </a:r>
-            <a:r>
-              <a:rPr lang="fr-FR" smtClean="0"/>
-              <a:t>extension point</a:t>
-            </a:r>
-            <a:endParaRPr lang="fr-FR" dirty="0" smtClean="0"/>
-          </a:p>
-          <a:p>
-            <a:pPr lvl="3"/>
-            <a:endParaRPr lang="fr-FR" dirty="0" smtClean="0"/>
-          </a:p>
-          <a:p>
+              <a:t>takes</a:t>
+            </a:r>
+            <a:r>
+              <a:rPr lang="fr-FR" dirty="0" smtClean="0"/>
+              <a:t> time</a:t>
+            </a:r>
             <a:endParaRPr lang="fr-FR" dirty="0"/>
           </a:p>
         </p:txBody>
@@ -16036,7 +16592,7 @@
     </p:spTree>
     <p:extLst>
       <p:ext uri="{BB962C8B-B14F-4D97-AF65-F5344CB8AC3E}">
-        <p14:creationId xmlns:p14="http://schemas.microsoft.com/office/powerpoint/2010/main" val="2985741839"/>
+        <p14:creationId xmlns:p14="http://schemas.microsoft.com/office/powerpoint/2010/main" val="1483875494"/>
       </p:ext>
     </p:extLst>
   </p:cSld>
@@ -16108,7 +16664,7 @@
         <p:spPr/>
         <p:txBody>
           <a:bodyPr>
-            <a:normAutofit fontScale="92500" lnSpcReduction="10000"/>
+            <a:normAutofit fontScale="92500" lnSpcReduction="20000"/>
           </a:bodyPr>
           <a:lstStyle/>
           <a:p>
@@ -16243,6 +16799,34 @@
               <a:rPr lang="fr-FR" dirty="0" smtClean="0"/>
               <a:t>)</a:t>
             </a:r>
+          </a:p>
+          <a:p>
+            <a:pPr lvl="1"/>
+            <a:r>
+              <a:rPr lang="fr-FR" dirty="0" err="1" smtClean="0"/>
+              <a:t>Minimap</a:t>
+            </a:r>
+            <a:r>
+              <a:rPr lang="fr-FR" dirty="0" smtClean="0"/>
+              <a:t> (</a:t>
+            </a:r>
+            <a:r>
+              <a:rPr lang="fr-FR" dirty="0" err="1" smtClean="0"/>
+              <a:t>current</a:t>
+            </a:r>
+            <a:r>
+              <a:rPr lang="fr-FR" dirty="0" smtClean="0"/>
+              <a:t> </a:t>
+            </a:r>
+            <a:r>
+              <a:rPr lang="fr-FR" dirty="0" err="1" smtClean="0"/>
+              <a:t>work</a:t>
+            </a:r>
+            <a:r>
+              <a:rPr lang="fr-FR" dirty="0" smtClean="0"/>
+              <a:t>…)</a:t>
+            </a:r>
+            <a:endParaRPr lang="fr-FR" dirty="0" smtClean="0"/>
           </a:p>
           <a:p>
             <a:r>
@@ -16397,7 +16981,15 @@
           <a:p>
             <a:r>
               <a:rPr lang="fr-FR" dirty="0" smtClean="0"/>
-              <a:t>Code Mining – Extension Point</a:t>
+              <a:t>Advanced </a:t>
+            </a:r>
+            <a:r>
+              <a:rPr lang="fr-FR" dirty="0" smtClean="0"/>
+              <a:t>Code Mining - </a:t>
+            </a:r>
+            <a:r>
+              <a:rPr lang="fr-FR" dirty="0" err="1" smtClean="0"/>
+              <a:t>Demo</a:t>
             </a:r>
             <a:endParaRPr lang="fr-FR" dirty="0"/>
           </a:p>
@@ -16419,77 +17011,39 @@
           <a:lstStyle/>
           <a:p>
             <a:r>
-              <a:rPr lang="fr-FR" dirty="0" err="1" smtClean="0"/>
-              <a:t>Work</a:t>
-            </a:r>
-            <a:r>
-              <a:rPr lang="fr-FR" dirty="0" smtClean="0"/>
-              <a:t> with </a:t>
-            </a:r>
-            <a:r>
-              <a:rPr lang="fr-FR" dirty="0" err="1" smtClean="0"/>
-              <a:t>any</a:t>
-            </a:r>
-            <a:r>
-              <a:rPr lang="fr-FR" dirty="0" smtClean="0"/>
-              <a:t> editor</a:t>
-            </a:r>
-          </a:p>
-          <a:p>
-            <a:r>
-              <a:rPr lang="fr-FR" b="1" dirty="0" err="1" smtClean="0"/>
-              <a:t>org.eclipse.ui.workbench.texteditor.codeminingProviders</a:t>
-            </a:r>
-            <a:r>
-              <a:rPr lang="fr-FR" dirty="0" smtClean="0"/>
-              <a:t> </a:t>
-            </a:r>
-            <a:r>
-              <a:rPr lang="fr-FR" dirty="0" smtClean="0"/>
-              <a:t>extension </a:t>
-            </a:r>
-            <a:r>
-              <a:rPr lang="fr-FR" dirty="0" smtClean="0"/>
-              <a:t>point</a:t>
-            </a:r>
-          </a:p>
-          <a:p>
-            <a:r>
-              <a:rPr lang="fr-FR" dirty="0" err="1" smtClean="0"/>
-              <a:t>See</a:t>
-            </a:r>
-            <a:r>
-              <a:rPr lang="fr-FR" dirty="0" smtClean="0"/>
-              <a:t> </a:t>
-            </a:r>
-            <a:r>
-              <a:rPr lang="fr-FR" dirty="0" err="1" smtClean="0"/>
-              <a:t>generic</a:t>
-            </a:r>
-            <a:r>
-              <a:rPr lang="fr-FR" dirty="0" smtClean="0"/>
-              <a:t> </a:t>
-            </a:r>
-            <a:r>
-              <a:rPr lang="fr-FR" dirty="0" smtClean="0"/>
-              <a:t>editor </a:t>
-            </a:r>
-            <a:r>
-              <a:rPr lang="fr-FR" dirty="0" err="1" smtClean="0"/>
-              <a:t>sample</a:t>
-            </a:r>
-            <a:r>
-              <a:rPr lang="fr-FR" dirty="0" smtClean="0"/>
-              <a:t> </a:t>
-            </a:r>
-            <a:r>
-              <a:rPr lang="fr-FR" dirty="0" err="1" smtClean="0"/>
-              <a:t>dotproject</a:t>
-            </a:r>
-            <a:endParaRPr lang="fr-FR" dirty="0" smtClean="0"/>
-          </a:p>
-          <a:p>
-            <a:endParaRPr lang="fr-FR" dirty="0"/>
+              <a:rPr lang="en-US" dirty="0"/>
+              <a:t>The example </a:t>
+            </a:r>
+            <a:r>
+              <a:rPr lang="en-US" dirty="0" err="1" smtClean="0">
+                <a:hlinkClick r:id="rId2"/>
+              </a:rPr>
+              <a:t>CodeMiningDemo</a:t>
+            </a:r>
+            <a:r>
+              <a:rPr lang="en-US" dirty="0"/>
+              <a:t> shows in action:</a:t>
+            </a:r>
+          </a:p>
+          <a:p>
+            <a:pPr lvl="1"/>
+            <a:r>
+              <a:rPr lang="en-US" b="1" dirty="0" err="1" smtClean="0"/>
+              <a:t>LineHeaderCodeMining</a:t>
+            </a:r>
+            <a:r>
+              <a:rPr lang="en-US" b="1" dirty="0" smtClean="0"/>
+              <a:t>: </a:t>
+            </a:r>
+            <a:r>
+              <a:rPr lang="en-US" dirty="0" smtClean="0"/>
+              <a:t>which can take some time to compute </a:t>
+            </a:r>
+            <a:r>
+              <a:rPr lang="en-US" dirty="0" smtClean="0"/>
+              <a:t>label</a:t>
+            </a:r>
+            <a:endParaRPr lang="en-US" dirty="0"/>
           </a:p>
         </p:txBody>
       </p:sp>
@@ -16502,15 +17056,15 @@
           <p:nvPr/>
         </p:nvPicPr>
         <p:blipFill>
-          <a:blip r:embed="rId2"/>
+          <a:blip r:embed="rId3"/>
           <a:stretch>
             <a:fillRect/>
           </a:stretch>
         </p:blipFill>
         <p:spPr>
           <a:xfrm>
-            <a:off x="971600" y="2643758"/>
-            <a:ext cx="6645149" cy="1739370"/>
+            <a:off x="1187624" y="1694433"/>
+            <a:ext cx="6191250" cy="2971800"/>
           </a:xfrm>
           <a:prstGeom prst="rect">
             <a:avLst/>
@@ -16520,7 +17074,7 @@
     </p:spTree>
     <p:extLst>
       <p:ext uri="{BB962C8B-B14F-4D97-AF65-F5344CB8AC3E}">
-        <p14:creationId xmlns:p14="http://schemas.microsoft.com/office/powerpoint/2010/main" val="1463909878"/>
+        <p14:creationId xmlns:p14="http://schemas.microsoft.com/office/powerpoint/2010/main" val="2642438695"/>
       </p:ext>
     </p:extLst>
   </p:cSld>
@@ -16573,6 +17127,971 @@
           <a:p>
             <a:r>
               <a:rPr lang="fr-FR" dirty="0" smtClean="0"/>
+              <a:t>How to </a:t>
+            </a:r>
+            <a:r>
+              <a:rPr lang="fr-FR" dirty="0" err="1" smtClean="0"/>
+              <a:t>integrate</a:t>
+            </a:r>
+            <a:r>
+              <a:rPr lang="fr-FR" dirty="0" smtClean="0"/>
+              <a:t> </a:t>
+            </a:r>
+            <a:r>
+              <a:rPr lang="fr-FR" dirty="0" smtClean="0"/>
+              <a:t>Code </a:t>
+            </a:r>
+            <a:r>
+              <a:rPr lang="fr-FR" dirty="0" smtClean="0"/>
+              <a:t>Mining </a:t>
+            </a:r>
+            <a:r>
+              <a:rPr lang="fr-FR" dirty="0" smtClean="0"/>
+              <a:t>in Editor</a:t>
+            </a:r>
+            <a:endParaRPr lang="fr-FR" dirty="0"/>
+          </a:p>
+        </p:txBody>
+      </p:sp>
+      <p:sp>
+        <p:nvSpPr>
+          <p:cNvPr id="3" name="Espace réservé du contenu 2"/>
+          <p:cNvSpPr>
+            <a:spLocks noGrp="1"/>
+          </p:cNvSpPr>
+          <p:nvPr>
+            <p:ph idx="1"/>
+          </p:nvPr>
+        </p:nvSpPr>
+        <p:spPr/>
+        <p:txBody>
+          <a:bodyPr/>
+          <a:lstStyle/>
+          <a:p>
+            <a:r>
+              <a:rPr lang="fr-FR" dirty="0" smtClean="0"/>
+              <a:t>3 </a:t>
+            </a:r>
+            <a:r>
+              <a:rPr lang="fr-FR" dirty="0" err="1" smtClean="0"/>
+              <a:t>steps</a:t>
+            </a:r>
+            <a:r>
+              <a:rPr lang="fr-FR" dirty="0" smtClean="0"/>
+              <a:t>:</a:t>
+            </a:r>
+          </a:p>
+          <a:p>
+            <a:pPr lvl="1"/>
+            <a:r>
+              <a:rPr lang="fr-FR" dirty="0" err="1"/>
+              <a:t>s</a:t>
+            </a:r>
+            <a:r>
+              <a:rPr lang="fr-FR" dirty="0" err="1" smtClean="0"/>
+              <a:t>tep</a:t>
+            </a:r>
+            <a:r>
+              <a:rPr lang="fr-FR" dirty="0" smtClean="0"/>
+              <a:t> 1: </a:t>
+            </a:r>
+            <a:r>
+              <a:rPr lang="fr-FR" b="1" dirty="0" err="1" smtClean="0"/>
+              <a:t>Implement</a:t>
+            </a:r>
+            <a:r>
+              <a:rPr lang="fr-FR" b="1" dirty="0" smtClean="0"/>
+              <a:t> a code </a:t>
+            </a:r>
+            <a:r>
+              <a:rPr lang="fr-FR" b="1" dirty="0" err="1" smtClean="0"/>
+              <a:t>mining</a:t>
+            </a:r>
+            <a:r>
+              <a:rPr lang="fr-FR" b="1" dirty="0" smtClean="0"/>
+              <a:t> provider</a:t>
+            </a:r>
+            <a:r>
+              <a:rPr lang="fr-FR" dirty="0" smtClean="0"/>
+              <a:t> (</a:t>
+            </a:r>
+            <a:r>
+              <a:rPr lang="fr-FR" dirty="0" err="1" smtClean="0"/>
+              <a:t>ICodeMiningProvider</a:t>
+            </a:r>
+            <a:r>
+              <a:rPr lang="fr-FR" dirty="0" smtClean="0"/>
+              <a:t>)</a:t>
+            </a:r>
+            <a:endParaRPr lang="fr-FR" dirty="0" smtClean="0"/>
+          </a:p>
+          <a:p>
+            <a:pPr lvl="1"/>
+            <a:r>
+              <a:rPr lang="fr-FR" dirty="0" err="1"/>
+              <a:t>s</a:t>
+            </a:r>
+            <a:r>
+              <a:rPr lang="fr-FR" dirty="0" err="1" smtClean="0"/>
+              <a:t>tep</a:t>
+            </a:r>
+            <a:r>
+              <a:rPr lang="fr-FR" dirty="0" smtClean="0"/>
+              <a:t> 2 : </a:t>
+            </a:r>
+            <a:r>
+              <a:rPr lang="fr-FR" dirty="0" err="1" smtClean="0"/>
+              <a:t>register</a:t>
+            </a:r>
+            <a:r>
+              <a:rPr lang="fr-FR" dirty="0" smtClean="0"/>
+              <a:t> the code </a:t>
+            </a:r>
+            <a:r>
+              <a:rPr lang="fr-FR" dirty="0" err="1" smtClean="0"/>
+              <a:t>mining</a:t>
+            </a:r>
+            <a:r>
+              <a:rPr lang="fr-FR" dirty="0" smtClean="0"/>
+              <a:t> provider </a:t>
+            </a:r>
+            <a:r>
+              <a:rPr lang="fr-FR" dirty="0" err="1" smtClean="0"/>
+              <a:t>with</a:t>
+            </a:r>
+            <a:r>
+              <a:rPr lang="fr-FR" dirty="0" smtClean="0"/>
+              <a:t> </a:t>
+            </a:r>
+            <a:r>
+              <a:rPr lang="fr-FR" b="1" dirty="0" err="1" smtClean="0"/>
+              <a:t>org.eclipse.ui.workbench.texteditor.codeminingProviders</a:t>
+            </a:r>
+            <a:r>
+              <a:rPr lang="fr-FR" dirty="0" smtClean="0"/>
+              <a:t> </a:t>
+            </a:r>
+            <a:r>
+              <a:rPr lang="fr-FR" dirty="0" smtClean="0"/>
+              <a:t>extension </a:t>
+            </a:r>
+            <a:r>
+              <a:rPr lang="fr-FR" dirty="0" smtClean="0"/>
+              <a:t>point</a:t>
+            </a:r>
+          </a:p>
+          <a:p>
+            <a:pPr lvl="1"/>
+            <a:r>
+              <a:rPr lang="fr-FR" dirty="0" err="1" smtClean="0"/>
+              <a:t>step</a:t>
+            </a:r>
+            <a:r>
+              <a:rPr lang="fr-FR" dirty="0" smtClean="0"/>
+              <a:t> 3 : </a:t>
+            </a:r>
+            <a:r>
+              <a:rPr lang="fr-FR" b="1" dirty="0" smtClean="0"/>
+              <a:t>update code </a:t>
+            </a:r>
+            <a:r>
+              <a:rPr lang="fr-FR" b="1" dirty="0" err="1" smtClean="0"/>
+              <a:t>minings</a:t>
+            </a:r>
+            <a:r>
+              <a:rPr lang="fr-FR" b="1" dirty="0" smtClean="0"/>
+              <a:t> </a:t>
+            </a:r>
+            <a:r>
+              <a:rPr lang="fr-FR" b="1" dirty="0" err="1" smtClean="0"/>
+              <a:t>when</a:t>
+            </a:r>
+            <a:r>
+              <a:rPr lang="fr-FR" b="1" dirty="0" smtClean="0"/>
+              <a:t> </a:t>
+            </a:r>
+            <a:r>
+              <a:rPr lang="fr-FR" b="1" dirty="0" err="1" smtClean="0"/>
+              <a:t>text</a:t>
+            </a:r>
+            <a:r>
+              <a:rPr lang="fr-FR" b="1" dirty="0" smtClean="0"/>
+              <a:t> </a:t>
+            </a:r>
+            <a:r>
+              <a:rPr lang="fr-FR" b="1" dirty="0" err="1" smtClean="0"/>
+              <a:t>changed</a:t>
+            </a:r>
+            <a:r>
+              <a:rPr lang="fr-FR" b="1" dirty="0" smtClean="0"/>
+              <a:t> </a:t>
+            </a:r>
+            <a:r>
+              <a:rPr lang="fr-FR" dirty="0" err="1" smtClean="0"/>
+              <a:t>with</a:t>
+            </a:r>
+            <a:r>
+              <a:rPr lang="fr-FR" dirty="0" smtClean="0"/>
+              <a:t> thread, </a:t>
+            </a:r>
+            <a:r>
+              <a:rPr lang="fr-FR" dirty="0" err="1" smtClean="0"/>
+              <a:t>reconciler</a:t>
+            </a:r>
+            <a:r>
+              <a:rPr lang="fr-FR" dirty="0" smtClean="0"/>
+              <a:t>, </a:t>
+            </a:r>
+            <a:r>
+              <a:rPr lang="fr-FR" dirty="0" err="1" smtClean="0"/>
+              <a:t>etc</a:t>
+            </a:r>
+            <a:endParaRPr lang="fr-FR" dirty="0" smtClean="0"/>
+          </a:p>
+          <a:p>
+            <a:pPr lvl="2"/>
+            <a:r>
+              <a:rPr lang="fr-FR" dirty="0" err="1" smtClean="0"/>
+              <a:t>With</a:t>
+            </a:r>
+            <a:r>
+              <a:rPr lang="fr-FR" dirty="0" smtClean="0"/>
+              <a:t> custom editor:</a:t>
+            </a:r>
+          </a:p>
+          <a:p>
+            <a:pPr lvl="2"/>
+            <a:r>
+              <a:rPr lang="fr-FR" dirty="0" smtClean="0"/>
+              <a:t>In JDT, </a:t>
+            </a:r>
+            <a:r>
+              <a:rPr lang="fr-FR" dirty="0" err="1" smtClean="0"/>
+              <a:t>IReconcilingListener</a:t>
+            </a:r>
+            <a:endParaRPr lang="fr-FR" dirty="0" smtClean="0"/>
+          </a:p>
+          <a:p>
+            <a:pPr lvl="2"/>
+            <a:r>
+              <a:rPr lang="fr-FR" dirty="0" err="1" smtClean="0"/>
+              <a:t>With</a:t>
+            </a:r>
+            <a:r>
+              <a:rPr lang="fr-FR" dirty="0" smtClean="0"/>
+              <a:t> </a:t>
+            </a:r>
+            <a:r>
+              <a:rPr lang="fr-FR" dirty="0" err="1" smtClean="0"/>
+              <a:t>Generic</a:t>
+            </a:r>
+            <a:r>
+              <a:rPr lang="fr-FR" dirty="0" smtClean="0"/>
+              <a:t> editor: extension point</a:t>
+            </a:r>
+          </a:p>
+          <a:p>
+            <a:pPr lvl="3"/>
+            <a:endParaRPr lang="fr-FR" dirty="0" smtClean="0"/>
+          </a:p>
+          <a:p>
+            <a:endParaRPr lang="fr-FR" dirty="0"/>
+          </a:p>
+        </p:txBody>
+      </p:sp>
+    </p:spTree>
+    <p:extLst>
+      <p:ext uri="{BB962C8B-B14F-4D97-AF65-F5344CB8AC3E}">
+        <p14:creationId xmlns:p14="http://schemas.microsoft.com/office/powerpoint/2010/main" val="2985741839"/>
+      </p:ext>
+    </p:extLst>
+  </p:cSld>
+  <p:clrMapOvr>
+    <a:masterClrMapping/>
+  </p:clrMapOvr>
+  <p:timing>
+    <p:tnLst>
+      <p:par>
+        <p:cTn id="1" dur="indefinite" restart="never" nodeType="tmRoot"/>
+      </p:par>
+    </p:tnLst>
+  </p:timing>
+</p:sld>
+</file>
+
+<file path=ppt/slides/slide22.xml><?xml version="1.0" encoding="utf-8"?>
+<p:sld xmlns:a="http://schemas.openxmlformats.org/drawingml/2006/main" xmlns:r="http://schemas.openxmlformats.org/officeDocument/2006/relationships" xmlns:p="http://schemas.openxmlformats.org/presentationml/2006/main">
+  <p:cSld>
+    <p:spTree>
+      <p:nvGrpSpPr>
+        <p:cNvPr id="1" name=""/>
+        <p:cNvGrpSpPr/>
+        <p:nvPr/>
+      </p:nvGrpSpPr>
+      <p:grpSpPr>
+        <a:xfrm>
+          <a:off x="0" y="0"/>
+          <a:ext cx="0" cy="0"/>
+          <a:chOff x="0" y="0"/>
+          <a:chExt cx="0" cy="0"/>
+        </a:xfrm>
+      </p:grpSpPr>
+      <p:sp>
+        <p:nvSpPr>
+          <p:cNvPr id="2" name="Titre 1"/>
+          <p:cNvSpPr>
+            <a:spLocks noGrp="1"/>
+          </p:cNvSpPr>
+          <p:nvPr>
+            <p:ph type="title"/>
+          </p:nvPr>
+        </p:nvSpPr>
+        <p:spPr/>
+        <p:txBody>
+          <a:bodyPr>
+            <a:normAutofit fontScale="90000"/>
+          </a:bodyPr>
+          <a:lstStyle/>
+          <a:p>
+            <a:r>
+              <a:rPr lang="fr-FR" dirty="0" smtClean="0"/>
+              <a:t>Code Mining – Extension Point</a:t>
+            </a:r>
+            <a:endParaRPr lang="fr-FR" dirty="0"/>
+          </a:p>
+        </p:txBody>
+      </p:sp>
+      <p:sp>
+        <p:nvSpPr>
+          <p:cNvPr id="3" name="Espace réservé du contenu 2"/>
+          <p:cNvSpPr>
+            <a:spLocks noGrp="1"/>
+          </p:cNvSpPr>
+          <p:nvPr>
+            <p:ph idx="1"/>
+          </p:nvPr>
+        </p:nvSpPr>
+        <p:spPr/>
+        <p:txBody>
+          <a:bodyPr/>
+          <a:lstStyle/>
+          <a:p>
+            <a:r>
+              <a:rPr lang="fr-FR" dirty="0" err="1" smtClean="0"/>
+              <a:t>Work</a:t>
+            </a:r>
+            <a:r>
+              <a:rPr lang="fr-FR" dirty="0" smtClean="0"/>
+              <a:t> with </a:t>
+            </a:r>
+            <a:r>
+              <a:rPr lang="fr-FR" dirty="0" err="1" smtClean="0"/>
+              <a:t>any</a:t>
+            </a:r>
+            <a:r>
+              <a:rPr lang="fr-FR" dirty="0" smtClean="0"/>
+              <a:t> </a:t>
+            </a:r>
+            <a:r>
+              <a:rPr lang="fr-FR" dirty="0" smtClean="0"/>
+              <a:t>editor</a:t>
+            </a:r>
+            <a:endParaRPr lang="fr-FR" dirty="0" smtClean="0"/>
+          </a:p>
+          <a:p>
+            <a:r>
+              <a:rPr lang="fr-FR" b="1" dirty="0" err="1" smtClean="0"/>
+              <a:t>org.eclipse.ui.workbench.texteditor.codeminingProviders</a:t>
+            </a:r>
+            <a:r>
+              <a:rPr lang="fr-FR" dirty="0" smtClean="0"/>
+              <a:t> </a:t>
+            </a:r>
+            <a:r>
+              <a:rPr lang="fr-FR" dirty="0" smtClean="0"/>
+              <a:t>extension </a:t>
+            </a:r>
+            <a:r>
+              <a:rPr lang="fr-FR" dirty="0" smtClean="0"/>
+              <a:t>point</a:t>
+            </a:r>
+          </a:p>
+          <a:p>
+            <a:r>
+              <a:rPr lang="fr-FR" dirty="0" err="1" smtClean="0"/>
+              <a:t>See</a:t>
+            </a:r>
+            <a:r>
+              <a:rPr lang="fr-FR" dirty="0" smtClean="0"/>
+              <a:t> </a:t>
+            </a:r>
+            <a:r>
+              <a:rPr lang="fr-FR" dirty="0" err="1" smtClean="0"/>
+              <a:t>generic</a:t>
+            </a:r>
+            <a:r>
+              <a:rPr lang="fr-FR" dirty="0" smtClean="0"/>
+              <a:t> </a:t>
+            </a:r>
+            <a:r>
+              <a:rPr lang="fr-FR" dirty="0" smtClean="0"/>
+              <a:t>editor </a:t>
+            </a:r>
+            <a:r>
+              <a:rPr lang="fr-FR" dirty="0" err="1" smtClean="0"/>
+              <a:t>sample</a:t>
+            </a:r>
+            <a:r>
+              <a:rPr lang="fr-FR" dirty="0" smtClean="0"/>
+              <a:t> </a:t>
+            </a:r>
+            <a:r>
+              <a:rPr lang="fr-FR" dirty="0" err="1" smtClean="0"/>
+              <a:t>dotproject</a:t>
+            </a:r>
+            <a:endParaRPr lang="fr-FR" dirty="0" smtClean="0"/>
+          </a:p>
+          <a:p>
+            <a:endParaRPr lang="fr-FR" dirty="0"/>
+          </a:p>
+        </p:txBody>
+      </p:sp>
+      <p:pic>
+        <p:nvPicPr>
+          <p:cNvPr id="4" name="Image 3"/>
+          <p:cNvPicPr>
+            <a:picLocks noChangeAspect="1"/>
+          </p:cNvPicPr>
+          <p:nvPr/>
+        </p:nvPicPr>
+        <p:blipFill>
+          <a:blip r:embed="rId2"/>
+          <a:stretch>
+            <a:fillRect/>
+          </a:stretch>
+        </p:blipFill>
+        <p:spPr>
+          <a:xfrm>
+            <a:off x="971600" y="2643758"/>
+            <a:ext cx="6645149" cy="1739370"/>
+          </a:xfrm>
+          <a:prstGeom prst="rect">
+            <a:avLst/>
+          </a:prstGeom>
+        </p:spPr>
+      </p:pic>
+    </p:spTree>
+    <p:extLst>
+      <p:ext uri="{BB962C8B-B14F-4D97-AF65-F5344CB8AC3E}">
+        <p14:creationId xmlns:p14="http://schemas.microsoft.com/office/powerpoint/2010/main" val="1463909878"/>
+      </p:ext>
+    </p:extLst>
+  </p:cSld>
+  <p:clrMapOvr>
+    <a:masterClrMapping/>
+  </p:clrMapOvr>
+  <p:timing>
+    <p:tnLst>
+      <p:par>
+        <p:cTn id="1" dur="indefinite" restart="never" nodeType="tmRoot"/>
+      </p:par>
+    </p:tnLst>
+  </p:timing>
+</p:sld>
+</file>
+
+<file path=ppt/slides/slide23.xml><?xml version="1.0" encoding="utf-8"?>
+<p:sld xmlns:a="http://schemas.openxmlformats.org/drawingml/2006/main" xmlns:r="http://schemas.openxmlformats.org/officeDocument/2006/relationships" xmlns:p="http://schemas.openxmlformats.org/presentationml/2006/main">
+  <p:cSld>
+    <p:spTree>
+      <p:nvGrpSpPr>
+        <p:cNvPr id="1" name=""/>
+        <p:cNvGrpSpPr/>
+        <p:nvPr/>
+      </p:nvGrpSpPr>
+      <p:grpSpPr>
+        <a:xfrm>
+          <a:off x="0" y="0"/>
+          <a:ext cx="0" cy="0"/>
+          <a:chOff x="0" y="0"/>
+          <a:chExt cx="0" cy="0"/>
+        </a:xfrm>
+      </p:grpSpPr>
+      <p:sp>
+        <p:nvSpPr>
+          <p:cNvPr id="2" name="Titre 1"/>
+          <p:cNvSpPr>
+            <a:spLocks noGrp="1"/>
+          </p:cNvSpPr>
+          <p:nvPr>
+            <p:ph type="title"/>
+          </p:nvPr>
+        </p:nvSpPr>
+        <p:spPr/>
+        <p:txBody>
+          <a:bodyPr>
+            <a:normAutofit fontScale="90000"/>
+          </a:bodyPr>
+          <a:lstStyle/>
+          <a:p>
+            <a:r>
+              <a:rPr lang="fr-FR" dirty="0" err="1" smtClean="0"/>
+              <a:t>Emoji</a:t>
+            </a:r>
+            <a:r>
+              <a:rPr lang="fr-FR" dirty="0" smtClean="0"/>
+              <a:t> code </a:t>
+            </a:r>
+            <a:r>
+              <a:rPr lang="fr-FR" dirty="0" err="1" smtClean="0"/>
+              <a:t>mining</a:t>
+            </a:r>
+            <a:r>
+              <a:rPr lang="fr-FR" dirty="0" smtClean="0"/>
+              <a:t> in a custom/</a:t>
+            </a:r>
+            <a:r>
+              <a:rPr lang="fr-FR" dirty="0" err="1" smtClean="0"/>
+              <a:t>generic</a:t>
+            </a:r>
+            <a:r>
+              <a:rPr lang="fr-FR" dirty="0" smtClean="0"/>
+              <a:t> editor</a:t>
+            </a:r>
+            <a:endParaRPr lang="fr-FR" dirty="0"/>
+          </a:p>
+        </p:txBody>
+      </p:sp>
+      <p:sp>
+        <p:nvSpPr>
+          <p:cNvPr id="3" name="Espace réservé du contenu 2"/>
+          <p:cNvSpPr>
+            <a:spLocks noGrp="1"/>
+          </p:cNvSpPr>
+          <p:nvPr>
+            <p:ph idx="1"/>
+          </p:nvPr>
+        </p:nvSpPr>
+        <p:spPr/>
+        <p:txBody>
+          <a:bodyPr>
+            <a:normAutofit/>
+          </a:bodyPr>
+          <a:lstStyle/>
+          <a:p>
+            <a:endParaRPr lang="fr-FR" b="1" dirty="0" smtClean="0"/>
+          </a:p>
+          <a:p>
+            <a:endParaRPr lang="en-US" b="1" dirty="0" smtClean="0"/>
+          </a:p>
+          <a:p>
+            <a:pPr marL="0" indent="0">
+              <a:buNone/>
+            </a:pPr>
+            <a:endParaRPr lang="fr-FR" dirty="0"/>
+          </a:p>
+        </p:txBody>
+      </p:sp>
+      <p:pic>
+        <p:nvPicPr>
+          <p:cNvPr id="5" name="Image 4"/>
+          <p:cNvPicPr>
+            <a:picLocks noChangeAspect="1"/>
+          </p:cNvPicPr>
+          <p:nvPr/>
+        </p:nvPicPr>
+        <p:blipFill>
+          <a:blip r:embed="rId2"/>
+          <a:stretch>
+            <a:fillRect/>
+          </a:stretch>
+        </p:blipFill>
+        <p:spPr>
+          <a:xfrm>
+            <a:off x="1835696" y="855540"/>
+            <a:ext cx="4857750" cy="1666875"/>
+          </a:xfrm>
+          <a:prstGeom prst="rect">
+            <a:avLst/>
+          </a:prstGeom>
+        </p:spPr>
+      </p:pic>
+      <p:pic>
+        <p:nvPicPr>
+          <p:cNvPr id="7" name="Image 6"/>
+          <p:cNvPicPr>
+            <a:picLocks noChangeAspect="1"/>
+          </p:cNvPicPr>
+          <p:nvPr/>
+        </p:nvPicPr>
+        <p:blipFill>
+          <a:blip r:embed="rId3"/>
+          <a:stretch>
+            <a:fillRect/>
+          </a:stretch>
+        </p:blipFill>
+        <p:spPr>
+          <a:xfrm>
+            <a:off x="1115616" y="2348583"/>
+            <a:ext cx="7236296" cy="2202056"/>
+          </a:xfrm>
+          <a:prstGeom prst="rect">
+            <a:avLst/>
+          </a:prstGeom>
+        </p:spPr>
+      </p:pic>
+    </p:spTree>
+    <p:extLst>
+      <p:ext uri="{BB962C8B-B14F-4D97-AF65-F5344CB8AC3E}">
+        <p14:creationId xmlns:p14="http://schemas.microsoft.com/office/powerpoint/2010/main" val="2451452835"/>
+      </p:ext>
+    </p:extLst>
+  </p:cSld>
+  <p:clrMapOvr>
+    <a:masterClrMapping/>
+  </p:clrMapOvr>
+  <p:timing>
+    <p:tnLst>
+      <p:par>
+        <p:cTn id="1" dur="indefinite" restart="never" nodeType="tmRoot"/>
+      </p:par>
+    </p:tnLst>
+  </p:timing>
+</p:sld>
+</file>
+
+<file path=ppt/slides/slide24.xml><?xml version="1.0" encoding="utf-8"?>
+<p:sld xmlns:a="http://schemas.openxmlformats.org/drawingml/2006/main" xmlns:r="http://schemas.openxmlformats.org/officeDocument/2006/relationships" xmlns:p="http://schemas.openxmlformats.org/presentationml/2006/main">
+  <p:cSld>
+    <p:spTree>
+      <p:nvGrpSpPr>
+        <p:cNvPr id="1" name=""/>
+        <p:cNvGrpSpPr/>
+        <p:nvPr/>
+      </p:nvGrpSpPr>
+      <p:grpSpPr>
+        <a:xfrm>
+          <a:off x="0" y="0"/>
+          <a:ext cx="0" cy="0"/>
+          <a:chOff x="0" y="0"/>
+          <a:chExt cx="0" cy="0"/>
+        </a:xfrm>
+      </p:grpSpPr>
+      <p:sp>
+        <p:nvSpPr>
+          <p:cNvPr id="2" name="Titre 1"/>
+          <p:cNvSpPr>
+            <a:spLocks noGrp="1"/>
+          </p:cNvSpPr>
+          <p:nvPr>
+            <p:ph type="title"/>
+          </p:nvPr>
+        </p:nvSpPr>
+        <p:spPr/>
+        <p:txBody>
+          <a:bodyPr>
+            <a:normAutofit fontScale="90000"/>
+          </a:bodyPr>
+          <a:lstStyle/>
+          <a:p>
+            <a:r>
+              <a:rPr lang="fr-FR" dirty="0" err="1" smtClean="0"/>
+              <a:t>Emoji</a:t>
+            </a:r>
+            <a:r>
+              <a:rPr lang="fr-FR" dirty="0" smtClean="0"/>
+              <a:t> code </a:t>
+            </a:r>
+            <a:r>
+              <a:rPr lang="fr-FR" dirty="0" err="1" smtClean="0"/>
+              <a:t>mining</a:t>
+            </a:r>
+            <a:r>
+              <a:rPr lang="fr-FR" dirty="0" smtClean="0"/>
+              <a:t> in a custom editor</a:t>
+            </a:r>
+            <a:endParaRPr lang="fr-FR" dirty="0"/>
+          </a:p>
+        </p:txBody>
+      </p:sp>
+      <p:sp>
+        <p:nvSpPr>
+          <p:cNvPr id="3" name="Espace réservé du contenu 2"/>
+          <p:cNvSpPr>
+            <a:spLocks noGrp="1"/>
+          </p:cNvSpPr>
+          <p:nvPr>
+            <p:ph idx="1"/>
+          </p:nvPr>
+        </p:nvSpPr>
+        <p:spPr/>
+        <p:txBody>
+          <a:bodyPr>
+            <a:normAutofit/>
+          </a:bodyPr>
+          <a:lstStyle/>
+          <a:p>
+            <a:endParaRPr lang="fr-FR" b="1" dirty="0" smtClean="0"/>
+          </a:p>
+          <a:p>
+            <a:endParaRPr lang="en-US" b="1" dirty="0" smtClean="0"/>
+          </a:p>
+          <a:p>
+            <a:pPr marL="0" indent="0">
+              <a:buNone/>
+            </a:pPr>
+            <a:endParaRPr lang="fr-FR" dirty="0"/>
+          </a:p>
+        </p:txBody>
+      </p:sp>
+      <p:pic>
+        <p:nvPicPr>
+          <p:cNvPr id="6" name="Image 5"/>
+          <p:cNvPicPr>
+            <a:picLocks noChangeAspect="1"/>
+          </p:cNvPicPr>
+          <p:nvPr/>
+        </p:nvPicPr>
+        <p:blipFill>
+          <a:blip r:embed="rId2"/>
+          <a:stretch>
+            <a:fillRect/>
+          </a:stretch>
+        </p:blipFill>
+        <p:spPr>
+          <a:xfrm>
+            <a:off x="539552" y="815658"/>
+            <a:ext cx="7381875" cy="2486025"/>
+          </a:xfrm>
+          <a:prstGeom prst="rect">
+            <a:avLst/>
+          </a:prstGeom>
+        </p:spPr>
+      </p:pic>
+      <p:pic>
+        <p:nvPicPr>
+          <p:cNvPr id="4" name="Image 3"/>
+          <p:cNvPicPr>
+            <a:picLocks noChangeAspect="1"/>
+          </p:cNvPicPr>
+          <p:nvPr/>
+        </p:nvPicPr>
+        <p:blipFill>
+          <a:blip r:embed="rId3"/>
+          <a:stretch>
+            <a:fillRect/>
+          </a:stretch>
+        </p:blipFill>
+        <p:spPr>
+          <a:xfrm>
+            <a:off x="4355976" y="3003798"/>
+            <a:ext cx="4414136" cy="1419622"/>
+          </a:xfrm>
+          <a:prstGeom prst="rect">
+            <a:avLst/>
+          </a:prstGeom>
+        </p:spPr>
+      </p:pic>
+    </p:spTree>
+    <p:extLst>
+      <p:ext uri="{BB962C8B-B14F-4D97-AF65-F5344CB8AC3E}">
+        <p14:creationId xmlns:p14="http://schemas.microsoft.com/office/powerpoint/2010/main" val="2487915731"/>
+      </p:ext>
+    </p:extLst>
+  </p:cSld>
+  <p:clrMapOvr>
+    <a:masterClrMapping/>
+  </p:clrMapOvr>
+  <p:timing>
+    <p:tnLst>
+      <p:par>
+        <p:cTn id="1" dur="indefinite" restart="never" nodeType="tmRoot"/>
+      </p:par>
+    </p:tnLst>
+  </p:timing>
+</p:sld>
+</file>
+
+<file path=ppt/slides/slide25.xml><?xml version="1.0" encoding="utf-8"?>
+<p:sld xmlns:a="http://schemas.openxmlformats.org/drawingml/2006/main" xmlns:r="http://schemas.openxmlformats.org/officeDocument/2006/relationships" xmlns:p="http://schemas.openxmlformats.org/presentationml/2006/main">
+  <p:cSld>
+    <p:spTree>
+      <p:nvGrpSpPr>
+        <p:cNvPr id="1" name=""/>
+        <p:cNvGrpSpPr/>
+        <p:nvPr/>
+      </p:nvGrpSpPr>
+      <p:grpSpPr>
+        <a:xfrm>
+          <a:off x="0" y="0"/>
+          <a:ext cx="0" cy="0"/>
+          <a:chOff x="0" y="0"/>
+          <a:chExt cx="0" cy="0"/>
+        </a:xfrm>
+      </p:grpSpPr>
+      <p:sp>
+        <p:nvSpPr>
+          <p:cNvPr id="2" name="Titre 1"/>
+          <p:cNvSpPr>
+            <a:spLocks noGrp="1"/>
+          </p:cNvSpPr>
+          <p:nvPr>
+            <p:ph type="title"/>
+          </p:nvPr>
+        </p:nvSpPr>
+        <p:spPr/>
+        <p:txBody>
+          <a:bodyPr>
+            <a:normAutofit fontScale="90000"/>
+          </a:bodyPr>
+          <a:lstStyle/>
+          <a:p>
+            <a:r>
+              <a:rPr lang="fr-FR" dirty="0" err="1" smtClean="0"/>
+              <a:t>Emoji</a:t>
+            </a:r>
+            <a:r>
+              <a:rPr lang="fr-FR" dirty="0" smtClean="0"/>
+              <a:t> code </a:t>
+            </a:r>
+            <a:r>
+              <a:rPr lang="fr-FR" dirty="0" err="1" smtClean="0"/>
+              <a:t>mining</a:t>
+            </a:r>
+            <a:r>
+              <a:rPr lang="fr-FR" dirty="0" smtClean="0"/>
+              <a:t> in </a:t>
+            </a:r>
+            <a:r>
+              <a:rPr lang="fr-FR" dirty="0" smtClean="0"/>
+              <a:t>the </a:t>
+            </a:r>
+            <a:r>
+              <a:rPr lang="fr-FR" dirty="0" err="1" smtClean="0"/>
+              <a:t>generic</a:t>
+            </a:r>
+            <a:r>
+              <a:rPr lang="fr-FR" dirty="0" smtClean="0"/>
+              <a:t> </a:t>
+            </a:r>
+            <a:r>
+              <a:rPr lang="fr-FR" dirty="0" smtClean="0"/>
+              <a:t>editor</a:t>
+            </a:r>
+            <a:endParaRPr lang="fr-FR" dirty="0"/>
+          </a:p>
+        </p:txBody>
+      </p:sp>
+      <p:sp>
+        <p:nvSpPr>
+          <p:cNvPr id="3" name="Espace réservé du contenu 2"/>
+          <p:cNvSpPr>
+            <a:spLocks noGrp="1"/>
+          </p:cNvSpPr>
+          <p:nvPr>
+            <p:ph idx="1"/>
+          </p:nvPr>
+        </p:nvSpPr>
+        <p:spPr/>
+        <p:txBody>
+          <a:bodyPr>
+            <a:normAutofit/>
+          </a:bodyPr>
+          <a:lstStyle/>
+          <a:p>
+            <a:endParaRPr lang="fr-FR" b="1" dirty="0" smtClean="0"/>
+          </a:p>
+          <a:p>
+            <a:endParaRPr lang="en-US" b="1" dirty="0" smtClean="0"/>
+          </a:p>
+          <a:p>
+            <a:pPr marL="0" indent="0">
+              <a:buNone/>
+            </a:pPr>
+            <a:endParaRPr lang="fr-FR" dirty="0"/>
+          </a:p>
+        </p:txBody>
+      </p:sp>
+      <p:pic>
+        <p:nvPicPr>
+          <p:cNvPr id="4" name="Image 3"/>
+          <p:cNvPicPr>
+            <a:picLocks noChangeAspect="1"/>
+          </p:cNvPicPr>
+          <p:nvPr/>
+        </p:nvPicPr>
+        <p:blipFill>
+          <a:blip r:embed="rId2"/>
+          <a:stretch>
+            <a:fillRect/>
+          </a:stretch>
+        </p:blipFill>
+        <p:spPr>
+          <a:xfrm>
+            <a:off x="921827" y="1491630"/>
+            <a:ext cx="7305675" cy="1514475"/>
+          </a:xfrm>
+          <a:prstGeom prst="rect">
+            <a:avLst/>
+          </a:prstGeom>
+        </p:spPr>
+      </p:pic>
+    </p:spTree>
+    <p:extLst>
+      <p:ext uri="{BB962C8B-B14F-4D97-AF65-F5344CB8AC3E}">
+        <p14:creationId xmlns:p14="http://schemas.microsoft.com/office/powerpoint/2010/main" val="2081442272"/>
+      </p:ext>
+    </p:extLst>
+  </p:cSld>
+  <p:clrMapOvr>
+    <a:masterClrMapping/>
+  </p:clrMapOvr>
+  <p:timing>
+    <p:tnLst>
+      <p:par>
+        <p:cTn id="1" dur="indefinite" restart="never" nodeType="tmRoot"/>
+      </p:par>
+    </p:tnLst>
+  </p:timing>
+</p:sld>
+</file>
+
+<file path=ppt/slides/slide26.xml><?xml version="1.0" encoding="utf-8"?>
+<p:sld xmlns:a="http://schemas.openxmlformats.org/drawingml/2006/main" xmlns:r="http://schemas.openxmlformats.org/officeDocument/2006/relationships" xmlns:p="http://schemas.openxmlformats.org/presentationml/2006/main">
+  <p:cSld>
+    <p:spTree>
+      <p:nvGrpSpPr>
+        <p:cNvPr id="1" name=""/>
+        <p:cNvGrpSpPr/>
+        <p:nvPr/>
+      </p:nvGrpSpPr>
+      <p:grpSpPr>
+        <a:xfrm>
+          <a:off x="0" y="0"/>
+          <a:ext cx="0" cy="0"/>
+          <a:chOff x="0" y="0"/>
+          <a:chExt cx="0" cy="0"/>
+        </a:xfrm>
+      </p:grpSpPr>
+      <p:sp>
+        <p:nvSpPr>
+          <p:cNvPr id="2" name="Titre 1"/>
+          <p:cNvSpPr>
+            <a:spLocks noGrp="1"/>
+          </p:cNvSpPr>
+          <p:nvPr>
+            <p:ph type="title"/>
+          </p:nvPr>
+        </p:nvSpPr>
+        <p:spPr/>
+        <p:txBody>
+          <a:bodyPr>
+            <a:normAutofit fontScale="90000"/>
+          </a:bodyPr>
+          <a:lstStyle/>
+          <a:p>
+            <a:r>
+              <a:rPr lang="fr-FR" dirty="0" smtClean="0"/>
               <a:t>Code </a:t>
             </a:r>
             <a:r>
@@ -16902,7 +18421,7 @@
 </p:sld>
 </file>
 
-<file path=ppt/slides/slide22.xml><?xml version="1.0" encoding="utf-8"?>
+<file path=ppt/slides/slide27.xml><?xml version="1.0" encoding="utf-8"?>
 <p:sld xmlns:a="http://schemas.openxmlformats.org/drawingml/2006/main" xmlns:r="http://schemas.openxmlformats.org/officeDocument/2006/relationships" xmlns:p="http://schemas.openxmlformats.org/presentationml/2006/main">
   <p:cSld>
     <p:spTree>
@@ -17133,7 +18652,7 @@
 </p:sld>
 </file>
 
-<file path=ppt/slides/slide23.xml><?xml version="1.0" encoding="utf-8"?>
+<file path=ppt/slides/slide28.xml><?xml version="1.0" encoding="utf-8"?>
 <p:sld xmlns:a="http://schemas.openxmlformats.org/drawingml/2006/main" xmlns:r="http://schemas.openxmlformats.org/officeDocument/2006/relationships" xmlns:p="http://schemas.openxmlformats.org/presentationml/2006/main">
   <p:cSld>
     <p:spTree>
@@ -17328,7 +18847,7 @@
 </p:sld>
 </file>
 
-<file path=ppt/slides/slide24.xml><?xml version="1.0" encoding="utf-8"?>
+<file path=ppt/slides/slide29.xml><?xml version="1.0" encoding="utf-8"?>
 <p:sld xmlns:a="http://schemas.openxmlformats.org/drawingml/2006/main" xmlns:r="http://schemas.openxmlformats.org/officeDocument/2006/relationships" xmlns:p="http://schemas.openxmlformats.org/presentationml/2006/main">
   <p:cSld>
     <p:spTree>
@@ -17449,1110 +18968,6 @@
     <p:extLst>
       <p:ext uri="{BB962C8B-B14F-4D97-AF65-F5344CB8AC3E}">
         <p14:creationId xmlns:p14="http://schemas.microsoft.com/office/powerpoint/2010/main" val="1444185114"/>
-      </p:ext>
-    </p:extLst>
-  </p:cSld>
-  <p:clrMapOvr>
-    <a:masterClrMapping/>
-  </p:clrMapOvr>
-  <p:timing>
-    <p:tnLst>
-      <p:par>
-        <p:cTn id="1" dur="indefinite" restart="never" nodeType="tmRoot"/>
-      </p:par>
-    </p:tnLst>
-  </p:timing>
-</p:sld>
-</file>
-
-<file path=ppt/slides/slide25.xml><?xml version="1.0" encoding="utf-8"?>
-<p:sld xmlns:a="http://schemas.openxmlformats.org/drawingml/2006/main" xmlns:r="http://schemas.openxmlformats.org/officeDocument/2006/relationships" xmlns:p="http://schemas.openxmlformats.org/presentationml/2006/main">
-  <p:cSld>
-    <p:spTree>
-      <p:nvGrpSpPr>
-        <p:cNvPr id="1" name=""/>
-        <p:cNvGrpSpPr/>
-        <p:nvPr/>
-      </p:nvGrpSpPr>
-      <p:grpSpPr>
-        <a:xfrm>
-          <a:off x="0" y="0"/>
-          <a:ext cx="0" cy="0"/>
-          <a:chOff x="0" y="0"/>
-          <a:chExt cx="0" cy="0"/>
-        </a:xfrm>
-      </p:grpSpPr>
-      <p:sp>
-        <p:nvSpPr>
-          <p:cNvPr id="2" name="Titre 1"/>
-          <p:cNvSpPr>
-            <a:spLocks noGrp="1"/>
-          </p:cNvSpPr>
-          <p:nvPr>
-            <p:ph type="title"/>
-          </p:nvPr>
-        </p:nvSpPr>
-        <p:spPr/>
-        <p:txBody>
-          <a:bodyPr>
-            <a:normAutofit fontScale="90000"/>
-          </a:bodyPr>
-          <a:lstStyle/>
-          <a:p>
-            <a:r>
-              <a:rPr lang="fr-FR" dirty="0" err="1" smtClean="0"/>
-              <a:t>Demo</a:t>
-            </a:r>
-            <a:r>
-              <a:rPr lang="fr-FR" dirty="0" smtClean="0"/>
-              <a:t> with JDT CodeMining</a:t>
-            </a:r>
-            <a:endParaRPr lang="fr-FR" dirty="0"/>
-          </a:p>
-        </p:txBody>
-      </p:sp>
-      <p:sp>
-        <p:nvSpPr>
-          <p:cNvPr id="3" name="Espace réservé du contenu 2"/>
-          <p:cNvSpPr>
-            <a:spLocks noGrp="1"/>
-          </p:cNvSpPr>
-          <p:nvPr>
-            <p:ph idx="1"/>
-          </p:nvPr>
-        </p:nvSpPr>
-        <p:spPr/>
-        <p:txBody>
-          <a:bodyPr/>
-          <a:lstStyle/>
-          <a:p>
-            <a:r>
-              <a:rPr lang="fr-FR" dirty="0" smtClean="0"/>
-              <a:t>TODO</a:t>
-            </a:r>
-            <a:endParaRPr lang="fr-FR" dirty="0"/>
-          </a:p>
-        </p:txBody>
-      </p:sp>
-    </p:spTree>
-    <p:extLst>
-      <p:ext uri="{BB962C8B-B14F-4D97-AF65-F5344CB8AC3E}">
-        <p14:creationId xmlns:p14="http://schemas.microsoft.com/office/powerpoint/2010/main" val="4230608180"/>
-      </p:ext>
-    </p:extLst>
-  </p:cSld>
-  <p:clrMapOvr>
-    <a:masterClrMapping/>
-  </p:clrMapOvr>
-  <p:timing>
-    <p:tnLst>
-      <p:par>
-        <p:cTn id="1" dur="indefinite" restart="never" nodeType="tmRoot"/>
-      </p:par>
-    </p:tnLst>
-  </p:timing>
-</p:sld>
-</file>
-
-<file path=ppt/slides/slide26.xml><?xml version="1.0" encoding="utf-8"?>
-<p:sld xmlns:a="http://schemas.openxmlformats.org/drawingml/2006/main" xmlns:r="http://schemas.openxmlformats.org/officeDocument/2006/relationships" xmlns:p="http://schemas.openxmlformats.org/presentationml/2006/main">
-  <p:cSld>
-    <p:spTree>
-      <p:nvGrpSpPr>
-        <p:cNvPr id="1" name=""/>
-        <p:cNvGrpSpPr/>
-        <p:nvPr/>
-      </p:nvGrpSpPr>
-      <p:grpSpPr>
-        <a:xfrm>
-          <a:off x="0" y="0"/>
-          <a:ext cx="0" cy="0"/>
-          <a:chOff x="0" y="0"/>
-          <a:chExt cx="0" cy="0"/>
-        </a:xfrm>
-      </p:grpSpPr>
-      <p:sp>
-        <p:nvSpPr>
-          <p:cNvPr id="2" name="Titre 1"/>
-          <p:cNvSpPr>
-            <a:spLocks noGrp="1"/>
-          </p:cNvSpPr>
-          <p:nvPr>
-            <p:ph type="title"/>
-          </p:nvPr>
-        </p:nvSpPr>
-        <p:spPr/>
-        <p:txBody>
-          <a:bodyPr>
-            <a:normAutofit fontScale="90000"/>
-          </a:bodyPr>
-          <a:lstStyle/>
-          <a:p>
-            <a:r>
-              <a:rPr lang="fr-FR" dirty="0" err="1" smtClean="0"/>
-              <a:t>Technical</a:t>
-            </a:r>
-            <a:r>
-              <a:rPr lang="fr-FR" dirty="0" smtClean="0"/>
-              <a:t> points</a:t>
-            </a:r>
-            <a:endParaRPr lang="fr-FR" dirty="0"/>
-          </a:p>
-        </p:txBody>
-      </p:sp>
-      <p:sp>
-        <p:nvSpPr>
-          <p:cNvPr id="3" name="Espace réservé du contenu 2"/>
-          <p:cNvSpPr>
-            <a:spLocks noGrp="1"/>
-          </p:cNvSpPr>
-          <p:nvPr>
-            <p:ph idx="1"/>
-          </p:nvPr>
-        </p:nvSpPr>
-        <p:spPr/>
-        <p:txBody>
-          <a:bodyPr>
-            <a:normAutofit fontScale="92500" lnSpcReduction="10000"/>
-          </a:bodyPr>
-          <a:lstStyle/>
-          <a:p>
-            <a:r>
-              <a:rPr lang="fr-FR" dirty="0" err="1" smtClean="0"/>
-              <a:t>Inlined</a:t>
-            </a:r>
-            <a:r>
-              <a:rPr lang="fr-FR" dirty="0" smtClean="0"/>
-              <a:t> annotation </a:t>
-            </a:r>
-            <a:r>
-              <a:rPr lang="fr-FR" dirty="0" err="1" smtClean="0"/>
-              <a:t>takes</a:t>
-            </a:r>
-            <a:r>
-              <a:rPr lang="fr-FR" dirty="0" smtClean="0"/>
-              <a:t> place by </a:t>
-            </a:r>
-            <a:r>
-              <a:rPr lang="fr-FR" dirty="0" err="1" smtClean="0"/>
-              <a:t>updating</a:t>
-            </a:r>
-            <a:r>
-              <a:rPr lang="fr-FR" dirty="0" smtClean="0"/>
-              <a:t> </a:t>
-            </a:r>
-            <a:r>
-              <a:rPr lang="fr-FR" b="1" dirty="0" err="1" smtClean="0"/>
-              <a:t>StyledText#setStyleRange</a:t>
-            </a:r>
-            <a:r>
-              <a:rPr lang="fr-FR" dirty="0" smtClean="0"/>
-              <a:t> / </a:t>
-            </a:r>
-            <a:r>
-              <a:rPr lang="fr-FR" b="1" dirty="0" err="1" smtClean="0"/>
-              <a:t>GlyphMetrics</a:t>
-            </a:r>
-            <a:r>
-              <a:rPr lang="fr-FR" dirty="0" smtClean="0"/>
-              <a:t>:</a:t>
-            </a:r>
-          </a:p>
-          <a:p>
-            <a:pPr lvl="1"/>
-            <a:r>
-              <a:rPr lang="fr-FR" dirty="0" smtClean="0"/>
-              <a:t>Line </a:t>
-            </a:r>
-            <a:r>
-              <a:rPr lang="fr-FR" b="1" dirty="0" smtClean="0"/>
-              <a:t>header</a:t>
-            </a:r>
-            <a:r>
-              <a:rPr lang="fr-FR" dirty="0" smtClean="0"/>
-              <a:t> </a:t>
-            </a:r>
-            <a:r>
-              <a:rPr lang="fr-FR" dirty="0" err="1" smtClean="0"/>
-              <a:t>Inlined</a:t>
-            </a:r>
-            <a:r>
-              <a:rPr lang="fr-FR" dirty="0" smtClean="0"/>
-              <a:t> annotation : </a:t>
-            </a:r>
-            <a:r>
-              <a:rPr lang="fr-FR" b="1" dirty="0" err="1" smtClean="0"/>
-              <a:t>GlyphMetrics</a:t>
-            </a:r>
-            <a:r>
-              <a:rPr lang="fr-FR" b="1" dirty="0" smtClean="0"/>
-              <a:t> </a:t>
-            </a:r>
-            <a:r>
-              <a:rPr lang="fr-FR" b="1" dirty="0" err="1" smtClean="0"/>
-              <a:t>ascent</a:t>
-            </a:r>
-            <a:r>
-              <a:rPr lang="fr-FR" dirty="0" smtClean="0"/>
-              <a:t> </a:t>
-            </a:r>
-            <a:r>
-              <a:rPr lang="fr-FR" dirty="0" err="1" smtClean="0"/>
-              <a:t>is</a:t>
-            </a:r>
-            <a:r>
-              <a:rPr lang="fr-FR" dirty="0" smtClean="0"/>
-              <a:t> </a:t>
-            </a:r>
-            <a:r>
-              <a:rPr lang="fr-FR" dirty="0" err="1" smtClean="0"/>
-              <a:t>updated</a:t>
-            </a:r>
-            <a:endParaRPr lang="fr-FR" dirty="0" smtClean="0"/>
-          </a:p>
-          <a:p>
-            <a:pPr lvl="1"/>
-            <a:r>
-              <a:rPr lang="fr-FR" dirty="0"/>
-              <a:t>Line </a:t>
-            </a:r>
-            <a:r>
-              <a:rPr lang="fr-FR" b="1" dirty="0" smtClean="0"/>
-              <a:t>content </a:t>
-            </a:r>
-            <a:r>
-              <a:rPr lang="fr-FR" dirty="0" err="1" smtClean="0"/>
-              <a:t>Inlined</a:t>
-            </a:r>
-            <a:r>
-              <a:rPr lang="fr-FR" dirty="0" smtClean="0"/>
-              <a:t> annotation :  </a:t>
-            </a:r>
-            <a:r>
-              <a:rPr lang="fr-FR" b="1" dirty="0" err="1"/>
-              <a:t>GlyphMetrics</a:t>
-            </a:r>
-            <a:r>
-              <a:rPr lang="fr-FR" b="1" dirty="0"/>
-              <a:t> </a:t>
-            </a:r>
-            <a:r>
-              <a:rPr lang="fr-FR" b="1" dirty="0" err="1" smtClean="0"/>
-              <a:t>width</a:t>
-            </a:r>
-            <a:r>
-              <a:rPr lang="fr-FR" dirty="0" smtClean="0"/>
-              <a:t> </a:t>
-            </a:r>
-            <a:r>
-              <a:rPr lang="fr-FR" dirty="0" err="1"/>
-              <a:t>is</a:t>
-            </a:r>
-            <a:r>
-              <a:rPr lang="fr-FR" dirty="0"/>
-              <a:t> </a:t>
-            </a:r>
-            <a:r>
-              <a:rPr lang="fr-FR" dirty="0" err="1" smtClean="0"/>
-              <a:t>updated</a:t>
-            </a:r>
-            <a:endParaRPr lang="fr-FR" dirty="0" smtClean="0"/>
-          </a:p>
-          <a:p>
-            <a:r>
-              <a:rPr lang="fr-FR" dirty="0" smtClean="0"/>
-              <a:t>Use of </a:t>
-            </a:r>
-            <a:r>
-              <a:rPr lang="fr-FR" b="1" dirty="0" err="1" smtClean="0"/>
-              <a:t>GlyphMetrics</a:t>
-            </a:r>
-            <a:r>
-              <a:rPr lang="fr-FR" dirty="0" smtClean="0"/>
-              <a:t> for a </a:t>
-            </a:r>
-            <a:r>
-              <a:rPr lang="fr-FR" dirty="0" err="1" smtClean="0"/>
-              <a:t>given</a:t>
-            </a:r>
-            <a:r>
-              <a:rPr lang="fr-FR" dirty="0" smtClean="0"/>
-              <a:t> offset replace </a:t>
-            </a:r>
-            <a:r>
-              <a:rPr lang="fr-FR" dirty="0" err="1" smtClean="0"/>
-              <a:t>text</a:t>
-            </a:r>
-            <a:r>
-              <a:rPr lang="fr-FR" dirty="0" smtClean="0"/>
-              <a:t> content</a:t>
-            </a:r>
-          </a:p>
-          <a:p>
-            <a:pPr lvl="1"/>
-            <a:r>
-              <a:rPr lang="fr-FR" dirty="0" err="1" smtClean="0"/>
-              <a:t>requires</a:t>
-            </a:r>
-            <a:r>
-              <a:rPr lang="fr-FR" dirty="0" smtClean="0"/>
-              <a:t> the </a:t>
-            </a:r>
-            <a:r>
-              <a:rPr lang="fr-FR" dirty="0" err="1" smtClean="0"/>
-              <a:t>redraw</a:t>
-            </a:r>
-            <a:r>
-              <a:rPr lang="fr-FR" dirty="0" smtClean="0"/>
-              <a:t> of the </a:t>
-            </a:r>
-            <a:r>
-              <a:rPr lang="fr-FR" dirty="0" err="1" smtClean="0"/>
-              <a:t>character</a:t>
-            </a:r>
-            <a:endParaRPr lang="fr-FR" dirty="0" smtClean="0"/>
-          </a:p>
-          <a:p>
-            <a:r>
-              <a:rPr lang="fr-FR" b="1" dirty="0" err="1" smtClean="0"/>
-              <a:t>StyledText</a:t>
-            </a:r>
-            <a:r>
-              <a:rPr lang="fr-FR" dirty="0" smtClean="0"/>
-              <a:t> </a:t>
-            </a:r>
-            <a:r>
-              <a:rPr lang="fr-FR" dirty="0" err="1" smtClean="0"/>
-              <a:t>was</a:t>
-            </a:r>
-            <a:r>
-              <a:rPr lang="fr-FR" dirty="0" smtClean="0"/>
-              <a:t> been </a:t>
-            </a:r>
-            <a:r>
-              <a:rPr lang="fr-FR" dirty="0" err="1" smtClean="0"/>
-              <a:t>improved</a:t>
-            </a:r>
-            <a:endParaRPr lang="fr-FR" dirty="0" smtClean="0"/>
-          </a:p>
-          <a:p>
-            <a:pPr lvl="1"/>
-            <a:r>
-              <a:rPr lang="fr-FR" dirty="0" err="1" smtClean="0"/>
-              <a:t>Height</a:t>
-            </a:r>
-            <a:r>
-              <a:rPr lang="fr-FR" dirty="0" smtClean="0"/>
-              <a:t> </a:t>
-            </a:r>
-            <a:r>
-              <a:rPr lang="fr-FR" dirty="0" err="1" smtClean="0"/>
-              <a:t>cursor</a:t>
-            </a:r>
-            <a:r>
-              <a:rPr lang="fr-FR" dirty="0" smtClean="0"/>
-              <a:t>: line header annotation must not have </a:t>
-            </a:r>
-            <a:r>
-              <a:rPr lang="fr-FR" dirty="0" err="1" smtClean="0"/>
-              <a:t>cursor</a:t>
-            </a:r>
-            <a:endParaRPr lang="fr-FR" dirty="0" smtClean="0"/>
-          </a:p>
-          <a:p>
-            <a:pPr lvl="1"/>
-            <a:r>
-              <a:rPr lang="fr-FR" dirty="0" err="1" smtClean="0"/>
-              <a:t>Improve</a:t>
-            </a:r>
-            <a:r>
-              <a:rPr lang="fr-FR" dirty="0" smtClean="0"/>
-              <a:t> performance:  with variable line </a:t>
-            </a:r>
-            <a:r>
-              <a:rPr lang="fr-FR" dirty="0" err="1" smtClean="0"/>
-              <a:t>height</a:t>
-            </a:r>
-            <a:r>
-              <a:rPr lang="fr-FR" dirty="0" smtClean="0"/>
-              <a:t> (</a:t>
-            </a:r>
-            <a:r>
-              <a:rPr lang="fr-FR" dirty="0" err="1" smtClean="0"/>
-              <a:t>word</a:t>
-            </a:r>
-            <a:r>
-              <a:rPr lang="fr-FR" dirty="0" smtClean="0"/>
-              <a:t> wrap)</a:t>
-            </a:r>
-          </a:p>
-          <a:p>
-            <a:r>
-              <a:rPr lang="fr-FR" b="1" dirty="0" smtClean="0"/>
-              <a:t>Line </a:t>
-            </a:r>
-            <a:r>
-              <a:rPr lang="fr-FR" b="1" dirty="0" err="1" smtClean="0"/>
-              <a:t>number</a:t>
-            </a:r>
-            <a:r>
-              <a:rPr lang="fr-FR" b="1" dirty="0" smtClean="0"/>
-              <a:t> / </a:t>
-            </a:r>
-            <a:r>
-              <a:rPr lang="fr-FR" b="1" dirty="0" err="1" smtClean="0"/>
-              <a:t>Fold</a:t>
-            </a:r>
-            <a:r>
-              <a:rPr lang="fr-FR" b="1" dirty="0" smtClean="0"/>
-              <a:t> </a:t>
-            </a:r>
-            <a:r>
-              <a:rPr lang="fr-FR" b="1" dirty="0" err="1" smtClean="0"/>
-              <a:t>icon</a:t>
-            </a:r>
-            <a:r>
-              <a:rPr lang="fr-FR" dirty="0" smtClean="0"/>
-              <a:t> location</a:t>
-            </a:r>
-          </a:p>
-        </p:txBody>
-      </p:sp>
-    </p:spTree>
-    <p:extLst>
-      <p:ext uri="{BB962C8B-B14F-4D97-AF65-F5344CB8AC3E}">
-        <p14:creationId xmlns:p14="http://schemas.microsoft.com/office/powerpoint/2010/main" val="257407320"/>
-      </p:ext>
-    </p:extLst>
-  </p:cSld>
-  <p:clrMapOvr>
-    <a:masterClrMapping/>
-  </p:clrMapOvr>
-  <p:timing>
-    <p:tnLst>
-      <p:par>
-        <p:cTn id="1" dur="indefinite" restart="never" nodeType="tmRoot"/>
-      </p:par>
-    </p:tnLst>
-  </p:timing>
-</p:sld>
-</file>
-
-<file path=ppt/slides/slide27.xml><?xml version="1.0" encoding="utf-8"?>
-<p:sld xmlns:a="http://schemas.openxmlformats.org/drawingml/2006/main" xmlns:r="http://schemas.openxmlformats.org/officeDocument/2006/relationships" xmlns:p="http://schemas.openxmlformats.org/presentationml/2006/main">
-  <p:cSld>
-    <p:spTree>
-      <p:nvGrpSpPr>
-        <p:cNvPr id="1" name=""/>
-        <p:cNvGrpSpPr/>
-        <p:nvPr/>
-      </p:nvGrpSpPr>
-      <p:grpSpPr>
-        <a:xfrm>
-          <a:off x="0" y="0"/>
-          <a:ext cx="0" cy="0"/>
-          <a:chOff x="0" y="0"/>
-          <a:chExt cx="0" cy="0"/>
-        </a:xfrm>
-      </p:grpSpPr>
-      <p:sp>
-        <p:nvSpPr>
-          <p:cNvPr id="2" name="Titre 1"/>
-          <p:cNvSpPr>
-            <a:spLocks noGrp="1"/>
-          </p:cNvSpPr>
-          <p:nvPr>
-            <p:ph type="title"/>
-          </p:nvPr>
-        </p:nvSpPr>
-        <p:spPr/>
-        <p:txBody>
-          <a:bodyPr>
-            <a:normAutofit fontScale="90000"/>
-          </a:bodyPr>
-          <a:lstStyle/>
-          <a:p>
-            <a:r>
-              <a:rPr lang="fr-FR" dirty="0" smtClean="0"/>
-              <a:t>Issues</a:t>
-            </a:r>
-            <a:endParaRPr lang="fr-FR" dirty="0"/>
-          </a:p>
-        </p:txBody>
-      </p:sp>
-      <p:sp>
-        <p:nvSpPr>
-          <p:cNvPr id="3" name="Espace réservé du contenu 2"/>
-          <p:cNvSpPr>
-            <a:spLocks noGrp="1"/>
-          </p:cNvSpPr>
-          <p:nvPr>
-            <p:ph idx="1"/>
-          </p:nvPr>
-        </p:nvSpPr>
-        <p:spPr/>
-        <p:txBody>
-          <a:bodyPr/>
-          <a:lstStyle/>
-          <a:p>
-            <a:r>
-              <a:rPr lang="fr-FR" dirty="0" smtClean="0"/>
-              <a:t>Eclipse </a:t>
-            </a:r>
-            <a:r>
-              <a:rPr lang="fr-FR" dirty="0" err="1" smtClean="0"/>
-              <a:t>Bugzilla</a:t>
-            </a:r>
-            <a:r>
-              <a:rPr lang="fr-FR" dirty="0" smtClean="0"/>
-              <a:t>: tag </a:t>
-            </a:r>
-            <a:r>
-              <a:rPr lang="fr-FR" dirty="0" err="1" smtClean="0"/>
-              <a:t>title</a:t>
-            </a:r>
-            <a:r>
-              <a:rPr lang="fr-FR" dirty="0" smtClean="0"/>
-              <a:t> </a:t>
-            </a:r>
-            <a:r>
-              <a:rPr lang="fr-FR" dirty="0" err="1" smtClean="0"/>
-              <a:t>with</a:t>
-            </a:r>
-            <a:r>
-              <a:rPr lang="fr-FR" dirty="0" smtClean="0"/>
-              <a:t> </a:t>
-            </a:r>
-            <a:r>
-              <a:rPr lang="fr-FR" b="1" dirty="0" smtClean="0"/>
-              <a:t>[code </a:t>
-            </a:r>
-            <a:r>
-              <a:rPr lang="fr-FR" b="1" dirty="0" err="1" smtClean="0"/>
-              <a:t>mining</a:t>
-            </a:r>
-            <a:r>
-              <a:rPr lang="fr-FR" b="1" dirty="0" smtClean="0"/>
-              <a:t>]</a:t>
-            </a:r>
-          </a:p>
-          <a:p>
-            <a:pPr lvl="2"/>
-            <a:r>
-              <a:rPr lang="fr-FR" dirty="0" smtClean="0"/>
-              <a:t>SWT</a:t>
-            </a:r>
-          </a:p>
-          <a:p>
-            <a:pPr lvl="2"/>
-            <a:r>
-              <a:rPr lang="fr-FR" dirty="0" err="1" smtClean="0"/>
-              <a:t>Text</a:t>
-            </a:r>
-            <a:endParaRPr lang="fr-FR" dirty="0" smtClean="0"/>
-          </a:p>
-          <a:p>
-            <a:r>
-              <a:rPr lang="fr-FR" dirty="0" smtClean="0"/>
-              <a:t>JDT </a:t>
-            </a:r>
-            <a:r>
-              <a:rPr lang="fr-FR" dirty="0" err="1" smtClean="0"/>
-              <a:t>CodeMining</a:t>
-            </a:r>
-            <a:r>
-              <a:rPr lang="fr-FR" dirty="0" smtClean="0"/>
-              <a:t> </a:t>
-            </a:r>
-            <a:r>
-              <a:rPr lang="fr-FR" dirty="0" err="1" smtClean="0"/>
-              <a:t>github</a:t>
-            </a:r>
-            <a:endParaRPr lang="fr-FR" dirty="0" smtClean="0"/>
-          </a:p>
-        </p:txBody>
-      </p:sp>
-    </p:spTree>
-    <p:extLst>
-      <p:ext uri="{BB962C8B-B14F-4D97-AF65-F5344CB8AC3E}">
-        <p14:creationId xmlns:p14="http://schemas.microsoft.com/office/powerpoint/2010/main" val="3383159057"/>
-      </p:ext>
-    </p:extLst>
-  </p:cSld>
-  <p:clrMapOvr>
-    <a:masterClrMapping/>
-  </p:clrMapOvr>
-  <p:timing>
-    <p:tnLst>
-      <p:par>
-        <p:cTn id="1" dur="indefinite" restart="never" nodeType="tmRoot"/>
-      </p:par>
-    </p:tnLst>
-  </p:timing>
-</p:sld>
-</file>
-
-<file path=ppt/slides/slide28.xml><?xml version="1.0" encoding="utf-8"?>
-<p:sld xmlns:a="http://schemas.openxmlformats.org/drawingml/2006/main" xmlns:r="http://schemas.openxmlformats.org/officeDocument/2006/relationships" xmlns:p="http://schemas.openxmlformats.org/presentationml/2006/main">
-  <p:cSld>
-    <p:spTree>
-      <p:nvGrpSpPr>
-        <p:cNvPr id="1" name=""/>
-        <p:cNvGrpSpPr/>
-        <p:nvPr/>
-      </p:nvGrpSpPr>
-      <p:grpSpPr>
-        <a:xfrm>
-          <a:off x="0" y="0"/>
-          <a:ext cx="0" cy="0"/>
-          <a:chOff x="0" y="0"/>
-          <a:chExt cx="0" cy="0"/>
-        </a:xfrm>
-      </p:grpSpPr>
-      <p:sp>
-        <p:nvSpPr>
-          <p:cNvPr id="2" name="Titre 1"/>
-          <p:cNvSpPr>
-            <a:spLocks noGrp="1"/>
-          </p:cNvSpPr>
-          <p:nvPr>
-            <p:ph type="title"/>
-          </p:nvPr>
-        </p:nvSpPr>
-        <p:spPr/>
-        <p:txBody>
-          <a:bodyPr>
-            <a:normAutofit fontScale="90000"/>
-          </a:bodyPr>
-          <a:lstStyle/>
-          <a:p>
-            <a:r>
-              <a:rPr lang="fr-FR" dirty="0" err="1" smtClean="0"/>
-              <a:t>What’s</a:t>
-            </a:r>
-            <a:r>
-              <a:rPr lang="fr-FR" dirty="0" smtClean="0"/>
-              <a:t> </a:t>
-            </a:r>
-            <a:r>
-              <a:rPr lang="fr-FR" dirty="0" err="1" smtClean="0"/>
-              <a:t>next</a:t>
-            </a:r>
-            <a:r>
-              <a:rPr lang="fr-FR" dirty="0" smtClean="0"/>
-              <a:t>?</a:t>
-            </a:r>
-            <a:endParaRPr lang="fr-FR" dirty="0"/>
-          </a:p>
-        </p:txBody>
-      </p:sp>
-      <p:sp>
-        <p:nvSpPr>
-          <p:cNvPr id="3" name="Espace réservé du contenu 2"/>
-          <p:cNvSpPr>
-            <a:spLocks noGrp="1"/>
-          </p:cNvSpPr>
-          <p:nvPr>
-            <p:ph idx="1"/>
-          </p:nvPr>
-        </p:nvSpPr>
-        <p:spPr/>
-        <p:txBody>
-          <a:bodyPr/>
-          <a:lstStyle/>
-          <a:p>
-            <a:r>
-              <a:rPr lang="fr-FR" dirty="0" err="1" smtClean="0"/>
-              <a:t>Improvements</a:t>
-            </a:r>
-            <a:endParaRPr lang="fr-FR" dirty="0" smtClean="0"/>
-          </a:p>
-          <a:p>
-            <a:pPr lvl="1"/>
-            <a:r>
-              <a:rPr lang="fr-FR" dirty="0" err="1" smtClean="0"/>
-              <a:t>Don’t</a:t>
-            </a:r>
-            <a:r>
-              <a:rPr lang="fr-FR" dirty="0" smtClean="0"/>
-              <a:t> </a:t>
-            </a:r>
-            <a:r>
-              <a:rPr lang="fr-FR" dirty="0" err="1" smtClean="0"/>
-              <a:t>redraw</a:t>
-            </a:r>
-            <a:r>
-              <a:rPr lang="fr-FR" dirty="0" smtClean="0"/>
-              <a:t> </a:t>
-            </a:r>
-            <a:r>
-              <a:rPr lang="fr-FR" dirty="0" err="1" smtClean="0"/>
-              <a:t>character</a:t>
-            </a:r>
-            <a:r>
-              <a:rPr lang="fr-FR" dirty="0"/>
-              <a:t>: https://bugs.eclipse.org/bugs/show_bug.cgi?id=531769</a:t>
-            </a:r>
-            <a:endParaRPr lang="fr-FR" dirty="0" smtClean="0"/>
-          </a:p>
-          <a:p>
-            <a:pPr lvl="1"/>
-            <a:r>
-              <a:rPr lang="fr-FR" dirty="0" err="1" smtClean="0"/>
-              <a:t>StyledText</a:t>
-            </a:r>
-            <a:r>
-              <a:rPr lang="fr-FR" dirty="0"/>
-              <a:t> </a:t>
-            </a:r>
-            <a:r>
-              <a:rPr lang="fr-FR" dirty="0" err="1" smtClean="0"/>
-              <a:t>should</a:t>
-            </a:r>
-            <a:r>
-              <a:rPr lang="fr-FR" dirty="0" smtClean="0"/>
-              <a:t> </a:t>
-            </a:r>
-            <a:r>
-              <a:rPr lang="fr-FR" dirty="0" err="1" smtClean="0"/>
-              <a:t>provide</a:t>
-            </a:r>
-            <a:r>
-              <a:rPr lang="fr-FR" dirty="0" smtClean="0"/>
-              <a:t> a </a:t>
-            </a:r>
-            <a:r>
-              <a:rPr lang="fr-FR" b="1" dirty="0" err="1" smtClean="0"/>
-              <a:t>getLineCodeHeight</a:t>
-            </a:r>
-            <a:r>
-              <a:rPr lang="fr-FR" dirty="0" smtClean="0"/>
-              <a:t> </a:t>
-            </a:r>
-            <a:r>
-              <a:rPr lang="fr-FR" dirty="0" err="1" smtClean="0"/>
-              <a:t>used</a:t>
-            </a:r>
-            <a:r>
-              <a:rPr lang="fr-FR" dirty="0" smtClean="0"/>
-              <a:t> for JDT </a:t>
-            </a:r>
-            <a:r>
-              <a:rPr lang="fr-FR" dirty="0" err="1" smtClean="0"/>
-              <a:t>refactor</a:t>
-            </a:r>
-            <a:r>
-              <a:rPr lang="fr-FR" dirty="0" smtClean="0"/>
-              <a:t>, mark occurrences, line </a:t>
-            </a:r>
-            <a:r>
-              <a:rPr lang="fr-FR" dirty="0" err="1" smtClean="0"/>
-              <a:t>highlight</a:t>
-            </a:r>
-            <a:r>
-              <a:rPr lang="fr-FR" dirty="0" smtClean="0"/>
-              <a:t> bug </a:t>
-            </a:r>
-            <a:r>
-              <a:rPr lang="fr-FR" dirty="0" err="1" smtClean="0"/>
-              <a:t>with</a:t>
-            </a:r>
-            <a:r>
-              <a:rPr lang="fr-FR" dirty="0" smtClean="0"/>
-              <a:t> </a:t>
-            </a:r>
-            <a:r>
-              <a:rPr lang="fr-FR" dirty="0" err="1" smtClean="0"/>
-              <a:t>dark</a:t>
-            </a:r>
-            <a:r>
-              <a:rPr lang="fr-FR" dirty="0" smtClean="0"/>
-              <a:t>: TODO </a:t>
-            </a:r>
-            <a:r>
-              <a:rPr lang="fr-FR" dirty="0" err="1" smtClean="0"/>
-              <a:t>describe</a:t>
-            </a:r>
-            <a:r>
-              <a:rPr lang="fr-FR" dirty="0" smtClean="0"/>
-              <a:t> </a:t>
-            </a:r>
-            <a:r>
-              <a:rPr lang="fr-FR" dirty="0" err="1" smtClean="0"/>
-              <a:t>those</a:t>
-            </a:r>
-            <a:r>
-              <a:rPr lang="fr-FR" dirty="0" smtClean="0"/>
-              <a:t> issues</a:t>
-            </a:r>
-            <a:endParaRPr lang="fr-FR" dirty="0"/>
-          </a:p>
-          <a:p>
-            <a:r>
-              <a:rPr lang="fr-FR" dirty="0" smtClean="0"/>
-              <a:t>Bugs:</a:t>
-            </a:r>
-          </a:p>
-          <a:p>
-            <a:pPr lvl="1"/>
-            <a:r>
-              <a:rPr lang="fr-FR" dirty="0" smtClean="0"/>
-              <a:t>In </a:t>
-            </a:r>
-            <a:r>
-              <a:rPr lang="fr-FR" dirty="0" err="1" smtClean="0"/>
-              <a:t>MacOS</a:t>
-            </a:r>
-            <a:r>
-              <a:rPr lang="fr-FR" dirty="0" smtClean="0"/>
-              <a:t>: </a:t>
-            </a:r>
-            <a:r>
-              <a:rPr lang="fr-FR" dirty="0" err="1" smtClean="0"/>
-              <a:t>bad</a:t>
-            </a:r>
-            <a:r>
-              <a:rPr lang="fr-FR" dirty="0" smtClean="0"/>
-              <a:t> </a:t>
-            </a:r>
-            <a:r>
-              <a:rPr lang="fr-FR" dirty="0" err="1" smtClean="0"/>
-              <a:t>renderer</a:t>
-            </a:r>
-            <a:endParaRPr lang="fr-FR" dirty="0" smtClean="0"/>
-          </a:p>
-        </p:txBody>
-      </p:sp>
-    </p:spTree>
-    <p:extLst>
-      <p:ext uri="{BB962C8B-B14F-4D97-AF65-F5344CB8AC3E}">
-        <p14:creationId xmlns:p14="http://schemas.microsoft.com/office/powerpoint/2010/main" val="2251645700"/>
-      </p:ext>
-    </p:extLst>
-  </p:cSld>
-  <p:clrMapOvr>
-    <a:masterClrMapping/>
-  </p:clrMapOvr>
-  <p:timing>
-    <p:tnLst>
-      <p:par>
-        <p:cTn id="1" dur="indefinite" restart="never" nodeType="tmRoot"/>
-      </p:par>
-    </p:tnLst>
-  </p:timing>
-</p:sld>
-</file>
-
-<file path=ppt/slides/slide29.xml><?xml version="1.0" encoding="utf-8"?>
-<p:sld xmlns:a="http://schemas.openxmlformats.org/drawingml/2006/main" xmlns:r="http://schemas.openxmlformats.org/officeDocument/2006/relationships" xmlns:p="http://schemas.openxmlformats.org/presentationml/2006/main">
-  <p:cSld>
-    <p:bg>
-      <p:bgPr>
-        <a:solidFill>
-          <a:schemeClr val="bg1"/>
-        </a:solidFill>
-        <a:effectLst/>
-      </p:bgPr>
-    </p:bg>
-    <p:spTree>
-      <p:nvGrpSpPr>
-        <p:cNvPr id="1" name=""/>
-        <p:cNvGrpSpPr/>
-        <p:nvPr/>
-      </p:nvGrpSpPr>
-      <p:grpSpPr>
-        <a:xfrm>
-          <a:off x="0" y="0"/>
-          <a:ext cx="0" cy="0"/>
-          <a:chOff x="0" y="0"/>
-          <a:chExt cx="0" cy="0"/>
-        </a:xfrm>
-      </p:grpSpPr>
-      <p:sp>
-        <p:nvSpPr>
-          <p:cNvPr id="2" name="Titre 1"/>
-          <p:cNvSpPr>
-            <a:spLocks noGrp="1"/>
-          </p:cNvSpPr>
-          <p:nvPr>
-            <p:ph type="title"/>
-          </p:nvPr>
-        </p:nvSpPr>
-        <p:spPr/>
-        <p:txBody>
-          <a:bodyPr>
-            <a:normAutofit fontScale="90000"/>
-          </a:bodyPr>
-          <a:lstStyle/>
-          <a:p>
-            <a:r>
-              <a:rPr lang="fr-FR" dirty="0" err="1" smtClean="0"/>
-              <a:t>Thanks</a:t>
-            </a:r>
-            <a:r>
-              <a:rPr lang="fr-FR" dirty="0" smtClean="0"/>
-              <a:t>!</a:t>
-            </a:r>
-            <a:endParaRPr lang="fr-FR" dirty="0"/>
-          </a:p>
-        </p:txBody>
-      </p:sp>
-      <p:sp>
-        <p:nvSpPr>
-          <p:cNvPr id="3" name="Espace réservé du contenu 2"/>
-          <p:cNvSpPr>
-            <a:spLocks noGrp="1"/>
-          </p:cNvSpPr>
-          <p:nvPr>
-            <p:ph idx="1"/>
-          </p:nvPr>
-        </p:nvSpPr>
-        <p:spPr/>
-        <p:txBody>
-          <a:bodyPr/>
-          <a:lstStyle/>
-          <a:p>
-            <a:r>
-              <a:rPr lang="fr-FR" b="1" dirty="0" smtClean="0"/>
-              <a:t>Mickael </a:t>
-            </a:r>
-            <a:r>
-              <a:rPr lang="fr-FR" b="1" dirty="0" err="1" smtClean="0"/>
-              <a:t>Istria</a:t>
-            </a:r>
-            <a:r>
-              <a:rPr lang="fr-FR" dirty="0" smtClean="0"/>
-              <a:t> for </a:t>
-            </a:r>
-            <a:r>
-              <a:rPr lang="fr-FR" dirty="0" err="1" smtClean="0"/>
-              <a:t>her</a:t>
-            </a:r>
-            <a:r>
-              <a:rPr lang="fr-FR" dirty="0"/>
-              <a:t> </a:t>
-            </a:r>
-            <a:r>
-              <a:rPr lang="fr-FR" dirty="0" err="1" smtClean="0"/>
-              <a:t>review</a:t>
-            </a:r>
-            <a:r>
-              <a:rPr lang="fr-FR" dirty="0" smtClean="0"/>
-              <a:t> code</a:t>
-            </a:r>
-          </a:p>
-          <a:p>
-            <a:r>
-              <a:rPr lang="fr-FR" b="1" dirty="0" smtClean="0"/>
-              <a:t>Dani </a:t>
-            </a:r>
-            <a:r>
-              <a:rPr lang="fr-FR" b="1" dirty="0" err="1" smtClean="0"/>
-              <a:t>Megert</a:t>
-            </a:r>
-            <a:r>
-              <a:rPr lang="fr-FR" b="1" dirty="0" smtClean="0"/>
-              <a:t> </a:t>
-            </a:r>
-            <a:r>
-              <a:rPr lang="fr-FR" dirty="0" smtClean="0"/>
-              <a:t>and JDT Team</a:t>
-            </a:r>
-          </a:p>
-          <a:p>
-            <a:r>
-              <a:rPr lang="fr-FR" b="1" dirty="0" smtClean="0"/>
-              <a:t>Lars Vogel</a:t>
-            </a:r>
-            <a:r>
-              <a:rPr lang="fr-FR" dirty="0" smtClean="0"/>
-              <a:t> for JDT Code Mining feedbacks</a:t>
-            </a:r>
-          </a:p>
-          <a:p>
-            <a:r>
-              <a:rPr lang="fr-FR" b="1" dirty="0" smtClean="0"/>
-              <a:t>Karsten </a:t>
-            </a:r>
-            <a:r>
-              <a:rPr lang="fr-FR" b="1" dirty="0" err="1" smtClean="0"/>
-              <a:t>Thoms</a:t>
-            </a:r>
-            <a:r>
-              <a:rPr lang="fr-FR" dirty="0" smtClean="0"/>
-              <a:t> </a:t>
-            </a:r>
-            <a:r>
-              <a:rPr lang="fr-FR" dirty="0"/>
-              <a:t>for </a:t>
-            </a:r>
-            <a:r>
-              <a:rPr lang="fr-FR" dirty="0" err="1"/>
-              <a:t>CodeMining</a:t>
-            </a:r>
-            <a:r>
-              <a:rPr lang="fr-FR" dirty="0"/>
-              <a:t> </a:t>
-            </a:r>
-            <a:r>
-              <a:rPr lang="fr-FR" dirty="0" err="1"/>
-              <a:t>integration</a:t>
-            </a:r>
-            <a:r>
-              <a:rPr lang="fr-FR" dirty="0"/>
-              <a:t> in </a:t>
-            </a:r>
-            <a:r>
-              <a:rPr lang="fr-FR" dirty="0" err="1" smtClean="0"/>
-              <a:t>XText</a:t>
-            </a:r>
-            <a:endParaRPr lang="fr-FR" dirty="0" smtClean="0"/>
-          </a:p>
-          <a:p>
-            <a:r>
-              <a:rPr lang="fr-FR" b="1" dirty="0" smtClean="0"/>
-              <a:t>Martin </a:t>
-            </a:r>
-            <a:r>
-              <a:rPr lang="fr-FR" b="1" dirty="0" err="1" smtClean="0"/>
-              <a:t>Lippert</a:t>
-            </a:r>
-            <a:r>
-              <a:rPr lang="fr-FR" dirty="0" smtClean="0"/>
-              <a:t> for </a:t>
-            </a:r>
-            <a:r>
-              <a:rPr lang="fr-FR" dirty="0" err="1" smtClean="0"/>
-              <a:t>CodeMining</a:t>
-            </a:r>
-            <a:r>
-              <a:rPr lang="fr-FR" dirty="0" smtClean="0"/>
-              <a:t> </a:t>
-            </a:r>
-            <a:r>
-              <a:rPr lang="fr-FR" dirty="0" err="1" smtClean="0"/>
-              <a:t>integration</a:t>
-            </a:r>
-            <a:r>
-              <a:rPr lang="fr-FR" dirty="0" smtClean="0"/>
-              <a:t> in </a:t>
-            </a:r>
-            <a:r>
-              <a:rPr lang="fr-FR" dirty="0" err="1" smtClean="0"/>
-              <a:t>Spring</a:t>
-            </a:r>
-            <a:r>
-              <a:rPr lang="fr-FR" dirty="0" smtClean="0"/>
-              <a:t> Tools 4</a:t>
-            </a:r>
-            <a:endParaRPr lang="fr-FR" dirty="0"/>
-          </a:p>
-        </p:txBody>
-      </p:sp>
-    </p:spTree>
-    <p:extLst>
-      <p:ext uri="{BB962C8B-B14F-4D97-AF65-F5344CB8AC3E}">
-        <p14:creationId xmlns:p14="http://schemas.microsoft.com/office/powerpoint/2010/main" val="3625735188"/>
       </p:ext>
     </p:extLst>
   </p:cSld>
@@ -18627,37 +19042,42 @@
           <a:lstStyle/>
           <a:p>
             <a:r>
-              <a:rPr lang="fr-FR" dirty="0" err="1" smtClean="0"/>
-              <a:t>What</a:t>
+              <a:rPr lang="fr-FR" dirty="0" smtClean="0"/>
+              <a:t>How </a:t>
+            </a:r>
+            <a:r>
+              <a:rPr lang="fr-FR" dirty="0" err="1" smtClean="0"/>
+              <a:t>can</a:t>
             </a:r>
             <a:r>
               <a:rPr lang="fr-FR" dirty="0" smtClean="0"/>
               <a:t> </a:t>
             </a:r>
             <a:r>
-              <a:rPr lang="fr-FR" dirty="0" err="1" smtClean="0"/>
-              <a:t>is</a:t>
+              <a:rPr lang="fr-FR" b="1" dirty="0" err="1" smtClean="0"/>
+              <a:t>inlined</a:t>
+            </a:r>
+            <a:r>
+              <a:rPr lang="fr-FR" b="1" dirty="0" smtClean="0"/>
+              <a:t> annotations </a:t>
+            </a:r>
+            <a:r>
+              <a:rPr lang="fr-FR" dirty="0" err="1" smtClean="0"/>
+              <a:t>enrich</a:t>
             </a:r>
             <a:r>
               <a:rPr lang="fr-FR" dirty="0" smtClean="0"/>
               <a:t> </a:t>
             </a:r>
             <a:r>
-              <a:rPr lang="fr-FR" b="1" dirty="0" err="1"/>
-              <a:t>i</a:t>
-            </a:r>
-            <a:r>
-              <a:rPr lang="fr-FR" b="1" dirty="0" err="1" smtClean="0"/>
-              <a:t>nlined</a:t>
-            </a:r>
-            <a:r>
-              <a:rPr lang="fr-FR" b="1" dirty="0" smtClean="0"/>
-              <a:t> annotations</a:t>
-            </a:r>
-            <a:r>
-              <a:rPr lang="fr-FR" dirty="0" smtClean="0"/>
-              <a:t>?</a:t>
-            </a:r>
+              <a:rPr lang="fr-FR" dirty="0" err="1" smtClean="0"/>
+              <a:t>my</a:t>
+            </a:r>
+            <a:r>
+              <a:rPr lang="fr-FR" dirty="0" smtClean="0"/>
+              <a:t> editor?</a:t>
+            </a:r>
+            <a:endParaRPr lang="fr-FR" dirty="0" smtClean="0"/>
           </a:p>
           <a:p>
             <a:pPr lvl="1"/>
@@ -18677,29 +19097,46 @@
           </a:p>
           <a:p>
             <a:r>
-              <a:rPr lang="fr-FR" dirty="0" err="1"/>
-              <a:t>What</a:t>
-            </a:r>
-            <a:r>
-              <a:rPr lang="fr-FR" dirty="0"/>
+              <a:rPr lang="fr-FR" dirty="0" smtClean="0"/>
+              <a:t>How </a:t>
+            </a:r>
+            <a:r>
+              <a:rPr lang="fr-FR" dirty="0" err="1" smtClean="0"/>
+              <a:t>can</a:t>
+            </a:r>
+            <a:r>
+              <a:rPr lang="fr-FR" dirty="0" smtClean="0"/>
+              <a:t> I </a:t>
+            </a:r>
+            <a:r>
+              <a:rPr lang="fr-FR" dirty="0" err="1" smtClean="0"/>
+              <a:t>add</a:t>
+            </a:r>
+            <a:r>
+              <a:rPr lang="fr-FR" dirty="0" smtClean="0"/>
               <a:t> </a:t>
             </a:r>
             <a:r>
-              <a:rPr lang="fr-FR" dirty="0" err="1"/>
-              <a:t>is</a:t>
-            </a:r>
-            <a:r>
-              <a:rPr lang="fr-FR" dirty="0" smtClean="0"/>
+              <a:rPr lang="fr-FR" b="1" dirty="0" err="1" smtClean="0"/>
+              <a:t>CodeMining</a:t>
+            </a:r>
+            <a:r>
+              <a:rPr lang="fr-FR" b="1" dirty="0" smtClean="0"/>
               <a:t> </a:t>
             </a:r>
             <a:r>
-              <a:rPr lang="fr-FR" b="1" dirty="0" smtClean="0"/>
-              <a:t>Code Mining</a:t>
-            </a:r>
-            <a:r>
-              <a:rPr lang="fr-FR" dirty="0" smtClean="0"/>
-              <a:t>?</a:t>
-            </a:r>
+              <a:rPr lang="fr-FR" dirty="0" smtClean="0"/>
+              <a:t>to </a:t>
+            </a:r>
+            <a:r>
+              <a:rPr lang="fr-FR" dirty="0" err="1" smtClean="0"/>
+              <a:t>my</a:t>
+            </a:r>
+            <a:r>
+              <a:rPr lang="fr-FR" dirty="0" smtClean="0"/>
+              <a:t> custom editor?</a:t>
+            </a:r>
+            <a:endParaRPr lang="fr-FR" dirty="0" smtClean="0"/>
           </a:p>
           <a:p>
             <a:pPr lvl="1"/>
@@ -18786,6 +19223,1110 @@
     <p:extLst>
       <p:ext uri="{BB962C8B-B14F-4D97-AF65-F5344CB8AC3E}">
         <p14:creationId xmlns:p14="http://schemas.microsoft.com/office/powerpoint/2010/main" val="3968821760"/>
+      </p:ext>
+    </p:extLst>
+  </p:cSld>
+  <p:clrMapOvr>
+    <a:masterClrMapping/>
+  </p:clrMapOvr>
+  <p:timing>
+    <p:tnLst>
+      <p:par>
+        <p:cTn id="1" dur="indefinite" restart="never" nodeType="tmRoot"/>
+      </p:par>
+    </p:tnLst>
+  </p:timing>
+</p:sld>
+</file>
+
+<file path=ppt/slides/slide30.xml><?xml version="1.0" encoding="utf-8"?>
+<p:sld xmlns:a="http://schemas.openxmlformats.org/drawingml/2006/main" xmlns:r="http://schemas.openxmlformats.org/officeDocument/2006/relationships" xmlns:p="http://schemas.openxmlformats.org/presentationml/2006/main">
+  <p:cSld>
+    <p:spTree>
+      <p:nvGrpSpPr>
+        <p:cNvPr id="1" name=""/>
+        <p:cNvGrpSpPr/>
+        <p:nvPr/>
+      </p:nvGrpSpPr>
+      <p:grpSpPr>
+        <a:xfrm>
+          <a:off x="0" y="0"/>
+          <a:ext cx="0" cy="0"/>
+          <a:chOff x="0" y="0"/>
+          <a:chExt cx="0" cy="0"/>
+        </a:xfrm>
+      </p:grpSpPr>
+      <p:sp>
+        <p:nvSpPr>
+          <p:cNvPr id="2" name="Titre 1"/>
+          <p:cNvSpPr>
+            <a:spLocks noGrp="1"/>
+          </p:cNvSpPr>
+          <p:nvPr>
+            <p:ph type="title"/>
+          </p:nvPr>
+        </p:nvSpPr>
+        <p:spPr/>
+        <p:txBody>
+          <a:bodyPr>
+            <a:normAutofit fontScale="90000"/>
+          </a:bodyPr>
+          <a:lstStyle/>
+          <a:p>
+            <a:r>
+              <a:rPr lang="fr-FR" dirty="0" err="1" smtClean="0"/>
+              <a:t>Demo</a:t>
+            </a:r>
+            <a:r>
+              <a:rPr lang="fr-FR" dirty="0" smtClean="0"/>
+              <a:t> with JDT CodeMining</a:t>
+            </a:r>
+            <a:endParaRPr lang="fr-FR" dirty="0"/>
+          </a:p>
+        </p:txBody>
+      </p:sp>
+      <p:sp>
+        <p:nvSpPr>
+          <p:cNvPr id="3" name="Espace réservé du contenu 2"/>
+          <p:cNvSpPr>
+            <a:spLocks noGrp="1"/>
+          </p:cNvSpPr>
+          <p:nvPr>
+            <p:ph idx="1"/>
+          </p:nvPr>
+        </p:nvSpPr>
+        <p:spPr/>
+        <p:txBody>
+          <a:bodyPr/>
+          <a:lstStyle/>
+          <a:p>
+            <a:r>
+              <a:rPr lang="fr-FR" dirty="0" smtClean="0"/>
+              <a:t>TODO</a:t>
+            </a:r>
+            <a:endParaRPr lang="fr-FR" dirty="0"/>
+          </a:p>
+        </p:txBody>
+      </p:sp>
+    </p:spTree>
+    <p:extLst>
+      <p:ext uri="{BB962C8B-B14F-4D97-AF65-F5344CB8AC3E}">
+        <p14:creationId xmlns:p14="http://schemas.microsoft.com/office/powerpoint/2010/main" val="4230608180"/>
+      </p:ext>
+    </p:extLst>
+  </p:cSld>
+  <p:clrMapOvr>
+    <a:masterClrMapping/>
+  </p:clrMapOvr>
+  <p:timing>
+    <p:tnLst>
+      <p:par>
+        <p:cTn id="1" dur="indefinite" restart="never" nodeType="tmRoot"/>
+      </p:par>
+    </p:tnLst>
+  </p:timing>
+</p:sld>
+</file>
+
+<file path=ppt/slides/slide31.xml><?xml version="1.0" encoding="utf-8"?>
+<p:sld xmlns:a="http://schemas.openxmlformats.org/drawingml/2006/main" xmlns:r="http://schemas.openxmlformats.org/officeDocument/2006/relationships" xmlns:p="http://schemas.openxmlformats.org/presentationml/2006/main">
+  <p:cSld>
+    <p:spTree>
+      <p:nvGrpSpPr>
+        <p:cNvPr id="1" name=""/>
+        <p:cNvGrpSpPr/>
+        <p:nvPr/>
+      </p:nvGrpSpPr>
+      <p:grpSpPr>
+        <a:xfrm>
+          <a:off x="0" y="0"/>
+          <a:ext cx="0" cy="0"/>
+          <a:chOff x="0" y="0"/>
+          <a:chExt cx="0" cy="0"/>
+        </a:xfrm>
+      </p:grpSpPr>
+      <p:sp>
+        <p:nvSpPr>
+          <p:cNvPr id="2" name="Titre 1"/>
+          <p:cNvSpPr>
+            <a:spLocks noGrp="1"/>
+          </p:cNvSpPr>
+          <p:nvPr>
+            <p:ph type="title"/>
+          </p:nvPr>
+        </p:nvSpPr>
+        <p:spPr/>
+        <p:txBody>
+          <a:bodyPr>
+            <a:normAutofit fontScale="90000"/>
+          </a:bodyPr>
+          <a:lstStyle/>
+          <a:p>
+            <a:r>
+              <a:rPr lang="fr-FR" dirty="0" err="1" smtClean="0"/>
+              <a:t>Technical</a:t>
+            </a:r>
+            <a:r>
+              <a:rPr lang="fr-FR" dirty="0" smtClean="0"/>
+              <a:t> points</a:t>
+            </a:r>
+            <a:endParaRPr lang="fr-FR" dirty="0"/>
+          </a:p>
+        </p:txBody>
+      </p:sp>
+      <p:sp>
+        <p:nvSpPr>
+          <p:cNvPr id="3" name="Espace réservé du contenu 2"/>
+          <p:cNvSpPr>
+            <a:spLocks noGrp="1"/>
+          </p:cNvSpPr>
+          <p:nvPr>
+            <p:ph idx="1"/>
+          </p:nvPr>
+        </p:nvSpPr>
+        <p:spPr/>
+        <p:txBody>
+          <a:bodyPr>
+            <a:normAutofit fontScale="92500" lnSpcReduction="10000"/>
+          </a:bodyPr>
+          <a:lstStyle/>
+          <a:p>
+            <a:r>
+              <a:rPr lang="fr-FR" dirty="0" err="1" smtClean="0"/>
+              <a:t>Inlined</a:t>
+            </a:r>
+            <a:r>
+              <a:rPr lang="fr-FR" dirty="0" smtClean="0"/>
+              <a:t> annotation </a:t>
+            </a:r>
+            <a:r>
+              <a:rPr lang="fr-FR" dirty="0" err="1" smtClean="0"/>
+              <a:t>takes</a:t>
+            </a:r>
+            <a:r>
+              <a:rPr lang="fr-FR" dirty="0" smtClean="0"/>
+              <a:t> place by </a:t>
+            </a:r>
+            <a:r>
+              <a:rPr lang="fr-FR" dirty="0" err="1" smtClean="0"/>
+              <a:t>updating</a:t>
+            </a:r>
+            <a:r>
+              <a:rPr lang="fr-FR" dirty="0" smtClean="0"/>
+              <a:t> </a:t>
+            </a:r>
+            <a:r>
+              <a:rPr lang="fr-FR" b="1" dirty="0" err="1" smtClean="0"/>
+              <a:t>StyledText#setStyleRange</a:t>
+            </a:r>
+            <a:r>
+              <a:rPr lang="fr-FR" dirty="0" smtClean="0"/>
+              <a:t> / </a:t>
+            </a:r>
+            <a:r>
+              <a:rPr lang="fr-FR" b="1" dirty="0" err="1" smtClean="0"/>
+              <a:t>GlyphMetrics</a:t>
+            </a:r>
+            <a:r>
+              <a:rPr lang="fr-FR" dirty="0" smtClean="0"/>
+              <a:t>:</a:t>
+            </a:r>
+          </a:p>
+          <a:p>
+            <a:pPr lvl="1"/>
+            <a:r>
+              <a:rPr lang="fr-FR" dirty="0" smtClean="0"/>
+              <a:t>Line </a:t>
+            </a:r>
+            <a:r>
+              <a:rPr lang="fr-FR" b="1" dirty="0" smtClean="0"/>
+              <a:t>header</a:t>
+            </a:r>
+            <a:r>
+              <a:rPr lang="fr-FR" dirty="0" smtClean="0"/>
+              <a:t> </a:t>
+            </a:r>
+            <a:r>
+              <a:rPr lang="fr-FR" dirty="0" err="1" smtClean="0"/>
+              <a:t>Inlined</a:t>
+            </a:r>
+            <a:r>
+              <a:rPr lang="fr-FR" dirty="0" smtClean="0"/>
+              <a:t> annotation : </a:t>
+            </a:r>
+            <a:r>
+              <a:rPr lang="fr-FR" b="1" dirty="0" err="1" smtClean="0"/>
+              <a:t>GlyphMetrics</a:t>
+            </a:r>
+            <a:r>
+              <a:rPr lang="fr-FR" b="1" dirty="0" smtClean="0"/>
+              <a:t> </a:t>
+            </a:r>
+            <a:r>
+              <a:rPr lang="fr-FR" b="1" dirty="0" err="1" smtClean="0"/>
+              <a:t>ascent</a:t>
+            </a:r>
+            <a:r>
+              <a:rPr lang="fr-FR" dirty="0" smtClean="0"/>
+              <a:t> </a:t>
+            </a:r>
+            <a:r>
+              <a:rPr lang="fr-FR" dirty="0" err="1" smtClean="0"/>
+              <a:t>is</a:t>
+            </a:r>
+            <a:r>
+              <a:rPr lang="fr-FR" dirty="0" smtClean="0"/>
+              <a:t> </a:t>
+            </a:r>
+            <a:r>
+              <a:rPr lang="fr-FR" dirty="0" err="1" smtClean="0"/>
+              <a:t>updated</a:t>
+            </a:r>
+            <a:endParaRPr lang="fr-FR" dirty="0" smtClean="0"/>
+          </a:p>
+          <a:p>
+            <a:pPr lvl="1"/>
+            <a:r>
+              <a:rPr lang="fr-FR" dirty="0"/>
+              <a:t>Line </a:t>
+            </a:r>
+            <a:r>
+              <a:rPr lang="fr-FR" b="1" dirty="0" smtClean="0"/>
+              <a:t>content </a:t>
+            </a:r>
+            <a:r>
+              <a:rPr lang="fr-FR" dirty="0" err="1" smtClean="0"/>
+              <a:t>Inlined</a:t>
+            </a:r>
+            <a:r>
+              <a:rPr lang="fr-FR" dirty="0" smtClean="0"/>
+              <a:t> annotation :  </a:t>
+            </a:r>
+            <a:r>
+              <a:rPr lang="fr-FR" b="1" dirty="0" err="1"/>
+              <a:t>GlyphMetrics</a:t>
+            </a:r>
+            <a:r>
+              <a:rPr lang="fr-FR" b="1" dirty="0"/>
+              <a:t> </a:t>
+            </a:r>
+            <a:r>
+              <a:rPr lang="fr-FR" b="1" dirty="0" err="1" smtClean="0"/>
+              <a:t>width</a:t>
+            </a:r>
+            <a:r>
+              <a:rPr lang="fr-FR" dirty="0" smtClean="0"/>
+              <a:t> </a:t>
+            </a:r>
+            <a:r>
+              <a:rPr lang="fr-FR" dirty="0" err="1"/>
+              <a:t>is</a:t>
+            </a:r>
+            <a:r>
+              <a:rPr lang="fr-FR" dirty="0"/>
+              <a:t> </a:t>
+            </a:r>
+            <a:r>
+              <a:rPr lang="fr-FR" dirty="0" err="1" smtClean="0"/>
+              <a:t>updated</a:t>
+            </a:r>
+            <a:endParaRPr lang="fr-FR" dirty="0" smtClean="0"/>
+          </a:p>
+          <a:p>
+            <a:r>
+              <a:rPr lang="fr-FR" dirty="0" smtClean="0"/>
+              <a:t>Use of </a:t>
+            </a:r>
+            <a:r>
+              <a:rPr lang="fr-FR" b="1" dirty="0" err="1" smtClean="0"/>
+              <a:t>GlyphMetrics</a:t>
+            </a:r>
+            <a:r>
+              <a:rPr lang="fr-FR" dirty="0" smtClean="0"/>
+              <a:t> for a </a:t>
+            </a:r>
+            <a:r>
+              <a:rPr lang="fr-FR" dirty="0" err="1" smtClean="0"/>
+              <a:t>given</a:t>
+            </a:r>
+            <a:r>
+              <a:rPr lang="fr-FR" dirty="0" smtClean="0"/>
+              <a:t> offset replace </a:t>
+            </a:r>
+            <a:r>
+              <a:rPr lang="fr-FR" dirty="0" err="1" smtClean="0"/>
+              <a:t>text</a:t>
+            </a:r>
+            <a:r>
+              <a:rPr lang="fr-FR" dirty="0" smtClean="0"/>
+              <a:t> content</a:t>
+            </a:r>
+          </a:p>
+          <a:p>
+            <a:pPr lvl="1"/>
+            <a:r>
+              <a:rPr lang="fr-FR" dirty="0" err="1" smtClean="0"/>
+              <a:t>requires</a:t>
+            </a:r>
+            <a:r>
+              <a:rPr lang="fr-FR" dirty="0" smtClean="0"/>
+              <a:t> the </a:t>
+            </a:r>
+            <a:r>
+              <a:rPr lang="fr-FR" dirty="0" err="1" smtClean="0"/>
+              <a:t>redraw</a:t>
+            </a:r>
+            <a:r>
+              <a:rPr lang="fr-FR" dirty="0" smtClean="0"/>
+              <a:t> of the </a:t>
+            </a:r>
+            <a:r>
+              <a:rPr lang="fr-FR" dirty="0" err="1" smtClean="0"/>
+              <a:t>character</a:t>
+            </a:r>
+            <a:endParaRPr lang="fr-FR" dirty="0" smtClean="0"/>
+          </a:p>
+          <a:p>
+            <a:r>
+              <a:rPr lang="fr-FR" b="1" dirty="0" err="1" smtClean="0"/>
+              <a:t>StyledText</a:t>
+            </a:r>
+            <a:r>
+              <a:rPr lang="fr-FR" dirty="0" smtClean="0"/>
+              <a:t> </a:t>
+            </a:r>
+            <a:r>
+              <a:rPr lang="fr-FR" dirty="0" err="1" smtClean="0"/>
+              <a:t>was</a:t>
+            </a:r>
+            <a:r>
+              <a:rPr lang="fr-FR" dirty="0" smtClean="0"/>
+              <a:t> been </a:t>
+            </a:r>
+            <a:r>
+              <a:rPr lang="fr-FR" dirty="0" err="1" smtClean="0"/>
+              <a:t>improved</a:t>
+            </a:r>
+            <a:endParaRPr lang="fr-FR" dirty="0" smtClean="0"/>
+          </a:p>
+          <a:p>
+            <a:pPr lvl="1"/>
+            <a:r>
+              <a:rPr lang="fr-FR" dirty="0" err="1" smtClean="0"/>
+              <a:t>Height</a:t>
+            </a:r>
+            <a:r>
+              <a:rPr lang="fr-FR" dirty="0" smtClean="0"/>
+              <a:t> </a:t>
+            </a:r>
+            <a:r>
+              <a:rPr lang="fr-FR" dirty="0" err="1" smtClean="0"/>
+              <a:t>cursor</a:t>
+            </a:r>
+            <a:r>
+              <a:rPr lang="fr-FR" dirty="0" smtClean="0"/>
+              <a:t>: line header annotation must not have </a:t>
+            </a:r>
+            <a:r>
+              <a:rPr lang="fr-FR" dirty="0" err="1" smtClean="0"/>
+              <a:t>cursor</a:t>
+            </a:r>
+            <a:endParaRPr lang="fr-FR" dirty="0" smtClean="0"/>
+          </a:p>
+          <a:p>
+            <a:pPr lvl="1"/>
+            <a:r>
+              <a:rPr lang="fr-FR" dirty="0" err="1" smtClean="0"/>
+              <a:t>Improve</a:t>
+            </a:r>
+            <a:r>
+              <a:rPr lang="fr-FR" dirty="0" smtClean="0"/>
+              <a:t> performance:  with variable line </a:t>
+            </a:r>
+            <a:r>
+              <a:rPr lang="fr-FR" dirty="0" err="1" smtClean="0"/>
+              <a:t>height</a:t>
+            </a:r>
+            <a:r>
+              <a:rPr lang="fr-FR" dirty="0" smtClean="0"/>
+              <a:t> (</a:t>
+            </a:r>
+            <a:r>
+              <a:rPr lang="fr-FR" dirty="0" err="1" smtClean="0"/>
+              <a:t>word</a:t>
+            </a:r>
+            <a:r>
+              <a:rPr lang="fr-FR" dirty="0" smtClean="0"/>
+              <a:t> wrap)</a:t>
+            </a:r>
+          </a:p>
+          <a:p>
+            <a:r>
+              <a:rPr lang="fr-FR" b="1" dirty="0" smtClean="0"/>
+              <a:t>Line </a:t>
+            </a:r>
+            <a:r>
+              <a:rPr lang="fr-FR" b="1" dirty="0" err="1" smtClean="0"/>
+              <a:t>number</a:t>
+            </a:r>
+            <a:r>
+              <a:rPr lang="fr-FR" b="1" dirty="0" smtClean="0"/>
+              <a:t> / </a:t>
+            </a:r>
+            <a:r>
+              <a:rPr lang="fr-FR" b="1" dirty="0" err="1" smtClean="0"/>
+              <a:t>Fold</a:t>
+            </a:r>
+            <a:r>
+              <a:rPr lang="fr-FR" b="1" dirty="0" smtClean="0"/>
+              <a:t> </a:t>
+            </a:r>
+            <a:r>
+              <a:rPr lang="fr-FR" b="1" dirty="0" err="1" smtClean="0"/>
+              <a:t>icon</a:t>
+            </a:r>
+            <a:r>
+              <a:rPr lang="fr-FR" dirty="0" smtClean="0"/>
+              <a:t> location</a:t>
+            </a:r>
+          </a:p>
+        </p:txBody>
+      </p:sp>
+    </p:spTree>
+    <p:extLst>
+      <p:ext uri="{BB962C8B-B14F-4D97-AF65-F5344CB8AC3E}">
+        <p14:creationId xmlns:p14="http://schemas.microsoft.com/office/powerpoint/2010/main" val="257407320"/>
+      </p:ext>
+    </p:extLst>
+  </p:cSld>
+  <p:clrMapOvr>
+    <a:masterClrMapping/>
+  </p:clrMapOvr>
+  <p:timing>
+    <p:tnLst>
+      <p:par>
+        <p:cTn id="1" dur="indefinite" restart="never" nodeType="tmRoot"/>
+      </p:par>
+    </p:tnLst>
+  </p:timing>
+</p:sld>
+</file>
+
+<file path=ppt/slides/slide32.xml><?xml version="1.0" encoding="utf-8"?>
+<p:sld xmlns:a="http://schemas.openxmlformats.org/drawingml/2006/main" xmlns:r="http://schemas.openxmlformats.org/officeDocument/2006/relationships" xmlns:p="http://schemas.openxmlformats.org/presentationml/2006/main">
+  <p:cSld>
+    <p:spTree>
+      <p:nvGrpSpPr>
+        <p:cNvPr id="1" name=""/>
+        <p:cNvGrpSpPr/>
+        <p:nvPr/>
+      </p:nvGrpSpPr>
+      <p:grpSpPr>
+        <a:xfrm>
+          <a:off x="0" y="0"/>
+          <a:ext cx="0" cy="0"/>
+          <a:chOff x="0" y="0"/>
+          <a:chExt cx="0" cy="0"/>
+        </a:xfrm>
+      </p:grpSpPr>
+      <p:sp>
+        <p:nvSpPr>
+          <p:cNvPr id="2" name="Titre 1"/>
+          <p:cNvSpPr>
+            <a:spLocks noGrp="1"/>
+          </p:cNvSpPr>
+          <p:nvPr>
+            <p:ph type="title"/>
+          </p:nvPr>
+        </p:nvSpPr>
+        <p:spPr/>
+        <p:txBody>
+          <a:bodyPr>
+            <a:normAutofit fontScale="90000"/>
+          </a:bodyPr>
+          <a:lstStyle/>
+          <a:p>
+            <a:r>
+              <a:rPr lang="fr-FR" dirty="0" smtClean="0"/>
+              <a:t>Issues</a:t>
+            </a:r>
+            <a:endParaRPr lang="fr-FR" dirty="0"/>
+          </a:p>
+        </p:txBody>
+      </p:sp>
+      <p:sp>
+        <p:nvSpPr>
+          <p:cNvPr id="3" name="Espace réservé du contenu 2"/>
+          <p:cNvSpPr>
+            <a:spLocks noGrp="1"/>
+          </p:cNvSpPr>
+          <p:nvPr>
+            <p:ph idx="1"/>
+          </p:nvPr>
+        </p:nvSpPr>
+        <p:spPr/>
+        <p:txBody>
+          <a:bodyPr/>
+          <a:lstStyle/>
+          <a:p>
+            <a:r>
+              <a:rPr lang="fr-FR" dirty="0" smtClean="0"/>
+              <a:t>Eclipse </a:t>
+            </a:r>
+            <a:r>
+              <a:rPr lang="fr-FR" dirty="0" err="1" smtClean="0"/>
+              <a:t>Bugzilla</a:t>
+            </a:r>
+            <a:r>
+              <a:rPr lang="fr-FR" dirty="0" smtClean="0"/>
+              <a:t>: tag </a:t>
+            </a:r>
+            <a:r>
+              <a:rPr lang="fr-FR" dirty="0" err="1" smtClean="0"/>
+              <a:t>title</a:t>
+            </a:r>
+            <a:r>
+              <a:rPr lang="fr-FR" dirty="0" smtClean="0"/>
+              <a:t> </a:t>
+            </a:r>
+            <a:r>
+              <a:rPr lang="fr-FR" dirty="0" err="1" smtClean="0"/>
+              <a:t>with</a:t>
+            </a:r>
+            <a:r>
+              <a:rPr lang="fr-FR" dirty="0" smtClean="0"/>
+              <a:t> </a:t>
+            </a:r>
+            <a:r>
+              <a:rPr lang="fr-FR" b="1" dirty="0" smtClean="0"/>
+              <a:t>[code </a:t>
+            </a:r>
+            <a:r>
+              <a:rPr lang="fr-FR" b="1" dirty="0" err="1" smtClean="0"/>
+              <a:t>mining</a:t>
+            </a:r>
+            <a:r>
+              <a:rPr lang="fr-FR" b="1" dirty="0" smtClean="0"/>
+              <a:t>]</a:t>
+            </a:r>
+          </a:p>
+          <a:p>
+            <a:pPr lvl="2"/>
+            <a:r>
+              <a:rPr lang="fr-FR" dirty="0" smtClean="0"/>
+              <a:t>SWT</a:t>
+            </a:r>
+          </a:p>
+          <a:p>
+            <a:pPr lvl="2"/>
+            <a:r>
+              <a:rPr lang="fr-FR" dirty="0" err="1" smtClean="0"/>
+              <a:t>Text</a:t>
+            </a:r>
+            <a:endParaRPr lang="fr-FR" dirty="0" smtClean="0"/>
+          </a:p>
+          <a:p>
+            <a:r>
+              <a:rPr lang="fr-FR" dirty="0" smtClean="0"/>
+              <a:t>JDT </a:t>
+            </a:r>
+            <a:r>
+              <a:rPr lang="fr-FR" dirty="0" err="1" smtClean="0"/>
+              <a:t>CodeMining</a:t>
+            </a:r>
+            <a:r>
+              <a:rPr lang="fr-FR" dirty="0" smtClean="0"/>
+              <a:t> </a:t>
+            </a:r>
+            <a:r>
+              <a:rPr lang="fr-FR" dirty="0" err="1" smtClean="0"/>
+              <a:t>github</a:t>
+            </a:r>
+            <a:endParaRPr lang="fr-FR" dirty="0" smtClean="0"/>
+          </a:p>
+        </p:txBody>
+      </p:sp>
+    </p:spTree>
+    <p:extLst>
+      <p:ext uri="{BB962C8B-B14F-4D97-AF65-F5344CB8AC3E}">
+        <p14:creationId xmlns:p14="http://schemas.microsoft.com/office/powerpoint/2010/main" val="3383159057"/>
+      </p:ext>
+    </p:extLst>
+  </p:cSld>
+  <p:clrMapOvr>
+    <a:masterClrMapping/>
+  </p:clrMapOvr>
+  <p:timing>
+    <p:tnLst>
+      <p:par>
+        <p:cTn id="1" dur="indefinite" restart="never" nodeType="tmRoot"/>
+      </p:par>
+    </p:tnLst>
+  </p:timing>
+</p:sld>
+</file>
+
+<file path=ppt/slides/slide33.xml><?xml version="1.0" encoding="utf-8"?>
+<p:sld xmlns:a="http://schemas.openxmlformats.org/drawingml/2006/main" xmlns:r="http://schemas.openxmlformats.org/officeDocument/2006/relationships" xmlns:p="http://schemas.openxmlformats.org/presentationml/2006/main">
+  <p:cSld>
+    <p:spTree>
+      <p:nvGrpSpPr>
+        <p:cNvPr id="1" name=""/>
+        <p:cNvGrpSpPr/>
+        <p:nvPr/>
+      </p:nvGrpSpPr>
+      <p:grpSpPr>
+        <a:xfrm>
+          <a:off x="0" y="0"/>
+          <a:ext cx="0" cy="0"/>
+          <a:chOff x="0" y="0"/>
+          <a:chExt cx="0" cy="0"/>
+        </a:xfrm>
+      </p:grpSpPr>
+      <p:sp>
+        <p:nvSpPr>
+          <p:cNvPr id="2" name="Titre 1"/>
+          <p:cNvSpPr>
+            <a:spLocks noGrp="1"/>
+          </p:cNvSpPr>
+          <p:nvPr>
+            <p:ph type="title"/>
+          </p:nvPr>
+        </p:nvSpPr>
+        <p:spPr/>
+        <p:txBody>
+          <a:bodyPr>
+            <a:normAutofit fontScale="90000"/>
+          </a:bodyPr>
+          <a:lstStyle/>
+          <a:p>
+            <a:r>
+              <a:rPr lang="fr-FR" dirty="0" err="1" smtClean="0"/>
+              <a:t>What’s</a:t>
+            </a:r>
+            <a:r>
+              <a:rPr lang="fr-FR" dirty="0" smtClean="0"/>
+              <a:t> </a:t>
+            </a:r>
+            <a:r>
+              <a:rPr lang="fr-FR" dirty="0" err="1" smtClean="0"/>
+              <a:t>next</a:t>
+            </a:r>
+            <a:r>
+              <a:rPr lang="fr-FR" dirty="0" smtClean="0"/>
+              <a:t>?</a:t>
+            </a:r>
+            <a:endParaRPr lang="fr-FR" dirty="0"/>
+          </a:p>
+        </p:txBody>
+      </p:sp>
+      <p:sp>
+        <p:nvSpPr>
+          <p:cNvPr id="3" name="Espace réservé du contenu 2"/>
+          <p:cNvSpPr>
+            <a:spLocks noGrp="1"/>
+          </p:cNvSpPr>
+          <p:nvPr>
+            <p:ph idx="1"/>
+          </p:nvPr>
+        </p:nvSpPr>
+        <p:spPr/>
+        <p:txBody>
+          <a:bodyPr/>
+          <a:lstStyle/>
+          <a:p>
+            <a:r>
+              <a:rPr lang="fr-FR" dirty="0" err="1" smtClean="0"/>
+              <a:t>Improvements</a:t>
+            </a:r>
+            <a:endParaRPr lang="fr-FR" dirty="0" smtClean="0"/>
+          </a:p>
+          <a:p>
+            <a:pPr lvl="1"/>
+            <a:r>
+              <a:rPr lang="fr-FR" dirty="0" err="1" smtClean="0"/>
+              <a:t>Don’t</a:t>
+            </a:r>
+            <a:r>
+              <a:rPr lang="fr-FR" dirty="0" smtClean="0"/>
+              <a:t> </a:t>
+            </a:r>
+            <a:r>
+              <a:rPr lang="fr-FR" dirty="0" err="1" smtClean="0"/>
+              <a:t>redraw</a:t>
+            </a:r>
+            <a:r>
+              <a:rPr lang="fr-FR" dirty="0" smtClean="0"/>
+              <a:t> </a:t>
+            </a:r>
+            <a:r>
+              <a:rPr lang="fr-FR" dirty="0" err="1" smtClean="0"/>
+              <a:t>character</a:t>
+            </a:r>
+            <a:r>
+              <a:rPr lang="fr-FR" dirty="0"/>
+              <a:t>: https://bugs.eclipse.org/bugs/show_bug.cgi?id=531769</a:t>
+            </a:r>
+            <a:endParaRPr lang="fr-FR" dirty="0" smtClean="0"/>
+          </a:p>
+          <a:p>
+            <a:pPr lvl="1"/>
+            <a:r>
+              <a:rPr lang="fr-FR" dirty="0" err="1" smtClean="0"/>
+              <a:t>StyledText</a:t>
+            </a:r>
+            <a:r>
+              <a:rPr lang="fr-FR" dirty="0"/>
+              <a:t> </a:t>
+            </a:r>
+            <a:r>
+              <a:rPr lang="fr-FR" dirty="0" err="1" smtClean="0"/>
+              <a:t>should</a:t>
+            </a:r>
+            <a:r>
+              <a:rPr lang="fr-FR" dirty="0" smtClean="0"/>
+              <a:t> </a:t>
+            </a:r>
+            <a:r>
+              <a:rPr lang="fr-FR" dirty="0" err="1" smtClean="0"/>
+              <a:t>provide</a:t>
+            </a:r>
+            <a:r>
+              <a:rPr lang="fr-FR" dirty="0" smtClean="0"/>
+              <a:t> a </a:t>
+            </a:r>
+            <a:r>
+              <a:rPr lang="fr-FR" b="1" dirty="0" err="1" smtClean="0"/>
+              <a:t>getLineCodeHeight</a:t>
+            </a:r>
+            <a:r>
+              <a:rPr lang="fr-FR" dirty="0" smtClean="0"/>
+              <a:t> </a:t>
+            </a:r>
+            <a:r>
+              <a:rPr lang="fr-FR" dirty="0" err="1" smtClean="0"/>
+              <a:t>used</a:t>
+            </a:r>
+            <a:r>
+              <a:rPr lang="fr-FR" dirty="0" smtClean="0"/>
+              <a:t> for JDT </a:t>
+            </a:r>
+            <a:r>
+              <a:rPr lang="fr-FR" dirty="0" err="1" smtClean="0"/>
+              <a:t>refactor</a:t>
+            </a:r>
+            <a:r>
+              <a:rPr lang="fr-FR" dirty="0" smtClean="0"/>
+              <a:t>, mark occurrences, line </a:t>
+            </a:r>
+            <a:r>
+              <a:rPr lang="fr-FR" dirty="0" err="1" smtClean="0"/>
+              <a:t>highlight</a:t>
+            </a:r>
+            <a:r>
+              <a:rPr lang="fr-FR" dirty="0" smtClean="0"/>
+              <a:t> bug </a:t>
+            </a:r>
+            <a:r>
+              <a:rPr lang="fr-FR" dirty="0" err="1" smtClean="0"/>
+              <a:t>with</a:t>
+            </a:r>
+            <a:r>
+              <a:rPr lang="fr-FR" dirty="0" smtClean="0"/>
+              <a:t> </a:t>
+            </a:r>
+            <a:r>
+              <a:rPr lang="fr-FR" dirty="0" err="1" smtClean="0"/>
+              <a:t>dark</a:t>
+            </a:r>
+            <a:r>
+              <a:rPr lang="fr-FR" dirty="0" smtClean="0"/>
+              <a:t>: TODO </a:t>
+            </a:r>
+            <a:r>
+              <a:rPr lang="fr-FR" dirty="0" err="1" smtClean="0"/>
+              <a:t>describe</a:t>
+            </a:r>
+            <a:r>
+              <a:rPr lang="fr-FR" dirty="0" smtClean="0"/>
+              <a:t> </a:t>
+            </a:r>
+            <a:r>
+              <a:rPr lang="fr-FR" dirty="0" err="1" smtClean="0"/>
+              <a:t>those</a:t>
+            </a:r>
+            <a:r>
+              <a:rPr lang="fr-FR" dirty="0" smtClean="0"/>
+              <a:t> issues</a:t>
+            </a:r>
+            <a:endParaRPr lang="fr-FR" dirty="0"/>
+          </a:p>
+          <a:p>
+            <a:r>
+              <a:rPr lang="fr-FR" dirty="0" smtClean="0"/>
+              <a:t>Bugs:</a:t>
+            </a:r>
+          </a:p>
+          <a:p>
+            <a:pPr lvl="1"/>
+            <a:r>
+              <a:rPr lang="fr-FR" dirty="0" smtClean="0"/>
+              <a:t>In </a:t>
+            </a:r>
+            <a:r>
+              <a:rPr lang="fr-FR" dirty="0" err="1" smtClean="0"/>
+              <a:t>MacOS</a:t>
+            </a:r>
+            <a:r>
+              <a:rPr lang="fr-FR" dirty="0" smtClean="0"/>
+              <a:t>: </a:t>
+            </a:r>
+            <a:r>
+              <a:rPr lang="fr-FR" dirty="0" err="1" smtClean="0"/>
+              <a:t>bad</a:t>
+            </a:r>
+            <a:r>
+              <a:rPr lang="fr-FR" dirty="0" smtClean="0"/>
+              <a:t> </a:t>
+            </a:r>
+            <a:r>
+              <a:rPr lang="fr-FR" dirty="0" err="1" smtClean="0"/>
+              <a:t>renderer</a:t>
+            </a:r>
+            <a:endParaRPr lang="fr-FR" dirty="0" smtClean="0"/>
+          </a:p>
+        </p:txBody>
+      </p:sp>
+    </p:spTree>
+    <p:extLst>
+      <p:ext uri="{BB962C8B-B14F-4D97-AF65-F5344CB8AC3E}">
+        <p14:creationId xmlns:p14="http://schemas.microsoft.com/office/powerpoint/2010/main" val="2251645700"/>
+      </p:ext>
+    </p:extLst>
+  </p:cSld>
+  <p:clrMapOvr>
+    <a:masterClrMapping/>
+  </p:clrMapOvr>
+  <p:timing>
+    <p:tnLst>
+      <p:par>
+        <p:cTn id="1" dur="indefinite" restart="never" nodeType="tmRoot"/>
+      </p:par>
+    </p:tnLst>
+  </p:timing>
+</p:sld>
+</file>
+
+<file path=ppt/slides/slide34.xml><?xml version="1.0" encoding="utf-8"?>
+<p:sld xmlns:a="http://schemas.openxmlformats.org/drawingml/2006/main" xmlns:r="http://schemas.openxmlformats.org/officeDocument/2006/relationships" xmlns:p="http://schemas.openxmlformats.org/presentationml/2006/main">
+  <p:cSld>
+    <p:bg>
+      <p:bgPr>
+        <a:solidFill>
+          <a:schemeClr val="bg1"/>
+        </a:solidFill>
+        <a:effectLst/>
+      </p:bgPr>
+    </p:bg>
+    <p:spTree>
+      <p:nvGrpSpPr>
+        <p:cNvPr id="1" name=""/>
+        <p:cNvGrpSpPr/>
+        <p:nvPr/>
+      </p:nvGrpSpPr>
+      <p:grpSpPr>
+        <a:xfrm>
+          <a:off x="0" y="0"/>
+          <a:ext cx="0" cy="0"/>
+          <a:chOff x="0" y="0"/>
+          <a:chExt cx="0" cy="0"/>
+        </a:xfrm>
+      </p:grpSpPr>
+      <p:sp>
+        <p:nvSpPr>
+          <p:cNvPr id="2" name="Titre 1"/>
+          <p:cNvSpPr>
+            <a:spLocks noGrp="1"/>
+          </p:cNvSpPr>
+          <p:nvPr>
+            <p:ph type="title"/>
+          </p:nvPr>
+        </p:nvSpPr>
+        <p:spPr/>
+        <p:txBody>
+          <a:bodyPr>
+            <a:normAutofit fontScale="90000"/>
+          </a:bodyPr>
+          <a:lstStyle/>
+          <a:p>
+            <a:r>
+              <a:rPr lang="fr-FR" dirty="0" err="1" smtClean="0"/>
+              <a:t>Thanks</a:t>
+            </a:r>
+            <a:r>
+              <a:rPr lang="fr-FR" dirty="0" smtClean="0"/>
+              <a:t>!</a:t>
+            </a:r>
+            <a:endParaRPr lang="fr-FR" dirty="0"/>
+          </a:p>
+        </p:txBody>
+      </p:sp>
+      <p:sp>
+        <p:nvSpPr>
+          <p:cNvPr id="3" name="Espace réservé du contenu 2"/>
+          <p:cNvSpPr>
+            <a:spLocks noGrp="1"/>
+          </p:cNvSpPr>
+          <p:nvPr>
+            <p:ph idx="1"/>
+          </p:nvPr>
+        </p:nvSpPr>
+        <p:spPr/>
+        <p:txBody>
+          <a:bodyPr/>
+          <a:lstStyle/>
+          <a:p>
+            <a:r>
+              <a:rPr lang="fr-FR" b="1" dirty="0" smtClean="0"/>
+              <a:t>Mickael </a:t>
+            </a:r>
+            <a:r>
+              <a:rPr lang="fr-FR" b="1" dirty="0" err="1" smtClean="0"/>
+              <a:t>Istria</a:t>
+            </a:r>
+            <a:r>
+              <a:rPr lang="fr-FR" dirty="0" smtClean="0"/>
+              <a:t> for </a:t>
+            </a:r>
+            <a:r>
+              <a:rPr lang="fr-FR" dirty="0" err="1" smtClean="0"/>
+              <a:t>her</a:t>
+            </a:r>
+            <a:r>
+              <a:rPr lang="fr-FR" dirty="0"/>
+              <a:t> </a:t>
+            </a:r>
+            <a:r>
+              <a:rPr lang="fr-FR" dirty="0" err="1" smtClean="0"/>
+              <a:t>review</a:t>
+            </a:r>
+            <a:r>
+              <a:rPr lang="fr-FR" dirty="0" smtClean="0"/>
+              <a:t> code</a:t>
+            </a:r>
+          </a:p>
+          <a:p>
+            <a:r>
+              <a:rPr lang="fr-FR" b="1" dirty="0" smtClean="0"/>
+              <a:t>Dani </a:t>
+            </a:r>
+            <a:r>
+              <a:rPr lang="fr-FR" b="1" dirty="0" err="1" smtClean="0"/>
+              <a:t>Megert</a:t>
+            </a:r>
+            <a:r>
+              <a:rPr lang="fr-FR" b="1" dirty="0" smtClean="0"/>
+              <a:t> </a:t>
+            </a:r>
+            <a:r>
+              <a:rPr lang="fr-FR" dirty="0" smtClean="0"/>
+              <a:t>and JDT Team</a:t>
+            </a:r>
+          </a:p>
+          <a:p>
+            <a:r>
+              <a:rPr lang="fr-FR" b="1" dirty="0" smtClean="0"/>
+              <a:t>Lars Vogel</a:t>
+            </a:r>
+            <a:r>
+              <a:rPr lang="fr-FR" dirty="0" smtClean="0"/>
+              <a:t> for JDT Code Mining feedbacks</a:t>
+            </a:r>
+          </a:p>
+          <a:p>
+            <a:r>
+              <a:rPr lang="fr-FR" b="1" dirty="0" smtClean="0"/>
+              <a:t>Karsten </a:t>
+            </a:r>
+            <a:r>
+              <a:rPr lang="fr-FR" b="1" dirty="0" err="1" smtClean="0"/>
+              <a:t>Thoms</a:t>
+            </a:r>
+            <a:r>
+              <a:rPr lang="fr-FR" dirty="0" smtClean="0"/>
+              <a:t> </a:t>
+            </a:r>
+            <a:r>
+              <a:rPr lang="fr-FR" dirty="0"/>
+              <a:t>for </a:t>
+            </a:r>
+            <a:r>
+              <a:rPr lang="fr-FR" dirty="0" err="1"/>
+              <a:t>CodeMining</a:t>
+            </a:r>
+            <a:r>
+              <a:rPr lang="fr-FR" dirty="0"/>
+              <a:t> </a:t>
+            </a:r>
+            <a:r>
+              <a:rPr lang="fr-FR" dirty="0" err="1"/>
+              <a:t>integration</a:t>
+            </a:r>
+            <a:r>
+              <a:rPr lang="fr-FR" dirty="0"/>
+              <a:t> in </a:t>
+            </a:r>
+            <a:r>
+              <a:rPr lang="fr-FR" dirty="0" err="1" smtClean="0"/>
+              <a:t>XText</a:t>
+            </a:r>
+            <a:endParaRPr lang="fr-FR" dirty="0" smtClean="0"/>
+          </a:p>
+          <a:p>
+            <a:r>
+              <a:rPr lang="fr-FR" b="1" dirty="0" smtClean="0"/>
+              <a:t>Martin </a:t>
+            </a:r>
+            <a:r>
+              <a:rPr lang="fr-FR" b="1" dirty="0" err="1" smtClean="0"/>
+              <a:t>Lippert</a:t>
+            </a:r>
+            <a:r>
+              <a:rPr lang="fr-FR" dirty="0" smtClean="0"/>
+              <a:t> for </a:t>
+            </a:r>
+            <a:r>
+              <a:rPr lang="fr-FR" dirty="0" err="1" smtClean="0"/>
+              <a:t>CodeMining</a:t>
+            </a:r>
+            <a:r>
+              <a:rPr lang="fr-FR" dirty="0" smtClean="0"/>
+              <a:t> </a:t>
+            </a:r>
+            <a:r>
+              <a:rPr lang="fr-FR" dirty="0" err="1" smtClean="0"/>
+              <a:t>integration</a:t>
+            </a:r>
+            <a:r>
+              <a:rPr lang="fr-FR" dirty="0" smtClean="0"/>
+              <a:t> in </a:t>
+            </a:r>
+            <a:r>
+              <a:rPr lang="fr-FR" dirty="0" err="1" smtClean="0"/>
+              <a:t>Spring</a:t>
+            </a:r>
+            <a:r>
+              <a:rPr lang="fr-FR" dirty="0" smtClean="0"/>
+              <a:t> Tools 4</a:t>
+            </a:r>
+            <a:endParaRPr lang="fr-FR" dirty="0"/>
+          </a:p>
+        </p:txBody>
+      </p:sp>
+    </p:spTree>
+    <p:extLst>
+      <p:ext uri="{BB962C8B-B14F-4D97-AF65-F5344CB8AC3E}">
+        <p14:creationId xmlns:p14="http://schemas.microsoft.com/office/powerpoint/2010/main" val="3625735188"/>
       </p:ext>
     </p:extLst>
   </p:cSld>
@@ -18837,34 +20378,41 @@
           <a:lstStyle/>
           <a:p>
             <a:r>
-              <a:rPr lang="fr-FR" dirty="0" err="1" smtClean="0"/>
-              <a:t>What</a:t>
-            </a:r>
-            <a:r>
-              <a:rPr lang="fr-FR" dirty="0" smtClean="0"/>
+              <a:rPr lang="fr-FR" dirty="0"/>
+              <a:t>How </a:t>
+            </a:r>
+            <a:r>
+              <a:rPr lang="fr-FR" dirty="0" err="1"/>
+              <a:t>can</a:t>
+            </a:r>
+            <a:r>
+              <a:rPr lang="fr-FR" dirty="0"/>
               <a:t> </a:t>
             </a:r>
             <a:r>
-              <a:rPr lang="fr-FR" dirty="0" err="1" smtClean="0"/>
-              <a:t>is</a:t>
-            </a:r>
-            <a:r>
-              <a:rPr lang="fr-FR" dirty="0" smtClean="0"/>
+              <a:rPr lang="fr-FR" b="1" dirty="0" err="1"/>
+              <a:t>inlined</a:t>
+            </a:r>
+            <a:r>
+              <a:rPr lang="fr-FR" b="1" dirty="0"/>
+              <a:t> annotations </a:t>
+            </a:r>
+            <a:r>
+              <a:rPr lang="fr-FR" dirty="0" err="1"/>
+              <a:t>enrich</a:t>
+            </a:r>
+            <a:r>
+              <a:rPr lang="fr-FR" dirty="0"/>
               <a:t> </a:t>
             </a:r>
             <a:r>
               <a:rPr lang="fr-FR" dirty="0" err="1"/>
-              <a:t>i</a:t>
-            </a:r>
-            <a:r>
-              <a:rPr lang="fr-FR" dirty="0" err="1" smtClean="0"/>
-              <a:t>nlined</a:t>
-            </a:r>
-            <a:r>
-              <a:rPr lang="fr-FR" dirty="0" smtClean="0"/>
-              <a:t> annotation?</a:t>
-            </a:r>
-            <a:endParaRPr lang="fr-FR" dirty="0"/>
+              <a:t>my</a:t>
+            </a:r>
+            <a:r>
+              <a:rPr lang="fr-FR" dirty="0"/>
+              <a:t> editor?</a:t>
+            </a:r>
           </a:p>
         </p:txBody>
       </p:sp>
@@ -18881,17 +20429,21 @@
         <p:spPr/>
         <p:txBody>
           <a:bodyPr>
-            <a:normAutofit/>
+            <a:normAutofit fontScale="92500" lnSpcReduction="10000"/>
           </a:bodyPr>
           <a:lstStyle/>
           <a:p>
             <a:r>
-              <a:rPr lang="fr-FR" dirty="0" err="1" smtClean="0"/>
-              <a:t>Definition</a:t>
-            </a:r>
-            <a:r>
-              <a:rPr lang="fr-FR" dirty="0" smtClean="0"/>
-              <a:t>: annotation which </a:t>
+              <a:rPr lang="fr-FR" dirty="0"/>
+              <a:t>A</a:t>
+            </a:r>
+            <a:r>
+              <a:rPr lang="fr-FR" dirty="0" smtClean="0"/>
+              <a:t>nnotation </a:t>
+            </a:r>
+            <a:r>
+              <a:rPr lang="fr-FR" dirty="0" smtClean="0"/>
+              <a:t>which </a:t>
             </a:r>
             <a:r>
               <a:rPr lang="en-US" dirty="0"/>
@@ -18985,20 +20537,32 @@
             </a:r>
             <a:r>
               <a:rPr lang="fr-FR" dirty="0" smtClean="0"/>
-              <a:t> (</a:t>
-            </a:r>
+              <a:t>:</a:t>
+            </a:r>
+          </a:p>
+          <a:p>
+            <a:pPr lvl="1"/>
             <a:r>
               <a:rPr lang="fr-FR" dirty="0" err="1" smtClean="0"/>
               <a:t>text</a:t>
             </a:r>
-            <a:r>
-              <a:rPr lang="fr-FR" dirty="0" smtClean="0"/>
-              <a:t>, image)</a:t>
-            </a:r>
-          </a:p>
-          <a:p>
-            <a:r>
-              <a:rPr lang="fr-FR" dirty="0" err="1" smtClean="0"/>
+            <a:endParaRPr lang="fr-FR" dirty="0" smtClean="0"/>
+          </a:p>
+          <a:p>
+            <a:pPr lvl="1"/>
+            <a:r>
+              <a:rPr lang="fr-FR" dirty="0" err="1" smtClean="0"/>
+              <a:t>graphics</a:t>
+            </a:r>
+            <a:r>
+              <a:rPr lang="fr-FR" dirty="0" smtClean="0"/>
+              <a:t>, …</a:t>
+            </a:r>
+            <a:endParaRPr lang="fr-FR" dirty="0" smtClean="0"/>
+          </a:p>
+          <a:p>
+            <a:r>
+              <a:rPr lang="fr-FR" b="1" dirty="0" err="1" smtClean="0"/>
               <a:t>Clickable</a:t>
             </a:r>
             <a:r>
@@ -19015,7 +20579,11 @@
             </a:r>
             <a:r>
               <a:rPr lang="fr-FR" dirty="0" smtClean="0"/>
-              <a:t>a custom action</a:t>
+              <a:t>a </a:t>
+            </a:r>
+            <a:r>
+              <a:rPr lang="fr-FR" b="1" dirty="0" smtClean="0"/>
+              <a:t>custom action</a:t>
             </a:r>
             <a:r>
               <a:rPr lang="fr-FR" dirty="0" smtClean="0"/>
@@ -19108,7 +20676,15 @@
             </a:r>
             <a:r>
               <a:rPr lang="fr-FR" dirty="0" smtClean="0"/>
-              <a:t> Annotation - API</a:t>
+              <a:t> Annotation </a:t>
+            </a:r>
+            <a:r>
+              <a:rPr lang="fr-FR" dirty="0" smtClean="0"/>
+              <a:t>– API - </a:t>
+            </a:r>
+            <a:r>
+              <a:rPr lang="fr-FR" dirty="0" err="1" smtClean="0"/>
+              <a:t>Overview</a:t>
             </a:r>
             <a:endParaRPr lang="fr-FR" dirty="0"/>
           </a:p>
@@ -19127,104 +20703,25 @@
         <p:spPr/>
         <p:txBody>
           <a:bodyPr>
-            <a:normAutofit fontScale="77500" lnSpcReduction="20000"/>
+            <a:normAutofit fontScale="92500"/>
           </a:bodyPr>
           <a:lstStyle/>
           <a:p>
             <a:r>
+              <a:rPr lang="en-US" dirty="0" smtClean="0"/>
+              <a:t>2 annotations kind:</a:t>
+            </a:r>
+          </a:p>
+          <a:p>
+            <a:pPr lvl="1"/>
+            <a:r>
               <a:rPr lang="en-US" b="1" dirty="0" err="1" smtClean="0"/>
-              <a:t>AbstractInlinedAnnotation</a:t>
-            </a:r>
-            <a:r>
-              <a:rPr lang="en-US" b="1" dirty="0" smtClean="0"/>
-              <a:t>  </a:t>
-            </a:r>
-            <a:r>
-              <a:rPr lang="en-US" dirty="0" smtClean="0"/>
-              <a:t>is base class:</a:t>
-            </a:r>
+              <a:t>LineHeaderAnnotation</a:t>
+            </a:r>
+            <a:endParaRPr lang="en-US" b="1" dirty="0" smtClean="0"/>
           </a:p>
           <a:p>
             <a:pPr lvl="1"/>
-            <a:r>
-              <a:rPr lang="en-US" dirty="0" smtClean="0"/>
-              <a:t>Several methods like </a:t>
-            </a:r>
-          </a:p>
-          <a:p>
-            <a:pPr lvl="2"/>
-            <a:r>
-              <a:rPr lang="en-US" b="1" dirty="0" err="1" smtClean="0"/>
-              <a:t>setText</a:t>
-            </a:r>
-            <a:r>
-              <a:rPr lang="en-US" dirty="0" smtClean="0"/>
-              <a:t> : set the text content of the annotation</a:t>
-            </a:r>
-          </a:p>
-          <a:p>
-            <a:pPr lvl="2"/>
-            <a:r>
-              <a:rPr lang="en-US" b="1" dirty="0" smtClean="0"/>
-              <a:t>draw</a:t>
-            </a:r>
-            <a:r>
-              <a:rPr lang="en-US" dirty="0" smtClean="0"/>
-              <a:t> : by default draw the set text, can be </a:t>
-            </a:r>
-            <a:r>
-              <a:rPr lang="en-US" dirty="0" err="1" smtClean="0"/>
-              <a:t>overrided</a:t>
-            </a:r>
-            <a:r>
-              <a:rPr lang="en-US" dirty="0" smtClean="0"/>
-              <a:t> to draw anything</a:t>
-            </a:r>
-          </a:p>
-          <a:p>
-            <a:pPr lvl="2"/>
-            <a:r>
-              <a:rPr lang="en-US" b="1" dirty="0" err="1" smtClean="0"/>
-              <a:t>getAction</a:t>
-            </a:r>
-            <a:r>
-              <a:rPr lang="en-US" dirty="0" smtClean="0"/>
-              <a:t>: implement it to bind an action on click of the annotation</a:t>
-            </a:r>
-          </a:p>
-          <a:p>
-            <a:pPr lvl="1"/>
-            <a:r>
-              <a:rPr lang="en-US" dirty="0" smtClean="0"/>
-              <a:t>2 </a:t>
-            </a:r>
-            <a:r>
-              <a:rPr lang="en-US" dirty="0" err="1" smtClean="0"/>
-              <a:t>inlined</a:t>
-            </a:r>
-            <a:r>
-              <a:rPr lang="en-US" dirty="0" smtClean="0"/>
-              <a:t> annotation kinds which extends </a:t>
-            </a:r>
-            <a:r>
-              <a:rPr lang="en-US" b="1" dirty="0" err="1" smtClean="0"/>
-              <a:t>AbstractInlinedAnnotation</a:t>
-            </a:r>
-            <a:r>
-              <a:rPr lang="en-US" dirty="0" smtClean="0"/>
-              <a:t>:</a:t>
-            </a:r>
-          </a:p>
-          <a:p>
-            <a:pPr lvl="2"/>
-            <a:r>
-              <a:rPr lang="en-US" b="1" dirty="0" err="1"/>
-              <a:t>LineHeaderAnnotation</a:t>
-            </a:r>
-            <a:endParaRPr lang="en-US" b="1" dirty="0"/>
-          </a:p>
-          <a:p>
-            <a:pPr lvl="2"/>
             <a:r>
               <a:rPr lang="en-US" b="1" dirty="0" err="1" smtClean="0"/>
               <a:t>LineContentAnnotation</a:t>
@@ -19233,69 +20730,45 @@
           </a:p>
           <a:p>
             <a:r>
-              <a:rPr lang="fr-FR" dirty="0" smtClean="0"/>
-              <a:t>Managed with </a:t>
-            </a:r>
-            <a:r>
-              <a:rPr lang="fr-FR" b="1" dirty="0" smtClean="0"/>
+              <a:rPr lang="fr-FR" dirty="0" err="1" smtClean="0"/>
+              <a:t>Managed</a:t>
+            </a:r>
+            <a:r>
+              <a:rPr lang="fr-FR" dirty="0" smtClean="0"/>
+              <a:t> </a:t>
+            </a:r>
+            <a:r>
+              <a:rPr lang="fr-FR" dirty="0" err="1" smtClean="0"/>
+              <a:t>with</a:t>
+            </a:r>
+            <a:r>
+              <a:rPr lang="fr-FR" dirty="0" smtClean="0"/>
+              <a:t> </a:t>
+            </a:r>
+            <a:r>
+              <a:rPr lang="fr-FR" b="1" dirty="0" err="1" smtClean="0"/>
               <a:t>InlinedAnnotationSupport</a:t>
             </a:r>
             <a:r>
               <a:rPr lang="fr-FR" dirty="0" smtClean="0"/>
-              <a:t> </a:t>
-            </a:r>
-            <a:r>
-              <a:rPr lang="fr-FR" dirty="0"/>
-              <a:t>class </a:t>
-            </a:r>
-            <a:r>
-              <a:rPr lang="fr-FR" dirty="0" smtClean="0"/>
-              <a:t>which </a:t>
-            </a:r>
-            <a:r>
-              <a:rPr lang="fr-FR" dirty="0" err="1" smtClean="0"/>
-              <a:t>works</a:t>
-            </a:r>
-            <a:r>
-              <a:rPr lang="fr-FR" dirty="0" smtClean="0"/>
-              <a:t> with</a:t>
-            </a:r>
-            <a:r>
-              <a:rPr lang="fr-FR" dirty="0"/>
               <a:t>:</a:t>
             </a:r>
           </a:p>
           <a:p>
             <a:pPr lvl="1"/>
             <a:r>
-              <a:rPr lang="en-US" dirty="0"/>
-              <a:t>An </a:t>
-            </a:r>
-            <a:r>
-              <a:rPr lang="en-US" b="1" dirty="0" err="1"/>
+              <a:rPr lang="en-US" dirty="0" err="1" smtClean="0"/>
               <a:t>ISourceViewer</a:t>
             </a:r>
-            <a:endParaRPr lang="en-US" b="1" dirty="0"/>
+            <a:endParaRPr lang="en-US" dirty="0"/>
           </a:p>
           <a:p>
             <a:pPr lvl="1"/>
             <a:r>
-              <a:rPr lang="en-US" dirty="0"/>
-              <a:t>Source viewer </a:t>
-            </a:r>
-            <a:r>
-              <a:rPr lang="en-US" dirty="0" smtClean="0"/>
-              <a:t>configured </a:t>
-            </a:r>
-            <a:r>
-              <a:rPr lang="en-US" dirty="0"/>
-              <a:t>with </a:t>
-            </a:r>
-            <a:r>
-              <a:rPr lang="en-US" b="1" dirty="0" err="1" smtClean="0"/>
+              <a:rPr lang="en-US" dirty="0" err="1" smtClean="0"/>
               <a:t>AnnotationPainter</a:t>
             </a:r>
-            <a:endParaRPr lang="en-US" b="1" dirty="0" smtClean="0"/>
+            <a:endParaRPr lang="en-US" dirty="0" smtClean="0"/>
           </a:p>
           <a:p>
             <a:pPr lvl="1"/>
@@ -19339,25 +20812,18 @@
           </a:p>
           <a:p>
             <a:r>
-              <a:rPr lang="fr-FR" dirty="0" smtClean="0"/>
-              <a:t>InlinedAnnotationSupport </a:t>
-            </a:r>
-            <a:r>
-              <a:rPr lang="fr-FR" dirty="0" err="1" smtClean="0"/>
-              <a:t>provides</a:t>
-            </a:r>
-            <a:r>
-              <a:rPr lang="fr-FR" dirty="0" smtClean="0"/>
-              <a:t> 2 </a:t>
-            </a:r>
-            <a:r>
-              <a:rPr lang="fr-FR" dirty="0" err="1" smtClean="0"/>
-              <a:t>methods</a:t>
-            </a:r>
-            <a:r>
-              <a:rPr lang="fr-FR" dirty="0" smtClean="0"/>
-              <a:t>:</a:t>
-            </a:r>
+              <a:rPr lang="fr-FR" dirty="0" err="1" smtClean="0"/>
+              <a:t>InlinedAnnotationSupport</a:t>
+            </a:r>
+            <a:r>
+              <a:rPr lang="fr-FR" dirty="0" smtClean="0"/>
+              <a:t> </a:t>
+            </a:r>
+            <a:r>
+              <a:rPr lang="fr-FR" dirty="0" smtClean="0"/>
+              <a:t>API:</a:t>
+            </a:r>
+            <a:endParaRPr lang="fr-FR" dirty="0" smtClean="0"/>
           </a:p>
           <a:p>
             <a:pPr lvl="1"/>
@@ -19466,7 +20932,397 @@
             </a:r>
             <a:r>
               <a:rPr lang="fr-FR" dirty="0" smtClean="0"/>
-              <a:t> Annotation - API</a:t>
+              <a:t> Annotation </a:t>
+            </a:r>
+            <a:r>
+              <a:rPr lang="fr-FR" dirty="0" smtClean="0"/>
+              <a:t>– </a:t>
+            </a:r>
+            <a:r>
+              <a:rPr lang="fr-FR" dirty="0"/>
+              <a:t>API </a:t>
+            </a:r>
+            <a:r>
+              <a:rPr lang="fr-FR" dirty="0" smtClean="0"/>
+              <a:t>(TO </a:t>
+            </a:r>
+            <a:r>
+              <a:rPr lang="fr-FR" dirty="0"/>
+              <a:t>REMOVE</a:t>
+            </a:r>
+            <a:r>
+              <a:rPr lang="fr-FR" dirty="0" smtClean="0"/>
+              <a:t>)</a:t>
+            </a:r>
+            <a:endParaRPr lang="fr-FR" dirty="0"/>
+          </a:p>
+        </p:txBody>
+      </p:sp>
+      <p:sp>
+        <p:nvSpPr>
+          <p:cNvPr id="3" name="Espace réservé du contenu 2"/>
+          <p:cNvSpPr>
+            <a:spLocks noGrp="1"/>
+          </p:cNvSpPr>
+          <p:nvPr>
+            <p:ph idx="1"/>
+          </p:nvPr>
+        </p:nvSpPr>
+        <p:spPr/>
+        <p:txBody>
+          <a:bodyPr>
+            <a:normAutofit fontScale="77500" lnSpcReduction="20000"/>
+          </a:bodyPr>
+          <a:lstStyle/>
+          <a:p>
+            <a:r>
+              <a:rPr lang="en-US" b="1" dirty="0" err="1" smtClean="0"/>
+              <a:t>AbstractInlinedAnnotation</a:t>
+            </a:r>
+            <a:r>
+              <a:rPr lang="en-US" b="1" dirty="0" smtClean="0"/>
+              <a:t>  </a:t>
+            </a:r>
+            <a:r>
+              <a:rPr lang="en-US" dirty="0" smtClean="0"/>
+              <a:t>is base class:</a:t>
+            </a:r>
+          </a:p>
+          <a:p>
+            <a:pPr lvl="1"/>
+            <a:r>
+              <a:rPr lang="en-US" dirty="0" smtClean="0"/>
+              <a:t>Several methods like </a:t>
+            </a:r>
+          </a:p>
+          <a:p>
+            <a:pPr lvl="2"/>
+            <a:r>
+              <a:rPr lang="en-US" b="1" dirty="0" err="1" smtClean="0"/>
+              <a:t>setText</a:t>
+            </a:r>
+            <a:r>
+              <a:rPr lang="en-US" dirty="0" smtClean="0"/>
+              <a:t> : set the text content of the annotation</a:t>
+            </a:r>
+          </a:p>
+          <a:p>
+            <a:pPr lvl="2"/>
+            <a:r>
+              <a:rPr lang="en-US" b="1" dirty="0" smtClean="0"/>
+              <a:t>draw</a:t>
+            </a:r>
+            <a:r>
+              <a:rPr lang="en-US" dirty="0" smtClean="0"/>
+              <a:t> : by default draw the set text, can be </a:t>
+            </a:r>
+            <a:r>
+              <a:rPr lang="en-US" dirty="0" err="1" smtClean="0"/>
+              <a:t>overrided</a:t>
+            </a:r>
+            <a:r>
+              <a:rPr lang="en-US" dirty="0" smtClean="0"/>
+              <a:t> to draw anything</a:t>
+            </a:r>
+          </a:p>
+          <a:p>
+            <a:pPr lvl="2"/>
+            <a:r>
+              <a:rPr lang="en-US" b="1" dirty="0" err="1" smtClean="0"/>
+              <a:t>getAction</a:t>
+            </a:r>
+            <a:r>
+              <a:rPr lang="en-US" dirty="0" smtClean="0"/>
+              <a:t>: implement it to bind an action on click of the annotation</a:t>
+            </a:r>
+          </a:p>
+          <a:p>
+            <a:pPr lvl="1"/>
+            <a:r>
+              <a:rPr lang="en-US" dirty="0" smtClean="0"/>
+              <a:t>2 </a:t>
+            </a:r>
+            <a:r>
+              <a:rPr lang="en-US" dirty="0" err="1" smtClean="0"/>
+              <a:t>inlined</a:t>
+            </a:r>
+            <a:r>
+              <a:rPr lang="en-US" dirty="0" smtClean="0"/>
+              <a:t> annotation kinds which extends </a:t>
+            </a:r>
+            <a:r>
+              <a:rPr lang="en-US" b="1" dirty="0" err="1" smtClean="0"/>
+              <a:t>AbstractInlinedAnnotation</a:t>
+            </a:r>
+            <a:r>
+              <a:rPr lang="en-US" dirty="0" smtClean="0"/>
+              <a:t>:</a:t>
+            </a:r>
+          </a:p>
+          <a:p>
+            <a:pPr lvl="2"/>
+            <a:r>
+              <a:rPr lang="en-US" b="1" dirty="0" err="1"/>
+              <a:t>LineHeaderAnnotation</a:t>
+            </a:r>
+            <a:endParaRPr lang="en-US" b="1" dirty="0"/>
+          </a:p>
+          <a:p>
+            <a:pPr lvl="2"/>
+            <a:r>
+              <a:rPr lang="en-US" b="1" dirty="0" err="1" smtClean="0"/>
+              <a:t>LineContentAnnotation</a:t>
+            </a:r>
+            <a:endParaRPr lang="en-US" b="1" dirty="0" smtClean="0"/>
+          </a:p>
+          <a:p>
+            <a:r>
+              <a:rPr lang="fr-FR" dirty="0" smtClean="0"/>
+              <a:t>Managed with </a:t>
+            </a:r>
+            <a:r>
+              <a:rPr lang="fr-FR" b="1" dirty="0" smtClean="0"/>
+              <a:t>InlinedAnnotationSupport</a:t>
+            </a:r>
+            <a:r>
+              <a:rPr lang="fr-FR" dirty="0" smtClean="0"/>
+              <a:t> </a:t>
+            </a:r>
+            <a:r>
+              <a:rPr lang="fr-FR" dirty="0"/>
+              <a:t>class </a:t>
+            </a:r>
+            <a:r>
+              <a:rPr lang="fr-FR" dirty="0" smtClean="0"/>
+              <a:t>which </a:t>
+            </a:r>
+            <a:r>
+              <a:rPr lang="fr-FR" dirty="0" err="1" smtClean="0"/>
+              <a:t>works</a:t>
+            </a:r>
+            <a:r>
+              <a:rPr lang="fr-FR" dirty="0" smtClean="0"/>
+              <a:t> with</a:t>
+            </a:r>
+            <a:r>
+              <a:rPr lang="fr-FR" dirty="0"/>
+              <a:t>:</a:t>
+            </a:r>
+          </a:p>
+          <a:p>
+            <a:pPr lvl="1"/>
+            <a:r>
+              <a:rPr lang="en-US" dirty="0"/>
+              <a:t>An </a:t>
+            </a:r>
+            <a:r>
+              <a:rPr lang="en-US" b="1" dirty="0" err="1"/>
+              <a:t>ISourceViewer</a:t>
+            </a:r>
+            <a:endParaRPr lang="en-US" b="1" dirty="0"/>
+          </a:p>
+          <a:p>
+            <a:pPr lvl="1"/>
+            <a:r>
+              <a:rPr lang="en-US" dirty="0"/>
+              <a:t>Source viewer </a:t>
+            </a:r>
+            <a:r>
+              <a:rPr lang="en-US" dirty="0" smtClean="0"/>
+              <a:t>configured </a:t>
+            </a:r>
+            <a:r>
+              <a:rPr lang="en-US" dirty="0"/>
+              <a:t>with </a:t>
+            </a:r>
+            <a:r>
+              <a:rPr lang="en-US" b="1" dirty="0" err="1" smtClean="0"/>
+              <a:t>AnnotationPainter</a:t>
+            </a:r>
+            <a:endParaRPr lang="en-US" b="1" dirty="0" smtClean="0"/>
+          </a:p>
+          <a:p>
+            <a:pPr lvl="1"/>
+            <a:r>
+              <a:rPr lang="fr-FR" b="1" dirty="0" err="1"/>
+              <a:t>doesn’t</a:t>
+            </a:r>
+            <a:r>
+              <a:rPr lang="fr-FR" b="1" dirty="0"/>
+              <a:t> </a:t>
+            </a:r>
+            <a:r>
+              <a:rPr lang="fr-FR" b="1" dirty="0" err="1"/>
+              <a:t>take</a:t>
+            </a:r>
+            <a:r>
+              <a:rPr lang="fr-FR" b="1" dirty="0"/>
+              <a:t> care of performance</a:t>
+            </a:r>
+            <a:r>
+              <a:rPr lang="fr-FR" dirty="0"/>
+              <a:t> to </a:t>
+            </a:r>
+            <a:r>
+              <a:rPr lang="fr-FR" dirty="0" err="1"/>
+              <a:t>compute</a:t>
+            </a:r>
+            <a:r>
+              <a:rPr lang="fr-FR" dirty="0"/>
+              <a:t> content of annotation(UI </a:t>
+            </a:r>
+            <a:r>
+              <a:rPr lang="fr-FR" dirty="0" err="1"/>
+              <a:t>freeze</a:t>
+            </a:r>
+            <a:r>
+              <a:rPr lang="fr-FR" dirty="0" smtClean="0"/>
+              <a:t>)</a:t>
+            </a:r>
+            <a:endParaRPr lang="en-US" b="1" dirty="0" smtClean="0"/>
+          </a:p>
+          <a:p>
+            <a:r>
+              <a:rPr lang="fr-FR" dirty="0" smtClean="0"/>
+              <a:t>InlinedAnnotationSupport </a:t>
+            </a:r>
+            <a:r>
+              <a:rPr lang="fr-FR" dirty="0" err="1" smtClean="0"/>
+              <a:t>provides</a:t>
+            </a:r>
+            <a:r>
+              <a:rPr lang="fr-FR" dirty="0" smtClean="0"/>
+              <a:t> 2 </a:t>
+            </a:r>
+            <a:r>
+              <a:rPr lang="fr-FR" dirty="0" err="1" smtClean="0"/>
+              <a:t>methods</a:t>
+            </a:r>
+            <a:r>
+              <a:rPr lang="fr-FR" dirty="0" smtClean="0"/>
+              <a:t>:</a:t>
+            </a:r>
+          </a:p>
+          <a:p>
+            <a:pPr lvl="1"/>
+            <a:r>
+              <a:rPr lang="fr-FR" b="1" dirty="0" err="1" smtClean="0"/>
+              <a:t>findExistingAnnotation</a:t>
+            </a:r>
+            <a:r>
+              <a:rPr lang="fr-FR" dirty="0" smtClean="0"/>
+              <a:t>(Position </a:t>
+            </a:r>
+            <a:r>
+              <a:rPr lang="fr-FR" dirty="0" err="1" smtClean="0"/>
+              <a:t>position</a:t>
+            </a:r>
+            <a:r>
+              <a:rPr lang="fr-FR" dirty="0" smtClean="0"/>
+              <a:t>)</a:t>
+            </a:r>
+          </a:p>
+          <a:p>
+            <a:pPr lvl="1"/>
+            <a:r>
+              <a:rPr lang="fr-FR" b="1" dirty="0" err="1" smtClean="0"/>
+              <a:t>updateAnnotations</a:t>
+            </a:r>
+            <a:r>
+              <a:rPr lang="fr-FR" dirty="0" smtClean="0"/>
+              <a:t>(Set&lt;</a:t>
+            </a:r>
+            <a:r>
+              <a:rPr lang="fr-FR" dirty="0" err="1" smtClean="0"/>
+              <a:t>AbstractInlinedAnnotation</a:t>
+            </a:r>
+            <a:r>
+              <a:rPr lang="fr-FR" dirty="0" smtClean="0"/>
+              <a:t>&gt; annotations)</a:t>
+            </a:r>
+            <a:endParaRPr lang="en-US" dirty="0" smtClean="0"/>
+          </a:p>
+          <a:p>
+            <a:pPr marL="0" indent="0">
+              <a:buNone/>
+            </a:pPr>
+            <a:endParaRPr lang="fr-FR" dirty="0"/>
+          </a:p>
+        </p:txBody>
+      </p:sp>
+    </p:spTree>
+    <p:extLst>
+      <p:ext uri="{BB962C8B-B14F-4D97-AF65-F5344CB8AC3E}">
+        <p14:creationId xmlns:p14="http://schemas.microsoft.com/office/powerpoint/2010/main" val="4269009169"/>
+      </p:ext>
+    </p:extLst>
+  </p:cSld>
+  <p:clrMapOvr>
+    <a:masterClrMapping/>
+  </p:clrMapOvr>
+  <p:timing>
+    <p:tnLst>
+      <p:par>
+        <p:cTn id="1" dur="indefinite" restart="never" nodeType="tmRoot"/>
+      </p:par>
+    </p:tnLst>
+  </p:timing>
+</p:sld>
+</file>
+
+<file path=ppt/slides/slide7.xml><?xml version="1.0" encoding="utf-8"?>
+<p:sld xmlns:a="http://schemas.openxmlformats.org/drawingml/2006/main" xmlns:r="http://schemas.openxmlformats.org/officeDocument/2006/relationships" xmlns:p="http://schemas.openxmlformats.org/presentationml/2006/main">
+  <p:cSld>
+    <p:spTree>
+      <p:nvGrpSpPr>
+        <p:cNvPr id="1" name=""/>
+        <p:cNvGrpSpPr/>
+        <p:nvPr/>
+      </p:nvGrpSpPr>
+      <p:grpSpPr>
+        <a:xfrm>
+          <a:off x="0" y="0"/>
+          <a:ext cx="0" cy="0"/>
+          <a:chOff x="0" y="0"/>
+          <a:chExt cx="0" cy="0"/>
+        </a:xfrm>
+      </p:grpSpPr>
+      <p:sp>
+        <p:nvSpPr>
+          <p:cNvPr id="2" name="Titre 1"/>
+          <p:cNvSpPr>
+            <a:spLocks noGrp="1"/>
+          </p:cNvSpPr>
+          <p:nvPr>
+            <p:ph type="title"/>
+          </p:nvPr>
+        </p:nvSpPr>
+        <p:spPr/>
+        <p:txBody>
+          <a:bodyPr>
+            <a:normAutofit fontScale="90000"/>
+          </a:bodyPr>
+          <a:lstStyle/>
+          <a:p>
+            <a:r>
+              <a:rPr lang="fr-FR" dirty="0" err="1"/>
+              <a:t>Emoji</a:t>
+            </a:r>
+            <a:r>
+              <a:rPr lang="fr-FR" dirty="0"/>
+              <a:t> </a:t>
+            </a:r>
+            <a:r>
+              <a:rPr lang="fr-FR" dirty="0" err="1" smtClean="0"/>
+              <a:t>inlined</a:t>
+            </a:r>
+            <a:r>
+              <a:rPr lang="fr-FR" dirty="0" smtClean="0"/>
+              <a:t> annotation in </a:t>
+            </a:r>
+            <a:r>
+              <a:rPr lang="fr-FR" dirty="0"/>
+              <a:t>a simple main</a:t>
             </a:r>
             <a:endParaRPr lang="fr-FR" dirty="0"/>
           </a:p>
@@ -19719,7 +21575,7 @@
 </p:sld>
 </file>
 
-<file path=ppt/slides/slide7.xml><?xml version="1.0" encoding="utf-8"?>
+<file path=ppt/slides/slide8.xml><?xml version="1.0" encoding="utf-8"?>
 <p:sld xmlns:a="http://schemas.openxmlformats.org/drawingml/2006/main" xmlns:r="http://schemas.openxmlformats.org/officeDocument/2006/relationships" xmlns:p="http://schemas.openxmlformats.org/presentationml/2006/main">
   <p:cSld>
     <p:spTree>
@@ -19969,7 +21825,7 @@
 </p:sld>
 </file>
 
-<file path=ppt/slides/slide8.xml><?xml version="1.0" encoding="utf-8"?>
+<file path=ppt/slides/slide9.xml><?xml version="1.0" encoding="utf-8"?>
 <p:sld xmlns:a="http://schemas.openxmlformats.org/drawingml/2006/main" xmlns:r="http://schemas.openxmlformats.org/officeDocument/2006/relationships" xmlns:p="http://schemas.openxmlformats.org/presentationml/2006/main">
   <p:cSld>
     <p:spTree>
@@ -19996,7 +21852,12 @@
             <p:ph type="title"/>
           </p:nvPr>
         </p:nvSpPr>
-        <p:spPr/>
+        <p:spPr>
+          <a:xfrm>
+            <a:off x="107504" y="411510"/>
+            <a:ext cx="9217024" cy="565175"/>
+          </a:xfrm>
+        </p:spPr>
         <p:txBody>
           <a:bodyPr>
             <a:normAutofit fontScale="90000"/>
@@ -20004,21 +21865,48 @@
           <a:lstStyle/>
           <a:p>
             <a:r>
-              <a:rPr lang="fr-FR" dirty="0" err="1" smtClean="0"/>
-              <a:t>What</a:t>
-            </a:r>
-            <a:r>
-              <a:rPr lang="fr-FR" dirty="0" smtClean="0"/>
+              <a:rPr lang="fr-FR" dirty="0"/>
+              <a:t>How </a:t>
+            </a:r>
+            <a:r>
+              <a:rPr lang="fr-FR" dirty="0" err="1"/>
+              <a:t>can</a:t>
+            </a:r>
+            <a:r>
+              <a:rPr lang="fr-FR" dirty="0"/>
+              <a:t> I </a:t>
+            </a:r>
+            <a:r>
+              <a:rPr lang="fr-FR" dirty="0" err="1"/>
+              <a:t>add</a:t>
+            </a:r>
+            <a:r>
+              <a:rPr lang="fr-FR" dirty="0"/>
               <a:t> </a:t>
             </a:r>
             <a:r>
-              <a:rPr lang="fr-FR" dirty="0" err="1" smtClean="0"/>
-              <a:t>is</a:t>
-            </a:r>
-            <a:r>
-              <a:rPr lang="fr-FR" dirty="0" smtClean="0"/>
-              <a:t> Code Mining?</a:t>
-            </a:r>
+              <a:rPr lang="fr-FR" b="1" dirty="0" err="1"/>
+              <a:t>CodeMining</a:t>
+            </a:r>
+            <a:r>
+              <a:rPr lang="fr-FR" b="1" dirty="0"/>
+              <a:t> </a:t>
+            </a:r>
+            <a:r>
+              <a:rPr lang="fr-FR" dirty="0"/>
+              <a:t>to </a:t>
+            </a:r>
+            <a:r>
+              <a:rPr lang="fr-FR" dirty="0" err="1"/>
+              <a:t>my</a:t>
+            </a:r>
+            <a:r>
+              <a:rPr lang="fr-FR" dirty="0"/>
+              <a:t> custom editor?</a:t>
+            </a:r>
+            <a:br>
+              <a:rPr lang="fr-FR" dirty="0"/>
+            </a:br>
             <a:endParaRPr lang="fr-FR" dirty="0"/>
           </a:p>
         </p:txBody>
@@ -20033,7 +21921,12 @@
             <p:ph idx="1"/>
           </p:nvPr>
         </p:nvSpPr>
-        <p:spPr/>
+        <p:spPr>
+          <a:xfrm>
+            <a:off x="251519" y="837307"/>
+            <a:ext cx="8646293" cy="3750667"/>
+          </a:xfrm>
+        </p:spPr>
         <p:txBody>
           <a:bodyPr>
             <a:normAutofit/>
@@ -20256,529 +22149,6 @@
     <p:extLst>
       <p:ext uri="{BB962C8B-B14F-4D97-AF65-F5344CB8AC3E}">
         <p14:creationId xmlns:p14="http://schemas.microsoft.com/office/powerpoint/2010/main" val="2623097419"/>
-      </p:ext>
-    </p:extLst>
-  </p:cSld>
-  <p:clrMapOvr>
-    <a:masterClrMapping/>
-  </p:clrMapOvr>
-  <p:timing>
-    <p:tnLst>
-      <p:par>
-        <p:cTn id="1" dur="indefinite" restart="never" nodeType="tmRoot"/>
-      </p:par>
-    </p:tnLst>
-  </p:timing>
-</p:sld>
-</file>
-
-<file path=ppt/slides/slide9.xml><?xml version="1.0" encoding="utf-8"?>
-<p:sld xmlns:a="http://schemas.openxmlformats.org/drawingml/2006/main" xmlns:r="http://schemas.openxmlformats.org/officeDocument/2006/relationships" xmlns:p="http://schemas.openxmlformats.org/presentationml/2006/main">
-  <p:cSld>
-    <p:spTree>
-      <p:nvGrpSpPr>
-        <p:cNvPr id="1" name=""/>
-        <p:cNvGrpSpPr/>
-        <p:nvPr/>
-      </p:nvGrpSpPr>
-      <p:grpSpPr>
-        <a:xfrm>
-          <a:off x="0" y="0"/>
-          <a:ext cx="0" cy="0"/>
-          <a:chOff x="0" y="0"/>
-          <a:chExt cx="0" cy="0"/>
-        </a:xfrm>
-      </p:grpSpPr>
-      <p:sp>
-        <p:nvSpPr>
-          <p:cNvPr id="2" name="Titre 1"/>
-          <p:cNvSpPr>
-            <a:spLocks noGrp="1"/>
-          </p:cNvSpPr>
-          <p:nvPr>
-            <p:ph type="title"/>
-          </p:nvPr>
-        </p:nvSpPr>
-        <p:spPr/>
-        <p:txBody>
-          <a:bodyPr>
-            <a:normAutofit fontScale="90000"/>
-          </a:bodyPr>
-          <a:lstStyle/>
-          <a:p>
-            <a:r>
-              <a:rPr lang="fr-FR" dirty="0" err="1" smtClean="0"/>
-              <a:t>What</a:t>
-            </a:r>
-            <a:r>
-              <a:rPr lang="fr-FR" dirty="0" smtClean="0"/>
-              <a:t> </a:t>
-            </a:r>
-            <a:r>
-              <a:rPr lang="fr-FR" dirty="0" err="1" smtClean="0"/>
-              <a:t>is</a:t>
-            </a:r>
-            <a:r>
-              <a:rPr lang="fr-FR" dirty="0" smtClean="0"/>
-              <a:t> Code Mining? – </a:t>
-            </a:r>
-            <a:r>
-              <a:rPr lang="fr-FR" dirty="0" err="1" smtClean="0"/>
-              <a:t>Internal</a:t>
-            </a:r>
-            <a:r>
-              <a:rPr lang="fr-FR" dirty="0" smtClean="0"/>
-              <a:t> class</a:t>
-            </a:r>
-            <a:endParaRPr lang="fr-FR" dirty="0"/>
-          </a:p>
-        </p:txBody>
-      </p:sp>
-      <p:sp>
-        <p:nvSpPr>
-          <p:cNvPr id="3" name="Espace réservé du contenu 2"/>
-          <p:cNvSpPr>
-            <a:spLocks noGrp="1"/>
-          </p:cNvSpPr>
-          <p:nvPr>
-            <p:ph idx="1"/>
-          </p:nvPr>
-        </p:nvSpPr>
-        <p:spPr/>
-        <p:txBody>
-          <a:bodyPr>
-            <a:normAutofit fontScale="85000" lnSpcReduction="20000"/>
-          </a:bodyPr>
-          <a:lstStyle/>
-          <a:p>
-            <a:r>
-              <a:rPr lang="fr-FR" dirty="0" err="1" smtClean="0"/>
-              <a:t>Managed</a:t>
-            </a:r>
-            <a:r>
-              <a:rPr lang="fr-FR" dirty="0" smtClean="0"/>
-              <a:t> </a:t>
-            </a:r>
-            <a:r>
-              <a:rPr lang="fr-FR" dirty="0" err="1" smtClean="0"/>
-              <a:t>with</a:t>
-            </a:r>
-            <a:r>
-              <a:rPr lang="fr-FR" dirty="0" smtClean="0"/>
-              <a:t> </a:t>
-            </a:r>
-            <a:r>
-              <a:rPr lang="fr-FR" dirty="0" err="1" smtClean="0"/>
-              <a:t>internal</a:t>
-            </a:r>
-            <a:r>
-              <a:rPr lang="fr-FR" dirty="0" smtClean="0"/>
-              <a:t> class </a:t>
-            </a:r>
-          </a:p>
-          <a:p>
-            <a:pPr marL="0" indent="0">
-              <a:buNone/>
-            </a:pPr>
-            <a:r>
-              <a:rPr lang="fr-FR" b="1" dirty="0"/>
-              <a:t> </a:t>
-            </a:r>
-            <a:r>
-              <a:rPr lang="fr-FR" b="1" dirty="0" smtClean="0"/>
-              <a:t>   </a:t>
-            </a:r>
-            <a:r>
-              <a:rPr lang="fr-FR" b="1" dirty="0" err="1" smtClean="0"/>
-              <a:t>CodeMiningManager</a:t>
-            </a:r>
-            <a:endParaRPr lang="fr-FR" b="1" dirty="0" smtClean="0"/>
-          </a:p>
-          <a:p>
-            <a:pPr lvl="1"/>
-            <a:r>
-              <a:rPr lang="fr-FR" dirty="0" smtClean="0"/>
-              <a:t>Works </a:t>
-            </a:r>
-            <a:r>
-              <a:rPr lang="fr-FR" dirty="0" err="1" smtClean="0"/>
-              <a:t>with</a:t>
-            </a:r>
-            <a:r>
-              <a:rPr lang="fr-FR" dirty="0" smtClean="0"/>
-              <a:t> </a:t>
-            </a:r>
-            <a:r>
-              <a:rPr lang="fr-FR" b="1" dirty="0" err="1" smtClean="0"/>
-              <a:t>ICodeMining</a:t>
-            </a:r>
-            <a:r>
-              <a:rPr lang="fr-FR" dirty="0" smtClean="0"/>
-              <a:t> instances</a:t>
-            </a:r>
-            <a:endParaRPr lang="fr-FR" b="1" dirty="0" smtClean="0"/>
-          </a:p>
-          <a:p>
-            <a:pPr lvl="2"/>
-            <a:r>
-              <a:rPr lang="fr-FR" b="1" dirty="0" err="1" smtClean="0"/>
-              <a:t>LineHeaderCodeMining</a:t>
-            </a:r>
-            <a:endParaRPr lang="fr-FR" b="1" dirty="0" smtClean="0"/>
-          </a:p>
-          <a:p>
-            <a:pPr lvl="2"/>
-            <a:r>
-              <a:rPr lang="fr-FR" b="1" dirty="0" err="1" smtClean="0"/>
-              <a:t>LineContentCodeMining</a:t>
-            </a:r>
-            <a:endParaRPr lang="fr-FR" b="1" dirty="0" smtClean="0"/>
-          </a:p>
-          <a:p>
-            <a:pPr marL="914400" lvl="2" indent="0">
-              <a:buNone/>
-            </a:pPr>
-            <a:endParaRPr lang="fr-FR" b="1" dirty="0" smtClean="0"/>
-          </a:p>
-          <a:p>
-            <a:pPr lvl="1"/>
-            <a:r>
-              <a:rPr lang="fr-FR" dirty="0"/>
-              <a:t>Use </a:t>
-            </a:r>
-            <a:r>
-              <a:rPr lang="fr-FR" dirty="0" err="1"/>
-              <a:t>InlinedAnnotationSupport</a:t>
-            </a:r>
-            <a:r>
-              <a:rPr lang="fr-FR" dirty="0"/>
-              <a:t> </a:t>
-            </a:r>
-            <a:r>
-              <a:rPr lang="fr-FR" dirty="0" smtClean="0"/>
-              <a:t>to </a:t>
-            </a:r>
-            <a:r>
-              <a:rPr lang="fr-FR" dirty="0" err="1" smtClean="0"/>
-              <a:t>draw</a:t>
-            </a:r>
-            <a:r>
-              <a:rPr lang="fr-FR" dirty="0" smtClean="0"/>
-              <a:t> </a:t>
-            </a:r>
-            <a:r>
-              <a:rPr lang="fr-FR" dirty="0" err="1" smtClean="0"/>
-              <a:t>ICodeMining</a:t>
-            </a:r>
-            <a:r>
-              <a:rPr lang="fr-FR" dirty="0" smtClean="0"/>
-              <a:t> </a:t>
-            </a:r>
-            <a:r>
-              <a:rPr lang="fr-FR" dirty="0" err="1" smtClean="0"/>
-              <a:t>with</a:t>
-            </a:r>
-            <a:r>
-              <a:rPr lang="fr-FR" dirty="0" smtClean="0"/>
-              <a:t> </a:t>
-            </a:r>
-            <a:r>
-              <a:rPr lang="fr-FR" dirty="0" err="1" smtClean="0"/>
-              <a:t>internal</a:t>
-            </a:r>
-            <a:r>
-              <a:rPr lang="fr-FR" dirty="0" smtClean="0"/>
-              <a:t> class: </a:t>
-            </a:r>
-            <a:endParaRPr lang="fr-FR" dirty="0"/>
-          </a:p>
-          <a:p>
-            <a:pPr lvl="2"/>
-            <a:r>
-              <a:rPr lang="fr-FR" b="1" dirty="0" err="1"/>
-              <a:t>CodeMiningLineHeaderAnnotation</a:t>
-            </a:r>
-            <a:r>
-              <a:rPr lang="fr-FR" b="1" dirty="0"/>
-              <a:t> : </a:t>
-            </a:r>
-            <a:r>
-              <a:rPr lang="fr-FR" dirty="0" err="1"/>
-              <a:t>draw</a:t>
-            </a:r>
-            <a:r>
-              <a:rPr lang="fr-FR" dirty="0"/>
-              <a:t> </a:t>
-            </a:r>
-            <a:r>
-              <a:rPr lang="fr-FR" dirty="0" err="1"/>
-              <a:t>list</a:t>
-            </a:r>
-            <a:r>
-              <a:rPr lang="fr-FR" dirty="0"/>
-              <a:t> of line header </a:t>
-            </a:r>
-            <a:r>
-              <a:rPr lang="fr-FR" dirty="0" err="1"/>
-              <a:t>minings</a:t>
-            </a:r>
-            <a:r>
-              <a:rPr lang="fr-FR" dirty="0"/>
-              <a:t> for a </a:t>
-            </a:r>
-            <a:r>
-              <a:rPr lang="fr-FR" dirty="0" err="1"/>
-              <a:t>given</a:t>
-            </a:r>
-            <a:r>
-              <a:rPr lang="fr-FR" dirty="0"/>
-              <a:t> offset</a:t>
-            </a:r>
-          </a:p>
-          <a:p>
-            <a:pPr lvl="2"/>
-            <a:r>
-              <a:rPr lang="fr-FR" b="1" dirty="0" err="1"/>
-              <a:t>CodeMiningLineContentAnnotation</a:t>
-            </a:r>
-            <a:r>
-              <a:rPr lang="fr-FR" b="1" dirty="0"/>
-              <a:t> : </a:t>
-            </a:r>
-            <a:r>
-              <a:rPr lang="fr-FR" dirty="0" err="1"/>
-              <a:t>draw</a:t>
-            </a:r>
-            <a:r>
-              <a:rPr lang="fr-FR" dirty="0"/>
-              <a:t> </a:t>
-            </a:r>
-            <a:r>
-              <a:rPr lang="fr-FR" dirty="0" err="1"/>
-              <a:t>list</a:t>
-            </a:r>
-            <a:r>
-              <a:rPr lang="fr-FR" dirty="0"/>
-              <a:t> of line content </a:t>
-            </a:r>
-            <a:r>
-              <a:rPr lang="fr-FR" dirty="0" err="1"/>
-              <a:t>minings</a:t>
-            </a:r>
-            <a:r>
-              <a:rPr lang="fr-FR" dirty="0"/>
-              <a:t> for a </a:t>
-            </a:r>
-            <a:r>
-              <a:rPr lang="fr-FR" dirty="0" err="1"/>
-              <a:t>given</a:t>
-            </a:r>
-            <a:r>
-              <a:rPr lang="fr-FR" dirty="0"/>
-              <a:t> </a:t>
-            </a:r>
-            <a:r>
-              <a:rPr lang="fr-FR" dirty="0" smtClean="0"/>
-              <a:t>offset</a:t>
-            </a:r>
-          </a:p>
-          <a:p>
-            <a:r>
-              <a:rPr lang="fr-FR" dirty="0" err="1"/>
-              <a:t>What</a:t>
-            </a:r>
-            <a:r>
-              <a:rPr lang="fr-FR" dirty="0"/>
-              <a:t> </a:t>
-            </a:r>
-            <a:r>
-              <a:rPr lang="fr-FR" dirty="0" err="1"/>
-              <a:t>is</a:t>
-            </a:r>
-            <a:r>
-              <a:rPr lang="fr-FR" dirty="0"/>
-              <a:t> </a:t>
-            </a:r>
-            <a:r>
-              <a:rPr lang="fr-FR" dirty="0" err="1"/>
-              <a:t>difference</a:t>
-            </a:r>
-            <a:r>
-              <a:rPr lang="fr-FR" dirty="0"/>
-              <a:t> </a:t>
-            </a:r>
-            <a:r>
-              <a:rPr lang="fr-FR" dirty="0" err="1"/>
-              <a:t>with</a:t>
-            </a:r>
-            <a:r>
-              <a:rPr lang="fr-FR" dirty="0"/>
-              <a:t> </a:t>
-            </a:r>
-            <a:r>
-              <a:rPr lang="fr-FR" b="1" dirty="0" err="1" smtClean="0"/>
-              <a:t>InlinedAnnotationSupport</a:t>
-            </a:r>
-            <a:r>
-              <a:rPr lang="fr-FR" dirty="0" smtClean="0"/>
-              <a:t>?</a:t>
-            </a:r>
-          </a:p>
-          <a:p>
-            <a:pPr lvl="1"/>
-            <a:r>
-              <a:rPr lang="fr-FR" b="1" dirty="0" err="1"/>
-              <a:t>don’t</a:t>
-            </a:r>
-            <a:r>
-              <a:rPr lang="fr-FR" b="1" dirty="0"/>
-              <a:t> </a:t>
-            </a:r>
-            <a:r>
-              <a:rPr lang="fr-FR" b="1" dirty="0" err="1"/>
-              <a:t>freeze</a:t>
-            </a:r>
-            <a:r>
-              <a:rPr lang="fr-FR" b="1" dirty="0"/>
-              <a:t> the UI </a:t>
-            </a:r>
-            <a:r>
-              <a:rPr lang="fr-FR" b="1" dirty="0" smtClean="0"/>
-              <a:t>:</a:t>
-            </a:r>
-          </a:p>
-          <a:p>
-            <a:pPr lvl="2"/>
-            <a:r>
-              <a:rPr lang="fr-FR" dirty="0" smtClean="0"/>
-              <a:t>Code </a:t>
-            </a:r>
-            <a:r>
-              <a:rPr lang="fr-FR" dirty="0" err="1" smtClean="0"/>
-              <a:t>mining</a:t>
-            </a:r>
-            <a:r>
-              <a:rPr lang="fr-FR" dirty="0" smtClean="0"/>
-              <a:t> instances are </a:t>
-            </a:r>
-            <a:r>
-              <a:rPr lang="fr-FR" dirty="0" err="1" smtClean="0"/>
-              <a:t>created</a:t>
-            </a:r>
-            <a:r>
-              <a:rPr lang="fr-FR" dirty="0" smtClean="0"/>
-              <a:t> in background</a:t>
-            </a:r>
-          </a:p>
-          <a:p>
-            <a:pPr lvl="2"/>
-            <a:r>
-              <a:rPr lang="fr-FR" dirty="0" err="1" smtClean="0"/>
-              <a:t>Draw</a:t>
-            </a:r>
-            <a:r>
-              <a:rPr lang="fr-FR" dirty="0" smtClean="0"/>
-              <a:t> of code </a:t>
-            </a:r>
-            <a:r>
-              <a:rPr lang="fr-FR" dirty="0" err="1" smtClean="0"/>
-              <a:t>mining</a:t>
-            </a:r>
-            <a:r>
-              <a:rPr lang="fr-FR" dirty="0" smtClean="0"/>
-              <a:t> </a:t>
-            </a:r>
-            <a:r>
-              <a:rPr lang="fr-FR" dirty="0" err="1" smtClean="0"/>
-              <a:t>is</a:t>
-            </a:r>
-            <a:r>
-              <a:rPr lang="fr-FR" dirty="0" smtClean="0"/>
-              <a:t> </a:t>
-            </a:r>
-            <a:r>
-              <a:rPr lang="fr-FR" dirty="0" err="1" smtClean="0"/>
-              <a:t>done</a:t>
-            </a:r>
-            <a:r>
-              <a:rPr lang="fr-FR" dirty="0" smtClean="0"/>
-              <a:t> </a:t>
-            </a:r>
-            <a:r>
-              <a:rPr lang="fr-FR" dirty="0" err="1" smtClean="0"/>
-              <a:t>only</a:t>
-            </a:r>
-            <a:r>
-              <a:rPr lang="fr-FR" dirty="0" smtClean="0"/>
-              <a:t> </a:t>
-            </a:r>
-            <a:r>
-              <a:rPr lang="fr-FR" dirty="0" err="1" smtClean="0"/>
-              <a:t>when</a:t>
-            </a:r>
-            <a:r>
-              <a:rPr lang="fr-FR" dirty="0" smtClean="0"/>
-              <a:t> content </a:t>
-            </a:r>
-            <a:r>
-              <a:rPr lang="fr-FR" dirty="0" err="1" smtClean="0"/>
-              <a:t>is</a:t>
-            </a:r>
-            <a:r>
-              <a:rPr lang="fr-FR" dirty="0" smtClean="0"/>
-              <a:t> </a:t>
-            </a:r>
-            <a:r>
-              <a:rPr lang="fr-FR" dirty="0" err="1" smtClean="0"/>
-              <a:t>ready</a:t>
-            </a:r>
-            <a:r>
-              <a:rPr lang="fr-FR" dirty="0" smtClean="0"/>
-              <a:t>.</a:t>
-            </a:r>
-            <a:endParaRPr lang="fr-FR" dirty="0"/>
-          </a:p>
-          <a:p>
-            <a:endParaRPr lang="fr-FR" dirty="0"/>
-          </a:p>
-          <a:p>
-            <a:pPr lvl="2"/>
-            <a:endParaRPr lang="fr-FR" dirty="0" smtClean="0"/>
-          </a:p>
-          <a:p>
-            <a:pPr lvl="2"/>
-            <a:endParaRPr lang="fr-FR" dirty="0" smtClean="0"/>
-          </a:p>
-        </p:txBody>
-      </p:sp>
-      <p:pic>
-        <p:nvPicPr>
-          <p:cNvPr id="4" name="Image 3"/>
-          <p:cNvPicPr>
-            <a:picLocks noChangeAspect="1"/>
-          </p:cNvPicPr>
-          <p:nvPr/>
-        </p:nvPicPr>
-        <p:blipFill>
-          <a:blip r:embed="rId2"/>
-          <a:stretch>
-            <a:fillRect/>
-          </a:stretch>
-        </p:blipFill>
-        <p:spPr>
-          <a:xfrm>
-            <a:off x="5148064" y="843558"/>
-            <a:ext cx="2880320" cy="1632443"/>
-          </a:xfrm>
-          <a:prstGeom prst="rect">
-            <a:avLst/>
-          </a:prstGeom>
-        </p:spPr>
-      </p:pic>
-    </p:spTree>
-    <p:extLst>
-      <p:ext uri="{BB962C8B-B14F-4D97-AF65-F5344CB8AC3E}">
-        <p14:creationId xmlns:p14="http://schemas.microsoft.com/office/powerpoint/2010/main" val="302506574"/>
       </p:ext>
     </p:extLst>
   </p:cSld>

--- a/EclipseConFrance2018_CodeMining.pptx
+++ b/EclipseConFrance2018_CodeMining.pptx
@@ -10,35 +10,30 @@
     <p:sldId id="272" r:id="rId4"/>
     <p:sldId id="258" r:id="rId5"/>
     <p:sldId id="276" r:id="rId6"/>
-    <p:sldId id="292" r:id="rId7"/>
-    <p:sldId id="277" r:id="rId8"/>
-    <p:sldId id="259" r:id="rId9"/>
-    <p:sldId id="260" r:id="rId10"/>
-    <p:sldId id="280" r:id="rId11"/>
-    <p:sldId id="281" r:id="rId12"/>
-    <p:sldId id="293" r:id="rId13"/>
-    <p:sldId id="261" r:id="rId14"/>
-    <p:sldId id="283" r:id="rId15"/>
-    <p:sldId id="287" r:id="rId16"/>
-    <p:sldId id="284" r:id="rId17"/>
-    <p:sldId id="285" r:id="rId18"/>
-    <p:sldId id="291" r:id="rId19"/>
-    <p:sldId id="286" r:id="rId20"/>
-    <p:sldId id="278" r:id="rId21"/>
-    <p:sldId id="288" r:id="rId22"/>
-    <p:sldId id="290" r:id="rId23"/>
-    <p:sldId id="294" r:id="rId24"/>
-    <p:sldId id="295" r:id="rId25"/>
-    <p:sldId id="296" r:id="rId26"/>
-    <p:sldId id="289" r:id="rId27"/>
-    <p:sldId id="273" r:id="rId28"/>
-    <p:sldId id="274" r:id="rId29"/>
-    <p:sldId id="266" r:id="rId30"/>
-    <p:sldId id="267" r:id="rId31"/>
-    <p:sldId id="268" r:id="rId32"/>
-    <p:sldId id="271" r:id="rId33"/>
-    <p:sldId id="275" r:id="rId34"/>
-    <p:sldId id="269" r:id="rId35"/>
+    <p:sldId id="277" r:id="rId7"/>
+    <p:sldId id="259" r:id="rId8"/>
+    <p:sldId id="260" r:id="rId9"/>
+    <p:sldId id="280" r:id="rId10"/>
+    <p:sldId id="281" r:id="rId11"/>
+    <p:sldId id="283" r:id="rId12"/>
+    <p:sldId id="287" r:id="rId13"/>
+    <p:sldId id="284" r:id="rId14"/>
+    <p:sldId id="285" r:id="rId15"/>
+    <p:sldId id="291" r:id="rId16"/>
+    <p:sldId id="278" r:id="rId17"/>
+    <p:sldId id="288" r:id="rId18"/>
+    <p:sldId id="297" r:id="rId19"/>
+    <p:sldId id="290" r:id="rId20"/>
+    <p:sldId id="299" r:id="rId21"/>
+    <p:sldId id="298" r:id="rId22"/>
+    <p:sldId id="295" r:id="rId23"/>
+    <p:sldId id="296" r:id="rId24"/>
+    <p:sldId id="289" r:id="rId25"/>
+    <p:sldId id="273" r:id="rId26"/>
+    <p:sldId id="274" r:id="rId27"/>
+    <p:sldId id="271" r:id="rId28"/>
+    <p:sldId id="300" r:id="rId29"/>
+    <p:sldId id="269" r:id="rId30"/>
   </p:sldIdLst>
   <p:sldSz cx="9144000" cy="5143500" type="screen16x9"/>
   <p:notesSz cx="6858000" cy="9144000"/>
@@ -338,7 +333,7 @@
           <a:p>
             <a:fld id="{8FF464A0-C30A-4EA4-AFB5-7042FE1A38C1}" type="datetimeFigureOut">
               <a:rPr lang="fr-FR" smtClean="0"/>
-              <a:t>28/05/2018</a:t>
+              <a:t>11/06/2018</a:t>
             </a:fld>
             <a:endParaRPr lang="fr-FR"/>
           </a:p>
@@ -1682,7 +1677,7 @@
           <a:p>
             <a:fld id="{8FF464A0-C30A-4EA4-AFB5-7042FE1A38C1}" type="datetimeFigureOut">
               <a:rPr lang="fr-FR" smtClean="0"/>
-              <a:t>28/05/2018</a:t>
+              <a:t>11/06/2018</a:t>
             </a:fld>
             <a:endParaRPr lang="fr-FR"/>
           </a:p>
@@ -2997,7 +2992,7 @@
           <a:p>
             <a:fld id="{8FF464A0-C30A-4EA4-AFB5-7042FE1A38C1}" type="datetimeFigureOut">
               <a:rPr lang="fr-FR" smtClean="0"/>
-              <a:t>28/05/2018</a:t>
+              <a:t>11/06/2018</a:t>
             </a:fld>
             <a:endParaRPr lang="fr-FR"/>
           </a:p>
@@ -3509,7 +3504,7 @@
           <a:p>
             <a:fld id="{8FF464A0-C30A-4EA4-AFB5-7042FE1A38C1}" type="datetimeFigureOut">
               <a:rPr lang="fr-FR" smtClean="0"/>
-              <a:t>28/05/2018</a:t>
+              <a:t>11/06/2018</a:t>
             </a:fld>
             <a:endParaRPr lang="fr-FR"/>
           </a:p>
@@ -3935,7 +3930,7 @@
           <a:p>
             <a:fld id="{8FF464A0-C30A-4EA4-AFB5-7042FE1A38C1}" type="datetimeFigureOut">
               <a:rPr lang="fr-FR" smtClean="0"/>
-              <a:t>28/05/2018</a:t>
+              <a:t>11/06/2018</a:t>
             </a:fld>
             <a:endParaRPr lang="fr-FR"/>
           </a:p>
@@ -4303,7 +4298,7 @@
           <a:p>
             <a:fld id="{8FF464A0-C30A-4EA4-AFB5-7042FE1A38C1}" type="datetimeFigureOut">
               <a:rPr lang="fr-FR" smtClean="0"/>
-              <a:t>28/05/2018</a:t>
+              <a:t>11/06/2018</a:t>
             </a:fld>
             <a:endParaRPr lang="fr-FR"/>
           </a:p>
@@ -5977,7 +5972,7 @@
           <a:p>
             <a:fld id="{8FF464A0-C30A-4EA4-AFB5-7042FE1A38C1}" type="datetimeFigureOut">
               <a:rPr lang="fr-FR" smtClean="0"/>
-              <a:t>28/05/2018</a:t>
+              <a:t>11/06/2018</a:t>
             </a:fld>
             <a:endParaRPr lang="fr-FR"/>
           </a:p>
@@ -7458,7 +7453,7 @@
           <a:p>
             <a:fld id="{8FF464A0-C30A-4EA4-AFB5-7042FE1A38C1}" type="datetimeFigureOut">
               <a:rPr lang="fr-FR" smtClean="0"/>
-              <a:t>28/05/2018</a:t>
+              <a:t>11/06/2018</a:t>
             </a:fld>
             <a:endParaRPr lang="fr-FR"/>
           </a:p>
@@ -9371,7 +9366,7 @@
           <a:p>
             <a:fld id="{8FF464A0-C30A-4EA4-AFB5-7042FE1A38C1}" type="datetimeFigureOut">
               <a:rPr lang="fr-FR" smtClean="0"/>
-              <a:t>28/05/2018</a:t>
+              <a:t>11/06/2018</a:t>
             </a:fld>
             <a:endParaRPr lang="fr-FR"/>
           </a:p>
@@ -9556,7 +9551,7 @@
           <a:p>
             <a:fld id="{8FF464A0-C30A-4EA4-AFB5-7042FE1A38C1}" type="datetimeFigureOut">
               <a:rPr lang="fr-FR" smtClean="0"/>
-              <a:t>28/05/2018</a:t>
+              <a:t>11/06/2018</a:t>
             </a:fld>
             <a:endParaRPr lang="fr-FR"/>
           </a:p>
@@ -9689,7 +9684,7 @@
           <a:p>
             <a:fld id="{8FF464A0-C30A-4EA4-AFB5-7042FE1A38C1}" type="datetimeFigureOut">
               <a:rPr lang="fr-FR" smtClean="0"/>
-              <a:t>28/05/2018</a:t>
+              <a:t>11/06/2018</a:t>
             </a:fld>
             <a:endParaRPr lang="fr-FR"/>
           </a:p>
@@ -9971,7 +9966,7 @@
           <a:p>
             <a:fld id="{8FF464A0-C30A-4EA4-AFB5-7042FE1A38C1}" type="datetimeFigureOut">
               <a:rPr lang="fr-FR" smtClean="0"/>
-              <a:t>28/05/2018</a:t>
+              <a:t>11/06/2018</a:t>
             </a:fld>
             <a:endParaRPr lang="fr-FR"/>
           </a:p>
@@ -10336,7 +10331,7 @@
           <a:p>
             <a:fld id="{8FF464A0-C30A-4EA4-AFB5-7042FE1A38C1}" type="datetimeFigureOut">
               <a:rPr lang="fr-FR" smtClean="0"/>
-              <a:t>28/05/2018</a:t>
+              <a:t>11/06/2018</a:t>
             </a:fld>
             <a:endParaRPr lang="fr-FR"/>
           </a:p>
@@ -11631,7 +11626,7 @@
           <a:p>
             <a:fld id="{8FF464A0-C30A-4EA4-AFB5-7042FE1A38C1}" type="datetimeFigureOut">
               <a:rPr lang="fr-FR" smtClean="0"/>
-              <a:t>28/05/2018</a:t>
+              <a:t>11/06/2018</a:t>
             </a:fld>
             <a:endParaRPr lang="fr-FR"/>
           </a:p>
@@ -12164,7 +12159,7 @@
           <a:p>
             <a:fld id="{8FF464A0-C30A-4EA4-AFB5-7042FE1A38C1}" type="datetimeFigureOut">
               <a:rPr lang="fr-FR" smtClean="0"/>
-              <a:t>28/05/2018</a:t>
+              <a:t>11/06/2018</a:t>
             </a:fld>
             <a:endParaRPr lang="fr-FR"/>
           </a:p>
@@ -12673,7 +12668,7 @@
           <a:p>
             <a:fld id="{8FF464A0-C30A-4EA4-AFB5-7042FE1A38C1}" type="datetimeFigureOut">
               <a:rPr lang="fr-FR" smtClean="0"/>
-              <a:t>28/05/2018</a:t>
+              <a:t>11/06/2018</a:t>
             </a:fld>
             <a:endParaRPr lang="fr-FR"/>
           </a:p>
@@ -13417,12 +13412,7 @@
             <p:ph type="title"/>
           </p:nvPr>
         </p:nvSpPr>
-        <p:spPr>
-          <a:xfrm>
-            <a:off x="35496" y="339502"/>
-            <a:ext cx="9108504" cy="565175"/>
-          </a:xfrm>
-        </p:spPr>
+        <p:spPr/>
         <p:txBody>
           <a:bodyPr>
             <a:normAutofit fontScale="90000"/>
@@ -13430,51 +13420,20 @@
           <a:lstStyle/>
           <a:p>
             <a:r>
-              <a:rPr lang="fr-FR" dirty="0" err="1"/>
+              <a:rPr lang="fr-FR" dirty="0" err="1" smtClean="0"/>
               <a:t>What</a:t>
             </a:r>
             <a:r>
-              <a:rPr lang="fr-FR" dirty="0"/>
+              <a:rPr lang="fr-FR" dirty="0" smtClean="0"/>
               <a:t> </a:t>
             </a:r>
             <a:r>
-              <a:rPr lang="fr-FR" dirty="0" err="1"/>
+              <a:rPr lang="fr-FR" dirty="0" err="1" smtClean="0"/>
               <a:t>is</a:t>
             </a:r>
             <a:r>
-              <a:rPr lang="fr-FR" dirty="0"/>
-              <a:t> </a:t>
-            </a:r>
-            <a:r>
-              <a:rPr lang="fr-FR" dirty="0" err="1"/>
-              <a:t>difference</a:t>
-            </a:r>
-            <a:r>
-              <a:rPr lang="fr-FR" dirty="0"/>
-              <a:t> </a:t>
-            </a:r>
-            <a:r>
-              <a:rPr lang="fr-FR" dirty="0" err="1" smtClean="0"/>
-              <a:t>with</a:t>
-            </a:r>
-            <a:r>
-              <a:rPr lang="fr-FR" dirty="0" smtClean="0"/>
-              <a:t> </a:t>
-            </a:r>
-            <a:r>
-              <a:rPr lang="fr-FR" b="1" dirty="0" err="1" smtClean="0"/>
-              <a:t>InlinedAnnotationSupport</a:t>
-            </a:r>
-            <a:r>
-              <a:rPr lang="fr-FR" dirty="0"/>
-              <a:t>?</a:t>
-            </a:r>
-            <a:br>
-              <a:rPr lang="fr-FR" dirty="0"/>
-            </a:br>
-            <a:r>
-              <a:rPr lang="fr-FR" dirty="0"/>
-              <a:t> </a:t>
+              <a:rPr lang="fr-FR" dirty="0" smtClean="0"/>
+              <a:t> Code Mining?</a:t>
             </a:r>
             <a:endParaRPr lang="fr-FR" dirty="0"/>
           </a:p>
@@ -13493,187 +13452,9 @@
         <p:spPr/>
         <p:txBody>
           <a:bodyPr>
-            <a:normAutofit lnSpcReduction="10000"/>
+            <a:normAutofit/>
           </a:bodyPr>
           <a:lstStyle/>
-          <a:p>
-            <a:r>
-              <a:rPr lang="fr-FR" dirty="0" smtClean="0"/>
-              <a:t>Manage </a:t>
-            </a:r>
-            <a:r>
-              <a:rPr lang="fr-FR" b="1" dirty="0" err="1" smtClean="0"/>
-              <a:t>mining</a:t>
-            </a:r>
-            <a:r>
-              <a:rPr lang="fr-FR" b="1" dirty="0" smtClean="0"/>
-              <a:t> </a:t>
-            </a:r>
-            <a:r>
-              <a:rPr lang="fr-FR" dirty="0" smtClean="0"/>
-              <a:t>instances </a:t>
-            </a:r>
-            <a:r>
-              <a:rPr lang="fr-FR" dirty="0" err="1" smtClean="0"/>
-              <a:t>instead</a:t>
-            </a:r>
-            <a:r>
-              <a:rPr lang="fr-FR" dirty="0" smtClean="0"/>
-              <a:t> of </a:t>
-            </a:r>
-            <a:r>
-              <a:rPr lang="fr-FR" b="1" dirty="0" smtClean="0"/>
-              <a:t>annotation</a:t>
-            </a:r>
-            <a:r>
-              <a:rPr lang="fr-FR" dirty="0" smtClean="0"/>
-              <a:t> instances.</a:t>
-            </a:r>
-          </a:p>
-          <a:p>
-            <a:r>
-              <a:rPr lang="fr-FR" dirty="0" err="1" smtClean="0"/>
-              <a:t>CodeMining</a:t>
-            </a:r>
-            <a:r>
-              <a:rPr lang="fr-FR" dirty="0" smtClean="0"/>
-              <a:t> use the support to </a:t>
-            </a:r>
-            <a:r>
-              <a:rPr lang="fr-FR" b="1" dirty="0" err="1" smtClean="0"/>
-              <a:t>draw</a:t>
-            </a:r>
-            <a:r>
-              <a:rPr lang="fr-FR" b="1" dirty="0" smtClean="0"/>
-              <a:t> </a:t>
-            </a:r>
-            <a:r>
-              <a:rPr lang="fr-FR" b="1" dirty="0" err="1" smtClean="0"/>
-              <a:t>mining</a:t>
-            </a:r>
-            <a:endParaRPr lang="fr-FR" b="1" dirty="0" smtClean="0"/>
-          </a:p>
-          <a:p>
-            <a:endParaRPr lang="fr-FR" dirty="0" smtClean="0"/>
-          </a:p>
-          <a:p>
-            <a:endParaRPr lang="fr-FR" dirty="0"/>
-          </a:p>
-          <a:p>
-            <a:endParaRPr lang="fr-FR" dirty="0" smtClean="0"/>
-          </a:p>
-          <a:p>
-            <a:endParaRPr lang="fr-FR" b="1" dirty="0" smtClean="0"/>
-          </a:p>
-          <a:p>
-            <a:r>
-              <a:rPr lang="fr-FR" b="1" dirty="0" err="1" smtClean="0"/>
-              <a:t>don’t</a:t>
-            </a:r>
-            <a:r>
-              <a:rPr lang="fr-FR" b="1" dirty="0" smtClean="0"/>
-              <a:t> </a:t>
-            </a:r>
-            <a:r>
-              <a:rPr lang="fr-FR" b="1" dirty="0" err="1" smtClean="0"/>
-              <a:t>freeze</a:t>
-            </a:r>
-            <a:r>
-              <a:rPr lang="fr-FR" b="1" dirty="0" smtClean="0"/>
-              <a:t> the UI :</a:t>
-            </a:r>
-          </a:p>
-          <a:p>
-            <a:pPr lvl="1"/>
-            <a:r>
-              <a:rPr lang="fr-FR" dirty="0" smtClean="0"/>
-              <a:t>Code </a:t>
-            </a:r>
-            <a:r>
-              <a:rPr lang="fr-FR" dirty="0" err="1" smtClean="0"/>
-              <a:t>mining</a:t>
-            </a:r>
-            <a:r>
-              <a:rPr lang="fr-FR" dirty="0" smtClean="0"/>
-              <a:t> instances are </a:t>
-            </a:r>
-            <a:r>
-              <a:rPr lang="fr-FR" dirty="0" err="1" smtClean="0"/>
-              <a:t>created</a:t>
-            </a:r>
-            <a:r>
-              <a:rPr lang="fr-FR" dirty="0" smtClean="0"/>
-              <a:t> in background</a:t>
-            </a:r>
-          </a:p>
-          <a:p>
-            <a:pPr lvl="1"/>
-            <a:r>
-              <a:rPr lang="fr-FR" dirty="0" err="1" smtClean="0"/>
-              <a:t>Draw</a:t>
-            </a:r>
-            <a:r>
-              <a:rPr lang="fr-FR" dirty="0" smtClean="0"/>
-              <a:t> of code </a:t>
-            </a:r>
-            <a:r>
-              <a:rPr lang="fr-FR" dirty="0" err="1" smtClean="0"/>
-              <a:t>mining</a:t>
-            </a:r>
-            <a:r>
-              <a:rPr lang="fr-FR" dirty="0" smtClean="0"/>
-              <a:t> </a:t>
-            </a:r>
-            <a:r>
-              <a:rPr lang="fr-FR" dirty="0" err="1" smtClean="0"/>
-              <a:t>is</a:t>
-            </a:r>
-            <a:r>
-              <a:rPr lang="fr-FR" dirty="0" smtClean="0"/>
-              <a:t> </a:t>
-            </a:r>
-            <a:r>
-              <a:rPr lang="fr-FR" dirty="0" err="1" smtClean="0"/>
-              <a:t>done</a:t>
-            </a:r>
-            <a:r>
-              <a:rPr lang="fr-FR" dirty="0" smtClean="0"/>
-              <a:t> </a:t>
-            </a:r>
-            <a:r>
-              <a:rPr lang="fr-FR" dirty="0" err="1" smtClean="0"/>
-              <a:t>only</a:t>
-            </a:r>
-            <a:r>
-              <a:rPr lang="fr-FR" dirty="0" smtClean="0"/>
-              <a:t> </a:t>
-            </a:r>
-            <a:r>
-              <a:rPr lang="fr-FR" dirty="0" err="1" smtClean="0"/>
-              <a:t>when</a:t>
-            </a:r>
-            <a:r>
-              <a:rPr lang="fr-FR" dirty="0" smtClean="0"/>
-              <a:t> content </a:t>
-            </a:r>
-            <a:r>
-              <a:rPr lang="fr-FR" dirty="0" err="1" smtClean="0"/>
-              <a:t>is</a:t>
-            </a:r>
-            <a:r>
-              <a:rPr lang="fr-FR" dirty="0" smtClean="0"/>
-              <a:t> </a:t>
-            </a:r>
-            <a:r>
-              <a:rPr lang="fr-FR" dirty="0" err="1" smtClean="0"/>
-              <a:t>ready</a:t>
-            </a:r>
-            <a:r>
-              <a:rPr lang="fr-FR" dirty="0" smtClean="0"/>
-              <a:t>.</a:t>
-            </a:r>
-            <a:endParaRPr lang="fr-FR" dirty="0"/>
-          </a:p>
           <a:p>
             <a:endParaRPr lang="fr-FR" dirty="0"/>
           </a:p>
@@ -13689,7 +13470,7 @@
       </p:sp>
       <p:pic>
         <p:nvPicPr>
-          <p:cNvPr id="4" name="Image 3"/>
+          <p:cNvPr id="5" name="Image 4"/>
           <p:cNvPicPr>
             <a:picLocks noChangeAspect="1"/>
           </p:cNvPicPr>
@@ -13703,8 +13484,8 @@
         </p:blipFill>
         <p:spPr>
           <a:xfrm>
-            <a:off x="1979712" y="1779662"/>
-            <a:ext cx="2880320" cy="1632443"/>
+            <a:off x="323528" y="987574"/>
+            <a:ext cx="8372475" cy="3009900"/>
           </a:xfrm>
           <a:prstGeom prst="rect">
             <a:avLst/>
@@ -13714,7 +13495,7 @@
     </p:spTree>
     <p:extLst>
       <p:ext uri="{BB962C8B-B14F-4D97-AF65-F5344CB8AC3E}">
-        <p14:creationId xmlns:p14="http://schemas.microsoft.com/office/powerpoint/2010/main" val="302506574"/>
+        <p14:creationId xmlns:p14="http://schemas.microsoft.com/office/powerpoint/2010/main" val="4266680899"/>
       </p:ext>
     </p:extLst>
   </p:cSld>
@@ -13766,20 +13547,12 @@
           <a:lstStyle/>
           <a:p>
             <a:r>
+              <a:rPr lang="fr-FR" dirty="0" smtClean="0"/>
+              <a:t>Code Mining – API - </a:t>
+            </a:r>
+            <a:r>
               <a:rPr lang="fr-FR" dirty="0" err="1" smtClean="0"/>
-              <a:t>What</a:t>
-            </a:r>
-            <a:r>
-              <a:rPr lang="fr-FR" dirty="0" smtClean="0"/>
-              <a:t> </a:t>
-            </a:r>
-            <a:r>
-              <a:rPr lang="fr-FR" dirty="0" err="1" smtClean="0"/>
-              <a:t>is</a:t>
-            </a:r>
-            <a:r>
-              <a:rPr lang="fr-FR" dirty="0" smtClean="0"/>
-              <a:t> Code Mining?</a:t>
+              <a:t>Overview</a:t>
             </a:r>
             <a:endParaRPr lang="fr-FR" dirty="0"/>
           </a:p>
@@ -13798,50 +13571,126 @@
         <p:spPr/>
         <p:txBody>
           <a:bodyPr>
-            <a:normAutofit/>
+            <a:normAutofit fontScale="92500" lnSpcReduction="20000"/>
           </a:bodyPr>
           <a:lstStyle/>
           <a:p>
+            <a:r>
+              <a:rPr lang="en-US" b="1" dirty="0" err="1" smtClean="0"/>
+              <a:t>ICodeMining</a:t>
+            </a:r>
+            <a:endParaRPr lang="en-US" b="1" dirty="0" smtClean="0"/>
+          </a:p>
+          <a:p>
+            <a:pPr lvl="1"/>
+            <a:r>
+              <a:rPr lang="en-US" dirty="0" err="1" smtClean="0"/>
+              <a:t>LineHeaderCodeMining</a:t>
+            </a:r>
+            <a:endParaRPr lang="en-US" dirty="0" smtClean="0"/>
+          </a:p>
+          <a:p>
+            <a:pPr lvl="1"/>
+            <a:r>
+              <a:rPr lang="en-US" dirty="0" err="1" smtClean="0"/>
+              <a:t>LineContentCodeMining</a:t>
+            </a:r>
+            <a:endParaRPr lang="en-US" dirty="0" smtClean="0"/>
+          </a:p>
+          <a:p>
+            <a:r>
+              <a:rPr lang="en-US" b="1" dirty="0" err="1" smtClean="0"/>
+              <a:t>ICodeMiningProvider</a:t>
+            </a:r>
+            <a:endParaRPr lang="en-US" b="1" dirty="0" smtClean="0"/>
+          </a:p>
+          <a:p>
+            <a:r>
+              <a:rPr lang="en-US" b="1" dirty="0" smtClean="0"/>
+              <a:t>ISourceViewerExtension5</a:t>
+            </a:r>
+          </a:p>
+          <a:p>
+            <a:r>
+              <a:rPr lang="en-US" dirty="0" smtClean="0"/>
+              <a:t>Use of </a:t>
+            </a:r>
+            <a:r>
+              <a:rPr lang="en-US" b="1" dirty="0" err="1" smtClean="0"/>
+              <a:t>CompletableFuture</a:t>
+            </a:r>
+            <a:r>
+              <a:rPr lang="en-US" b="1" dirty="0" smtClean="0"/>
+              <a:t>:</a:t>
+            </a:r>
+          </a:p>
+          <a:p>
+            <a:pPr lvl="1"/>
+            <a:r>
+              <a:rPr lang="en-US" b="1" dirty="0" err="1" smtClean="0"/>
+              <a:t>ICodeMiningProvider#provideCodeMinings</a:t>
+            </a:r>
+            <a:r>
+              <a:rPr lang="en-US" b="1" dirty="0" smtClean="0"/>
+              <a:t> </a:t>
+            </a:r>
+            <a:r>
+              <a:rPr lang="en-US" dirty="0" smtClean="0"/>
+              <a:t>to create code </a:t>
+            </a:r>
+            <a:r>
+              <a:rPr lang="en-US" dirty="0" err="1" smtClean="0"/>
+              <a:t>minings</a:t>
+            </a:r>
+            <a:r>
+              <a:rPr lang="en-US" dirty="0" smtClean="0"/>
+              <a:t> instances with position</a:t>
+            </a:r>
+          </a:p>
+          <a:p>
+            <a:pPr lvl="2"/>
+            <a:r>
+              <a:rPr lang="en-US" dirty="0" smtClean="0"/>
+              <a:t>must be fast: to avoid not creating other mining of other code mining provider.</a:t>
+            </a:r>
+          </a:p>
+          <a:p>
+            <a:pPr lvl="1"/>
+            <a:r>
+              <a:rPr lang="en-US" b="1" dirty="0" err="1" smtClean="0"/>
+              <a:t>ICodeMining#resolve</a:t>
+            </a:r>
+            <a:r>
+              <a:rPr lang="en-US" b="1" dirty="0" smtClean="0"/>
+              <a:t>: </a:t>
+            </a:r>
+            <a:r>
+              <a:rPr lang="en-US" dirty="0" smtClean="0"/>
+              <a:t>to resolve content of mining if it takes time</a:t>
+            </a:r>
+          </a:p>
+          <a:p>
+            <a:pPr lvl="2"/>
+            <a:r>
+              <a:rPr lang="en-US" dirty="0" smtClean="0"/>
+              <a:t>can be slow</a:t>
+            </a:r>
+          </a:p>
+          <a:p>
+            <a:endParaRPr lang="en-US" b="1" dirty="0" smtClean="0"/>
+          </a:p>
+          <a:p>
+            <a:pPr marL="0" indent="0">
+              <a:buNone/>
+            </a:pPr>
             <a:endParaRPr lang="fr-FR" dirty="0"/>
-          </a:p>
-          <a:p>
-            <a:pPr lvl="2"/>
-            <a:endParaRPr lang="fr-FR" dirty="0" smtClean="0"/>
-          </a:p>
-          <a:p>
-            <a:pPr lvl="2"/>
-            <a:endParaRPr lang="fr-FR" dirty="0" smtClean="0"/>
           </a:p>
         </p:txBody>
       </p:sp>
-      <p:pic>
-        <p:nvPicPr>
-          <p:cNvPr id="5" name="Image 4"/>
-          <p:cNvPicPr>
-            <a:picLocks noChangeAspect="1"/>
-          </p:cNvPicPr>
-          <p:nvPr/>
-        </p:nvPicPr>
-        <p:blipFill>
-          <a:blip r:embed="rId2"/>
-          <a:stretch>
-            <a:fillRect/>
-          </a:stretch>
-        </p:blipFill>
-        <p:spPr>
-          <a:xfrm>
-            <a:off x="323528" y="987574"/>
-            <a:ext cx="8372475" cy="3009900"/>
-          </a:xfrm>
-          <a:prstGeom prst="rect">
-            <a:avLst/>
-          </a:prstGeom>
-        </p:spPr>
-      </p:pic>
     </p:spTree>
     <p:extLst>
       <p:ext uri="{BB962C8B-B14F-4D97-AF65-F5344CB8AC3E}">
-        <p14:creationId xmlns:p14="http://schemas.microsoft.com/office/powerpoint/2010/main" val="4266680899"/>
+        <p14:creationId xmlns:p14="http://schemas.microsoft.com/office/powerpoint/2010/main" val="4230650484"/>
       </p:ext>
     </p:extLst>
   </p:cSld>
@@ -13893,32 +13742,12 @@
           <a:lstStyle/>
           <a:p>
             <a:r>
+              <a:rPr lang="fr-FR" dirty="0" smtClean="0"/>
+              <a:t>Code Mining – API - </a:t>
+            </a:r>
+            <a:r>
               <a:rPr lang="fr-FR" dirty="0" err="1" smtClean="0"/>
-              <a:t>What</a:t>
-            </a:r>
-            <a:r>
-              <a:rPr lang="fr-FR" dirty="0" smtClean="0"/>
-              <a:t> </a:t>
-            </a:r>
-            <a:r>
-              <a:rPr lang="fr-FR" dirty="0" err="1" smtClean="0"/>
-              <a:t>is</a:t>
-            </a:r>
-            <a:r>
-              <a:rPr lang="fr-FR" dirty="0" smtClean="0"/>
-              <a:t> Code Mining? – </a:t>
-            </a:r>
-            <a:r>
-              <a:rPr lang="fr-FR" dirty="0" err="1" smtClean="0"/>
-              <a:t>Internal</a:t>
-            </a:r>
-            <a:r>
-              <a:rPr lang="fr-FR" dirty="0" smtClean="0"/>
-              <a:t> </a:t>
-            </a:r>
-            <a:r>
-              <a:rPr lang="fr-FR" dirty="0" smtClean="0"/>
-              <a:t>class (TO REMOVE)</a:t>
+              <a:t>ICodeMining</a:t>
             </a:r>
             <a:endParaRPr lang="fr-FR" dirty="0"/>
           </a:p>
@@ -13937,438 +13766,118 @@
         <p:spPr/>
         <p:txBody>
           <a:bodyPr>
-            <a:normAutofit fontScale="85000" lnSpcReduction="20000"/>
+            <a:normAutofit/>
           </a:bodyPr>
           <a:lstStyle/>
           <a:p>
             <a:r>
-              <a:rPr lang="fr-FR" dirty="0" err="1" smtClean="0"/>
-              <a:t>Managed</a:t>
-            </a:r>
-            <a:r>
-              <a:rPr lang="fr-FR" dirty="0" smtClean="0"/>
+              <a:rPr lang="en-US" b="1" dirty="0" err="1" smtClean="0"/>
+              <a:t>AbstractCodeMining</a:t>
+            </a:r>
+            <a:r>
+              <a:rPr lang="en-US" b="1" dirty="0" smtClean="0"/>
+              <a:t>  </a:t>
+            </a:r>
+            <a:r>
+              <a:rPr lang="en-US" dirty="0" smtClean="0"/>
+              <a:t>is base class:</a:t>
+            </a:r>
+          </a:p>
+          <a:p>
+            <a:pPr lvl="1"/>
+            <a:r>
+              <a:rPr lang="en-US" dirty="0" smtClean="0"/>
+              <a:t>Several methods like </a:t>
+            </a:r>
+          </a:p>
+          <a:p>
+            <a:pPr lvl="2"/>
+            <a:r>
+              <a:rPr lang="en-US" b="1" dirty="0" err="1" smtClean="0"/>
+              <a:t>setLabel</a:t>
+            </a:r>
+            <a:r>
+              <a:rPr lang="en-US" dirty="0" smtClean="0"/>
+              <a:t> : set the text content of the annotation</a:t>
+            </a:r>
+          </a:p>
+          <a:p>
+            <a:pPr lvl="2"/>
+            <a:r>
+              <a:rPr lang="en-US" b="1" dirty="0" smtClean="0"/>
+              <a:t>draw</a:t>
+            </a:r>
+            <a:r>
+              <a:rPr lang="en-US" dirty="0" smtClean="0"/>
+              <a:t> : by default draw the set text, can be </a:t>
+            </a:r>
+            <a:r>
+              <a:rPr lang="en-US" dirty="0" err="1" smtClean="0"/>
+              <a:t>overrided</a:t>
+            </a:r>
+            <a:r>
+              <a:rPr lang="en-US" dirty="0" smtClean="0"/>
+              <a:t> to draw anything</a:t>
+            </a:r>
+          </a:p>
+          <a:p>
+            <a:pPr lvl="2"/>
+            <a:r>
+              <a:rPr lang="en-US" b="1" dirty="0" err="1" smtClean="0"/>
+              <a:t>getAction</a:t>
+            </a:r>
+            <a:r>
+              <a:rPr lang="en-US" dirty="0" smtClean="0"/>
+              <a:t>: implement it to bind an action on click of the mining</a:t>
+            </a:r>
+          </a:p>
+          <a:p>
+            <a:pPr lvl="1"/>
+            <a:r>
+              <a:rPr lang="en-US" dirty="0" smtClean="0"/>
+              <a:t>2 code mining kinds which extends </a:t>
+            </a:r>
+            <a:r>
+              <a:rPr lang="en-US" b="1" dirty="0" err="1"/>
+              <a:t>AbstractCodeMining</a:t>
+            </a:r>
+            <a:r>
+              <a:rPr lang="en-US" b="1" dirty="0"/>
               <a:t> </a:t>
             </a:r>
             <a:r>
-              <a:rPr lang="fr-FR" dirty="0" err="1" smtClean="0"/>
-              <a:t>with</a:t>
-            </a:r>
-            <a:r>
-              <a:rPr lang="fr-FR" dirty="0" smtClean="0"/>
-              <a:t> </a:t>
-            </a:r>
-            <a:r>
-              <a:rPr lang="fr-FR" dirty="0" err="1" smtClean="0"/>
-              <a:t>internal</a:t>
-            </a:r>
-            <a:r>
-              <a:rPr lang="fr-FR" dirty="0" smtClean="0"/>
-              <a:t> class </a:t>
-            </a:r>
+              <a:rPr lang="en-US" dirty="0" smtClean="0"/>
+              <a:t>:</a:t>
+            </a:r>
+          </a:p>
+          <a:p>
+            <a:pPr lvl="2"/>
+            <a:r>
+              <a:rPr lang="en-US" b="1" dirty="0" err="1" smtClean="0"/>
+              <a:t>LineHeaderCodeMining</a:t>
+            </a:r>
+            <a:endParaRPr lang="en-US" b="1" dirty="0"/>
+          </a:p>
+          <a:p>
+            <a:pPr lvl="2"/>
+            <a:r>
+              <a:rPr lang="en-US" b="1" dirty="0" err="1" smtClean="0"/>
+              <a:t>LineContentCodeMining</a:t>
+            </a:r>
+            <a:endParaRPr lang="en-US" b="1" dirty="0" smtClean="0"/>
           </a:p>
           <a:p>
             <a:pPr marL="0" indent="0">
               <a:buNone/>
             </a:pPr>
-            <a:r>
-              <a:rPr lang="fr-FR" b="1" dirty="0"/>
-              <a:t> </a:t>
-            </a:r>
-            <a:r>
-              <a:rPr lang="fr-FR" b="1" dirty="0" smtClean="0"/>
-              <a:t>   </a:t>
-            </a:r>
-            <a:r>
-              <a:rPr lang="fr-FR" b="1" dirty="0" err="1" smtClean="0"/>
-              <a:t>CodeMiningManager</a:t>
-            </a:r>
-            <a:endParaRPr lang="fr-FR" b="1" dirty="0" smtClean="0"/>
-          </a:p>
-          <a:p>
-            <a:pPr lvl="1"/>
-            <a:r>
-              <a:rPr lang="fr-FR" dirty="0" smtClean="0"/>
-              <a:t>Works </a:t>
-            </a:r>
-            <a:r>
-              <a:rPr lang="fr-FR" dirty="0" err="1" smtClean="0"/>
-              <a:t>with</a:t>
-            </a:r>
-            <a:r>
-              <a:rPr lang="fr-FR" dirty="0" smtClean="0"/>
-              <a:t> </a:t>
-            </a:r>
-            <a:r>
-              <a:rPr lang="fr-FR" b="1" dirty="0" err="1" smtClean="0"/>
-              <a:t>ICodeMining</a:t>
-            </a:r>
-            <a:r>
-              <a:rPr lang="fr-FR" dirty="0" smtClean="0"/>
-              <a:t> instances</a:t>
-            </a:r>
-            <a:endParaRPr lang="fr-FR" b="1" dirty="0" smtClean="0"/>
-          </a:p>
-          <a:p>
-            <a:pPr lvl="2"/>
-            <a:r>
-              <a:rPr lang="fr-FR" b="1" dirty="0" err="1" smtClean="0"/>
-              <a:t>LineHeaderCodeMining</a:t>
-            </a:r>
-            <a:endParaRPr lang="fr-FR" b="1" dirty="0" smtClean="0"/>
-          </a:p>
-          <a:p>
-            <a:pPr lvl="2"/>
-            <a:r>
-              <a:rPr lang="fr-FR" b="1" dirty="0" err="1" smtClean="0"/>
-              <a:t>LineContentCodeMining</a:t>
-            </a:r>
-            <a:endParaRPr lang="fr-FR" b="1" dirty="0" smtClean="0"/>
-          </a:p>
-          <a:p>
-            <a:pPr marL="914400" lvl="2" indent="0">
-              <a:buNone/>
-            </a:pPr>
-            <a:endParaRPr lang="fr-FR" b="1" dirty="0" smtClean="0"/>
-          </a:p>
-          <a:p>
-            <a:pPr lvl="1"/>
-            <a:r>
-              <a:rPr lang="fr-FR" dirty="0"/>
-              <a:t>Use </a:t>
-            </a:r>
-            <a:r>
-              <a:rPr lang="fr-FR" dirty="0" err="1"/>
-              <a:t>InlinedAnnotationSupport</a:t>
-            </a:r>
-            <a:r>
-              <a:rPr lang="fr-FR" dirty="0"/>
-              <a:t> </a:t>
-            </a:r>
-            <a:r>
-              <a:rPr lang="fr-FR" dirty="0" smtClean="0"/>
-              <a:t>to </a:t>
-            </a:r>
-            <a:r>
-              <a:rPr lang="fr-FR" dirty="0" err="1" smtClean="0"/>
-              <a:t>draw</a:t>
-            </a:r>
-            <a:r>
-              <a:rPr lang="fr-FR" dirty="0" smtClean="0"/>
-              <a:t> </a:t>
-            </a:r>
-            <a:r>
-              <a:rPr lang="fr-FR" dirty="0" err="1" smtClean="0"/>
-              <a:t>ICodeMining</a:t>
-            </a:r>
-            <a:r>
-              <a:rPr lang="fr-FR" dirty="0" smtClean="0"/>
-              <a:t> </a:t>
-            </a:r>
-            <a:r>
-              <a:rPr lang="fr-FR" dirty="0" err="1" smtClean="0"/>
-              <a:t>with</a:t>
-            </a:r>
-            <a:r>
-              <a:rPr lang="fr-FR" dirty="0" smtClean="0"/>
-              <a:t> </a:t>
-            </a:r>
-            <a:r>
-              <a:rPr lang="fr-FR" dirty="0" err="1" smtClean="0"/>
-              <a:t>internal</a:t>
-            </a:r>
-            <a:r>
-              <a:rPr lang="fr-FR" dirty="0" smtClean="0"/>
-              <a:t> class: </a:t>
-            </a:r>
             <a:endParaRPr lang="fr-FR" dirty="0"/>
-          </a:p>
-          <a:p>
-            <a:pPr lvl="2"/>
-            <a:r>
-              <a:rPr lang="fr-FR" b="1" dirty="0" err="1"/>
-              <a:t>CodeMiningLineHeaderAnnotation</a:t>
-            </a:r>
-            <a:r>
-              <a:rPr lang="fr-FR" b="1" dirty="0"/>
-              <a:t> : </a:t>
-            </a:r>
-            <a:r>
-              <a:rPr lang="fr-FR" dirty="0" err="1"/>
-              <a:t>draw</a:t>
-            </a:r>
-            <a:r>
-              <a:rPr lang="fr-FR" dirty="0"/>
-              <a:t> </a:t>
-            </a:r>
-            <a:r>
-              <a:rPr lang="fr-FR" dirty="0" err="1"/>
-              <a:t>list</a:t>
-            </a:r>
-            <a:r>
-              <a:rPr lang="fr-FR" dirty="0"/>
-              <a:t> of line header </a:t>
-            </a:r>
-            <a:r>
-              <a:rPr lang="fr-FR" dirty="0" err="1"/>
-              <a:t>minings</a:t>
-            </a:r>
-            <a:r>
-              <a:rPr lang="fr-FR" dirty="0"/>
-              <a:t> for a </a:t>
-            </a:r>
-            <a:r>
-              <a:rPr lang="fr-FR" dirty="0" err="1"/>
-              <a:t>given</a:t>
-            </a:r>
-            <a:r>
-              <a:rPr lang="fr-FR" dirty="0"/>
-              <a:t> offset</a:t>
-            </a:r>
-          </a:p>
-          <a:p>
-            <a:pPr lvl="2"/>
-            <a:r>
-              <a:rPr lang="fr-FR" b="1" dirty="0" err="1"/>
-              <a:t>CodeMiningLineContentAnnotation</a:t>
-            </a:r>
-            <a:r>
-              <a:rPr lang="fr-FR" b="1" dirty="0"/>
-              <a:t> : </a:t>
-            </a:r>
-            <a:r>
-              <a:rPr lang="fr-FR" dirty="0" err="1"/>
-              <a:t>draw</a:t>
-            </a:r>
-            <a:r>
-              <a:rPr lang="fr-FR" dirty="0"/>
-              <a:t> </a:t>
-            </a:r>
-            <a:r>
-              <a:rPr lang="fr-FR" dirty="0" err="1"/>
-              <a:t>list</a:t>
-            </a:r>
-            <a:r>
-              <a:rPr lang="fr-FR" dirty="0"/>
-              <a:t> of line content </a:t>
-            </a:r>
-            <a:r>
-              <a:rPr lang="fr-FR" dirty="0" err="1"/>
-              <a:t>minings</a:t>
-            </a:r>
-            <a:r>
-              <a:rPr lang="fr-FR" dirty="0"/>
-              <a:t> for a </a:t>
-            </a:r>
-            <a:r>
-              <a:rPr lang="fr-FR" dirty="0" err="1"/>
-              <a:t>given</a:t>
-            </a:r>
-            <a:r>
-              <a:rPr lang="fr-FR" dirty="0"/>
-              <a:t> </a:t>
-            </a:r>
-            <a:r>
-              <a:rPr lang="fr-FR" dirty="0" smtClean="0"/>
-              <a:t>offset</a:t>
-            </a:r>
-          </a:p>
-          <a:p>
-            <a:r>
-              <a:rPr lang="fr-FR" dirty="0" err="1"/>
-              <a:t>What</a:t>
-            </a:r>
-            <a:r>
-              <a:rPr lang="fr-FR" dirty="0"/>
-              <a:t> </a:t>
-            </a:r>
-            <a:r>
-              <a:rPr lang="fr-FR" dirty="0" err="1"/>
-              <a:t>is</a:t>
-            </a:r>
-            <a:r>
-              <a:rPr lang="fr-FR" dirty="0"/>
-              <a:t> </a:t>
-            </a:r>
-            <a:r>
-              <a:rPr lang="fr-FR" dirty="0" err="1"/>
-              <a:t>difference</a:t>
-            </a:r>
-            <a:r>
-              <a:rPr lang="fr-FR" dirty="0"/>
-              <a:t> </a:t>
-            </a:r>
-            <a:r>
-              <a:rPr lang="fr-FR" dirty="0" err="1"/>
-              <a:t>with</a:t>
-            </a:r>
-            <a:r>
-              <a:rPr lang="fr-FR" dirty="0"/>
-              <a:t> </a:t>
-            </a:r>
-            <a:r>
-              <a:rPr lang="fr-FR" b="1" dirty="0" err="1" smtClean="0"/>
-              <a:t>InlinedAnnotationSupport</a:t>
-            </a:r>
-            <a:r>
-              <a:rPr lang="fr-FR" dirty="0" smtClean="0"/>
-              <a:t>?</a:t>
-            </a:r>
-          </a:p>
-          <a:p>
-            <a:pPr lvl="1"/>
-            <a:r>
-              <a:rPr lang="fr-FR" b="1" dirty="0" err="1"/>
-              <a:t>don’t</a:t>
-            </a:r>
-            <a:r>
-              <a:rPr lang="fr-FR" b="1" dirty="0"/>
-              <a:t> </a:t>
-            </a:r>
-            <a:r>
-              <a:rPr lang="fr-FR" b="1" dirty="0" err="1"/>
-              <a:t>freeze</a:t>
-            </a:r>
-            <a:r>
-              <a:rPr lang="fr-FR" b="1" dirty="0"/>
-              <a:t> the UI </a:t>
-            </a:r>
-            <a:r>
-              <a:rPr lang="fr-FR" b="1" dirty="0" smtClean="0"/>
-              <a:t>:</a:t>
-            </a:r>
-          </a:p>
-          <a:p>
-            <a:pPr lvl="2"/>
-            <a:r>
-              <a:rPr lang="fr-FR" dirty="0" smtClean="0"/>
-              <a:t>Code </a:t>
-            </a:r>
-            <a:r>
-              <a:rPr lang="fr-FR" dirty="0" err="1" smtClean="0"/>
-              <a:t>mining</a:t>
-            </a:r>
-            <a:r>
-              <a:rPr lang="fr-FR" dirty="0" smtClean="0"/>
-              <a:t> instances are </a:t>
-            </a:r>
-            <a:r>
-              <a:rPr lang="fr-FR" dirty="0" err="1" smtClean="0"/>
-              <a:t>created</a:t>
-            </a:r>
-            <a:r>
-              <a:rPr lang="fr-FR" dirty="0" smtClean="0"/>
-              <a:t> in background</a:t>
-            </a:r>
-          </a:p>
-          <a:p>
-            <a:pPr lvl="2"/>
-            <a:r>
-              <a:rPr lang="fr-FR" dirty="0" err="1" smtClean="0"/>
-              <a:t>Draw</a:t>
-            </a:r>
-            <a:r>
-              <a:rPr lang="fr-FR" dirty="0" smtClean="0"/>
-              <a:t> of code </a:t>
-            </a:r>
-            <a:r>
-              <a:rPr lang="fr-FR" dirty="0" err="1" smtClean="0"/>
-              <a:t>mining</a:t>
-            </a:r>
-            <a:r>
-              <a:rPr lang="fr-FR" dirty="0" smtClean="0"/>
-              <a:t> </a:t>
-            </a:r>
-            <a:r>
-              <a:rPr lang="fr-FR" dirty="0" err="1" smtClean="0"/>
-              <a:t>is</a:t>
-            </a:r>
-            <a:r>
-              <a:rPr lang="fr-FR" dirty="0" smtClean="0"/>
-              <a:t> </a:t>
-            </a:r>
-            <a:r>
-              <a:rPr lang="fr-FR" dirty="0" err="1" smtClean="0"/>
-              <a:t>done</a:t>
-            </a:r>
-            <a:r>
-              <a:rPr lang="fr-FR" dirty="0" smtClean="0"/>
-              <a:t> </a:t>
-            </a:r>
-            <a:r>
-              <a:rPr lang="fr-FR" dirty="0" err="1" smtClean="0"/>
-              <a:t>only</a:t>
-            </a:r>
-            <a:r>
-              <a:rPr lang="fr-FR" dirty="0" smtClean="0"/>
-              <a:t> </a:t>
-            </a:r>
-            <a:r>
-              <a:rPr lang="fr-FR" dirty="0" err="1" smtClean="0"/>
-              <a:t>when</a:t>
-            </a:r>
-            <a:r>
-              <a:rPr lang="fr-FR" dirty="0" smtClean="0"/>
-              <a:t> content </a:t>
-            </a:r>
-            <a:r>
-              <a:rPr lang="fr-FR" dirty="0" err="1" smtClean="0"/>
-              <a:t>is</a:t>
-            </a:r>
-            <a:r>
-              <a:rPr lang="fr-FR" dirty="0" smtClean="0"/>
-              <a:t> </a:t>
-            </a:r>
-            <a:r>
-              <a:rPr lang="fr-FR" dirty="0" err="1" smtClean="0"/>
-              <a:t>ready</a:t>
-            </a:r>
-            <a:r>
-              <a:rPr lang="fr-FR" dirty="0" smtClean="0"/>
-              <a:t>.</a:t>
-            </a:r>
-            <a:endParaRPr lang="fr-FR" dirty="0"/>
-          </a:p>
-          <a:p>
-            <a:endParaRPr lang="fr-FR" dirty="0"/>
-          </a:p>
-          <a:p>
-            <a:pPr lvl="2"/>
-            <a:endParaRPr lang="fr-FR" dirty="0" smtClean="0"/>
-          </a:p>
-          <a:p>
-            <a:pPr lvl="2"/>
-            <a:endParaRPr lang="fr-FR" dirty="0" smtClean="0"/>
           </a:p>
         </p:txBody>
       </p:sp>
-      <p:pic>
-        <p:nvPicPr>
-          <p:cNvPr id="4" name="Image 3"/>
-          <p:cNvPicPr>
-            <a:picLocks noChangeAspect="1"/>
-          </p:cNvPicPr>
-          <p:nvPr/>
-        </p:nvPicPr>
-        <p:blipFill>
-          <a:blip r:embed="rId2"/>
-          <a:stretch>
-            <a:fillRect/>
-          </a:stretch>
-        </p:blipFill>
-        <p:spPr>
-          <a:xfrm>
-            <a:off x="5148064" y="843558"/>
-            <a:ext cx="2880320" cy="1632443"/>
-          </a:xfrm>
-          <a:prstGeom prst="rect">
-            <a:avLst/>
-          </a:prstGeom>
-        </p:spPr>
-      </p:pic>
     </p:spTree>
     <p:extLst>
       <p:ext uri="{BB962C8B-B14F-4D97-AF65-F5344CB8AC3E}">
-        <p14:creationId xmlns:p14="http://schemas.microsoft.com/office/powerpoint/2010/main" val="4155655281"/>
+        <p14:creationId xmlns:p14="http://schemas.microsoft.com/office/powerpoint/2010/main" val="899491159"/>
       </p:ext>
     </p:extLst>
   </p:cSld>
@@ -14421,19 +13930,11 @@
           <a:p>
             <a:r>
               <a:rPr lang="fr-FR" dirty="0" smtClean="0"/>
-              <a:t>Code Mining </a:t>
-            </a:r>
-            <a:r>
-              <a:rPr lang="fr-FR" dirty="0" smtClean="0"/>
-              <a:t>– </a:t>
-            </a:r>
-            <a:r>
-              <a:rPr lang="fr-FR" dirty="0" err="1" smtClean="0"/>
-              <a:t>Process</a:t>
-            </a:r>
-            <a:r>
-              <a:rPr lang="fr-FR" dirty="0" smtClean="0"/>
-              <a:t> (TO REMOVE)</a:t>
+              <a:t>Code Mining – API- </a:t>
+            </a:r>
+            <a:r>
+              <a:rPr lang="en-US" dirty="0" err="1"/>
+              <a:t>ICodeMiningProvider</a:t>
             </a:r>
             <a:endParaRPr lang="fr-FR" dirty="0"/>
           </a:p>
@@ -14441,7 +13942,7 @@
       </p:sp>
       <p:sp>
         <p:nvSpPr>
-          <p:cNvPr id="3" name="Espace réservé du contenu 2"/>
+          <p:cNvPr id="5" name="Espace réservé du contenu 4"/>
           <p:cNvSpPr>
             <a:spLocks noGrp="1"/>
           </p:cNvSpPr>
@@ -14451,377 +13952,20 @@
         </p:nvSpPr>
         <p:spPr/>
         <p:txBody>
-          <a:bodyPr>
-            <a:normAutofit fontScale="77500" lnSpcReduction="20000"/>
-          </a:bodyPr>
+          <a:bodyPr/>
           <a:lstStyle/>
           <a:p>
             <a:r>
-              <a:rPr lang="fr-FR" b="1" dirty="0" err="1" smtClean="0"/>
-              <a:t>Compute</a:t>
-            </a:r>
-            <a:r>
-              <a:rPr lang="fr-FR" b="1" dirty="0" smtClean="0"/>
-              <a:t> </a:t>
-            </a:r>
-            <a:r>
-              <a:rPr lang="fr-FR" b="1" dirty="0" err="1" smtClean="0"/>
-              <a:t>list</a:t>
-            </a:r>
-            <a:r>
-              <a:rPr lang="fr-FR" b="1" dirty="0" smtClean="0"/>
-              <a:t> of code </a:t>
-            </a:r>
-            <a:r>
-              <a:rPr lang="fr-FR" b="1" dirty="0" err="1" smtClean="0"/>
-              <a:t>minings</a:t>
-            </a:r>
-            <a:r>
-              <a:rPr lang="fr-FR" dirty="0" smtClean="0"/>
-              <a:t> for the </a:t>
-            </a:r>
-            <a:r>
               <a:rPr lang="fr-FR" dirty="0" err="1" smtClean="0"/>
-              <a:t>whole</a:t>
-            </a:r>
-            <a:r>
-              <a:rPr lang="fr-FR" dirty="0" smtClean="0"/>
-              <a:t> </a:t>
+              <a:t>Factory</a:t>
+            </a:r>
+            <a:r>
+              <a:rPr lang="fr-FR" dirty="0" smtClean="0"/>
+              <a:t> to </a:t>
             </a:r>
             <a:r>
               <a:rPr lang="fr-FR" dirty="0" err="1" smtClean="0"/>
-              <a:t>text</a:t>
-            </a:r>
-            <a:r>
-              <a:rPr lang="fr-FR" dirty="0" smtClean="0"/>
-              <a:t> editor content</a:t>
-            </a:r>
-            <a:endParaRPr lang="fr-FR" b="1" dirty="0" smtClean="0"/>
-          </a:p>
-          <a:p>
-            <a:pPr lvl="2"/>
-            <a:r>
-              <a:rPr lang="fr-FR" dirty="0" err="1" smtClean="0"/>
-              <a:t>with</a:t>
-            </a:r>
-            <a:r>
-              <a:rPr lang="fr-FR" dirty="0" smtClean="0"/>
-              <a:t> a </a:t>
-            </a:r>
-            <a:r>
-              <a:rPr lang="fr-FR" b="1" dirty="0" smtClean="0"/>
-              <a:t>position</a:t>
-            </a:r>
-          </a:p>
-          <a:p>
-            <a:pPr lvl="2"/>
-            <a:r>
-              <a:rPr lang="fr-FR" dirty="0" err="1" smtClean="0"/>
-              <a:t>with</a:t>
-            </a:r>
-            <a:r>
-              <a:rPr lang="fr-FR" dirty="0" smtClean="0"/>
-              <a:t> a </a:t>
-            </a:r>
-            <a:r>
-              <a:rPr lang="fr-FR" b="1" dirty="0" smtClean="0"/>
-              <a:t>label</a:t>
-            </a:r>
-            <a:r>
-              <a:rPr lang="fr-FR" dirty="0" smtClean="0"/>
-              <a:t> if the </a:t>
-            </a:r>
-            <a:r>
-              <a:rPr lang="fr-FR" dirty="0" err="1" smtClean="0"/>
-              <a:t>compute</a:t>
-            </a:r>
-            <a:r>
-              <a:rPr lang="fr-FR" dirty="0" smtClean="0"/>
-              <a:t> of </a:t>
-            </a:r>
-            <a:r>
-              <a:rPr lang="fr-FR" dirty="0" err="1" smtClean="0"/>
-              <a:t>this</a:t>
-            </a:r>
-            <a:r>
-              <a:rPr lang="fr-FR" dirty="0" smtClean="0"/>
-              <a:t> label </a:t>
-            </a:r>
-            <a:r>
-              <a:rPr lang="fr-FR" dirty="0" err="1" smtClean="0"/>
-              <a:t>is</a:t>
-            </a:r>
-            <a:r>
-              <a:rPr lang="fr-FR" dirty="0" smtClean="0"/>
-              <a:t> </a:t>
-            </a:r>
-            <a:r>
-              <a:rPr lang="fr-FR" dirty="0" err="1" smtClean="0"/>
-              <a:t>fast</a:t>
-            </a:r>
-            <a:r>
-              <a:rPr lang="fr-FR" dirty="0" smtClean="0"/>
-              <a:t> and </a:t>
-            </a:r>
-            <a:r>
-              <a:rPr lang="fr-FR" dirty="0" err="1" smtClean="0"/>
-              <a:t>null</a:t>
-            </a:r>
-            <a:r>
-              <a:rPr lang="fr-FR" dirty="0" smtClean="0"/>
-              <a:t> </a:t>
-            </a:r>
-            <a:r>
-              <a:rPr lang="fr-FR" dirty="0" err="1" smtClean="0"/>
-              <a:t>otherwise</a:t>
-            </a:r>
-            <a:endParaRPr lang="fr-FR" dirty="0" smtClean="0"/>
-          </a:p>
-          <a:p>
-            <a:r>
-              <a:rPr lang="fr-FR" b="1" dirty="0" err="1" smtClean="0">
-                <a:solidFill>
-                  <a:srgbClr val="FF0000"/>
-                </a:solidFill>
-              </a:rPr>
-              <a:t>then</a:t>
-            </a:r>
-            <a:r>
-              <a:rPr lang="fr-FR" b="1" dirty="0" smtClean="0"/>
-              <a:t> </a:t>
-            </a:r>
-            <a:r>
-              <a:rPr lang="fr-FR" b="1" dirty="0" err="1" smtClean="0"/>
-              <a:t>render</a:t>
-            </a:r>
-            <a:r>
-              <a:rPr lang="fr-FR" b="1" dirty="0" smtClean="0"/>
-              <a:t> the </a:t>
-            </a:r>
-            <a:r>
-              <a:rPr lang="fr-FR" b="1" dirty="0" err="1" smtClean="0"/>
-              <a:t>computed</a:t>
-            </a:r>
-            <a:r>
-              <a:rPr lang="fr-FR" b="1" dirty="0" smtClean="0"/>
-              <a:t> </a:t>
-            </a:r>
-            <a:r>
-              <a:rPr lang="fr-FR" b="1" dirty="0" err="1" smtClean="0"/>
-              <a:t>list</a:t>
-            </a:r>
-            <a:endParaRPr lang="fr-FR" b="1" dirty="0" smtClean="0"/>
-          </a:p>
-          <a:p>
-            <a:pPr lvl="2"/>
-            <a:r>
-              <a:rPr lang="fr-FR" dirty="0" smtClean="0"/>
-              <a:t>group by </a:t>
-            </a:r>
-            <a:r>
-              <a:rPr lang="fr-FR" dirty="0" err="1" smtClean="0"/>
-              <a:t>mining</a:t>
-            </a:r>
-            <a:r>
-              <a:rPr lang="fr-FR" dirty="0" smtClean="0"/>
-              <a:t> </a:t>
-            </a:r>
-            <a:r>
-              <a:rPr lang="fr-FR" dirty="0" err="1" smtClean="0"/>
-              <a:t>with</a:t>
-            </a:r>
-            <a:r>
-              <a:rPr lang="fr-FR" dirty="0" smtClean="0"/>
-              <a:t> position and </a:t>
-            </a:r>
-            <a:r>
-              <a:rPr lang="fr-FR" dirty="0" err="1" smtClean="0"/>
-              <a:t>link</a:t>
-            </a:r>
-            <a:r>
-              <a:rPr lang="fr-FR" dirty="0" smtClean="0"/>
-              <a:t> </a:t>
-            </a:r>
-            <a:r>
-              <a:rPr lang="fr-FR" dirty="0" err="1" smtClean="0"/>
-              <a:t>it</a:t>
-            </a:r>
-            <a:r>
-              <a:rPr lang="fr-FR" dirty="0" smtClean="0"/>
-              <a:t> to a </a:t>
-            </a:r>
-            <a:r>
-              <a:rPr lang="fr-FR" b="1" dirty="0" err="1" smtClean="0"/>
-              <a:t>CodeMiningLine</a:t>
-            </a:r>
-            <a:r>
-              <a:rPr lang="fr-FR" b="1" dirty="0" smtClean="0"/>
-              <a:t>*Annotation</a:t>
-            </a:r>
-          </a:p>
-          <a:p>
-            <a:pPr lvl="2"/>
-            <a:r>
-              <a:rPr lang="fr-FR" dirty="0" smtClean="0"/>
-              <a:t>update annotation support </a:t>
-            </a:r>
-            <a:r>
-              <a:rPr lang="fr-FR" dirty="0" err="1" smtClean="0"/>
-              <a:t>with</a:t>
-            </a:r>
-            <a:r>
-              <a:rPr lang="fr-FR" dirty="0" smtClean="0"/>
-              <a:t> the new </a:t>
-            </a:r>
-            <a:r>
-              <a:rPr lang="fr-FR" b="1" dirty="0" err="1" smtClean="0"/>
-              <a:t>CodeMiningLine</a:t>
-            </a:r>
-            <a:r>
-              <a:rPr lang="fr-FR" b="1" dirty="0" smtClean="0"/>
-              <a:t>*Annotation </a:t>
-            </a:r>
-            <a:r>
-              <a:rPr lang="fr-FR" dirty="0" err="1" smtClean="0"/>
-              <a:t>list</a:t>
-            </a:r>
-            <a:endParaRPr lang="fr-FR" dirty="0" smtClean="0"/>
-          </a:p>
-          <a:p>
-            <a:r>
-              <a:rPr lang="fr-FR" dirty="0" smtClean="0"/>
-              <a:t>The update of annotations call the </a:t>
-            </a:r>
-            <a:r>
-              <a:rPr lang="fr-FR" dirty="0" err="1" smtClean="0"/>
-              <a:t>AnnotationPainter</a:t>
-            </a:r>
-            <a:r>
-              <a:rPr lang="fr-FR" dirty="0" smtClean="0"/>
-              <a:t> </a:t>
-            </a:r>
-            <a:r>
-              <a:rPr lang="fr-FR" dirty="0" err="1" smtClean="0"/>
-              <a:t>which</a:t>
-            </a:r>
-            <a:r>
-              <a:rPr lang="fr-FR" dirty="0" smtClean="0"/>
-              <a:t> </a:t>
-            </a:r>
-            <a:r>
-              <a:rPr lang="fr-FR" dirty="0" err="1" smtClean="0"/>
-              <a:t>draws</a:t>
-            </a:r>
-            <a:r>
-              <a:rPr lang="fr-FR" dirty="0" smtClean="0"/>
-              <a:t> </a:t>
-            </a:r>
-            <a:r>
-              <a:rPr lang="fr-FR" dirty="0" err="1" smtClean="0"/>
-              <a:t>each</a:t>
-            </a:r>
-            <a:r>
-              <a:rPr lang="fr-FR" dirty="0" smtClean="0"/>
-              <a:t> annotations:</a:t>
-            </a:r>
-          </a:p>
-          <a:p>
-            <a:pPr lvl="1"/>
-            <a:r>
-              <a:rPr lang="fr-FR" dirty="0" smtClean="0"/>
-              <a:t>A </a:t>
-            </a:r>
-            <a:r>
-              <a:rPr lang="fr-FR" dirty="0" err="1" smtClean="0"/>
-              <a:t>given</a:t>
-            </a:r>
-            <a:r>
-              <a:rPr lang="fr-FR" dirty="0" smtClean="0"/>
-              <a:t> </a:t>
-            </a:r>
-            <a:r>
-              <a:rPr lang="fr-FR" b="1" dirty="0" err="1" smtClean="0"/>
-              <a:t>CodeMiningLine</a:t>
-            </a:r>
-            <a:r>
-              <a:rPr lang="fr-FR" b="1" dirty="0" smtClean="0"/>
-              <a:t>*Annotation</a:t>
-            </a:r>
-            <a:r>
-              <a:rPr lang="fr-FR" dirty="0" smtClean="0"/>
-              <a:t> </a:t>
-            </a:r>
-            <a:r>
-              <a:rPr lang="fr-FR" dirty="0" err="1" smtClean="0"/>
-              <a:t>is</a:t>
-            </a:r>
-            <a:r>
-              <a:rPr lang="fr-FR" dirty="0" smtClean="0"/>
-              <a:t> </a:t>
-            </a:r>
-            <a:r>
-              <a:rPr lang="fr-FR" dirty="0" err="1" smtClean="0"/>
-              <a:t>drawn</a:t>
-            </a:r>
-            <a:r>
-              <a:rPr lang="fr-FR" dirty="0" smtClean="0"/>
-              <a:t> </a:t>
-            </a:r>
-            <a:r>
-              <a:rPr lang="fr-FR" dirty="0" err="1" smtClean="0"/>
-              <a:t>only</a:t>
-            </a:r>
-            <a:r>
-              <a:rPr lang="fr-FR" dirty="0" smtClean="0"/>
-              <a:t> if </a:t>
-            </a:r>
-            <a:r>
-              <a:rPr lang="fr-FR" dirty="0" err="1" smtClean="0"/>
-              <a:t>it</a:t>
-            </a:r>
-            <a:r>
-              <a:rPr lang="fr-FR" dirty="0" smtClean="0"/>
-              <a:t> </a:t>
-            </a:r>
-            <a:r>
-              <a:rPr lang="fr-FR" dirty="0" err="1" smtClean="0"/>
-              <a:t>is</a:t>
-            </a:r>
-            <a:r>
-              <a:rPr lang="fr-FR" dirty="0" smtClean="0"/>
-              <a:t> in visible </a:t>
-            </a:r>
-            <a:r>
-              <a:rPr lang="fr-FR" dirty="0" err="1" smtClean="0"/>
-              <a:t>lines</a:t>
-            </a:r>
-            <a:endParaRPr lang="fr-FR" dirty="0" smtClean="0"/>
-          </a:p>
-          <a:p>
-            <a:pPr lvl="1"/>
-            <a:r>
-              <a:rPr lang="fr-FR" b="1" dirty="0" err="1" smtClean="0"/>
-              <a:t>CodeMiningLine</a:t>
-            </a:r>
-            <a:r>
-              <a:rPr lang="fr-FR" b="1" dirty="0" smtClean="0"/>
-              <a:t>*Annotation</a:t>
-            </a:r>
-            <a:r>
-              <a:rPr lang="fr-FR" dirty="0" smtClean="0"/>
-              <a:t> </a:t>
-            </a:r>
-            <a:r>
-              <a:rPr lang="fr-FR" dirty="0" err="1" smtClean="0"/>
-              <a:t>draws</a:t>
-            </a:r>
-            <a:r>
-              <a:rPr lang="fr-FR" dirty="0" smtClean="0"/>
-              <a:t> </a:t>
-            </a:r>
-            <a:r>
-              <a:rPr lang="fr-FR" dirty="0" err="1" smtClean="0"/>
-              <a:t>only</a:t>
+              <a:t>create</a:t>
             </a:r>
             <a:r>
               <a:rPr lang="fr-FR" dirty="0" smtClean="0"/>
@@ -14833,58 +13977,7 @@
             </a:r>
             <a:r>
               <a:rPr lang="fr-FR" dirty="0" smtClean="0"/>
-              <a:t> </a:t>
-            </a:r>
-            <a:r>
-              <a:rPr lang="fr-FR" dirty="0" err="1" smtClean="0"/>
-              <a:t>which</a:t>
-            </a:r>
-            <a:r>
-              <a:rPr lang="fr-FR" dirty="0" smtClean="0"/>
-              <a:t> are </a:t>
-            </a:r>
-            <a:r>
-              <a:rPr lang="fr-FR" dirty="0" err="1" smtClean="0"/>
-              <a:t>ready</a:t>
-            </a:r>
-            <a:r>
-              <a:rPr lang="fr-FR" dirty="0" smtClean="0"/>
-              <a:t>.</a:t>
-            </a:r>
-          </a:p>
-          <a:p>
-            <a:pPr lvl="1"/>
-            <a:r>
-              <a:rPr lang="fr-FR" dirty="0" smtClean="0"/>
-              <a:t>If </a:t>
-            </a:r>
-            <a:r>
-              <a:rPr lang="fr-FR" dirty="0" err="1" smtClean="0"/>
-              <a:t>mining</a:t>
-            </a:r>
-            <a:r>
-              <a:rPr lang="fr-FR" dirty="0" smtClean="0"/>
-              <a:t> </a:t>
-            </a:r>
-            <a:r>
-              <a:rPr lang="fr-FR" dirty="0" err="1" smtClean="0"/>
-              <a:t>is</a:t>
-            </a:r>
-            <a:r>
-              <a:rPr lang="fr-FR" dirty="0" smtClean="0"/>
-              <a:t> not </a:t>
-            </a:r>
-            <a:r>
-              <a:rPr lang="fr-FR" dirty="0" err="1" smtClean="0"/>
-              <a:t>ready</a:t>
-            </a:r>
-            <a:r>
-              <a:rPr lang="fr-FR" dirty="0"/>
-              <a:t> </a:t>
-            </a:r>
-            <a:r>
-              <a:rPr lang="fr-FR" dirty="0" smtClean="0"/>
-              <a:t>(not </a:t>
+              <a:t> (</a:t>
             </a:r>
             <a:r>
               <a:rPr lang="fr-FR" dirty="0" err="1" smtClean="0"/>
@@ -14892,180 +13985,40 @@
             </a:r>
             <a:r>
               <a:rPr lang="fr-FR" dirty="0" smtClean="0"/>
-              <a:t>), </a:t>
-            </a:r>
-            <a:r>
-              <a:rPr lang="fr-FR" dirty="0" err="1" smtClean="0"/>
-              <a:t>compute</a:t>
-            </a:r>
-            <a:r>
-              <a:rPr lang="fr-FR" dirty="0" smtClean="0"/>
-              <a:t> </a:t>
-            </a:r>
-            <a:r>
-              <a:rPr lang="fr-FR" dirty="0" err="1" smtClean="0"/>
-              <a:t>it</a:t>
-            </a:r>
-            <a:r>
-              <a:rPr lang="fr-FR" dirty="0" smtClean="0"/>
-              <a:t> in background, </a:t>
-            </a:r>
-            <a:r>
-              <a:rPr lang="fr-FR" b="1" dirty="0" err="1" smtClean="0">
-                <a:solidFill>
-                  <a:srgbClr val="FF0000"/>
-                </a:solidFill>
-              </a:rPr>
-              <a:t>then</a:t>
-            </a:r>
-            <a:r>
-              <a:rPr lang="fr-FR" dirty="0" smtClean="0"/>
-              <a:t> </a:t>
-            </a:r>
-            <a:r>
-              <a:rPr lang="fr-FR" dirty="0" err="1" smtClean="0"/>
-              <a:t>redraw</a:t>
-            </a:r>
-            <a:r>
-              <a:rPr lang="fr-FR" dirty="0" smtClean="0"/>
-              <a:t> the parent </a:t>
-            </a:r>
-            <a:r>
-              <a:rPr lang="fr-FR" b="1" dirty="0" err="1" smtClean="0"/>
-              <a:t>CodeMiningLine</a:t>
-            </a:r>
-            <a:r>
-              <a:rPr lang="fr-FR" b="1" dirty="0" smtClean="0"/>
-              <a:t>*Annotation</a:t>
-            </a:r>
-          </a:p>
-          <a:p>
-            <a:r>
-              <a:rPr lang="fr-FR" b="1" dirty="0" smtClean="0">
-                <a:solidFill>
-                  <a:srgbClr val="FF0000"/>
-                </a:solidFill>
-              </a:rPr>
-              <a:t>2 « </a:t>
-            </a:r>
-            <a:r>
-              <a:rPr lang="fr-FR" b="1" dirty="0" err="1" smtClean="0">
-                <a:solidFill>
-                  <a:srgbClr val="FF0000"/>
-                </a:solidFill>
-              </a:rPr>
-              <a:t>then</a:t>
-            </a:r>
-            <a:r>
-              <a:rPr lang="fr-FR" b="1" dirty="0" smtClean="0">
-                <a:solidFill>
-                  <a:srgbClr val="FF0000"/>
-                </a:solidFill>
-              </a:rPr>
-              <a:t> »</a:t>
-            </a:r>
-            <a:r>
-              <a:rPr lang="fr-FR" dirty="0" smtClean="0">
-                <a:solidFill>
-                  <a:srgbClr val="FF0000"/>
-                </a:solidFill>
-              </a:rPr>
-              <a:t>: </a:t>
-            </a:r>
-            <a:r>
-              <a:rPr lang="fr-FR" dirty="0" smtClean="0"/>
-              <a:t>use of </a:t>
-            </a:r>
-            <a:r>
-              <a:rPr lang="fr-FR" b="1" dirty="0" err="1" smtClean="0"/>
-              <a:t>CompletableFuture</a:t>
-            </a:r>
-            <a:r>
-              <a:rPr lang="fr-FR" dirty="0" smtClean="0"/>
-              <a:t> (</a:t>
-            </a:r>
-            <a:r>
-              <a:rPr lang="fr-FR" dirty="0" err="1" smtClean="0"/>
-              <a:t>thenApply</a:t>
-            </a:r>
-            <a:r>
-              <a:rPr lang="fr-FR" dirty="0" smtClean="0"/>
-              <a:t>/</a:t>
-            </a:r>
-            <a:r>
-              <a:rPr lang="fr-FR" dirty="0" err="1" smtClean="0"/>
-              <a:t>thenRun</a:t>
-            </a:r>
-            <a:r>
-              <a:rPr lang="fr-FR" dirty="0" smtClean="0"/>
-              <a:t>).</a:t>
-            </a:r>
-          </a:p>
-          <a:p>
-            <a:r>
-              <a:rPr lang="fr-FR" dirty="0" smtClean="0"/>
-              <a:t>This </a:t>
-            </a:r>
-            <a:r>
-              <a:rPr lang="fr-FR" dirty="0" err="1" smtClean="0"/>
-              <a:t>process</a:t>
-            </a:r>
-            <a:r>
-              <a:rPr lang="fr-FR" dirty="0" smtClean="0"/>
-              <a:t> </a:t>
-            </a:r>
-            <a:r>
-              <a:rPr lang="fr-FR" dirty="0" err="1" smtClean="0"/>
-              <a:t>is</a:t>
-            </a:r>
-            <a:r>
-              <a:rPr lang="fr-FR" dirty="0" smtClean="0"/>
-              <a:t> </a:t>
-            </a:r>
-            <a:r>
-              <a:rPr lang="fr-FR" dirty="0" err="1" smtClean="0"/>
-              <a:t>done</a:t>
-            </a:r>
-            <a:r>
-              <a:rPr lang="fr-FR" dirty="0" smtClean="0"/>
-              <a:t> </a:t>
-            </a:r>
-            <a:r>
-              <a:rPr lang="fr-FR" dirty="0" err="1" smtClean="0"/>
-              <a:t>when</a:t>
-            </a:r>
-            <a:r>
-              <a:rPr lang="fr-FR" dirty="0" smtClean="0"/>
-              <a:t> editor </a:t>
-            </a:r>
-            <a:r>
-              <a:rPr lang="fr-FR" dirty="0" err="1" smtClean="0"/>
-              <a:t>is</a:t>
-            </a:r>
-            <a:r>
-              <a:rPr lang="fr-FR" dirty="0" smtClean="0"/>
-              <a:t> </a:t>
-            </a:r>
-            <a:r>
-              <a:rPr lang="fr-FR" dirty="0" err="1" smtClean="0"/>
-              <a:t>opened</a:t>
-            </a:r>
-            <a:r>
-              <a:rPr lang="fr-FR" dirty="0" smtClean="0"/>
-              <a:t> and content changes.</a:t>
-            </a:r>
-            <a:endParaRPr lang="fr-FR" dirty="0" smtClean="0">
-              <a:solidFill>
-                <a:srgbClr val="FF0000"/>
-              </a:solidFill>
-            </a:endParaRPr>
+              <a:t> or not)</a:t>
+            </a:r>
+            <a:endParaRPr lang="fr-FR" dirty="0"/>
           </a:p>
         </p:txBody>
       </p:sp>
+      <p:pic>
+        <p:nvPicPr>
+          <p:cNvPr id="6" name="Espace réservé du contenu 3"/>
+          <p:cNvPicPr>
+            <a:picLocks noChangeAspect="1"/>
+          </p:cNvPicPr>
+          <p:nvPr/>
+        </p:nvPicPr>
+        <p:blipFill>
+          <a:blip r:embed="rId2"/>
+          <a:stretch>
+            <a:fillRect/>
+          </a:stretch>
+        </p:blipFill>
+        <p:spPr>
+          <a:xfrm>
+            <a:off x="1043608" y="1347614"/>
+            <a:ext cx="6291718" cy="3131006"/>
+          </a:xfrm>
+          <a:prstGeom prst="rect">
+            <a:avLst/>
+          </a:prstGeom>
+        </p:spPr>
+      </p:pic>
     </p:spTree>
     <p:extLst>
       <p:ext uri="{BB962C8B-B14F-4D97-AF65-F5344CB8AC3E}">
-        <p14:creationId xmlns:p14="http://schemas.microsoft.com/office/powerpoint/2010/main" val="3916104051"/>
+        <p14:creationId xmlns:p14="http://schemas.microsoft.com/office/powerpoint/2010/main" val="1308937201"/>
       </p:ext>
     </p:extLst>
   </p:cSld>
@@ -15121,16 +14074,15 @@
               <a:t>Code Mining – API - </a:t>
             </a:r>
             <a:r>
-              <a:rPr lang="fr-FR" dirty="0" err="1" smtClean="0"/>
-              <a:t>Overview</a:t>
-            </a:r>
-            <a:endParaRPr lang="fr-FR" dirty="0"/>
+              <a:rPr lang="fr-FR" dirty="0"/>
+              <a:t>ISourceViewerExtension5</a:t>
+            </a:r>
           </a:p>
         </p:txBody>
       </p:sp>
       <p:sp>
         <p:nvSpPr>
-          <p:cNvPr id="3" name="Espace réservé du contenu 2"/>
+          <p:cNvPr id="6" name="Espace réservé du contenu 5"/>
           <p:cNvSpPr>
             <a:spLocks noGrp="1"/>
           </p:cNvSpPr>
@@ -15140,127 +14092,80 @@
         </p:nvSpPr>
         <p:spPr/>
         <p:txBody>
-          <a:bodyPr>
-            <a:normAutofit fontScale="92500" lnSpcReduction="20000"/>
-          </a:bodyPr>
+          <a:bodyPr/>
           <a:lstStyle/>
           <a:p>
             <a:r>
-              <a:rPr lang="en-US" b="1" dirty="0" err="1" smtClean="0"/>
-              <a:t>ICodeMining</a:t>
-            </a:r>
-            <a:endParaRPr lang="en-US" b="1" dirty="0" smtClean="0"/>
+              <a:rPr lang="fr-FR" dirty="0" smtClean="0"/>
+              <a:t>Manage code </a:t>
+            </a:r>
+            <a:r>
+              <a:rPr lang="fr-FR" dirty="0" err="1" smtClean="0"/>
+              <a:t>minings</a:t>
+            </a:r>
+            <a:endParaRPr lang="fr-FR" dirty="0" smtClean="0"/>
           </a:p>
           <a:p>
             <a:pPr lvl="1"/>
             <a:r>
-              <a:rPr lang="en-US" dirty="0" err="1" smtClean="0"/>
-              <a:t>LineHeaderCodeMining</a:t>
-            </a:r>
-            <a:endParaRPr lang="en-US" dirty="0" smtClean="0"/>
+              <a:rPr lang="fr-FR" dirty="0" err="1" smtClean="0"/>
+              <a:t>register</a:t>
+            </a:r>
+            <a:r>
+              <a:rPr lang="fr-FR" dirty="0" smtClean="0"/>
+              <a:t> code </a:t>
+            </a:r>
+            <a:r>
+              <a:rPr lang="fr-FR" dirty="0" err="1" smtClean="0"/>
+              <a:t>mining</a:t>
+            </a:r>
+            <a:r>
+              <a:rPr lang="fr-FR" dirty="0" smtClean="0"/>
+              <a:t> providers</a:t>
+            </a:r>
           </a:p>
           <a:p>
             <a:pPr lvl="1"/>
             <a:r>
-              <a:rPr lang="en-US" dirty="0" err="1" smtClean="0"/>
-              <a:t>LineContentCodeMining</a:t>
-            </a:r>
-            <a:endParaRPr lang="en-US" dirty="0" smtClean="0"/>
-          </a:p>
-          <a:p>
-            <a:r>
-              <a:rPr lang="en-US" b="1" dirty="0" err="1" smtClean="0"/>
-              <a:t>ICodeMiningProvider</a:t>
-            </a:r>
-            <a:endParaRPr lang="en-US" b="1" dirty="0" smtClean="0"/>
-          </a:p>
-          <a:p>
-            <a:r>
-              <a:rPr lang="en-US" b="1" dirty="0" smtClean="0"/>
-              <a:t>ISourceViewerExtension5</a:t>
-            </a:r>
-          </a:p>
-          <a:p>
-            <a:r>
-              <a:rPr lang="en-US" dirty="0" smtClean="0"/>
-              <a:t>Use of </a:t>
-            </a:r>
-            <a:r>
-              <a:rPr lang="en-US" b="1" dirty="0" err="1" smtClean="0"/>
-              <a:t>CompletableFuture</a:t>
-            </a:r>
-            <a:r>
-              <a:rPr lang="en-US" b="1" dirty="0" smtClean="0"/>
-              <a:t>:</a:t>
-            </a:r>
-          </a:p>
-          <a:p>
-            <a:pPr lvl="1"/>
-            <a:r>
-              <a:rPr lang="en-US" b="1" dirty="0" err="1" smtClean="0"/>
-              <a:t>ICodeMiningProvider#provideCodeMinings</a:t>
-            </a:r>
-            <a:r>
-              <a:rPr lang="en-US" b="1" dirty="0" smtClean="0"/>
-              <a:t> </a:t>
-            </a:r>
-            <a:r>
-              <a:rPr lang="en-US" dirty="0" smtClean="0"/>
-              <a:t>to create code </a:t>
-            </a:r>
-            <a:r>
-              <a:rPr lang="en-US" dirty="0" err="1" smtClean="0"/>
+              <a:rPr lang="fr-FR" dirty="0" smtClean="0"/>
+              <a:t>update code </a:t>
+            </a:r>
+            <a:r>
+              <a:rPr lang="fr-FR" dirty="0" err="1" smtClean="0"/>
               <a:t>minings</a:t>
             </a:r>
-            <a:r>
-              <a:rPr lang="en-US" dirty="0" smtClean="0"/>
-              <a:t> instances with position</a:t>
-            </a:r>
-          </a:p>
-          <a:p>
-            <a:pPr lvl="2"/>
-            <a:r>
-              <a:rPr lang="en-US" dirty="0" smtClean="0"/>
-              <a:t>must be fast: to avoid not creating other mining of other code mining provider.</a:t>
-            </a:r>
-          </a:p>
-          <a:p>
-            <a:pPr lvl="1"/>
-            <a:r>
-              <a:rPr lang="en-US" b="1" dirty="0" err="1" smtClean="0"/>
-              <a:t>ICodeMining#resolve</a:t>
-            </a:r>
-            <a:r>
-              <a:rPr lang="en-US" b="1" dirty="0" smtClean="0"/>
-              <a:t>: </a:t>
-            </a:r>
-            <a:r>
-              <a:rPr lang="en-US" dirty="0" smtClean="0"/>
-              <a:t>to resolve content of mining if it takes time</a:t>
-            </a:r>
-          </a:p>
-          <a:p>
-            <a:pPr lvl="2"/>
-            <a:r>
-              <a:rPr lang="en-US" dirty="0" smtClean="0"/>
-              <a:t>can be slow</a:t>
-            </a:r>
-          </a:p>
-          <a:p>
-            <a:endParaRPr lang="en-US" b="1" dirty="0" smtClean="0"/>
-          </a:p>
-          <a:p>
-            <a:pPr marL="0" indent="0">
-              <a:buNone/>
-            </a:pPr>
             <a:endParaRPr lang="fr-FR" dirty="0"/>
           </a:p>
         </p:txBody>
       </p:sp>
+      <p:pic>
+        <p:nvPicPr>
+          <p:cNvPr id="7" name="Espace réservé du contenu 4"/>
+          <p:cNvPicPr>
+            <a:picLocks noChangeAspect="1"/>
+          </p:cNvPicPr>
+          <p:nvPr/>
+        </p:nvPicPr>
+        <p:blipFill>
+          <a:blip r:embed="rId2"/>
+          <a:stretch>
+            <a:fillRect/>
+          </a:stretch>
+        </p:blipFill>
+        <p:spPr>
+          <a:xfrm>
+            <a:off x="4499992" y="987574"/>
+            <a:ext cx="4134669" cy="3213358"/>
+          </a:xfrm>
+          <a:prstGeom prst="rect">
+            <a:avLst/>
+          </a:prstGeom>
+        </p:spPr>
+      </p:pic>
     </p:spTree>
     <p:extLst>
       <p:ext uri="{BB962C8B-B14F-4D97-AF65-F5344CB8AC3E}">
-        <p14:creationId xmlns:p14="http://schemas.microsoft.com/office/powerpoint/2010/main" val="4230650484"/>
+        <p14:creationId xmlns:p14="http://schemas.microsoft.com/office/powerpoint/2010/main" val="1920999867"/>
       </p:ext>
     </p:extLst>
   </p:cSld>
@@ -15312,12 +14217,24 @@
           <a:lstStyle/>
           <a:p>
             <a:r>
-              <a:rPr lang="fr-FR" dirty="0" smtClean="0"/>
-              <a:t>Code Mining – API - </a:t>
-            </a:r>
-            <a:r>
-              <a:rPr lang="fr-FR" dirty="0" err="1" smtClean="0"/>
-              <a:t>ICodeMining</a:t>
+              <a:rPr lang="fr-FR" dirty="0" err="1"/>
+              <a:t>Emoji</a:t>
+            </a:r>
+            <a:r>
+              <a:rPr lang="fr-FR" dirty="0"/>
+              <a:t> code </a:t>
+            </a:r>
+            <a:r>
+              <a:rPr lang="fr-FR" dirty="0" err="1"/>
+              <a:t>mining</a:t>
+            </a:r>
+            <a:r>
+              <a:rPr lang="fr-FR" dirty="0"/>
+              <a:t> in a </a:t>
+            </a:r>
+            <a:r>
+              <a:rPr lang="fr-FR" dirty="0" smtClean="0"/>
+              <a:t>simple main</a:t>
             </a:r>
             <a:endParaRPr lang="fr-FR" dirty="0"/>
           </a:p>
@@ -15341,505 +14258,12 @@
           <a:lstStyle/>
           <a:p>
             <a:r>
-              <a:rPr lang="en-US" b="1" dirty="0" err="1" smtClean="0"/>
-              <a:t>AbstractCodeMining</a:t>
-            </a:r>
-            <a:r>
-              <a:rPr lang="en-US" b="1" dirty="0" smtClean="0"/>
-              <a:t>  </a:t>
-            </a:r>
-            <a:r>
-              <a:rPr lang="en-US" dirty="0" smtClean="0"/>
-              <a:t>is base class:</a:t>
-            </a:r>
-          </a:p>
-          <a:p>
-            <a:pPr lvl="1"/>
-            <a:r>
-              <a:rPr lang="en-US" dirty="0" smtClean="0"/>
-              <a:t>Several methods like </a:t>
-            </a:r>
-          </a:p>
-          <a:p>
-            <a:pPr lvl="2"/>
-            <a:r>
-              <a:rPr lang="en-US" b="1" dirty="0" err="1" smtClean="0"/>
-              <a:t>setLabel</a:t>
-            </a:r>
-            <a:r>
-              <a:rPr lang="en-US" dirty="0" smtClean="0"/>
-              <a:t> : set the text content of the annotation</a:t>
-            </a:r>
-          </a:p>
-          <a:p>
-            <a:pPr lvl="2"/>
-            <a:r>
-              <a:rPr lang="en-US" b="1" dirty="0" smtClean="0"/>
-              <a:t>draw</a:t>
-            </a:r>
-            <a:r>
-              <a:rPr lang="en-US" dirty="0" smtClean="0"/>
-              <a:t> : by default draw the set text, can be </a:t>
-            </a:r>
-            <a:r>
-              <a:rPr lang="en-US" dirty="0" err="1" smtClean="0"/>
-              <a:t>overrided</a:t>
-            </a:r>
-            <a:r>
-              <a:rPr lang="en-US" dirty="0" smtClean="0"/>
-              <a:t> to draw anything</a:t>
-            </a:r>
-          </a:p>
-          <a:p>
-            <a:pPr lvl="2"/>
-            <a:r>
-              <a:rPr lang="en-US" b="1" dirty="0" err="1" smtClean="0"/>
-              <a:t>getAction</a:t>
-            </a:r>
-            <a:r>
-              <a:rPr lang="en-US" dirty="0" smtClean="0"/>
-              <a:t>: implement it to bind an action on click of the mining</a:t>
-            </a:r>
-          </a:p>
-          <a:p>
-            <a:pPr lvl="1"/>
-            <a:r>
-              <a:rPr lang="en-US" dirty="0" smtClean="0"/>
-              <a:t>2 code mining kinds which extends </a:t>
-            </a:r>
-            <a:r>
-              <a:rPr lang="en-US" b="1" dirty="0" err="1"/>
-              <a:t>AbstractCodeMining</a:t>
-            </a:r>
-            <a:r>
-              <a:rPr lang="en-US" b="1" dirty="0"/>
-              <a:t> </a:t>
-            </a:r>
-            <a:r>
-              <a:rPr lang="en-US" dirty="0" smtClean="0"/>
-              <a:t>:</a:t>
-            </a:r>
-          </a:p>
-          <a:p>
-            <a:pPr lvl="2"/>
-            <a:r>
-              <a:rPr lang="en-US" b="1" dirty="0" err="1" smtClean="0"/>
-              <a:t>LineHeaderCodeMining</a:t>
-            </a:r>
-            <a:endParaRPr lang="en-US" b="1" dirty="0"/>
-          </a:p>
-          <a:p>
-            <a:pPr lvl="2"/>
-            <a:r>
-              <a:rPr lang="en-US" b="1" dirty="0" err="1" smtClean="0"/>
-              <a:t>LineContentCodeMining</a:t>
-            </a:r>
-            <a:endParaRPr lang="en-US" b="1" dirty="0" smtClean="0"/>
-          </a:p>
-          <a:p>
-            <a:pPr marL="0" indent="0">
-              <a:buNone/>
-            </a:pPr>
-            <a:endParaRPr lang="fr-FR" dirty="0"/>
-          </a:p>
-        </p:txBody>
-      </p:sp>
-    </p:spTree>
-    <p:extLst>
-      <p:ext uri="{BB962C8B-B14F-4D97-AF65-F5344CB8AC3E}">
-        <p14:creationId xmlns:p14="http://schemas.microsoft.com/office/powerpoint/2010/main" val="899491159"/>
-      </p:ext>
-    </p:extLst>
-  </p:cSld>
-  <p:clrMapOvr>
-    <a:masterClrMapping/>
-  </p:clrMapOvr>
-  <p:timing>
-    <p:tnLst>
-      <p:par>
-        <p:cTn id="1" dur="indefinite" restart="never" nodeType="tmRoot"/>
-      </p:par>
-    </p:tnLst>
-  </p:timing>
-</p:sld>
-</file>
-
-<file path=ppt/slides/slide16.xml><?xml version="1.0" encoding="utf-8"?>
-<p:sld xmlns:a="http://schemas.openxmlformats.org/drawingml/2006/main" xmlns:r="http://schemas.openxmlformats.org/officeDocument/2006/relationships" xmlns:p="http://schemas.openxmlformats.org/presentationml/2006/main">
-  <p:cSld>
-    <p:spTree>
-      <p:nvGrpSpPr>
-        <p:cNvPr id="1" name=""/>
-        <p:cNvGrpSpPr/>
-        <p:nvPr/>
-      </p:nvGrpSpPr>
-      <p:grpSpPr>
-        <a:xfrm>
-          <a:off x="0" y="0"/>
-          <a:ext cx="0" cy="0"/>
-          <a:chOff x="0" y="0"/>
-          <a:chExt cx="0" cy="0"/>
-        </a:xfrm>
-      </p:grpSpPr>
-      <p:sp>
-        <p:nvSpPr>
-          <p:cNvPr id="2" name="Titre 1"/>
-          <p:cNvSpPr>
-            <a:spLocks noGrp="1"/>
-          </p:cNvSpPr>
-          <p:nvPr>
-            <p:ph type="title"/>
-          </p:nvPr>
-        </p:nvSpPr>
-        <p:spPr/>
-        <p:txBody>
-          <a:bodyPr>
-            <a:normAutofit fontScale="90000"/>
-          </a:bodyPr>
-          <a:lstStyle/>
-          <a:p>
-            <a:r>
-              <a:rPr lang="fr-FR" dirty="0" smtClean="0"/>
-              <a:t>Code Mining – API- </a:t>
-            </a:r>
-            <a:r>
-              <a:rPr lang="en-US" dirty="0" err="1"/>
-              <a:t>ICodeMiningProvider</a:t>
-            </a:r>
-            <a:endParaRPr lang="fr-FR" dirty="0"/>
-          </a:p>
-        </p:txBody>
-      </p:sp>
-      <p:sp>
-        <p:nvSpPr>
-          <p:cNvPr id="5" name="Espace réservé du contenu 4"/>
-          <p:cNvSpPr>
-            <a:spLocks noGrp="1"/>
-          </p:cNvSpPr>
-          <p:nvPr>
-            <p:ph idx="1"/>
-          </p:nvPr>
-        </p:nvSpPr>
-        <p:spPr/>
-        <p:txBody>
-          <a:bodyPr/>
-          <a:lstStyle/>
-          <a:p>
-            <a:r>
-              <a:rPr lang="fr-FR" dirty="0" err="1" smtClean="0"/>
-              <a:t>Factory</a:t>
-            </a:r>
-            <a:r>
-              <a:rPr lang="fr-FR" dirty="0" smtClean="0"/>
-              <a:t> to </a:t>
-            </a:r>
-            <a:r>
-              <a:rPr lang="fr-FR" dirty="0" err="1" smtClean="0"/>
-              <a:t>create</a:t>
-            </a:r>
-            <a:r>
-              <a:rPr lang="fr-FR" dirty="0" smtClean="0"/>
-              <a:t> </a:t>
-            </a:r>
-            <a:r>
-              <a:rPr lang="fr-FR" dirty="0" err="1" smtClean="0"/>
-              <a:t>minings</a:t>
-            </a:r>
-            <a:r>
-              <a:rPr lang="fr-FR" dirty="0" smtClean="0"/>
-              <a:t> (</a:t>
-            </a:r>
-            <a:r>
-              <a:rPr lang="fr-FR" dirty="0" err="1" smtClean="0"/>
-              <a:t>resolved</a:t>
-            </a:r>
-            <a:r>
-              <a:rPr lang="fr-FR" dirty="0" smtClean="0"/>
-              <a:t> or not)</a:t>
-            </a:r>
-            <a:endParaRPr lang="fr-FR" dirty="0"/>
-          </a:p>
-        </p:txBody>
-      </p:sp>
-      <p:pic>
-        <p:nvPicPr>
-          <p:cNvPr id="6" name="Espace réservé du contenu 3"/>
-          <p:cNvPicPr>
-            <a:picLocks noChangeAspect="1"/>
-          </p:cNvPicPr>
-          <p:nvPr/>
-        </p:nvPicPr>
-        <p:blipFill>
-          <a:blip r:embed="rId2"/>
-          <a:stretch>
-            <a:fillRect/>
-          </a:stretch>
-        </p:blipFill>
-        <p:spPr>
-          <a:xfrm>
-            <a:off x="1043608" y="1347614"/>
-            <a:ext cx="6291718" cy="3131006"/>
-          </a:xfrm>
-          <a:prstGeom prst="rect">
-            <a:avLst/>
-          </a:prstGeom>
-        </p:spPr>
-      </p:pic>
-    </p:spTree>
-    <p:extLst>
-      <p:ext uri="{BB962C8B-B14F-4D97-AF65-F5344CB8AC3E}">
-        <p14:creationId xmlns:p14="http://schemas.microsoft.com/office/powerpoint/2010/main" val="1308937201"/>
-      </p:ext>
-    </p:extLst>
-  </p:cSld>
-  <p:clrMapOvr>
-    <a:masterClrMapping/>
-  </p:clrMapOvr>
-  <p:timing>
-    <p:tnLst>
-      <p:par>
-        <p:cTn id="1" dur="indefinite" restart="never" nodeType="tmRoot"/>
-      </p:par>
-    </p:tnLst>
-  </p:timing>
-</p:sld>
-</file>
-
-<file path=ppt/slides/slide17.xml><?xml version="1.0" encoding="utf-8"?>
-<p:sld xmlns:a="http://schemas.openxmlformats.org/drawingml/2006/main" xmlns:r="http://schemas.openxmlformats.org/officeDocument/2006/relationships" xmlns:p="http://schemas.openxmlformats.org/presentationml/2006/main">
-  <p:cSld>
-    <p:spTree>
-      <p:nvGrpSpPr>
-        <p:cNvPr id="1" name=""/>
-        <p:cNvGrpSpPr/>
-        <p:nvPr/>
-      </p:nvGrpSpPr>
-      <p:grpSpPr>
-        <a:xfrm>
-          <a:off x="0" y="0"/>
-          <a:ext cx="0" cy="0"/>
-          <a:chOff x="0" y="0"/>
-          <a:chExt cx="0" cy="0"/>
-        </a:xfrm>
-      </p:grpSpPr>
-      <p:sp>
-        <p:nvSpPr>
-          <p:cNvPr id="2" name="Titre 1"/>
-          <p:cNvSpPr>
-            <a:spLocks noGrp="1"/>
-          </p:cNvSpPr>
-          <p:nvPr>
-            <p:ph type="title"/>
-          </p:nvPr>
-        </p:nvSpPr>
-        <p:spPr/>
-        <p:txBody>
-          <a:bodyPr>
-            <a:normAutofit fontScale="90000"/>
-          </a:bodyPr>
-          <a:lstStyle/>
-          <a:p>
-            <a:r>
-              <a:rPr lang="fr-FR" dirty="0" smtClean="0"/>
-              <a:t>Code Mining – API - </a:t>
-            </a:r>
-            <a:r>
-              <a:rPr lang="fr-FR" dirty="0"/>
-              <a:t>ISourceViewerExtension5</a:t>
-            </a:r>
-          </a:p>
-        </p:txBody>
-      </p:sp>
-      <p:sp>
-        <p:nvSpPr>
-          <p:cNvPr id="6" name="Espace réservé du contenu 5"/>
-          <p:cNvSpPr>
-            <a:spLocks noGrp="1"/>
-          </p:cNvSpPr>
-          <p:nvPr>
-            <p:ph idx="1"/>
-          </p:nvPr>
-        </p:nvSpPr>
-        <p:spPr/>
-        <p:txBody>
-          <a:bodyPr/>
-          <a:lstStyle/>
-          <a:p>
-            <a:r>
-              <a:rPr lang="fr-FR" dirty="0" err="1" smtClean="0"/>
-              <a:t>Used</a:t>
-            </a:r>
-            <a:r>
-              <a:rPr lang="fr-FR" dirty="0" smtClean="0"/>
-              <a:t> to manage </a:t>
-            </a:r>
-            <a:r>
-              <a:rPr lang="fr-FR" dirty="0" err="1" smtClean="0"/>
-              <a:t>minings</a:t>
-            </a:r>
-            <a:endParaRPr lang="fr-FR" dirty="0" smtClean="0"/>
-          </a:p>
-          <a:p>
-            <a:r>
-              <a:rPr lang="fr-FR" dirty="0" err="1" smtClean="0"/>
-              <a:t>Register</a:t>
-            </a:r>
-            <a:r>
-              <a:rPr lang="fr-FR" dirty="0" smtClean="0"/>
-              <a:t> code </a:t>
-            </a:r>
-            <a:r>
-              <a:rPr lang="fr-FR" dirty="0" err="1" smtClean="0"/>
-              <a:t>mining</a:t>
-            </a:r>
-            <a:r>
-              <a:rPr lang="fr-FR" dirty="0" smtClean="0"/>
-              <a:t> providers</a:t>
-            </a:r>
-          </a:p>
-          <a:p>
-            <a:r>
-              <a:rPr lang="fr-FR" dirty="0" smtClean="0"/>
-              <a:t>Update code </a:t>
-            </a:r>
-            <a:r>
-              <a:rPr lang="fr-FR" dirty="0" err="1" smtClean="0"/>
-              <a:t>minings</a:t>
-            </a:r>
-            <a:endParaRPr lang="fr-FR" dirty="0"/>
-          </a:p>
-        </p:txBody>
-      </p:sp>
-      <p:pic>
-        <p:nvPicPr>
-          <p:cNvPr id="7" name="Espace réservé du contenu 4"/>
-          <p:cNvPicPr>
-            <a:picLocks noChangeAspect="1"/>
-          </p:cNvPicPr>
-          <p:nvPr/>
-        </p:nvPicPr>
-        <p:blipFill>
-          <a:blip r:embed="rId2"/>
-          <a:stretch>
-            <a:fillRect/>
-          </a:stretch>
-        </p:blipFill>
-        <p:spPr>
-          <a:xfrm>
-            <a:off x="4499992" y="987574"/>
-            <a:ext cx="4134669" cy="3213358"/>
-          </a:xfrm>
-          <a:prstGeom prst="rect">
-            <a:avLst/>
-          </a:prstGeom>
-        </p:spPr>
-      </p:pic>
-    </p:spTree>
-    <p:extLst>
-      <p:ext uri="{BB962C8B-B14F-4D97-AF65-F5344CB8AC3E}">
-        <p14:creationId xmlns:p14="http://schemas.microsoft.com/office/powerpoint/2010/main" val="1920999867"/>
-      </p:ext>
-    </p:extLst>
-  </p:cSld>
-  <p:clrMapOvr>
-    <a:masterClrMapping/>
-  </p:clrMapOvr>
-  <p:timing>
-    <p:tnLst>
-      <p:par>
-        <p:cTn id="1" dur="indefinite" restart="never" nodeType="tmRoot"/>
-      </p:par>
-    </p:tnLst>
-  </p:timing>
-</p:sld>
-</file>
-
-<file path=ppt/slides/slide18.xml><?xml version="1.0" encoding="utf-8"?>
-<p:sld xmlns:a="http://schemas.openxmlformats.org/drawingml/2006/main" xmlns:r="http://schemas.openxmlformats.org/officeDocument/2006/relationships" xmlns:p="http://schemas.openxmlformats.org/presentationml/2006/main">
-  <p:cSld>
-    <p:spTree>
-      <p:nvGrpSpPr>
-        <p:cNvPr id="1" name=""/>
-        <p:cNvGrpSpPr/>
-        <p:nvPr/>
-      </p:nvGrpSpPr>
-      <p:grpSpPr>
-        <a:xfrm>
-          <a:off x="0" y="0"/>
-          <a:ext cx="0" cy="0"/>
-          <a:chOff x="0" y="0"/>
-          <a:chExt cx="0" cy="0"/>
-        </a:xfrm>
-      </p:grpSpPr>
-      <p:sp>
-        <p:nvSpPr>
-          <p:cNvPr id="2" name="Titre 1"/>
-          <p:cNvSpPr>
-            <a:spLocks noGrp="1"/>
-          </p:cNvSpPr>
-          <p:nvPr>
-            <p:ph type="title"/>
-          </p:nvPr>
-        </p:nvSpPr>
-        <p:spPr/>
-        <p:txBody>
-          <a:bodyPr>
-            <a:normAutofit fontScale="90000"/>
-          </a:bodyPr>
-          <a:lstStyle/>
-          <a:p>
-            <a:r>
-              <a:rPr lang="fr-FR" dirty="0" err="1"/>
-              <a:t>Emoji</a:t>
-            </a:r>
-            <a:r>
-              <a:rPr lang="fr-FR" dirty="0"/>
-              <a:t> code </a:t>
-            </a:r>
-            <a:r>
-              <a:rPr lang="fr-FR" dirty="0" err="1"/>
-              <a:t>mining</a:t>
-            </a:r>
-            <a:r>
-              <a:rPr lang="fr-FR" dirty="0"/>
-              <a:t> in a </a:t>
-            </a:r>
-            <a:r>
-              <a:rPr lang="fr-FR" dirty="0" smtClean="0"/>
-              <a:t>simple main</a:t>
-            </a:r>
-            <a:endParaRPr lang="fr-FR" dirty="0"/>
-          </a:p>
-        </p:txBody>
-      </p:sp>
-      <p:sp>
-        <p:nvSpPr>
-          <p:cNvPr id="3" name="Espace réservé du contenu 2"/>
-          <p:cNvSpPr>
-            <a:spLocks noGrp="1"/>
-          </p:cNvSpPr>
-          <p:nvPr>
-            <p:ph idx="1"/>
-          </p:nvPr>
-        </p:nvSpPr>
-        <p:spPr/>
-        <p:txBody>
-          <a:bodyPr>
-            <a:normAutofit/>
-          </a:bodyPr>
-          <a:lstStyle/>
-          <a:p>
-            <a:r>
               <a:rPr lang="fr-FR" dirty="0" err="1" smtClean="0"/>
               <a:t>Study</a:t>
             </a:r>
             <a:r>
               <a:rPr lang="fr-FR" dirty="0" smtClean="0"/>
-              <a:t> </a:t>
-            </a:r>
-            <a:r>
-              <a:rPr lang="fr-FR" dirty="0" smtClean="0"/>
-              <a:t>code </a:t>
+              <a:t> code </a:t>
             </a:r>
             <a:r>
               <a:rPr lang="fr-FR" dirty="0" err="1" smtClean="0"/>
@@ -16071,6 +14495,641 @@
 </p:sld>
 </file>
 
+<file path=ppt/slides/slide16.xml><?xml version="1.0" encoding="utf-8"?>
+<p:sld xmlns:a="http://schemas.openxmlformats.org/drawingml/2006/main" xmlns:r="http://schemas.openxmlformats.org/officeDocument/2006/relationships" xmlns:p="http://schemas.openxmlformats.org/presentationml/2006/main">
+  <p:cSld>
+    <p:spTree>
+      <p:nvGrpSpPr>
+        <p:cNvPr id="1" name=""/>
+        <p:cNvGrpSpPr/>
+        <p:nvPr/>
+      </p:nvGrpSpPr>
+      <p:grpSpPr>
+        <a:xfrm>
+          <a:off x="0" y="0"/>
+          <a:ext cx="0" cy="0"/>
+          <a:chOff x="0" y="0"/>
+          <a:chExt cx="0" cy="0"/>
+        </a:xfrm>
+      </p:grpSpPr>
+      <p:sp>
+        <p:nvSpPr>
+          <p:cNvPr id="2" name="Titre 1"/>
+          <p:cNvSpPr>
+            <a:spLocks noGrp="1"/>
+          </p:cNvSpPr>
+          <p:nvPr>
+            <p:ph type="title"/>
+          </p:nvPr>
+        </p:nvSpPr>
+        <p:spPr/>
+        <p:txBody>
+          <a:bodyPr>
+            <a:normAutofit fontScale="90000"/>
+          </a:bodyPr>
+          <a:lstStyle/>
+          <a:p>
+            <a:r>
+              <a:rPr lang="fr-FR" dirty="0" smtClean="0"/>
+              <a:t>Advanced Code Mining - </a:t>
+            </a:r>
+            <a:r>
+              <a:rPr lang="fr-FR" dirty="0" err="1" smtClean="0"/>
+              <a:t>Demo</a:t>
+            </a:r>
+            <a:endParaRPr lang="fr-FR" dirty="0"/>
+          </a:p>
+        </p:txBody>
+      </p:sp>
+      <p:sp>
+        <p:nvSpPr>
+          <p:cNvPr id="3" name="Espace réservé du contenu 2"/>
+          <p:cNvSpPr>
+            <a:spLocks noGrp="1"/>
+          </p:cNvSpPr>
+          <p:nvPr>
+            <p:ph idx="1"/>
+          </p:nvPr>
+        </p:nvSpPr>
+        <p:spPr/>
+        <p:txBody>
+          <a:bodyPr/>
+          <a:lstStyle/>
+          <a:p>
+            <a:r>
+              <a:rPr lang="en-US" dirty="0"/>
+              <a:t>The example </a:t>
+            </a:r>
+            <a:r>
+              <a:rPr lang="en-US" dirty="0" err="1" smtClean="0">
+                <a:hlinkClick r:id="rId2"/>
+              </a:rPr>
+              <a:t>CodeMiningDemo</a:t>
+            </a:r>
+            <a:r>
+              <a:rPr lang="en-US" dirty="0"/>
+              <a:t> shows in action:</a:t>
+            </a:r>
+          </a:p>
+          <a:p>
+            <a:pPr lvl="1"/>
+            <a:r>
+              <a:rPr lang="en-US" b="1" dirty="0" err="1" smtClean="0"/>
+              <a:t>LineHeaderCodeMining</a:t>
+            </a:r>
+            <a:r>
+              <a:rPr lang="en-US" b="1" dirty="0" smtClean="0"/>
+              <a:t>: </a:t>
+            </a:r>
+            <a:r>
+              <a:rPr lang="en-US" dirty="0" smtClean="0"/>
+              <a:t>which can take some time to compute label</a:t>
+            </a:r>
+            <a:endParaRPr lang="en-US" dirty="0"/>
+          </a:p>
+        </p:txBody>
+      </p:sp>
+      <p:pic>
+        <p:nvPicPr>
+          <p:cNvPr id="4" name="Image 3"/>
+          <p:cNvPicPr>
+            <a:picLocks noChangeAspect="1"/>
+          </p:cNvPicPr>
+          <p:nvPr/>
+        </p:nvPicPr>
+        <p:blipFill>
+          <a:blip r:embed="rId3"/>
+          <a:stretch>
+            <a:fillRect/>
+          </a:stretch>
+        </p:blipFill>
+        <p:spPr>
+          <a:xfrm>
+            <a:off x="1187624" y="1694433"/>
+            <a:ext cx="6191250" cy="2971800"/>
+          </a:xfrm>
+          <a:prstGeom prst="rect">
+            <a:avLst/>
+          </a:prstGeom>
+        </p:spPr>
+      </p:pic>
+    </p:spTree>
+    <p:extLst>
+      <p:ext uri="{BB962C8B-B14F-4D97-AF65-F5344CB8AC3E}">
+        <p14:creationId xmlns:p14="http://schemas.microsoft.com/office/powerpoint/2010/main" val="2642438695"/>
+      </p:ext>
+    </p:extLst>
+  </p:cSld>
+  <p:clrMapOvr>
+    <a:masterClrMapping/>
+  </p:clrMapOvr>
+  <p:timing>
+    <p:tnLst>
+      <p:par>
+        <p:cTn id="1" dur="indefinite" restart="never" nodeType="tmRoot"/>
+      </p:par>
+    </p:tnLst>
+  </p:timing>
+</p:sld>
+</file>
+
+<file path=ppt/slides/slide17.xml><?xml version="1.0" encoding="utf-8"?>
+<p:sld xmlns:a="http://schemas.openxmlformats.org/drawingml/2006/main" xmlns:r="http://schemas.openxmlformats.org/officeDocument/2006/relationships" xmlns:p="http://schemas.openxmlformats.org/presentationml/2006/main">
+  <p:cSld>
+    <p:spTree>
+      <p:nvGrpSpPr>
+        <p:cNvPr id="1" name=""/>
+        <p:cNvGrpSpPr/>
+        <p:nvPr/>
+      </p:nvGrpSpPr>
+      <p:grpSpPr>
+        <a:xfrm>
+          <a:off x="0" y="0"/>
+          <a:ext cx="0" cy="0"/>
+          <a:chOff x="0" y="0"/>
+          <a:chExt cx="0" cy="0"/>
+        </a:xfrm>
+      </p:grpSpPr>
+      <p:sp>
+        <p:nvSpPr>
+          <p:cNvPr id="2" name="Titre 1"/>
+          <p:cNvSpPr>
+            <a:spLocks noGrp="1"/>
+          </p:cNvSpPr>
+          <p:nvPr>
+            <p:ph type="title"/>
+          </p:nvPr>
+        </p:nvSpPr>
+        <p:spPr/>
+        <p:txBody>
+          <a:bodyPr>
+            <a:normAutofit fontScale="90000"/>
+          </a:bodyPr>
+          <a:lstStyle/>
+          <a:p>
+            <a:r>
+              <a:rPr lang="fr-FR" dirty="0" smtClean="0"/>
+              <a:t>How to </a:t>
+            </a:r>
+            <a:r>
+              <a:rPr lang="fr-FR" dirty="0" err="1" smtClean="0"/>
+              <a:t>integrate</a:t>
+            </a:r>
+            <a:r>
+              <a:rPr lang="fr-FR" dirty="0" smtClean="0"/>
+              <a:t> Code Mining in Editor</a:t>
+            </a:r>
+            <a:endParaRPr lang="fr-FR" dirty="0"/>
+          </a:p>
+        </p:txBody>
+      </p:sp>
+      <p:sp>
+        <p:nvSpPr>
+          <p:cNvPr id="3" name="Espace réservé du contenu 2"/>
+          <p:cNvSpPr>
+            <a:spLocks noGrp="1"/>
+          </p:cNvSpPr>
+          <p:nvPr>
+            <p:ph idx="1"/>
+          </p:nvPr>
+        </p:nvSpPr>
+        <p:spPr/>
+        <p:txBody>
+          <a:bodyPr/>
+          <a:lstStyle/>
+          <a:p>
+            <a:r>
+              <a:rPr lang="fr-FR" dirty="0" smtClean="0"/>
+              <a:t>3 </a:t>
+            </a:r>
+            <a:r>
+              <a:rPr lang="fr-FR" dirty="0" err="1" smtClean="0"/>
+              <a:t>steps</a:t>
+            </a:r>
+            <a:r>
+              <a:rPr lang="fr-FR" dirty="0" smtClean="0"/>
+              <a:t>:</a:t>
+            </a:r>
+          </a:p>
+          <a:p>
+            <a:pPr lvl="1"/>
+            <a:r>
+              <a:rPr lang="fr-FR" dirty="0" err="1"/>
+              <a:t>s</a:t>
+            </a:r>
+            <a:r>
+              <a:rPr lang="fr-FR" dirty="0" err="1" smtClean="0"/>
+              <a:t>tep</a:t>
+            </a:r>
+            <a:r>
+              <a:rPr lang="fr-FR" dirty="0" smtClean="0"/>
+              <a:t> 1: </a:t>
+            </a:r>
+            <a:r>
+              <a:rPr lang="fr-FR" b="1" dirty="0" err="1" smtClean="0"/>
+              <a:t>Implement</a:t>
+            </a:r>
+            <a:r>
+              <a:rPr lang="fr-FR" b="1" dirty="0" smtClean="0"/>
+              <a:t> a code </a:t>
+            </a:r>
+            <a:r>
+              <a:rPr lang="fr-FR" b="1" dirty="0" err="1" smtClean="0"/>
+              <a:t>mining</a:t>
+            </a:r>
+            <a:r>
+              <a:rPr lang="fr-FR" b="1" dirty="0" smtClean="0"/>
+              <a:t> provider</a:t>
+            </a:r>
+            <a:r>
+              <a:rPr lang="fr-FR" dirty="0" smtClean="0"/>
+              <a:t> (</a:t>
+            </a:r>
+            <a:r>
+              <a:rPr lang="fr-FR" dirty="0" err="1" smtClean="0"/>
+              <a:t>ICodeMiningProvider</a:t>
+            </a:r>
+            <a:r>
+              <a:rPr lang="fr-FR" dirty="0" smtClean="0"/>
+              <a:t>)</a:t>
+            </a:r>
+          </a:p>
+          <a:p>
+            <a:pPr lvl="1"/>
+            <a:r>
+              <a:rPr lang="fr-FR" dirty="0" err="1"/>
+              <a:t>s</a:t>
+            </a:r>
+            <a:r>
+              <a:rPr lang="fr-FR" dirty="0" err="1" smtClean="0"/>
+              <a:t>tep</a:t>
+            </a:r>
+            <a:r>
+              <a:rPr lang="fr-FR" dirty="0" smtClean="0"/>
+              <a:t> 2 : </a:t>
+            </a:r>
+            <a:r>
+              <a:rPr lang="fr-FR" dirty="0" err="1" smtClean="0"/>
+              <a:t>register</a:t>
+            </a:r>
+            <a:r>
+              <a:rPr lang="fr-FR" dirty="0" smtClean="0"/>
+              <a:t> the code </a:t>
+            </a:r>
+            <a:r>
+              <a:rPr lang="fr-FR" dirty="0" err="1" smtClean="0"/>
+              <a:t>mining</a:t>
+            </a:r>
+            <a:r>
+              <a:rPr lang="fr-FR" dirty="0" smtClean="0"/>
+              <a:t> provider </a:t>
+            </a:r>
+            <a:r>
+              <a:rPr lang="fr-FR" dirty="0" err="1" smtClean="0"/>
+              <a:t>with</a:t>
+            </a:r>
+            <a:r>
+              <a:rPr lang="fr-FR" dirty="0" smtClean="0"/>
+              <a:t> </a:t>
+            </a:r>
+            <a:r>
+              <a:rPr lang="fr-FR" b="1" dirty="0" err="1" smtClean="0"/>
+              <a:t>org.eclipse.ui.workbench.texteditor.codeminingProviders</a:t>
+            </a:r>
+            <a:r>
+              <a:rPr lang="fr-FR" dirty="0" smtClean="0"/>
+              <a:t> extension point</a:t>
+            </a:r>
+          </a:p>
+          <a:p>
+            <a:pPr lvl="1"/>
+            <a:r>
+              <a:rPr lang="fr-FR" dirty="0" err="1" smtClean="0"/>
+              <a:t>step</a:t>
+            </a:r>
+            <a:r>
+              <a:rPr lang="fr-FR" dirty="0" smtClean="0"/>
+              <a:t> 3 : </a:t>
+            </a:r>
+            <a:r>
+              <a:rPr lang="fr-FR" b="1" dirty="0" smtClean="0"/>
+              <a:t>update code </a:t>
+            </a:r>
+            <a:r>
+              <a:rPr lang="fr-FR" b="1" dirty="0" err="1" smtClean="0"/>
+              <a:t>minings</a:t>
+            </a:r>
+            <a:r>
+              <a:rPr lang="fr-FR" b="1" dirty="0" smtClean="0"/>
+              <a:t> </a:t>
+            </a:r>
+            <a:r>
+              <a:rPr lang="fr-FR" b="1" dirty="0" err="1" smtClean="0"/>
+              <a:t>when</a:t>
+            </a:r>
+            <a:r>
+              <a:rPr lang="fr-FR" b="1" dirty="0" smtClean="0"/>
+              <a:t> </a:t>
+            </a:r>
+            <a:r>
+              <a:rPr lang="fr-FR" b="1" dirty="0" err="1" smtClean="0"/>
+              <a:t>text</a:t>
+            </a:r>
+            <a:r>
+              <a:rPr lang="fr-FR" b="1" dirty="0" smtClean="0"/>
+              <a:t> </a:t>
+            </a:r>
+            <a:r>
+              <a:rPr lang="fr-FR" b="1" dirty="0" err="1" smtClean="0"/>
+              <a:t>changed</a:t>
+            </a:r>
+            <a:r>
+              <a:rPr lang="fr-FR" b="1" dirty="0" smtClean="0"/>
+              <a:t> </a:t>
+            </a:r>
+            <a:r>
+              <a:rPr lang="fr-FR" dirty="0" err="1" smtClean="0"/>
+              <a:t>with</a:t>
+            </a:r>
+            <a:r>
+              <a:rPr lang="fr-FR" dirty="0" smtClean="0"/>
+              <a:t> thread, </a:t>
+            </a:r>
+            <a:r>
+              <a:rPr lang="fr-FR" dirty="0" err="1" smtClean="0"/>
+              <a:t>reconciler</a:t>
+            </a:r>
+            <a:r>
+              <a:rPr lang="fr-FR" dirty="0" smtClean="0"/>
+              <a:t>, </a:t>
+            </a:r>
+            <a:r>
+              <a:rPr lang="fr-FR" dirty="0" err="1" smtClean="0"/>
+              <a:t>etc</a:t>
+            </a:r>
+            <a:endParaRPr lang="fr-FR" dirty="0" smtClean="0"/>
+          </a:p>
+          <a:p>
+            <a:pPr lvl="2"/>
+            <a:r>
+              <a:rPr lang="fr-FR" dirty="0" smtClean="0"/>
+              <a:t>You </a:t>
+            </a:r>
+            <a:r>
+              <a:rPr lang="fr-FR" dirty="0" err="1" smtClean="0"/>
+              <a:t>can</a:t>
+            </a:r>
+            <a:r>
+              <a:rPr lang="fr-FR" dirty="0" smtClean="0"/>
+              <a:t> use </a:t>
+            </a:r>
+            <a:r>
+              <a:rPr lang="fr-FR" b="1" dirty="0" err="1" smtClean="0"/>
+              <a:t>CodeMiningReconciler</a:t>
+            </a:r>
+            <a:endParaRPr lang="fr-FR" b="1" dirty="0" smtClean="0"/>
+          </a:p>
+          <a:p>
+            <a:pPr lvl="3"/>
+            <a:r>
+              <a:rPr lang="fr-FR" dirty="0" err="1" smtClean="0"/>
+              <a:t>with</a:t>
+            </a:r>
+            <a:r>
+              <a:rPr lang="fr-FR" dirty="0" smtClean="0"/>
+              <a:t> custom editor</a:t>
+            </a:r>
+          </a:p>
+          <a:p>
+            <a:pPr lvl="3"/>
+            <a:r>
+              <a:rPr lang="fr-FR" dirty="0" err="1"/>
+              <a:t>With</a:t>
+            </a:r>
+            <a:r>
+              <a:rPr lang="fr-FR" dirty="0"/>
+              <a:t> </a:t>
+            </a:r>
+            <a:r>
+              <a:rPr lang="fr-FR" dirty="0" err="1"/>
+              <a:t>Generic</a:t>
+            </a:r>
+            <a:r>
+              <a:rPr lang="fr-FR" dirty="0"/>
+              <a:t> editor: extension </a:t>
+            </a:r>
+            <a:r>
+              <a:rPr lang="fr-FR" dirty="0" smtClean="0"/>
+              <a:t>point</a:t>
+            </a:r>
+          </a:p>
+          <a:p>
+            <a:pPr lvl="2"/>
+            <a:r>
+              <a:rPr lang="fr-FR" dirty="0" smtClean="0"/>
+              <a:t>In JDT, </a:t>
+            </a:r>
+            <a:r>
+              <a:rPr lang="fr-FR" b="1" dirty="0" err="1" smtClean="0"/>
+              <a:t>IReconcilingListener</a:t>
+            </a:r>
+            <a:r>
+              <a:rPr lang="fr-FR" dirty="0" smtClean="0"/>
+              <a:t> </a:t>
+            </a:r>
+            <a:r>
+              <a:rPr lang="fr-FR" dirty="0" err="1" smtClean="0"/>
+              <a:t>is</a:t>
+            </a:r>
+            <a:r>
+              <a:rPr lang="fr-FR" dirty="0" smtClean="0"/>
+              <a:t> </a:t>
+            </a:r>
+            <a:r>
+              <a:rPr lang="fr-FR" dirty="0" err="1" smtClean="0"/>
+              <a:t>used</a:t>
+            </a:r>
+            <a:endParaRPr lang="fr-FR" dirty="0" smtClean="0"/>
+          </a:p>
+          <a:p>
+            <a:pPr lvl="3"/>
+            <a:endParaRPr lang="fr-FR" dirty="0" smtClean="0"/>
+          </a:p>
+          <a:p>
+            <a:endParaRPr lang="fr-FR" dirty="0"/>
+          </a:p>
+        </p:txBody>
+      </p:sp>
+    </p:spTree>
+    <p:extLst>
+      <p:ext uri="{BB962C8B-B14F-4D97-AF65-F5344CB8AC3E}">
+        <p14:creationId xmlns:p14="http://schemas.microsoft.com/office/powerpoint/2010/main" val="2985741839"/>
+      </p:ext>
+    </p:extLst>
+  </p:cSld>
+  <p:clrMapOvr>
+    <a:masterClrMapping/>
+  </p:clrMapOvr>
+  <p:timing>
+    <p:tnLst>
+      <p:par>
+        <p:cTn id="1" dur="indefinite" restart="never" nodeType="tmRoot"/>
+      </p:par>
+    </p:tnLst>
+  </p:timing>
+</p:sld>
+</file>
+
+<file path=ppt/slides/slide18.xml><?xml version="1.0" encoding="utf-8"?>
+<p:sld xmlns:a="http://schemas.openxmlformats.org/drawingml/2006/main" xmlns:r="http://schemas.openxmlformats.org/officeDocument/2006/relationships" xmlns:p="http://schemas.openxmlformats.org/presentationml/2006/main">
+  <p:cSld>
+    <p:spTree>
+      <p:nvGrpSpPr>
+        <p:cNvPr id="1" name=""/>
+        <p:cNvGrpSpPr/>
+        <p:nvPr/>
+      </p:nvGrpSpPr>
+      <p:grpSpPr>
+        <a:xfrm>
+          <a:off x="0" y="0"/>
+          <a:ext cx="0" cy="0"/>
+          <a:chOff x="0" y="0"/>
+          <a:chExt cx="0" cy="0"/>
+        </a:xfrm>
+      </p:grpSpPr>
+      <p:sp>
+        <p:nvSpPr>
+          <p:cNvPr id="2" name="Titre 1"/>
+          <p:cNvSpPr>
+            <a:spLocks noGrp="1"/>
+          </p:cNvSpPr>
+          <p:nvPr>
+            <p:ph type="title"/>
+          </p:nvPr>
+        </p:nvSpPr>
+        <p:spPr/>
+        <p:txBody>
+          <a:bodyPr>
+            <a:normAutofit fontScale="90000"/>
+          </a:bodyPr>
+          <a:lstStyle/>
+          <a:p>
+            <a:r>
+              <a:rPr lang="fr-FR" dirty="0" err="1" smtClean="0"/>
+              <a:t>Emoji</a:t>
+            </a:r>
+            <a:r>
+              <a:rPr lang="fr-FR" dirty="0" smtClean="0"/>
+              <a:t> code </a:t>
+            </a:r>
+            <a:r>
+              <a:rPr lang="fr-FR" dirty="0" err="1" smtClean="0"/>
+              <a:t>mining</a:t>
+            </a:r>
+            <a:r>
+              <a:rPr lang="fr-FR" dirty="0" smtClean="0"/>
+              <a:t> in a an editor</a:t>
+            </a:r>
+            <a:endParaRPr lang="fr-FR" dirty="0"/>
+          </a:p>
+        </p:txBody>
+      </p:sp>
+      <p:sp>
+        <p:nvSpPr>
+          <p:cNvPr id="3" name="Espace réservé du contenu 2"/>
+          <p:cNvSpPr>
+            <a:spLocks noGrp="1"/>
+          </p:cNvSpPr>
+          <p:nvPr>
+            <p:ph idx="1"/>
+          </p:nvPr>
+        </p:nvSpPr>
+        <p:spPr/>
+        <p:txBody>
+          <a:bodyPr>
+            <a:normAutofit/>
+          </a:bodyPr>
+          <a:lstStyle/>
+          <a:p>
+            <a:r>
+              <a:rPr lang="fr-FR" dirty="0" smtClean="0"/>
+              <a:t>In</a:t>
+            </a:r>
+            <a:r>
+              <a:rPr lang="fr-FR" b="1" dirty="0" smtClean="0"/>
+              <a:t> </a:t>
+            </a:r>
+            <a:r>
+              <a:rPr lang="fr-FR" b="1" dirty="0" err="1" smtClean="0"/>
+              <a:t>GenericEditor</a:t>
+            </a:r>
+            <a:endParaRPr lang="fr-FR" b="1" dirty="0" smtClean="0"/>
+          </a:p>
+          <a:p>
+            <a:r>
+              <a:rPr lang="fr-FR" dirty="0" smtClean="0"/>
+              <a:t>In</a:t>
+            </a:r>
+            <a:r>
+              <a:rPr lang="fr-FR" b="1" dirty="0" smtClean="0"/>
+              <a:t> custom editor</a:t>
+            </a:r>
+          </a:p>
+          <a:p>
+            <a:endParaRPr lang="en-US" b="1" dirty="0" smtClean="0"/>
+          </a:p>
+          <a:p>
+            <a:pPr marL="0" indent="0">
+              <a:buNone/>
+            </a:pPr>
+            <a:endParaRPr lang="fr-FR" dirty="0"/>
+          </a:p>
+        </p:txBody>
+      </p:sp>
+      <p:pic>
+        <p:nvPicPr>
+          <p:cNvPr id="5" name="Image 4"/>
+          <p:cNvPicPr>
+            <a:picLocks noChangeAspect="1"/>
+          </p:cNvPicPr>
+          <p:nvPr/>
+        </p:nvPicPr>
+        <p:blipFill>
+          <a:blip r:embed="rId2"/>
+          <a:stretch>
+            <a:fillRect/>
+          </a:stretch>
+        </p:blipFill>
+        <p:spPr>
+          <a:xfrm>
+            <a:off x="1763688" y="1851670"/>
+            <a:ext cx="4857750" cy="1666875"/>
+          </a:xfrm>
+          <a:prstGeom prst="rect">
+            <a:avLst/>
+          </a:prstGeom>
+        </p:spPr>
+      </p:pic>
+    </p:spTree>
+    <p:extLst>
+      <p:ext uri="{BB962C8B-B14F-4D97-AF65-F5344CB8AC3E}">
+        <p14:creationId xmlns:p14="http://schemas.microsoft.com/office/powerpoint/2010/main" val="1087576212"/>
+      </p:ext>
+    </p:extLst>
+  </p:cSld>
+  <p:clrMapOvr>
+    <a:masterClrMapping/>
+  </p:clrMapOvr>
+  <p:timing>
+    <p:tnLst>
+      <p:par>
+        <p:cTn id="1" dur="indefinite" restart="never" nodeType="tmRoot"/>
+      </p:par>
+    </p:tnLst>
+  </p:timing>
+</p:sld>
+</file>
+
 <file path=ppt/slides/slide19.xml><?xml version="1.0" encoding="utf-8"?>
 <p:sld xmlns:a="http://schemas.openxmlformats.org/drawingml/2006/main" xmlns:r="http://schemas.openxmlformats.org/officeDocument/2006/relationships" xmlns:p="http://schemas.openxmlformats.org/presentationml/2006/main">
   <p:cSld>
@@ -16106,497 +15165,71 @@
           <a:lstStyle/>
           <a:p>
             <a:r>
-              <a:rPr lang="fr-FR" dirty="0" smtClean="0"/>
-              <a:t>Code Mining and </a:t>
-            </a:r>
-            <a:r>
               <a:rPr lang="fr-FR" dirty="0" err="1" smtClean="0"/>
-              <a:t>resolved</a:t>
-            </a:r>
-            <a:r>
-              <a:rPr lang="fr-FR" dirty="0" smtClean="0"/>
-              <a:t> (TO REMOVE)</a:t>
+              <a:t>Step</a:t>
+            </a:r>
+            <a:r>
+              <a:rPr lang="fr-FR" dirty="0" smtClean="0"/>
+              <a:t> 1/1: </a:t>
+            </a:r>
+            <a:r>
+              <a:rPr lang="fr-FR" dirty="0" err="1" smtClean="0"/>
+              <a:t>Implement</a:t>
+            </a:r>
+            <a:r>
+              <a:rPr lang="fr-FR" dirty="0" smtClean="0"/>
+              <a:t> </a:t>
+            </a:r>
+            <a:r>
+              <a:rPr lang="fr-FR" dirty="0" err="1" smtClean="0"/>
+              <a:t>your</a:t>
+            </a:r>
+            <a:r>
+              <a:rPr lang="fr-FR" dirty="0" smtClean="0"/>
+              <a:t> code </a:t>
+            </a:r>
+            <a:r>
+              <a:rPr lang="fr-FR" dirty="0" err="1" smtClean="0"/>
+              <a:t>mining</a:t>
+            </a:r>
+            <a:r>
+              <a:rPr lang="fr-FR" dirty="0" smtClean="0"/>
+              <a:t> provider</a:t>
             </a:r>
             <a:endParaRPr lang="fr-FR" dirty="0"/>
           </a:p>
         </p:txBody>
       </p:sp>
-      <p:sp>
-        <p:nvSpPr>
-          <p:cNvPr id="7" name="Espace réservé du contenu 6"/>
-          <p:cNvSpPr>
-            <a:spLocks noGrp="1"/>
-          </p:cNvSpPr>
+      <p:pic>
+        <p:nvPicPr>
+          <p:cNvPr id="8" name="Espace réservé du contenu 7"/>
+          <p:cNvPicPr>
+            <a:picLocks noGrp="1" noChangeAspect="1"/>
+          </p:cNvPicPr>
           <p:nvPr>
             <p:ph idx="1"/>
           </p:nvPr>
-        </p:nvSpPr>
-        <p:spPr/>
-        <p:txBody>
-          <a:bodyPr>
-            <a:normAutofit fontScale="92500" lnSpcReduction="10000"/>
-          </a:bodyPr>
-          <a:lstStyle/>
-          <a:p>
-            <a:r>
-              <a:rPr lang="fr-FR" b="1" dirty="0" err="1" smtClean="0"/>
-              <a:t>ICodeMining#isResolved</a:t>
-            </a:r>
-            <a:r>
-              <a:rPr lang="fr-FR" b="1" dirty="0" smtClean="0"/>
-              <a:t>()</a:t>
-            </a:r>
-          </a:p>
-          <a:p>
-            <a:r>
-              <a:rPr lang="fr-FR" dirty="0" smtClean="0"/>
-              <a:t>A code </a:t>
-            </a:r>
-            <a:r>
-              <a:rPr lang="fr-FR" dirty="0" err="1" smtClean="0"/>
-              <a:t>mining</a:t>
-            </a:r>
-            <a:r>
-              <a:rPr lang="fr-FR" dirty="0" smtClean="0"/>
-              <a:t> </a:t>
-            </a:r>
-            <a:r>
-              <a:rPr lang="fr-FR" dirty="0" err="1" smtClean="0"/>
-              <a:t>is</a:t>
-            </a:r>
-            <a:r>
-              <a:rPr lang="fr-FR" dirty="0" smtClean="0"/>
-              <a:t> </a:t>
-            </a:r>
-            <a:r>
-              <a:rPr lang="fr-FR" b="1" dirty="0" err="1" smtClean="0"/>
-              <a:t>resolved</a:t>
-            </a:r>
-            <a:r>
-              <a:rPr lang="fr-FR" dirty="0" smtClean="0"/>
-              <a:t> </a:t>
-            </a:r>
-            <a:r>
-              <a:rPr lang="fr-FR" dirty="0" err="1" smtClean="0"/>
-              <a:t>when</a:t>
-            </a:r>
-            <a:r>
-              <a:rPr lang="fr-FR" dirty="0" smtClean="0"/>
-              <a:t> </a:t>
-            </a:r>
-            <a:r>
-              <a:rPr lang="fr-FR" dirty="0" err="1" smtClean="0"/>
-              <a:t>her</a:t>
-            </a:r>
-            <a:r>
-              <a:rPr lang="fr-FR" dirty="0" smtClean="0"/>
-              <a:t> </a:t>
-            </a:r>
-            <a:r>
-              <a:rPr lang="fr-FR" b="1" dirty="0" smtClean="0"/>
-              <a:t>content </a:t>
-            </a:r>
-            <a:r>
-              <a:rPr lang="fr-FR" b="1" dirty="0" err="1" smtClean="0"/>
-              <a:t>is</a:t>
-            </a:r>
-            <a:r>
-              <a:rPr lang="fr-FR" b="1" dirty="0" smtClean="0"/>
-              <a:t> </a:t>
-            </a:r>
-            <a:r>
-              <a:rPr lang="fr-FR" b="1" dirty="0" err="1" smtClean="0"/>
-              <a:t>ready</a:t>
-            </a:r>
-            <a:r>
-              <a:rPr lang="fr-FR" dirty="0" smtClean="0"/>
-              <a:t>.</a:t>
-            </a:r>
-          </a:p>
-          <a:p>
-            <a:r>
-              <a:rPr lang="fr-FR" dirty="0" smtClean="0"/>
-              <a:t>A code </a:t>
-            </a:r>
-            <a:r>
-              <a:rPr lang="fr-FR" dirty="0" err="1" smtClean="0"/>
-              <a:t>mining</a:t>
-            </a:r>
-            <a:r>
-              <a:rPr lang="fr-FR" dirty="0" smtClean="0"/>
-              <a:t> </a:t>
-            </a:r>
-            <a:r>
-              <a:rPr lang="fr-FR" dirty="0" err="1" smtClean="0"/>
-              <a:t>is</a:t>
-            </a:r>
-            <a:r>
-              <a:rPr lang="fr-FR" dirty="0" smtClean="0"/>
-              <a:t> </a:t>
-            </a:r>
-            <a:r>
-              <a:rPr lang="fr-FR" b="1" dirty="0" err="1" smtClean="0"/>
-              <a:t>drawn</a:t>
-            </a:r>
-            <a:r>
-              <a:rPr lang="fr-FR" dirty="0" smtClean="0"/>
-              <a:t> </a:t>
-            </a:r>
-            <a:r>
-              <a:rPr lang="fr-FR" dirty="0" err="1" smtClean="0"/>
-              <a:t>when</a:t>
-            </a:r>
-            <a:r>
-              <a:rPr lang="fr-FR" dirty="0" smtClean="0"/>
-              <a:t> </a:t>
-            </a:r>
-            <a:r>
-              <a:rPr lang="fr-FR" dirty="0" err="1" smtClean="0"/>
-              <a:t>it</a:t>
-            </a:r>
-            <a:r>
-              <a:rPr lang="fr-FR" dirty="0" smtClean="0"/>
-              <a:t> </a:t>
-            </a:r>
-            <a:r>
-              <a:rPr lang="fr-FR" dirty="0" err="1" smtClean="0"/>
-              <a:t>is</a:t>
-            </a:r>
-            <a:r>
-              <a:rPr lang="fr-FR" dirty="0" smtClean="0"/>
-              <a:t> </a:t>
-            </a:r>
-            <a:r>
-              <a:rPr lang="fr-FR" b="1" dirty="0" err="1" smtClean="0"/>
-              <a:t>resolved</a:t>
-            </a:r>
-            <a:endParaRPr lang="fr-FR" b="1" dirty="0" smtClean="0"/>
-          </a:p>
-          <a:p>
-            <a:r>
-              <a:rPr lang="fr-FR" b="1" dirty="0" smtClean="0"/>
-              <a:t>Label</a:t>
-            </a:r>
-            <a:r>
-              <a:rPr lang="fr-FR" dirty="0" smtClean="0"/>
-              <a:t> of code </a:t>
-            </a:r>
-            <a:r>
-              <a:rPr lang="fr-FR" dirty="0" err="1" smtClean="0"/>
-              <a:t>mining</a:t>
-            </a:r>
-            <a:r>
-              <a:rPr lang="fr-FR" dirty="0" smtClean="0"/>
-              <a:t> </a:t>
-            </a:r>
-            <a:r>
-              <a:rPr lang="fr-FR" dirty="0" err="1" smtClean="0"/>
-              <a:t>is</a:t>
-            </a:r>
-            <a:r>
-              <a:rPr lang="fr-FR" dirty="0" smtClean="0"/>
-              <a:t> important (</a:t>
-            </a:r>
-            <a:r>
-              <a:rPr lang="fr-FR" dirty="0" err="1" smtClean="0"/>
-              <a:t>even</a:t>
-            </a:r>
-            <a:r>
-              <a:rPr lang="fr-FR" dirty="0" smtClean="0"/>
-              <a:t> if </a:t>
-            </a:r>
-            <a:r>
-              <a:rPr lang="fr-FR" dirty="0" err="1" smtClean="0"/>
-              <a:t>it</a:t>
-            </a:r>
-            <a:r>
-              <a:rPr lang="fr-FR" dirty="0" smtClean="0"/>
-              <a:t> </a:t>
-            </a:r>
-            <a:r>
-              <a:rPr lang="fr-FR" dirty="0" err="1" smtClean="0"/>
-              <a:t>is</a:t>
-            </a:r>
-            <a:r>
-              <a:rPr lang="fr-FR" dirty="0" smtClean="0"/>
-              <a:t> not </a:t>
-            </a:r>
-            <a:r>
-              <a:rPr lang="fr-FR" dirty="0" err="1" smtClean="0"/>
-              <a:t>drawn</a:t>
-            </a:r>
-            <a:r>
-              <a:rPr lang="fr-FR" dirty="0" smtClean="0"/>
-              <a:t>):</a:t>
-            </a:r>
-          </a:p>
-          <a:p>
-            <a:pPr lvl="1"/>
-            <a:r>
-              <a:rPr lang="fr-FR" b="1" dirty="0" err="1" smtClean="0"/>
-              <a:t>null</a:t>
-            </a:r>
-            <a:r>
-              <a:rPr lang="fr-FR" dirty="0" smtClean="0"/>
-              <a:t>: </a:t>
-            </a:r>
-            <a:r>
-              <a:rPr lang="fr-FR" dirty="0" err="1" smtClean="0"/>
-              <a:t>means</a:t>
-            </a:r>
-            <a:r>
-              <a:rPr lang="fr-FR" dirty="0" smtClean="0"/>
-              <a:t> </a:t>
-            </a:r>
-            <a:r>
-              <a:rPr lang="fr-FR" dirty="0" err="1" smtClean="0"/>
-              <a:t>that</a:t>
-            </a:r>
-            <a:r>
-              <a:rPr lang="fr-FR" dirty="0" smtClean="0"/>
-              <a:t> </a:t>
-            </a:r>
-            <a:r>
-              <a:rPr lang="fr-FR" dirty="0" err="1" smtClean="0"/>
-              <a:t>mining</a:t>
-            </a:r>
-            <a:r>
-              <a:rPr lang="fr-FR" dirty="0" smtClean="0"/>
-              <a:t> </a:t>
-            </a:r>
-            <a:r>
-              <a:rPr lang="fr-FR" dirty="0" err="1" smtClean="0"/>
-              <a:t>is</a:t>
-            </a:r>
-            <a:r>
-              <a:rPr lang="fr-FR" dirty="0" smtClean="0"/>
-              <a:t> </a:t>
-            </a:r>
-            <a:r>
-              <a:rPr lang="fr-FR" b="1" dirty="0" smtClean="0"/>
-              <a:t>not </a:t>
-            </a:r>
-            <a:r>
-              <a:rPr lang="fr-FR" b="1" dirty="0" err="1" smtClean="0"/>
-              <a:t>resolved</a:t>
-            </a:r>
-            <a:endParaRPr lang="fr-FR" b="1" dirty="0" smtClean="0"/>
-          </a:p>
-          <a:p>
-            <a:pPr lvl="1"/>
-            <a:r>
-              <a:rPr lang="fr-FR" b="1" dirty="0" smtClean="0"/>
-              <a:t>‘’</a:t>
-            </a:r>
-            <a:r>
-              <a:rPr lang="fr-FR" dirty="0" smtClean="0"/>
-              <a:t> (</a:t>
-            </a:r>
-            <a:r>
-              <a:rPr lang="fr-FR" dirty="0" err="1" smtClean="0"/>
-              <a:t>empty</a:t>
-            </a:r>
-            <a:r>
-              <a:rPr lang="fr-FR" dirty="0" smtClean="0"/>
-              <a:t>): </a:t>
-            </a:r>
-            <a:r>
-              <a:rPr lang="fr-FR" dirty="0" err="1" smtClean="0"/>
-              <a:t>means</a:t>
-            </a:r>
-            <a:r>
-              <a:rPr lang="fr-FR" dirty="0" smtClean="0"/>
-              <a:t> </a:t>
-            </a:r>
-            <a:r>
-              <a:rPr lang="fr-FR" dirty="0" err="1" smtClean="0"/>
-              <a:t>that</a:t>
-            </a:r>
-            <a:r>
-              <a:rPr lang="fr-FR" dirty="0" smtClean="0"/>
-              <a:t> </a:t>
-            </a:r>
-            <a:r>
-              <a:rPr lang="fr-FR" dirty="0" err="1" smtClean="0"/>
-              <a:t>mining</a:t>
-            </a:r>
-            <a:r>
-              <a:rPr lang="fr-FR" dirty="0" smtClean="0"/>
-              <a:t> </a:t>
-            </a:r>
-            <a:r>
-              <a:rPr lang="fr-FR" dirty="0" err="1" smtClean="0"/>
-              <a:t>is</a:t>
-            </a:r>
-            <a:r>
-              <a:rPr lang="fr-FR" dirty="0" smtClean="0"/>
-              <a:t> </a:t>
-            </a:r>
-            <a:r>
-              <a:rPr lang="fr-FR" b="1" dirty="0" smtClean="0"/>
-              <a:t>not visible</a:t>
-            </a:r>
-          </a:p>
-          <a:p>
-            <a:pPr lvl="1"/>
-            <a:r>
-              <a:rPr lang="fr-FR" b="1" dirty="0" err="1" smtClean="0"/>
-              <a:t>filled</a:t>
-            </a:r>
-            <a:r>
-              <a:rPr lang="fr-FR" dirty="0" smtClean="0"/>
-              <a:t> : </a:t>
-            </a:r>
-            <a:r>
-              <a:rPr lang="fr-FR" dirty="0" err="1" smtClean="0"/>
-              <a:t>means</a:t>
-            </a:r>
-            <a:r>
-              <a:rPr lang="fr-FR" dirty="0" smtClean="0"/>
-              <a:t> </a:t>
-            </a:r>
-            <a:r>
-              <a:rPr lang="fr-FR" dirty="0" err="1" smtClean="0"/>
-              <a:t>that</a:t>
-            </a:r>
-            <a:r>
-              <a:rPr lang="fr-FR" dirty="0" smtClean="0"/>
-              <a:t> </a:t>
-            </a:r>
-            <a:r>
-              <a:rPr lang="fr-FR" dirty="0" err="1" smtClean="0"/>
-              <a:t>mining</a:t>
-            </a:r>
-            <a:r>
-              <a:rPr lang="fr-FR" dirty="0" smtClean="0"/>
-              <a:t> </a:t>
-            </a:r>
-            <a:r>
-              <a:rPr lang="fr-FR" dirty="0" err="1" smtClean="0"/>
-              <a:t>is</a:t>
-            </a:r>
-            <a:r>
-              <a:rPr lang="fr-FR" dirty="0" smtClean="0"/>
-              <a:t> </a:t>
-            </a:r>
-            <a:r>
-              <a:rPr lang="fr-FR" b="1" dirty="0" err="1" smtClean="0"/>
-              <a:t>resolved</a:t>
-            </a:r>
-            <a:endParaRPr lang="fr-FR" b="1" dirty="0" smtClean="0"/>
-          </a:p>
-          <a:p>
-            <a:r>
-              <a:rPr lang="fr-FR" dirty="0" smtClean="0"/>
-              <a:t>In the </a:t>
-            </a:r>
-            <a:r>
-              <a:rPr lang="fr-FR" dirty="0" err="1" smtClean="0"/>
-              <a:t>codeming</a:t>
-            </a:r>
-            <a:r>
-              <a:rPr lang="fr-FR" dirty="0" smtClean="0"/>
-              <a:t> provider:</a:t>
-            </a:r>
-          </a:p>
-          <a:p>
-            <a:pPr lvl="1"/>
-            <a:r>
-              <a:rPr lang="fr-FR" dirty="0" smtClean="0"/>
-              <a:t>Update the label of </a:t>
-            </a:r>
-            <a:r>
-              <a:rPr lang="fr-FR" dirty="0" err="1" smtClean="0"/>
-              <a:t>mining</a:t>
-            </a:r>
-            <a:r>
-              <a:rPr lang="fr-FR" dirty="0"/>
-              <a:t>,</a:t>
-            </a:r>
-            <a:r>
-              <a:rPr lang="fr-FR" dirty="0" smtClean="0"/>
-              <a:t> </a:t>
-            </a:r>
-            <a:r>
-              <a:rPr lang="fr-FR" dirty="0" smtClean="0"/>
-              <a:t>if </a:t>
-            </a:r>
-            <a:r>
-              <a:rPr lang="fr-FR" dirty="0" err="1" smtClean="0"/>
-              <a:t>it</a:t>
-            </a:r>
-            <a:r>
-              <a:rPr lang="fr-FR" dirty="0" smtClean="0"/>
-              <a:t> </a:t>
-            </a:r>
-            <a:r>
-              <a:rPr lang="fr-FR" dirty="0" err="1" smtClean="0"/>
-              <a:t>fast</a:t>
-            </a:r>
-            <a:r>
-              <a:rPr lang="fr-FR" dirty="0" smtClean="0"/>
-              <a:t> </a:t>
-            </a:r>
-            <a:r>
-              <a:rPr lang="fr-FR" dirty="0" err="1" smtClean="0"/>
-              <a:t>with</a:t>
-            </a:r>
-            <a:r>
-              <a:rPr lang="fr-FR" dirty="0" smtClean="0"/>
-              <a:t> </a:t>
-            </a:r>
-            <a:r>
-              <a:rPr lang="fr-FR" b="1" dirty="0" err="1" smtClean="0"/>
-              <a:t>ICodeMining#setLabel</a:t>
-            </a:r>
-            <a:endParaRPr lang="fr-FR" b="1" dirty="0" smtClean="0"/>
-          </a:p>
-          <a:p>
-            <a:pPr lvl="1"/>
-            <a:r>
-              <a:rPr lang="fr-FR" dirty="0" smtClean="0"/>
-              <a:t>Or </a:t>
-            </a:r>
-            <a:r>
-              <a:rPr lang="fr-FR" dirty="0" err="1" smtClean="0"/>
-              <a:t>implement</a:t>
-            </a:r>
-            <a:r>
-              <a:rPr lang="fr-FR" dirty="0" smtClean="0"/>
-              <a:t> </a:t>
-            </a:r>
-            <a:r>
-              <a:rPr lang="fr-FR" b="1" dirty="0" err="1" smtClean="0"/>
-              <a:t>AbstractCodeMining#doResolve</a:t>
-            </a:r>
-            <a:r>
-              <a:rPr lang="fr-FR" dirty="0" smtClean="0"/>
-              <a:t> if label </a:t>
-            </a:r>
-            <a:r>
-              <a:rPr lang="fr-FR" dirty="0" err="1" smtClean="0"/>
-              <a:t>compute</a:t>
-            </a:r>
-            <a:r>
-              <a:rPr lang="fr-FR" dirty="0" smtClean="0"/>
-              <a:t> </a:t>
-            </a:r>
-            <a:r>
-              <a:rPr lang="fr-FR" dirty="0" err="1" smtClean="0"/>
-              <a:t>takes</a:t>
-            </a:r>
-            <a:r>
-              <a:rPr lang="fr-FR" dirty="0" smtClean="0"/>
-              <a:t> time</a:t>
-            </a:r>
-            <a:endParaRPr lang="fr-FR" dirty="0"/>
-          </a:p>
-        </p:txBody>
-      </p:sp>
+        </p:nvPicPr>
+        <p:blipFill>
+          <a:blip r:embed="rId2"/>
+          <a:stretch>
+            <a:fillRect/>
+          </a:stretch>
+        </p:blipFill>
+        <p:spPr>
+          <a:xfrm>
+            <a:off x="467544" y="843558"/>
+            <a:ext cx="7570236" cy="3751262"/>
+          </a:xfrm>
+          <a:prstGeom prst="rect">
+            <a:avLst/>
+          </a:prstGeom>
+        </p:spPr>
+      </p:pic>
     </p:spTree>
     <p:extLst>
       <p:ext uri="{BB962C8B-B14F-4D97-AF65-F5344CB8AC3E}">
-        <p14:creationId xmlns:p14="http://schemas.microsoft.com/office/powerpoint/2010/main" val="1483875494"/>
+        <p14:creationId xmlns:p14="http://schemas.microsoft.com/office/powerpoint/2010/main" val="1463909878"/>
       </p:ext>
     </p:extLst>
   </p:cSld>
@@ -16668,17 +15301,27 @@
         <p:spPr/>
         <p:txBody>
           <a:bodyPr>
-            <a:normAutofit fontScale="92500" lnSpcReduction="20000"/>
+            <a:normAutofit fontScale="85000" lnSpcReduction="20000"/>
           </a:bodyPr>
           <a:lstStyle/>
           <a:p>
             <a:r>
+              <a:rPr lang="fr-FR" dirty="0" smtClean="0"/>
+              <a:t>Angelo ZERR</a:t>
+            </a:r>
+          </a:p>
+          <a:p>
+            <a:r>
               <a:rPr lang="fr-FR" dirty="0" err="1" smtClean="0"/>
               <a:t>Working</a:t>
             </a:r>
             <a:r>
               <a:rPr lang="fr-FR" dirty="0" smtClean="0"/>
-              <a:t> at </a:t>
+              <a:t> </a:t>
+            </a:r>
+            <a:r>
+              <a:rPr lang="fr-FR" dirty="0" smtClean="0"/>
+              <a:t>at </a:t>
             </a:r>
             <a:r>
               <a:rPr lang="fr-FR" b="1" dirty="0" err="1" smtClean="0"/>
@@ -16830,7 +15473,6 @@
               <a:rPr lang="fr-FR" dirty="0" smtClean="0"/>
               <a:t>…)</a:t>
             </a:r>
-            <a:endParaRPr lang="fr-FR" dirty="0" smtClean="0"/>
           </a:p>
           <a:p>
             <a:r>
@@ -16984,16 +15626,36 @@
           <a:lstStyle/>
           <a:p>
             <a:r>
-              <a:rPr lang="fr-FR" dirty="0" smtClean="0"/>
-              <a:t>Advanced </a:t>
-            </a:r>
-            <a:r>
-              <a:rPr lang="fr-FR" dirty="0" smtClean="0"/>
-              <a:t>Code Mining - </a:t>
-            </a:r>
-            <a:r>
               <a:rPr lang="fr-FR" dirty="0" err="1" smtClean="0"/>
-              <a:t>Demo</a:t>
+              <a:t>Step</a:t>
+            </a:r>
+            <a:r>
+              <a:rPr lang="fr-FR" dirty="0" smtClean="0"/>
+              <a:t> 1/2: </a:t>
+            </a:r>
+            <a:r>
+              <a:rPr lang="fr-FR" dirty="0" err="1" smtClean="0"/>
+              <a:t>Implement</a:t>
+            </a:r>
+            <a:r>
+              <a:rPr lang="fr-FR" dirty="0" smtClean="0"/>
+              <a:t> </a:t>
+            </a:r>
+            <a:r>
+              <a:rPr lang="fr-FR" dirty="0" err="1" smtClean="0"/>
+              <a:t>your</a:t>
+            </a:r>
+            <a:r>
+              <a:rPr lang="fr-FR" dirty="0" smtClean="0"/>
+              <a:t> code </a:t>
+            </a:r>
+            <a:r>
+              <a:rPr lang="fr-FR" dirty="0" err="1" smtClean="0"/>
+              <a:t>mining</a:t>
+            </a:r>
+            <a:r>
+              <a:rPr lang="fr-FR" dirty="0" smtClean="0"/>
+              <a:t> provider</a:t>
             </a:r>
             <a:endParaRPr lang="fr-FR" dirty="0"/>
           </a:p>
@@ -17014,46 +15676,52 @@
           <a:bodyPr/>
           <a:lstStyle/>
           <a:p>
-            <a:r>
-              <a:rPr lang="en-US" dirty="0"/>
-              <a:t>The example </a:t>
-            </a:r>
-            <a:r>
-              <a:rPr lang="en-US" dirty="0" err="1" smtClean="0">
-                <a:hlinkClick r:id="rId2"/>
-              </a:rPr>
-              <a:t>CodeMiningDemo</a:t>
-            </a:r>
-            <a:r>
-              <a:rPr lang="en-US" dirty="0"/>
-              <a:t> shows in action:</a:t>
-            </a:r>
-          </a:p>
-          <a:p>
-            <a:pPr lvl="1"/>
-            <a:r>
-              <a:rPr lang="en-US" b="1" dirty="0" err="1" smtClean="0"/>
-              <a:t>LineHeaderCodeMining</a:t>
-            </a:r>
-            <a:r>
-              <a:rPr lang="en-US" b="1" dirty="0" smtClean="0"/>
-              <a:t>: </a:t>
-            </a:r>
-            <a:r>
-              <a:rPr lang="en-US" dirty="0" smtClean="0"/>
-              <a:t>which can take some time to compute </a:t>
-            </a:r>
-            <a:r>
-              <a:rPr lang="en-US" dirty="0" smtClean="0"/>
-              <a:t>label</a:t>
-            </a:r>
-            <a:endParaRPr lang="en-US" dirty="0"/>
+            <a:endParaRPr lang="fr-FR" dirty="0" smtClean="0"/>
+          </a:p>
+          <a:p>
+            <a:endParaRPr lang="fr-FR" dirty="0"/>
+          </a:p>
+          <a:p>
+            <a:endParaRPr lang="fr-FR" dirty="0" smtClean="0"/>
+          </a:p>
+          <a:p>
+            <a:endParaRPr lang="fr-FR" dirty="0"/>
+          </a:p>
+          <a:p>
+            <a:endParaRPr lang="fr-FR" dirty="0" smtClean="0"/>
+          </a:p>
+          <a:p>
+            <a:endParaRPr lang="fr-FR" dirty="0"/>
           </a:p>
         </p:txBody>
       </p:sp>
       <p:pic>
         <p:nvPicPr>
-          <p:cNvPr id="4" name="Image 3"/>
+          <p:cNvPr id="5" name="Image 4"/>
+          <p:cNvPicPr>
+            <a:picLocks noChangeAspect="1"/>
+          </p:cNvPicPr>
+          <p:nvPr/>
+        </p:nvPicPr>
+        <p:blipFill>
+          <a:blip r:embed="rId2"/>
+          <a:stretch>
+            <a:fillRect/>
+          </a:stretch>
+        </p:blipFill>
+        <p:spPr>
+          <a:xfrm>
+            <a:off x="132238" y="843558"/>
+            <a:ext cx="4151730" cy="2473794"/>
+          </a:xfrm>
+          <a:prstGeom prst="rect">
+            <a:avLst/>
+          </a:prstGeom>
+        </p:spPr>
+      </p:pic>
+      <p:pic>
+        <p:nvPicPr>
+          <p:cNvPr id="6" name="Image 5"/>
           <p:cNvPicPr>
             <a:picLocks noChangeAspect="1"/>
           </p:cNvPicPr>
@@ -17067,8 +15735,8 @@
         </p:blipFill>
         <p:spPr>
           <a:xfrm>
-            <a:off x="1187624" y="1694433"/>
-            <a:ext cx="6191250" cy="2971800"/>
+            <a:off x="4283968" y="843558"/>
+            <a:ext cx="4484496" cy="3475657"/>
           </a:xfrm>
           <a:prstGeom prst="rect">
             <a:avLst/>
@@ -17078,7 +15746,7 @@
     </p:spTree>
     <p:extLst>
       <p:ext uri="{BB962C8B-B14F-4D97-AF65-F5344CB8AC3E}">
-        <p14:creationId xmlns:p14="http://schemas.microsoft.com/office/powerpoint/2010/main" val="2642438695"/>
+        <p14:creationId xmlns:p14="http://schemas.microsoft.com/office/powerpoint/2010/main" val="1642868998"/>
       </p:ext>
     </p:extLst>
   </p:cSld>
@@ -17130,28 +15798,12 @@
           <a:lstStyle/>
           <a:p>
             <a:r>
-              <a:rPr lang="fr-FR" dirty="0" smtClean="0"/>
-              <a:t>How to </a:t>
-            </a:r>
-            <a:r>
               <a:rPr lang="fr-FR" dirty="0" err="1" smtClean="0"/>
-              <a:t>integrate</a:t>
-            </a:r>
-            <a:r>
-              <a:rPr lang="fr-FR" dirty="0" smtClean="0"/>
-              <a:t> </a:t>
-            </a:r>
-            <a:r>
-              <a:rPr lang="fr-FR" dirty="0" smtClean="0"/>
-              <a:t>Code </a:t>
-            </a:r>
-            <a:r>
-              <a:rPr lang="fr-FR" dirty="0" smtClean="0"/>
-              <a:t>Mining </a:t>
-            </a:r>
-            <a:r>
-              <a:rPr lang="fr-FR" dirty="0" smtClean="0"/>
-              <a:t>in Editor</a:t>
+              <a:t>Step</a:t>
+            </a:r>
+            <a:r>
+              <a:rPr lang="fr-FR" dirty="0" smtClean="0"/>
+              <a:t> 2: code Mining provider – Extension Point</a:t>
             </a:r>
             <a:endParaRPr lang="fr-FR" dirty="0"/>
           </a:p>
@@ -17173,281 +15825,68 @@
           <a:lstStyle/>
           <a:p>
             <a:r>
-              <a:rPr lang="fr-FR" dirty="0" smtClean="0"/>
-              <a:t>3 </a:t>
-            </a:r>
-            <a:r>
               <a:rPr lang="fr-FR" dirty="0" err="1" smtClean="0"/>
-              <a:t>steps</a:t>
-            </a:r>
-            <a:r>
-              <a:rPr lang="fr-FR" dirty="0" smtClean="0"/>
-              <a:t>:</a:t>
-            </a:r>
-          </a:p>
-          <a:p>
-            <a:pPr lvl="1"/>
-            <a:r>
-              <a:rPr lang="fr-FR" dirty="0" err="1"/>
-              <a:t>s</a:t>
+              <a:t>Work</a:t>
+            </a:r>
+            <a:r>
+              <a:rPr lang="fr-FR" dirty="0" smtClean="0"/>
+              <a:t> with </a:t>
             </a:r>
             <a:r>
               <a:rPr lang="fr-FR" dirty="0" err="1" smtClean="0"/>
-              <a:t>tep</a:t>
-            </a:r>
-            <a:r>
-              <a:rPr lang="fr-FR" dirty="0" smtClean="0"/>
-              <a:t> 1: </a:t>
-            </a:r>
-            <a:r>
-              <a:rPr lang="fr-FR" b="1" dirty="0" err="1" smtClean="0"/>
-              <a:t>Implement</a:t>
-            </a:r>
-            <a:r>
-              <a:rPr lang="fr-FR" b="1" dirty="0" smtClean="0"/>
-              <a:t> a code </a:t>
-            </a:r>
-            <a:r>
-              <a:rPr lang="fr-FR" b="1" dirty="0" err="1" smtClean="0"/>
-              <a:t>mining</a:t>
-            </a:r>
-            <a:r>
-              <a:rPr lang="fr-FR" b="1" dirty="0" smtClean="0"/>
-              <a:t> provider</a:t>
-            </a:r>
-            <a:r>
-              <a:rPr lang="fr-FR" dirty="0" smtClean="0"/>
-              <a:t> (</a:t>
-            </a:r>
-            <a:r>
-              <a:rPr lang="fr-FR" dirty="0" err="1" smtClean="0"/>
-              <a:t>ICodeMiningProvider</a:t>
-            </a:r>
-            <a:r>
-              <a:rPr lang="fr-FR" dirty="0" smtClean="0"/>
-              <a:t>)</a:t>
-            </a:r>
-            <a:endParaRPr lang="fr-FR" dirty="0" smtClean="0"/>
-          </a:p>
-          <a:p>
-            <a:pPr lvl="1"/>
-            <a:r>
-              <a:rPr lang="fr-FR" dirty="0" err="1"/>
-              <a:t>s</a:t>
-            </a:r>
-            <a:r>
-              <a:rPr lang="fr-FR" dirty="0" err="1" smtClean="0"/>
-              <a:t>tep</a:t>
-            </a:r>
-            <a:r>
-              <a:rPr lang="fr-FR" dirty="0" smtClean="0"/>
-              <a:t> 2 : </a:t>
-            </a:r>
-            <a:r>
-              <a:rPr lang="fr-FR" dirty="0" err="1" smtClean="0"/>
-              <a:t>register</a:t>
-            </a:r>
-            <a:r>
-              <a:rPr lang="fr-FR" dirty="0" smtClean="0"/>
-              <a:t> the code </a:t>
-            </a:r>
-            <a:r>
-              <a:rPr lang="fr-FR" dirty="0" err="1" smtClean="0"/>
-              <a:t>mining</a:t>
-            </a:r>
-            <a:r>
-              <a:rPr lang="fr-FR" dirty="0" smtClean="0"/>
-              <a:t> provider </a:t>
-            </a:r>
-            <a:r>
-              <a:rPr lang="fr-FR" dirty="0" err="1" smtClean="0"/>
-              <a:t>with</a:t>
-            </a:r>
-            <a:r>
-              <a:rPr lang="fr-FR" dirty="0" smtClean="0"/>
-              <a:t> </a:t>
-            </a:r>
+              <a:t>any</a:t>
+            </a:r>
+            <a:r>
+              <a:rPr lang="fr-FR" dirty="0" smtClean="0"/>
+              <a:t> editor</a:t>
+            </a:r>
+          </a:p>
+          <a:p>
             <a:r>
               <a:rPr lang="fr-FR" b="1" dirty="0" err="1" smtClean="0"/>
               <a:t>org.eclipse.ui.workbench.texteditor.codeminingProviders</a:t>
             </a:r>
             <a:r>
               <a:rPr lang="fr-FR" dirty="0" smtClean="0"/>
-              <a:t> </a:t>
-            </a:r>
-            <a:r>
-              <a:rPr lang="fr-FR" dirty="0" smtClean="0"/>
-              <a:t>extension </a:t>
-            </a:r>
-            <a:r>
-              <a:rPr lang="fr-FR" dirty="0" smtClean="0"/>
-              <a:t>point</a:t>
-            </a:r>
-          </a:p>
-          <a:p>
-            <a:pPr lvl="1"/>
-            <a:r>
-              <a:rPr lang="fr-FR" dirty="0" err="1" smtClean="0"/>
-              <a:t>step</a:t>
-            </a:r>
-            <a:r>
-              <a:rPr lang="fr-FR" dirty="0" smtClean="0"/>
-              <a:t> 3 : </a:t>
-            </a:r>
-            <a:r>
-              <a:rPr lang="fr-FR" b="1" dirty="0" smtClean="0"/>
-              <a:t>update code </a:t>
-            </a:r>
-            <a:r>
-              <a:rPr lang="fr-FR" b="1" dirty="0" err="1" smtClean="0"/>
-              <a:t>minings</a:t>
-            </a:r>
-            <a:r>
-              <a:rPr lang="fr-FR" b="1" dirty="0" smtClean="0"/>
-              <a:t> </a:t>
-            </a:r>
-            <a:r>
-              <a:rPr lang="fr-FR" b="1" dirty="0" err="1" smtClean="0"/>
-              <a:t>when</a:t>
-            </a:r>
-            <a:r>
-              <a:rPr lang="fr-FR" b="1" dirty="0" smtClean="0"/>
-              <a:t> </a:t>
-            </a:r>
-            <a:r>
-              <a:rPr lang="fr-FR" b="1" dirty="0" err="1" smtClean="0"/>
-              <a:t>text</a:t>
-            </a:r>
-            <a:r>
-              <a:rPr lang="fr-FR" b="1" dirty="0" smtClean="0"/>
-              <a:t> </a:t>
-            </a:r>
-            <a:r>
-              <a:rPr lang="fr-FR" b="1" dirty="0" err="1" smtClean="0"/>
-              <a:t>changed</a:t>
-            </a:r>
-            <a:r>
-              <a:rPr lang="fr-FR" b="1" dirty="0" smtClean="0"/>
-              <a:t> </a:t>
-            </a:r>
-            <a:r>
-              <a:rPr lang="fr-FR" dirty="0" err="1" smtClean="0"/>
-              <a:t>with</a:t>
-            </a:r>
-            <a:r>
-              <a:rPr lang="fr-FR" dirty="0" smtClean="0"/>
-              <a:t> thread, </a:t>
-            </a:r>
-            <a:r>
-              <a:rPr lang="fr-FR" dirty="0" err="1" smtClean="0"/>
-              <a:t>reconciler</a:t>
-            </a:r>
-            <a:r>
-              <a:rPr lang="fr-FR" dirty="0" smtClean="0"/>
-              <a:t>, </a:t>
-            </a:r>
-            <a:r>
-              <a:rPr lang="fr-FR" dirty="0" err="1" smtClean="0"/>
-              <a:t>etc</a:t>
-            </a:r>
-            <a:endParaRPr lang="fr-FR" dirty="0" smtClean="0"/>
-          </a:p>
-          <a:p>
-            <a:pPr lvl="2"/>
-            <a:r>
-              <a:rPr lang="fr-FR" dirty="0" smtClean="0"/>
-              <a:t>You </a:t>
-            </a:r>
-            <a:r>
-              <a:rPr lang="fr-FR" dirty="0" err="1" smtClean="0"/>
-              <a:t>can</a:t>
-            </a:r>
-            <a:r>
-              <a:rPr lang="fr-FR" dirty="0" smtClean="0"/>
-              <a:t> use </a:t>
-            </a:r>
-            <a:r>
-              <a:rPr lang="fr-FR" b="1" dirty="0" err="1" smtClean="0"/>
-              <a:t>CodeMiningReconciler</a:t>
-            </a:r>
-            <a:endParaRPr lang="fr-FR" b="1" dirty="0" smtClean="0"/>
-          </a:p>
-          <a:p>
-            <a:pPr lvl="3"/>
-            <a:r>
-              <a:rPr lang="fr-FR" dirty="0" err="1" smtClean="0"/>
-              <a:t>with</a:t>
-            </a:r>
-            <a:r>
-              <a:rPr lang="fr-FR" dirty="0" smtClean="0"/>
-              <a:t> custom editor</a:t>
-            </a:r>
-          </a:p>
-          <a:p>
-            <a:pPr lvl="3"/>
-            <a:r>
-              <a:rPr lang="fr-FR" dirty="0" err="1"/>
-              <a:t>With</a:t>
-            </a:r>
-            <a:r>
-              <a:rPr lang="fr-FR" dirty="0"/>
-              <a:t> </a:t>
-            </a:r>
-            <a:r>
-              <a:rPr lang="fr-FR" dirty="0" err="1"/>
-              <a:t>Generic</a:t>
-            </a:r>
-            <a:r>
-              <a:rPr lang="fr-FR" dirty="0"/>
-              <a:t> editor: extension </a:t>
-            </a:r>
-            <a:r>
-              <a:rPr lang="fr-FR" dirty="0" smtClean="0"/>
-              <a:t>point</a:t>
-            </a:r>
-            <a:endParaRPr lang="fr-FR" dirty="0" smtClean="0"/>
-          </a:p>
-          <a:p>
-            <a:pPr lvl="2"/>
-            <a:r>
-              <a:rPr lang="fr-FR" dirty="0" smtClean="0"/>
-              <a:t>In JDT, </a:t>
-            </a:r>
-            <a:r>
-              <a:rPr lang="fr-FR" dirty="0" err="1" smtClean="0"/>
-              <a:t>IReconcilingListener</a:t>
-            </a:r>
-            <a:r>
-              <a:rPr lang="fr-FR" dirty="0" smtClean="0"/>
-              <a:t> </a:t>
-            </a:r>
-            <a:r>
-              <a:rPr lang="fr-FR" dirty="0" err="1" smtClean="0"/>
-              <a:t>is</a:t>
-            </a:r>
-            <a:r>
-              <a:rPr lang="fr-FR" dirty="0" smtClean="0"/>
-              <a:t> </a:t>
-            </a:r>
-            <a:r>
-              <a:rPr lang="fr-FR" dirty="0" err="1" smtClean="0"/>
-              <a:t>used</a:t>
-            </a:r>
-            <a:endParaRPr lang="fr-FR" dirty="0" smtClean="0"/>
-          </a:p>
-          <a:p>
-            <a:pPr lvl="3"/>
-            <a:endParaRPr lang="fr-FR" dirty="0" smtClean="0"/>
-          </a:p>
-          <a:p>
+              <a:t> extension point</a:t>
+            </a:r>
+          </a:p>
+          <a:p>
+            <a:pPr marL="0" indent="0">
+              <a:buNone/>
+            </a:pPr>
             <a:endParaRPr lang="fr-FR" dirty="0"/>
           </a:p>
         </p:txBody>
       </p:sp>
+      <p:pic>
+        <p:nvPicPr>
+          <p:cNvPr id="4" name="Image 3"/>
+          <p:cNvPicPr>
+            <a:picLocks noChangeAspect="1"/>
+          </p:cNvPicPr>
+          <p:nvPr/>
+        </p:nvPicPr>
+        <p:blipFill>
+          <a:blip r:embed="rId2"/>
+          <a:stretch>
+            <a:fillRect/>
+          </a:stretch>
+        </p:blipFill>
+        <p:spPr>
+          <a:xfrm>
+            <a:off x="695999" y="2147603"/>
+            <a:ext cx="8180893" cy="2446622"/>
+          </a:xfrm>
+          <a:prstGeom prst="rect">
+            <a:avLst/>
+          </a:prstGeom>
+        </p:spPr>
+      </p:pic>
     </p:spTree>
     <p:extLst>
       <p:ext uri="{BB962C8B-B14F-4D97-AF65-F5344CB8AC3E}">
-        <p14:creationId xmlns:p14="http://schemas.microsoft.com/office/powerpoint/2010/main" val="2985741839"/>
+        <p14:creationId xmlns:p14="http://schemas.microsoft.com/office/powerpoint/2010/main" val="1394788014"/>
       </p:ext>
     </p:extLst>
   </p:cSld>
@@ -17499,363 +15938,33 @@
           <a:lstStyle/>
           <a:p>
             <a:r>
-              <a:rPr lang="fr-FR" dirty="0" smtClean="0"/>
-              <a:t>Code Mining – Extension Point</a:t>
-            </a:r>
-            <a:endParaRPr lang="fr-FR" dirty="0"/>
-          </a:p>
-        </p:txBody>
-      </p:sp>
-      <p:sp>
-        <p:nvSpPr>
-          <p:cNvPr id="3" name="Espace réservé du contenu 2"/>
-          <p:cNvSpPr>
-            <a:spLocks noGrp="1"/>
-          </p:cNvSpPr>
-          <p:nvPr>
-            <p:ph idx="1"/>
-          </p:nvPr>
-        </p:nvSpPr>
-        <p:spPr/>
-        <p:txBody>
-          <a:bodyPr/>
-          <a:lstStyle/>
-          <a:p>
-            <a:r>
-              <a:rPr lang="fr-FR" dirty="0" err="1" smtClean="0"/>
-              <a:t>Work</a:t>
-            </a:r>
-            <a:r>
-              <a:rPr lang="fr-FR" dirty="0" smtClean="0"/>
-              <a:t> with </a:t>
-            </a:r>
-            <a:r>
-              <a:rPr lang="fr-FR" dirty="0" err="1" smtClean="0"/>
-              <a:t>any</a:t>
-            </a:r>
-            <a:r>
-              <a:rPr lang="fr-FR" dirty="0" smtClean="0"/>
+              <a:rPr lang="fr-FR" dirty="0" err="1"/>
+              <a:t>Step</a:t>
+            </a:r>
+            <a:r>
+              <a:rPr lang="fr-FR" dirty="0"/>
               <a:t> </a:t>
             </a:r>
             <a:r>
               <a:rPr lang="fr-FR" dirty="0" smtClean="0"/>
-              <a:t>editor</a:t>
-            </a:r>
-            <a:endParaRPr lang="fr-FR" dirty="0" smtClean="0"/>
-          </a:p>
-          <a:p>
-            <a:r>
-              <a:rPr lang="fr-FR" b="1" dirty="0" err="1" smtClean="0"/>
-              <a:t>org.eclipse.ui.workbench.texteditor.codeminingProviders</a:t>
-            </a:r>
-            <a:r>
-              <a:rPr lang="fr-FR" dirty="0" smtClean="0"/>
-              <a:t> </a:t>
-            </a:r>
-            <a:r>
-              <a:rPr lang="fr-FR" dirty="0" smtClean="0"/>
-              <a:t>extension </a:t>
-            </a:r>
-            <a:r>
-              <a:rPr lang="fr-FR" dirty="0" smtClean="0"/>
-              <a:t>point</a:t>
-            </a:r>
-          </a:p>
-          <a:p>
-            <a:r>
-              <a:rPr lang="fr-FR" dirty="0" err="1" smtClean="0"/>
-              <a:t>See</a:t>
-            </a:r>
-            <a:r>
-              <a:rPr lang="fr-FR" dirty="0" smtClean="0"/>
-              <a:t> </a:t>
-            </a:r>
-            <a:r>
-              <a:rPr lang="fr-FR" dirty="0" err="1" smtClean="0"/>
-              <a:t>generic</a:t>
-            </a:r>
-            <a:r>
-              <a:rPr lang="fr-FR" dirty="0" smtClean="0"/>
-              <a:t> </a:t>
-            </a:r>
-            <a:r>
-              <a:rPr lang="fr-FR" dirty="0" smtClean="0"/>
-              <a:t>editor </a:t>
-            </a:r>
-            <a:r>
-              <a:rPr lang="fr-FR" dirty="0" err="1" smtClean="0"/>
-              <a:t>sample</a:t>
-            </a:r>
-            <a:r>
-              <a:rPr lang="fr-FR" dirty="0" smtClean="0"/>
-              <a:t> </a:t>
-            </a:r>
-            <a:r>
-              <a:rPr lang="fr-FR" dirty="0" err="1" smtClean="0"/>
-              <a:t>dotproject</a:t>
-            </a:r>
-            <a:endParaRPr lang="fr-FR" dirty="0" smtClean="0"/>
-          </a:p>
-          <a:p>
-            <a:endParaRPr lang="fr-FR" dirty="0"/>
-          </a:p>
-        </p:txBody>
-      </p:sp>
-      <p:pic>
-        <p:nvPicPr>
-          <p:cNvPr id="4" name="Image 3"/>
-          <p:cNvPicPr>
-            <a:picLocks noChangeAspect="1"/>
-          </p:cNvPicPr>
-          <p:nvPr/>
-        </p:nvPicPr>
-        <p:blipFill>
-          <a:blip r:embed="rId2"/>
-          <a:stretch>
-            <a:fillRect/>
-          </a:stretch>
-        </p:blipFill>
-        <p:spPr>
-          <a:xfrm>
-            <a:off x="971600" y="2643758"/>
-            <a:ext cx="6645149" cy="1739370"/>
-          </a:xfrm>
-          <a:prstGeom prst="rect">
-            <a:avLst/>
-          </a:prstGeom>
-        </p:spPr>
-      </p:pic>
-    </p:spTree>
-    <p:extLst>
-      <p:ext uri="{BB962C8B-B14F-4D97-AF65-F5344CB8AC3E}">
-        <p14:creationId xmlns:p14="http://schemas.microsoft.com/office/powerpoint/2010/main" val="1463909878"/>
-      </p:ext>
-    </p:extLst>
-  </p:cSld>
-  <p:clrMapOvr>
-    <a:masterClrMapping/>
-  </p:clrMapOvr>
-  <p:timing>
-    <p:tnLst>
-      <p:par>
-        <p:cTn id="1" dur="indefinite" restart="never" nodeType="tmRoot"/>
-      </p:par>
-    </p:tnLst>
-  </p:timing>
-</p:sld>
-</file>
-
-<file path=ppt/slides/slide23.xml><?xml version="1.0" encoding="utf-8"?>
-<p:sld xmlns:a="http://schemas.openxmlformats.org/drawingml/2006/main" xmlns:r="http://schemas.openxmlformats.org/officeDocument/2006/relationships" xmlns:p="http://schemas.openxmlformats.org/presentationml/2006/main">
-  <p:cSld>
-    <p:spTree>
-      <p:nvGrpSpPr>
-        <p:cNvPr id="1" name=""/>
-        <p:cNvGrpSpPr/>
-        <p:nvPr/>
-      </p:nvGrpSpPr>
-      <p:grpSpPr>
-        <a:xfrm>
-          <a:off x="0" y="0"/>
-          <a:ext cx="0" cy="0"/>
-          <a:chOff x="0" y="0"/>
-          <a:chExt cx="0" cy="0"/>
-        </a:xfrm>
-      </p:grpSpPr>
-      <p:sp>
-        <p:nvSpPr>
-          <p:cNvPr id="2" name="Titre 1"/>
-          <p:cNvSpPr>
-            <a:spLocks noGrp="1"/>
-          </p:cNvSpPr>
-          <p:nvPr>
-            <p:ph type="title"/>
-          </p:nvPr>
-        </p:nvSpPr>
-        <p:spPr/>
-        <p:txBody>
-          <a:bodyPr>
-            <a:normAutofit fontScale="90000"/>
-          </a:bodyPr>
-          <a:lstStyle/>
-          <a:p>
-            <a:r>
-              <a:rPr lang="fr-FR" dirty="0" err="1" smtClean="0"/>
-              <a:t>Emoji</a:t>
-            </a:r>
-            <a:r>
-              <a:rPr lang="fr-FR" dirty="0" smtClean="0"/>
-              <a:t> code </a:t>
-            </a:r>
-            <a:r>
-              <a:rPr lang="fr-FR" dirty="0" err="1" smtClean="0"/>
+              <a:t>3/1: </a:t>
+            </a:r>
+            <a:r>
+              <a:rPr lang="fr-FR" dirty="0"/>
+              <a:t>update code </a:t>
+            </a:r>
+            <a:r>
+              <a:rPr lang="fr-FR" dirty="0" err="1"/>
               <a:t>mining</a:t>
             </a:r>
             <a:r>
-              <a:rPr lang="fr-FR" dirty="0" smtClean="0"/>
-              <a:t> in a custom/</a:t>
-            </a:r>
-            <a:r>
-              <a:rPr lang="fr-FR" dirty="0" err="1" smtClean="0"/>
-              <a:t>generic</a:t>
-            </a:r>
-            <a:r>
-              <a:rPr lang="fr-FR" dirty="0" smtClean="0"/>
-              <a:t> editor</a:t>
-            </a:r>
-            <a:endParaRPr lang="fr-FR" dirty="0"/>
-          </a:p>
-        </p:txBody>
-      </p:sp>
-      <p:sp>
-        <p:nvSpPr>
-          <p:cNvPr id="3" name="Espace réservé du contenu 2"/>
-          <p:cNvSpPr>
-            <a:spLocks noGrp="1"/>
-          </p:cNvSpPr>
-          <p:nvPr>
-            <p:ph idx="1"/>
-          </p:nvPr>
-        </p:nvSpPr>
-        <p:spPr/>
-        <p:txBody>
-          <a:bodyPr>
-            <a:normAutofit/>
-          </a:bodyPr>
-          <a:lstStyle/>
-          <a:p>
-            <a:endParaRPr lang="fr-FR" b="1" dirty="0" smtClean="0"/>
-          </a:p>
-          <a:p>
-            <a:endParaRPr lang="en-US" b="1" dirty="0" smtClean="0"/>
-          </a:p>
-          <a:p>
-            <a:pPr marL="0" indent="0">
-              <a:buNone/>
-            </a:pPr>
-            <a:endParaRPr lang="fr-FR" dirty="0"/>
-          </a:p>
-        </p:txBody>
-      </p:sp>
-      <p:pic>
-        <p:nvPicPr>
-          <p:cNvPr id="5" name="Image 4"/>
-          <p:cNvPicPr>
-            <a:picLocks noChangeAspect="1"/>
-          </p:cNvPicPr>
-          <p:nvPr/>
-        </p:nvPicPr>
-        <p:blipFill>
-          <a:blip r:embed="rId2"/>
-          <a:stretch>
-            <a:fillRect/>
-          </a:stretch>
-        </p:blipFill>
-        <p:spPr>
-          <a:xfrm>
-            <a:off x="1835696" y="855540"/>
-            <a:ext cx="4857750" cy="1666875"/>
-          </a:xfrm>
-          <a:prstGeom prst="rect">
-            <a:avLst/>
-          </a:prstGeom>
-        </p:spPr>
-      </p:pic>
-      <p:pic>
-        <p:nvPicPr>
-          <p:cNvPr id="7" name="Image 6"/>
-          <p:cNvPicPr>
-            <a:picLocks noChangeAspect="1"/>
-          </p:cNvPicPr>
-          <p:nvPr/>
-        </p:nvPicPr>
-        <p:blipFill>
-          <a:blip r:embed="rId3"/>
-          <a:stretch>
-            <a:fillRect/>
-          </a:stretch>
-        </p:blipFill>
-        <p:spPr>
-          <a:xfrm>
-            <a:off x="1115616" y="2348583"/>
-            <a:ext cx="7236296" cy="2202056"/>
-          </a:xfrm>
-          <a:prstGeom prst="rect">
-            <a:avLst/>
-          </a:prstGeom>
-        </p:spPr>
-      </p:pic>
-    </p:spTree>
-    <p:extLst>
-      <p:ext uri="{BB962C8B-B14F-4D97-AF65-F5344CB8AC3E}">
-        <p14:creationId xmlns:p14="http://schemas.microsoft.com/office/powerpoint/2010/main" val="2451452835"/>
-      </p:ext>
-    </p:extLst>
-  </p:cSld>
-  <p:clrMapOvr>
-    <a:masterClrMapping/>
-  </p:clrMapOvr>
-  <p:timing>
-    <p:tnLst>
-      <p:par>
-        <p:cTn id="1" dur="indefinite" restart="never" nodeType="tmRoot"/>
-      </p:par>
-    </p:tnLst>
-  </p:timing>
-</p:sld>
-</file>
-
-<file path=ppt/slides/slide24.xml><?xml version="1.0" encoding="utf-8"?>
-<p:sld xmlns:a="http://schemas.openxmlformats.org/drawingml/2006/main" xmlns:r="http://schemas.openxmlformats.org/officeDocument/2006/relationships" xmlns:p="http://schemas.openxmlformats.org/presentationml/2006/main">
-  <p:cSld>
-    <p:spTree>
-      <p:nvGrpSpPr>
-        <p:cNvPr id="1" name=""/>
-        <p:cNvGrpSpPr/>
-        <p:nvPr/>
-      </p:nvGrpSpPr>
-      <p:grpSpPr>
-        <a:xfrm>
-          <a:off x="0" y="0"/>
-          <a:ext cx="0" cy="0"/>
-          <a:chOff x="0" y="0"/>
-          <a:chExt cx="0" cy="0"/>
-        </a:xfrm>
-      </p:grpSpPr>
-      <p:sp>
-        <p:nvSpPr>
-          <p:cNvPr id="2" name="Titre 1"/>
-          <p:cNvSpPr>
-            <a:spLocks noGrp="1"/>
-          </p:cNvSpPr>
-          <p:nvPr>
-            <p:ph type="title"/>
-          </p:nvPr>
-        </p:nvSpPr>
-        <p:spPr/>
-        <p:txBody>
-          <a:bodyPr>
-            <a:normAutofit fontScale="90000"/>
-          </a:bodyPr>
-          <a:lstStyle/>
-          <a:p>
-            <a:r>
-              <a:rPr lang="fr-FR" dirty="0" err="1" smtClean="0"/>
-              <a:t>Emoji</a:t>
-            </a:r>
-            <a:r>
-              <a:rPr lang="fr-FR" dirty="0" smtClean="0"/>
-              <a:t> code </a:t>
-            </a:r>
-            <a:r>
-              <a:rPr lang="fr-FR" dirty="0" err="1" smtClean="0"/>
-              <a:t>mining</a:t>
-            </a:r>
-            <a:r>
-              <a:rPr lang="fr-FR" dirty="0" smtClean="0"/>
-              <a:t> in a custom editor</a:t>
-            </a:r>
-            <a:endParaRPr lang="fr-FR" dirty="0"/>
+              <a:rPr lang="fr-FR" dirty="0"/>
+              <a:t> in </a:t>
+            </a:r>
+            <a:r>
+              <a:rPr lang="fr-FR" b="1" dirty="0"/>
+              <a:t>custom editor</a:t>
+            </a:r>
           </a:p>
         </p:txBody>
       </p:sp>
@@ -17957,7 +16066,7 @@
 </p:sld>
 </file>
 
-<file path=ppt/slides/slide25.xml><?xml version="1.0" encoding="utf-8"?>
+<file path=ppt/slides/slide23.xml><?xml version="1.0" encoding="utf-8"?>
 <p:sld xmlns:a="http://schemas.openxmlformats.org/drawingml/2006/main" xmlns:r="http://schemas.openxmlformats.org/officeDocument/2006/relationships" xmlns:p="http://schemas.openxmlformats.org/presentationml/2006/main">
   <p:cSld>
     <p:spTree>
@@ -17992,38 +16101,41 @@
           <a:lstStyle/>
           <a:p>
             <a:r>
-              <a:rPr lang="fr-FR" dirty="0" err="1" smtClean="0"/>
-              <a:t>Emoji</a:t>
-            </a:r>
-            <a:r>
-              <a:rPr lang="fr-FR" dirty="0" smtClean="0"/>
-              <a:t> code </a:t>
-            </a:r>
-            <a:r>
-              <a:rPr lang="fr-FR" dirty="0" err="1" smtClean="0"/>
+              <a:rPr lang="fr-FR" dirty="0" err="1"/>
+              <a:t>Step</a:t>
+            </a:r>
+            <a:r>
+              <a:rPr lang="fr-FR" dirty="0"/>
+              <a:t> </a:t>
+            </a:r>
+            <a:r>
+              <a:rPr lang="fr-FR" dirty="0" smtClean="0"/>
+              <a:t>3/2: </a:t>
+            </a:r>
+            <a:r>
+              <a:rPr lang="fr-FR" dirty="0"/>
+              <a:t>update code </a:t>
+            </a:r>
+            <a:r>
+              <a:rPr lang="fr-FR" dirty="0" err="1"/>
               <a:t>mining</a:t>
             </a:r>
             <a:r>
-              <a:rPr lang="fr-FR" dirty="0" smtClean="0"/>
+              <a:rPr lang="fr-FR" dirty="0"/>
               <a:t> in </a:t>
             </a:r>
             <a:r>
-              <a:rPr lang="fr-FR" dirty="0" smtClean="0"/>
-              <a:t>the </a:t>
-            </a:r>
-            <a:r>
-              <a:rPr lang="fr-FR" dirty="0" err="1" smtClean="0"/>
+              <a:rPr lang="fr-FR" b="1" dirty="0" err="1" smtClean="0"/>
               <a:t>generic</a:t>
             </a:r>
             <a:r>
-              <a:rPr lang="fr-FR" dirty="0" smtClean="0"/>
+              <a:rPr lang="fr-FR" b="1" dirty="0" smtClean="0"/>
               <a:t> </a:t>
             </a:r>
             <a:r>
-              <a:rPr lang="fr-FR" dirty="0" smtClean="0"/>
+              <a:rPr lang="fr-FR" b="1" dirty="0"/>
               <a:t>editor</a:t>
             </a:r>
-            <a:endParaRPr lang="fr-FR" dirty="0"/>
           </a:p>
         </p:txBody>
       </p:sp>
@@ -18073,7 +16185,7 @@
         </p:blipFill>
         <p:spPr>
           <a:xfrm>
-            <a:off x="921827" y="1491630"/>
+            <a:off x="921827" y="1851670"/>
             <a:ext cx="7305675" cy="1514475"/>
           </a:xfrm>
           <a:prstGeom prst="rect">
@@ -18101,7 +16213,7 @@
 </p:sld>
 </file>
 
-<file path=ppt/slides/slide26.xml><?xml version="1.0" encoding="utf-8"?>
+<file path=ppt/slides/slide24.xml><?xml version="1.0" encoding="utf-8"?>
 <p:sld xmlns:a="http://schemas.openxmlformats.org/drawingml/2006/main" xmlns:r="http://schemas.openxmlformats.org/officeDocument/2006/relationships" xmlns:p="http://schemas.openxmlformats.org/presentationml/2006/main">
   <p:cSld>
     <p:spTree>
@@ -18136,8 +16248,20 @@
           <a:lstStyle/>
           <a:p>
             <a:r>
-              <a:rPr lang="fr-FR" dirty="0" smtClean="0"/>
-              <a:t>Code </a:t>
+              <a:rPr lang="fr-FR" dirty="0" err="1" smtClean="0"/>
+              <a:t>Recipe</a:t>
+            </a:r>
+            <a:r>
+              <a:rPr lang="fr-FR" dirty="0" smtClean="0"/>
+              <a:t> to </a:t>
+            </a:r>
+            <a:r>
+              <a:rPr lang="fr-FR" dirty="0" err="1" smtClean="0"/>
+              <a:t>integrate</a:t>
+            </a:r>
+            <a:r>
+              <a:rPr lang="fr-FR" dirty="0" smtClean="0"/>
+              <a:t> Code </a:t>
             </a:r>
             <a:r>
               <a:rPr lang="fr-FR" dirty="0" err="1" smtClean="0"/>
@@ -18145,11 +16269,7 @@
             </a:r>
             <a:r>
               <a:rPr lang="fr-FR" dirty="0" smtClean="0"/>
-              <a:t> - </a:t>
-            </a:r>
-            <a:r>
-              <a:rPr lang="fr-FR" dirty="0" err="1" smtClean="0"/>
-              <a:t>Recipe</a:t>
+              <a:t>…</a:t>
             </a:r>
             <a:endParaRPr lang="fr-FR" dirty="0"/>
           </a:p>
@@ -18168,23 +16288,35 @@
         <p:spPr/>
         <p:txBody>
           <a:bodyPr>
-            <a:normAutofit fontScale="92500" lnSpcReduction="20000"/>
+            <a:normAutofit fontScale="85000" lnSpcReduction="20000"/>
           </a:bodyPr>
           <a:lstStyle/>
           <a:p>
             <a:r>
               <a:rPr lang="fr-FR" dirty="0" err="1" smtClean="0"/>
-              <a:t>Implements</a:t>
-            </a:r>
-            <a:r>
-              <a:rPr lang="fr-FR" dirty="0" smtClean="0"/>
+              <a:t>Step</a:t>
+            </a:r>
+            <a:r>
+              <a:rPr lang="fr-FR" dirty="0"/>
               <a:t> </a:t>
             </a:r>
             <a:r>
+              <a:rPr lang="fr-FR" dirty="0" smtClean="0"/>
+              <a:t>1: </a:t>
+            </a:r>
+            <a:r>
               <a:rPr lang="fr-FR" dirty="0" err="1" smtClean="0"/>
+              <a:t>implements</a:t>
+            </a:r>
+            <a:r>
+              <a:rPr lang="fr-FR" dirty="0" smtClean="0"/>
+              <a:t> </a:t>
+            </a:r>
+            <a:r>
+              <a:rPr lang="fr-FR" b="1" dirty="0" err="1" smtClean="0"/>
               <a:t>ICodeMiningProvider</a:t>
             </a:r>
-            <a:endParaRPr lang="fr-FR" dirty="0" smtClean="0"/>
+            <a:endParaRPr lang="fr-FR" b="1" dirty="0" smtClean="0"/>
           </a:p>
           <a:p>
             <a:pPr lvl="1"/>
@@ -18217,6 +16349,42 @@
             <a:pPr lvl="1"/>
             <a:r>
               <a:rPr lang="fr-FR" dirty="0" smtClean="0"/>
+              <a:t>call </a:t>
+            </a:r>
+            <a:r>
+              <a:rPr lang="fr-FR" dirty="0" err="1" smtClean="0"/>
+              <a:t>monitor.canceled</a:t>
+            </a:r>
+            <a:r>
+              <a:rPr lang="fr-FR" dirty="0" smtClean="0"/>
+              <a:t>() </a:t>
+            </a:r>
+            <a:r>
+              <a:rPr lang="fr-FR" dirty="0" err="1" smtClean="0"/>
+              <a:t>when</a:t>
+            </a:r>
+            <a:r>
+              <a:rPr lang="fr-FR" dirty="0" smtClean="0"/>
+              <a:t> </a:t>
+            </a:r>
+            <a:r>
+              <a:rPr lang="fr-FR" dirty="0" err="1" smtClean="0"/>
+              <a:t>you</a:t>
+            </a:r>
+            <a:r>
+              <a:rPr lang="fr-FR" dirty="0" smtClean="0"/>
+              <a:t> </a:t>
+            </a:r>
+            <a:r>
+              <a:rPr lang="fr-FR" dirty="0" err="1" smtClean="0"/>
+              <a:t>can</a:t>
+            </a:r>
+            <a:endParaRPr lang="fr-FR" dirty="0" smtClean="0"/>
+          </a:p>
+          <a:p>
+            <a:pPr lvl="1"/>
+            <a:r>
+              <a:rPr lang="fr-FR" dirty="0" smtClean="0"/>
               <a:t>for </a:t>
             </a:r>
             <a:r>
@@ -18271,44 +16439,52 @@
           <a:p>
             <a:r>
               <a:rPr lang="fr-FR" dirty="0" err="1" smtClean="0"/>
-              <a:t>Register</a:t>
-            </a:r>
-            <a:r>
-              <a:rPr lang="fr-FR" dirty="0" smtClean="0"/>
+              <a:t>Step</a:t>
+            </a:r>
+            <a:r>
+              <a:rPr lang="fr-FR" dirty="0" smtClean="0"/>
+              <a:t> 2: </a:t>
+            </a:r>
+            <a:r>
+              <a:rPr lang="fr-FR" b="1" dirty="0" err="1" smtClean="0"/>
+              <a:t>register</a:t>
+            </a:r>
+            <a:r>
+              <a:rPr lang="fr-FR" b="1" dirty="0" smtClean="0"/>
               <a:t> </a:t>
             </a:r>
             <a:r>
-              <a:rPr lang="fr-FR" dirty="0" err="1" smtClean="0"/>
+              <a:rPr lang="fr-FR" b="1" dirty="0" err="1" smtClean="0"/>
               <a:t>mining</a:t>
             </a:r>
             <a:r>
-              <a:rPr lang="fr-FR" dirty="0" smtClean="0"/>
-              <a:t> provider</a:t>
+              <a:rPr lang="fr-FR" b="1" dirty="0" smtClean="0"/>
+              <a:t> providers</a:t>
             </a:r>
           </a:p>
           <a:p>
             <a:pPr lvl="1"/>
-            <a:r>
-              <a:rPr lang="fr-FR" dirty="0" err="1" smtClean="0"/>
-              <a:t>With</a:t>
-            </a:r>
-            <a:r>
-              <a:rPr lang="fr-FR" dirty="0" smtClean="0"/>
-              <a:t> ISourceViewerExtension5#setCodeMiningProviders</a:t>
-            </a:r>
-          </a:p>
-          <a:p>
-            <a:pPr lvl="1"/>
-            <a:r>
-              <a:rPr lang="fr-FR" dirty="0" smtClean="0"/>
-              <a:t>Or </a:t>
-            </a:r>
             <a:r>
               <a:rPr lang="fr-FR" dirty="0" err="1" smtClean="0"/>
               <a:t>with</a:t>
             </a:r>
             <a:r>
               <a:rPr lang="fr-FR" dirty="0" smtClean="0"/>
+              <a:t> ISourceViewerExtension5#setCodeMiningProviders</a:t>
+            </a:r>
+          </a:p>
+          <a:p>
+            <a:pPr lvl="1"/>
+            <a:r>
+              <a:rPr lang="fr-FR" dirty="0" smtClean="0"/>
+              <a:t>Or </a:t>
+            </a:r>
+            <a:r>
+              <a:rPr lang="fr-FR" dirty="0" err="1" smtClean="0"/>
+              <a:t>with</a:t>
+            </a:r>
+            <a:r>
+              <a:rPr lang="fr-FR" dirty="0" smtClean="0"/>
               <a:t> </a:t>
             </a:r>
             <a:r>
@@ -18322,23 +16498,48 @@
           </a:p>
           <a:p>
             <a:r>
-              <a:rPr lang="fr-FR" dirty="0" smtClean="0"/>
-              <a:t>Update </a:t>
-            </a:r>
-            <a:r>
               <a:rPr lang="fr-FR" dirty="0" err="1" smtClean="0"/>
+              <a:t>Step</a:t>
+            </a:r>
+            <a:r>
+              <a:rPr lang="fr-FR" dirty="0" smtClean="0"/>
+              <a:t> 3: </a:t>
+            </a:r>
+            <a:r>
+              <a:rPr lang="fr-FR" b="1" dirty="0" smtClean="0"/>
+              <a:t>update </a:t>
+            </a:r>
+            <a:r>
+              <a:rPr lang="fr-FR" b="1" dirty="0" err="1" smtClean="0"/>
               <a:t>mining</a:t>
             </a:r>
             <a:r>
-              <a:rPr lang="fr-FR" dirty="0" smtClean="0"/>
+              <a:rPr lang="fr-FR" b="1" dirty="0" smtClean="0"/>
               <a:t> support </a:t>
             </a:r>
+            <a:endParaRPr lang="fr-FR" b="1" dirty="0"/>
           </a:p>
           <a:p>
             <a:pPr lvl="1"/>
             <a:r>
               <a:rPr lang="fr-FR" dirty="0" smtClean="0"/>
-              <a:t>With a thread a </a:t>
+              <a:t>call </a:t>
+            </a:r>
+            <a:r>
+              <a:rPr lang="fr-FR" b="1" dirty="0" smtClean="0"/>
+              <a:t>ISourceViewerExtension5#updateCodeMinings </a:t>
+            </a:r>
+            <a:r>
+              <a:rPr lang="fr-FR" dirty="0" err="1" smtClean="0"/>
+              <a:t>with</a:t>
+            </a:r>
+            <a:endParaRPr lang="fr-FR" dirty="0" smtClean="0"/>
+          </a:p>
+          <a:p>
+            <a:pPr lvl="2"/>
+            <a:r>
+              <a:rPr lang="fr-FR" dirty="0" smtClean="0"/>
+              <a:t> a thread a </a:t>
             </a:r>
             <a:r>
               <a:rPr lang="fr-FR" dirty="0" err="1" smtClean="0"/>
@@ -18362,23 +16563,7 @@
             </a:r>
             <a:r>
               <a:rPr lang="fr-FR" dirty="0" smtClean="0"/>
-              <a:t> (</a:t>
-            </a:r>
-            <a:r>
-              <a:rPr lang="fr-FR" dirty="0" err="1" smtClean="0"/>
-              <a:t>don’t</a:t>
-            </a:r>
-            <a:r>
-              <a:rPr lang="fr-FR" dirty="0" smtClean="0"/>
               <a:t> </a:t>
-            </a:r>
-            <a:r>
-              <a:rPr lang="fr-FR" dirty="0" err="1" smtClean="0"/>
-              <a:t>freeze</a:t>
-            </a:r>
-            <a:r>
-              <a:rPr lang="fr-FR" dirty="0" smtClean="0"/>
-              <a:t> the UI)</a:t>
             </a:r>
           </a:p>
           <a:p>
@@ -18466,7 +16651,7 @@
 </p:sld>
 </file>
 
-<file path=ppt/slides/slide27.xml><?xml version="1.0" encoding="utf-8"?>
+<file path=ppt/slides/slide25.xml><?xml version="1.0" encoding="utf-8"?>
 <p:sld xmlns:a="http://schemas.openxmlformats.org/drawingml/2006/main" xmlns:r="http://schemas.openxmlformats.org/officeDocument/2006/relationships" xmlns:p="http://schemas.openxmlformats.org/presentationml/2006/main">
   <p:cSld>
     <p:spTree>
@@ -18697,7 +16882,7 @@
 </p:sld>
 </file>
 
-<file path=ppt/slides/slide28.xml><?xml version="1.0" encoding="utf-8"?>
+<file path=ppt/slides/slide26.xml><?xml version="1.0" encoding="utf-8"?>
 <p:sld xmlns:a="http://schemas.openxmlformats.org/drawingml/2006/main" xmlns:r="http://schemas.openxmlformats.org/officeDocument/2006/relationships" xmlns:p="http://schemas.openxmlformats.org/presentationml/2006/main">
   <p:cSld>
     <p:spTree>
@@ -18892,7 +17077,7 @@
 </p:sld>
 </file>
 
-<file path=ppt/slides/slide29.xml><?xml version="1.0" encoding="utf-8"?>
+<file path=ppt/slides/slide27.xml><?xml version="1.0" encoding="utf-8"?>
 <p:sld xmlns:a="http://schemas.openxmlformats.org/drawingml/2006/main" xmlns:r="http://schemas.openxmlformats.org/officeDocument/2006/relationships" xmlns:p="http://schemas.openxmlformats.org/presentationml/2006/main">
   <p:cSld>
     <p:spTree>
@@ -18932,15 +17117,19 @@
             </a:r>
             <a:r>
               <a:rPr lang="fr-FR" dirty="0" smtClean="0"/>
-              <a:t> with </a:t>
+              <a:t> </a:t>
             </a:r>
             <a:r>
               <a:rPr lang="fr-FR" dirty="0" err="1" smtClean="0"/>
-              <a:t>generic</a:t>
-            </a:r>
-            <a:r>
-              <a:rPr lang="fr-FR" dirty="0" smtClean="0"/>
-              <a:t> editor</a:t>
+              <a:t>with</a:t>
+            </a:r>
+            <a:r>
+              <a:rPr lang="fr-FR" dirty="0" smtClean="0"/>
+              <a:t> JDT </a:t>
+            </a:r>
+            <a:r>
+              <a:rPr lang="fr-FR" dirty="0" err="1"/>
+              <a:t>CodeMining</a:t>
             </a:r>
             <a:endParaRPr lang="fr-FR" dirty="0"/>
           </a:p>
@@ -18963,31 +17152,38 @@
           <a:p>
             <a:r>
               <a:rPr lang="fr-FR" dirty="0" smtClean="0"/>
-              <a:t>Eclipse </a:t>
+              <a:t>JDT </a:t>
             </a:r>
             <a:r>
               <a:rPr lang="fr-FR" dirty="0" err="1" smtClean="0"/>
-              <a:t>BlueSky</a:t>
-            </a:r>
-            <a:r>
-              <a:rPr lang="fr-FR" dirty="0" smtClean="0"/>
-              <a:t> and CSS </a:t>
-            </a:r>
-            <a:r>
-              <a:rPr lang="fr-FR" dirty="0" err="1" smtClean="0"/>
-              <a:t>Language</a:t>
-            </a:r>
-            <a:r>
-              <a:rPr lang="fr-FR" dirty="0" smtClean="0"/>
-              <a:t> Server</a:t>
-            </a:r>
-            <a:endParaRPr lang="fr-FR" dirty="0"/>
+              <a:t>CodeMining</a:t>
+            </a:r>
+            <a:r>
+              <a:rPr lang="fr-FR" dirty="0" smtClean="0"/>
+              <a:t>: </a:t>
+            </a:r>
+          </a:p>
+          <a:p>
+            <a:pPr lvl="1"/>
+            <a:r>
+              <a:rPr lang="fr-FR" dirty="0" smtClean="0"/>
+              <a:t>https</a:t>
+            </a:r>
+            <a:r>
+              <a:rPr lang="fr-FR" dirty="0"/>
+              <a:t>://</a:t>
+            </a:r>
+            <a:r>
+              <a:rPr lang="fr-FR" dirty="0" smtClean="0"/>
+              <a:t>github.com/angelozerr/jdt-codemining</a:t>
+            </a:r>
+            <a:endParaRPr lang="fr-FR" dirty="0" smtClean="0"/>
           </a:p>
         </p:txBody>
       </p:sp>
       <p:pic>
         <p:nvPicPr>
-          <p:cNvPr id="4" name="Image 3"/>
+          <p:cNvPr id="4" name="Espace réservé du contenu 3"/>
           <p:cNvPicPr>
             <a:picLocks noChangeAspect="1"/>
           </p:cNvPicPr>
@@ -19001,8 +17197,8 @@
         </p:blipFill>
         <p:spPr>
           <a:xfrm>
-            <a:off x="1547664" y="1491630"/>
-            <a:ext cx="3933825" cy="1085850"/>
+            <a:off x="179512" y="1923678"/>
+            <a:ext cx="8610600" cy="1371600"/>
           </a:xfrm>
           <a:prstGeom prst="rect">
             <a:avLst/>
@@ -19012,7 +17208,398 @@
     </p:spTree>
     <p:extLst>
       <p:ext uri="{BB962C8B-B14F-4D97-AF65-F5344CB8AC3E}">
-        <p14:creationId xmlns:p14="http://schemas.microsoft.com/office/powerpoint/2010/main" val="1444185114"/>
+        <p14:creationId xmlns:p14="http://schemas.microsoft.com/office/powerpoint/2010/main" val="3383159057"/>
+      </p:ext>
+    </p:extLst>
+  </p:cSld>
+  <p:clrMapOvr>
+    <a:masterClrMapping/>
+  </p:clrMapOvr>
+  <p:timing>
+    <p:tnLst>
+      <p:par>
+        <p:cTn id="1" dur="indefinite" restart="never" nodeType="tmRoot"/>
+      </p:par>
+    </p:tnLst>
+  </p:timing>
+</p:sld>
+</file>
+
+<file path=ppt/slides/slide28.xml><?xml version="1.0" encoding="utf-8"?>
+<p:sld xmlns:a="http://schemas.openxmlformats.org/drawingml/2006/main" xmlns:r="http://schemas.openxmlformats.org/officeDocument/2006/relationships" xmlns:p="http://schemas.openxmlformats.org/presentationml/2006/main">
+  <p:cSld>
+    <p:spTree>
+      <p:nvGrpSpPr>
+        <p:cNvPr id="1" name=""/>
+        <p:cNvGrpSpPr/>
+        <p:nvPr/>
+      </p:nvGrpSpPr>
+      <p:grpSpPr>
+        <a:xfrm>
+          <a:off x="0" y="0"/>
+          <a:ext cx="0" cy="0"/>
+          <a:chOff x="0" y="0"/>
+          <a:chExt cx="0" cy="0"/>
+        </a:xfrm>
+      </p:grpSpPr>
+      <p:sp>
+        <p:nvSpPr>
+          <p:cNvPr id="2" name="Titre 1"/>
+          <p:cNvSpPr>
+            <a:spLocks noGrp="1"/>
+          </p:cNvSpPr>
+          <p:nvPr>
+            <p:ph type="title"/>
+          </p:nvPr>
+        </p:nvSpPr>
+        <p:spPr/>
+        <p:txBody>
+          <a:bodyPr>
+            <a:normAutofit fontScale="90000"/>
+          </a:bodyPr>
+          <a:lstStyle/>
+          <a:p>
+            <a:r>
+              <a:rPr lang="fr-FR" dirty="0" smtClean="0"/>
+              <a:t>Issues</a:t>
+            </a:r>
+            <a:endParaRPr lang="fr-FR" dirty="0"/>
+          </a:p>
+        </p:txBody>
+      </p:sp>
+      <p:sp>
+        <p:nvSpPr>
+          <p:cNvPr id="3" name="Espace réservé du contenu 2"/>
+          <p:cNvSpPr>
+            <a:spLocks noGrp="1"/>
+          </p:cNvSpPr>
+          <p:nvPr>
+            <p:ph idx="1"/>
+          </p:nvPr>
+        </p:nvSpPr>
+        <p:spPr/>
+        <p:txBody>
+          <a:bodyPr/>
+          <a:lstStyle/>
+          <a:p>
+            <a:r>
+              <a:rPr lang="fr-FR" dirty="0" smtClean="0"/>
+              <a:t>Eclipse </a:t>
+            </a:r>
+            <a:r>
+              <a:rPr lang="fr-FR" dirty="0" err="1" smtClean="0"/>
+              <a:t>Bugzilla</a:t>
+            </a:r>
+            <a:r>
+              <a:rPr lang="fr-FR" dirty="0" smtClean="0"/>
+              <a:t>: tag </a:t>
+            </a:r>
+            <a:r>
+              <a:rPr lang="fr-FR" dirty="0" err="1" smtClean="0"/>
+              <a:t>title</a:t>
+            </a:r>
+            <a:r>
+              <a:rPr lang="fr-FR" dirty="0" smtClean="0"/>
+              <a:t> </a:t>
+            </a:r>
+            <a:r>
+              <a:rPr lang="fr-FR" dirty="0" err="1" smtClean="0"/>
+              <a:t>with</a:t>
+            </a:r>
+            <a:r>
+              <a:rPr lang="fr-FR" dirty="0" smtClean="0"/>
+              <a:t> </a:t>
+            </a:r>
+            <a:r>
+              <a:rPr lang="fr-FR" b="1" dirty="0" smtClean="0"/>
+              <a:t>[code </a:t>
+            </a:r>
+            <a:r>
+              <a:rPr lang="fr-FR" b="1" dirty="0" err="1" smtClean="0"/>
+              <a:t>mining</a:t>
+            </a:r>
+            <a:r>
+              <a:rPr lang="fr-FR" b="1" dirty="0" smtClean="0"/>
+              <a:t>]</a:t>
+            </a:r>
+          </a:p>
+          <a:p>
+            <a:pPr lvl="2"/>
+            <a:r>
+              <a:rPr lang="fr-FR" dirty="0" smtClean="0"/>
+              <a:t>SWT</a:t>
+            </a:r>
+          </a:p>
+          <a:p>
+            <a:pPr lvl="2"/>
+            <a:r>
+              <a:rPr lang="fr-FR" dirty="0" err="1" smtClean="0"/>
+              <a:t>Text</a:t>
+            </a:r>
+            <a:endParaRPr lang="fr-FR" dirty="0" smtClean="0"/>
+          </a:p>
+          <a:p>
+            <a:r>
+              <a:rPr lang="fr-FR" dirty="0" smtClean="0"/>
+              <a:t>JDT </a:t>
+            </a:r>
+            <a:r>
+              <a:rPr lang="fr-FR" dirty="0" err="1" smtClean="0"/>
+              <a:t>CodeMining</a:t>
+            </a:r>
+            <a:r>
+              <a:rPr lang="fr-FR" dirty="0" smtClean="0"/>
+              <a:t>: </a:t>
+            </a:r>
+          </a:p>
+          <a:p>
+            <a:pPr lvl="1"/>
+            <a:r>
+              <a:rPr lang="fr-FR" dirty="0" smtClean="0"/>
+              <a:t>https</a:t>
+            </a:r>
+            <a:r>
+              <a:rPr lang="fr-FR" dirty="0"/>
+              <a:t>://</a:t>
+            </a:r>
+            <a:r>
+              <a:rPr lang="fr-FR" dirty="0" smtClean="0"/>
+              <a:t>github.com/angelozerr/jdt-codemining/issues</a:t>
+            </a:r>
+            <a:endParaRPr lang="fr-FR" dirty="0" smtClean="0"/>
+          </a:p>
+        </p:txBody>
+      </p:sp>
+    </p:spTree>
+    <p:extLst>
+      <p:ext uri="{BB962C8B-B14F-4D97-AF65-F5344CB8AC3E}">
+        <p14:creationId xmlns:p14="http://schemas.microsoft.com/office/powerpoint/2010/main" val="2093915808"/>
+      </p:ext>
+    </p:extLst>
+  </p:cSld>
+  <p:clrMapOvr>
+    <a:masterClrMapping/>
+  </p:clrMapOvr>
+  <p:timing>
+    <p:tnLst>
+      <p:par>
+        <p:cTn id="1" dur="indefinite" restart="never" nodeType="tmRoot"/>
+      </p:par>
+    </p:tnLst>
+  </p:timing>
+</p:sld>
+</file>
+
+<file path=ppt/slides/slide29.xml><?xml version="1.0" encoding="utf-8"?>
+<p:sld xmlns:a="http://schemas.openxmlformats.org/drawingml/2006/main" xmlns:r="http://schemas.openxmlformats.org/officeDocument/2006/relationships" xmlns:p="http://schemas.openxmlformats.org/presentationml/2006/main">
+  <p:cSld>
+    <p:bg>
+      <p:bgPr>
+        <a:solidFill>
+          <a:schemeClr val="bg1"/>
+        </a:solidFill>
+        <a:effectLst/>
+      </p:bgPr>
+    </p:bg>
+    <p:spTree>
+      <p:nvGrpSpPr>
+        <p:cNvPr id="1" name=""/>
+        <p:cNvGrpSpPr/>
+        <p:nvPr/>
+      </p:nvGrpSpPr>
+      <p:grpSpPr>
+        <a:xfrm>
+          <a:off x="0" y="0"/>
+          <a:ext cx="0" cy="0"/>
+          <a:chOff x="0" y="0"/>
+          <a:chExt cx="0" cy="0"/>
+        </a:xfrm>
+      </p:grpSpPr>
+      <p:sp>
+        <p:nvSpPr>
+          <p:cNvPr id="2" name="Titre 1"/>
+          <p:cNvSpPr>
+            <a:spLocks noGrp="1"/>
+          </p:cNvSpPr>
+          <p:nvPr>
+            <p:ph type="title"/>
+          </p:nvPr>
+        </p:nvSpPr>
+        <p:spPr/>
+        <p:txBody>
+          <a:bodyPr>
+            <a:normAutofit fontScale="90000"/>
+          </a:bodyPr>
+          <a:lstStyle/>
+          <a:p>
+            <a:r>
+              <a:rPr lang="fr-FR" dirty="0" err="1" smtClean="0"/>
+              <a:t>Thanks</a:t>
+            </a:r>
+            <a:r>
+              <a:rPr lang="fr-FR" dirty="0" smtClean="0"/>
+              <a:t>!</a:t>
+            </a:r>
+            <a:endParaRPr lang="fr-FR" dirty="0"/>
+          </a:p>
+        </p:txBody>
+      </p:sp>
+      <p:sp>
+        <p:nvSpPr>
+          <p:cNvPr id="3" name="Espace réservé du contenu 2"/>
+          <p:cNvSpPr>
+            <a:spLocks noGrp="1"/>
+          </p:cNvSpPr>
+          <p:nvPr>
+            <p:ph idx="1"/>
+          </p:nvPr>
+        </p:nvSpPr>
+        <p:spPr/>
+        <p:txBody>
+          <a:bodyPr/>
+          <a:lstStyle/>
+          <a:p>
+            <a:r>
+              <a:rPr lang="fr-FR" b="1" dirty="0" smtClean="0"/>
+              <a:t>Mickael </a:t>
+            </a:r>
+            <a:r>
+              <a:rPr lang="fr-FR" b="1" dirty="0" err="1" smtClean="0"/>
+              <a:t>Istria</a:t>
+            </a:r>
+            <a:r>
+              <a:rPr lang="fr-FR" dirty="0" smtClean="0"/>
+              <a:t> for </a:t>
+            </a:r>
+            <a:r>
+              <a:rPr lang="fr-FR" dirty="0" err="1" smtClean="0"/>
+              <a:t>her</a:t>
+            </a:r>
+            <a:r>
+              <a:rPr lang="fr-FR" dirty="0"/>
+              <a:t> </a:t>
+            </a:r>
+            <a:r>
+              <a:rPr lang="fr-FR" dirty="0" err="1" smtClean="0"/>
+              <a:t>review</a:t>
+            </a:r>
+            <a:r>
+              <a:rPr lang="fr-FR" dirty="0" smtClean="0"/>
+              <a:t> code</a:t>
+            </a:r>
+          </a:p>
+          <a:p>
+            <a:r>
+              <a:rPr lang="fr-FR" b="1" dirty="0" smtClean="0"/>
+              <a:t>Dani </a:t>
+            </a:r>
+            <a:r>
+              <a:rPr lang="fr-FR" b="1" dirty="0" err="1" smtClean="0"/>
+              <a:t>Megert</a:t>
+            </a:r>
+            <a:r>
+              <a:rPr lang="fr-FR" b="1" dirty="0" smtClean="0"/>
+              <a:t> </a:t>
+            </a:r>
+            <a:r>
+              <a:rPr lang="fr-FR" dirty="0" smtClean="0"/>
+              <a:t>and JDT Team</a:t>
+            </a:r>
+          </a:p>
+          <a:p>
+            <a:r>
+              <a:rPr lang="fr-FR" b="1" dirty="0" smtClean="0"/>
+              <a:t>Lars Vogel</a:t>
+            </a:r>
+            <a:r>
+              <a:rPr lang="fr-FR" dirty="0" smtClean="0"/>
+              <a:t> for JDT Code Mining feedbacks</a:t>
+            </a:r>
+          </a:p>
+          <a:p>
+            <a:r>
+              <a:rPr lang="fr-FR" b="1" dirty="0" smtClean="0"/>
+              <a:t>Karsten </a:t>
+            </a:r>
+            <a:r>
+              <a:rPr lang="fr-FR" b="1" dirty="0" err="1" smtClean="0"/>
+              <a:t>Thoms</a:t>
+            </a:r>
+            <a:r>
+              <a:rPr lang="fr-FR" dirty="0" smtClean="0"/>
+              <a:t> </a:t>
+            </a:r>
+            <a:r>
+              <a:rPr lang="fr-FR" dirty="0"/>
+              <a:t>for </a:t>
+            </a:r>
+            <a:r>
+              <a:rPr lang="fr-FR" dirty="0" err="1"/>
+              <a:t>CodeMining</a:t>
+            </a:r>
+            <a:r>
+              <a:rPr lang="fr-FR" dirty="0"/>
+              <a:t> </a:t>
+            </a:r>
+            <a:r>
+              <a:rPr lang="fr-FR" dirty="0" err="1"/>
+              <a:t>integration</a:t>
+            </a:r>
+            <a:r>
+              <a:rPr lang="fr-FR" dirty="0"/>
+              <a:t> in </a:t>
+            </a:r>
+            <a:r>
+              <a:rPr lang="fr-FR" dirty="0" err="1" smtClean="0"/>
+              <a:t>XText</a:t>
+            </a:r>
+            <a:endParaRPr lang="fr-FR" dirty="0" smtClean="0"/>
+          </a:p>
+          <a:p>
+            <a:r>
+              <a:rPr lang="fr-FR" b="1" dirty="0" smtClean="0"/>
+              <a:t>Martin </a:t>
+            </a:r>
+            <a:r>
+              <a:rPr lang="fr-FR" b="1" dirty="0" err="1" smtClean="0"/>
+              <a:t>Lippert</a:t>
+            </a:r>
+            <a:r>
+              <a:rPr lang="fr-FR" dirty="0" smtClean="0"/>
+              <a:t> for </a:t>
+            </a:r>
+            <a:r>
+              <a:rPr lang="fr-FR" dirty="0" err="1" smtClean="0"/>
+              <a:t>CodeMining</a:t>
+            </a:r>
+            <a:r>
+              <a:rPr lang="fr-FR" dirty="0" smtClean="0"/>
+              <a:t> </a:t>
+            </a:r>
+            <a:r>
+              <a:rPr lang="fr-FR" dirty="0" err="1" smtClean="0"/>
+              <a:t>integration</a:t>
+            </a:r>
+            <a:r>
+              <a:rPr lang="fr-FR" dirty="0" smtClean="0"/>
+              <a:t> in </a:t>
+            </a:r>
+            <a:r>
+              <a:rPr lang="fr-FR" dirty="0" err="1" smtClean="0"/>
+              <a:t>Spring</a:t>
+            </a:r>
+            <a:r>
+              <a:rPr lang="fr-FR" dirty="0" smtClean="0"/>
+              <a:t> Tools 4</a:t>
+            </a:r>
+            <a:endParaRPr lang="fr-FR" dirty="0"/>
+          </a:p>
+        </p:txBody>
+      </p:sp>
+    </p:spTree>
+    <p:extLst>
+      <p:ext uri="{BB962C8B-B14F-4D97-AF65-F5344CB8AC3E}">
+        <p14:creationId xmlns:p14="http://schemas.microsoft.com/office/powerpoint/2010/main" val="3625735188"/>
       </p:ext>
     </p:extLst>
   </p:cSld>
@@ -19122,7 +17709,6 @@
               <a:rPr lang="fr-FR" dirty="0" smtClean="0"/>
               <a:t> editor?</a:t>
             </a:r>
-            <a:endParaRPr lang="fr-FR" dirty="0" smtClean="0"/>
           </a:p>
           <a:p>
             <a:pPr lvl="1"/>
@@ -19181,7 +17767,6 @@
               <a:rPr lang="fr-FR" dirty="0" smtClean="0"/>
               <a:t> custom editor?</a:t>
             </a:r>
-            <a:endParaRPr lang="fr-FR" dirty="0" smtClean="0"/>
           </a:p>
           <a:p>
             <a:pPr lvl="1"/>
@@ -19221,46 +17806,10 @@
               <a:t>JDT </a:t>
             </a:r>
             <a:r>
-              <a:rPr lang="fr-FR" b="1" dirty="0" smtClean="0"/>
+              <a:rPr lang="fr-FR" b="1" dirty="0" err="1" smtClean="0"/>
               <a:t>CodeMining</a:t>
             </a:r>
-          </a:p>
-          <a:p>
-            <a:r>
-              <a:rPr lang="fr-FR" dirty="0" err="1" smtClean="0"/>
-              <a:t>Technical</a:t>
-            </a:r>
-            <a:r>
-              <a:rPr lang="fr-FR" dirty="0" smtClean="0"/>
-              <a:t> points (</a:t>
-            </a:r>
-            <a:r>
-              <a:rPr lang="fr-FR" b="1" dirty="0" err="1" smtClean="0"/>
-              <a:t>StyledText</a:t>
-            </a:r>
-            <a:r>
-              <a:rPr lang="fr-FR" dirty="0" smtClean="0"/>
-              <a:t>, </a:t>
-            </a:r>
-            <a:r>
-              <a:rPr lang="fr-FR" b="1" dirty="0" err="1" smtClean="0"/>
-              <a:t>GlyphMetrics</a:t>
-            </a:r>
-            <a:r>
-              <a:rPr lang="fr-FR" dirty="0" smtClean="0"/>
-              <a:t>)</a:t>
-            </a:r>
-          </a:p>
-          <a:p>
-            <a:r>
-              <a:rPr lang="fr-FR" b="1" dirty="0" smtClean="0"/>
-              <a:t>Issues</a:t>
-            </a:r>
-            <a:r>
-              <a:rPr lang="fr-FR" dirty="0" smtClean="0"/>
-              <a:t> with Code Mining</a:t>
-            </a:r>
-            <a:endParaRPr lang="fr-FR" dirty="0"/>
+            <a:endParaRPr lang="fr-FR" b="1" dirty="0" smtClean="0"/>
           </a:p>
         </p:txBody>
       </p:sp>
@@ -19268,1110 +17817,6 @@
     <p:extLst>
       <p:ext uri="{BB962C8B-B14F-4D97-AF65-F5344CB8AC3E}">
         <p14:creationId xmlns:p14="http://schemas.microsoft.com/office/powerpoint/2010/main" val="3968821760"/>
-      </p:ext>
-    </p:extLst>
-  </p:cSld>
-  <p:clrMapOvr>
-    <a:masterClrMapping/>
-  </p:clrMapOvr>
-  <p:timing>
-    <p:tnLst>
-      <p:par>
-        <p:cTn id="1" dur="indefinite" restart="never" nodeType="tmRoot"/>
-      </p:par>
-    </p:tnLst>
-  </p:timing>
-</p:sld>
-</file>
-
-<file path=ppt/slides/slide30.xml><?xml version="1.0" encoding="utf-8"?>
-<p:sld xmlns:a="http://schemas.openxmlformats.org/drawingml/2006/main" xmlns:r="http://schemas.openxmlformats.org/officeDocument/2006/relationships" xmlns:p="http://schemas.openxmlformats.org/presentationml/2006/main">
-  <p:cSld>
-    <p:spTree>
-      <p:nvGrpSpPr>
-        <p:cNvPr id="1" name=""/>
-        <p:cNvGrpSpPr/>
-        <p:nvPr/>
-      </p:nvGrpSpPr>
-      <p:grpSpPr>
-        <a:xfrm>
-          <a:off x="0" y="0"/>
-          <a:ext cx="0" cy="0"/>
-          <a:chOff x="0" y="0"/>
-          <a:chExt cx="0" cy="0"/>
-        </a:xfrm>
-      </p:grpSpPr>
-      <p:sp>
-        <p:nvSpPr>
-          <p:cNvPr id="2" name="Titre 1"/>
-          <p:cNvSpPr>
-            <a:spLocks noGrp="1"/>
-          </p:cNvSpPr>
-          <p:nvPr>
-            <p:ph type="title"/>
-          </p:nvPr>
-        </p:nvSpPr>
-        <p:spPr/>
-        <p:txBody>
-          <a:bodyPr>
-            <a:normAutofit fontScale="90000"/>
-          </a:bodyPr>
-          <a:lstStyle/>
-          <a:p>
-            <a:r>
-              <a:rPr lang="fr-FR" dirty="0" err="1" smtClean="0"/>
-              <a:t>Demo</a:t>
-            </a:r>
-            <a:r>
-              <a:rPr lang="fr-FR" dirty="0" smtClean="0"/>
-              <a:t> with JDT CodeMining</a:t>
-            </a:r>
-            <a:endParaRPr lang="fr-FR" dirty="0"/>
-          </a:p>
-        </p:txBody>
-      </p:sp>
-      <p:sp>
-        <p:nvSpPr>
-          <p:cNvPr id="3" name="Espace réservé du contenu 2"/>
-          <p:cNvSpPr>
-            <a:spLocks noGrp="1"/>
-          </p:cNvSpPr>
-          <p:nvPr>
-            <p:ph idx="1"/>
-          </p:nvPr>
-        </p:nvSpPr>
-        <p:spPr/>
-        <p:txBody>
-          <a:bodyPr/>
-          <a:lstStyle/>
-          <a:p>
-            <a:r>
-              <a:rPr lang="fr-FR" dirty="0" smtClean="0"/>
-              <a:t>TODO</a:t>
-            </a:r>
-            <a:endParaRPr lang="fr-FR" dirty="0"/>
-          </a:p>
-        </p:txBody>
-      </p:sp>
-    </p:spTree>
-    <p:extLst>
-      <p:ext uri="{BB962C8B-B14F-4D97-AF65-F5344CB8AC3E}">
-        <p14:creationId xmlns:p14="http://schemas.microsoft.com/office/powerpoint/2010/main" val="4230608180"/>
-      </p:ext>
-    </p:extLst>
-  </p:cSld>
-  <p:clrMapOvr>
-    <a:masterClrMapping/>
-  </p:clrMapOvr>
-  <p:timing>
-    <p:tnLst>
-      <p:par>
-        <p:cTn id="1" dur="indefinite" restart="never" nodeType="tmRoot"/>
-      </p:par>
-    </p:tnLst>
-  </p:timing>
-</p:sld>
-</file>
-
-<file path=ppt/slides/slide31.xml><?xml version="1.0" encoding="utf-8"?>
-<p:sld xmlns:a="http://schemas.openxmlformats.org/drawingml/2006/main" xmlns:r="http://schemas.openxmlformats.org/officeDocument/2006/relationships" xmlns:p="http://schemas.openxmlformats.org/presentationml/2006/main">
-  <p:cSld>
-    <p:spTree>
-      <p:nvGrpSpPr>
-        <p:cNvPr id="1" name=""/>
-        <p:cNvGrpSpPr/>
-        <p:nvPr/>
-      </p:nvGrpSpPr>
-      <p:grpSpPr>
-        <a:xfrm>
-          <a:off x="0" y="0"/>
-          <a:ext cx="0" cy="0"/>
-          <a:chOff x="0" y="0"/>
-          <a:chExt cx="0" cy="0"/>
-        </a:xfrm>
-      </p:grpSpPr>
-      <p:sp>
-        <p:nvSpPr>
-          <p:cNvPr id="2" name="Titre 1"/>
-          <p:cNvSpPr>
-            <a:spLocks noGrp="1"/>
-          </p:cNvSpPr>
-          <p:nvPr>
-            <p:ph type="title"/>
-          </p:nvPr>
-        </p:nvSpPr>
-        <p:spPr/>
-        <p:txBody>
-          <a:bodyPr>
-            <a:normAutofit fontScale="90000"/>
-          </a:bodyPr>
-          <a:lstStyle/>
-          <a:p>
-            <a:r>
-              <a:rPr lang="fr-FR" dirty="0" err="1" smtClean="0"/>
-              <a:t>Technical</a:t>
-            </a:r>
-            <a:r>
-              <a:rPr lang="fr-FR" dirty="0" smtClean="0"/>
-              <a:t> points</a:t>
-            </a:r>
-            <a:endParaRPr lang="fr-FR" dirty="0"/>
-          </a:p>
-        </p:txBody>
-      </p:sp>
-      <p:sp>
-        <p:nvSpPr>
-          <p:cNvPr id="3" name="Espace réservé du contenu 2"/>
-          <p:cNvSpPr>
-            <a:spLocks noGrp="1"/>
-          </p:cNvSpPr>
-          <p:nvPr>
-            <p:ph idx="1"/>
-          </p:nvPr>
-        </p:nvSpPr>
-        <p:spPr/>
-        <p:txBody>
-          <a:bodyPr>
-            <a:normAutofit fontScale="92500" lnSpcReduction="10000"/>
-          </a:bodyPr>
-          <a:lstStyle/>
-          <a:p>
-            <a:r>
-              <a:rPr lang="fr-FR" dirty="0" err="1" smtClean="0"/>
-              <a:t>Inlined</a:t>
-            </a:r>
-            <a:r>
-              <a:rPr lang="fr-FR" dirty="0" smtClean="0"/>
-              <a:t> annotation </a:t>
-            </a:r>
-            <a:r>
-              <a:rPr lang="fr-FR" dirty="0" err="1" smtClean="0"/>
-              <a:t>takes</a:t>
-            </a:r>
-            <a:r>
-              <a:rPr lang="fr-FR" dirty="0" smtClean="0"/>
-              <a:t> place by </a:t>
-            </a:r>
-            <a:r>
-              <a:rPr lang="fr-FR" dirty="0" err="1" smtClean="0"/>
-              <a:t>updating</a:t>
-            </a:r>
-            <a:r>
-              <a:rPr lang="fr-FR" dirty="0" smtClean="0"/>
-              <a:t> </a:t>
-            </a:r>
-            <a:r>
-              <a:rPr lang="fr-FR" b="1" dirty="0" err="1" smtClean="0"/>
-              <a:t>StyledText#setStyleRange</a:t>
-            </a:r>
-            <a:r>
-              <a:rPr lang="fr-FR" dirty="0" smtClean="0"/>
-              <a:t> / </a:t>
-            </a:r>
-            <a:r>
-              <a:rPr lang="fr-FR" b="1" dirty="0" err="1" smtClean="0"/>
-              <a:t>GlyphMetrics</a:t>
-            </a:r>
-            <a:r>
-              <a:rPr lang="fr-FR" dirty="0" smtClean="0"/>
-              <a:t>:</a:t>
-            </a:r>
-          </a:p>
-          <a:p>
-            <a:pPr lvl="1"/>
-            <a:r>
-              <a:rPr lang="fr-FR" dirty="0" smtClean="0"/>
-              <a:t>Line </a:t>
-            </a:r>
-            <a:r>
-              <a:rPr lang="fr-FR" b="1" dirty="0" smtClean="0"/>
-              <a:t>header</a:t>
-            </a:r>
-            <a:r>
-              <a:rPr lang="fr-FR" dirty="0" smtClean="0"/>
-              <a:t> </a:t>
-            </a:r>
-            <a:r>
-              <a:rPr lang="fr-FR" dirty="0" err="1" smtClean="0"/>
-              <a:t>Inlined</a:t>
-            </a:r>
-            <a:r>
-              <a:rPr lang="fr-FR" dirty="0" smtClean="0"/>
-              <a:t> annotation : </a:t>
-            </a:r>
-            <a:r>
-              <a:rPr lang="fr-FR" b="1" dirty="0" err="1" smtClean="0"/>
-              <a:t>GlyphMetrics</a:t>
-            </a:r>
-            <a:r>
-              <a:rPr lang="fr-FR" b="1" dirty="0" smtClean="0"/>
-              <a:t> </a:t>
-            </a:r>
-            <a:r>
-              <a:rPr lang="fr-FR" b="1" dirty="0" err="1" smtClean="0"/>
-              <a:t>ascent</a:t>
-            </a:r>
-            <a:r>
-              <a:rPr lang="fr-FR" dirty="0" smtClean="0"/>
-              <a:t> </a:t>
-            </a:r>
-            <a:r>
-              <a:rPr lang="fr-FR" dirty="0" err="1" smtClean="0"/>
-              <a:t>is</a:t>
-            </a:r>
-            <a:r>
-              <a:rPr lang="fr-FR" dirty="0" smtClean="0"/>
-              <a:t> </a:t>
-            </a:r>
-            <a:r>
-              <a:rPr lang="fr-FR" dirty="0" err="1" smtClean="0"/>
-              <a:t>updated</a:t>
-            </a:r>
-            <a:endParaRPr lang="fr-FR" dirty="0" smtClean="0"/>
-          </a:p>
-          <a:p>
-            <a:pPr lvl="1"/>
-            <a:r>
-              <a:rPr lang="fr-FR" dirty="0"/>
-              <a:t>Line </a:t>
-            </a:r>
-            <a:r>
-              <a:rPr lang="fr-FR" b="1" dirty="0" smtClean="0"/>
-              <a:t>content </a:t>
-            </a:r>
-            <a:r>
-              <a:rPr lang="fr-FR" dirty="0" err="1" smtClean="0"/>
-              <a:t>Inlined</a:t>
-            </a:r>
-            <a:r>
-              <a:rPr lang="fr-FR" dirty="0" smtClean="0"/>
-              <a:t> annotation :  </a:t>
-            </a:r>
-            <a:r>
-              <a:rPr lang="fr-FR" b="1" dirty="0" err="1"/>
-              <a:t>GlyphMetrics</a:t>
-            </a:r>
-            <a:r>
-              <a:rPr lang="fr-FR" b="1" dirty="0"/>
-              <a:t> </a:t>
-            </a:r>
-            <a:r>
-              <a:rPr lang="fr-FR" b="1" dirty="0" err="1" smtClean="0"/>
-              <a:t>width</a:t>
-            </a:r>
-            <a:r>
-              <a:rPr lang="fr-FR" dirty="0" smtClean="0"/>
-              <a:t> </a:t>
-            </a:r>
-            <a:r>
-              <a:rPr lang="fr-FR" dirty="0" err="1"/>
-              <a:t>is</a:t>
-            </a:r>
-            <a:r>
-              <a:rPr lang="fr-FR" dirty="0"/>
-              <a:t> </a:t>
-            </a:r>
-            <a:r>
-              <a:rPr lang="fr-FR" dirty="0" err="1" smtClean="0"/>
-              <a:t>updated</a:t>
-            </a:r>
-            <a:endParaRPr lang="fr-FR" dirty="0" smtClean="0"/>
-          </a:p>
-          <a:p>
-            <a:r>
-              <a:rPr lang="fr-FR" dirty="0" smtClean="0"/>
-              <a:t>Use of </a:t>
-            </a:r>
-            <a:r>
-              <a:rPr lang="fr-FR" b="1" dirty="0" err="1" smtClean="0"/>
-              <a:t>GlyphMetrics</a:t>
-            </a:r>
-            <a:r>
-              <a:rPr lang="fr-FR" dirty="0" smtClean="0"/>
-              <a:t> for a </a:t>
-            </a:r>
-            <a:r>
-              <a:rPr lang="fr-FR" dirty="0" err="1" smtClean="0"/>
-              <a:t>given</a:t>
-            </a:r>
-            <a:r>
-              <a:rPr lang="fr-FR" dirty="0" smtClean="0"/>
-              <a:t> offset replace </a:t>
-            </a:r>
-            <a:r>
-              <a:rPr lang="fr-FR" dirty="0" err="1" smtClean="0"/>
-              <a:t>text</a:t>
-            </a:r>
-            <a:r>
-              <a:rPr lang="fr-FR" dirty="0" smtClean="0"/>
-              <a:t> content</a:t>
-            </a:r>
-          </a:p>
-          <a:p>
-            <a:pPr lvl="1"/>
-            <a:r>
-              <a:rPr lang="fr-FR" dirty="0" err="1" smtClean="0"/>
-              <a:t>requires</a:t>
-            </a:r>
-            <a:r>
-              <a:rPr lang="fr-FR" dirty="0" smtClean="0"/>
-              <a:t> the </a:t>
-            </a:r>
-            <a:r>
-              <a:rPr lang="fr-FR" dirty="0" err="1" smtClean="0"/>
-              <a:t>redraw</a:t>
-            </a:r>
-            <a:r>
-              <a:rPr lang="fr-FR" dirty="0" smtClean="0"/>
-              <a:t> of the </a:t>
-            </a:r>
-            <a:r>
-              <a:rPr lang="fr-FR" dirty="0" err="1" smtClean="0"/>
-              <a:t>character</a:t>
-            </a:r>
-            <a:endParaRPr lang="fr-FR" dirty="0" smtClean="0"/>
-          </a:p>
-          <a:p>
-            <a:r>
-              <a:rPr lang="fr-FR" b="1" dirty="0" err="1" smtClean="0"/>
-              <a:t>StyledText</a:t>
-            </a:r>
-            <a:r>
-              <a:rPr lang="fr-FR" dirty="0" smtClean="0"/>
-              <a:t> </a:t>
-            </a:r>
-            <a:r>
-              <a:rPr lang="fr-FR" dirty="0" err="1" smtClean="0"/>
-              <a:t>was</a:t>
-            </a:r>
-            <a:r>
-              <a:rPr lang="fr-FR" dirty="0" smtClean="0"/>
-              <a:t> been </a:t>
-            </a:r>
-            <a:r>
-              <a:rPr lang="fr-FR" dirty="0" err="1" smtClean="0"/>
-              <a:t>improved</a:t>
-            </a:r>
-            <a:endParaRPr lang="fr-FR" dirty="0" smtClean="0"/>
-          </a:p>
-          <a:p>
-            <a:pPr lvl="1"/>
-            <a:r>
-              <a:rPr lang="fr-FR" dirty="0" err="1" smtClean="0"/>
-              <a:t>Height</a:t>
-            </a:r>
-            <a:r>
-              <a:rPr lang="fr-FR" dirty="0" smtClean="0"/>
-              <a:t> </a:t>
-            </a:r>
-            <a:r>
-              <a:rPr lang="fr-FR" dirty="0" err="1" smtClean="0"/>
-              <a:t>cursor</a:t>
-            </a:r>
-            <a:r>
-              <a:rPr lang="fr-FR" dirty="0" smtClean="0"/>
-              <a:t>: line header annotation must not have </a:t>
-            </a:r>
-            <a:r>
-              <a:rPr lang="fr-FR" dirty="0" err="1" smtClean="0"/>
-              <a:t>cursor</a:t>
-            </a:r>
-            <a:endParaRPr lang="fr-FR" dirty="0" smtClean="0"/>
-          </a:p>
-          <a:p>
-            <a:pPr lvl="1"/>
-            <a:r>
-              <a:rPr lang="fr-FR" dirty="0" err="1" smtClean="0"/>
-              <a:t>Improve</a:t>
-            </a:r>
-            <a:r>
-              <a:rPr lang="fr-FR" dirty="0" smtClean="0"/>
-              <a:t> performance:  with variable line </a:t>
-            </a:r>
-            <a:r>
-              <a:rPr lang="fr-FR" dirty="0" err="1" smtClean="0"/>
-              <a:t>height</a:t>
-            </a:r>
-            <a:r>
-              <a:rPr lang="fr-FR" dirty="0" smtClean="0"/>
-              <a:t> (</a:t>
-            </a:r>
-            <a:r>
-              <a:rPr lang="fr-FR" dirty="0" err="1" smtClean="0"/>
-              <a:t>word</a:t>
-            </a:r>
-            <a:r>
-              <a:rPr lang="fr-FR" dirty="0" smtClean="0"/>
-              <a:t> wrap)</a:t>
-            </a:r>
-          </a:p>
-          <a:p>
-            <a:r>
-              <a:rPr lang="fr-FR" b="1" dirty="0" smtClean="0"/>
-              <a:t>Line </a:t>
-            </a:r>
-            <a:r>
-              <a:rPr lang="fr-FR" b="1" dirty="0" err="1" smtClean="0"/>
-              <a:t>number</a:t>
-            </a:r>
-            <a:r>
-              <a:rPr lang="fr-FR" b="1" dirty="0" smtClean="0"/>
-              <a:t> / </a:t>
-            </a:r>
-            <a:r>
-              <a:rPr lang="fr-FR" b="1" dirty="0" err="1" smtClean="0"/>
-              <a:t>Fold</a:t>
-            </a:r>
-            <a:r>
-              <a:rPr lang="fr-FR" b="1" dirty="0" smtClean="0"/>
-              <a:t> </a:t>
-            </a:r>
-            <a:r>
-              <a:rPr lang="fr-FR" b="1" dirty="0" err="1" smtClean="0"/>
-              <a:t>icon</a:t>
-            </a:r>
-            <a:r>
-              <a:rPr lang="fr-FR" dirty="0" smtClean="0"/>
-              <a:t> location</a:t>
-            </a:r>
-          </a:p>
-        </p:txBody>
-      </p:sp>
-    </p:spTree>
-    <p:extLst>
-      <p:ext uri="{BB962C8B-B14F-4D97-AF65-F5344CB8AC3E}">
-        <p14:creationId xmlns:p14="http://schemas.microsoft.com/office/powerpoint/2010/main" val="257407320"/>
-      </p:ext>
-    </p:extLst>
-  </p:cSld>
-  <p:clrMapOvr>
-    <a:masterClrMapping/>
-  </p:clrMapOvr>
-  <p:timing>
-    <p:tnLst>
-      <p:par>
-        <p:cTn id="1" dur="indefinite" restart="never" nodeType="tmRoot"/>
-      </p:par>
-    </p:tnLst>
-  </p:timing>
-</p:sld>
-</file>
-
-<file path=ppt/slides/slide32.xml><?xml version="1.0" encoding="utf-8"?>
-<p:sld xmlns:a="http://schemas.openxmlformats.org/drawingml/2006/main" xmlns:r="http://schemas.openxmlformats.org/officeDocument/2006/relationships" xmlns:p="http://schemas.openxmlformats.org/presentationml/2006/main">
-  <p:cSld>
-    <p:spTree>
-      <p:nvGrpSpPr>
-        <p:cNvPr id="1" name=""/>
-        <p:cNvGrpSpPr/>
-        <p:nvPr/>
-      </p:nvGrpSpPr>
-      <p:grpSpPr>
-        <a:xfrm>
-          <a:off x="0" y="0"/>
-          <a:ext cx="0" cy="0"/>
-          <a:chOff x="0" y="0"/>
-          <a:chExt cx="0" cy="0"/>
-        </a:xfrm>
-      </p:grpSpPr>
-      <p:sp>
-        <p:nvSpPr>
-          <p:cNvPr id="2" name="Titre 1"/>
-          <p:cNvSpPr>
-            <a:spLocks noGrp="1"/>
-          </p:cNvSpPr>
-          <p:nvPr>
-            <p:ph type="title"/>
-          </p:nvPr>
-        </p:nvSpPr>
-        <p:spPr/>
-        <p:txBody>
-          <a:bodyPr>
-            <a:normAutofit fontScale="90000"/>
-          </a:bodyPr>
-          <a:lstStyle/>
-          <a:p>
-            <a:r>
-              <a:rPr lang="fr-FR" dirty="0" smtClean="0"/>
-              <a:t>Issues</a:t>
-            </a:r>
-            <a:endParaRPr lang="fr-FR" dirty="0"/>
-          </a:p>
-        </p:txBody>
-      </p:sp>
-      <p:sp>
-        <p:nvSpPr>
-          <p:cNvPr id="3" name="Espace réservé du contenu 2"/>
-          <p:cNvSpPr>
-            <a:spLocks noGrp="1"/>
-          </p:cNvSpPr>
-          <p:nvPr>
-            <p:ph idx="1"/>
-          </p:nvPr>
-        </p:nvSpPr>
-        <p:spPr/>
-        <p:txBody>
-          <a:bodyPr/>
-          <a:lstStyle/>
-          <a:p>
-            <a:r>
-              <a:rPr lang="fr-FR" dirty="0" smtClean="0"/>
-              <a:t>Eclipse </a:t>
-            </a:r>
-            <a:r>
-              <a:rPr lang="fr-FR" dirty="0" err="1" smtClean="0"/>
-              <a:t>Bugzilla</a:t>
-            </a:r>
-            <a:r>
-              <a:rPr lang="fr-FR" dirty="0" smtClean="0"/>
-              <a:t>: tag </a:t>
-            </a:r>
-            <a:r>
-              <a:rPr lang="fr-FR" dirty="0" err="1" smtClean="0"/>
-              <a:t>title</a:t>
-            </a:r>
-            <a:r>
-              <a:rPr lang="fr-FR" dirty="0" smtClean="0"/>
-              <a:t> </a:t>
-            </a:r>
-            <a:r>
-              <a:rPr lang="fr-FR" dirty="0" err="1" smtClean="0"/>
-              <a:t>with</a:t>
-            </a:r>
-            <a:r>
-              <a:rPr lang="fr-FR" dirty="0" smtClean="0"/>
-              <a:t> </a:t>
-            </a:r>
-            <a:r>
-              <a:rPr lang="fr-FR" b="1" dirty="0" smtClean="0"/>
-              <a:t>[code </a:t>
-            </a:r>
-            <a:r>
-              <a:rPr lang="fr-FR" b="1" dirty="0" err="1" smtClean="0"/>
-              <a:t>mining</a:t>
-            </a:r>
-            <a:r>
-              <a:rPr lang="fr-FR" b="1" dirty="0" smtClean="0"/>
-              <a:t>]</a:t>
-            </a:r>
-          </a:p>
-          <a:p>
-            <a:pPr lvl="2"/>
-            <a:r>
-              <a:rPr lang="fr-FR" dirty="0" smtClean="0"/>
-              <a:t>SWT</a:t>
-            </a:r>
-          </a:p>
-          <a:p>
-            <a:pPr lvl="2"/>
-            <a:r>
-              <a:rPr lang="fr-FR" dirty="0" err="1" smtClean="0"/>
-              <a:t>Text</a:t>
-            </a:r>
-            <a:endParaRPr lang="fr-FR" dirty="0" smtClean="0"/>
-          </a:p>
-          <a:p>
-            <a:r>
-              <a:rPr lang="fr-FR" dirty="0" smtClean="0"/>
-              <a:t>JDT </a:t>
-            </a:r>
-            <a:r>
-              <a:rPr lang="fr-FR" dirty="0" err="1" smtClean="0"/>
-              <a:t>CodeMining</a:t>
-            </a:r>
-            <a:r>
-              <a:rPr lang="fr-FR" dirty="0" smtClean="0"/>
-              <a:t> </a:t>
-            </a:r>
-            <a:r>
-              <a:rPr lang="fr-FR" dirty="0" err="1" smtClean="0"/>
-              <a:t>github</a:t>
-            </a:r>
-            <a:endParaRPr lang="fr-FR" dirty="0" smtClean="0"/>
-          </a:p>
-        </p:txBody>
-      </p:sp>
-    </p:spTree>
-    <p:extLst>
-      <p:ext uri="{BB962C8B-B14F-4D97-AF65-F5344CB8AC3E}">
-        <p14:creationId xmlns:p14="http://schemas.microsoft.com/office/powerpoint/2010/main" val="3383159057"/>
-      </p:ext>
-    </p:extLst>
-  </p:cSld>
-  <p:clrMapOvr>
-    <a:masterClrMapping/>
-  </p:clrMapOvr>
-  <p:timing>
-    <p:tnLst>
-      <p:par>
-        <p:cTn id="1" dur="indefinite" restart="never" nodeType="tmRoot"/>
-      </p:par>
-    </p:tnLst>
-  </p:timing>
-</p:sld>
-</file>
-
-<file path=ppt/slides/slide33.xml><?xml version="1.0" encoding="utf-8"?>
-<p:sld xmlns:a="http://schemas.openxmlformats.org/drawingml/2006/main" xmlns:r="http://schemas.openxmlformats.org/officeDocument/2006/relationships" xmlns:p="http://schemas.openxmlformats.org/presentationml/2006/main">
-  <p:cSld>
-    <p:spTree>
-      <p:nvGrpSpPr>
-        <p:cNvPr id="1" name=""/>
-        <p:cNvGrpSpPr/>
-        <p:nvPr/>
-      </p:nvGrpSpPr>
-      <p:grpSpPr>
-        <a:xfrm>
-          <a:off x="0" y="0"/>
-          <a:ext cx="0" cy="0"/>
-          <a:chOff x="0" y="0"/>
-          <a:chExt cx="0" cy="0"/>
-        </a:xfrm>
-      </p:grpSpPr>
-      <p:sp>
-        <p:nvSpPr>
-          <p:cNvPr id="2" name="Titre 1"/>
-          <p:cNvSpPr>
-            <a:spLocks noGrp="1"/>
-          </p:cNvSpPr>
-          <p:nvPr>
-            <p:ph type="title"/>
-          </p:nvPr>
-        </p:nvSpPr>
-        <p:spPr/>
-        <p:txBody>
-          <a:bodyPr>
-            <a:normAutofit fontScale="90000"/>
-          </a:bodyPr>
-          <a:lstStyle/>
-          <a:p>
-            <a:r>
-              <a:rPr lang="fr-FR" dirty="0" err="1" smtClean="0"/>
-              <a:t>What’s</a:t>
-            </a:r>
-            <a:r>
-              <a:rPr lang="fr-FR" dirty="0" smtClean="0"/>
-              <a:t> </a:t>
-            </a:r>
-            <a:r>
-              <a:rPr lang="fr-FR" dirty="0" err="1" smtClean="0"/>
-              <a:t>next</a:t>
-            </a:r>
-            <a:r>
-              <a:rPr lang="fr-FR" dirty="0" smtClean="0"/>
-              <a:t>?</a:t>
-            </a:r>
-            <a:endParaRPr lang="fr-FR" dirty="0"/>
-          </a:p>
-        </p:txBody>
-      </p:sp>
-      <p:sp>
-        <p:nvSpPr>
-          <p:cNvPr id="3" name="Espace réservé du contenu 2"/>
-          <p:cNvSpPr>
-            <a:spLocks noGrp="1"/>
-          </p:cNvSpPr>
-          <p:nvPr>
-            <p:ph idx="1"/>
-          </p:nvPr>
-        </p:nvSpPr>
-        <p:spPr/>
-        <p:txBody>
-          <a:bodyPr/>
-          <a:lstStyle/>
-          <a:p>
-            <a:r>
-              <a:rPr lang="fr-FR" dirty="0" err="1" smtClean="0"/>
-              <a:t>Improvements</a:t>
-            </a:r>
-            <a:endParaRPr lang="fr-FR" dirty="0" smtClean="0"/>
-          </a:p>
-          <a:p>
-            <a:pPr lvl="1"/>
-            <a:r>
-              <a:rPr lang="fr-FR" dirty="0" err="1" smtClean="0"/>
-              <a:t>Don’t</a:t>
-            </a:r>
-            <a:r>
-              <a:rPr lang="fr-FR" dirty="0" smtClean="0"/>
-              <a:t> </a:t>
-            </a:r>
-            <a:r>
-              <a:rPr lang="fr-FR" dirty="0" err="1" smtClean="0"/>
-              <a:t>redraw</a:t>
-            </a:r>
-            <a:r>
-              <a:rPr lang="fr-FR" dirty="0" smtClean="0"/>
-              <a:t> </a:t>
-            </a:r>
-            <a:r>
-              <a:rPr lang="fr-FR" dirty="0" err="1" smtClean="0"/>
-              <a:t>character</a:t>
-            </a:r>
-            <a:r>
-              <a:rPr lang="fr-FR" dirty="0"/>
-              <a:t>: https://bugs.eclipse.org/bugs/show_bug.cgi?id=531769</a:t>
-            </a:r>
-            <a:endParaRPr lang="fr-FR" dirty="0" smtClean="0"/>
-          </a:p>
-          <a:p>
-            <a:pPr lvl="1"/>
-            <a:r>
-              <a:rPr lang="fr-FR" dirty="0" err="1" smtClean="0"/>
-              <a:t>StyledText</a:t>
-            </a:r>
-            <a:r>
-              <a:rPr lang="fr-FR" dirty="0"/>
-              <a:t> </a:t>
-            </a:r>
-            <a:r>
-              <a:rPr lang="fr-FR" dirty="0" err="1" smtClean="0"/>
-              <a:t>should</a:t>
-            </a:r>
-            <a:r>
-              <a:rPr lang="fr-FR" dirty="0" smtClean="0"/>
-              <a:t> </a:t>
-            </a:r>
-            <a:r>
-              <a:rPr lang="fr-FR" dirty="0" err="1" smtClean="0"/>
-              <a:t>provide</a:t>
-            </a:r>
-            <a:r>
-              <a:rPr lang="fr-FR" dirty="0" smtClean="0"/>
-              <a:t> a </a:t>
-            </a:r>
-            <a:r>
-              <a:rPr lang="fr-FR" b="1" dirty="0" err="1" smtClean="0"/>
-              <a:t>getLineCodeHeight</a:t>
-            </a:r>
-            <a:r>
-              <a:rPr lang="fr-FR" dirty="0" smtClean="0"/>
-              <a:t> </a:t>
-            </a:r>
-            <a:r>
-              <a:rPr lang="fr-FR" dirty="0" err="1" smtClean="0"/>
-              <a:t>used</a:t>
-            </a:r>
-            <a:r>
-              <a:rPr lang="fr-FR" dirty="0" smtClean="0"/>
-              <a:t> for JDT </a:t>
-            </a:r>
-            <a:r>
-              <a:rPr lang="fr-FR" dirty="0" err="1" smtClean="0"/>
-              <a:t>refactor</a:t>
-            </a:r>
-            <a:r>
-              <a:rPr lang="fr-FR" dirty="0" smtClean="0"/>
-              <a:t>, mark occurrences, line </a:t>
-            </a:r>
-            <a:r>
-              <a:rPr lang="fr-FR" dirty="0" err="1" smtClean="0"/>
-              <a:t>highlight</a:t>
-            </a:r>
-            <a:r>
-              <a:rPr lang="fr-FR" dirty="0" smtClean="0"/>
-              <a:t> bug </a:t>
-            </a:r>
-            <a:r>
-              <a:rPr lang="fr-FR" dirty="0" err="1" smtClean="0"/>
-              <a:t>with</a:t>
-            </a:r>
-            <a:r>
-              <a:rPr lang="fr-FR" dirty="0" smtClean="0"/>
-              <a:t> </a:t>
-            </a:r>
-            <a:r>
-              <a:rPr lang="fr-FR" dirty="0" err="1" smtClean="0"/>
-              <a:t>dark</a:t>
-            </a:r>
-            <a:r>
-              <a:rPr lang="fr-FR" dirty="0" smtClean="0"/>
-              <a:t>: TODO </a:t>
-            </a:r>
-            <a:r>
-              <a:rPr lang="fr-FR" dirty="0" err="1" smtClean="0"/>
-              <a:t>describe</a:t>
-            </a:r>
-            <a:r>
-              <a:rPr lang="fr-FR" dirty="0" smtClean="0"/>
-              <a:t> </a:t>
-            </a:r>
-            <a:r>
-              <a:rPr lang="fr-FR" dirty="0" err="1" smtClean="0"/>
-              <a:t>those</a:t>
-            </a:r>
-            <a:r>
-              <a:rPr lang="fr-FR" dirty="0" smtClean="0"/>
-              <a:t> issues</a:t>
-            </a:r>
-            <a:endParaRPr lang="fr-FR" dirty="0"/>
-          </a:p>
-          <a:p>
-            <a:r>
-              <a:rPr lang="fr-FR" dirty="0" smtClean="0"/>
-              <a:t>Bugs:</a:t>
-            </a:r>
-          </a:p>
-          <a:p>
-            <a:pPr lvl="1"/>
-            <a:r>
-              <a:rPr lang="fr-FR" dirty="0" smtClean="0"/>
-              <a:t>In </a:t>
-            </a:r>
-            <a:r>
-              <a:rPr lang="fr-FR" dirty="0" err="1" smtClean="0"/>
-              <a:t>MacOS</a:t>
-            </a:r>
-            <a:r>
-              <a:rPr lang="fr-FR" dirty="0" smtClean="0"/>
-              <a:t>: </a:t>
-            </a:r>
-            <a:r>
-              <a:rPr lang="fr-FR" dirty="0" err="1" smtClean="0"/>
-              <a:t>bad</a:t>
-            </a:r>
-            <a:r>
-              <a:rPr lang="fr-FR" dirty="0" smtClean="0"/>
-              <a:t> </a:t>
-            </a:r>
-            <a:r>
-              <a:rPr lang="fr-FR" dirty="0" err="1" smtClean="0"/>
-              <a:t>renderer</a:t>
-            </a:r>
-            <a:endParaRPr lang="fr-FR" dirty="0" smtClean="0"/>
-          </a:p>
-        </p:txBody>
-      </p:sp>
-    </p:spTree>
-    <p:extLst>
-      <p:ext uri="{BB962C8B-B14F-4D97-AF65-F5344CB8AC3E}">
-        <p14:creationId xmlns:p14="http://schemas.microsoft.com/office/powerpoint/2010/main" val="2251645700"/>
-      </p:ext>
-    </p:extLst>
-  </p:cSld>
-  <p:clrMapOvr>
-    <a:masterClrMapping/>
-  </p:clrMapOvr>
-  <p:timing>
-    <p:tnLst>
-      <p:par>
-        <p:cTn id="1" dur="indefinite" restart="never" nodeType="tmRoot"/>
-      </p:par>
-    </p:tnLst>
-  </p:timing>
-</p:sld>
-</file>
-
-<file path=ppt/slides/slide34.xml><?xml version="1.0" encoding="utf-8"?>
-<p:sld xmlns:a="http://schemas.openxmlformats.org/drawingml/2006/main" xmlns:r="http://schemas.openxmlformats.org/officeDocument/2006/relationships" xmlns:p="http://schemas.openxmlformats.org/presentationml/2006/main">
-  <p:cSld>
-    <p:bg>
-      <p:bgPr>
-        <a:solidFill>
-          <a:schemeClr val="bg1"/>
-        </a:solidFill>
-        <a:effectLst/>
-      </p:bgPr>
-    </p:bg>
-    <p:spTree>
-      <p:nvGrpSpPr>
-        <p:cNvPr id="1" name=""/>
-        <p:cNvGrpSpPr/>
-        <p:nvPr/>
-      </p:nvGrpSpPr>
-      <p:grpSpPr>
-        <a:xfrm>
-          <a:off x="0" y="0"/>
-          <a:ext cx="0" cy="0"/>
-          <a:chOff x="0" y="0"/>
-          <a:chExt cx="0" cy="0"/>
-        </a:xfrm>
-      </p:grpSpPr>
-      <p:sp>
-        <p:nvSpPr>
-          <p:cNvPr id="2" name="Titre 1"/>
-          <p:cNvSpPr>
-            <a:spLocks noGrp="1"/>
-          </p:cNvSpPr>
-          <p:nvPr>
-            <p:ph type="title"/>
-          </p:nvPr>
-        </p:nvSpPr>
-        <p:spPr/>
-        <p:txBody>
-          <a:bodyPr>
-            <a:normAutofit fontScale="90000"/>
-          </a:bodyPr>
-          <a:lstStyle/>
-          <a:p>
-            <a:r>
-              <a:rPr lang="fr-FR" dirty="0" err="1" smtClean="0"/>
-              <a:t>Thanks</a:t>
-            </a:r>
-            <a:r>
-              <a:rPr lang="fr-FR" dirty="0" smtClean="0"/>
-              <a:t>!</a:t>
-            </a:r>
-            <a:endParaRPr lang="fr-FR" dirty="0"/>
-          </a:p>
-        </p:txBody>
-      </p:sp>
-      <p:sp>
-        <p:nvSpPr>
-          <p:cNvPr id="3" name="Espace réservé du contenu 2"/>
-          <p:cNvSpPr>
-            <a:spLocks noGrp="1"/>
-          </p:cNvSpPr>
-          <p:nvPr>
-            <p:ph idx="1"/>
-          </p:nvPr>
-        </p:nvSpPr>
-        <p:spPr/>
-        <p:txBody>
-          <a:bodyPr/>
-          <a:lstStyle/>
-          <a:p>
-            <a:r>
-              <a:rPr lang="fr-FR" b="1" dirty="0" smtClean="0"/>
-              <a:t>Mickael </a:t>
-            </a:r>
-            <a:r>
-              <a:rPr lang="fr-FR" b="1" dirty="0" err="1" smtClean="0"/>
-              <a:t>Istria</a:t>
-            </a:r>
-            <a:r>
-              <a:rPr lang="fr-FR" dirty="0" smtClean="0"/>
-              <a:t> for </a:t>
-            </a:r>
-            <a:r>
-              <a:rPr lang="fr-FR" dirty="0" err="1" smtClean="0"/>
-              <a:t>her</a:t>
-            </a:r>
-            <a:r>
-              <a:rPr lang="fr-FR" dirty="0"/>
-              <a:t> </a:t>
-            </a:r>
-            <a:r>
-              <a:rPr lang="fr-FR" dirty="0" err="1" smtClean="0"/>
-              <a:t>review</a:t>
-            </a:r>
-            <a:r>
-              <a:rPr lang="fr-FR" dirty="0" smtClean="0"/>
-              <a:t> code</a:t>
-            </a:r>
-          </a:p>
-          <a:p>
-            <a:r>
-              <a:rPr lang="fr-FR" b="1" dirty="0" smtClean="0"/>
-              <a:t>Dani </a:t>
-            </a:r>
-            <a:r>
-              <a:rPr lang="fr-FR" b="1" dirty="0" err="1" smtClean="0"/>
-              <a:t>Megert</a:t>
-            </a:r>
-            <a:r>
-              <a:rPr lang="fr-FR" b="1" dirty="0" smtClean="0"/>
-              <a:t> </a:t>
-            </a:r>
-            <a:r>
-              <a:rPr lang="fr-FR" dirty="0" smtClean="0"/>
-              <a:t>and JDT Team</a:t>
-            </a:r>
-          </a:p>
-          <a:p>
-            <a:r>
-              <a:rPr lang="fr-FR" b="1" dirty="0" smtClean="0"/>
-              <a:t>Lars Vogel</a:t>
-            </a:r>
-            <a:r>
-              <a:rPr lang="fr-FR" dirty="0" smtClean="0"/>
-              <a:t> for JDT Code Mining feedbacks</a:t>
-            </a:r>
-          </a:p>
-          <a:p>
-            <a:r>
-              <a:rPr lang="fr-FR" b="1" dirty="0" smtClean="0"/>
-              <a:t>Karsten </a:t>
-            </a:r>
-            <a:r>
-              <a:rPr lang="fr-FR" b="1" dirty="0" err="1" smtClean="0"/>
-              <a:t>Thoms</a:t>
-            </a:r>
-            <a:r>
-              <a:rPr lang="fr-FR" dirty="0" smtClean="0"/>
-              <a:t> </a:t>
-            </a:r>
-            <a:r>
-              <a:rPr lang="fr-FR" dirty="0"/>
-              <a:t>for </a:t>
-            </a:r>
-            <a:r>
-              <a:rPr lang="fr-FR" dirty="0" err="1"/>
-              <a:t>CodeMining</a:t>
-            </a:r>
-            <a:r>
-              <a:rPr lang="fr-FR" dirty="0"/>
-              <a:t> </a:t>
-            </a:r>
-            <a:r>
-              <a:rPr lang="fr-FR" dirty="0" err="1"/>
-              <a:t>integration</a:t>
-            </a:r>
-            <a:r>
-              <a:rPr lang="fr-FR" dirty="0"/>
-              <a:t> in </a:t>
-            </a:r>
-            <a:r>
-              <a:rPr lang="fr-FR" dirty="0" err="1" smtClean="0"/>
-              <a:t>XText</a:t>
-            </a:r>
-            <a:endParaRPr lang="fr-FR" dirty="0" smtClean="0"/>
-          </a:p>
-          <a:p>
-            <a:r>
-              <a:rPr lang="fr-FR" b="1" dirty="0" smtClean="0"/>
-              <a:t>Martin </a:t>
-            </a:r>
-            <a:r>
-              <a:rPr lang="fr-FR" b="1" dirty="0" err="1" smtClean="0"/>
-              <a:t>Lippert</a:t>
-            </a:r>
-            <a:r>
-              <a:rPr lang="fr-FR" dirty="0" smtClean="0"/>
-              <a:t> for </a:t>
-            </a:r>
-            <a:r>
-              <a:rPr lang="fr-FR" dirty="0" err="1" smtClean="0"/>
-              <a:t>CodeMining</a:t>
-            </a:r>
-            <a:r>
-              <a:rPr lang="fr-FR" dirty="0" smtClean="0"/>
-              <a:t> </a:t>
-            </a:r>
-            <a:r>
-              <a:rPr lang="fr-FR" dirty="0" err="1" smtClean="0"/>
-              <a:t>integration</a:t>
-            </a:r>
-            <a:r>
-              <a:rPr lang="fr-FR" dirty="0" smtClean="0"/>
-              <a:t> in </a:t>
-            </a:r>
-            <a:r>
-              <a:rPr lang="fr-FR" dirty="0" err="1" smtClean="0"/>
-              <a:t>Spring</a:t>
-            </a:r>
-            <a:r>
-              <a:rPr lang="fr-FR" dirty="0" smtClean="0"/>
-              <a:t> Tools 4</a:t>
-            </a:r>
-            <a:endParaRPr lang="fr-FR" dirty="0"/>
-          </a:p>
-        </p:txBody>
-      </p:sp>
-    </p:spTree>
-    <p:extLst>
-      <p:ext uri="{BB962C8B-B14F-4D97-AF65-F5344CB8AC3E}">
-        <p14:creationId xmlns:p14="http://schemas.microsoft.com/office/powerpoint/2010/main" val="3625735188"/>
       </p:ext>
     </p:extLst>
   </p:cSld>
@@ -20484,11 +17929,7 @@
             </a:r>
             <a:r>
               <a:rPr lang="fr-FR" dirty="0" smtClean="0"/>
-              <a:t>nnotation </a:t>
-            </a:r>
-            <a:r>
-              <a:rPr lang="fr-FR" dirty="0" smtClean="0"/>
-              <a:t>which </a:t>
+              <a:t>nnotation which </a:t>
             </a:r>
             <a:r>
               <a:rPr lang="en-US" dirty="0"/>
@@ -20603,7 +18044,6 @@
               <a:rPr lang="fr-FR" dirty="0" smtClean="0"/>
               <a:t>, …</a:t>
             </a:r>
-            <a:endParaRPr lang="fr-FR" dirty="0" smtClean="0"/>
           </a:p>
           <a:p>
             <a:r>
@@ -20620,11 +18060,7 @@
             </a:r>
             <a:r>
               <a:rPr lang="fr-FR" dirty="0" smtClean="0"/>
-              <a:t> </a:t>
-            </a:r>
-            <a:r>
-              <a:rPr lang="fr-FR" dirty="0" smtClean="0"/>
-              <a:t>a </a:t>
+              <a:t> a </a:t>
             </a:r>
             <a:r>
               <a:rPr lang="fr-FR" b="1" dirty="0" smtClean="0"/>
@@ -20721,11 +18157,7 @@
             </a:r>
             <a:r>
               <a:rPr lang="fr-FR" dirty="0" smtClean="0"/>
-              <a:t> Annotation </a:t>
-            </a:r>
-            <a:r>
-              <a:rPr lang="fr-FR" dirty="0" smtClean="0"/>
-              <a:t>– API - </a:t>
+              <a:t> Annotation – API - </a:t>
             </a:r>
             <a:r>
               <a:rPr lang="fr-FR" dirty="0" err="1" smtClean="0"/>
@@ -20862,13 +18294,8 @@
             </a:r>
             <a:r>
               <a:rPr lang="fr-FR" dirty="0" smtClean="0"/>
-              <a:t> </a:t>
-            </a:r>
-            <a:r>
-              <a:rPr lang="fr-FR" dirty="0" smtClean="0"/>
-              <a:t>API:</a:t>
-            </a:r>
-            <a:endParaRPr lang="fr-FR" dirty="0" smtClean="0"/>
+              <a:t> API:</a:t>
+            </a:r>
           </a:p>
           <a:p>
             <a:pPr lvl="1"/>
@@ -20972,384 +18399,6 @@
           <a:lstStyle/>
           <a:p>
             <a:r>
-              <a:rPr lang="fr-FR" dirty="0" err="1" smtClean="0"/>
-              <a:t>Inlined</a:t>
-            </a:r>
-            <a:r>
-              <a:rPr lang="fr-FR" dirty="0" smtClean="0"/>
-              <a:t> Annotation </a:t>
-            </a:r>
-            <a:r>
-              <a:rPr lang="fr-FR" dirty="0" smtClean="0"/>
-              <a:t>– </a:t>
-            </a:r>
-            <a:r>
-              <a:rPr lang="fr-FR" dirty="0"/>
-              <a:t>API </a:t>
-            </a:r>
-            <a:r>
-              <a:rPr lang="fr-FR" dirty="0" smtClean="0"/>
-              <a:t>(TO </a:t>
-            </a:r>
-            <a:r>
-              <a:rPr lang="fr-FR" dirty="0"/>
-              <a:t>REMOVE</a:t>
-            </a:r>
-            <a:r>
-              <a:rPr lang="fr-FR" dirty="0" smtClean="0"/>
-              <a:t>)</a:t>
-            </a:r>
-            <a:endParaRPr lang="fr-FR" dirty="0"/>
-          </a:p>
-        </p:txBody>
-      </p:sp>
-      <p:sp>
-        <p:nvSpPr>
-          <p:cNvPr id="3" name="Espace réservé du contenu 2"/>
-          <p:cNvSpPr>
-            <a:spLocks noGrp="1"/>
-          </p:cNvSpPr>
-          <p:nvPr>
-            <p:ph idx="1"/>
-          </p:nvPr>
-        </p:nvSpPr>
-        <p:spPr/>
-        <p:txBody>
-          <a:bodyPr>
-            <a:normAutofit fontScale="77500" lnSpcReduction="20000"/>
-          </a:bodyPr>
-          <a:lstStyle/>
-          <a:p>
-            <a:r>
-              <a:rPr lang="en-US" b="1" dirty="0" err="1" smtClean="0"/>
-              <a:t>AbstractInlinedAnnotation</a:t>
-            </a:r>
-            <a:r>
-              <a:rPr lang="en-US" b="1" dirty="0" smtClean="0"/>
-              <a:t>  </a:t>
-            </a:r>
-            <a:r>
-              <a:rPr lang="en-US" dirty="0" smtClean="0"/>
-              <a:t>is base class:</a:t>
-            </a:r>
-          </a:p>
-          <a:p>
-            <a:pPr lvl="1"/>
-            <a:r>
-              <a:rPr lang="en-US" dirty="0" smtClean="0"/>
-              <a:t>Several methods like </a:t>
-            </a:r>
-          </a:p>
-          <a:p>
-            <a:pPr lvl="2"/>
-            <a:r>
-              <a:rPr lang="en-US" b="1" dirty="0" err="1" smtClean="0"/>
-              <a:t>setText</a:t>
-            </a:r>
-            <a:r>
-              <a:rPr lang="en-US" dirty="0" smtClean="0"/>
-              <a:t> : set the text content of the annotation</a:t>
-            </a:r>
-          </a:p>
-          <a:p>
-            <a:pPr lvl="2"/>
-            <a:r>
-              <a:rPr lang="en-US" b="1" dirty="0" smtClean="0"/>
-              <a:t>draw</a:t>
-            </a:r>
-            <a:r>
-              <a:rPr lang="en-US" dirty="0" smtClean="0"/>
-              <a:t> : by default draw the set text, can be </a:t>
-            </a:r>
-            <a:r>
-              <a:rPr lang="en-US" dirty="0" err="1" smtClean="0"/>
-              <a:t>overrided</a:t>
-            </a:r>
-            <a:r>
-              <a:rPr lang="en-US" dirty="0" smtClean="0"/>
-              <a:t> to draw anything</a:t>
-            </a:r>
-          </a:p>
-          <a:p>
-            <a:pPr lvl="2"/>
-            <a:r>
-              <a:rPr lang="en-US" b="1" dirty="0" err="1" smtClean="0"/>
-              <a:t>getAction</a:t>
-            </a:r>
-            <a:r>
-              <a:rPr lang="en-US" dirty="0" smtClean="0"/>
-              <a:t>: implement it to bind an action on click of the annotation</a:t>
-            </a:r>
-          </a:p>
-          <a:p>
-            <a:pPr lvl="1"/>
-            <a:r>
-              <a:rPr lang="en-US" dirty="0" smtClean="0"/>
-              <a:t>2 </a:t>
-            </a:r>
-            <a:r>
-              <a:rPr lang="en-US" dirty="0" err="1" smtClean="0"/>
-              <a:t>inlined</a:t>
-            </a:r>
-            <a:r>
-              <a:rPr lang="en-US" dirty="0" smtClean="0"/>
-              <a:t> annotation kinds which extends </a:t>
-            </a:r>
-            <a:r>
-              <a:rPr lang="en-US" b="1" dirty="0" err="1" smtClean="0"/>
-              <a:t>AbstractInlinedAnnotation</a:t>
-            </a:r>
-            <a:r>
-              <a:rPr lang="en-US" dirty="0" smtClean="0"/>
-              <a:t>:</a:t>
-            </a:r>
-          </a:p>
-          <a:p>
-            <a:pPr lvl="2"/>
-            <a:r>
-              <a:rPr lang="en-US" b="1" dirty="0" err="1"/>
-              <a:t>LineHeaderAnnotation</a:t>
-            </a:r>
-            <a:endParaRPr lang="en-US" b="1" dirty="0"/>
-          </a:p>
-          <a:p>
-            <a:pPr lvl="2"/>
-            <a:r>
-              <a:rPr lang="en-US" b="1" dirty="0" err="1" smtClean="0"/>
-              <a:t>LineContentAnnotation</a:t>
-            </a:r>
-            <a:endParaRPr lang="en-US" b="1" dirty="0" smtClean="0"/>
-          </a:p>
-          <a:p>
-            <a:r>
-              <a:rPr lang="fr-FR" dirty="0" smtClean="0"/>
-              <a:t>Managed with </a:t>
-            </a:r>
-            <a:r>
-              <a:rPr lang="fr-FR" b="1" dirty="0" smtClean="0"/>
-              <a:t>InlinedAnnotationSupport</a:t>
-            </a:r>
-            <a:r>
-              <a:rPr lang="fr-FR" dirty="0" smtClean="0"/>
-              <a:t> </a:t>
-            </a:r>
-            <a:r>
-              <a:rPr lang="fr-FR" dirty="0"/>
-              <a:t>class </a:t>
-            </a:r>
-            <a:r>
-              <a:rPr lang="fr-FR" dirty="0" smtClean="0"/>
-              <a:t>which </a:t>
-            </a:r>
-            <a:r>
-              <a:rPr lang="fr-FR" dirty="0" err="1" smtClean="0"/>
-              <a:t>works</a:t>
-            </a:r>
-            <a:r>
-              <a:rPr lang="fr-FR" dirty="0" smtClean="0"/>
-              <a:t> with</a:t>
-            </a:r>
-            <a:r>
-              <a:rPr lang="fr-FR" dirty="0"/>
-              <a:t>:</a:t>
-            </a:r>
-          </a:p>
-          <a:p>
-            <a:pPr lvl="1"/>
-            <a:r>
-              <a:rPr lang="en-US" dirty="0"/>
-              <a:t>An </a:t>
-            </a:r>
-            <a:r>
-              <a:rPr lang="en-US" b="1" dirty="0" err="1"/>
-              <a:t>ISourceViewer</a:t>
-            </a:r>
-            <a:endParaRPr lang="en-US" b="1" dirty="0"/>
-          </a:p>
-          <a:p>
-            <a:pPr lvl="1"/>
-            <a:r>
-              <a:rPr lang="en-US" dirty="0"/>
-              <a:t>Source viewer </a:t>
-            </a:r>
-            <a:r>
-              <a:rPr lang="en-US" dirty="0" smtClean="0"/>
-              <a:t>configured </a:t>
-            </a:r>
-            <a:r>
-              <a:rPr lang="en-US" dirty="0"/>
-              <a:t>with </a:t>
-            </a:r>
-            <a:r>
-              <a:rPr lang="en-US" b="1" dirty="0" err="1" smtClean="0"/>
-              <a:t>AnnotationPainter</a:t>
-            </a:r>
-            <a:endParaRPr lang="en-US" b="1" dirty="0" smtClean="0"/>
-          </a:p>
-          <a:p>
-            <a:pPr lvl="1"/>
-            <a:r>
-              <a:rPr lang="fr-FR" b="1" dirty="0" err="1"/>
-              <a:t>doesn’t</a:t>
-            </a:r>
-            <a:r>
-              <a:rPr lang="fr-FR" b="1" dirty="0"/>
-              <a:t> </a:t>
-            </a:r>
-            <a:r>
-              <a:rPr lang="fr-FR" b="1" dirty="0" err="1"/>
-              <a:t>take</a:t>
-            </a:r>
-            <a:r>
-              <a:rPr lang="fr-FR" b="1" dirty="0"/>
-              <a:t> care of performance</a:t>
-            </a:r>
-            <a:r>
-              <a:rPr lang="fr-FR" dirty="0"/>
-              <a:t> to </a:t>
-            </a:r>
-            <a:r>
-              <a:rPr lang="fr-FR" dirty="0" err="1"/>
-              <a:t>compute</a:t>
-            </a:r>
-            <a:r>
-              <a:rPr lang="fr-FR" dirty="0"/>
-              <a:t> content of annotation(UI </a:t>
-            </a:r>
-            <a:r>
-              <a:rPr lang="fr-FR" dirty="0" err="1"/>
-              <a:t>freeze</a:t>
-            </a:r>
-            <a:r>
-              <a:rPr lang="fr-FR" dirty="0" smtClean="0"/>
-              <a:t>)</a:t>
-            </a:r>
-            <a:endParaRPr lang="en-US" b="1" dirty="0" smtClean="0"/>
-          </a:p>
-          <a:p>
-            <a:r>
-              <a:rPr lang="fr-FR" dirty="0" smtClean="0"/>
-              <a:t>InlinedAnnotationSupport </a:t>
-            </a:r>
-            <a:r>
-              <a:rPr lang="fr-FR" dirty="0" err="1" smtClean="0"/>
-              <a:t>provides</a:t>
-            </a:r>
-            <a:r>
-              <a:rPr lang="fr-FR" dirty="0" smtClean="0"/>
-              <a:t> 2 </a:t>
-            </a:r>
-            <a:r>
-              <a:rPr lang="fr-FR" dirty="0" err="1" smtClean="0"/>
-              <a:t>methods</a:t>
-            </a:r>
-            <a:r>
-              <a:rPr lang="fr-FR" dirty="0" smtClean="0"/>
-              <a:t>:</a:t>
-            </a:r>
-          </a:p>
-          <a:p>
-            <a:pPr lvl="1"/>
-            <a:r>
-              <a:rPr lang="fr-FR" b="1" dirty="0" err="1" smtClean="0"/>
-              <a:t>findExistingAnnotation</a:t>
-            </a:r>
-            <a:r>
-              <a:rPr lang="fr-FR" dirty="0" smtClean="0"/>
-              <a:t>(Position </a:t>
-            </a:r>
-            <a:r>
-              <a:rPr lang="fr-FR" dirty="0" err="1" smtClean="0"/>
-              <a:t>position</a:t>
-            </a:r>
-            <a:r>
-              <a:rPr lang="fr-FR" dirty="0" smtClean="0"/>
-              <a:t>)</a:t>
-            </a:r>
-          </a:p>
-          <a:p>
-            <a:pPr lvl="1"/>
-            <a:r>
-              <a:rPr lang="fr-FR" b="1" dirty="0" err="1" smtClean="0"/>
-              <a:t>updateAnnotations</a:t>
-            </a:r>
-            <a:r>
-              <a:rPr lang="fr-FR" dirty="0" smtClean="0"/>
-              <a:t>(Set&lt;</a:t>
-            </a:r>
-            <a:r>
-              <a:rPr lang="fr-FR" dirty="0" err="1" smtClean="0"/>
-              <a:t>AbstractInlinedAnnotation</a:t>
-            </a:r>
-            <a:r>
-              <a:rPr lang="fr-FR" dirty="0" smtClean="0"/>
-              <a:t>&gt; annotations)</a:t>
-            </a:r>
-            <a:endParaRPr lang="en-US" dirty="0" smtClean="0"/>
-          </a:p>
-          <a:p>
-            <a:pPr marL="0" indent="0">
-              <a:buNone/>
-            </a:pPr>
-            <a:endParaRPr lang="fr-FR" dirty="0"/>
-          </a:p>
-        </p:txBody>
-      </p:sp>
-    </p:spTree>
-    <p:extLst>
-      <p:ext uri="{BB962C8B-B14F-4D97-AF65-F5344CB8AC3E}">
-        <p14:creationId xmlns:p14="http://schemas.microsoft.com/office/powerpoint/2010/main" val="4269009169"/>
-      </p:ext>
-    </p:extLst>
-  </p:cSld>
-  <p:clrMapOvr>
-    <a:masterClrMapping/>
-  </p:clrMapOvr>
-  <p:timing>
-    <p:tnLst>
-      <p:par>
-        <p:cTn id="1" dur="indefinite" restart="never" nodeType="tmRoot"/>
-      </p:par>
-    </p:tnLst>
-  </p:timing>
-</p:sld>
-</file>
-
-<file path=ppt/slides/slide7.xml><?xml version="1.0" encoding="utf-8"?>
-<p:sld xmlns:a="http://schemas.openxmlformats.org/drawingml/2006/main" xmlns:r="http://schemas.openxmlformats.org/officeDocument/2006/relationships" xmlns:p="http://schemas.openxmlformats.org/presentationml/2006/main">
-  <p:cSld>
-    <p:spTree>
-      <p:nvGrpSpPr>
-        <p:cNvPr id="1" name=""/>
-        <p:cNvGrpSpPr/>
-        <p:nvPr/>
-      </p:nvGrpSpPr>
-      <p:grpSpPr>
-        <a:xfrm>
-          <a:off x="0" y="0"/>
-          <a:ext cx="0" cy="0"/>
-          <a:chOff x="0" y="0"/>
-          <a:chExt cx="0" cy="0"/>
-        </a:xfrm>
-      </p:grpSpPr>
-      <p:sp>
-        <p:nvSpPr>
-          <p:cNvPr id="2" name="Titre 1"/>
-          <p:cNvSpPr>
-            <a:spLocks noGrp="1"/>
-          </p:cNvSpPr>
-          <p:nvPr>
-            <p:ph type="title"/>
-          </p:nvPr>
-        </p:nvSpPr>
-        <p:spPr/>
-        <p:txBody>
-          <a:bodyPr>
-            <a:normAutofit fontScale="90000"/>
-          </a:bodyPr>
-          <a:lstStyle/>
-          <a:p>
-            <a:r>
               <a:rPr lang="fr-FR" dirty="0" err="1"/>
               <a:t>Emoji</a:t>
             </a:r>
@@ -21369,7 +18418,6 @@
               <a:rPr lang="fr-FR" dirty="0"/>
               <a:t>a simple main</a:t>
             </a:r>
-            <a:endParaRPr lang="fr-FR" dirty="0"/>
           </a:p>
         </p:txBody>
       </p:sp>
@@ -21620,7 +18668,7 @@
 </p:sld>
 </file>
 
-<file path=ppt/slides/slide8.xml><?xml version="1.0" encoding="utf-8"?>
+<file path=ppt/slides/slide7.xml><?xml version="1.0" encoding="utf-8"?>
 <p:sld xmlns:a="http://schemas.openxmlformats.org/drawingml/2006/main" xmlns:r="http://schemas.openxmlformats.org/officeDocument/2006/relationships" xmlns:p="http://schemas.openxmlformats.org/presentationml/2006/main">
   <p:cSld>
     <p:spTree>
@@ -21870,7 +18918,7 @@
 </p:sld>
 </file>
 
-<file path=ppt/slides/slide9.xml><?xml version="1.0" encoding="utf-8"?>
+<file path=ppt/slides/slide8.xml><?xml version="1.0" encoding="utf-8"?>
 <p:sld xmlns:a="http://schemas.openxmlformats.org/drawingml/2006/main" xmlns:r="http://schemas.openxmlformats.org/officeDocument/2006/relationships" xmlns:p="http://schemas.openxmlformats.org/presentationml/2006/main">
   <p:cSld>
     <p:spTree>
@@ -22194,6 +19242,350 @@
     <p:extLst>
       <p:ext uri="{BB962C8B-B14F-4D97-AF65-F5344CB8AC3E}">
         <p14:creationId xmlns:p14="http://schemas.microsoft.com/office/powerpoint/2010/main" val="2623097419"/>
+      </p:ext>
+    </p:extLst>
+  </p:cSld>
+  <p:clrMapOvr>
+    <a:masterClrMapping/>
+  </p:clrMapOvr>
+  <p:timing>
+    <p:tnLst>
+      <p:par>
+        <p:cTn id="1" dur="indefinite" restart="never" nodeType="tmRoot"/>
+      </p:par>
+    </p:tnLst>
+  </p:timing>
+</p:sld>
+</file>
+
+<file path=ppt/slides/slide9.xml><?xml version="1.0" encoding="utf-8"?>
+<p:sld xmlns:a="http://schemas.openxmlformats.org/drawingml/2006/main" xmlns:r="http://schemas.openxmlformats.org/officeDocument/2006/relationships" xmlns:p="http://schemas.openxmlformats.org/presentationml/2006/main">
+  <p:cSld>
+    <p:spTree>
+      <p:nvGrpSpPr>
+        <p:cNvPr id="1" name=""/>
+        <p:cNvGrpSpPr/>
+        <p:nvPr/>
+      </p:nvGrpSpPr>
+      <p:grpSpPr>
+        <a:xfrm>
+          <a:off x="0" y="0"/>
+          <a:ext cx="0" cy="0"/>
+          <a:chOff x="0" y="0"/>
+          <a:chExt cx="0" cy="0"/>
+        </a:xfrm>
+      </p:grpSpPr>
+      <p:sp>
+        <p:nvSpPr>
+          <p:cNvPr id="2" name="Titre 1"/>
+          <p:cNvSpPr>
+            <a:spLocks noGrp="1"/>
+          </p:cNvSpPr>
+          <p:nvPr>
+            <p:ph type="title"/>
+          </p:nvPr>
+        </p:nvSpPr>
+        <p:spPr>
+          <a:xfrm>
+            <a:off x="35496" y="339502"/>
+            <a:ext cx="9108504" cy="565175"/>
+          </a:xfrm>
+        </p:spPr>
+        <p:txBody>
+          <a:bodyPr>
+            <a:normAutofit fontScale="90000"/>
+          </a:bodyPr>
+          <a:lstStyle/>
+          <a:p>
+            <a:r>
+              <a:rPr lang="fr-FR" dirty="0" err="1"/>
+              <a:t>What</a:t>
+            </a:r>
+            <a:r>
+              <a:rPr lang="fr-FR" dirty="0"/>
+              <a:t> </a:t>
+            </a:r>
+            <a:r>
+              <a:rPr lang="fr-FR" dirty="0" err="1"/>
+              <a:t>is</a:t>
+            </a:r>
+            <a:r>
+              <a:rPr lang="fr-FR" dirty="0"/>
+              <a:t> </a:t>
+            </a:r>
+            <a:r>
+              <a:rPr lang="fr-FR" dirty="0" err="1"/>
+              <a:t>difference</a:t>
+            </a:r>
+            <a:r>
+              <a:rPr lang="fr-FR" dirty="0"/>
+              <a:t> </a:t>
+            </a:r>
+            <a:r>
+              <a:rPr lang="fr-FR" dirty="0" err="1" smtClean="0"/>
+              <a:t>with</a:t>
+            </a:r>
+            <a:r>
+              <a:rPr lang="fr-FR" dirty="0" smtClean="0"/>
+              <a:t> </a:t>
+            </a:r>
+            <a:r>
+              <a:rPr lang="fr-FR" b="1" dirty="0" err="1" smtClean="0"/>
+              <a:t>InlinedAnnotationSupport</a:t>
+            </a:r>
+            <a:r>
+              <a:rPr lang="fr-FR" dirty="0"/>
+              <a:t>?</a:t>
+            </a:r>
+            <a:br>
+              <a:rPr lang="fr-FR" dirty="0"/>
+            </a:br>
+            <a:r>
+              <a:rPr lang="fr-FR" dirty="0"/>
+              <a:t> </a:t>
+            </a:r>
+          </a:p>
+        </p:txBody>
+      </p:sp>
+      <p:sp>
+        <p:nvSpPr>
+          <p:cNvPr id="3" name="Espace réservé du contenu 2"/>
+          <p:cNvSpPr>
+            <a:spLocks noGrp="1"/>
+          </p:cNvSpPr>
+          <p:nvPr>
+            <p:ph idx="1"/>
+          </p:nvPr>
+        </p:nvSpPr>
+        <p:spPr/>
+        <p:txBody>
+          <a:bodyPr>
+            <a:normAutofit/>
+          </a:bodyPr>
+          <a:lstStyle/>
+          <a:p>
+            <a:r>
+              <a:rPr lang="fr-FR" dirty="0" smtClean="0"/>
+              <a:t>Manage </a:t>
+            </a:r>
+            <a:r>
+              <a:rPr lang="fr-FR" b="1" dirty="0" err="1" smtClean="0"/>
+              <a:t>mining</a:t>
+            </a:r>
+            <a:r>
+              <a:rPr lang="fr-FR" b="1" dirty="0" smtClean="0"/>
+              <a:t> </a:t>
+            </a:r>
+            <a:r>
+              <a:rPr lang="fr-FR" dirty="0" smtClean="0"/>
+              <a:t>instances </a:t>
+            </a:r>
+            <a:r>
+              <a:rPr lang="fr-FR" dirty="0" err="1" smtClean="0"/>
+              <a:t>instead</a:t>
+            </a:r>
+            <a:r>
+              <a:rPr lang="fr-FR" dirty="0" smtClean="0"/>
+              <a:t> of </a:t>
+            </a:r>
+            <a:r>
+              <a:rPr lang="fr-FR" b="1" dirty="0" smtClean="0"/>
+              <a:t>annotation</a:t>
+            </a:r>
+            <a:r>
+              <a:rPr lang="fr-FR" dirty="0" smtClean="0"/>
+              <a:t> instances:</a:t>
+            </a:r>
+          </a:p>
+          <a:p>
+            <a:pPr lvl="1"/>
+            <a:r>
+              <a:rPr lang="fr-FR" dirty="0" err="1" smtClean="0"/>
+              <a:t>LineHeaderCodeMining</a:t>
+            </a:r>
+            <a:endParaRPr lang="fr-FR" dirty="0" smtClean="0"/>
+          </a:p>
+          <a:p>
+            <a:pPr lvl="1"/>
+            <a:r>
+              <a:rPr lang="fr-FR" dirty="0" err="1" smtClean="0"/>
+              <a:t>LineContentCodeMining</a:t>
+            </a:r>
+            <a:endParaRPr lang="fr-FR" dirty="0" smtClean="0"/>
+          </a:p>
+          <a:p>
+            <a:r>
+              <a:rPr lang="fr-FR" dirty="0" err="1" smtClean="0"/>
+              <a:t>CodeMining</a:t>
+            </a:r>
+            <a:r>
+              <a:rPr lang="fr-FR" dirty="0" smtClean="0"/>
+              <a:t> use the support to </a:t>
+            </a:r>
+            <a:r>
+              <a:rPr lang="fr-FR" b="1" dirty="0" err="1" smtClean="0"/>
+              <a:t>draw</a:t>
+            </a:r>
+            <a:r>
+              <a:rPr lang="fr-FR" b="1" dirty="0" smtClean="0"/>
+              <a:t> </a:t>
+            </a:r>
+            <a:r>
+              <a:rPr lang="fr-FR" b="1" dirty="0" err="1" smtClean="0"/>
+              <a:t>mining</a:t>
+            </a:r>
+            <a:endParaRPr lang="fr-FR" b="1" dirty="0" smtClean="0"/>
+          </a:p>
+          <a:p>
+            <a:r>
+              <a:rPr lang="fr-FR" b="1" dirty="0" err="1" smtClean="0"/>
+              <a:t>don’t</a:t>
+            </a:r>
+            <a:r>
+              <a:rPr lang="fr-FR" b="1" dirty="0" smtClean="0"/>
+              <a:t> </a:t>
+            </a:r>
+            <a:r>
+              <a:rPr lang="fr-FR" b="1" dirty="0" err="1" smtClean="0"/>
+              <a:t>freeze</a:t>
+            </a:r>
+            <a:r>
+              <a:rPr lang="fr-FR" b="1" dirty="0" smtClean="0"/>
+              <a:t> the UI :</a:t>
+            </a:r>
+          </a:p>
+          <a:p>
+            <a:pPr lvl="1"/>
+            <a:r>
+              <a:rPr lang="fr-FR" dirty="0" smtClean="0"/>
+              <a:t>Code </a:t>
+            </a:r>
+            <a:r>
+              <a:rPr lang="fr-FR" dirty="0" err="1" smtClean="0"/>
+              <a:t>mining</a:t>
+            </a:r>
+            <a:r>
+              <a:rPr lang="fr-FR" dirty="0" smtClean="0"/>
+              <a:t> instances are </a:t>
+            </a:r>
+            <a:r>
+              <a:rPr lang="fr-FR" dirty="0" err="1" smtClean="0"/>
+              <a:t>created</a:t>
+            </a:r>
+            <a:r>
+              <a:rPr lang="fr-FR" dirty="0" smtClean="0"/>
+              <a:t> in background</a:t>
+            </a:r>
+          </a:p>
+          <a:p>
+            <a:pPr lvl="1"/>
+            <a:r>
+              <a:rPr lang="fr-FR" dirty="0" err="1" smtClean="0"/>
+              <a:t>Draw</a:t>
+            </a:r>
+            <a:r>
+              <a:rPr lang="fr-FR" dirty="0" smtClean="0"/>
+              <a:t> of code </a:t>
+            </a:r>
+            <a:r>
+              <a:rPr lang="fr-FR" dirty="0" err="1" smtClean="0"/>
+              <a:t>mining</a:t>
+            </a:r>
+            <a:r>
+              <a:rPr lang="fr-FR" dirty="0" smtClean="0"/>
+              <a:t> </a:t>
+            </a:r>
+            <a:r>
+              <a:rPr lang="fr-FR" dirty="0" err="1" smtClean="0"/>
+              <a:t>is</a:t>
+            </a:r>
+            <a:r>
+              <a:rPr lang="fr-FR" dirty="0" smtClean="0"/>
+              <a:t> </a:t>
+            </a:r>
+            <a:r>
+              <a:rPr lang="fr-FR" dirty="0" err="1" smtClean="0"/>
+              <a:t>done</a:t>
+            </a:r>
+            <a:r>
+              <a:rPr lang="fr-FR" dirty="0" smtClean="0"/>
+              <a:t> </a:t>
+            </a:r>
+            <a:r>
+              <a:rPr lang="fr-FR" dirty="0" err="1" smtClean="0"/>
+              <a:t>only</a:t>
+            </a:r>
+            <a:r>
+              <a:rPr lang="fr-FR" dirty="0" smtClean="0"/>
+              <a:t> </a:t>
+            </a:r>
+            <a:r>
+              <a:rPr lang="fr-FR" dirty="0" err="1" smtClean="0"/>
+              <a:t>when</a:t>
+            </a:r>
+            <a:r>
+              <a:rPr lang="fr-FR" dirty="0" smtClean="0"/>
+              <a:t> content </a:t>
+            </a:r>
+            <a:r>
+              <a:rPr lang="fr-FR" dirty="0" err="1" smtClean="0"/>
+              <a:t>is</a:t>
+            </a:r>
+            <a:r>
+              <a:rPr lang="fr-FR" dirty="0" smtClean="0"/>
+              <a:t> </a:t>
+            </a:r>
+            <a:r>
+              <a:rPr lang="fr-FR" dirty="0" err="1" smtClean="0"/>
+              <a:t>ready</a:t>
+            </a:r>
+            <a:r>
+              <a:rPr lang="fr-FR" dirty="0" smtClean="0"/>
+              <a:t>.</a:t>
+            </a:r>
+            <a:endParaRPr lang="fr-FR" dirty="0"/>
+          </a:p>
+          <a:p>
+            <a:endParaRPr lang="fr-FR" dirty="0"/>
+          </a:p>
+          <a:p>
+            <a:pPr lvl="2"/>
+            <a:endParaRPr lang="fr-FR" dirty="0" smtClean="0"/>
+          </a:p>
+          <a:p>
+            <a:pPr lvl="2"/>
+            <a:endParaRPr lang="fr-FR" dirty="0" smtClean="0"/>
+          </a:p>
+        </p:txBody>
+      </p:sp>
+      <p:pic>
+        <p:nvPicPr>
+          <p:cNvPr id="4" name="Image 3"/>
+          <p:cNvPicPr>
+            <a:picLocks noChangeAspect="1"/>
+          </p:cNvPicPr>
+          <p:nvPr/>
+        </p:nvPicPr>
+        <p:blipFill>
+          <a:blip r:embed="rId2"/>
+          <a:stretch>
+            <a:fillRect/>
+          </a:stretch>
+        </p:blipFill>
+        <p:spPr>
+          <a:xfrm>
+            <a:off x="6140586" y="1377487"/>
+            <a:ext cx="2880320" cy="1632443"/>
+          </a:xfrm>
+          <a:prstGeom prst="rect">
+            <a:avLst/>
+          </a:prstGeom>
+        </p:spPr>
+      </p:pic>
+    </p:spTree>
+    <p:extLst>
+      <p:ext uri="{BB962C8B-B14F-4D97-AF65-F5344CB8AC3E}">
+        <p14:creationId xmlns:p14="http://schemas.microsoft.com/office/powerpoint/2010/main" val="302506574"/>
       </p:ext>
     </p:extLst>
   </p:cSld>
